--- a/Fullstack Tutorial.pptx
+++ b/Fullstack Tutorial.pptx
@@ -4,21 +4,37 @@
   <p:sldMasterIdLst>
     <p:sldMasterId id="2147483648" r:id="rId1"/>
   </p:sldMasterIdLst>
+  <p:notesMasterIdLst>
+    <p:notesMasterId r:id="rId29"/>
+  </p:notesMasterIdLst>
   <p:sldIdLst>
     <p:sldId id="256" r:id="rId2"/>
     <p:sldId id="257" r:id="rId3"/>
     <p:sldId id="259" r:id="rId4"/>
-    <p:sldId id="260" r:id="rId5"/>
-    <p:sldId id="258" r:id="rId6"/>
-    <p:sldId id="261" r:id="rId7"/>
-    <p:sldId id="262" r:id="rId8"/>
-    <p:sldId id="265" r:id="rId9"/>
-    <p:sldId id="264" r:id="rId10"/>
-    <p:sldId id="267" r:id="rId11"/>
-    <p:sldId id="266" r:id="rId12"/>
-    <p:sldId id="268" r:id="rId13"/>
-    <p:sldId id="270" r:id="rId14"/>
-    <p:sldId id="271" r:id="rId15"/>
+    <p:sldId id="273" r:id="rId5"/>
+    <p:sldId id="260" r:id="rId6"/>
+    <p:sldId id="258" r:id="rId7"/>
+    <p:sldId id="261" r:id="rId8"/>
+    <p:sldId id="274" r:id="rId9"/>
+    <p:sldId id="262" r:id="rId10"/>
+    <p:sldId id="265" r:id="rId11"/>
+    <p:sldId id="264" r:id="rId12"/>
+    <p:sldId id="267" r:id="rId13"/>
+    <p:sldId id="266" r:id="rId14"/>
+    <p:sldId id="268" r:id="rId15"/>
+    <p:sldId id="270" r:id="rId16"/>
+    <p:sldId id="271" r:id="rId17"/>
+    <p:sldId id="275" r:id="rId18"/>
+    <p:sldId id="277" r:id="rId19"/>
+    <p:sldId id="278" r:id="rId20"/>
+    <p:sldId id="279" r:id="rId21"/>
+    <p:sldId id="280" r:id="rId22"/>
+    <p:sldId id="282" r:id="rId23"/>
+    <p:sldId id="281" r:id="rId24"/>
+    <p:sldId id="283" r:id="rId25"/>
+    <p:sldId id="284" r:id="rId26"/>
+    <p:sldId id="285" r:id="rId27"/>
+    <p:sldId id="286" r:id="rId28"/>
   </p:sldIdLst>
   <p:sldSz cx="12192000" cy="6858000"/>
   <p:notesSz cx="6858000" cy="9144000"/>
@@ -117,7 +133,709 @@
       </a:defRPr>
     </a:lvl9pPr>
   </p:defaultTextStyle>
+  <p:extLst>
+    <p:ext uri="{EFAFB233-063F-42B5-8137-9DF3F51BA10A}">
+      <p15:sldGuideLst xmlns:p15="http://schemas.microsoft.com/office/powerpoint/2012/main"/>
+    </p:ext>
+  </p:extLst>
 </p:presentation>
+</file>
+
+<file path=ppt/notesMasters/notesMaster1.xml><?xml version="1.0" encoding="utf-8"?>
+<p:notesMaster xmlns:a="http://schemas.openxmlformats.org/drawingml/2006/main" xmlns:r="http://schemas.openxmlformats.org/officeDocument/2006/relationships" xmlns:p="http://schemas.openxmlformats.org/presentationml/2006/main">
+  <p:cSld>
+    <p:bg>
+      <p:bgRef idx="1001">
+        <a:schemeClr val="bg1"/>
+      </p:bgRef>
+    </p:bg>
+    <p:spTree>
+      <p:nvGrpSpPr>
+        <p:cNvPr id="1" name=""/>
+        <p:cNvGrpSpPr/>
+        <p:nvPr/>
+      </p:nvGrpSpPr>
+      <p:grpSpPr>
+        <a:xfrm>
+          <a:off x="0" y="0"/>
+          <a:ext cx="0" cy="0"/>
+          <a:chOff x="0" y="0"/>
+          <a:chExt cx="0" cy="0"/>
+        </a:xfrm>
+      </p:grpSpPr>
+      <p:sp>
+        <p:nvSpPr>
+          <p:cNvPr id="2" name="Header Placeholder 1"/>
+          <p:cNvSpPr>
+            <a:spLocks noGrp="1"/>
+          </p:cNvSpPr>
+          <p:nvPr>
+            <p:ph type="hdr" sz="quarter"/>
+          </p:nvPr>
+        </p:nvSpPr>
+        <p:spPr>
+          <a:xfrm>
+            <a:off x="0" y="0"/>
+            <a:ext cx="2971800" cy="458788"/>
+          </a:xfrm>
+          <a:prstGeom prst="rect">
+            <a:avLst/>
+          </a:prstGeom>
+        </p:spPr>
+        <p:txBody>
+          <a:bodyPr vert="horz" lIns="91440" tIns="45720" rIns="91440" bIns="45720" rtlCol="0"/>
+          <a:lstStyle>
+            <a:lvl1pPr algn="l">
+              <a:defRPr sz="1200"/>
+            </a:lvl1pPr>
+          </a:lstStyle>
+          <a:p>
+            <a:endParaRPr lang="en-US"/>
+          </a:p>
+        </p:txBody>
+      </p:sp>
+      <p:sp>
+        <p:nvSpPr>
+          <p:cNvPr id="3" name="Date Placeholder 2"/>
+          <p:cNvSpPr>
+            <a:spLocks noGrp="1"/>
+          </p:cNvSpPr>
+          <p:nvPr>
+            <p:ph type="dt" idx="1"/>
+          </p:nvPr>
+        </p:nvSpPr>
+        <p:spPr>
+          <a:xfrm>
+            <a:off x="3884613" y="0"/>
+            <a:ext cx="2971800" cy="458788"/>
+          </a:xfrm>
+          <a:prstGeom prst="rect">
+            <a:avLst/>
+          </a:prstGeom>
+        </p:spPr>
+        <p:txBody>
+          <a:bodyPr vert="horz" lIns="91440" tIns="45720" rIns="91440" bIns="45720" rtlCol="0"/>
+          <a:lstStyle>
+            <a:lvl1pPr algn="r">
+              <a:defRPr sz="1200"/>
+            </a:lvl1pPr>
+          </a:lstStyle>
+          <a:p>
+            <a:fld id="{F0BEF4C3-2D3E-4C6A-B256-8B3B2A881B8E}" type="datetimeFigureOut">
+              <a:rPr lang="en-US" smtClean="0"/>
+              <a:t>12/19/2019</a:t>
+            </a:fld>
+            <a:endParaRPr lang="en-US"/>
+          </a:p>
+        </p:txBody>
+      </p:sp>
+      <p:sp>
+        <p:nvSpPr>
+          <p:cNvPr id="4" name="Slide Image Placeholder 3"/>
+          <p:cNvSpPr>
+            <a:spLocks noGrp="1" noRot="1" noChangeAspect="1"/>
+          </p:cNvSpPr>
+          <p:nvPr>
+            <p:ph type="sldImg" idx="2"/>
+          </p:nvPr>
+        </p:nvSpPr>
+        <p:spPr>
+          <a:xfrm>
+            <a:off x="685800" y="1143000"/>
+            <a:ext cx="5486400" cy="3086100"/>
+          </a:xfrm>
+          <a:prstGeom prst="rect">
+            <a:avLst/>
+          </a:prstGeom>
+          <a:noFill/>
+          <a:ln w="12700">
+            <a:solidFill>
+              <a:prstClr val="black"/>
+            </a:solidFill>
+          </a:ln>
+        </p:spPr>
+        <p:txBody>
+          <a:bodyPr vert="horz" lIns="91440" tIns="45720" rIns="91440" bIns="45720" rtlCol="0" anchor="ctr"/>
+          <a:lstStyle/>
+          <a:p>
+            <a:endParaRPr lang="en-US"/>
+          </a:p>
+        </p:txBody>
+      </p:sp>
+      <p:sp>
+        <p:nvSpPr>
+          <p:cNvPr id="5" name="Notes Placeholder 4"/>
+          <p:cNvSpPr>
+            <a:spLocks noGrp="1"/>
+          </p:cNvSpPr>
+          <p:nvPr>
+            <p:ph type="body" sz="quarter" idx="3"/>
+          </p:nvPr>
+        </p:nvSpPr>
+        <p:spPr>
+          <a:xfrm>
+            <a:off x="685800" y="4400550"/>
+            <a:ext cx="5486400" cy="3600450"/>
+          </a:xfrm>
+          <a:prstGeom prst="rect">
+            <a:avLst/>
+          </a:prstGeom>
+        </p:spPr>
+        <p:txBody>
+          <a:bodyPr vert="horz" lIns="91440" tIns="45720" rIns="91440" bIns="45720" rtlCol="0"/>
+          <a:lstStyle/>
+          <a:p>
+            <a:pPr lvl="0"/>
+            <a:r>
+              <a:rPr lang="en-US"/>
+              <a:t>Click to edit Master text styles</a:t>
+            </a:r>
+          </a:p>
+          <a:p>
+            <a:pPr lvl="1"/>
+            <a:r>
+              <a:rPr lang="en-US"/>
+              <a:t>Second level</a:t>
+            </a:r>
+          </a:p>
+          <a:p>
+            <a:pPr lvl="2"/>
+            <a:r>
+              <a:rPr lang="en-US"/>
+              <a:t>Third level</a:t>
+            </a:r>
+          </a:p>
+          <a:p>
+            <a:pPr lvl="3"/>
+            <a:r>
+              <a:rPr lang="en-US"/>
+              <a:t>Fourth level</a:t>
+            </a:r>
+          </a:p>
+          <a:p>
+            <a:pPr lvl="4"/>
+            <a:r>
+              <a:rPr lang="en-US"/>
+              <a:t>Fifth level</a:t>
+            </a:r>
+          </a:p>
+        </p:txBody>
+      </p:sp>
+      <p:sp>
+        <p:nvSpPr>
+          <p:cNvPr id="6" name="Footer Placeholder 5"/>
+          <p:cNvSpPr>
+            <a:spLocks noGrp="1"/>
+          </p:cNvSpPr>
+          <p:nvPr>
+            <p:ph type="ftr" sz="quarter" idx="4"/>
+          </p:nvPr>
+        </p:nvSpPr>
+        <p:spPr>
+          <a:xfrm>
+            <a:off x="0" y="8685213"/>
+            <a:ext cx="2971800" cy="458787"/>
+          </a:xfrm>
+          <a:prstGeom prst="rect">
+            <a:avLst/>
+          </a:prstGeom>
+        </p:spPr>
+        <p:txBody>
+          <a:bodyPr vert="horz" lIns="91440" tIns="45720" rIns="91440" bIns="45720" rtlCol="0" anchor="b"/>
+          <a:lstStyle>
+            <a:lvl1pPr algn="l">
+              <a:defRPr sz="1200"/>
+            </a:lvl1pPr>
+          </a:lstStyle>
+          <a:p>
+            <a:endParaRPr lang="en-US"/>
+          </a:p>
+        </p:txBody>
+      </p:sp>
+      <p:sp>
+        <p:nvSpPr>
+          <p:cNvPr id="7" name="Slide Number Placeholder 6"/>
+          <p:cNvSpPr>
+            <a:spLocks noGrp="1"/>
+          </p:cNvSpPr>
+          <p:nvPr>
+            <p:ph type="sldNum" sz="quarter" idx="5"/>
+          </p:nvPr>
+        </p:nvSpPr>
+        <p:spPr>
+          <a:xfrm>
+            <a:off x="3884613" y="8685213"/>
+            <a:ext cx="2971800" cy="458787"/>
+          </a:xfrm>
+          <a:prstGeom prst="rect">
+            <a:avLst/>
+          </a:prstGeom>
+        </p:spPr>
+        <p:txBody>
+          <a:bodyPr vert="horz" lIns="91440" tIns="45720" rIns="91440" bIns="45720" rtlCol="0" anchor="b"/>
+          <a:lstStyle>
+            <a:lvl1pPr algn="r">
+              <a:defRPr sz="1200"/>
+            </a:lvl1pPr>
+          </a:lstStyle>
+          <a:p>
+            <a:fld id="{CACC79B5-E2BF-4B57-9564-0912E3E75A73}" type="slidenum">
+              <a:rPr lang="en-US" smtClean="0"/>
+              <a:t>‹#›</a:t>
+            </a:fld>
+            <a:endParaRPr lang="en-US"/>
+          </a:p>
+        </p:txBody>
+      </p:sp>
+    </p:spTree>
+    <p:extLst>
+      <p:ext uri="{BB962C8B-B14F-4D97-AF65-F5344CB8AC3E}">
+        <p14:creationId xmlns:p14="http://schemas.microsoft.com/office/powerpoint/2010/main" val="2156490977"/>
+      </p:ext>
+    </p:extLst>
+  </p:cSld>
+  <p:clrMap bg1="lt1" tx1="dk1" bg2="lt2" tx2="dk2" accent1="accent1" accent2="accent2" accent3="accent3" accent4="accent4" accent5="accent5" accent6="accent6" hlink="hlink" folHlink="folHlink"/>
+  <p:notesStyle>
+    <a:lvl1pPr marL="0" algn="l" defTabSz="914400" rtl="0" eaLnBrk="1" latinLnBrk="0" hangingPunct="1">
+      <a:defRPr sz="1200" kern="1200">
+        <a:solidFill>
+          <a:schemeClr val="tx1"/>
+        </a:solidFill>
+        <a:latin typeface="+mn-lt"/>
+        <a:ea typeface="+mn-ea"/>
+        <a:cs typeface="+mn-cs"/>
+      </a:defRPr>
+    </a:lvl1pPr>
+    <a:lvl2pPr marL="457200" algn="l" defTabSz="914400" rtl="0" eaLnBrk="1" latinLnBrk="0" hangingPunct="1">
+      <a:defRPr sz="1200" kern="1200">
+        <a:solidFill>
+          <a:schemeClr val="tx1"/>
+        </a:solidFill>
+        <a:latin typeface="+mn-lt"/>
+        <a:ea typeface="+mn-ea"/>
+        <a:cs typeface="+mn-cs"/>
+      </a:defRPr>
+    </a:lvl2pPr>
+    <a:lvl3pPr marL="914400" algn="l" defTabSz="914400" rtl="0" eaLnBrk="1" latinLnBrk="0" hangingPunct="1">
+      <a:defRPr sz="1200" kern="1200">
+        <a:solidFill>
+          <a:schemeClr val="tx1"/>
+        </a:solidFill>
+        <a:latin typeface="+mn-lt"/>
+        <a:ea typeface="+mn-ea"/>
+        <a:cs typeface="+mn-cs"/>
+      </a:defRPr>
+    </a:lvl3pPr>
+    <a:lvl4pPr marL="1371600" algn="l" defTabSz="914400" rtl="0" eaLnBrk="1" latinLnBrk="0" hangingPunct="1">
+      <a:defRPr sz="1200" kern="1200">
+        <a:solidFill>
+          <a:schemeClr val="tx1"/>
+        </a:solidFill>
+        <a:latin typeface="+mn-lt"/>
+        <a:ea typeface="+mn-ea"/>
+        <a:cs typeface="+mn-cs"/>
+      </a:defRPr>
+    </a:lvl4pPr>
+    <a:lvl5pPr marL="1828800" algn="l" defTabSz="914400" rtl="0" eaLnBrk="1" latinLnBrk="0" hangingPunct="1">
+      <a:defRPr sz="1200" kern="1200">
+        <a:solidFill>
+          <a:schemeClr val="tx1"/>
+        </a:solidFill>
+        <a:latin typeface="+mn-lt"/>
+        <a:ea typeface="+mn-ea"/>
+        <a:cs typeface="+mn-cs"/>
+      </a:defRPr>
+    </a:lvl5pPr>
+    <a:lvl6pPr marL="2286000" algn="l" defTabSz="914400" rtl="0" eaLnBrk="1" latinLnBrk="0" hangingPunct="1">
+      <a:defRPr sz="1200" kern="1200">
+        <a:solidFill>
+          <a:schemeClr val="tx1"/>
+        </a:solidFill>
+        <a:latin typeface="+mn-lt"/>
+        <a:ea typeface="+mn-ea"/>
+        <a:cs typeface="+mn-cs"/>
+      </a:defRPr>
+    </a:lvl6pPr>
+    <a:lvl7pPr marL="2743200" algn="l" defTabSz="914400" rtl="0" eaLnBrk="1" latinLnBrk="0" hangingPunct="1">
+      <a:defRPr sz="1200" kern="1200">
+        <a:solidFill>
+          <a:schemeClr val="tx1"/>
+        </a:solidFill>
+        <a:latin typeface="+mn-lt"/>
+        <a:ea typeface="+mn-ea"/>
+        <a:cs typeface="+mn-cs"/>
+      </a:defRPr>
+    </a:lvl7pPr>
+    <a:lvl8pPr marL="3200400" algn="l" defTabSz="914400" rtl="0" eaLnBrk="1" latinLnBrk="0" hangingPunct="1">
+      <a:defRPr sz="1200" kern="1200">
+        <a:solidFill>
+          <a:schemeClr val="tx1"/>
+        </a:solidFill>
+        <a:latin typeface="+mn-lt"/>
+        <a:ea typeface="+mn-ea"/>
+        <a:cs typeface="+mn-cs"/>
+      </a:defRPr>
+    </a:lvl8pPr>
+    <a:lvl9pPr marL="3657600" algn="l" defTabSz="914400" rtl="0" eaLnBrk="1" latinLnBrk="0" hangingPunct="1">
+      <a:defRPr sz="1200" kern="1200">
+        <a:solidFill>
+          <a:schemeClr val="tx1"/>
+        </a:solidFill>
+        <a:latin typeface="+mn-lt"/>
+        <a:ea typeface="+mn-ea"/>
+        <a:cs typeface="+mn-cs"/>
+      </a:defRPr>
+    </a:lvl9pPr>
+  </p:notesStyle>
+</p:notesMaster>
+</file>
+
+<file path=ppt/notesSlides/notesSlide1.xml><?xml version="1.0" encoding="utf-8"?>
+<p:notes xmlns:a="http://schemas.openxmlformats.org/drawingml/2006/main" xmlns:r="http://schemas.openxmlformats.org/officeDocument/2006/relationships" xmlns:p="http://schemas.openxmlformats.org/presentationml/2006/main">
+  <p:cSld>
+    <p:spTree>
+      <p:nvGrpSpPr>
+        <p:cNvPr id="1" name=""/>
+        <p:cNvGrpSpPr/>
+        <p:nvPr/>
+      </p:nvGrpSpPr>
+      <p:grpSpPr>
+        <a:xfrm>
+          <a:off x="0" y="0"/>
+          <a:ext cx="0" cy="0"/>
+          <a:chOff x="0" y="0"/>
+          <a:chExt cx="0" cy="0"/>
+        </a:xfrm>
+      </p:grpSpPr>
+      <p:sp>
+        <p:nvSpPr>
+          <p:cNvPr id="2" name="Slide Image Placeholder 1"/>
+          <p:cNvSpPr>
+            <a:spLocks noGrp="1" noRot="1" noChangeAspect="1"/>
+          </p:cNvSpPr>
+          <p:nvPr>
+            <p:ph type="sldImg"/>
+          </p:nvPr>
+        </p:nvSpPr>
+        <p:spPr/>
+      </p:sp>
+      <p:sp>
+        <p:nvSpPr>
+          <p:cNvPr id="3" name="Notes Placeholder 2"/>
+          <p:cNvSpPr>
+            <a:spLocks noGrp="1"/>
+          </p:cNvSpPr>
+          <p:nvPr>
+            <p:ph type="body" idx="1"/>
+          </p:nvPr>
+        </p:nvSpPr>
+        <p:spPr/>
+        <p:txBody>
+          <a:bodyPr/>
+          <a:lstStyle/>
+          <a:p>
+            <a:r>
+              <a:rPr lang="en-US" dirty="0"/>
+              <a:t>Templates folder is where all your html is going to be.</a:t>
+            </a:r>
+          </a:p>
+        </p:txBody>
+      </p:sp>
+      <p:sp>
+        <p:nvSpPr>
+          <p:cNvPr id="4" name="Slide Number Placeholder 3"/>
+          <p:cNvSpPr>
+            <a:spLocks noGrp="1"/>
+          </p:cNvSpPr>
+          <p:nvPr>
+            <p:ph type="sldNum" sz="quarter" idx="5"/>
+          </p:nvPr>
+        </p:nvSpPr>
+        <p:spPr/>
+        <p:txBody>
+          <a:bodyPr/>
+          <a:lstStyle/>
+          <a:p>
+            <a:fld id="{CACC79B5-E2BF-4B57-9564-0912E3E75A73}" type="slidenum">
+              <a:rPr lang="en-US" smtClean="0"/>
+              <a:t>17</a:t>
+            </a:fld>
+            <a:endParaRPr lang="en-US"/>
+          </a:p>
+        </p:txBody>
+      </p:sp>
+    </p:spTree>
+    <p:extLst>
+      <p:ext uri="{BB962C8B-B14F-4D97-AF65-F5344CB8AC3E}">
+        <p14:creationId xmlns:p14="http://schemas.microsoft.com/office/powerpoint/2010/main" val="2525061013"/>
+      </p:ext>
+    </p:extLst>
+  </p:cSld>
+  <p:clrMapOvr>
+    <a:masterClrMapping/>
+  </p:clrMapOvr>
+</p:notes>
+</file>
+
+<file path=ppt/notesSlides/notesSlide2.xml><?xml version="1.0" encoding="utf-8"?>
+<p:notes xmlns:a="http://schemas.openxmlformats.org/drawingml/2006/main" xmlns:r="http://schemas.openxmlformats.org/officeDocument/2006/relationships" xmlns:p="http://schemas.openxmlformats.org/presentationml/2006/main">
+  <p:cSld>
+    <p:spTree>
+      <p:nvGrpSpPr>
+        <p:cNvPr id="1" name=""/>
+        <p:cNvGrpSpPr/>
+        <p:nvPr/>
+      </p:nvGrpSpPr>
+      <p:grpSpPr>
+        <a:xfrm>
+          <a:off x="0" y="0"/>
+          <a:ext cx="0" cy="0"/>
+          <a:chOff x="0" y="0"/>
+          <a:chExt cx="0" cy="0"/>
+        </a:xfrm>
+      </p:grpSpPr>
+      <p:sp>
+        <p:nvSpPr>
+          <p:cNvPr id="2" name="Slide Image Placeholder 1"/>
+          <p:cNvSpPr>
+            <a:spLocks noGrp="1" noRot="1" noChangeAspect="1"/>
+          </p:cNvSpPr>
+          <p:nvPr>
+            <p:ph type="sldImg"/>
+          </p:nvPr>
+        </p:nvSpPr>
+        <p:spPr/>
+      </p:sp>
+      <p:sp>
+        <p:nvSpPr>
+          <p:cNvPr id="3" name="Notes Placeholder 2"/>
+          <p:cNvSpPr>
+            <a:spLocks noGrp="1"/>
+          </p:cNvSpPr>
+          <p:nvPr>
+            <p:ph type="body" idx="1"/>
+          </p:nvPr>
+        </p:nvSpPr>
+        <p:spPr/>
+        <p:txBody>
+          <a:bodyPr/>
+          <a:lstStyle/>
+          <a:p>
+            <a:r>
+              <a:rPr lang="en-US" dirty="0"/>
+              <a:t>With this </a:t>
+            </a:r>
+          </a:p>
+        </p:txBody>
+      </p:sp>
+      <p:sp>
+        <p:nvSpPr>
+          <p:cNvPr id="4" name="Slide Number Placeholder 3"/>
+          <p:cNvSpPr>
+            <a:spLocks noGrp="1"/>
+          </p:cNvSpPr>
+          <p:nvPr>
+            <p:ph type="sldNum" sz="quarter" idx="5"/>
+          </p:nvPr>
+        </p:nvSpPr>
+        <p:spPr/>
+        <p:txBody>
+          <a:bodyPr/>
+          <a:lstStyle/>
+          <a:p>
+            <a:fld id="{CACC79B5-E2BF-4B57-9564-0912E3E75A73}" type="slidenum">
+              <a:rPr lang="en-US" smtClean="0"/>
+              <a:t>19</a:t>
+            </a:fld>
+            <a:endParaRPr lang="en-US"/>
+          </a:p>
+        </p:txBody>
+      </p:sp>
+    </p:spTree>
+    <p:extLst>
+      <p:ext uri="{BB962C8B-B14F-4D97-AF65-F5344CB8AC3E}">
+        <p14:creationId xmlns:p14="http://schemas.microsoft.com/office/powerpoint/2010/main" val="3998079196"/>
+      </p:ext>
+    </p:extLst>
+  </p:cSld>
+  <p:clrMapOvr>
+    <a:masterClrMapping/>
+  </p:clrMapOvr>
+</p:notes>
+</file>
+
+<file path=ppt/notesSlides/notesSlide3.xml><?xml version="1.0" encoding="utf-8"?>
+<p:notes xmlns:a="http://schemas.openxmlformats.org/drawingml/2006/main" xmlns:r="http://schemas.openxmlformats.org/officeDocument/2006/relationships" xmlns:p="http://schemas.openxmlformats.org/presentationml/2006/main">
+  <p:cSld>
+    <p:spTree>
+      <p:nvGrpSpPr>
+        <p:cNvPr id="1" name=""/>
+        <p:cNvGrpSpPr/>
+        <p:nvPr/>
+      </p:nvGrpSpPr>
+      <p:grpSpPr>
+        <a:xfrm>
+          <a:off x="0" y="0"/>
+          <a:ext cx="0" cy="0"/>
+          <a:chOff x="0" y="0"/>
+          <a:chExt cx="0" cy="0"/>
+        </a:xfrm>
+      </p:grpSpPr>
+      <p:sp>
+        <p:nvSpPr>
+          <p:cNvPr id="2" name="Slide Image Placeholder 1"/>
+          <p:cNvSpPr>
+            <a:spLocks noGrp="1" noRot="1" noChangeAspect="1"/>
+          </p:cNvSpPr>
+          <p:nvPr>
+            <p:ph type="sldImg"/>
+          </p:nvPr>
+        </p:nvSpPr>
+        <p:spPr/>
+      </p:sp>
+      <p:sp>
+        <p:nvSpPr>
+          <p:cNvPr id="3" name="Notes Placeholder 2"/>
+          <p:cNvSpPr>
+            <a:spLocks noGrp="1"/>
+          </p:cNvSpPr>
+          <p:nvPr>
+            <p:ph type="body" idx="1"/>
+          </p:nvPr>
+        </p:nvSpPr>
+        <p:spPr/>
+        <p:txBody>
+          <a:bodyPr/>
+          <a:lstStyle/>
+          <a:p>
+            <a:r>
+              <a:rPr lang="en-US" dirty="0"/>
+              <a:t>With this </a:t>
+            </a:r>
+          </a:p>
+        </p:txBody>
+      </p:sp>
+      <p:sp>
+        <p:nvSpPr>
+          <p:cNvPr id="4" name="Slide Number Placeholder 3"/>
+          <p:cNvSpPr>
+            <a:spLocks noGrp="1"/>
+          </p:cNvSpPr>
+          <p:nvPr>
+            <p:ph type="sldNum" sz="quarter" idx="5"/>
+          </p:nvPr>
+        </p:nvSpPr>
+        <p:spPr/>
+        <p:txBody>
+          <a:bodyPr/>
+          <a:lstStyle/>
+          <a:p>
+            <a:fld id="{CACC79B5-E2BF-4B57-9564-0912E3E75A73}" type="slidenum">
+              <a:rPr lang="en-US" smtClean="0"/>
+              <a:t>20</a:t>
+            </a:fld>
+            <a:endParaRPr lang="en-US"/>
+          </a:p>
+        </p:txBody>
+      </p:sp>
+    </p:spTree>
+    <p:extLst>
+      <p:ext uri="{BB962C8B-B14F-4D97-AF65-F5344CB8AC3E}">
+        <p14:creationId xmlns:p14="http://schemas.microsoft.com/office/powerpoint/2010/main" val="3103814884"/>
+      </p:ext>
+    </p:extLst>
+  </p:cSld>
+  <p:clrMapOvr>
+    <a:masterClrMapping/>
+  </p:clrMapOvr>
+</p:notes>
+</file>
+
+<file path=ppt/notesSlides/notesSlide4.xml><?xml version="1.0" encoding="utf-8"?>
+<p:notes xmlns:a="http://schemas.openxmlformats.org/drawingml/2006/main" xmlns:r="http://schemas.openxmlformats.org/officeDocument/2006/relationships" xmlns:p="http://schemas.openxmlformats.org/presentationml/2006/main">
+  <p:cSld>
+    <p:spTree>
+      <p:nvGrpSpPr>
+        <p:cNvPr id="1" name=""/>
+        <p:cNvGrpSpPr/>
+        <p:nvPr/>
+      </p:nvGrpSpPr>
+      <p:grpSpPr>
+        <a:xfrm>
+          <a:off x="0" y="0"/>
+          <a:ext cx="0" cy="0"/>
+          <a:chOff x="0" y="0"/>
+          <a:chExt cx="0" cy="0"/>
+        </a:xfrm>
+      </p:grpSpPr>
+      <p:sp>
+        <p:nvSpPr>
+          <p:cNvPr id="2" name="Slide Image Placeholder 1"/>
+          <p:cNvSpPr>
+            <a:spLocks noGrp="1" noRot="1" noChangeAspect="1"/>
+          </p:cNvSpPr>
+          <p:nvPr>
+            <p:ph type="sldImg"/>
+          </p:nvPr>
+        </p:nvSpPr>
+        <p:spPr/>
+      </p:sp>
+      <p:sp>
+        <p:nvSpPr>
+          <p:cNvPr id="3" name="Notes Placeholder 2"/>
+          <p:cNvSpPr>
+            <a:spLocks noGrp="1"/>
+          </p:cNvSpPr>
+          <p:nvPr>
+            <p:ph type="body" idx="1"/>
+          </p:nvPr>
+        </p:nvSpPr>
+        <p:spPr/>
+        <p:txBody>
+          <a:bodyPr/>
+          <a:lstStyle/>
+          <a:p>
+            <a:r>
+              <a:rPr lang="en-US" dirty="0"/>
+              <a:t>How do you get the movie data to your view?</a:t>
+            </a:r>
+          </a:p>
+        </p:txBody>
+      </p:sp>
+      <p:sp>
+        <p:nvSpPr>
+          <p:cNvPr id="4" name="Slide Number Placeholder 3"/>
+          <p:cNvSpPr>
+            <a:spLocks noGrp="1"/>
+          </p:cNvSpPr>
+          <p:nvPr>
+            <p:ph type="sldNum" sz="quarter" idx="5"/>
+          </p:nvPr>
+        </p:nvSpPr>
+        <p:spPr/>
+        <p:txBody>
+          <a:bodyPr/>
+          <a:lstStyle/>
+          <a:p>
+            <a:fld id="{CACC79B5-E2BF-4B57-9564-0912E3E75A73}" type="slidenum">
+              <a:rPr lang="en-US" smtClean="0"/>
+              <a:t>23</a:t>
+            </a:fld>
+            <a:endParaRPr lang="en-US"/>
+          </a:p>
+        </p:txBody>
+      </p:sp>
+    </p:spTree>
+    <p:extLst>
+      <p:ext uri="{BB962C8B-B14F-4D97-AF65-F5344CB8AC3E}">
+        <p14:creationId xmlns:p14="http://schemas.microsoft.com/office/powerpoint/2010/main" val="1321417965"/>
+      </p:ext>
+    </p:extLst>
+  </p:cSld>
+  <p:clrMapOvr>
+    <a:masterClrMapping/>
+  </p:clrMapOvr>
+</p:notes>
 </file>
 
 <file path=ppt/slideLayouts/slideLayout1.xml><?xml version="1.0" encoding="utf-8"?>
@@ -267,7 +985,7 @@
           <a:p>
             <a:fld id="{69C76681-95F7-4B7E-8206-7CC44CA6DF40}" type="datetimeFigureOut">
               <a:rPr lang="en-US" smtClean="0"/>
-              <a:t>12/14/2019</a:t>
+              <a:t>12/19/2019</a:t>
             </a:fld>
             <a:endParaRPr lang="en-US"/>
           </a:p>
@@ -465,7 +1183,7 @@
           <a:p>
             <a:fld id="{69C76681-95F7-4B7E-8206-7CC44CA6DF40}" type="datetimeFigureOut">
               <a:rPr lang="en-US" smtClean="0"/>
-              <a:t>12/14/2019</a:t>
+              <a:t>12/19/2019</a:t>
             </a:fld>
             <a:endParaRPr lang="en-US"/>
           </a:p>
@@ -673,7 +1391,7 @@
           <a:p>
             <a:fld id="{69C76681-95F7-4B7E-8206-7CC44CA6DF40}" type="datetimeFigureOut">
               <a:rPr lang="en-US" smtClean="0"/>
-              <a:t>12/14/2019</a:t>
+              <a:t>12/19/2019</a:t>
             </a:fld>
             <a:endParaRPr lang="en-US"/>
           </a:p>
@@ -871,7 +1589,7 @@
           <a:p>
             <a:fld id="{69C76681-95F7-4B7E-8206-7CC44CA6DF40}" type="datetimeFigureOut">
               <a:rPr lang="en-US" smtClean="0"/>
-              <a:t>12/14/2019</a:t>
+              <a:t>12/19/2019</a:t>
             </a:fld>
             <a:endParaRPr lang="en-US"/>
           </a:p>
@@ -1146,7 +1864,7 @@
           <a:p>
             <a:fld id="{69C76681-95F7-4B7E-8206-7CC44CA6DF40}" type="datetimeFigureOut">
               <a:rPr lang="en-US" smtClean="0"/>
-              <a:t>12/14/2019</a:t>
+              <a:t>12/19/2019</a:t>
             </a:fld>
             <a:endParaRPr lang="en-US"/>
           </a:p>
@@ -1411,7 +2129,7 @@
           <a:p>
             <a:fld id="{69C76681-95F7-4B7E-8206-7CC44CA6DF40}" type="datetimeFigureOut">
               <a:rPr lang="en-US" smtClean="0"/>
-              <a:t>12/14/2019</a:t>
+              <a:t>12/19/2019</a:t>
             </a:fld>
             <a:endParaRPr lang="en-US"/>
           </a:p>
@@ -1823,7 +2541,7 @@
           <a:p>
             <a:fld id="{69C76681-95F7-4B7E-8206-7CC44CA6DF40}" type="datetimeFigureOut">
               <a:rPr lang="en-US" smtClean="0"/>
-              <a:t>12/14/2019</a:t>
+              <a:t>12/19/2019</a:t>
             </a:fld>
             <a:endParaRPr lang="en-US"/>
           </a:p>
@@ -1964,7 +2682,7 @@
           <a:p>
             <a:fld id="{69C76681-95F7-4B7E-8206-7CC44CA6DF40}" type="datetimeFigureOut">
               <a:rPr lang="en-US" smtClean="0"/>
-              <a:t>12/14/2019</a:t>
+              <a:t>12/19/2019</a:t>
             </a:fld>
             <a:endParaRPr lang="en-US"/>
           </a:p>
@@ -2077,7 +2795,7 @@
           <a:p>
             <a:fld id="{69C76681-95F7-4B7E-8206-7CC44CA6DF40}" type="datetimeFigureOut">
               <a:rPr lang="en-US" smtClean="0"/>
-              <a:t>12/14/2019</a:t>
+              <a:t>12/19/2019</a:t>
             </a:fld>
             <a:endParaRPr lang="en-US"/>
           </a:p>
@@ -2388,7 +3106,7 @@
           <a:p>
             <a:fld id="{69C76681-95F7-4B7E-8206-7CC44CA6DF40}" type="datetimeFigureOut">
               <a:rPr lang="en-US" smtClean="0"/>
-              <a:t>12/14/2019</a:t>
+              <a:t>12/19/2019</a:t>
             </a:fld>
             <a:endParaRPr lang="en-US"/>
           </a:p>
@@ -2676,7 +3394,7 @@
           <a:p>
             <a:fld id="{69C76681-95F7-4B7E-8206-7CC44CA6DF40}" type="datetimeFigureOut">
               <a:rPr lang="en-US" smtClean="0"/>
-              <a:t>12/14/2019</a:t>
+              <a:t>12/19/2019</a:t>
             </a:fld>
             <a:endParaRPr lang="en-US"/>
           </a:p>
@@ -2917,7 +3635,7 @@
           <a:p>
             <a:fld id="{69C76681-95F7-4B7E-8206-7CC44CA6DF40}" type="datetimeFigureOut">
               <a:rPr lang="en-US" smtClean="0"/>
-              <a:t>12/14/2019</a:t>
+              <a:t>12/19/2019</a:t>
             </a:fld>
             <a:endParaRPr lang="en-US"/>
           </a:p>
@@ -3397,6 +4115,832 @@
           <p:cNvPr id="2" name="Title 1">
             <a:extLst>
               <a:ext uri="{FF2B5EF4-FFF2-40B4-BE49-F238E27FC236}">
+                <a16:creationId xmlns:a16="http://schemas.microsoft.com/office/drawing/2014/main" id="{31CEBE52-08B2-444F-B140-09AE1FC68E99}"/>
+              </a:ext>
+            </a:extLst>
+          </p:cNvPr>
+          <p:cNvSpPr>
+            <a:spLocks noGrp="1"/>
+          </p:cNvSpPr>
+          <p:nvPr>
+            <p:ph type="title"/>
+          </p:nvPr>
+        </p:nvSpPr>
+        <p:spPr>
+          <a:xfrm>
+            <a:off x="838200" y="71511"/>
+            <a:ext cx="10515600" cy="792556"/>
+          </a:xfrm>
+        </p:spPr>
+        <p:txBody>
+          <a:bodyPr/>
+          <a:lstStyle/>
+          <a:p>
+            <a:r>
+              <a:rPr lang="en-US" dirty="0"/>
+              <a:t>Our movie database</a:t>
+            </a:r>
+          </a:p>
+        </p:txBody>
+      </p:sp>
+      <p:sp>
+        <p:nvSpPr>
+          <p:cNvPr id="4" name="Content Placeholder 3">
+            <a:extLst>
+              <a:ext uri="{FF2B5EF4-FFF2-40B4-BE49-F238E27FC236}">
+                <a16:creationId xmlns:a16="http://schemas.microsoft.com/office/drawing/2014/main" id="{EDBEB3C2-731B-43E6-948A-3F796CA8A3A6}"/>
+              </a:ext>
+            </a:extLst>
+          </p:cNvPr>
+          <p:cNvSpPr>
+            <a:spLocks noGrp="1"/>
+          </p:cNvSpPr>
+          <p:nvPr>
+            <p:ph sz="half" idx="2"/>
+          </p:nvPr>
+        </p:nvSpPr>
+        <p:spPr>
+          <a:xfrm>
+            <a:off x="6172200" y="981512"/>
+            <a:ext cx="5181600" cy="5804977"/>
+          </a:xfrm>
+        </p:spPr>
+        <p:txBody>
+          <a:bodyPr/>
+          <a:lstStyle/>
+          <a:p>
+            <a:r>
+              <a:rPr lang="en-US" dirty="0"/>
+              <a:t>Create a file </a:t>
+            </a:r>
+            <a:r>
+              <a:rPr lang="en-US" dirty="0" err="1"/>
+              <a:t>moviedb.json</a:t>
+            </a:r>
+            <a:r>
+              <a:rPr lang="en-US" dirty="0"/>
+              <a:t> inside your app folder.</a:t>
+            </a:r>
+          </a:p>
+          <a:p>
+            <a:r>
+              <a:rPr lang="en-US" dirty="0"/>
+              <a:t>Add some movies as per the shown schema</a:t>
+            </a:r>
+          </a:p>
+        </p:txBody>
+      </p:sp>
+      <p:sp>
+        <p:nvSpPr>
+          <p:cNvPr id="5" name="Content Placeholder 2">
+            <a:extLst>
+              <a:ext uri="{FF2B5EF4-FFF2-40B4-BE49-F238E27FC236}">
+                <a16:creationId xmlns:a16="http://schemas.microsoft.com/office/drawing/2014/main" id="{38D17DA7-953F-4600-8EFC-84210641C969}"/>
+              </a:ext>
+            </a:extLst>
+          </p:cNvPr>
+          <p:cNvSpPr>
+            <a:spLocks noGrp="1"/>
+          </p:cNvSpPr>
+          <p:nvPr>
+            <p:ph sz="half" idx="1"/>
+          </p:nvPr>
+        </p:nvSpPr>
+        <p:spPr>
+          <a:xfrm>
+            <a:off x="838200" y="981512"/>
+            <a:ext cx="5181600" cy="5804977"/>
+          </a:xfrm>
+          <a:solidFill>
+            <a:schemeClr val="tx1"/>
+          </a:solidFill>
+        </p:spPr>
+        <p:txBody>
+          <a:bodyPr>
+            <a:noAutofit/>
+          </a:bodyPr>
+          <a:lstStyle/>
+          <a:p>
+            <a:pPr marL="0" indent="0">
+              <a:buNone/>
+            </a:pPr>
+            <a:r>
+              <a:rPr lang="en-US" sz="1600" dirty="0">
+                <a:solidFill>
+                  <a:srgbClr val="D4D4D4"/>
+                </a:solidFill>
+                <a:latin typeface="Consolas" panose="020B0609020204030204" pitchFamily="49" charset="0"/>
+              </a:rPr>
+              <a:t>[</a:t>
+            </a:r>
+          </a:p>
+          <a:p>
+            <a:pPr marL="0" indent="0">
+              <a:buNone/>
+            </a:pPr>
+            <a:r>
+              <a:rPr lang="en-US" sz="1600" dirty="0">
+                <a:solidFill>
+                  <a:srgbClr val="D4D4D4"/>
+                </a:solidFill>
+                <a:latin typeface="Consolas" panose="020B0609020204030204" pitchFamily="49" charset="0"/>
+              </a:rPr>
+              <a:t>    {</a:t>
+            </a:r>
+          </a:p>
+          <a:p>
+            <a:pPr marL="0" indent="0">
+              <a:buNone/>
+            </a:pPr>
+            <a:r>
+              <a:rPr lang="en-US" sz="1600" dirty="0">
+                <a:solidFill>
+                  <a:srgbClr val="D4D4D4"/>
+                </a:solidFill>
+                <a:latin typeface="Consolas" panose="020B0609020204030204" pitchFamily="49" charset="0"/>
+              </a:rPr>
+              <a:t>        </a:t>
+            </a:r>
+            <a:r>
+              <a:rPr lang="en-US" sz="1600" dirty="0">
+                <a:solidFill>
+                  <a:srgbClr val="9CDCFE"/>
+                </a:solidFill>
+                <a:latin typeface="Consolas" panose="020B0609020204030204" pitchFamily="49" charset="0"/>
+              </a:rPr>
+              <a:t>"id"</a:t>
+            </a:r>
+            <a:r>
+              <a:rPr lang="en-US" sz="1600" dirty="0">
+                <a:solidFill>
+                  <a:srgbClr val="D4D4D4"/>
+                </a:solidFill>
+                <a:latin typeface="Consolas" panose="020B0609020204030204" pitchFamily="49" charset="0"/>
+              </a:rPr>
+              <a:t>: </a:t>
+            </a:r>
+            <a:r>
+              <a:rPr lang="en-US" sz="1600" dirty="0">
+                <a:solidFill>
+                  <a:srgbClr val="B5CEA8"/>
+                </a:solidFill>
+                <a:latin typeface="Consolas" panose="020B0609020204030204" pitchFamily="49" charset="0"/>
+              </a:rPr>
+              <a:t>1</a:t>
+            </a:r>
+            <a:r>
+              <a:rPr lang="en-US" sz="1600" dirty="0">
+                <a:solidFill>
+                  <a:srgbClr val="D4D4D4"/>
+                </a:solidFill>
+                <a:latin typeface="Consolas" panose="020B0609020204030204" pitchFamily="49" charset="0"/>
+              </a:rPr>
+              <a:t>, </a:t>
+            </a:r>
+          </a:p>
+          <a:p>
+            <a:pPr marL="0" indent="0">
+              <a:buNone/>
+            </a:pPr>
+            <a:r>
+              <a:rPr lang="en-US" sz="1600" dirty="0">
+                <a:solidFill>
+                  <a:srgbClr val="D4D4D4"/>
+                </a:solidFill>
+                <a:latin typeface="Consolas" panose="020B0609020204030204" pitchFamily="49" charset="0"/>
+              </a:rPr>
+              <a:t>        </a:t>
+            </a:r>
+            <a:r>
+              <a:rPr lang="en-US" sz="1600" dirty="0">
+                <a:solidFill>
+                  <a:srgbClr val="9CDCFE"/>
+                </a:solidFill>
+                <a:latin typeface="Consolas" panose="020B0609020204030204" pitchFamily="49" charset="0"/>
+              </a:rPr>
+              <a:t>"name"</a:t>
+            </a:r>
+            <a:r>
+              <a:rPr lang="en-US" sz="1600" dirty="0">
+                <a:solidFill>
+                  <a:srgbClr val="D4D4D4"/>
+                </a:solidFill>
+                <a:latin typeface="Consolas" panose="020B0609020204030204" pitchFamily="49" charset="0"/>
+              </a:rPr>
+              <a:t>: </a:t>
+            </a:r>
+            <a:r>
+              <a:rPr lang="en-US" sz="1600" dirty="0">
+                <a:solidFill>
+                  <a:srgbClr val="CE9178"/>
+                </a:solidFill>
+                <a:latin typeface="Consolas" panose="020B0609020204030204" pitchFamily="49" charset="0"/>
+              </a:rPr>
+              <a:t>"Frozen II"</a:t>
+            </a:r>
+            <a:r>
+              <a:rPr lang="en-US" sz="1600" dirty="0">
+                <a:solidFill>
+                  <a:srgbClr val="D4D4D4"/>
+                </a:solidFill>
+                <a:latin typeface="Consolas" panose="020B0609020204030204" pitchFamily="49" charset="0"/>
+              </a:rPr>
+              <a:t>, </a:t>
+            </a:r>
+          </a:p>
+          <a:p>
+            <a:pPr marL="0" indent="0">
+              <a:buNone/>
+            </a:pPr>
+            <a:r>
+              <a:rPr lang="en-US" sz="1600" dirty="0">
+                <a:solidFill>
+                  <a:srgbClr val="D4D4D4"/>
+                </a:solidFill>
+                <a:latin typeface="Consolas" panose="020B0609020204030204" pitchFamily="49" charset="0"/>
+              </a:rPr>
+              <a:t>        </a:t>
+            </a:r>
+            <a:r>
+              <a:rPr lang="en-US" sz="1600" dirty="0">
+                <a:solidFill>
+                  <a:srgbClr val="9CDCFE"/>
+                </a:solidFill>
+                <a:latin typeface="Consolas" panose="020B0609020204030204" pitchFamily="49" charset="0"/>
+              </a:rPr>
+              <a:t>"rating"</a:t>
+            </a:r>
+            <a:r>
+              <a:rPr lang="en-US" sz="1600" dirty="0">
+                <a:solidFill>
+                  <a:srgbClr val="D4D4D4"/>
+                </a:solidFill>
+                <a:latin typeface="Consolas" panose="020B0609020204030204" pitchFamily="49" charset="0"/>
+              </a:rPr>
+              <a:t>: </a:t>
+            </a:r>
+            <a:r>
+              <a:rPr lang="en-US" sz="1600" dirty="0">
+                <a:solidFill>
+                  <a:srgbClr val="B5CEA8"/>
+                </a:solidFill>
+                <a:latin typeface="Consolas" panose="020B0609020204030204" pitchFamily="49" charset="0"/>
+              </a:rPr>
+              <a:t>4</a:t>
+            </a:r>
+            <a:endParaRPr lang="en-US" sz="1600" dirty="0">
+              <a:solidFill>
+                <a:srgbClr val="D4D4D4"/>
+              </a:solidFill>
+              <a:latin typeface="Consolas" panose="020B0609020204030204" pitchFamily="49" charset="0"/>
+            </a:endParaRPr>
+          </a:p>
+          <a:p>
+            <a:pPr marL="0" indent="0">
+              <a:buNone/>
+            </a:pPr>
+            <a:r>
+              <a:rPr lang="en-US" sz="1600" dirty="0">
+                <a:solidFill>
+                  <a:srgbClr val="D4D4D4"/>
+                </a:solidFill>
+                <a:latin typeface="Consolas" panose="020B0609020204030204" pitchFamily="49" charset="0"/>
+              </a:rPr>
+              <a:t>    },</a:t>
+            </a:r>
+          </a:p>
+          <a:p>
+            <a:pPr marL="0" indent="0">
+              <a:buNone/>
+            </a:pPr>
+            <a:r>
+              <a:rPr lang="en-US" sz="1600" dirty="0">
+                <a:solidFill>
+                  <a:srgbClr val="D4D4D4"/>
+                </a:solidFill>
+                <a:latin typeface="Consolas" panose="020B0609020204030204" pitchFamily="49" charset="0"/>
+              </a:rPr>
+              <a:t>    {</a:t>
+            </a:r>
+          </a:p>
+          <a:p>
+            <a:pPr marL="0" indent="0">
+              <a:buNone/>
+            </a:pPr>
+            <a:r>
+              <a:rPr lang="en-US" sz="1600" dirty="0">
+                <a:solidFill>
+                  <a:srgbClr val="D4D4D4"/>
+                </a:solidFill>
+                <a:latin typeface="Consolas" panose="020B0609020204030204" pitchFamily="49" charset="0"/>
+              </a:rPr>
+              <a:t>        </a:t>
+            </a:r>
+            <a:r>
+              <a:rPr lang="en-US" sz="1600" dirty="0">
+                <a:solidFill>
+                  <a:srgbClr val="9CDCFE"/>
+                </a:solidFill>
+                <a:latin typeface="Consolas" panose="020B0609020204030204" pitchFamily="49" charset="0"/>
+              </a:rPr>
+              <a:t>"id"</a:t>
+            </a:r>
+            <a:r>
+              <a:rPr lang="en-US" sz="1600" dirty="0">
+                <a:solidFill>
+                  <a:srgbClr val="D4D4D4"/>
+                </a:solidFill>
+                <a:latin typeface="Consolas" panose="020B0609020204030204" pitchFamily="49" charset="0"/>
+              </a:rPr>
+              <a:t>: </a:t>
+            </a:r>
+            <a:r>
+              <a:rPr lang="en-US" sz="1600" dirty="0">
+                <a:solidFill>
+                  <a:srgbClr val="B5CEA8"/>
+                </a:solidFill>
+                <a:latin typeface="Consolas" panose="020B0609020204030204" pitchFamily="49" charset="0"/>
+              </a:rPr>
+              <a:t>2</a:t>
+            </a:r>
+            <a:r>
+              <a:rPr lang="en-US" sz="1600" dirty="0">
+                <a:solidFill>
+                  <a:srgbClr val="D4D4D4"/>
+                </a:solidFill>
+                <a:latin typeface="Consolas" panose="020B0609020204030204" pitchFamily="49" charset="0"/>
+              </a:rPr>
+              <a:t>, </a:t>
+            </a:r>
+          </a:p>
+          <a:p>
+            <a:pPr marL="0" indent="0">
+              <a:buNone/>
+            </a:pPr>
+            <a:r>
+              <a:rPr lang="en-US" sz="1600" dirty="0">
+                <a:solidFill>
+                  <a:srgbClr val="D4D4D4"/>
+                </a:solidFill>
+                <a:latin typeface="Consolas" panose="020B0609020204030204" pitchFamily="49" charset="0"/>
+              </a:rPr>
+              <a:t>        </a:t>
+            </a:r>
+            <a:r>
+              <a:rPr lang="en-US" sz="1600" dirty="0">
+                <a:solidFill>
+                  <a:srgbClr val="9CDCFE"/>
+                </a:solidFill>
+                <a:latin typeface="Consolas" panose="020B0609020204030204" pitchFamily="49" charset="0"/>
+              </a:rPr>
+              <a:t>"name"</a:t>
+            </a:r>
+            <a:r>
+              <a:rPr lang="en-US" sz="1600" dirty="0">
+                <a:solidFill>
+                  <a:srgbClr val="D4D4D4"/>
+                </a:solidFill>
+                <a:latin typeface="Consolas" panose="020B0609020204030204" pitchFamily="49" charset="0"/>
+              </a:rPr>
+              <a:t>: </a:t>
+            </a:r>
+            <a:r>
+              <a:rPr lang="en-US" sz="1600" dirty="0">
+                <a:solidFill>
+                  <a:srgbClr val="CE9178"/>
+                </a:solidFill>
+                <a:latin typeface="Consolas" panose="020B0609020204030204" pitchFamily="49" charset="0"/>
+              </a:rPr>
+              <a:t>"Ford v Ferrari"</a:t>
+            </a:r>
+            <a:r>
+              <a:rPr lang="en-US" sz="1600" dirty="0">
+                <a:solidFill>
+                  <a:srgbClr val="D4D4D4"/>
+                </a:solidFill>
+                <a:latin typeface="Consolas" panose="020B0609020204030204" pitchFamily="49" charset="0"/>
+              </a:rPr>
+              <a:t>, </a:t>
+            </a:r>
+          </a:p>
+          <a:p>
+            <a:pPr marL="0" indent="0">
+              <a:buNone/>
+            </a:pPr>
+            <a:r>
+              <a:rPr lang="en-US" sz="1600" dirty="0">
+                <a:solidFill>
+                  <a:srgbClr val="D4D4D4"/>
+                </a:solidFill>
+                <a:latin typeface="Consolas" panose="020B0609020204030204" pitchFamily="49" charset="0"/>
+              </a:rPr>
+              <a:t>        </a:t>
+            </a:r>
+            <a:r>
+              <a:rPr lang="en-US" sz="1600" dirty="0">
+                <a:solidFill>
+                  <a:srgbClr val="9CDCFE"/>
+                </a:solidFill>
+                <a:latin typeface="Consolas" panose="020B0609020204030204" pitchFamily="49" charset="0"/>
+              </a:rPr>
+              <a:t>"rating"</a:t>
+            </a:r>
+            <a:r>
+              <a:rPr lang="en-US" sz="1600" dirty="0">
+                <a:solidFill>
+                  <a:srgbClr val="D4D4D4"/>
+                </a:solidFill>
+                <a:latin typeface="Consolas" panose="020B0609020204030204" pitchFamily="49" charset="0"/>
+              </a:rPr>
+              <a:t>: </a:t>
+            </a:r>
+            <a:r>
+              <a:rPr lang="en-US" sz="1600" dirty="0">
+                <a:solidFill>
+                  <a:srgbClr val="B5CEA8"/>
+                </a:solidFill>
+                <a:latin typeface="Consolas" panose="020B0609020204030204" pitchFamily="49" charset="0"/>
+              </a:rPr>
+              <a:t>5</a:t>
+            </a:r>
+            <a:endParaRPr lang="en-US" sz="1600" dirty="0">
+              <a:solidFill>
+                <a:srgbClr val="D4D4D4"/>
+              </a:solidFill>
+              <a:latin typeface="Consolas" panose="020B0609020204030204" pitchFamily="49" charset="0"/>
+            </a:endParaRPr>
+          </a:p>
+          <a:p>
+            <a:pPr marL="0" indent="0">
+              <a:buNone/>
+            </a:pPr>
+            <a:r>
+              <a:rPr lang="en-US" sz="1600" dirty="0">
+                <a:solidFill>
+                  <a:srgbClr val="D4D4D4"/>
+                </a:solidFill>
+                <a:latin typeface="Consolas" panose="020B0609020204030204" pitchFamily="49" charset="0"/>
+              </a:rPr>
+              <a:t>    }, </a:t>
+            </a:r>
+          </a:p>
+          <a:p>
+            <a:pPr marL="0" indent="0">
+              <a:buNone/>
+            </a:pPr>
+            <a:r>
+              <a:rPr lang="en-US" sz="1600" dirty="0">
+                <a:solidFill>
+                  <a:srgbClr val="D4D4D4"/>
+                </a:solidFill>
+                <a:latin typeface="Consolas" panose="020B0609020204030204" pitchFamily="49" charset="0"/>
+              </a:rPr>
+              <a:t>    {</a:t>
+            </a:r>
+          </a:p>
+          <a:p>
+            <a:pPr marL="0" indent="0">
+              <a:buNone/>
+            </a:pPr>
+            <a:r>
+              <a:rPr lang="en-US" sz="1600" dirty="0">
+                <a:solidFill>
+                  <a:srgbClr val="D4D4D4"/>
+                </a:solidFill>
+                <a:latin typeface="Consolas" panose="020B0609020204030204" pitchFamily="49" charset="0"/>
+              </a:rPr>
+              <a:t>        </a:t>
+            </a:r>
+            <a:r>
+              <a:rPr lang="en-US" sz="1600" dirty="0">
+                <a:solidFill>
+                  <a:srgbClr val="9CDCFE"/>
+                </a:solidFill>
+                <a:latin typeface="Consolas" panose="020B0609020204030204" pitchFamily="49" charset="0"/>
+              </a:rPr>
+              <a:t>"id"</a:t>
+            </a:r>
+            <a:r>
+              <a:rPr lang="en-US" sz="1600" dirty="0">
+                <a:solidFill>
+                  <a:srgbClr val="D4D4D4"/>
+                </a:solidFill>
+                <a:latin typeface="Consolas" panose="020B0609020204030204" pitchFamily="49" charset="0"/>
+              </a:rPr>
+              <a:t>: </a:t>
+            </a:r>
+            <a:r>
+              <a:rPr lang="en-US" sz="1600" dirty="0">
+                <a:solidFill>
+                  <a:srgbClr val="B5CEA8"/>
+                </a:solidFill>
+                <a:latin typeface="Consolas" panose="020B0609020204030204" pitchFamily="49" charset="0"/>
+              </a:rPr>
+              <a:t>3</a:t>
+            </a:r>
+            <a:r>
+              <a:rPr lang="en-US" sz="1600" dirty="0">
+                <a:solidFill>
+                  <a:srgbClr val="D4D4D4"/>
+                </a:solidFill>
+                <a:latin typeface="Consolas" panose="020B0609020204030204" pitchFamily="49" charset="0"/>
+              </a:rPr>
+              <a:t>, </a:t>
+            </a:r>
+          </a:p>
+          <a:p>
+            <a:pPr marL="0" indent="0">
+              <a:buNone/>
+            </a:pPr>
+            <a:r>
+              <a:rPr lang="en-US" sz="1600" dirty="0">
+                <a:solidFill>
+                  <a:srgbClr val="D4D4D4"/>
+                </a:solidFill>
+                <a:latin typeface="Consolas" panose="020B0609020204030204" pitchFamily="49" charset="0"/>
+              </a:rPr>
+              <a:t>        </a:t>
+            </a:r>
+            <a:r>
+              <a:rPr lang="en-US" sz="1600" dirty="0">
+                <a:solidFill>
+                  <a:srgbClr val="9CDCFE"/>
+                </a:solidFill>
+                <a:latin typeface="Consolas" panose="020B0609020204030204" pitchFamily="49" charset="0"/>
+              </a:rPr>
+              <a:t>"name"</a:t>
+            </a:r>
+            <a:r>
+              <a:rPr lang="en-US" sz="1600" dirty="0">
+                <a:solidFill>
+                  <a:srgbClr val="D4D4D4"/>
+                </a:solidFill>
+                <a:latin typeface="Consolas" panose="020B0609020204030204" pitchFamily="49" charset="0"/>
+              </a:rPr>
+              <a:t>: </a:t>
+            </a:r>
+            <a:r>
+              <a:rPr lang="en-US" sz="1600" dirty="0">
+                <a:solidFill>
+                  <a:srgbClr val="CE9178"/>
+                </a:solidFill>
+                <a:latin typeface="Consolas" panose="020B0609020204030204" pitchFamily="49" charset="0"/>
+              </a:rPr>
+              <a:t>"</a:t>
+            </a:r>
+            <a:r>
+              <a:rPr lang="en-US" sz="1600" dirty="0" err="1">
+                <a:solidFill>
+                  <a:srgbClr val="CE9178"/>
+                </a:solidFill>
+                <a:latin typeface="Consolas" panose="020B0609020204030204" pitchFamily="49" charset="0"/>
+              </a:rPr>
+              <a:t>Kaidhi</a:t>
+            </a:r>
+            <a:r>
+              <a:rPr lang="en-US" sz="1600" dirty="0">
+                <a:solidFill>
+                  <a:srgbClr val="CE9178"/>
+                </a:solidFill>
+                <a:latin typeface="Consolas" panose="020B0609020204030204" pitchFamily="49" charset="0"/>
+              </a:rPr>
+              <a:t>"</a:t>
+            </a:r>
+            <a:r>
+              <a:rPr lang="en-US" sz="1600" dirty="0">
+                <a:solidFill>
+                  <a:srgbClr val="D4D4D4"/>
+                </a:solidFill>
+                <a:latin typeface="Consolas" panose="020B0609020204030204" pitchFamily="49" charset="0"/>
+              </a:rPr>
+              <a:t>, </a:t>
+            </a:r>
+          </a:p>
+          <a:p>
+            <a:pPr marL="0" indent="0">
+              <a:buNone/>
+            </a:pPr>
+            <a:r>
+              <a:rPr lang="en-US" sz="1600" dirty="0">
+                <a:solidFill>
+                  <a:srgbClr val="D4D4D4"/>
+                </a:solidFill>
+                <a:latin typeface="Consolas" panose="020B0609020204030204" pitchFamily="49" charset="0"/>
+              </a:rPr>
+              <a:t>        </a:t>
+            </a:r>
+            <a:r>
+              <a:rPr lang="en-US" sz="1600" dirty="0">
+                <a:solidFill>
+                  <a:srgbClr val="9CDCFE"/>
+                </a:solidFill>
+                <a:latin typeface="Consolas" panose="020B0609020204030204" pitchFamily="49" charset="0"/>
+              </a:rPr>
+              <a:t>"rating"</a:t>
+            </a:r>
+            <a:r>
+              <a:rPr lang="en-US" sz="1600" dirty="0">
+                <a:solidFill>
+                  <a:srgbClr val="D4D4D4"/>
+                </a:solidFill>
+                <a:latin typeface="Consolas" panose="020B0609020204030204" pitchFamily="49" charset="0"/>
+              </a:rPr>
+              <a:t>: </a:t>
+            </a:r>
+            <a:r>
+              <a:rPr lang="en-US" sz="1600" dirty="0">
+                <a:solidFill>
+                  <a:srgbClr val="CE9178"/>
+                </a:solidFill>
+                <a:latin typeface="Consolas" panose="020B0609020204030204" pitchFamily="49" charset="0"/>
+              </a:rPr>
+              <a:t>"4.0"</a:t>
+            </a:r>
+            <a:endParaRPr lang="en-US" sz="1600" dirty="0">
+              <a:solidFill>
+                <a:srgbClr val="D4D4D4"/>
+              </a:solidFill>
+              <a:latin typeface="Consolas" panose="020B0609020204030204" pitchFamily="49" charset="0"/>
+            </a:endParaRPr>
+          </a:p>
+          <a:p>
+            <a:pPr marL="0" indent="0">
+              <a:buNone/>
+            </a:pPr>
+            <a:r>
+              <a:rPr lang="en-US" sz="1600" dirty="0">
+                <a:solidFill>
+                  <a:srgbClr val="D4D4D4"/>
+                </a:solidFill>
+                <a:latin typeface="Consolas" panose="020B0609020204030204" pitchFamily="49" charset="0"/>
+              </a:rPr>
+              <a:t>    }</a:t>
+            </a:r>
+          </a:p>
+          <a:p>
+            <a:pPr marL="0" indent="0">
+              <a:buNone/>
+            </a:pPr>
+            <a:r>
+              <a:rPr lang="en-US" sz="1600" dirty="0">
+                <a:solidFill>
+                  <a:srgbClr val="D4D4D4"/>
+                </a:solidFill>
+                <a:latin typeface="Consolas" panose="020B0609020204030204" pitchFamily="49" charset="0"/>
+              </a:rPr>
+              <a:t>]</a:t>
+            </a:r>
+          </a:p>
+        </p:txBody>
+      </p:sp>
+    </p:spTree>
+    <p:extLst>
+      <p:ext uri="{BB962C8B-B14F-4D97-AF65-F5344CB8AC3E}">
+        <p14:creationId xmlns:p14="http://schemas.microsoft.com/office/powerpoint/2010/main" val="2491373634"/>
+      </p:ext>
+    </p:extLst>
+  </p:cSld>
+  <p:clrMapOvr>
+    <a:masterClrMapping/>
+  </p:clrMapOvr>
+</p:sld>
+</file>
+
+<file path=ppt/slides/slide11.xml><?xml version="1.0" encoding="utf-8"?>
+<p:sld xmlns:a="http://schemas.openxmlformats.org/drawingml/2006/main" xmlns:r="http://schemas.openxmlformats.org/officeDocument/2006/relationships" xmlns:p="http://schemas.openxmlformats.org/presentationml/2006/main">
+  <p:cSld>
+    <p:spTree>
+      <p:nvGrpSpPr>
+        <p:cNvPr id="1" name=""/>
+        <p:cNvGrpSpPr/>
+        <p:nvPr/>
+      </p:nvGrpSpPr>
+      <p:grpSpPr>
+        <a:xfrm>
+          <a:off x="0" y="0"/>
+          <a:ext cx="0" cy="0"/>
+          <a:chOff x="0" y="0"/>
+          <a:chExt cx="0" cy="0"/>
+        </a:xfrm>
+      </p:grpSpPr>
+      <p:sp>
+        <p:nvSpPr>
+          <p:cNvPr id="2" name="Title 1">
+            <a:extLst>
+              <a:ext uri="{FF2B5EF4-FFF2-40B4-BE49-F238E27FC236}">
+                <a16:creationId xmlns:a16="http://schemas.microsoft.com/office/drawing/2014/main" id="{AB022965-E97F-4ABE-952A-E830763DA176}"/>
+              </a:ext>
+            </a:extLst>
+          </p:cNvPr>
+          <p:cNvSpPr>
+            <a:spLocks noGrp="1"/>
+          </p:cNvSpPr>
+          <p:nvPr>
+            <p:ph type="title"/>
+          </p:nvPr>
+        </p:nvSpPr>
+        <p:spPr/>
+        <p:txBody>
+          <a:bodyPr/>
+          <a:lstStyle/>
+          <a:p>
+            <a:r>
+              <a:rPr lang="en-US" dirty="0"/>
+              <a:t>Create a database layer</a:t>
+            </a:r>
+          </a:p>
+        </p:txBody>
+      </p:sp>
+      <p:sp>
+        <p:nvSpPr>
+          <p:cNvPr id="3" name="Content Placeholder 2">
+            <a:extLst>
+              <a:ext uri="{FF2B5EF4-FFF2-40B4-BE49-F238E27FC236}">
+                <a16:creationId xmlns:a16="http://schemas.microsoft.com/office/drawing/2014/main" id="{4C086A32-A17E-41FD-AE35-89F73ECBE7A7}"/>
+              </a:ext>
+            </a:extLst>
+          </p:cNvPr>
+          <p:cNvSpPr>
+            <a:spLocks noGrp="1"/>
+          </p:cNvSpPr>
+          <p:nvPr>
+            <p:ph idx="1"/>
+          </p:nvPr>
+        </p:nvSpPr>
+        <p:spPr/>
+        <p:txBody>
+          <a:bodyPr/>
+          <a:lstStyle/>
+          <a:p>
+            <a:r>
+              <a:rPr lang="en-US" dirty="0"/>
+              <a:t>Create a file moviedb.py </a:t>
+            </a:r>
+          </a:p>
+          <a:p>
+            <a:r>
+              <a:rPr lang="en-US" dirty="0"/>
+              <a:t>Implement a class with following functions.</a:t>
+            </a:r>
+          </a:p>
+          <a:p>
+            <a:pPr lvl="1"/>
+            <a:r>
+              <a:rPr lang="en-US" dirty="0"/>
+              <a:t>Get all movies from the database.</a:t>
+            </a:r>
+          </a:p>
+          <a:p>
+            <a:pPr lvl="1"/>
+            <a:r>
+              <a:rPr lang="en-US" dirty="0"/>
+              <a:t>Get a movie from the database, given id as input.</a:t>
+            </a:r>
+          </a:p>
+          <a:p>
+            <a:pPr lvl="1"/>
+            <a:r>
+              <a:rPr lang="en-US" dirty="0"/>
+              <a:t>Update the movie data, when rating is given as input.</a:t>
+            </a:r>
+          </a:p>
+        </p:txBody>
+      </p:sp>
+    </p:spTree>
+    <p:extLst>
+      <p:ext uri="{BB962C8B-B14F-4D97-AF65-F5344CB8AC3E}">
+        <p14:creationId xmlns:p14="http://schemas.microsoft.com/office/powerpoint/2010/main" val="4163895387"/>
+      </p:ext>
+    </p:extLst>
+  </p:cSld>
+  <p:clrMapOvr>
+    <a:masterClrMapping/>
+  </p:clrMapOvr>
+</p:sld>
+</file>
+
+<file path=ppt/slides/slide12.xml><?xml version="1.0" encoding="utf-8"?>
+<p:sld xmlns:a="http://schemas.openxmlformats.org/drawingml/2006/main" xmlns:r="http://schemas.openxmlformats.org/officeDocument/2006/relationships" xmlns:p="http://schemas.openxmlformats.org/presentationml/2006/main">
+  <p:cSld>
+    <p:spTree>
+      <p:nvGrpSpPr>
+        <p:cNvPr id="1" name=""/>
+        <p:cNvGrpSpPr/>
+        <p:nvPr/>
+      </p:nvGrpSpPr>
+      <p:grpSpPr>
+        <a:xfrm>
+          <a:off x="0" y="0"/>
+          <a:ext cx="0" cy="0"/>
+          <a:chOff x="0" y="0"/>
+          <a:chExt cx="0" cy="0"/>
+        </a:xfrm>
+      </p:grpSpPr>
+      <p:sp>
+        <p:nvSpPr>
+          <p:cNvPr id="2" name="Title 1">
+            <a:extLst>
+              <a:ext uri="{FF2B5EF4-FFF2-40B4-BE49-F238E27FC236}">
                 <a16:creationId xmlns:a16="http://schemas.microsoft.com/office/drawing/2014/main" id="{191DD16B-9415-4BB5-8276-D4CA5DCD4AA6}"/>
               </a:ext>
             </a:extLst>
@@ -3475,7 +5019,7 @@
 </p:sld>
 </file>
 
-<file path=ppt/slides/slide11.xml><?xml version="1.0" encoding="utf-8"?>
+<file path=ppt/slides/slide13.xml><?xml version="1.0" encoding="utf-8"?>
 <p:sld xmlns:a="http://schemas.openxmlformats.org/drawingml/2006/main" xmlns:r="http://schemas.openxmlformats.org/officeDocument/2006/relationships" xmlns:p="http://schemas.openxmlformats.org/presentationml/2006/main">
   <p:cSld>
     <p:spTree>
@@ -5018,7 +6562,7 @@
 </p:sld>
 </file>
 
-<file path=ppt/slides/slide12.xml><?xml version="1.0" encoding="utf-8"?>
+<file path=ppt/slides/slide14.xml><?xml version="1.0" encoding="utf-8"?>
 <p:sld xmlns:a="http://schemas.openxmlformats.org/drawingml/2006/main" xmlns:r="http://schemas.openxmlformats.org/officeDocument/2006/relationships" xmlns:p="http://schemas.openxmlformats.org/presentationml/2006/main">
   <p:cSld>
     <p:spTree>
@@ -6105,7 +7649,7 @@
 </p:sld>
 </file>
 
-<file path=ppt/slides/slide13.xml><?xml version="1.0" encoding="utf-8"?>
+<file path=ppt/slides/slide15.xml><?xml version="1.0" encoding="utf-8"?>
 <p:sld xmlns:a="http://schemas.openxmlformats.org/drawingml/2006/main" xmlns:r="http://schemas.openxmlformats.org/officeDocument/2006/relationships" xmlns:p="http://schemas.openxmlformats.org/presentationml/2006/main">
   <p:cSld>
     <p:spTree>
@@ -6176,7 +7720,7 @@
 </p:sld>
 </file>
 
-<file path=ppt/slides/slide14.xml><?xml version="1.0" encoding="utf-8"?>
+<file path=ppt/slides/slide16.xml><?xml version="1.0" encoding="utf-8"?>
 <p:sld xmlns:a="http://schemas.openxmlformats.org/drawingml/2006/main" xmlns:r="http://schemas.openxmlformats.org/officeDocument/2006/relationships" xmlns:p="http://schemas.openxmlformats.org/presentationml/2006/main">
   <p:cSld>
     <p:spTree>
@@ -6231,6 +7775,1007 @@
     <p:extLst>
       <p:ext uri="{BB962C8B-B14F-4D97-AF65-F5344CB8AC3E}">
         <p14:creationId xmlns:p14="http://schemas.microsoft.com/office/powerpoint/2010/main" val="3165091836"/>
+      </p:ext>
+    </p:extLst>
+  </p:cSld>
+  <p:clrMapOvr>
+    <a:masterClrMapping/>
+  </p:clrMapOvr>
+</p:sld>
+</file>
+
+<file path=ppt/slides/slide17.xml><?xml version="1.0" encoding="utf-8"?>
+<p:sld xmlns:a="http://schemas.openxmlformats.org/drawingml/2006/main" xmlns:r="http://schemas.openxmlformats.org/officeDocument/2006/relationships" xmlns:p="http://schemas.openxmlformats.org/presentationml/2006/main">
+  <p:cSld>
+    <p:spTree>
+      <p:nvGrpSpPr>
+        <p:cNvPr id="1" name=""/>
+        <p:cNvGrpSpPr/>
+        <p:nvPr/>
+      </p:nvGrpSpPr>
+      <p:grpSpPr>
+        <a:xfrm>
+          <a:off x="0" y="0"/>
+          <a:ext cx="0" cy="0"/>
+          <a:chOff x="0" y="0"/>
+          <a:chExt cx="0" cy="0"/>
+        </a:xfrm>
+      </p:grpSpPr>
+      <p:sp>
+        <p:nvSpPr>
+          <p:cNvPr id="2" name="Title 1">
+            <a:extLst>
+              <a:ext uri="{FF2B5EF4-FFF2-40B4-BE49-F238E27FC236}">
+                <a16:creationId xmlns:a16="http://schemas.microsoft.com/office/drawing/2014/main" id="{9E550349-5811-4939-A43D-A5C48C6CA8F8}"/>
+              </a:ext>
+            </a:extLst>
+          </p:cNvPr>
+          <p:cNvSpPr>
+            <a:spLocks noGrp="1"/>
+          </p:cNvSpPr>
+          <p:nvPr>
+            <p:ph type="title"/>
+          </p:nvPr>
+        </p:nvSpPr>
+        <p:spPr/>
+        <p:txBody>
+          <a:bodyPr/>
+          <a:lstStyle/>
+          <a:p>
+            <a:r>
+              <a:rPr lang="en-US" dirty="0"/>
+              <a:t>Front end</a:t>
+            </a:r>
+          </a:p>
+        </p:txBody>
+      </p:sp>
+      <p:sp>
+        <p:nvSpPr>
+          <p:cNvPr id="3" name="Content Placeholder 2">
+            <a:extLst>
+              <a:ext uri="{FF2B5EF4-FFF2-40B4-BE49-F238E27FC236}">
+                <a16:creationId xmlns:a16="http://schemas.microsoft.com/office/drawing/2014/main" id="{94DE29BB-3335-4791-A1B1-B1C05E9ED94C}"/>
+              </a:ext>
+            </a:extLst>
+          </p:cNvPr>
+          <p:cNvSpPr>
+            <a:spLocks noGrp="1"/>
+          </p:cNvSpPr>
+          <p:nvPr>
+            <p:ph idx="1"/>
+          </p:nvPr>
+        </p:nvSpPr>
+        <p:spPr/>
+        <p:txBody>
+          <a:bodyPr/>
+          <a:lstStyle/>
+          <a:p>
+            <a:r>
+              <a:rPr lang="en-US" dirty="0"/>
+              <a:t>Create folder templates inside your app folder.</a:t>
+            </a:r>
+          </a:p>
+          <a:p>
+            <a:r>
+              <a:rPr lang="en-US" dirty="0"/>
+              <a:t>Use template inheritance for modular templates.</a:t>
+            </a:r>
+          </a:p>
+          <a:p>
+            <a:r>
+              <a:rPr lang="en-US" dirty="0"/>
+              <a:t>base.html will serve as the layout for our website.</a:t>
+            </a:r>
+          </a:p>
+          <a:p>
+            <a:r>
+              <a:rPr lang="en-US" dirty="0"/>
+              <a:t>movies.html will serve as the primary </a:t>
+            </a:r>
+            <a:r>
+              <a:rPr lang="en-US" dirty="0" err="1"/>
+              <a:t>ui</a:t>
+            </a:r>
+            <a:r>
+              <a:rPr lang="en-US" dirty="0"/>
+              <a:t> for our website.</a:t>
+            </a:r>
+          </a:p>
+        </p:txBody>
+      </p:sp>
+    </p:spTree>
+    <p:extLst>
+      <p:ext uri="{BB962C8B-B14F-4D97-AF65-F5344CB8AC3E}">
+        <p14:creationId xmlns:p14="http://schemas.microsoft.com/office/powerpoint/2010/main" val="884859894"/>
+      </p:ext>
+    </p:extLst>
+  </p:cSld>
+  <p:clrMapOvr>
+    <a:masterClrMapping/>
+  </p:clrMapOvr>
+</p:sld>
+</file>
+
+<file path=ppt/slides/slide18.xml><?xml version="1.0" encoding="utf-8"?>
+<p:sld xmlns:a="http://schemas.openxmlformats.org/drawingml/2006/main" xmlns:r="http://schemas.openxmlformats.org/officeDocument/2006/relationships" xmlns:p="http://schemas.openxmlformats.org/presentationml/2006/main">
+  <p:cSld>
+    <p:spTree>
+      <p:nvGrpSpPr>
+        <p:cNvPr id="1" name=""/>
+        <p:cNvGrpSpPr/>
+        <p:nvPr/>
+      </p:nvGrpSpPr>
+      <p:grpSpPr>
+        <a:xfrm>
+          <a:off x="0" y="0"/>
+          <a:ext cx="0" cy="0"/>
+          <a:chOff x="0" y="0"/>
+          <a:chExt cx="0" cy="0"/>
+        </a:xfrm>
+      </p:grpSpPr>
+      <p:sp>
+        <p:nvSpPr>
+          <p:cNvPr id="2" name="Title 1">
+            <a:extLst>
+              <a:ext uri="{FF2B5EF4-FFF2-40B4-BE49-F238E27FC236}">
+                <a16:creationId xmlns:a16="http://schemas.microsoft.com/office/drawing/2014/main" id="{04CCC78F-CB69-4AB6-80ED-DCB31B9FAC61}"/>
+              </a:ext>
+            </a:extLst>
+          </p:cNvPr>
+          <p:cNvSpPr>
+            <a:spLocks noGrp="1"/>
+          </p:cNvSpPr>
+          <p:nvPr>
+            <p:ph type="title"/>
+          </p:nvPr>
+        </p:nvSpPr>
+        <p:spPr/>
+        <p:txBody>
+          <a:bodyPr/>
+          <a:lstStyle/>
+          <a:p>
+            <a:r>
+              <a:rPr lang="en-US" dirty="0"/>
+              <a:t>templates\base.html</a:t>
+            </a:r>
+          </a:p>
+        </p:txBody>
+      </p:sp>
+      <p:sp>
+        <p:nvSpPr>
+          <p:cNvPr id="5" name="Rectangle 4">
+            <a:extLst>
+              <a:ext uri="{FF2B5EF4-FFF2-40B4-BE49-F238E27FC236}">
+                <a16:creationId xmlns:a16="http://schemas.microsoft.com/office/drawing/2014/main" id="{B46D4174-FA4E-4FE7-8F34-E39850FF36E5}"/>
+              </a:ext>
+            </a:extLst>
+          </p:cNvPr>
+          <p:cNvSpPr/>
+          <p:nvPr/>
+        </p:nvSpPr>
+        <p:spPr>
+          <a:xfrm>
+            <a:off x="838200" y="2091670"/>
+            <a:ext cx="10563237" cy="4401205"/>
+          </a:xfrm>
+          <a:prstGeom prst="rect">
+            <a:avLst/>
+          </a:prstGeom>
+          <a:solidFill>
+            <a:schemeClr val="tx1"/>
+          </a:solidFill>
+        </p:spPr>
+        <p:txBody>
+          <a:bodyPr wrap="square">
+            <a:spAutoFit/>
+          </a:bodyPr>
+          <a:lstStyle/>
+          <a:p>
+            <a:r>
+              <a:rPr lang="en-US" sz="2800" dirty="0">
+                <a:solidFill>
+                  <a:srgbClr val="808080"/>
+                </a:solidFill>
+                <a:latin typeface="Consolas" panose="020B0609020204030204" pitchFamily="49" charset="0"/>
+              </a:rPr>
+              <a:t>&lt;!</a:t>
+            </a:r>
+            <a:r>
+              <a:rPr lang="en-US" sz="2800" dirty="0">
+                <a:solidFill>
+                  <a:srgbClr val="569CD6"/>
+                </a:solidFill>
+                <a:latin typeface="Consolas" panose="020B0609020204030204" pitchFamily="49" charset="0"/>
+              </a:rPr>
+              <a:t>DOCTYPE</a:t>
+            </a:r>
+            <a:r>
+              <a:rPr lang="en-US" sz="2800" dirty="0">
+                <a:solidFill>
+                  <a:srgbClr val="D4D4D4"/>
+                </a:solidFill>
+                <a:latin typeface="Consolas" panose="020B0609020204030204" pitchFamily="49" charset="0"/>
+              </a:rPr>
+              <a:t> </a:t>
+            </a:r>
+            <a:r>
+              <a:rPr lang="en-US" sz="2800" dirty="0">
+                <a:solidFill>
+                  <a:srgbClr val="9CDCFE"/>
+                </a:solidFill>
+                <a:latin typeface="Consolas" panose="020B0609020204030204" pitchFamily="49" charset="0"/>
+              </a:rPr>
+              <a:t>html</a:t>
+            </a:r>
+            <a:r>
+              <a:rPr lang="en-US" sz="2800" dirty="0">
+                <a:solidFill>
+                  <a:srgbClr val="808080"/>
+                </a:solidFill>
+                <a:latin typeface="Consolas" panose="020B0609020204030204" pitchFamily="49" charset="0"/>
+              </a:rPr>
+              <a:t>&gt;</a:t>
+            </a:r>
+            <a:endParaRPr lang="en-US" sz="2800" dirty="0">
+              <a:solidFill>
+                <a:srgbClr val="D4D4D4"/>
+              </a:solidFill>
+              <a:latin typeface="Consolas" panose="020B0609020204030204" pitchFamily="49" charset="0"/>
+            </a:endParaRPr>
+          </a:p>
+          <a:p>
+            <a:r>
+              <a:rPr lang="en-US" sz="2800" dirty="0">
+                <a:solidFill>
+                  <a:srgbClr val="808080"/>
+                </a:solidFill>
+                <a:latin typeface="Consolas" panose="020B0609020204030204" pitchFamily="49" charset="0"/>
+              </a:rPr>
+              <a:t>&lt;</a:t>
+            </a:r>
+            <a:r>
+              <a:rPr lang="en-US" sz="2800" dirty="0">
+                <a:solidFill>
+                  <a:srgbClr val="569CD6"/>
+                </a:solidFill>
+                <a:latin typeface="Consolas" panose="020B0609020204030204" pitchFamily="49" charset="0"/>
+              </a:rPr>
+              <a:t>head</a:t>
+            </a:r>
+            <a:r>
+              <a:rPr lang="en-US" sz="2800" dirty="0">
+                <a:solidFill>
+                  <a:srgbClr val="808080"/>
+                </a:solidFill>
+                <a:latin typeface="Consolas" panose="020B0609020204030204" pitchFamily="49" charset="0"/>
+              </a:rPr>
+              <a:t>&gt;</a:t>
+            </a:r>
+            <a:endParaRPr lang="en-US" sz="2800" dirty="0">
+              <a:solidFill>
+                <a:srgbClr val="D4D4D4"/>
+              </a:solidFill>
+              <a:latin typeface="Consolas" panose="020B0609020204030204" pitchFamily="49" charset="0"/>
+            </a:endParaRPr>
+          </a:p>
+          <a:p>
+            <a:r>
+              <a:rPr lang="en-US" sz="2800" dirty="0">
+                <a:solidFill>
+                  <a:srgbClr val="808080"/>
+                </a:solidFill>
+                <a:latin typeface="Consolas" panose="020B0609020204030204" pitchFamily="49" charset="0"/>
+              </a:rPr>
+              <a:t>&lt;</a:t>
+            </a:r>
+            <a:r>
+              <a:rPr lang="en-US" sz="2800" dirty="0">
+                <a:solidFill>
+                  <a:srgbClr val="569CD6"/>
+                </a:solidFill>
+                <a:latin typeface="Consolas" panose="020B0609020204030204" pitchFamily="49" charset="0"/>
+              </a:rPr>
+              <a:t>title</a:t>
+            </a:r>
+            <a:r>
+              <a:rPr lang="en-US" sz="2800" dirty="0">
+                <a:solidFill>
+                  <a:srgbClr val="808080"/>
+                </a:solidFill>
+                <a:latin typeface="Consolas" panose="020B0609020204030204" pitchFamily="49" charset="0"/>
+              </a:rPr>
+              <a:t>&gt;</a:t>
+            </a:r>
+            <a:r>
+              <a:rPr lang="en-US" sz="2800" dirty="0">
+                <a:solidFill>
+                  <a:srgbClr val="D4D4D4"/>
+                </a:solidFill>
+                <a:latin typeface="Consolas" panose="020B0609020204030204" pitchFamily="49" charset="0"/>
+              </a:rPr>
+              <a:t> My Movie List</a:t>
+            </a:r>
+            <a:r>
+              <a:rPr lang="en-US" sz="2800" dirty="0">
+                <a:solidFill>
+                  <a:srgbClr val="808080"/>
+                </a:solidFill>
+                <a:latin typeface="Consolas" panose="020B0609020204030204" pitchFamily="49" charset="0"/>
+              </a:rPr>
+              <a:t>&lt;/</a:t>
+            </a:r>
+            <a:r>
+              <a:rPr lang="en-US" sz="2800" dirty="0">
+                <a:solidFill>
+                  <a:srgbClr val="569CD6"/>
+                </a:solidFill>
+                <a:latin typeface="Consolas" panose="020B0609020204030204" pitchFamily="49" charset="0"/>
+              </a:rPr>
+              <a:t>title</a:t>
+            </a:r>
+            <a:r>
+              <a:rPr lang="en-US" sz="2800" dirty="0">
+                <a:solidFill>
+                  <a:srgbClr val="808080"/>
+                </a:solidFill>
+                <a:latin typeface="Consolas" panose="020B0609020204030204" pitchFamily="49" charset="0"/>
+              </a:rPr>
+              <a:t>&gt;</a:t>
+            </a:r>
+            <a:endParaRPr lang="en-US" sz="2800" dirty="0">
+              <a:solidFill>
+                <a:srgbClr val="D4D4D4"/>
+              </a:solidFill>
+              <a:latin typeface="Consolas" panose="020B0609020204030204" pitchFamily="49" charset="0"/>
+            </a:endParaRPr>
+          </a:p>
+          <a:p>
+            <a:r>
+              <a:rPr lang="en-US" sz="2800" dirty="0">
+                <a:solidFill>
+                  <a:srgbClr val="D4D4D4"/>
+                </a:solidFill>
+                <a:latin typeface="Consolas" panose="020B0609020204030204" pitchFamily="49" charset="0"/>
+              </a:rPr>
+              <a:t>    {% block </a:t>
+            </a:r>
+            <a:r>
+              <a:rPr lang="en-US" sz="2800" dirty="0" err="1">
+                <a:solidFill>
+                  <a:srgbClr val="D4D4D4"/>
+                </a:solidFill>
+                <a:latin typeface="Consolas" panose="020B0609020204030204" pitchFamily="49" charset="0"/>
+              </a:rPr>
+              <a:t>head_block</a:t>
+            </a:r>
+            <a:r>
+              <a:rPr lang="en-US" sz="2800" dirty="0">
+                <a:solidFill>
+                  <a:srgbClr val="D4D4D4"/>
+                </a:solidFill>
+                <a:latin typeface="Consolas" panose="020B0609020204030204" pitchFamily="49" charset="0"/>
+              </a:rPr>
+              <a:t> %}{% </a:t>
+            </a:r>
+            <a:r>
+              <a:rPr lang="en-US" sz="2800" dirty="0" err="1">
+                <a:solidFill>
+                  <a:srgbClr val="D4D4D4"/>
+                </a:solidFill>
+                <a:latin typeface="Consolas" panose="020B0609020204030204" pitchFamily="49" charset="0"/>
+              </a:rPr>
+              <a:t>endblock</a:t>
+            </a:r>
+            <a:r>
+              <a:rPr lang="en-US" sz="2800" dirty="0">
+                <a:solidFill>
+                  <a:srgbClr val="D4D4D4"/>
+                </a:solidFill>
+                <a:latin typeface="Consolas" panose="020B0609020204030204" pitchFamily="49" charset="0"/>
+              </a:rPr>
+              <a:t> %}</a:t>
+            </a:r>
+          </a:p>
+          <a:p>
+            <a:r>
+              <a:rPr lang="en-US" sz="2800" dirty="0">
+                <a:solidFill>
+                  <a:srgbClr val="808080"/>
+                </a:solidFill>
+                <a:latin typeface="Consolas" panose="020B0609020204030204" pitchFamily="49" charset="0"/>
+              </a:rPr>
+              <a:t>&lt;/</a:t>
+            </a:r>
+            <a:r>
+              <a:rPr lang="en-US" sz="2800" dirty="0">
+                <a:solidFill>
+                  <a:srgbClr val="569CD6"/>
+                </a:solidFill>
+                <a:latin typeface="Consolas" panose="020B0609020204030204" pitchFamily="49" charset="0"/>
+              </a:rPr>
+              <a:t>head</a:t>
+            </a:r>
+            <a:r>
+              <a:rPr lang="en-US" sz="2800" dirty="0">
+                <a:solidFill>
+                  <a:srgbClr val="808080"/>
+                </a:solidFill>
+                <a:latin typeface="Consolas" panose="020B0609020204030204" pitchFamily="49" charset="0"/>
+              </a:rPr>
+              <a:t>&gt;</a:t>
+            </a:r>
+            <a:endParaRPr lang="en-US" sz="2800" dirty="0">
+              <a:solidFill>
+                <a:srgbClr val="D4D4D4"/>
+              </a:solidFill>
+              <a:latin typeface="Consolas" panose="020B0609020204030204" pitchFamily="49" charset="0"/>
+            </a:endParaRPr>
+          </a:p>
+          <a:p>
+            <a:r>
+              <a:rPr lang="en-US" sz="2800" dirty="0">
+                <a:solidFill>
+                  <a:srgbClr val="808080"/>
+                </a:solidFill>
+                <a:latin typeface="Consolas" panose="020B0609020204030204" pitchFamily="49" charset="0"/>
+              </a:rPr>
+              <a:t>&lt;</a:t>
+            </a:r>
+            <a:r>
+              <a:rPr lang="en-US" sz="2800" dirty="0">
+                <a:solidFill>
+                  <a:srgbClr val="569CD6"/>
+                </a:solidFill>
+                <a:latin typeface="Consolas" panose="020B0609020204030204" pitchFamily="49" charset="0"/>
+              </a:rPr>
+              <a:t>header</a:t>
+            </a:r>
+            <a:r>
+              <a:rPr lang="en-US" sz="2800" dirty="0">
+                <a:solidFill>
+                  <a:srgbClr val="808080"/>
+                </a:solidFill>
+                <a:latin typeface="Consolas" panose="020B0609020204030204" pitchFamily="49" charset="0"/>
+              </a:rPr>
+              <a:t>&gt;</a:t>
+            </a:r>
+            <a:r>
+              <a:rPr lang="en-US" sz="2800" dirty="0">
+                <a:solidFill>
+                  <a:srgbClr val="D4D4D4"/>
+                </a:solidFill>
+                <a:latin typeface="Consolas" panose="020B0609020204030204" pitchFamily="49" charset="0"/>
+              </a:rPr>
+              <a:t> </a:t>
+            </a:r>
+            <a:r>
+              <a:rPr lang="en-US" sz="2800" dirty="0">
+                <a:solidFill>
+                  <a:srgbClr val="808080"/>
+                </a:solidFill>
+                <a:latin typeface="Consolas" panose="020B0609020204030204" pitchFamily="49" charset="0"/>
+              </a:rPr>
+              <a:t>&lt;/</a:t>
+            </a:r>
+            <a:r>
+              <a:rPr lang="en-US" sz="2800" dirty="0">
+                <a:solidFill>
+                  <a:srgbClr val="569CD6"/>
+                </a:solidFill>
+                <a:latin typeface="Consolas" panose="020B0609020204030204" pitchFamily="49" charset="0"/>
+              </a:rPr>
+              <a:t>header</a:t>
+            </a:r>
+            <a:r>
+              <a:rPr lang="en-US" sz="2800" dirty="0">
+                <a:solidFill>
+                  <a:srgbClr val="808080"/>
+                </a:solidFill>
+                <a:latin typeface="Consolas" panose="020B0609020204030204" pitchFamily="49" charset="0"/>
+              </a:rPr>
+              <a:t>&gt;</a:t>
+            </a:r>
+            <a:endParaRPr lang="en-US" sz="2800" dirty="0">
+              <a:solidFill>
+                <a:srgbClr val="D4D4D4"/>
+              </a:solidFill>
+              <a:latin typeface="Consolas" panose="020B0609020204030204" pitchFamily="49" charset="0"/>
+            </a:endParaRPr>
+          </a:p>
+          <a:p>
+            <a:r>
+              <a:rPr lang="en-US" sz="2800" dirty="0">
+                <a:solidFill>
+                  <a:srgbClr val="808080"/>
+                </a:solidFill>
+                <a:latin typeface="Consolas" panose="020B0609020204030204" pitchFamily="49" charset="0"/>
+              </a:rPr>
+              <a:t>&lt;</a:t>
+            </a:r>
+            <a:r>
+              <a:rPr lang="en-US" sz="2800" dirty="0">
+                <a:solidFill>
+                  <a:srgbClr val="569CD6"/>
+                </a:solidFill>
+                <a:latin typeface="Consolas" panose="020B0609020204030204" pitchFamily="49" charset="0"/>
+              </a:rPr>
+              <a:t>body</a:t>
+            </a:r>
+            <a:r>
+              <a:rPr lang="en-US" sz="2800" dirty="0">
+                <a:solidFill>
+                  <a:srgbClr val="808080"/>
+                </a:solidFill>
+                <a:latin typeface="Consolas" panose="020B0609020204030204" pitchFamily="49" charset="0"/>
+              </a:rPr>
+              <a:t>&gt;</a:t>
+            </a:r>
+            <a:endParaRPr lang="en-US" sz="2800" dirty="0">
+              <a:solidFill>
+                <a:srgbClr val="D4D4D4"/>
+              </a:solidFill>
+              <a:latin typeface="Consolas" panose="020B0609020204030204" pitchFamily="49" charset="0"/>
+            </a:endParaRPr>
+          </a:p>
+          <a:p>
+            <a:r>
+              <a:rPr lang="en-US" sz="2800" dirty="0">
+                <a:solidFill>
+                  <a:srgbClr val="D4D4D4"/>
+                </a:solidFill>
+                <a:latin typeface="Consolas" panose="020B0609020204030204" pitchFamily="49" charset="0"/>
+              </a:rPr>
+              <a:t>    {% block </a:t>
+            </a:r>
+            <a:r>
+              <a:rPr lang="en-US" sz="2800" dirty="0" err="1">
+                <a:solidFill>
+                  <a:srgbClr val="D4D4D4"/>
+                </a:solidFill>
+                <a:latin typeface="Consolas" panose="020B0609020204030204" pitchFamily="49" charset="0"/>
+              </a:rPr>
+              <a:t>content_block</a:t>
+            </a:r>
+            <a:r>
+              <a:rPr lang="en-US" sz="2800" dirty="0">
+                <a:solidFill>
+                  <a:srgbClr val="D4D4D4"/>
+                </a:solidFill>
+                <a:latin typeface="Consolas" panose="020B0609020204030204" pitchFamily="49" charset="0"/>
+              </a:rPr>
+              <a:t> %} {% </a:t>
+            </a:r>
+            <a:r>
+              <a:rPr lang="en-US" sz="2800" dirty="0" err="1">
+                <a:solidFill>
+                  <a:srgbClr val="D4D4D4"/>
+                </a:solidFill>
+                <a:latin typeface="Consolas" panose="020B0609020204030204" pitchFamily="49" charset="0"/>
+              </a:rPr>
+              <a:t>endblock</a:t>
+            </a:r>
+            <a:r>
+              <a:rPr lang="en-US" sz="2800" dirty="0">
+                <a:solidFill>
+                  <a:srgbClr val="D4D4D4"/>
+                </a:solidFill>
+                <a:latin typeface="Consolas" panose="020B0609020204030204" pitchFamily="49" charset="0"/>
+              </a:rPr>
+              <a:t> %}</a:t>
+            </a:r>
+          </a:p>
+          <a:p>
+            <a:r>
+              <a:rPr lang="en-US" sz="2800" dirty="0">
+                <a:solidFill>
+                  <a:srgbClr val="808080"/>
+                </a:solidFill>
+                <a:latin typeface="Consolas" panose="020B0609020204030204" pitchFamily="49" charset="0"/>
+              </a:rPr>
+              <a:t>&lt;/</a:t>
+            </a:r>
+            <a:r>
+              <a:rPr lang="en-US" sz="2800" dirty="0">
+                <a:solidFill>
+                  <a:srgbClr val="569CD6"/>
+                </a:solidFill>
+                <a:latin typeface="Consolas" panose="020B0609020204030204" pitchFamily="49" charset="0"/>
+              </a:rPr>
+              <a:t>body</a:t>
+            </a:r>
+            <a:r>
+              <a:rPr lang="en-US" sz="2800" dirty="0">
+                <a:solidFill>
+                  <a:srgbClr val="808080"/>
+                </a:solidFill>
+                <a:latin typeface="Consolas" panose="020B0609020204030204" pitchFamily="49" charset="0"/>
+              </a:rPr>
+              <a:t>&gt;</a:t>
+            </a:r>
+            <a:endParaRPr lang="en-US" sz="2800" dirty="0">
+              <a:solidFill>
+                <a:srgbClr val="D4D4D4"/>
+              </a:solidFill>
+              <a:latin typeface="Consolas" panose="020B0609020204030204" pitchFamily="49" charset="0"/>
+            </a:endParaRPr>
+          </a:p>
+          <a:p>
+            <a:r>
+              <a:rPr lang="en-US" sz="2800" dirty="0">
+                <a:solidFill>
+                  <a:srgbClr val="808080"/>
+                </a:solidFill>
+                <a:latin typeface="Consolas" panose="020B0609020204030204" pitchFamily="49" charset="0"/>
+              </a:rPr>
+              <a:t>&lt;</a:t>
+            </a:r>
+            <a:r>
+              <a:rPr lang="en-US" sz="2800" dirty="0">
+                <a:solidFill>
+                  <a:srgbClr val="569CD6"/>
+                </a:solidFill>
+                <a:latin typeface="Consolas" panose="020B0609020204030204" pitchFamily="49" charset="0"/>
+              </a:rPr>
+              <a:t>footer</a:t>
+            </a:r>
+            <a:r>
+              <a:rPr lang="en-US" sz="2800" dirty="0">
+                <a:solidFill>
+                  <a:srgbClr val="808080"/>
+                </a:solidFill>
+                <a:latin typeface="Consolas" panose="020B0609020204030204" pitchFamily="49" charset="0"/>
+              </a:rPr>
+              <a:t>&gt;</a:t>
+            </a:r>
+            <a:r>
+              <a:rPr lang="en-US" sz="2800" dirty="0">
+                <a:solidFill>
+                  <a:srgbClr val="D4D4D4"/>
+                </a:solidFill>
+                <a:latin typeface="Consolas" panose="020B0609020204030204" pitchFamily="49" charset="0"/>
+              </a:rPr>
+              <a:t> </a:t>
+            </a:r>
+            <a:r>
+              <a:rPr lang="en-US" sz="2800" dirty="0">
+                <a:solidFill>
+                  <a:srgbClr val="808080"/>
+                </a:solidFill>
+                <a:latin typeface="Consolas" panose="020B0609020204030204" pitchFamily="49" charset="0"/>
+              </a:rPr>
+              <a:t>&lt;/</a:t>
+            </a:r>
+            <a:r>
+              <a:rPr lang="en-US" sz="2800" dirty="0">
+                <a:solidFill>
+                  <a:srgbClr val="569CD6"/>
+                </a:solidFill>
+                <a:latin typeface="Consolas" panose="020B0609020204030204" pitchFamily="49" charset="0"/>
+              </a:rPr>
+              <a:t>footer</a:t>
+            </a:r>
+            <a:r>
+              <a:rPr lang="en-US" sz="2800" dirty="0">
+                <a:solidFill>
+                  <a:srgbClr val="808080"/>
+                </a:solidFill>
+                <a:latin typeface="Consolas" panose="020B0609020204030204" pitchFamily="49" charset="0"/>
+              </a:rPr>
+              <a:t>&gt;</a:t>
+            </a:r>
+            <a:endParaRPr lang="en-US" sz="2800" dirty="0">
+              <a:solidFill>
+                <a:srgbClr val="D4D4D4"/>
+              </a:solidFill>
+              <a:latin typeface="Consolas" panose="020B0609020204030204" pitchFamily="49" charset="0"/>
+            </a:endParaRPr>
+          </a:p>
+        </p:txBody>
+      </p:sp>
+    </p:spTree>
+    <p:extLst>
+      <p:ext uri="{BB962C8B-B14F-4D97-AF65-F5344CB8AC3E}">
+        <p14:creationId xmlns:p14="http://schemas.microsoft.com/office/powerpoint/2010/main" val="2536921169"/>
+      </p:ext>
+    </p:extLst>
+  </p:cSld>
+  <p:clrMapOvr>
+    <a:masterClrMapping/>
+  </p:clrMapOvr>
+</p:sld>
+</file>
+
+<file path=ppt/slides/slide19.xml><?xml version="1.0" encoding="utf-8"?>
+<p:sld xmlns:a="http://schemas.openxmlformats.org/drawingml/2006/main" xmlns:r="http://schemas.openxmlformats.org/officeDocument/2006/relationships" xmlns:p="http://schemas.openxmlformats.org/presentationml/2006/main">
+  <p:cSld>
+    <p:spTree>
+      <p:nvGrpSpPr>
+        <p:cNvPr id="1" name=""/>
+        <p:cNvGrpSpPr/>
+        <p:nvPr/>
+      </p:nvGrpSpPr>
+      <p:grpSpPr>
+        <a:xfrm>
+          <a:off x="0" y="0"/>
+          <a:ext cx="0" cy="0"/>
+          <a:chOff x="0" y="0"/>
+          <a:chExt cx="0" cy="0"/>
+        </a:xfrm>
+      </p:grpSpPr>
+      <p:sp>
+        <p:nvSpPr>
+          <p:cNvPr id="2" name="Title 1">
+            <a:extLst>
+              <a:ext uri="{FF2B5EF4-FFF2-40B4-BE49-F238E27FC236}">
+                <a16:creationId xmlns:a16="http://schemas.microsoft.com/office/drawing/2014/main" id="{04CCC78F-CB69-4AB6-80ED-DCB31B9FAC61}"/>
+              </a:ext>
+            </a:extLst>
+          </p:cNvPr>
+          <p:cNvSpPr>
+            <a:spLocks noGrp="1"/>
+          </p:cNvSpPr>
+          <p:nvPr>
+            <p:ph type="title"/>
+          </p:nvPr>
+        </p:nvSpPr>
+        <p:spPr/>
+        <p:txBody>
+          <a:bodyPr/>
+          <a:lstStyle/>
+          <a:p>
+            <a:r>
+              <a:rPr lang="en-US" dirty="0"/>
+              <a:t>templates\movies.html</a:t>
+            </a:r>
+          </a:p>
+        </p:txBody>
+      </p:sp>
+      <p:sp>
+        <p:nvSpPr>
+          <p:cNvPr id="5" name="Rectangle 4">
+            <a:extLst>
+              <a:ext uri="{FF2B5EF4-FFF2-40B4-BE49-F238E27FC236}">
+                <a16:creationId xmlns:a16="http://schemas.microsoft.com/office/drawing/2014/main" id="{B46D4174-FA4E-4FE7-8F34-E39850FF36E5}"/>
+              </a:ext>
+            </a:extLst>
+          </p:cNvPr>
+          <p:cNvSpPr/>
+          <p:nvPr/>
+        </p:nvSpPr>
+        <p:spPr>
+          <a:xfrm>
+            <a:off x="838200" y="2091670"/>
+            <a:ext cx="10563237" cy="2246769"/>
+          </a:xfrm>
+          <a:prstGeom prst="rect">
+            <a:avLst/>
+          </a:prstGeom>
+          <a:solidFill>
+            <a:schemeClr val="tx1"/>
+          </a:solidFill>
+        </p:spPr>
+        <p:txBody>
+          <a:bodyPr wrap="square">
+            <a:spAutoFit/>
+          </a:bodyPr>
+          <a:lstStyle/>
+          <a:p>
+            <a:r>
+              <a:rPr lang="en-US" sz="2800" dirty="0">
+                <a:solidFill>
+                  <a:srgbClr val="D4D4D4"/>
+                </a:solidFill>
+                <a:latin typeface="Consolas" panose="020B0609020204030204" pitchFamily="49" charset="0"/>
+              </a:rPr>
+              <a:t>{% </a:t>
+            </a:r>
+            <a:r>
+              <a:rPr lang="en-US" sz="2800" dirty="0">
+                <a:solidFill>
+                  <a:srgbClr val="C586C0"/>
+                </a:solidFill>
+                <a:latin typeface="Consolas" panose="020B0609020204030204" pitchFamily="49" charset="0"/>
+              </a:rPr>
+              <a:t>extends</a:t>
+            </a:r>
+            <a:r>
+              <a:rPr lang="en-US" sz="2800" dirty="0">
+                <a:solidFill>
+                  <a:srgbClr val="D4D4D4"/>
+                </a:solidFill>
+                <a:latin typeface="Consolas" panose="020B0609020204030204" pitchFamily="49" charset="0"/>
+              </a:rPr>
+              <a:t> </a:t>
+            </a:r>
+            <a:r>
+              <a:rPr lang="en-US" sz="2800" dirty="0">
+                <a:solidFill>
+                  <a:srgbClr val="CE9178"/>
+                </a:solidFill>
+                <a:latin typeface="Consolas" panose="020B0609020204030204" pitchFamily="49" charset="0"/>
+              </a:rPr>
+              <a:t>"base.html"</a:t>
+            </a:r>
+            <a:r>
+              <a:rPr lang="en-US" sz="2800" dirty="0">
+                <a:solidFill>
+                  <a:srgbClr val="D4D4D4"/>
+                </a:solidFill>
+                <a:latin typeface="Consolas" panose="020B0609020204030204" pitchFamily="49" charset="0"/>
+              </a:rPr>
+              <a:t> %}</a:t>
+            </a:r>
+          </a:p>
+          <a:p>
+            <a:br>
+              <a:rPr lang="en-US" sz="2800" dirty="0">
+                <a:solidFill>
+                  <a:srgbClr val="D4D4D4"/>
+                </a:solidFill>
+                <a:latin typeface="Consolas" panose="020B0609020204030204" pitchFamily="49" charset="0"/>
+              </a:rPr>
+            </a:br>
+            <a:r>
+              <a:rPr lang="en-US" sz="2800" dirty="0">
+                <a:solidFill>
+                  <a:srgbClr val="D4D4D4"/>
+                </a:solidFill>
+                <a:latin typeface="Consolas" panose="020B0609020204030204" pitchFamily="49" charset="0"/>
+              </a:rPr>
+              <a:t>{% </a:t>
+            </a:r>
+            <a:r>
+              <a:rPr lang="en-US" sz="2800" dirty="0">
+                <a:solidFill>
+                  <a:srgbClr val="C586C0"/>
+                </a:solidFill>
+                <a:latin typeface="Consolas" panose="020B0609020204030204" pitchFamily="49" charset="0"/>
+              </a:rPr>
+              <a:t>block</a:t>
+            </a:r>
+            <a:r>
+              <a:rPr lang="en-US" sz="2800" dirty="0">
+                <a:solidFill>
+                  <a:srgbClr val="D4D4D4"/>
+                </a:solidFill>
+                <a:latin typeface="Consolas" panose="020B0609020204030204" pitchFamily="49" charset="0"/>
+              </a:rPr>
+              <a:t> </a:t>
+            </a:r>
+            <a:r>
+              <a:rPr lang="en-US" sz="2800" dirty="0" err="1">
+                <a:solidFill>
+                  <a:srgbClr val="9CDCFE"/>
+                </a:solidFill>
+                <a:latin typeface="Consolas" panose="020B0609020204030204" pitchFamily="49" charset="0"/>
+              </a:rPr>
+              <a:t>content_block</a:t>
+            </a:r>
+            <a:r>
+              <a:rPr lang="en-US" sz="2800" dirty="0">
+                <a:solidFill>
+                  <a:srgbClr val="D4D4D4"/>
+                </a:solidFill>
+                <a:latin typeface="Consolas" panose="020B0609020204030204" pitchFamily="49" charset="0"/>
+              </a:rPr>
+              <a:t> %}</a:t>
+            </a:r>
+          </a:p>
+          <a:p>
+            <a:r>
+              <a:rPr lang="en-US" sz="2800" dirty="0">
+                <a:solidFill>
+                  <a:srgbClr val="D4D4D4"/>
+                </a:solidFill>
+                <a:latin typeface="Consolas" panose="020B0609020204030204" pitchFamily="49" charset="0"/>
+              </a:rPr>
+              <a:t>    </a:t>
+            </a:r>
+            <a:r>
+              <a:rPr lang="en-US" sz="2800" dirty="0">
+                <a:solidFill>
+                  <a:srgbClr val="808080"/>
+                </a:solidFill>
+                <a:latin typeface="Consolas" panose="020B0609020204030204" pitchFamily="49" charset="0"/>
+              </a:rPr>
+              <a:t>&lt;</a:t>
+            </a:r>
+            <a:r>
+              <a:rPr lang="en-US" sz="2800" dirty="0">
+                <a:solidFill>
+                  <a:srgbClr val="569CD6"/>
+                </a:solidFill>
+                <a:latin typeface="Consolas" panose="020B0609020204030204" pitchFamily="49" charset="0"/>
+              </a:rPr>
+              <a:t>h1</a:t>
+            </a:r>
+            <a:r>
+              <a:rPr lang="en-US" sz="2800" dirty="0">
+                <a:solidFill>
+                  <a:srgbClr val="808080"/>
+                </a:solidFill>
+                <a:latin typeface="Consolas" panose="020B0609020204030204" pitchFamily="49" charset="0"/>
+              </a:rPr>
+              <a:t>&gt;</a:t>
+            </a:r>
+            <a:r>
+              <a:rPr lang="en-US" sz="2800" dirty="0">
+                <a:solidFill>
+                  <a:srgbClr val="D4D4D4"/>
+                </a:solidFill>
+                <a:latin typeface="Consolas" panose="020B0609020204030204" pitchFamily="49" charset="0"/>
+              </a:rPr>
+              <a:t>Templates are working!!!</a:t>
+            </a:r>
+            <a:r>
+              <a:rPr lang="en-US" sz="2800" dirty="0">
+                <a:solidFill>
+                  <a:srgbClr val="808080"/>
+                </a:solidFill>
+                <a:latin typeface="Consolas" panose="020B0609020204030204" pitchFamily="49" charset="0"/>
+              </a:rPr>
+              <a:t>&lt;/</a:t>
+            </a:r>
+            <a:r>
+              <a:rPr lang="en-US" sz="2800" dirty="0">
+                <a:solidFill>
+                  <a:srgbClr val="569CD6"/>
+                </a:solidFill>
+                <a:latin typeface="Consolas" panose="020B0609020204030204" pitchFamily="49" charset="0"/>
+              </a:rPr>
+              <a:t>h1</a:t>
+            </a:r>
+            <a:r>
+              <a:rPr lang="en-US" sz="2800" dirty="0">
+                <a:solidFill>
+                  <a:srgbClr val="808080"/>
+                </a:solidFill>
+                <a:latin typeface="Consolas" panose="020B0609020204030204" pitchFamily="49" charset="0"/>
+              </a:rPr>
+              <a:t>&gt;</a:t>
+            </a:r>
+            <a:endParaRPr lang="en-US" sz="2800" dirty="0">
+              <a:solidFill>
+                <a:srgbClr val="D4D4D4"/>
+              </a:solidFill>
+              <a:latin typeface="Consolas" panose="020B0609020204030204" pitchFamily="49" charset="0"/>
+            </a:endParaRPr>
+          </a:p>
+          <a:p>
+            <a:r>
+              <a:rPr lang="en-US" sz="2800" dirty="0">
+                <a:solidFill>
+                  <a:srgbClr val="D4D4D4"/>
+                </a:solidFill>
+                <a:latin typeface="Consolas" panose="020B0609020204030204" pitchFamily="49" charset="0"/>
+              </a:rPr>
+              <a:t>{% </a:t>
+            </a:r>
+            <a:r>
+              <a:rPr lang="en-US" sz="2800" dirty="0" err="1">
+                <a:solidFill>
+                  <a:srgbClr val="C586C0"/>
+                </a:solidFill>
+                <a:latin typeface="Consolas" panose="020B0609020204030204" pitchFamily="49" charset="0"/>
+              </a:rPr>
+              <a:t>endblock</a:t>
+            </a:r>
+            <a:r>
+              <a:rPr lang="en-US" sz="2800" dirty="0">
+                <a:solidFill>
+                  <a:srgbClr val="D4D4D4"/>
+                </a:solidFill>
+                <a:latin typeface="Consolas" panose="020B0609020204030204" pitchFamily="49" charset="0"/>
+              </a:rPr>
+              <a:t> %}</a:t>
+            </a:r>
+          </a:p>
+        </p:txBody>
+      </p:sp>
+    </p:spTree>
+    <p:extLst>
+      <p:ext uri="{BB962C8B-B14F-4D97-AF65-F5344CB8AC3E}">
+        <p14:creationId xmlns:p14="http://schemas.microsoft.com/office/powerpoint/2010/main" val="991789979"/>
       </p:ext>
     </p:extLst>
   </p:cSld>
@@ -6335,72 +8880,4489 @@
               <a:t>Python 3.8.0</a:t>
             </a:r>
           </a:p>
-          <a:p>
-            <a:r>
-              <a:rPr lang="en-US" dirty="0"/>
-              <a:t>Install Flask</a:t>
-            </a:r>
-          </a:p>
-          <a:p>
-            <a:pPr marL="457200" lvl="1" indent="0">
-              <a:buNone/>
-            </a:pPr>
-            <a:r>
-              <a:rPr lang="en-US" i="1" dirty="0"/>
-              <a:t>&gt; pip install Flask</a:t>
-            </a:r>
-          </a:p>
-          <a:p>
-            <a:pPr marL="457200" lvl="1" indent="0">
-              <a:buNone/>
-            </a:pPr>
-            <a:r>
-              <a:rPr lang="en-US" i="1" dirty="0"/>
-              <a:t>Collecting Flask</a:t>
-            </a:r>
-          </a:p>
-          <a:p>
-            <a:pPr marL="457200" lvl="1" indent="0">
-              <a:buNone/>
-            </a:pPr>
-            <a:r>
-              <a:rPr lang="en-US" i="1" dirty="0"/>
-              <a:t>  Downloading….</a:t>
-            </a:r>
-          </a:p>
-          <a:p>
-            <a:pPr marL="914400" lvl="2" indent="0">
-              <a:buNone/>
-            </a:pPr>
-            <a:r>
-              <a:rPr lang="en-US" i="1" dirty="0"/>
-              <a:t>….</a:t>
-            </a:r>
-          </a:p>
-          <a:p>
-            <a:pPr marL="914400" lvl="2" indent="0">
-              <a:buNone/>
-            </a:pPr>
-            <a:r>
-              <a:rPr lang="en-US" i="1" dirty="0"/>
-              <a:t>….</a:t>
-            </a:r>
-          </a:p>
-          <a:p>
-            <a:pPr marL="914400" lvl="2" indent="0">
-              <a:buNone/>
-            </a:pPr>
-            <a:r>
-              <a:rPr lang="en-US" i="1" dirty="0"/>
-              <a:t>….</a:t>
-            </a:r>
-          </a:p>
         </p:txBody>
       </p:sp>
     </p:spTree>
     <p:extLst>
       <p:ext uri="{BB962C8B-B14F-4D97-AF65-F5344CB8AC3E}">
         <p14:creationId xmlns:p14="http://schemas.microsoft.com/office/powerpoint/2010/main" val="2940443985"/>
+      </p:ext>
+    </p:extLst>
+  </p:cSld>
+  <p:clrMapOvr>
+    <a:masterClrMapping/>
+  </p:clrMapOvr>
+</p:sld>
+</file>
+
+<file path=ppt/slides/slide20.xml><?xml version="1.0" encoding="utf-8"?>
+<p:sld xmlns:a="http://schemas.openxmlformats.org/drawingml/2006/main" xmlns:r="http://schemas.openxmlformats.org/officeDocument/2006/relationships" xmlns:p="http://schemas.openxmlformats.org/presentationml/2006/main">
+  <p:cSld>
+    <p:spTree>
+      <p:nvGrpSpPr>
+        <p:cNvPr id="1" name=""/>
+        <p:cNvGrpSpPr/>
+        <p:nvPr/>
+      </p:nvGrpSpPr>
+      <p:grpSpPr>
+        <a:xfrm>
+          <a:off x="0" y="0"/>
+          <a:ext cx="0" cy="0"/>
+          <a:chOff x="0" y="0"/>
+          <a:chExt cx="0" cy="0"/>
+        </a:xfrm>
+      </p:grpSpPr>
+      <p:sp>
+        <p:nvSpPr>
+          <p:cNvPr id="2" name="Title 1">
+            <a:extLst>
+              <a:ext uri="{FF2B5EF4-FFF2-40B4-BE49-F238E27FC236}">
+                <a16:creationId xmlns:a16="http://schemas.microsoft.com/office/drawing/2014/main" id="{04CCC78F-CB69-4AB6-80ED-DCB31B9FAC61}"/>
+              </a:ext>
+            </a:extLst>
+          </p:cNvPr>
+          <p:cNvSpPr>
+            <a:spLocks noGrp="1"/>
+          </p:cNvSpPr>
+          <p:nvPr>
+            <p:ph type="title"/>
+          </p:nvPr>
+        </p:nvSpPr>
+        <p:spPr/>
+        <p:txBody>
+          <a:bodyPr/>
+          <a:lstStyle/>
+          <a:p>
+            <a:r>
+              <a:rPr lang="en-US" dirty="0"/>
+              <a:t>app.py</a:t>
+            </a:r>
+          </a:p>
+        </p:txBody>
+      </p:sp>
+      <p:sp>
+        <p:nvSpPr>
+          <p:cNvPr id="5" name="Rectangle 4">
+            <a:extLst>
+              <a:ext uri="{FF2B5EF4-FFF2-40B4-BE49-F238E27FC236}">
+                <a16:creationId xmlns:a16="http://schemas.microsoft.com/office/drawing/2014/main" id="{B46D4174-FA4E-4FE7-8F34-E39850FF36E5}"/>
+              </a:ext>
+            </a:extLst>
+          </p:cNvPr>
+          <p:cNvSpPr/>
+          <p:nvPr/>
+        </p:nvSpPr>
+        <p:spPr>
+          <a:xfrm>
+            <a:off x="838200" y="2091670"/>
+            <a:ext cx="10563237" cy="2246769"/>
+          </a:xfrm>
+          <a:prstGeom prst="rect">
+            <a:avLst/>
+          </a:prstGeom>
+          <a:solidFill>
+            <a:schemeClr val="tx1"/>
+          </a:solidFill>
+        </p:spPr>
+        <p:txBody>
+          <a:bodyPr wrap="square">
+            <a:spAutoFit/>
+          </a:bodyPr>
+          <a:lstStyle/>
+          <a:p>
+            <a:r>
+              <a:rPr lang="en-US" sz="2800" dirty="0">
+                <a:solidFill>
+                  <a:srgbClr val="C586C0"/>
+                </a:solidFill>
+                <a:latin typeface="Consolas" panose="020B0609020204030204" pitchFamily="49" charset="0"/>
+              </a:rPr>
+              <a:t>from</a:t>
+            </a:r>
+            <a:r>
+              <a:rPr lang="en-US" sz="2800" dirty="0">
+                <a:solidFill>
+                  <a:srgbClr val="D4D4D4"/>
+                </a:solidFill>
+                <a:latin typeface="Consolas" panose="020B0609020204030204" pitchFamily="49" charset="0"/>
+              </a:rPr>
+              <a:t> flask </a:t>
+            </a:r>
+            <a:r>
+              <a:rPr lang="en-US" sz="2800" dirty="0">
+                <a:solidFill>
+                  <a:srgbClr val="C586C0"/>
+                </a:solidFill>
+                <a:latin typeface="Consolas" panose="020B0609020204030204" pitchFamily="49" charset="0"/>
+              </a:rPr>
+              <a:t>import</a:t>
+            </a:r>
+            <a:r>
+              <a:rPr lang="en-US" sz="2800" dirty="0">
+                <a:solidFill>
+                  <a:srgbClr val="D4D4D4"/>
+                </a:solidFill>
+                <a:latin typeface="Consolas" panose="020B0609020204030204" pitchFamily="49" charset="0"/>
+              </a:rPr>
+              <a:t> Flask, </a:t>
+            </a:r>
+            <a:r>
+              <a:rPr lang="en-US" sz="2800" dirty="0" err="1">
+                <a:solidFill>
+                  <a:srgbClr val="D4D4D4"/>
+                </a:solidFill>
+                <a:latin typeface="Consolas" panose="020B0609020204030204" pitchFamily="49" charset="0"/>
+              </a:rPr>
+              <a:t>render_template</a:t>
+            </a:r>
+            <a:endParaRPr lang="en-US" sz="2800" dirty="0">
+              <a:solidFill>
+                <a:srgbClr val="D4D4D4"/>
+              </a:solidFill>
+              <a:latin typeface="Consolas" panose="020B0609020204030204" pitchFamily="49" charset="0"/>
+            </a:endParaRPr>
+          </a:p>
+          <a:p>
+            <a:endParaRPr lang="en-US" sz="2800" dirty="0">
+              <a:solidFill>
+                <a:srgbClr val="DCDCAA"/>
+              </a:solidFill>
+              <a:latin typeface="Consolas" panose="020B0609020204030204" pitchFamily="49" charset="0"/>
+            </a:endParaRPr>
+          </a:p>
+          <a:p>
+            <a:r>
+              <a:rPr lang="en-US" sz="2800" dirty="0">
+                <a:solidFill>
+                  <a:srgbClr val="DCDCAA"/>
+                </a:solidFill>
+                <a:latin typeface="Consolas" panose="020B0609020204030204" pitchFamily="49" charset="0"/>
+              </a:rPr>
+              <a:t>@</a:t>
+            </a:r>
+            <a:r>
+              <a:rPr lang="en-US" sz="2800" dirty="0" err="1">
+                <a:solidFill>
+                  <a:srgbClr val="DCDCAA"/>
+                </a:solidFill>
+                <a:latin typeface="Consolas" panose="020B0609020204030204" pitchFamily="49" charset="0"/>
+              </a:rPr>
+              <a:t>app.route</a:t>
+            </a:r>
+            <a:r>
+              <a:rPr lang="en-US" sz="2800" dirty="0">
+                <a:solidFill>
+                  <a:srgbClr val="D4D4D4"/>
+                </a:solidFill>
+                <a:latin typeface="Consolas" panose="020B0609020204030204" pitchFamily="49" charset="0"/>
+              </a:rPr>
+              <a:t>(</a:t>
+            </a:r>
+            <a:r>
+              <a:rPr lang="en-US" sz="2800" dirty="0">
+                <a:solidFill>
+                  <a:srgbClr val="CE9178"/>
+                </a:solidFill>
+                <a:latin typeface="Consolas" panose="020B0609020204030204" pitchFamily="49" charset="0"/>
+              </a:rPr>
+              <a:t>'/'</a:t>
+            </a:r>
+            <a:r>
+              <a:rPr lang="en-US" sz="2800" dirty="0">
+                <a:solidFill>
+                  <a:srgbClr val="D4D4D4"/>
+                </a:solidFill>
+                <a:latin typeface="Consolas" panose="020B0609020204030204" pitchFamily="49" charset="0"/>
+              </a:rPr>
+              <a:t>, </a:t>
+            </a:r>
+            <a:r>
+              <a:rPr lang="en-US" sz="2800" dirty="0">
+                <a:solidFill>
+                  <a:srgbClr val="9CDCFE"/>
+                </a:solidFill>
+                <a:latin typeface="Consolas" panose="020B0609020204030204" pitchFamily="49" charset="0"/>
+              </a:rPr>
+              <a:t>methods</a:t>
+            </a:r>
+            <a:r>
+              <a:rPr lang="en-US" sz="2800" dirty="0">
+                <a:solidFill>
+                  <a:srgbClr val="D4D4D4"/>
+                </a:solidFill>
+                <a:latin typeface="Consolas" panose="020B0609020204030204" pitchFamily="49" charset="0"/>
+              </a:rPr>
+              <a:t>=[</a:t>
+            </a:r>
+            <a:r>
+              <a:rPr lang="en-US" sz="2800" dirty="0">
+                <a:solidFill>
+                  <a:srgbClr val="CE9178"/>
+                </a:solidFill>
+                <a:latin typeface="Consolas" panose="020B0609020204030204" pitchFamily="49" charset="0"/>
+              </a:rPr>
+              <a:t>'GET'</a:t>
+            </a:r>
+            <a:r>
+              <a:rPr lang="en-US" sz="2800" dirty="0">
+                <a:solidFill>
+                  <a:srgbClr val="D4D4D4"/>
+                </a:solidFill>
+                <a:latin typeface="Consolas" panose="020B0609020204030204" pitchFamily="49" charset="0"/>
+              </a:rPr>
+              <a:t>])</a:t>
+            </a:r>
+          </a:p>
+          <a:p>
+            <a:r>
+              <a:rPr lang="en-US" sz="2800" dirty="0">
+                <a:solidFill>
+                  <a:srgbClr val="569CD6"/>
+                </a:solidFill>
+                <a:latin typeface="Consolas" panose="020B0609020204030204" pitchFamily="49" charset="0"/>
+              </a:rPr>
+              <a:t>def</a:t>
+            </a:r>
+            <a:r>
+              <a:rPr lang="en-US" sz="2800" dirty="0">
+                <a:solidFill>
+                  <a:srgbClr val="D4D4D4"/>
+                </a:solidFill>
+                <a:latin typeface="Consolas" panose="020B0609020204030204" pitchFamily="49" charset="0"/>
+              </a:rPr>
+              <a:t> </a:t>
+            </a:r>
+            <a:r>
+              <a:rPr lang="en-US" sz="2800" dirty="0">
+                <a:solidFill>
+                  <a:srgbClr val="DCDCAA"/>
+                </a:solidFill>
+                <a:latin typeface="Consolas" panose="020B0609020204030204" pitchFamily="49" charset="0"/>
+              </a:rPr>
+              <a:t>index</a:t>
+            </a:r>
+            <a:r>
+              <a:rPr lang="en-US" sz="2800" dirty="0">
+                <a:solidFill>
+                  <a:srgbClr val="D4D4D4"/>
+                </a:solidFill>
+                <a:latin typeface="Consolas" panose="020B0609020204030204" pitchFamily="49" charset="0"/>
+              </a:rPr>
+              <a:t>():</a:t>
+            </a:r>
+          </a:p>
+          <a:p>
+            <a:r>
+              <a:rPr lang="en-US" sz="2800" dirty="0">
+                <a:solidFill>
+                  <a:srgbClr val="D4D4D4"/>
+                </a:solidFill>
+                <a:latin typeface="Consolas" panose="020B0609020204030204" pitchFamily="49" charset="0"/>
+              </a:rPr>
+              <a:t>   </a:t>
+            </a:r>
+            <a:r>
+              <a:rPr lang="en-US" sz="2800" dirty="0">
+                <a:solidFill>
+                  <a:srgbClr val="C586C0"/>
+                </a:solidFill>
+                <a:latin typeface="Consolas" panose="020B0609020204030204" pitchFamily="49" charset="0"/>
+              </a:rPr>
+              <a:t>return</a:t>
+            </a:r>
+            <a:r>
+              <a:rPr lang="en-US" sz="2800" dirty="0">
+                <a:solidFill>
+                  <a:srgbClr val="D4D4D4"/>
+                </a:solidFill>
+                <a:latin typeface="Consolas" panose="020B0609020204030204" pitchFamily="49" charset="0"/>
+              </a:rPr>
+              <a:t> </a:t>
+            </a:r>
+            <a:r>
+              <a:rPr lang="en-US" sz="2800" dirty="0" err="1">
+                <a:solidFill>
+                  <a:srgbClr val="D4D4D4"/>
+                </a:solidFill>
+                <a:latin typeface="Consolas" panose="020B0609020204030204" pitchFamily="49" charset="0"/>
+              </a:rPr>
+              <a:t>render_template</a:t>
+            </a:r>
+            <a:r>
+              <a:rPr lang="en-US" sz="2800" dirty="0">
+                <a:solidFill>
+                  <a:srgbClr val="D4D4D4"/>
+                </a:solidFill>
+                <a:latin typeface="Consolas" panose="020B0609020204030204" pitchFamily="49" charset="0"/>
+              </a:rPr>
+              <a:t>(</a:t>
+            </a:r>
+            <a:r>
+              <a:rPr lang="en-US" sz="2800" dirty="0">
+                <a:solidFill>
+                  <a:srgbClr val="CE9178"/>
+                </a:solidFill>
+                <a:latin typeface="Consolas" panose="020B0609020204030204" pitchFamily="49" charset="0"/>
+              </a:rPr>
+              <a:t>'movies.html'</a:t>
+            </a:r>
+            <a:r>
+              <a:rPr lang="en-US" sz="2800" dirty="0">
+                <a:solidFill>
+                  <a:srgbClr val="D4D4D4"/>
+                </a:solidFill>
+                <a:latin typeface="Consolas" panose="020B0609020204030204" pitchFamily="49" charset="0"/>
+              </a:rPr>
+              <a:t>)</a:t>
+            </a:r>
+          </a:p>
+        </p:txBody>
+      </p:sp>
+    </p:spTree>
+    <p:extLst>
+      <p:ext uri="{BB962C8B-B14F-4D97-AF65-F5344CB8AC3E}">
+        <p14:creationId xmlns:p14="http://schemas.microsoft.com/office/powerpoint/2010/main" val="3056632042"/>
+      </p:ext>
+    </p:extLst>
+  </p:cSld>
+  <p:clrMapOvr>
+    <a:masterClrMapping/>
+  </p:clrMapOvr>
+</p:sld>
+</file>
+
+<file path=ppt/slides/slide21.xml><?xml version="1.0" encoding="utf-8"?>
+<p:sld xmlns:a="http://schemas.openxmlformats.org/drawingml/2006/main" xmlns:r="http://schemas.openxmlformats.org/officeDocument/2006/relationships" xmlns:p="http://schemas.openxmlformats.org/presentationml/2006/main">
+  <p:cSld>
+    <p:spTree>
+      <p:nvGrpSpPr>
+        <p:cNvPr id="1" name=""/>
+        <p:cNvGrpSpPr/>
+        <p:nvPr/>
+      </p:nvGrpSpPr>
+      <p:grpSpPr>
+        <a:xfrm>
+          <a:off x="0" y="0"/>
+          <a:ext cx="0" cy="0"/>
+          <a:chOff x="0" y="0"/>
+          <a:chExt cx="0" cy="0"/>
+        </a:xfrm>
+      </p:grpSpPr>
+      <p:sp>
+        <p:nvSpPr>
+          <p:cNvPr id="5" name="Title 1">
+            <a:extLst>
+              <a:ext uri="{FF2B5EF4-FFF2-40B4-BE49-F238E27FC236}">
+                <a16:creationId xmlns:a16="http://schemas.microsoft.com/office/drawing/2014/main" id="{854C85E7-9AFD-40D6-AEC3-A039325C6484}"/>
+              </a:ext>
+            </a:extLst>
+          </p:cNvPr>
+          <p:cNvSpPr>
+            <a:spLocks noGrp="1"/>
+          </p:cNvSpPr>
+          <p:nvPr>
+            <p:ph type="title"/>
+          </p:nvPr>
+        </p:nvSpPr>
+        <p:spPr>
+          <a:xfrm>
+            <a:off x="141514" y="2682328"/>
+            <a:ext cx="11832771" cy="1325563"/>
+          </a:xfrm>
+        </p:spPr>
+        <p:txBody>
+          <a:bodyPr/>
+          <a:lstStyle/>
+          <a:p>
+            <a:pPr algn="ctr"/>
+            <a:r>
+              <a:rPr lang="en-US" dirty="0"/>
+              <a:t>Checkpoint : Does the template render properly? </a:t>
+            </a:r>
+          </a:p>
+        </p:txBody>
+      </p:sp>
+    </p:spTree>
+    <p:extLst>
+      <p:ext uri="{BB962C8B-B14F-4D97-AF65-F5344CB8AC3E}">
+        <p14:creationId xmlns:p14="http://schemas.microsoft.com/office/powerpoint/2010/main" val="2355268367"/>
+      </p:ext>
+    </p:extLst>
+  </p:cSld>
+  <p:clrMapOvr>
+    <a:masterClrMapping/>
+  </p:clrMapOvr>
+</p:sld>
+</file>
+
+<file path=ppt/slides/slide22.xml><?xml version="1.0" encoding="utf-8"?>
+<p:sld xmlns:a="http://schemas.openxmlformats.org/drawingml/2006/main" xmlns:r="http://schemas.openxmlformats.org/officeDocument/2006/relationships" xmlns:p="http://schemas.openxmlformats.org/presentationml/2006/main">
+  <p:cSld>
+    <p:spTree>
+      <p:nvGrpSpPr>
+        <p:cNvPr id="1" name=""/>
+        <p:cNvGrpSpPr/>
+        <p:nvPr/>
+      </p:nvGrpSpPr>
+      <p:grpSpPr>
+        <a:xfrm>
+          <a:off x="0" y="0"/>
+          <a:ext cx="0" cy="0"/>
+          <a:chOff x="0" y="0"/>
+          <a:chExt cx="0" cy="0"/>
+        </a:xfrm>
+      </p:grpSpPr>
+      <p:sp>
+        <p:nvSpPr>
+          <p:cNvPr id="2" name="Title 1">
+            <a:extLst>
+              <a:ext uri="{FF2B5EF4-FFF2-40B4-BE49-F238E27FC236}">
+                <a16:creationId xmlns:a16="http://schemas.microsoft.com/office/drawing/2014/main" id="{521B4619-81FF-4425-91AF-889C0AD26A50}"/>
+              </a:ext>
+            </a:extLst>
+          </p:cNvPr>
+          <p:cNvSpPr>
+            <a:spLocks noGrp="1"/>
+          </p:cNvSpPr>
+          <p:nvPr>
+            <p:ph type="title"/>
+          </p:nvPr>
+        </p:nvSpPr>
+        <p:spPr/>
+        <p:txBody>
+          <a:bodyPr/>
+          <a:lstStyle/>
+          <a:p>
+            <a:r>
+              <a:rPr lang="en-US" dirty="0"/>
+              <a:t>app.py</a:t>
+            </a:r>
+          </a:p>
+        </p:txBody>
+      </p:sp>
+      <p:sp>
+        <p:nvSpPr>
+          <p:cNvPr id="3" name="Content Placeholder 2">
+            <a:extLst>
+              <a:ext uri="{FF2B5EF4-FFF2-40B4-BE49-F238E27FC236}">
+                <a16:creationId xmlns:a16="http://schemas.microsoft.com/office/drawing/2014/main" id="{55AA7379-E695-4825-9C82-D327FD30D4C0}"/>
+              </a:ext>
+            </a:extLst>
+          </p:cNvPr>
+          <p:cNvSpPr>
+            <a:spLocks noGrp="1"/>
+          </p:cNvSpPr>
+          <p:nvPr>
+            <p:ph idx="1"/>
+          </p:nvPr>
+        </p:nvSpPr>
+        <p:spPr>
+          <a:solidFill>
+            <a:schemeClr val="tx1"/>
+          </a:solidFill>
+        </p:spPr>
+        <p:txBody>
+          <a:bodyPr/>
+          <a:lstStyle/>
+          <a:p>
+            <a:pPr marL="0" indent="0">
+              <a:buNone/>
+            </a:pPr>
+            <a:r>
+              <a:rPr lang="en-US" sz="2000" dirty="0">
+                <a:solidFill>
+                  <a:srgbClr val="569CD6"/>
+                </a:solidFill>
+                <a:latin typeface="Consolas" panose="020B0609020204030204" pitchFamily="49" charset="0"/>
+              </a:rPr>
+              <a:t>def</a:t>
+            </a:r>
+            <a:r>
+              <a:rPr lang="en-US" sz="2000" dirty="0">
+                <a:solidFill>
+                  <a:srgbClr val="D4D4D4"/>
+                </a:solidFill>
+                <a:latin typeface="Consolas" panose="020B0609020204030204" pitchFamily="49" charset="0"/>
+              </a:rPr>
+              <a:t> </a:t>
+            </a:r>
+            <a:r>
+              <a:rPr lang="en-US" sz="2000" dirty="0">
+                <a:solidFill>
+                  <a:srgbClr val="DCDCAA"/>
+                </a:solidFill>
+                <a:latin typeface="Consolas" panose="020B0609020204030204" pitchFamily="49" charset="0"/>
+              </a:rPr>
+              <a:t>index</a:t>
+            </a:r>
+            <a:r>
+              <a:rPr lang="en-US" sz="2000" dirty="0">
+                <a:solidFill>
+                  <a:srgbClr val="D4D4D4"/>
+                </a:solidFill>
+                <a:latin typeface="Consolas" panose="020B0609020204030204" pitchFamily="49" charset="0"/>
+              </a:rPr>
+              <a:t>():</a:t>
+            </a:r>
+          </a:p>
+          <a:p>
+            <a:pPr marL="0" indent="0">
+              <a:buNone/>
+            </a:pPr>
+            <a:r>
+              <a:rPr lang="en-US" sz="2000" dirty="0">
+                <a:solidFill>
+                  <a:srgbClr val="D4D4D4"/>
+                </a:solidFill>
+                <a:latin typeface="Consolas" panose="020B0609020204030204" pitchFamily="49" charset="0"/>
+              </a:rPr>
+              <a:t>    </a:t>
+            </a:r>
+            <a:r>
+              <a:rPr lang="en-US" sz="2000" dirty="0" err="1">
+                <a:solidFill>
+                  <a:srgbClr val="D4D4D4"/>
+                </a:solidFill>
+                <a:latin typeface="Consolas" panose="020B0609020204030204" pitchFamily="49" charset="0"/>
+              </a:rPr>
+              <a:t>moviedb</a:t>
+            </a:r>
+            <a:r>
+              <a:rPr lang="en-US" sz="2000" dirty="0">
+                <a:solidFill>
+                  <a:srgbClr val="D4D4D4"/>
+                </a:solidFill>
+                <a:latin typeface="Consolas" panose="020B0609020204030204" pitchFamily="49" charset="0"/>
+              </a:rPr>
+              <a:t> = </a:t>
+            </a:r>
+            <a:r>
+              <a:rPr lang="en-US" sz="2000" dirty="0" err="1">
+                <a:solidFill>
+                  <a:srgbClr val="D4D4D4"/>
+                </a:solidFill>
+                <a:latin typeface="Consolas" panose="020B0609020204030204" pitchFamily="49" charset="0"/>
+              </a:rPr>
+              <a:t>MovieDB</a:t>
+            </a:r>
+            <a:r>
+              <a:rPr lang="en-US" sz="2000" dirty="0">
+                <a:solidFill>
+                  <a:srgbClr val="D4D4D4"/>
+                </a:solidFill>
+                <a:latin typeface="Consolas" panose="020B0609020204030204" pitchFamily="49" charset="0"/>
+              </a:rPr>
+              <a:t>(</a:t>
+            </a:r>
+            <a:r>
+              <a:rPr lang="en-US" sz="2000" dirty="0">
+                <a:solidFill>
+                  <a:srgbClr val="CE9178"/>
+                </a:solidFill>
+                <a:latin typeface="Consolas" panose="020B0609020204030204" pitchFamily="49" charset="0"/>
+              </a:rPr>
+              <a:t>"./</a:t>
+            </a:r>
+            <a:r>
+              <a:rPr lang="en-US" sz="2000" dirty="0" err="1">
+                <a:solidFill>
+                  <a:srgbClr val="CE9178"/>
+                </a:solidFill>
+                <a:latin typeface="Consolas" panose="020B0609020204030204" pitchFamily="49" charset="0"/>
+              </a:rPr>
+              <a:t>moviedb.json</a:t>
+            </a:r>
+            <a:r>
+              <a:rPr lang="en-US" sz="2000" dirty="0">
+                <a:solidFill>
+                  <a:srgbClr val="CE9178"/>
+                </a:solidFill>
+                <a:latin typeface="Consolas" panose="020B0609020204030204" pitchFamily="49" charset="0"/>
+              </a:rPr>
+              <a:t>"</a:t>
+            </a:r>
+            <a:r>
+              <a:rPr lang="en-US" sz="2000" dirty="0">
+                <a:solidFill>
+                  <a:srgbClr val="D4D4D4"/>
+                </a:solidFill>
+                <a:latin typeface="Consolas" panose="020B0609020204030204" pitchFamily="49" charset="0"/>
+              </a:rPr>
+              <a:t>)    </a:t>
+            </a:r>
+          </a:p>
+          <a:p>
+            <a:pPr marL="0" indent="0">
+              <a:buNone/>
+            </a:pPr>
+            <a:r>
+              <a:rPr lang="en-US" sz="2000" dirty="0">
+                <a:solidFill>
+                  <a:srgbClr val="D4D4D4"/>
+                </a:solidFill>
+                <a:latin typeface="Consolas" panose="020B0609020204030204" pitchFamily="49" charset="0"/>
+              </a:rPr>
+              <a:t>    </a:t>
+            </a:r>
+            <a:r>
+              <a:rPr lang="en-US" sz="2000" dirty="0">
+                <a:solidFill>
+                  <a:srgbClr val="C586C0"/>
+                </a:solidFill>
+                <a:latin typeface="Consolas" panose="020B0609020204030204" pitchFamily="49" charset="0"/>
+              </a:rPr>
+              <a:t>return</a:t>
+            </a:r>
+            <a:r>
+              <a:rPr lang="en-US" sz="2000" dirty="0">
+                <a:solidFill>
+                  <a:srgbClr val="D4D4D4"/>
+                </a:solidFill>
+                <a:latin typeface="Consolas" panose="020B0609020204030204" pitchFamily="49" charset="0"/>
+              </a:rPr>
+              <a:t> </a:t>
+            </a:r>
+            <a:r>
+              <a:rPr lang="en-US" sz="2000" dirty="0" err="1">
+                <a:solidFill>
+                  <a:srgbClr val="D4D4D4"/>
+                </a:solidFill>
+                <a:latin typeface="Consolas" panose="020B0609020204030204" pitchFamily="49" charset="0"/>
+              </a:rPr>
+              <a:t>render_template</a:t>
+            </a:r>
+            <a:r>
+              <a:rPr lang="en-US" sz="2000" dirty="0">
+                <a:solidFill>
+                  <a:srgbClr val="D4D4D4"/>
+                </a:solidFill>
+                <a:latin typeface="Consolas" panose="020B0609020204030204" pitchFamily="49" charset="0"/>
+              </a:rPr>
+              <a:t>(</a:t>
+            </a:r>
+            <a:r>
+              <a:rPr lang="en-US" sz="2000" dirty="0">
+                <a:solidFill>
+                  <a:srgbClr val="CE9178"/>
+                </a:solidFill>
+                <a:latin typeface="Consolas" panose="020B0609020204030204" pitchFamily="49" charset="0"/>
+              </a:rPr>
+              <a:t>'movies.html'</a:t>
+            </a:r>
+            <a:r>
+              <a:rPr lang="en-US" sz="2000" dirty="0">
+                <a:solidFill>
+                  <a:srgbClr val="D4D4D4"/>
+                </a:solidFill>
+                <a:latin typeface="Consolas" panose="020B0609020204030204" pitchFamily="49" charset="0"/>
+              </a:rPr>
+              <a:t>, </a:t>
+            </a:r>
+            <a:r>
+              <a:rPr lang="en-US" sz="2000" dirty="0">
+                <a:solidFill>
+                  <a:srgbClr val="9CDCFE"/>
+                </a:solidFill>
+                <a:latin typeface="Consolas" panose="020B0609020204030204" pitchFamily="49" charset="0"/>
+              </a:rPr>
+              <a:t>movies</a:t>
+            </a:r>
+            <a:r>
+              <a:rPr lang="en-US" sz="2000" dirty="0">
+                <a:solidFill>
+                  <a:srgbClr val="D4D4D4"/>
+                </a:solidFill>
+                <a:latin typeface="Consolas" panose="020B0609020204030204" pitchFamily="49" charset="0"/>
+              </a:rPr>
+              <a:t> = </a:t>
+            </a:r>
+            <a:r>
+              <a:rPr lang="en-US" sz="2000" dirty="0" err="1">
+                <a:solidFill>
+                  <a:srgbClr val="D4D4D4"/>
+                </a:solidFill>
+                <a:latin typeface="Consolas" panose="020B0609020204030204" pitchFamily="49" charset="0"/>
+              </a:rPr>
+              <a:t>moviedb.get_movies</a:t>
+            </a:r>
+            <a:r>
+              <a:rPr lang="en-US" sz="2000" dirty="0">
+                <a:solidFill>
+                  <a:srgbClr val="D4D4D4"/>
+                </a:solidFill>
+                <a:latin typeface="Consolas" panose="020B0609020204030204" pitchFamily="49" charset="0"/>
+              </a:rPr>
+              <a:t>())</a:t>
+            </a:r>
+          </a:p>
+          <a:p>
+            <a:endParaRPr lang="en-US" dirty="0"/>
+          </a:p>
+        </p:txBody>
+      </p:sp>
+    </p:spTree>
+    <p:extLst>
+      <p:ext uri="{BB962C8B-B14F-4D97-AF65-F5344CB8AC3E}">
+        <p14:creationId xmlns:p14="http://schemas.microsoft.com/office/powerpoint/2010/main" val="9880812"/>
+      </p:ext>
+    </p:extLst>
+  </p:cSld>
+  <p:clrMapOvr>
+    <a:masterClrMapping/>
+  </p:clrMapOvr>
+</p:sld>
+</file>
+
+<file path=ppt/slides/slide23.xml><?xml version="1.0" encoding="utf-8"?>
+<p:sld xmlns:a="http://schemas.openxmlformats.org/drawingml/2006/main" xmlns:r="http://schemas.openxmlformats.org/officeDocument/2006/relationships" xmlns:p="http://schemas.openxmlformats.org/presentationml/2006/main">
+  <p:cSld>
+    <p:spTree>
+      <p:nvGrpSpPr>
+        <p:cNvPr id="1" name=""/>
+        <p:cNvGrpSpPr/>
+        <p:nvPr/>
+      </p:nvGrpSpPr>
+      <p:grpSpPr>
+        <a:xfrm>
+          <a:off x="0" y="0"/>
+          <a:ext cx="0" cy="0"/>
+          <a:chOff x="0" y="0"/>
+          <a:chExt cx="0" cy="0"/>
+        </a:xfrm>
+      </p:grpSpPr>
+      <p:sp>
+        <p:nvSpPr>
+          <p:cNvPr id="2" name="Title 1">
+            <a:extLst>
+              <a:ext uri="{FF2B5EF4-FFF2-40B4-BE49-F238E27FC236}">
+                <a16:creationId xmlns:a16="http://schemas.microsoft.com/office/drawing/2014/main" id="{1A63776E-D0E8-4069-896A-8EFC4DD04004}"/>
+              </a:ext>
+            </a:extLst>
+          </p:cNvPr>
+          <p:cNvSpPr>
+            <a:spLocks noGrp="1"/>
+          </p:cNvSpPr>
+          <p:nvPr>
+            <p:ph type="title"/>
+          </p:nvPr>
+        </p:nvSpPr>
+        <p:spPr>
+          <a:xfrm>
+            <a:off x="751113" y="76201"/>
+            <a:ext cx="10515600" cy="925285"/>
+          </a:xfrm>
+        </p:spPr>
+        <p:txBody>
+          <a:bodyPr/>
+          <a:lstStyle/>
+          <a:p>
+            <a:r>
+              <a:rPr lang="en-US" dirty="0"/>
+              <a:t>Setup a display for movie list</a:t>
+            </a:r>
+          </a:p>
+        </p:txBody>
+      </p:sp>
+      <p:sp>
+        <p:nvSpPr>
+          <p:cNvPr id="3" name="Content Placeholder 2">
+            <a:extLst>
+              <a:ext uri="{FF2B5EF4-FFF2-40B4-BE49-F238E27FC236}">
+                <a16:creationId xmlns:a16="http://schemas.microsoft.com/office/drawing/2014/main" id="{09D87ABB-F8AE-4AB6-8930-568B5F0FE410}"/>
+              </a:ext>
+            </a:extLst>
+          </p:cNvPr>
+          <p:cNvSpPr>
+            <a:spLocks noGrp="1"/>
+          </p:cNvSpPr>
+          <p:nvPr>
+            <p:ph idx="1"/>
+          </p:nvPr>
+        </p:nvSpPr>
+        <p:spPr>
+          <a:xfrm>
+            <a:off x="751113" y="870858"/>
+            <a:ext cx="10515599" cy="5910942"/>
+          </a:xfrm>
+          <a:solidFill>
+            <a:schemeClr val="tx1"/>
+          </a:solidFill>
+        </p:spPr>
+        <p:txBody>
+          <a:bodyPr>
+            <a:normAutofit fontScale="70000" lnSpcReduction="20000"/>
+          </a:bodyPr>
+          <a:lstStyle/>
+          <a:p>
+            <a:pPr marL="0" indent="0">
+              <a:buNone/>
+            </a:pPr>
+            <a:endParaRPr lang="en-US" dirty="0">
+              <a:solidFill>
+                <a:srgbClr val="D4D4D4"/>
+              </a:solidFill>
+              <a:latin typeface="Consolas" panose="020B0609020204030204" pitchFamily="49" charset="0"/>
+            </a:endParaRPr>
+          </a:p>
+          <a:p>
+            <a:pPr marL="0" indent="0">
+              <a:buNone/>
+            </a:pPr>
+            <a:r>
+              <a:rPr lang="en-US" dirty="0">
+                <a:solidFill>
+                  <a:srgbClr val="D4D4D4"/>
+                </a:solidFill>
+                <a:latin typeface="Consolas" panose="020B0609020204030204" pitchFamily="49" charset="0"/>
+              </a:rPr>
+              <a:t>{% </a:t>
+            </a:r>
+            <a:r>
+              <a:rPr lang="en-US" dirty="0">
+                <a:solidFill>
+                  <a:srgbClr val="C586C0"/>
+                </a:solidFill>
+                <a:latin typeface="Consolas" panose="020B0609020204030204" pitchFamily="49" charset="0"/>
+              </a:rPr>
+              <a:t>extends</a:t>
+            </a:r>
+            <a:r>
+              <a:rPr lang="en-US" dirty="0">
+                <a:solidFill>
+                  <a:srgbClr val="D4D4D4"/>
+                </a:solidFill>
+                <a:latin typeface="Consolas" panose="020B0609020204030204" pitchFamily="49" charset="0"/>
+              </a:rPr>
+              <a:t> </a:t>
+            </a:r>
+            <a:r>
+              <a:rPr lang="en-US" dirty="0">
+                <a:solidFill>
+                  <a:srgbClr val="CE9178"/>
+                </a:solidFill>
+                <a:latin typeface="Consolas" panose="020B0609020204030204" pitchFamily="49" charset="0"/>
+              </a:rPr>
+              <a:t>"base.html"</a:t>
+            </a:r>
+            <a:r>
+              <a:rPr lang="en-US" dirty="0">
+                <a:solidFill>
+                  <a:srgbClr val="D4D4D4"/>
+                </a:solidFill>
+                <a:latin typeface="Consolas" panose="020B0609020204030204" pitchFamily="49" charset="0"/>
+              </a:rPr>
+              <a:t> %}</a:t>
+            </a:r>
+          </a:p>
+          <a:p>
+            <a:pPr marL="0" indent="0">
+              <a:buNone/>
+            </a:pPr>
+            <a:br>
+              <a:rPr lang="en-US" dirty="0">
+                <a:solidFill>
+                  <a:srgbClr val="D4D4D4"/>
+                </a:solidFill>
+                <a:latin typeface="Consolas" panose="020B0609020204030204" pitchFamily="49" charset="0"/>
+              </a:rPr>
+            </a:br>
+            <a:r>
+              <a:rPr lang="en-US" dirty="0">
+                <a:solidFill>
+                  <a:srgbClr val="D4D4D4"/>
+                </a:solidFill>
+                <a:latin typeface="Consolas" panose="020B0609020204030204" pitchFamily="49" charset="0"/>
+              </a:rPr>
+              <a:t>{% </a:t>
+            </a:r>
+            <a:r>
+              <a:rPr lang="en-US" dirty="0">
+                <a:solidFill>
+                  <a:srgbClr val="C586C0"/>
+                </a:solidFill>
+                <a:latin typeface="Consolas" panose="020B0609020204030204" pitchFamily="49" charset="0"/>
+              </a:rPr>
+              <a:t>block</a:t>
+            </a:r>
+            <a:r>
+              <a:rPr lang="en-US" dirty="0">
+                <a:solidFill>
+                  <a:srgbClr val="D4D4D4"/>
+                </a:solidFill>
+                <a:latin typeface="Consolas" panose="020B0609020204030204" pitchFamily="49" charset="0"/>
+              </a:rPr>
+              <a:t> </a:t>
+            </a:r>
+            <a:r>
+              <a:rPr lang="en-US" dirty="0" err="1">
+                <a:solidFill>
+                  <a:srgbClr val="9CDCFE"/>
+                </a:solidFill>
+                <a:latin typeface="Consolas" panose="020B0609020204030204" pitchFamily="49" charset="0"/>
+              </a:rPr>
+              <a:t>content_block</a:t>
+            </a:r>
+            <a:r>
+              <a:rPr lang="en-US" dirty="0">
+                <a:solidFill>
+                  <a:srgbClr val="D4D4D4"/>
+                </a:solidFill>
+                <a:latin typeface="Consolas" panose="020B0609020204030204" pitchFamily="49" charset="0"/>
+              </a:rPr>
+              <a:t> %}</a:t>
+            </a:r>
+          </a:p>
+          <a:p>
+            <a:pPr marL="0" indent="0">
+              <a:buNone/>
+            </a:pPr>
+            <a:r>
+              <a:rPr lang="en-US" dirty="0">
+                <a:solidFill>
+                  <a:srgbClr val="D4D4D4"/>
+                </a:solidFill>
+                <a:latin typeface="Consolas" panose="020B0609020204030204" pitchFamily="49" charset="0"/>
+              </a:rPr>
+              <a:t>    </a:t>
+            </a:r>
+            <a:r>
+              <a:rPr lang="en-US" dirty="0">
+                <a:solidFill>
+                  <a:srgbClr val="808080"/>
+                </a:solidFill>
+                <a:latin typeface="Consolas" panose="020B0609020204030204" pitchFamily="49" charset="0"/>
+              </a:rPr>
+              <a:t>&lt;</a:t>
+            </a:r>
+            <a:r>
+              <a:rPr lang="en-US" dirty="0">
+                <a:solidFill>
+                  <a:srgbClr val="569CD6"/>
+                </a:solidFill>
+                <a:latin typeface="Consolas" panose="020B0609020204030204" pitchFamily="49" charset="0"/>
+              </a:rPr>
+              <a:t>table</a:t>
+            </a:r>
+            <a:r>
+              <a:rPr lang="en-US" dirty="0">
+                <a:solidFill>
+                  <a:srgbClr val="808080"/>
+                </a:solidFill>
+                <a:latin typeface="Consolas" panose="020B0609020204030204" pitchFamily="49" charset="0"/>
+              </a:rPr>
+              <a:t>&gt;</a:t>
+            </a:r>
+            <a:endParaRPr lang="en-US" dirty="0">
+              <a:solidFill>
+                <a:srgbClr val="D4D4D4"/>
+              </a:solidFill>
+              <a:latin typeface="Consolas" panose="020B0609020204030204" pitchFamily="49" charset="0"/>
+            </a:endParaRPr>
+          </a:p>
+          <a:p>
+            <a:pPr marL="0" indent="0">
+              <a:buNone/>
+            </a:pPr>
+            <a:r>
+              <a:rPr lang="en-US" dirty="0">
+                <a:solidFill>
+                  <a:srgbClr val="D4D4D4"/>
+                </a:solidFill>
+                <a:latin typeface="Consolas" panose="020B0609020204030204" pitchFamily="49" charset="0"/>
+              </a:rPr>
+              <a:t>        </a:t>
+            </a:r>
+            <a:r>
+              <a:rPr lang="en-US" dirty="0">
+                <a:solidFill>
+                  <a:srgbClr val="808080"/>
+                </a:solidFill>
+                <a:latin typeface="Consolas" panose="020B0609020204030204" pitchFamily="49" charset="0"/>
+              </a:rPr>
+              <a:t>&lt;</a:t>
+            </a:r>
+            <a:r>
+              <a:rPr lang="en-US" dirty="0">
+                <a:solidFill>
+                  <a:srgbClr val="569CD6"/>
+                </a:solidFill>
+                <a:latin typeface="Consolas" panose="020B0609020204030204" pitchFamily="49" charset="0"/>
+              </a:rPr>
+              <a:t>tr</a:t>
+            </a:r>
+            <a:r>
+              <a:rPr lang="en-US" dirty="0">
+                <a:solidFill>
+                  <a:srgbClr val="808080"/>
+                </a:solidFill>
+                <a:latin typeface="Consolas" panose="020B0609020204030204" pitchFamily="49" charset="0"/>
+              </a:rPr>
+              <a:t>&gt;</a:t>
+            </a:r>
+            <a:endParaRPr lang="en-US" dirty="0">
+              <a:solidFill>
+                <a:srgbClr val="D4D4D4"/>
+              </a:solidFill>
+              <a:latin typeface="Consolas" panose="020B0609020204030204" pitchFamily="49" charset="0"/>
+            </a:endParaRPr>
+          </a:p>
+          <a:p>
+            <a:pPr marL="0" indent="0">
+              <a:buNone/>
+            </a:pPr>
+            <a:r>
+              <a:rPr lang="en-US" dirty="0">
+                <a:solidFill>
+                  <a:srgbClr val="D4D4D4"/>
+                </a:solidFill>
+                <a:latin typeface="Consolas" panose="020B0609020204030204" pitchFamily="49" charset="0"/>
+              </a:rPr>
+              <a:t>            </a:t>
+            </a:r>
+            <a:r>
+              <a:rPr lang="en-US" dirty="0">
+                <a:solidFill>
+                  <a:srgbClr val="808080"/>
+                </a:solidFill>
+                <a:latin typeface="Consolas" panose="020B0609020204030204" pitchFamily="49" charset="0"/>
+              </a:rPr>
+              <a:t>&lt;</a:t>
+            </a:r>
+            <a:r>
+              <a:rPr lang="en-US" dirty="0" err="1">
+                <a:solidFill>
+                  <a:srgbClr val="569CD6"/>
+                </a:solidFill>
+                <a:latin typeface="Consolas" panose="020B0609020204030204" pitchFamily="49" charset="0"/>
+              </a:rPr>
+              <a:t>th</a:t>
+            </a:r>
+            <a:r>
+              <a:rPr lang="en-US" dirty="0">
+                <a:solidFill>
+                  <a:srgbClr val="808080"/>
+                </a:solidFill>
+                <a:latin typeface="Consolas" panose="020B0609020204030204" pitchFamily="49" charset="0"/>
+              </a:rPr>
+              <a:t>&gt;</a:t>
+            </a:r>
+            <a:r>
+              <a:rPr lang="en-US" dirty="0">
+                <a:solidFill>
+                  <a:srgbClr val="D4D4D4"/>
+                </a:solidFill>
+                <a:latin typeface="Consolas" panose="020B0609020204030204" pitchFamily="49" charset="0"/>
+              </a:rPr>
+              <a:t>Movie Name</a:t>
+            </a:r>
+            <a:r>
+              <a:rPr lang="en-US" dirty="0">
+                <a:solidFill>
+                  <a:srgbClr val="808080"/>
+                </a:solidFill>
+                <a:latin typeface="Consolas" panose="020B0609020204030204" pitchFamily="49" charset="0"/>
+              </a:rPr>
+              <a:t>&lt;/</a:t>
+            </a:r>
+            <a:r>
+              <a:rPr lang="en-US" dirty="0" err="1">
+                <a:solidFill>
+                  <a:srgbClr val="569CD6"/>
+                </a:solidFill>
+                <a:latin typeface="Consolas" panose="020B0609020204030204" pitchFamily="49" charset="0"/>
+              </a:rPr>
+              <a:t>th</a:t>
+            </a:r>
+            <a:r>
+              <a:rPr lang="en-US" dirty="0">
+                <a:solidFill>
+                  <a:srgbClr val="808080"/>
+                </a:solidFill>
+                <a:latin typeface="Consolas" panose="020B0609020204030204" pitchFamily="49" charset="0"/>
+              </a:rPr>
+              <a:t>&gt;</a:t>
+            </a:r>
+            <a:endParaRPr lang="en-US" dirty="0">
+              <a:solidFill>
+                <a:srgbClr val="D4D4D4"/>
+              </a:solidFill>
+              <a:latin typeface="Consolas" panose="020B0609020204030204" pitchFamily="49" charset="0"/>
+            </a:endParaRPr>
+          </a:p>
+          <a:p>
+            <a:pPr marL="0" indent="0">
+              <a:buNone/>
+            </a:pPr>
+            <a:r>
+              <a:rPr lang="en-US" dirty="0">
+                <a:solidFill>
+                  <a:srgbClr val="D4D4D4"/>
+                </a:solidFill>
+                <a:latin typeface="Consolas" panose="020B0609020204030204" pitchFamily="49" charset="0"/>
+              </a:rPr>
+              <a:t>            </a:t>
+            </a:r>
+            <a:r>
+              <a:rPr lang="en-US" dirty="0">
+                <a:solidFill>
+                  <a:srgbClr val="808080"/>
+                </a:solidFill>
+                <a:latin typeface="Consolas" panose="020B0609020204030204" pitchFamily="49" charset="0"/>
+              </a:rPr>
+              <a:t>&lt;</a:t>
+            </a:r>
+            <a:r>
+              <a:rPr lang="en-US" dirty="0" err="1">
+                <a:solidFill>
+                  <a:srgbClr val="569CD6"/>
+                </a:solidFill>
+                <a:latin typeface="Consolas" panose="020B0609020204030204" pitchFamily="49" charset="0"/>
+              </a:rPr>
+              <a:t>th</a:t>
+            </a:r>
+            <a:r>
+              <a:rPr lang="en-US" dirty="0">
+                <a:solidFill>
+                  <a:srgbClr val="808080"/>
+                </a:solidFill>
+                <a:latin typeface="Consolas" panose="020B0609020204030204" pitchFamily="49" charset="0"/>
+              </a:rPr>
+              <a:t>&gt;</a:t>
+            </a:r>
+            <a:r>
+              <a:rPr lang="en-US" dirty="0">
+                <a:solidFill>
+                  <a:srgbClr val="D4D4D4"/>
+                </a:solidFill>
+                <a:latin typeface="Consolas" panose="020B0609020204030204" pitchFamily="49" charset="0"/>
+              </a:rPr>
+              <a:t>My Rating </a:t>
+            </a:r>
+            <a:r>
+              <a:rPr lang="en-US" dirty="0">
+                <a:solidFill>
+                  <a:srgbClr val="808080"/>
+                </a:solidFill>
+                <a:latin typeface="Consolas" panose="020B0609020204030204" pitchFamily="49" charset="0"/>
+              </a:rPr>
+              <a:t>&lt;/</a:t>
+            </a:r>
+            <a:r>
+              <a:rPr lang="en-US" dirty="0" err="1">
+                <a:solidFill>
+                  <a:srgbClr val="569CD6"/>
+                </a:solidFill>
+                <a:latin typeface="Consolas" panose="020B0609020204030204" pitchFamily="49" charset="0"/>
+              </a:rPr>
+              <a:t>th</a:t>
+            </a:r>
+            <a:r>
+              <a:rPr lang="en-US" dirty="0">
+                <a:solidFill>
+                  <a:srgbClr val="808080"/>
+                </a:solidFill>
+                <a:latin typeface="Consolas" panose="020B0609020204030204" pitchFamily="49" charset="0"/>
+              </a:rPr>
+              <a:t>&gt;</a:t>
+            </a:r>
+            <a:endParaRPr lang="en-US" dirty="0">
+              <a:solidFill>
+                <a:srgbClr val="D4D4D4"/>
+              </a:solidFill>
+              <a:latin typeface="Consolas" panose="020B0609020204030204" pitchFamily="49" charset="0"/>
+            </a:endParaRPr>
+          </a:p>
+          <a:p>
+            <a:pPr marL="0" indent="0">
+              <a:buNone/>
+            </a:pPr>
+            <a:r>
+              <a:rPr lang="en-US" dirty="0">
+                <a:solidFill>
+                  <a:srgbClr val="D4D4D4"/>
+                </a:solidFill>
+                <a:latin typeface="Consolas" panose="020B0609020204030204" pitchFamily="49" charset="0"/>
+              </a:rPr>
+              <a:t>        </a:t>
+            </a:r>
+            <a:r>
+              <a:rPr lang="en-US" dirty="0">
+                <a:solidFill>
+                  <a:srgbClr val="808080"/>
+                </a:solidFill>
+                <a:latin typeface="Consolas" panose="020B0609020204030204" pitchFamily="49" charset="0"/>
+              </a:rPr>
+              <a:t>&lt;/</a:t>
+            </a:r>
+            <a:r>
+              <a:rPr lang="en-US" dirty="0">
+                <a:solidFill>
+                  <a:srgbClr val="569CD6"/>
+                </a:solidFill>
+                <a:latin typeface="Consolas" panose="020B0609020204030204" pitchFamily="49" charset="0"/>
+              </a:rPr>
+              <a:t>tr</a:t>
+            </a:r>
+            <a:r>
+              <a:rPr lang="en-US" dirty="0">
+                <a:solidFill>
+                  <a:srgbClr val="808080"/>
+                </a:solidFill>
+                <a:latin typeface="Consolas" panose="020B0609020204030204" pitchFamily="49" charset="0"/>
+              </a:rPr>
+              <a:t>&gt;</a:t>
+            </a:r>
+            <a:endParaRPr lang="en-US" dirty="0">
+              <a:solidFill>
+                <a:srgbClr val="D4D4D4"/>
+              </a:solidFill>
+              <a:latin typeface="Consolas" panose="020B0609020204030204" pitchFamily="49" charset="0"/>
+            </a:endParaRPr>
+          </a:p>
+          <a:p>
+            <a:pPr marL="0" indent="0">
+              <a:buNone/>
+            </a:pPr>
+            <a:r>
+              <a:rPr lang="en-US" dirty="0">
+                <a:solidFill>
+                  <a:srgbClr val="D4D4D4"/>
+                </a:solidFill>
+                <a:latin typeface="Consolas" panose="020B0609020204030204" pitchFamily="49" charset="0"/>
+              </a:rPr>
+              <a:t>    {% </a:t>
+            </a:r>
+            <a:r>
+              <a:rPr lang="en-US" dirty="0">
+                <a:solidFill>
+                  <a:srgbClr val="C586C0"/>
+                </a:solidFill>
+                <a:latin typeface="Consolas" panose="020B0609020204030204" pitchFamily="49" charset="0"/>
+              </a:rPr>
+              <a:t>for</a:t>
+            </a:r>
+            <a:r>
+              <a:rPr lang="en-US" dirty="0">
+                <a:solidFill>
+                  <a:srgbClr val="D4D4D4"/>
+                </a:solidFill>
+                <a:latin typeface="Consolas" panose="020B0609020204030204" pitchFamily="49" charset="0"/>
+              </a:rPr>
+              <a:t> </a:t>
+            </a:r>
+            <a:r>
+              <a:rPr lang="en-US" dirty="0">
+                <a:solidFill>
+                  <a:srgbClr val="9CDCFE"/>
+                </a:solidFill>
+                <a:latin typeface="Consolas" panose="020B0609020204030204" pitchFamily="49" charset="0"/>
+              </a:rPr>
+              <a:t>movie</a:t>
+            </a:r>
+            <a:r>
+              <a:rPr lang="en-US" dirty="0">
+                <a:solidFill>
+                  <a:srgbClr val="D4D4D4"/>
+                </a:solidFill>
+                <a:latin typeface="Consolas" panose="020B0609020204030204" pitchFamily="49" charset="0"/>
+              </a:rPr>
+              <a:t> </a:t>
+            </a:r>
+            <a:r>
+              <a:rPr lang="en-US" dirty="0">
+                <a:solidFill>
+                  <a:srgbClr val="C586C0"/>
+                </a:solidFill>
+                <a:latin typeface="Consolas" panose="020B0609020204030204" pitchFamily="49" charset="0"/>
+              </a:rPr>
+              <a:t>in</a:t>
+            </a:r>
+            <a:r>
+              <a:rPr lang="en-US" dirty="0">
+                <a:solidFill>
+                  <a:srgbClr val="D4D4D4"/>
+                </a:solidFill>
+                <a:latin typeface="Consolas" panose="020B0609020204030204" pitchFamily="49" charset="0"/>
+              </a:rPr>
+              <a:t> </a:t>
+            </a:r>
+            <a:r>
+              <a:rPr lang="en-US" dirty="0">
+                <a:solidFill>
+                  <a:srgbClr val="9CDCFE"/>
+                </a:solidFill>
+                <a:latin typeface="Consolas" panose="020B0609020204030204" pitchFamily="49" charset="0"/>
+              </a:rPr>
+              <a:t>movies</a:t>
+            </a:r>
+            <a:r>
+              <a:rPr lang="en-US" dirty="0">
+                <a:solidFill>
+                  <a:srgbClr val="D4D4D4"/>
+                </a:solidFill>
+                <a:latin typeface="Consolas" panose="020B0609020204030204" pitchFamily="49" charset="0"/>
+              </a:rPr>
+              <a:t> %}</a:t>
+            </a:r>
+          </a:p>
+          <a:p>
+            <a:pPr marL="0" indent="0">
+              <a:buNone/>
+            </a:pPr>
+            <a:r>
+              <a:rPr lang="en-US" dirty="0">
+                <a:solidFill>
+                  <a:srgbClr val="D4D4D4"/>
+                </a:solidFill>
+                <a:latin typeface="Consolas" panose="020B0609020204030204" pitchFamily="49" charset="0"/>
+              </a:rPr>
+              <a:t>       </a:t>
+            </a:r>
+            <a:r>
+              <a:rPr lang="en-US" dirty="0">
+                <a:solidFill>
+                  <a:srgbClr val="808080"/>
+                </a:solidFill>
+                <a:latin typeface="Consolas" panose="020B0609020204030204" pitchFamily="49" charset="0"/>
+              </a:rPr>
+              <a:t>&lt;</a:t>
+            </a:r>
+            <a:r>
+              <a:rPr lang="en-US" dirty="0">
+                <a:solidFill>
+                  <a:srgbClr val="569CD6"/>
+                </a:solidFill>
+                <a:latin typeface="Consolas" panose="020B0609020204030204" pitchFamily="49" charset="0"/>
+              </a:rPr>
+              <a:t>tr</a:t>
+            </a:r>
+            <a:r>
+              <a:rPr lang="en-US" dirty="0">
+                <a:solidFill>
+                  <a:srgbClr val="808080"/>
+                </a:solidFill>
+                <a:latin typeface="Consolas" panose="020B0609020204030204" pitchFamily="49" charset="0"/>
+              </a:rPr>
+              <a:t>&gt;</a:t>
+            </a:r>
+            <a:endParaRPr lang="en-US" dirty="0">
+              <a:solidFill>
+                <a:srgbClr val="D4D4D4"/>
+              </a:solidFill>
+              <a:latin typeface="Consolas" panose="020B0609020204030204" pitchFamily="49" charset="0"/>
+            </a:endParaRPr>
+          </a:p>
+          <a:p>
+            <a:pPr marL="0" indent="0">
+              <a:buNone/>
+            </a:pPr>
+            <a:r>
+              <a:rPr lang="en-US" dirty="0">
+                <a:solidFill>
+                  <a:srgbClr val="D4D4D4"/>
+                </a:solidFill>
+                <a:latin typeface="Consolas" panose="020B0609020204030204" pitchFamily="49" charset="0"/>
+              </a:rPr>
+              <a:t>           </a:t>
+            </a:r>
+            <a:r>
+              <a:rPr lang="en-US" dirty="0">
+                <a:solidFill>
+                  <a:srgbClr val="808080"/>
+                </a:solidFill>
+                <a:latin typeface="Consolas" panose="020B0609020204030204" pitchFamily="49" charset="0"/>
+              </a:rPr>
+              <a:t>&lt;</a:t>
+            </a:r>
+            <a:r>
+              <a:rPr lang="en-US" dirty="0">
+                <a:solidFill>
+                  <a:srgbClr val="569CD6"/>
+                </a:solidFill>
+                <a:latin typeface="Consolas" panose="020B0609020204030204" pitchFamily="49" charset="0"/>
+              </a:rPr>
+              <a:t>td</a:t>
+            </a:r>
+            <a:r>
+              <a:rPr lang="en-US" dirty="0">
+                <a:solidFill>
+                  <a:srgbClr val="808080"/>
+                </a:solidFill>
+                <a:latin typeface="Consolas" panose="020B0609020204030204" pitchFamily="49" charset="0"/>
+              </a:rPr>
+              <a:t>&gt;</a:t>
+            </a:r>
+            <a:r>
+              <a:rPr lang="en-US" dirty="0">
+                <a:solidFill>
+                  <a:srgbClr val="D4D4D4"/>
+                </a:solidFill>
+                <a:latin typeface="Consolas" panose="020B0609020204030204" pitchFamily="49" charset="0"/>
+              </a:rPr>
+              <a:t> {{</a:t>
+            </a:r>
+            <a:r>
+              <a:rPr lang="en-US" dirty="0">
+                <a:solidFill>
+                  <a:srgbClr val="9CDCFE"/>
+                </a:solidFill>
+                <a:latin typeface="Consolas" panose="020B0609020204030204" pitchFamily="49" charset="0"/>
+              </a:rPr>
+              <a:t>movie</a:t>
+            </a:r>
+            <a:r>
+              <a:rPr lang="en-US" dirty="0">
+                <a:solidFill>
+                  <a:srgbClr val="D4D4D4"/>
+                </a:solidFill>
+                <a:latin typeface="Consolas" panose="020B0609020204030204" pitchFamily="49" charset="0"/>
+              </a:rPr>
+              <a:t>.</a:t>
+            </a:r>
+            <a:r>
+              <a:rPr lang="en-US" dirty="0">
+                <a:solidFill>
+                  <a:srgbClr val="9CDCFE"/>
+                </a:solidFill>
+                <a:latin typeface="Consolas" panose="020B0609020204030204" pitchFamily="49" charset="0"/>
+              </a:rPr>
+              <a:t>name</a:t>
+            </a:r>
+            <a:r>
+              <a:rPr lang="en-US" dirty="0">
+                <a:solidFill>
+                  <a:srgbClr val="D4D4D4"/>
+                </a:solidFill>
+                <a:latin typeface="Consolas" panose="020B0609020204030204" pitchFamily="49" charset="0"/>
+              </a:rPr>
+              <a:t>}} </a:t>
+            </a:r>
+            <a:r>
+              <a:rPr lang="en-US" dirty="0">
+                <a:solidFill>
+                  <a:srgbClr val="808080"/>
+                </a:solidFill>
+                <a:latin typeface="Consolas" panose="020B0609020204030204" pitchFamily="49" charset="0"/>
+              </a:rPr>
+              <a:t>&lt;/</a:t>
+            </a:r>
+            <a:r>
+              <a:rPr lang="en-US" dirty="0">
+                <a:solidFill>
+                  <a:srgbClr val="569CD6"/>
+                </a:solidFill>
+                <a:latin typeface="Consolas" panose="020B0609020204030204" pitchFamily="49" charset="0"/>
+              </a:rPr>
+              <a:t>td</a:t>
+            </a:r>
+            <a:r>
+              <a:rPr lang="en-US" dirty="0">
+                <a:solidFill>
+                  <a:srgbClr val="808080"/>
+                </a:solidFill>
+                <a:latin typeface="Consolas" panose="020B0609020204030204" pitchFamily="49" charset="0"/>
+              </a:rPr>
+              <a:t>&gt;</a:t>
+            </a:r>
+            <a:endParaRPr lang="en-US" dirty="0">
+              <a:solidFill>
+                <a:srgbClr val="D4D4D4"/>
+              </a:solidFill>
+              <a:latin typeface="Consolas" panose="020B0609020204030204" pitchFamily="49" charset="0"/>
+            </a:endParaRPr>
+          </a:p>
+          <a:p>
+            <a:pPr marL="0" indent="0">
+              <a:buNone/>
+            </a:pPr>
+            <a:r>
+              <a:rPr lang="en-US" dirty="0">
+                <a:solidFill>
+                  <a:srgbClr val="D4D4D4"/>
+                </a:solidFill>
+                <a:latin typeface="Consolas" panose="020B0609020204030204" pitchFamily="49" charset="0"/>
+              </a:rPr>
+              <a:t>           </a:t>
+            </a:r>
+            <a:r>
+              <a:rPr lang="en-US" dirty="0">
+                <a:solidFill>
+                  <a:srgbClr val="808080"/>
+                </a:solidFill>
+                <a:latin typeface="Consolas" panose="020B0609020204030204" pitchFamily="49" charset="0"/>
+              </a:rPr>
+              <a:t>&lt;</a:t>
+            </a:r>
+            <a:r>
+              <a:rPr lang="en-US" dirty="0">
+                <a:solidFill>
+                  <a:srgbClr val="569CD6"/>
+                </a:solidFill>
+                <a:latin typeface="Consolas" panose="020B0609020204030204" pitchFamily="49" charset="0"/>
+              </a:rPr>
+              <a:t>td</a:t>
+            </a:r>
+            <a:r>
+              <a:rPr lang="en-US" dirty="0">
+                <a:solidFill>
+                  <a:srgbClr val="808080"/>
+                </a:solidFill>
+                <a:latin typeface="Consolas" panose="020B0609020204030204" pitchFamily="49" charset="0"/>
+              </a:rPr>
+              <a:t>&gt;</a:t>
+            </a:r>
+            <a:r>
+              <a:rPr lang="en-US" dirty="0">
+                <a:solidFill>
+                  <a:srgbClr val="D4D4D4"/>
+                </a:solidFill>
+                <a:latin typeface="Consolas" panose="020B0609020204030204" pitchFamily="49" charset="0"/>
+              </a:rPr>
+              <a:t> {{</a:t>
+            </a:r>
+            <a:r>
+              <a:rPr lang="en-US" dirty="0" err="1">
+                <a:solidFill>
+                  <a:srgbClr val="9CDCFE"/>
+                </a:solidFill>
+                <a:latin typeface="Consolas" panose="020B0609020204030204" pitchFamily="49" charset="0"/>
+              </a:rPr>
+              <a:t>movie</a:t>
+            </a:r>
+            <a:r>
+              <a:rPr lang="en-US" dirty="0" err="1">
+                <a:solidFill>
+                  <a:srgbClr val="D4D4D4"/>
+                </a:solidFill>
+                <a:latin typeface="Consolas" panose="020B0609020204030204" pitchFamily="49" charset="0"/>
+              </a:rPr>
+              <a:t>.</a:t>
+            </a:r>
+            <a:r>
+              <a:rPr lang="en-US" dirty="0" err="1">
+                <a:solidFill>
+                  <a:srgbClr val="9CDCFE"/>
+                </a:solidFill>
+                <a:latin typeface="Consolas" panose="020B0609020204030204" pitchFamily="49" charset="0"/>
+              </a:rPr>
+              <a:t>rating</a:t>
+            </a:r>
+            <a:r>
+              <a:rPr lang="en-US" dirty="0">
+                <a:solidFill>
+                  <a:srgbClr val="D4D4D4"/>
+                </a:solidFill>
+                <a:latin typeface="Consolas" panose="020B0609020204030204" pitchFamily="49" charset="0"/>
+              </a:rPr>
+              <a:t>}} </a:t>
+            </a:r>
+            <a:r>
+              <a:rPr lang="en-US" dirty="0">
+                <a:solidFill>
+                  <a:srgbClr val="808080"/>
+                </a:solidFill>
+                <a:latin typeface="Consolas" panose="020B0609020204030204" pitchFamily="49" charset="0"/>
+              </a:rPr>
+              <a:t>&lt;/</a:t>
+            </a:r>
+            <a:r>
+              <a:rPr lang="en-US" dirty="0">
+                <a:solidFill>
+                  <a:srgbClr val="569CD6"/>
+                </a:solidFill>
+                <a:latin typeface="Consolas" panose="020B0609020204030204" pitchFamily="49" charset="0"/>
+              </a:rPr>
+              <a:t>td</a:t>
+            </a:r>
+            <a:r>
+              <a:rPr lang="en-US" dirty="0">
+                <a:solidFill>
+                  <a:srgbClr val="808080"/>
+                </a:solidFill>
+                <a:latin typeface="Consolas" panose="020B0609020204030204" pitchFamily="49" charset="0"/>
+              </a:rPr>
+              <a:t>&gt;</a:t>
+            </a:r>
+            <a:endParaRPr lang="en-US" dirty="0">
+              <a:solidFill>
+                <a:srgbClr val="D4D4D4"/>
+              </a:solidFill>
+              <a:latin typeface="Consolas" panose="020B0609020204030204" pitchFamily="49" charset="0"/>
+            </a:endParaRPr>
+          </a:p>
+          <a:p>
+            <a:pPr marL="0" indent="0">
+              <a:buNone/>
+            </a:pPr>
+            <a:r>
+              <a:rPr lang="en-US" dirty="0">
+                <a:solidFill>
+                  <a:srgbClr val="D4D4D4"/>
+                </a:solidFill>
+                <a:latin typeface="Consolas" panose="020B0609020204030204" pitchFamily="49" charset="0"/>
+              </a:rPr>
+              <a:t>       </a:t>
+            </a:r>
+            <a:r>
+              <a:rPr lang="en-US" dirty="0">
+                <a:solidFill>
+                  <a:srgbClr val="808080"/>
+                </a:solidFill>
+                <a:latin typeface="Consolas" panose="020B0609020204030204" pitchFamily="49" charset="0"/>
+              </a:rPr>
+              <a:t>&lt;/</a:t>
+            </a:r>
+            <a:r>
+              <a:rPr lang="en-US" dirty="0">
+                <a:solidFill>
+                  <a:srgbClr val="569CD6"/>
+                </a:solidFill>
+                <a:latin typeface="Consolas" panose="020B0609020204030204" pitchFamily="49" charset="0"/>
+              </a:rPr>
+              <a:t>tr</a:t>
+            </a:r>
+            <a:r>
+              <a:rPr lang="en-US" dirty="0">
+                <a:solidFill>
+                  <a:srgbClr val="808080"/>
+                </a:solidFill>
+                <a:latin typeface="Consolas" panose="020B0609020204030204" pitchFamily="49" charset="0"/>
+              </a:rPr>
+              <a:t>&gt;</a:t>
+            </a:r>
+            <a:endParaRPr lang="en-US" dirty="0">
+              <a:solidFill>
+                <a:srgbClr val="D4D4D4"/>
+              </a:solidFill>
+              <a:latin typeface="Consolas" panose="020B0609020204030204" pitchFamily="49" charset="0"/>
+            </a:endParaRPr>
+          </a:p>
+          <a:p>
+            <a:pPr marL="0" indent="0">
+              <a:buNone/>
+            </a:pPr>
+            <a:r>
+              <a:rPr lang="en-US" dirty="0">
+                <a:solidFill>
+                  <a:srgbClr val="D4D4D4"/>
+                </a:solidFill>
+                <a:latin typeface="Consolas" panose="020B0609020204030204" pitchFamily="49" charset="0"/>
+              </a:rPr>
+              <a:t>    {% </a:t>
+            </a:r>
+            <a:r>
+              <a:rPr lang="en-US" dirty="0" err="1">
+                <a:solidFill>
+                  <a:srgbClr val="C586C0"/>
+                </a:solidFill>
+                <a:latin typeface="Consolas" panose="020B0609020204030204" pitchFamily="49" charset="0"/>
+              </a:rPr>
+              <a:t>endfor</a:t>
+            </a:r>
+            <a:r>
+              <a:rPr lang="en-US" dirty="0">
+                <a:solidFill>
+                  <a:srgbClr val="D4D4D4"/>
+                </a:solidFill>
+                <a:latin typeface="Consolas" panose="020B0609020204030204" pitchFamily="49" charset="0"/>
+              </a:rPr>
+              <a:t> %}</a:t>
+            </a:r>
+          </a:p>
+          <a:p>
+            <a:pPr marL="0" indent="0">
+              <a:buNone/>
+            </a:pPr>
+            <a:r>
+              <a:rPr lang="en-US" dirty="0">
+                <a:solidFill>
+                  <a:srgbClr val="D4D4D4"/>
+                </a:solidFill>
+                <a:latin typeface="Consolas" panose="020B0609020204030204" pitchFamily="49" charset="0"/>
+              </a:rPr>
+              <a:t>    </a:t>
+            </a:r>
+            <a:r>
+              <a:rPr lang="en-US" dirty="0">
+                <a:solidFill>
+                  <a:srgbClr val="808080"/>
+                </a:solidFill>
+                <a:latin typeface="Consolas" panose="020B0609020204030204" pitchFamily="49" charset="0"/>
+              </a:rPr>
+              <a:t>&lt;/</a:t>
+            </a:r>
+            <a:r>
+              <a:rPr lang="en-US" dirty="0">
+                <a:solidFill>
+                  <a:srgbClr val="569CD6"/>
+                </a:solidFill>
+                <a:latin typeface="Consolas" panose="020B0609020204030204" pitchFamily="49" charset="0"/>
+              </a:rPr>
+              <a:t>table</a:t>
+            </a:r>
+            <a:r>
+              <a:rPr lang="en-US" dirty="0">
+                <a:solidFill>
+                  <a:srgbClr val="808080"/>
+                </a:solidFill>
+                <a:latin typeface="Consolas" panose="020B0609020204030204" pitchFamily="49" charset="0"/>
+              </a:rPr>
+              <a:t>&gt;</a:t>
+            </a:r>
+            <a:endParaRPr lang="en-US" dirty="0">
+              <a:solidFill>
+                <a:srgbClr val="D4D4D4"/>
+              </a:solidFill>
+              <a:latin typeface="Consolas" panose="020B0609020204030204" pitchFamily="49" charset="0"/>
+            </a:endParaRPr>
+          </a:p>
+          <a:p>
+            <a:pPr marL="0" indent="0">
+              <a:buNone/>
+            </a:pPr>
+            <a:r>
+              <a:rPr lang="en-US" dirty="0">
+                <a:solidFill>
+                  <a:srgbClr val="D4D4D4"/>
+                </a:solidFill>
+                <a:latin typeface="Consolas" panose="020B0609020204030204" pitchFamily="49" charset="0"/>
+              </a:rPr>
+              <a:t>{% </a:t>
+            </a:r>
+            <a:r>
+              <a:rPr lang="en-US" dirty="0" err="1">
+                <a:solidFill>
+                  <a:srgbClr val="C586C0"/>
+                </a:solidFill>
+                <a:latin typeface="Consolas" panose="020B0609020204030204" pitchFamily="49" charset="0"/>
+              </a:rPr>
+              <a:t>endblock</a:t>
+            </a:r>
+            <a:r>
+              <a:rPr lang="en-US" dirty="0">
+                <a:solidFill>
+                  <a:srgbClr val="D4D4D4"/>
+                </a:solidFill>
+                <a:latin typeface="Consolas" panose="020B0609020204030204" pitchFamily="49" charset="0"/>
+              </a:rPr>
+              <a:t> %}</a:t>
+            </a:r>
+          </a:p>
+          <a:p>
+            <a:pPr marL="0" indent="0">
+              <a:buNone/>
+            </a:pPr>
+            <a:endParaRPr lang="en-US" dirty="0"/>
+          </a:p>
+        </p:txBody>
+      </p:sp>
+    </p:spTree>
+    <p:extLst>
+      <p:ext uri="{BB962C8B-B14F-4D97-AF65-F5344CB8AC3E}">
+        <p14:creationId xmlns:p14="http://schemas.microsoft.com/office/powerpoint/2010/main" val="2701993183"/>
+      </p:ext>
+    </p:extLst>
+  </p:cSld>
+  <p:clrMapOvr>
+    <a:masterClrMapping/>
+  </p:clrMapOvr>
+</p:sld>
+</file>
+
+<file path=ppt/slides/slide24.xml><?xml version="1.0" encoding="utf-8"?>
+<p:sld xmlns:a="http://schemas.openxmlformats.org/drawingml/2006/main" xmlns:r="http://schemas.openxmlformats.org/officeDocument/2006/relationships" xmlns:p="http://schemas.openxmlformats.org/presentationml/2006/main">
+  <p:cSld>
+    <p:spTree>
+      <p:nvGrpSpPr>
+        <p:cNvPr id="1" name=""/>
+        <p:cNvGrpSpPr/>
+        <p:nvPr/>
+      </p:nvGrpSpPr>
+      <p:grpSpPr>
+        <a:xfrm>
+          <a:off x="0" y="0"/>
+          <a:ext cx="0" cy="0"/>
+          <a:chOff x="0" y="0"/>
+          <a:chExt cx="0" cy="0"/>
+        </a:xfrm>
+      </p:grpSpPr>
+      <p:sp>
+        <p:nvSpPr>
+          <p:cNvPr id="5" name="Title 1">
+            <a:extLst>
+              <a:ext uri="{FF2B5EF4-FFF2-40B4-BE49-F238E27FC236}">
+                <a16:creationId xmlns:a16="http://schemas.microsoft.com/office/drawing/2014/main" id="{854C85E7-9AFD-40D6-AEC3-A039325C6484}"/>
+              </a:ext>
+            </a:extLst>
+          </p:cNvPr>
+          <p:cNvSpPr>
+            <a:spLocks noGrp="1"/>
+          </p:cNvSpPr>
+          <p:nvPr>
+            <p:ph type="title"/>
+          </p:nvPr>
+        </p:nvSpPr>
+        <p:spPr>
+          <a:xfrm>
+            <a:off x="141514" y="2682328"/>
+            <a:ext cx="11832771" cy="1325563"/>
+          </a:xfrm>
+        </p:spPr>
+        <p:txBody>
+          <a:bodyPr/>
+          <a:lstStyle/>
+          <a:p>
+            <a:pPr algn="ctr"/>
+            <a:r>
+              <a:rPr lang="en-US" dirty="0"/>
+              <a:t>Checkpoint : Did the movie list appear?</a:t>
+            </a:r>
+          </a:p>
+        </p:txBody>
+      </p:sp>
+    </p:spTree>
+    <p:extLst>
+      <p:ext uri="{BB962C8B-B14F-4D97-AF65-F5344CB8AC3E}">
+        <p14:creationId xmlns:p14="http://schemas.microsoft.com/office/powerpoint/2010/main" val="870714747"/>
+      </p:ext>
+    </p:extLst>
+  </p:cSld>
+  <p:clrMapOvr>
+    <a:masterClrMapping/>
+  </p:clrMapOvr>
+</p:sld>
+</file>
+
+<file path=ppt/slides/slide25.xml><?xml version="1.0" encoding="utf-8"?>
+<p:sld xmlns:a="http://schemas.openxmlformats.org/drawingml/2006/main" xmlns:r="http://schemas.openxmlformats.org/officeDocument/2006/relationships" xmlns:p="http://schemas.openxmlformats.org/presentationml/2006/main">
+  <p:cSld>
+    <p:spTree>
+      <p:nvGrpSpPr>
+        <p:cNvPr id="1" name=""/>
+        <p:cNvGrpSpPr/>
+        <p:nvPr/>
+      </p:nvGrpSpPr>
+      <p:grpSpPr>
+        <a:xfrm>
+          <a:off x="0" y="0"/>
+          <a:ext cx="0" cy="0"/>
+          <a:chOff x="0" y="0"/>
+          <a:chExt cx="0" cy="0"/>
+        </a:xfrm>
+      </p:grpSpPr>
+      <p:sp>
+        <p:nvSpPr>
+          <p:cNvPr id="2" name="Title 1">
+            <a:extLst>
+              <a:ext uri="{FF2B5EF4-FFF2-40B4-BE49-F238E27FC236}">
+                <a16:creationId xmlns:a16="http://schemas.microsoft.com/office/drawing/2014/main" id="{CB29E3DD-90DA-4B92-83FB-2D1BDA5AE1F4}"/>
+              </a:ext>
+            </a:extLst>
+          </p:cNvPr>
+          <p:cNvSpPr>
+            <a:spLocks noGrp="1"/>
+          </p:cNvSpPr>
+          <p:nvPr>
+            <p:ph type="title"/>
+          </p:nvPr>
+        </p:nvSpPr>
+        <p:spPr/>
+        <p:txBody>
+          <a:bodyPr/>
+          <a:lstStyle/>
+          <a:p>
+            <a:r>
+              <a:rPr lang="en-US" dirty="0"/>
+              <a:t>Lets edit the rating…. </a:t>
+            </a:r>
+          </a:p>
+        </p:txBody>
+      </p:sp>
+      <p:sp>
+        <p:nvSpPr>
+          <p:cNvPr id="3" name="Content Placeholder 2">
+            <a:extLst>
+              <a:ext uri="{FF2B5EF4-FFF2-40B4-BE49-F238E27FC236}">
+                <a16:creationId xmlns:a16="http://schemas.microsoft.com/office/drawing/2014/main" id="{3264A32F-9F9A-49F8-914C-9807DF1F709C}"/>
+              </a:ext>
+            </a:extLst>
+          </p:cNvPr>
+          <p:cNvSpPr>
+            <a:spLocks noGrp="1"/>
+          </p:cNvSpPr>
+          <p:nvPr>
+            <p:ph idx="1"/>
+          </p:nvPr>
+        </p:nvSpPr>
+        <p:spPr/>
+        <p:txBody>
+          <a:bodyPr/>
+          <a:lstStyle/>
+          <a:p>
+            <a:r>
+              <a:rPr lang="en-US" dirty="0"/>
+              <a:t>Create a static folder inside app folder.</a:t>
+            </a:r>
+          </a:p>
+          <a:p>
+            <a:r>
+              <a:rPr lang="en-US" dirty="0"/>
+              <a:t>Create a eventhandler.js that will handle interactivity.</a:t>
+            </a:r>
+          </a:p>
+          <a:p>
+            <a:r>
+              <a:rPr lang="en-US" dirty="0"/>
+              <a:t>Add </a:t>
+            </a:r>
+            <a:r>
+              <a:rPr lang="en-US" dirty="0" err="1"/>
+              <a:t>jquery</a:t>
+            </a:r>
+            <a:r>
+              <a:rPr lang="en-US" dirty="0"/>
+              <a:t> to base.html</a:t>
+            </a:r>
+          </a:p>
+          <a:p>
+            <a:r>
+              <a:rPr lang="en-US" dirty="0"/>
+              <a:t>Add reference to event handler in base.html</a:t>
+            </a:r>
+          </a:p>
+        </p:txBody>
+      </p:sp>
+    </p:spTree>
+    <p:extLst>
+      <p:ext uri="{BB962C8B-B14F-4D97-AF65-F5344CB8AC3E}">
+        <p14:creationId xmlns:p14="http://schemas.microsoft.com/office/powerpoint/2010/main" val="2188316830"/>
+      </p:ext>
+    </p:extLst>
+  </p:cSld>
+  <p:clrMapOvr>
+    <a:masterClrMapping/>
+  </p:clrMapOvr>
+</p:sld>
+</file>
+
+<file path=ppt/slides/slide26.xml><?xml version="1.0" encoding="utf-8"?>
+<p:sld xmlns:a="http://schemas.openxmlformats.org/drawingml/2006/main" xmlns:r="http://schemas.openxmlformats.org/officeDocument/2006/relationships" xmlns:p="http://schemas.openxmlformats.org/presentationml/2006/main">
+  <p:cSld>
+    <p:spTree>
+      <p:nvGrpSpPr>
+        <p:cNvPr id="1" name=""/>
+        <p:cNvGrpSpPr/>
+        <p:nvPr/>
+      </p:nvGrpSpPr>
+      <p:grpSpPr>
+        <a:xfrm>
+          <a:off x="0" y="0"/>
+          <a:ext cx="0" cy="0"/>
+          <a:chOff x="0" y="0"/>
+          <a:chExt cx="0" cy="0"/>
+        </a:xfrm>
+      </p:grpSpPr>
+      <p:sp>
+        <p:nvSpPr>
+          <p:cNvPr id="2" name="Title 1">
+            <a:extLst>
+              <a:ext uri="{FF2B5EF4-FFF2-40B4-BE49-F238E27FC236}">
+                <a16:creationId xmlns:a16="http://schemas.microsoft.com/office/drawing/2014/main" id="{37FFB7E3-DCC0-4796-AB14-A8363EF6B8FD}"/>
+              </a:ext>
+            </a:extLst>
+          </p:cNvPr>
+          <p:cNvSpPr>
+            <a:spLocks noGrp="1"/>
+          </p:cNvSpPr>
+          <p:nvPr>
+            <p:ph type="title"/>
+          </p:nvPr>
+        </p:nvSpPr>
+        <p:spPr>
+          <a:xfrm>
+            <a:off x="163286" y="122238"/>
+            <a:ext cx="10515600" cy="645886"/>
+          </a:xfrm>
+        </p:spPr>
+        <p:txBody>
+          <a:bodyPr>
+            <a:normAutofit fontScale="90000"/>
+          </a:bodyPr>
+          <a:lstStyle/>
+          <a:p>
+            <a:r>
+              <a:rPr lang="en-US" dirty="0"/>
+              <a:t>base.html</a:t>
+            </a:r>
+          </a:p>
+        </p:txBody>
+      </p:sp>
+      <p:sp>
+        <p:nvSpPr>
+          <p:cNvPr id="3" name="Content Placeholder 2">
+            <a:extLst>
+              <a:ext uri="{FF2B5EF4-FFF2-40B4-BE49-F238E27FC236}">
+                <a16:creationId xmlns:a16="http://schemas.microsoft.com/office/drawing/2014/main" id="{B8EA383B-D7AE-4455-B4E5-9464016D952D}"/>
+              </a:ext>
+            </a:extLst>
+          </p:cNvPr>
+          <p:cNvSpPr>
+            <a:spLocks noGrp="1"/>
+          </p:cNvSpPr>
+          <p:nvPr>
+            <p:ph idx="1"/>
+          </p:nvPr>
+        </p:nvSpPr>
+        <p:spPr>
+          <a:xfrm>
+            <a:off x="293915" y="859971"/>
+            <a:ext cx="11179628" cy="5671458"/>
+          </a:xfrm>
+          <a:solidFill>
+            <a:schemeClr val="tx1"/>
+          </a:solidFill>
+        </p:spPr>
+        <p:txBody>
+          <a:bodyPr>
+            <a:normAutofit/>
+          </a:bodyPr>
+          <a:lstStyle/>
+          <a:p>
+            <a:pPr marL="0" indent="0">
+              <a:buNone/>
+            </a:pPr>
+            <a:r>
+              <a:rPr lang="en-US" sz="1800" dirty="0">
+                <a:solidFill>
+                  <a:srgbClr val="808080"/>
+                </a:solidFill>
+                <a:latin typeface="Consolas" panose="020B0609020204030204" pitchFamily="49" charset="0"/>
+              </a:rPr>
+              <a:t>&lt;!</a:t>
+            </a:r>
+            <a:r>
+              <a:rPr lang="en-US" sz="1800" dirty="0">
+                <a:solidFill>
+                  <a:srgbClr val="569CD6"/>
+                </a:solidFill>
+                <a:latin typeface="Consolas" panose="020B0609020204030204" pitchFamily="49" charset="0"/>
+              </a:rPr>
+              <a:t>DOCTYPE</a:t>
+            </a:r>
+            <a:r>
+              <a:rPr lang="en-US" sz="1800" dirty="0">
+                <a:solidFill>
+                  <a:srgbClr val="D4D4D4"/>
+                </a:solidFill>
+                <a:latin typeface="Consolas" panose="020B0609020204030204" pitchFamily="49" charset="0"/>
+              </a:rPr>
+              <a:t> </a:t>
+            </a:r>
+            <a:r>
+              <a:rPr lang="en-US" sz="1800" dirty="0">
+                <a:solidFill>
+                  <a:srgbClr val="9CDCFE"/>
+                </a:solidFill>
+                <a:latin typeface="Consolas" panose="020B0609020204030204" pitchFamily="49" charset="0"/>
+              </a:rPr>
+              <a:t>html</a:t>
+            </a:r>
+            <a:r>
+              <a:rPr lang="en-US" sz="1800" dirty="0">
+                <a:solidFill>
+                  <a:srgbClr val="808080"/>
+                </a:solidFill>
+                <a:latin typeface="Consolas" panose="020B0609020204030204" pitchFamily="49" charset="0"/>
+              </a:rPr>
+              <a:t>&gt;</a:t>
+            </a:r>
+            <a:endParaRPr lang="en-US" sz="1800" dirty="0">
+              <a:solidFill>
+                <a:srgbClr val="D4D4D4"/>
+              </a:solidFill>
+              <a:latin typeface="Consolas" panose="020B0609020204030204" pitchFamily="49" charset="0"/>
+            </a:endParaRPr>
+          </a:p>
+          <a:p>
+            <a:pPr marL="0" indent="0">
+              <a:buNone/>
+            </a:pPr>
+            <a:r>
+              <a:rPr lang="en-US" sz="1800" dirty="0">
+                <a:solidFill>
+                  <a:srgbClr val="808080"/>
+                </a:solidFill>
+                <a:latin typeface="Consolas" panose="020B0609020204030204" pitchFamily="49" charset="0"/>
+              </a:rPr>
+              <a:t>&lt;</a:t>
+            </a:r>
+            <a:r>
+              <a:rPr lang="en-US" sz="1800" dirty="0">
+                <a:solidFill>
+                  <a:srgbClr val="569CD6"/>
+                </a:solidFill>
+                <a:latin typeface="Consolas" panose="020B0609020204030204" pitchFamily="49" charset="0"/>
+              </a:rPr>
+              <a:t>head</a:t>
+            </a:r>
+            <a:r>
+              <a:rPr lang="en-US" sz="1800" dirty="0">
+                <a:solidFill>
+                  <a:srgbClr val="808080"/>
+                </a:solidFill>
+                <a:latin typeface="Consolas" panose="020B0609020204030204" pitchFamily="49" charset="0"/>
+              </a:rPr>
+              <a:t>&gt;</a:t>
+            </a:r>
+            <a:endParaRPr lang="en-US" sz="1800" dirty="0">
+              <a:solidFill>
+                <a:srgbClr val="D4D4D4"/>
+              </a:solidFill>
+              <a:latin typeface="Consolas" panose="020B0609020204030204" pitchFamily="49" charset="0"/>
+            </a:endParaRPr>
+          </a:p>
+          <a:p>
+            <a:pPr marL="0" indent="0">
+              <a:buNone/>
+            </a:pPr>
+            <a:r>
+              <a:rPr lang="en-US" sz="1800" dirty="0">
+                <a:solidFill>
+                  <a:srgbClr val="808080"/>
+                </a:solidFill>
+                <a:latin typeface="Consolas" panose="020B0609020204030204" pitchFamily="49" charset="0"/>
+              </a:rPr>
+              <a:t>&lt;</a:t>
+            </a:r>
+            <a:r>
+              <a:rPr lang="en-US" sz="1800" dirty="0">
+                <a:solidFill>
+                  <a:srgbClr val="569CD6"/>
+                </a:solidFill>
+                <a:latin typeface="Consolas" panose="020B0609020204030204" pitchFamily="49" charset="0"/>
+              </a:rPr>
+              <a:t>title</a:t>
+            </a:r>
+            <a:r>
+              <a:rPr lang="en-US" sz="1800" dirty="0">
+                <a:solidFill>
+                  <a:srgbClr val="808080"/>
+                </a:solidFill>
+                <a:latin typeface="Consolas" panose="020B0609020204030204" pitchFamily="49" charset="0"/>
+              </a:rPr>
+              <a:t>&gt;</a:t>
+            </a:r>
+            <a:r>
+              <a:rPr lang="en-US" sz="1800" dirty="0">
+                <a:solidFill>
+                  <a:srgbClr val="D4D4D4"/>
+                </a:solidFill>
+                <a:latin typeface="Consolas" panose="020B0609020204030204" pitchFamily="49" charset="0"/>
+              </a:rPr>
+              <a:t> My Movie List</a:t>
+            </a:r>
+            <a:r>
+              <a:rPr lang="en-US" sz="1800" dirty="0">
+                <a:solidFill>
+                  <a:srgbClr val="808080"/>
+                </a:solidFill>
+                <a:latin typeface="Consolas" panose="020B0609020204030204" pitchFamily="49" charset="0"/>
+              </a:rPr>
+              <a:t>&lt;/</a:t>
+            </a:r>
+            <a:r>
+              <a:rPr lang="en-US" sz="1800" dirty="0">
+                <a:solidFill>
+                  <a:srgbClr val="569CD6"/>
+                </a:solidFill>
+                <a:latin typeface="Consolas" panose="020B0609020204030204" pitchFamily="49" charset="0"/>
+              </a:rPr>
+              <a:t>title</a:t>
+            </a:r>
+            <a:r>
+              <a:rPr lang="en-US" sz="1800" dirty="0">
+                <a:solidFill>
+                  <a:srgbClr val="808080"/>
+                </a:solidFill>
+                <a:latin typeface="Consolas" panose="020B0609020204030204" pitchFamily="49" charset="0"/>
+              </a:rPr>
+              <a:t>&gt;</a:t>
+            </a:r>
+            <a:endParaRPr lang="en-US" sz="1800" dirty="0">
+              <a:solidFill>
+                <a:srgbClr val="D4D4D4"/>
+              </a:solidFill>
+              <a:latin typeface="Consolas" panose="020B0609020204030204" pitchFamily="49" charset="0"/>
+            </a:endParaRPr>
+          </a:p>
+          <a:p>
+            <a:pPr marL="0" indent="0">
+              <a:buNone/>
+            </a:pPr>
+            <a:r>
+              <a:rPr lang="en-US" sz="1800" dirty="0">
+                <a:solidFill>
+                  <a:srgbClr val="808080"/>
+                </a:solidFill>
+                <a:latin typeface="Consolas" panose="020B0609020204030204" pitchFamily="49" charset="0"/>
+              </a:rPr>
+              <a:t>&lt;</a:t>
+            </a:r>
+            <a:r>
+              <a:rPr lang="en-US" sz="1800" dirty="0">
+                <a:solidFill>
+                  <a:srgbClr val="569CD6"/>
+                </a:solidFill>
+                <a:latin typeface="Consolas" panose="020B0609020204030204" pitchFamily="49" charset="0"/>
+              </a:rPr>
+              <a:t>script</a:t>
+            </a:r>
+            <a:r>
+              <a:rPr lang="en-US" sz="1800" dirty="0">
+                <a:solidFill>
+                  <a:srgbClr val="D4D4D4"/>
+                </a:solidFill>
+                <a:latin typeface="Consolas" panose="020B0609020204030204" pitchFamily="49" charset="0"/>
+              </a:rPr>
+              <a:t> </a:t>
+            </a:r>
+            <a:r>
+              <a:rPr lang="en-US" sz="1800" dirty="0" err="1">
+                <a:solidFill>
+                  <a:srgbClr val="9CDCFE"/>
+                </a:solidFill>
+                <a:latin typeface="Consolas" panose="020B0609020204030204" pitchFamily="49" charset="0"/>
+              </a:rPr>
+              <a:t>src</a:t>
+            </a:r>
+            <a:r>
+              <a:rPr lang="en-US" sz="1800" dirty="0">
+                <a:solidFill>
+                  <a:srgbClr val="D4D4D4"/>
+                </a:solidFill>
+                <a:latin typeface="Consolas" panose="020B0609020204030204" pitchFamily="49" charset="0"/>
+              </a:rPr>
+              <a:t>=</a:t>
+            </a:r>
+            <a:r>
+              <a:rPr lang="en-US" sz="1800" dirty="0">
+                <a:solidFill>
+                  <a:srgbClr val="CE9178"/>
+                </a:solidFill>
+                <a:latin typeface="Consolas" panose="020B0609020204030204" pitchFamily="49" charset="0"/>
+              </a:rPr>
+              <a:t>"https://code.jquery.com/jquery-3.4.1.js"</a:t>
+            </a:r>
+            <a:r>
+              <a:rPr lang="en-US" sz="1800" dirty="0">
+                <a:solidFill>
+                  <a:srgbClr val="D4D4D4"/>
+                </a:solidFill>
+                <a:latin typeface="Consolas" panose="020B0609020204030204" pitchFamily="49" charset="0"/>
+              </a:rPr>
+              <a:t>  </a:t>
+            </a:r>
+            <a:r>
+              <a:rPr lang="en-US" sz="1800" dirty="0">
+                <a:solidFill>
+                  <a:srgbClr val="9CDCFE"/>
+                </a:solidFill>
+                <a:latin typeface="Consolas" panose="020B0609020204030204" pitchFamily="49" charset="0"/>
+              </a:rPr>
+              <a:t>integrity</a:t>
+            </a:r>
+            <a:r>
+              <a:rPr lang="en-US" sz="1800" dirty="0">
+                <a:solidFill>
+                  <a:srgbClr val="D4D4D4"/>
+                </a:solidFill>
+                <a:latin typeface="Consolas" panose="020B0609020204030204" pitchFamily="49" charset="0"/>
+              </a:rPr>
+              <a:t>=</a:t>
+            </a:r>
+            <a:r>
+              <a:rPr lang="en-US" sz="1800" dirty="0">
+                <a:solidFill>
+                  <a:srgbClr val="CE9178"/>
+                </a:solidFill>
+                <a:latin typeface="Consolas" panose="020B0609020204030204" pitchFamily="49" charset="0"/>
+              </a:rPr>
+              <a:t>"sha256-WpOohJOqMqqyKL9FccASB9O0KwACQJpFTUBLTYOVvVU="</a:t>
+            </a:r>
+            <a:r>
+              <a:rPr lang="en-US" sz="1800" dirty="0">
+                <a:solidFill>
+                  <a:srgbClr val="D4D4D4"/>
+                </a:solidFill>
+                <a:latin typeface="Consolas" panose="020B0609020204030204" pitchFamily="49" charset="0"/>
+              </a:rPr>
+              <a:t>  </a:t>
+            </a:r>
+            <a:r>
+              <a:rPr lang="en-US" sz="1800" dirty="0" err="1">
+                <a:solidFill>
+                  <a:srgbClr val="9CDCFE"/>
+                </a:solidFill>
+                <a:latin typeface="Consolas" panose="020B0609020204030204" pitchFamily="49" charset="0"/>
+              </a:rPr>
+              <a:t>crossorigin</a:t>
+            </a:r>
+            <a:r>
+              <a:rPr lang="en-US" sz="1800" dirty="0">
+                <a:solidFill>
+                  <a:srgbClr val="D4D4D4"/>
+                </a:solidFill>
+                <a:latin typeface="Consolas" panose="020B0609020204030204" pitchFamily="49" charset="0"/>
+              </a:rPr>
+              <a:t>=</a:t>
+            </a:r>
+            <a:r>
+              <a:rPr lang="en-US" sz="1800" dirty="0">
+                <a:solidFill>
+                  <a:srgbClr val="CE9178"/>
+                </a:solidFill>
+                <a:latin typeface="Consolas" panose="020B0609020204030204" pitchFamily="49" charset="0"/>
+              </a:rPr>
+              <a:t>"anonymous"</a:t>
+            </a:r>
+            <a:r>
+              <a:rPr lang="en-US" sz="1800" dirty="0">
+                <a:solidFill>
+                  <a:srgbClr val="808080"/>
+                </a:solidFill>
+                <a:latin typeface="Consolas" panose="020B0609020204030204" pitchFamily="49" charset="0"/>
+              </a:rPr>
+              <a:t>&gt;&lt;/</a:t>
+            </a:r>
+            <a:r>
+              <a:rPr lang="en-US" sz="1800" dirty="0">
+                <a:solidFill>
+                  <a:srgbClr val="569CD6"/>
+                </a:solidFill>
+                <a:latin typeface="Consolas" panose="020B0609020204030204" pitchFamily="49" charset="0"/>
+              </a:rPr>
+              <a:t>script</a:t>
+            </a:r>
+            <a:r>
+              <a:rPr lang="en-US" sz="1800" dirty="0">
+                <a:solidFill>
+                  <a:srgbClr val="808080"/>
+                </a:solidFill>
+                <a:latin typeface="Consolas" panose="020B0609020204030204" pitchFamily="49" charset="0"/>
+              </a:rPr>
+              <a:t>&gt;</a:t>
+            </a:r>
+            <a:endParaRPr lang="en-US" sz="1800" dirty="0">
+              <a:solidFill>
+                <a:srgbClr val="D4D4D4"/>
+              </a:solidFill>
+              <a:latin typeface="Consolas" panose="020B0609020204030204" pitchFamily="49" charset="0"/>
+            </a:endParaRPr>
+          </a:p>
+          <a:p>
+            <a:pPr marL="0" indent="0">
+              <a:buNone/>
+            </a:pPr>
+            <a:r>
+              <a:rPr lang="en-US" sz="1800" dirty="0">
+                <a:solidFill>
+                  <a:srgbClr val="808080"/>
+                </a:solidFill>
+                <a:latin typeface="Consolas" panose="020B0609020204030204" pitchFamily="49" charset="0"/>
+              </a:rPr>
+              <a:t>&lt;</a:t>
+            </a:r>
+            <a:r>
+              <a:rPr lang="en-US" sz="1800" dirty="0">
+                <a:solidFill>
+                  <a:srgbClr val="569CD6"/>
+                </a:solidFill>
+                <a:latin typeface="Consolas" panose="020B0609020204030204" pitchFamily="49" charset="0"/>
+              </a:rPr>
+              <a:t>script</a:t>
+            </a:r>
+            <a:r>
+              <a:rPr lang="en-US" sz="1800" dirty="0">
+                <a:solidFill>
+                  <a:srgbClr val="D4D4D4"/>
+                </a:solidFill>
+                <a:latin typeface="Consolas" panose="020B0609020204030204" pitchFamily="49" charset="0"/>
+              </a:rPr>
+              <a:t> </a:t>
+            </a:r>
+            <a:r>
+              <a:rPr lang="en-US" sz="1800" dirty="0" err="1">
+                <a:solidFill>
+                  <a:srgbClr val="9CDCFE"/>
+                </a:solidFill>
+                <a:latin typeface="Consolas" panose="020B0609020204030204" pitchFamily="49" charset="0"/>
+              </a:rPr>
+              <a:t>src</a:t>
+            </a:r>
+            <a:r>
+              <a:rPr lang="en-US" sz="1800" dirty="0">
+                <a:solidFill>
+                  <a:srgbClr val="D4D4D4"/>
+                </a:solidFill>
+                <a:latin typeface="Consolas" panose="020B0609020204030204" pitchFamily="49" charset="0"/>
+              </a:rPr>
+              <a:t>=</a:t>
+            </a:r>
+            <a:r>
+              <a:rPr lang="en-US" sz="1800" dirty="0">
+                <a:solidFill>
+                  <a:srgbClr val="CE9178"/>
+                </a:solidFill>
+                <a:latin typeface="Consolas" panose="020B0609020204030204" pitchFamily="49" charset="0"/>
+              </a:rPr>
+              <a:t>"{{ </a:t>
+            </a:r>
+            <a:r>
+              <a:rPr lang="en-US" sz="1800" dirty="0" err="1">
+                <a:solidFill>
+                  <a:srgbClr val="CE9178"/>
+                </a:solidFill>
+                <a:latin typeface="Consolas" panose="020B0609020204030204" pitchFamily="49" charset="0"/>
+              </a:rPr>
+              <a:t>url_for</a:t>
+            </a:r>
+            <a:r>
+              <a:rPr lang="en-US" sz="1800" dirty="0">
+                <a:solidFill>
+                  <a:srgbClr val="CE9178"/>
+                </a:solidFill>
+                <a:latin typeface="Consolas" panose="020B0609020204030204" pitchFamily="49" charset="0"/>
+              </a:rPr>
+              <a:t>('static', filename='eventhandler.js') }}"</a:t>
+            </a:r>
+            <a:r>
+              <a:rPr lang="en-US" sz="1800" dirty="0">
+                <a:solidFill>
+                  <a:srgbClr val="808080"/>
+                </a:solidFill>
+                <a:latin typeface="Consolas" panose="020B0609020204030204" pitchFamily="49" charset="0"/>
+              </a:rPr>
+              <a:t>&gt;&lt;/</a:t>
+            </a:r>
+            <a:r>
+              <a:rPr lang="en-US" sz="1800" dirty="0">
+                <a:solidFill>
+                  <a:srgbClr val="569CD6"/>
+                </a:solidFill>
+                <a:latin typeface="Consolas" panose="020B0609020204030204" pitchFamily="49" charset="0"/>
+              </a:rPr>
+              <a:t>script</a:t>
+            </a:r>
+            <a:r>
+              <a:rPr lang="en-US" sz="1800" dirty="0">
+                <a:solidFill>
+                  <a:srgbClr val="808080"/>
+                </a:solidFill>
+                <a:latin typeface="Consolas" panose="020B0609020204030204" pitchFamily="49" charset="0"/>
+              </a:rPr>
+              <a:t>&gt;</a:t>
+            </a:r>
+            <a:endParaRPr lang="en-US" sz="1800" dirty="0">
+              <a:solidFill>
+                <a:srgbClr val="D4D4D4"/>
+              </a:solidFill>
+              <a:latin typeface="Consolas" panose="020B0609020204030204" pitchFamily="49" charset="0"/>
+            </a:endParaRPr>
+          </a:p>
+          <a:p>
+            <a:pPr marL="0" indent="0">
+              <a:buNone/>
+            </a:pPr>
+            <a:r>
+              <a:rPr lang="en-US" sz="1800" dirty="0">
+                <a:solidFill>
+                  <a:srgbClr val="D4D4D4"/>
+                </a:solidFill>
+                <a:latin typeface="Consolas" panose="020B0609020204030204" pitchFamily="49" charset="0"/>
+              </a:rPr>
+              <a:t>    {% </a:t>
+            </a:r>
+            <a:r>
+              <a:rPr lang="en-US" sz="1800" dirty="0">
+                <a:solidFill>
+                  <a:srgbClr val="C586C0"/>
+                </a:solidFill>
+                <a:latin typeface="Consolas" panose="020B0609020204030204" pitchFamily="49" charset="0"/>
+              </a:rPr>
+              <a:t>block</a:t>
+            </a:r>
+            <a:r>
+              <a:rPr lang="en-US" sz="1800" dirty="0">
+                <a:solidFill>
+                  <a:srgbClr val="D4D4D4"/>
+                </a:solidFill>
+                <a:latin typeface="Consolas" panose="020B0609020204030204" pitchFamily="49" charset="0"/>
+              </a:rPr>
+              <a:t> </a:t>
+            </a:r>
+            <a:r>
+              <a:rPr lang="en-US" sz="1800" dirty="0" err="1">
+                <a:solidFill>
+                  <a:srgbClr val="9CDCFE"/>
+                </a:solidFill>
+                <a:latin typeface="Consolas" panose="020B0609020204030204" pitchFamily="49" charset="0"/>
+              </a:rPr>
+              <a:t>head_block</a:t>
+            </a:r>
+            <a:r>
+              <a:rPr lang="en-US" sz="1800" dirty="0">
+                <a:solidFill>
+                  <a:srgbClr val="D4D4D4"/>
+                </a:solidFill>
+                <a:latin typeface="Consolas" panose="020B0609020204030204" pitchFamily="49" charset="0"/>
+              </a:rPr>
+              <a:t> %} {% </a:t>
+            </a:r>
+            <a:r>
+              <a:rPr lang="en-US" sz="1800" dirty="0" err="1">
+                <a:solidFill>
+                  <a:srgbClr val="C586C0"/>
+                </a:solidFill>
+                <a:latin typeface="Consolas" panose="020B0609020204030204" pitchFamily="49" charset="0"/>
+              </a:rPr>
+              <a:t>endblock</a:t>
+            </a:r>
+            <a:r>
+              <a:rPr lang="en-US" sz="1800" dirty="0">
+                <a:solidFill>
+                  <a:srgbClr val="D4D4D4"/>
+                </a:solidFill>
+                <a:latin typeface="Consolas" panose="020B0609020204030204" pitchFamily="49" charset="0"/>
+              </a:rPr>
+              <a:t> %}</a:t>
+            </a:r>
+          </a:p>
+          <a:p>
+            <a:pPr marL="0" indent="0">
+              <a:buNone/>
+            </a:pPr>
+            <a:r>
+              <a:rPr lang="en-US" sz="1800" dirty="0">
+                <a:solidFill>
+                  <a:srgbClr val="808080"/>
+                </a:solidFill>
+                <a:latin typeface="Consolas" panose="020B0609020204030204" pitchFamily="49" charset="0"/>
+              </a:rPr>
+              <a:t>&lt;/</a:t>
+            </a:r>
+            <a:r>
+              <a:rPr lang="en-US" sz="1800" dirty="0">
+                <a:solidFill>
+                  <a:srgbClr val="569CD6"/>
+                </a:solidFill>
+                <a:latin typeface="Consolas" panose="020B0609020204030204" pitchFamily="49" charset="0"/>
+              </a:rPr>
+              <a:t>head</a:t>
+            </a:r>
+            <a:r>
+              <a:rPr lang="en-US" sz="1800" dirty="0">
+                <a:solidFill>
+                  <a:srgbClr val="808080"/>
+                </a:solidFill>
+                <a:latin typeface="Consolas" panose="020B0609020204030204" pitchFamily="49" charset="0"/>
+              </a:rPr>
+              <a:t>&gt;</a:t>
+            </a:r>
+            <a:endParaRPr lang="en-US" sz="1800" dirty="0">
+              <a:solidFill>
+                <a:srgbClr val="D4D4D4"/>
+              </a:solidFill>
+              <a:latin typeface="Consolas" panose="020B0609020204030204" pitchFamily="49" charset="0"/>
+            </a:endParaRPr>
+          </a:p>
+          <a:p>
+            <a:pPr marL="0" indent="0">
+              <a:buNone/>
+            </a:pPr>
+            <a:r>
+              <a:rPr lang="en-US" sz="1800" dirty="0">
+                <a:solidFill>
+                  <a:srgbClr val="808080"/>
+                </a:solidFill>
+                <a:latin typeface="Consolas" panose="020B0609020204030204" pitchFamily="49" charset="0"/>
+              </a:rPr>
+              <a:t>&lt;</a:t>
+            </a:r>
+            <a:r>
+              <a:rPr lang="en-US" sz="1800" dirty="0">
+                <a:solidFill>
+                  <a:srgbClr val="569CD6"/>
+                </a:solidFill>
+                <a:latin typeface="Consolas" panose="020B0609020204030204" pitchFamily="49" charset="0"/>
+              </a:rPr>
+              <a:t>header</a:t>
+            </a:r>
+            <a:r>
+              <a:rPr lang="en-US" sz="1800" dirty="0">
+                <a:solidFill>
+                  <a:srgbClr val="808080"/>
+                </a:solidFill>
+                <a:latin typeface="Consolas" panose="020B0609020204030204" pitchFamily="49" charset="0"/>
+              </a:rPr>
+              <a:t>&gt;</a:t>
+            </a:r>
+            <a:r>
+              <a:rPr lang="en-US" sz="1800" dirty="0">
+                <a:solidFill>
+                  <a:srgbClr val="D4D4D4"/>
+                </a:solidFill>
+                <a:latin typeface="Consolas" panose="020B0609020204030204" pitchFamily="49" charset="0"/>
+              </a:rPr>
+              <a:t> </a:t>
+            </a:r>
+            <a:r>
+              <a:rPr lang="en-US" sz="1800" dirty="0">
+                <a:solidFill>
+                  <a:srgbClr val="808080"/>
+                </a:solidFill>
+                <a:latin typeface="Consolas" panose="020B0609020204030204" pitchFamily="49" charset="0"/>
+              </a:rPr>
+              <a:t>&lt;/</a:t>
+            </a:r>
+            <a:r>
+              <a:rPr lang="en-US" sz="1800" dirty="0">
+                <a:solidFill>
+                  <a:srgbClr val="569CD6"/>
+                </a:solidFill>
+                <a:latin typeface="Consolas" panose="020B0609020204030204" pitchFamily="49" charset="0"/>
+              </a:rPr>
+              <a:t>header</a:t>
+            </a:r>
+            <a:r>
+              <a:rPr lang="en-US" sz="1800" dirty="0">
+                <a:solidFill>
+                  <a:srgbClr val="808080"/>
+                </a:solidFill>
+                <a:latin typeface="Consolas" panose="020B0609020204030204" pitchFamily="49" charset="0"/>
+              </a:rPr>
+              <a:t>&gt;</a:t>
+            </a:r>
+            <a:endParaRPr lang="en-US" sz="1800" dirty="0">
+              <a:solidFill>
+                <a:srgbClr val="D4D4D4"/>
+              </a:solidFill>
+              <a:latin typeface="Consolas" panose="020B0609020204030204" pitchFamily="49" charset="0"/>
+            </a:endParaRPr>
+          </a:p>
+          <a:p>
+            <a:pPr marL="0" indent="0">
+              <a:buNone/>
+            </a:pPr>
+            <a:r>
+              <a:rPr lang="en-US" sz="1800" dirty="0">
+                <a:solidFill>
+                  <a:srgbClr val="808080"/>
+                </a:solidFill>
+                <a:latin typeface="Consolas" panose="020B0609020204030204" pitchFamily="49" charset="0"/>
+              </a:rPr>
+              <a:t>&lt;</a:t>
+            </a:r>
+            <a:r>
+              <a:rPr lang="en-US" sz="1800" dirty="0">
+                <a:solidFill>
+                  <a:srgbClr val="569CD6"/>
+                </a:solidFill>
+                <a:latin typeface="Consolas" panose="020B0609020204030204" pitchFamily="49" charset="0"/>
+              </a:rPr>
+              <a:t>body</a:t>
+            </a:r>
+            <a:r>
+              <a:rPr lang="en-US" sz="1800" dirty="0">
+                <a:solidFill>
+                  <a:srgbClr val="808080"/>
+                </a:solidFill>
+                <a:latin typeface="Consolas" panose="020B0609020204030204" pitchFamily="49" charset="0"/>
+              </a:rPr>
+              <a:t>&gt;</a:t>
+            </a:r>
+            <a:endParaRPr lang="en-US" sz="1800" dirty="0">
+              <a:solidFill>
+                <a:srgbClr val="D4D4D4"/>
+              </a:solidFill>
+              <a:latin typeface="Consolas" panose="020B0609020204030204" pitchFamily="49" charset="0"/>
+            </a:endParaRPr>
+          </a:p>
+          <a:p>
+            <a:pPr marL="0" indent="0">
+              <a:buNone/>
+            </a:pPr>
+            <a:r>
+              <a:rPr lang="en-US" sz="1800" dirty="0">
+                <a:solidFill>
+                  <a:srgbClr val="D4D4D4"/>
+                </a:solidFill>
+                <a:latin typeface="Consolas" panose="020B0609020204030204" pitchFamily="49" charset="0"/>
+              </a:rPr>
+              <a:t>    {% </a:t>
+            </a:r>
+            <a:r>
+              <a:rPr lang="en-US" sz="1800" dirty="0">
+                <a:solidFill>
+                  <a:srgbClr val="C586C0"/>
+                </a:solidFill>
+                <a:latin typeface="Consolas" panose="020B0609020204030204" pitchFamily="49" charset="0"/>
+              </a:rPr>
+              <a:t>block</a:t>
+            </a:r>
+            <a:r>
+              <a:rPr lang="en-US" sz="1800" dirty="0">
+                <a:solidFill>
+                  <a:srgbClr val="D4D4D4"/>
+                </a:solidFill>
+                <a:latin typeface="Consolas" panose="020B0609020204030204" pitchFamily="49" charset="0"/>
+              </a:rPr>
+              <a:t> </a:t>
+            </a:r>
+            <a:r>
+              <a:rPr lang="en-US" sz="1800" dirty="0" err="1">
+                <a:solidFill>
+                  <a:srgbClr val="9CDCFE"/>
+                </a:solidFill>
+                <a:latin typeface="Consolas" panose="020B0609020204030204" pitchFamily="49" charset="0"/>
+              </a:rPr>
+              <a:t>content_block</a:t>
+            </a:r>
+            <a:r>
+              <a:rPr lang="en-US" sz="1800" dirty="0">
+                <a:solidFill>
+                  <a:srgbClr val="D4D4D4"/>
+                </a:solidFill>
+                <a:latin typeface="Consolas" panose="020B0609020204030204" pitchFamily="49" charset="0"/>
+              </a:rPr>
+              <a:t> %} {% </a:t>
+            </a:r>
+            <a:r>
+              <a:rPr lang="en-US" sz="1800" dirty="0" err="1">
+                <a:solidFill>
+                  <a:srgbClr val="C586C0"/>
+                </a:solidFill>
+                <a:latin typeface="Consolas" panose="020B0609020204030204" pitchFamily="49" charset="0"/>
+              </a:rPr>
+              <a:t>endblock</a:t>
+            </a:r>
+            <a:r>
+              <a:rPr lang="en-US" sz="1800" dirty="0">
+                <a:solidFill>
+                  <a:srgbClr val="D4D4D4"/>
+                </a:solidFill>
+                <a:latin typeface="Consolas" panose="020B0609020204030204" pitchFamily="49" charset="0"/>
+              </a:rPr>
+              <a:t> %}</a:t>
+            </a:r>
+          </a:p>
+          <a:p>
+            <a:pPr marL="0" indent="0">
+              <a:buNone/>
+            </a:pPr>
+            <a:r>
+              <a:rPr lang="en-US" sz="1800" dirty="0">
+                <a:solidFill>
+                  <a:srgbClr val="808080"/>
+                </a:solidFill>
+                <a:latin typeface="Consolas" panose="020B0609020204030204" pitchFamily="49" charset="0"/>
+              </a:rPr>
+              <a:t>&lt;/</a:t>
+            </a:r>
+            <a:r>
+              <a:rPr lang="en-US" sz="1800" dirty="0">
+                <a:solidFill>
+                  <a:srgbClr val="569CD6"/>
+                </a:solidFill>
+                <a:latin typeface="Consolas" panose="020B0609020204030204" pitchFamily="49" charset="0"/>
+              </a:rPr>
+              <a:t>body</a:t>
+            </a:r>
+            <a:r>
+              <a:rPr lang="en-US" sz="1800" dirty="0">
+                <a:solidFill>
+                  <a:srgbClr val="808080"/>
+                </a:solidFill>
+                <a:latin typeface="Consolas" panose="020B0609020204030204" pitchFamily="49" charset="0"/>
+              </a:rPr>
+              <a:t>&gt;</a:t>
+            </a:r>
+            <a:endParaRPr lang="en-US" sz="1800" dirty="0">
+              <a:solidFill>
+                <a:srgbClr val="D4D4D4"/>
+              </a:solidFill>
+              <a:latin typeface="Consolas" panose="020B0609020204030204" pitchFamily="49" charset="0"/>
+            </a:endParaRPr>
+          </a:p>
+          <a:p>
+            <a:pPr marL="0" indent="0">
+              <a:buNone/>
+            </a:pPr>
+            <a:r>
+              <a:rPr lang="en-US" sz="1800" dirty="0">
+                <a:solidFill>
+                  <a:srgbClr val="808080"/>
+                </a:solidFill>
+                <a:latin typeface="Consolas" panose="020B0609020204030204" pitchFamily="49" charset="0"/>
+              </a:rPr>
+              <a:t>&lt;</a:t>
+            </a:r>
+            <a:r>
+              <a:rPr lang="en-US" sz="1800" dirty="0">
+                <a:solidFill>
+                  <a:srgbClr val="569CD6"/>
+                </a:solidFill>
+                <a:latin typeface="Consolas" panose="020B0609020204030204" pitchFamily="49" charset="0"/>
+              </a:rPr>
+              <a:t>footer</a:t>
+            </a:r>
+            <a:r>
+              <a:rPr lang="en-US" sz="1800" dirty="0">
+                <a:solidFill>
+                  <a:srgbClr val="808080"/>
+                </a:solidFill>
+                <a:latin typeface="Consolas" panose="020B0609020204030204" pitchFamily="49" charset="0"/>
+              </a:rPr>
+              <a:t>&gt;</a:t>
+            </a:r>
+            <a:r>
+              <a:rPr lang="en-US" sz="1800" dirty="0">
+                <a:solidFill>
+                  <a:srgbClr val="D4D4D4"/>
+                </a:solidFill>
+                <a:latin typeface="Consolas" panose="020B0609020204030204" pitchFamily="49" charset="0"/>
+              </a:rPr>
+              <a:t> </a:t>
+            </a:r>
+            <a:r>
+              <a:rPr lang="en-US" sz="1800" dirty="0">
+                <a:solidFill>
+                  <a:srgbClr val="808080"/>
+                </a:solidFill>
+                <a:latin typeface="Consolas" panose="020B0609020204030204" pitchFamily="49" charset="0"/>
+              </a:rPr>
+              <a:t>&lt;/</a:t>
+            </a:r>
+            <a:r>
+              <a:rPr lang="en-US" sz="1800" dirty="0">
+                <a:solidFill>
+                  <a:srgbClr val="569CD6"/>
+                </a:solidFill>
+                <a:latin typeface="Consolas" panose="020B0609020204030204" pitchFamily="49" charset="0"/>
+              </a:rPr>
+              <a:t>footer</a:t>
+            </a:r>
+            <a:r>
+              <a:rPr lang="en-US" sz="1800" dirty="0">
+                <a:solidFill>
+                  <a:srgbClr val="808080"/>
+                </a:solidFill>
+                <a:latin typeface="Consolas" panose="020B0609020204030204" pitchFamily="49" charset="0"/>
+              </a:rPr>
+              <a:t>&gt;</a:t>
+            </a:r>
+            <a:endParaRPr lang="en-US" sz="1800" dirty="0">
+              <a:solidFill>
+                <a:srgbClr val="D4D4D4"/>
+              </a:solidFill>
+              <a:latin typeface="Consolas" panose="020B0609020204030204" pitchFamily="49" charset="0"/>
+            </a:endParaRPr>
+          </a:p>
+          <a:p>
+            <a:pPr marL="0" indent="0">
+              <a:buNone/>
+            </a:pPr>
+            <a:endParaRPr lang="en-US" dirty="0"/>
+          </a:p>
+        </p:txBody>
+      </p:sp>
+    </p:spTree>
+    <p:extLst>
+      <p:ext uri="{BB962C8B-B14F-4D97-AF65-F5344CB8AC3E}">
+        <p14:creationId xmlns:p14="http://schemas.microsoft.com/office/powerpoint/2010/main" val="1520885791"/>
+      </p:ext>
+    </p:extLst>
+  </p:cSld>
+  <p:clrMapOvr>
+    <a:masterClrMapping/>
+  </p:clrMapOvr>
+</p:sld>
+</file>
+
+<file path=ppt/slides/slide27.xml><?xml version="1.0" encoding="utf-8"?>
+<p:sld xmlns:a="http://schemas.openxmlformats.org/drawingml/2006/main" xmlns:r="http://schemas.openxmlformats.org/officeDocument/2006/relationships" xmlns:p="http://schemas.openxmlformats.org/presentationml/2006/main">
+  <p:cSld>
+    <p:spTree>
+      <p:nvGrpSpPr>
+        <p:cNvPr id="1" name=""/>
+        <p:cNvGrpSpPr/>
+        <p:nvPr/>
+      </p:nvGrpSpPr>
+      <p:grpSpPr>
+        <a:xfrm>
+          <a:off x="0" y="0"/>
+          <a:ext cx="0" cy="0"/>
+          <a:chOff x="0" y="0"/>
+          <a:chExt cx="0" cy="0"/>
+        </a:xfrm>
+      </p:grpSpPr>
+      <p:sp>
+        <p:nvSpPr>
+          <p:cNvPr id="2" name="Title 1">
+            <a:extLst>
+              <a:ext uri="{FF2B5EF4-FFF2-40B4-BE49-F238E27FC236}">
+                <a16:creationId xmlns:a16="http://schemas.microsoft.com/office/drawing/2014/main" id="{9D0BA249-DBF2-49E1-A8B1-7446CD0D7A03}"/>
+              </a:ext>
+            </a:extLst>
+          </p:cNvPr>
+          <p:cNvSpPr>
+            <a:spLocks noGrp="1"/>
+          </p:cNvSpPr>
+          <p:nvPr>
+            <p:ph type="title"/>
+          </p:nvPr>
+        </p:nvSpPr>
+        <p:spPr>
+          <a:xfrm>
+            <a:off x="0" y="77333"/>
+            <a:ext cx="10515600" cy="603704"/>
+          </a:xfrm>
+        </p:spPr>
+        <p:txBody>
+          <a:bodyPr>
+            <a:normAutofit fontScale="90000"/>
+          </a:bodyPr>
+          <a:lstStyle/>
+          <a:p>
+            <a:r>
+              <a:rPr lang="en-US" dirty="0"/>
+              <a:t>eventhandler.js</a:t>
+            </a:r>
+          </a:p>
+        </p:txBody>
+      </p:sp>
+      <p:sp>
+        <p:nvSpPr>
+          <p:cNvPr id="3" name="Content Placeholder 2">
+            <a:extLst>
+              <a:ext uri="{FF2B5EF4-FFF2-40B4-BE49-F238E27FC236}">
+                <a16:creationId xmlns:a16="http://schemas.microsoft.com/office/drawing/2014/main" id="{36362407-461E-4E3A-BB61-827E255F49D8}"/>
+              </a:ext>
+            </a:extLst>
+          </p:cNvPr>
+          <p:cNvSpPr>
+            <a:spLocks noGrp="1"/>
+          </p:cNvSpPr>
+          <p:nvPr>
+            <p:ph idx="1"/>
+          </p:nvPr>
+        </p:nvSpPr>
+        <p:spPr>
+          <a:xfrm>
+            <a:off x="119743" y="681037"/>
+            <a:ext cx="11876314" cy="6099630"/>
+          </a:xfrm>
+          <a:solidFill>
+            <a:schemeClr val="tx1"/>
+          </a:solidFill>
+        </p:spPr>
+        <p:txBody>
+          <a:bodyPr>
+            <a:normAutofit fontScale="55000" lnSpcReduction="20000"/>
+          </a:bodyPr>
+          <a:lstStyle/>
+          <a:p>
+            <a:pPr marL="0" indent="0">
+              <a:buNone/>
+            </a:pPr>
+            <a:r>
+              <a:rPr lang="en-US" dirty="0">
+                <a:solidFill>
+                  <a:srgbClr val="DCDCAA"/>
+                </a:solidFill>
+                <a:latin typeface="Consolas" panose="020B0609020204030204" pitchFamily="49" charset="0"/>
+              </a:rPr>
+              <a:t>$</a:t>
+            </a:r>
+            <a:r>
+              <a:rPr lang="en-US" dirty="0">
+                <a:solidFill>
+                  <a:srgbClr val="D4D4D4"/>
+                </a:solidFill>
+                <a:latin typeface="Consolas" panose="020B0609020204030204" pitchFamily="49" charset="0"/>
+              </a:rPr>
+              <a:t>(</a:t>
+            </a:r>
+            <a:r>
+              <a:rPr lang="en-US" dirty="0">
+                <a:solidFill>
+                  <a:srgbClr val="569CD6"/>
+                </a:solidFill>
+                <a:latin typeface="Consolas" panose="020B0609020204030204" pitchFamily="49" charset="0"/>
+              </a:rPr>
+              <a:t>function</a:t>
+            </a:r>
+            <a:r>
+              <a:rPr lang="en-US" dirty="0">
+                <a:solidFill>
+                  <a:srgbClr val="D4D4D4"/>
+                </a:solidFill>
+                <a:latin typeface="Consolas" panose="020B0609020204030204" pitchFamily="49" charset="0"/>
+              </a:rPr>
+              <a:t> () {</a:t>
+            </a:r>
+          </a:p>
+          <a:p>
+            <a:pPr marL="0" indent="0">
+              <a:buNone/>
+            </a:pPr>
+            <a:r>
+              <a:rPr lang="en-US" dirty="0">
+                <a:solidFill>
+                  <a:srgbClr val="D4D4D4"/>
+                </a:solidFill>
+                <a:latin typeface="Consolas" panose="020B0609020204030204" pitchFamily="49" charset="0"/>
+              </a:rPr>
+              <a:t>    </a:t>
+            </a:r>
+            <a:r>
+              <a:rPr lang="en-US" dirty="0">
+                <a:solidFill>
+                  <a:srgbClr val="DCDCAA"/>
+                </a:solidFill>
+                <a:latin typeface="Consolas" panose="020B0609020204030204" pitchFamily="49" charset="0"/>
+              </a:rPr>
+              <a:t>$</a:t>
+            </a:r>
+            <a:r>
+              <a:rPr lang="en-US" dirty="0">
+                <a:solidFill>
+                  <a:srgbClr val="D4D4D4"/>
+                </a:solidFill>
+                <a:latin typeface="Consolas" panose="020B0609020204030204" pitchFamily="49" charset="0"/>
+              </a:rPr>
+              <a:t>(</a:t>
+            </a:r>
+            <a:r>
+              <a:rPr lang="en-US" dirty="0">
+                <a:solidFill>
+                  <a:srgbClr val="CE9178"/>
+                </a:solidFill>
+                <a:latin typeface="Consolas" panose="020B0609020204030204" pitchFamily="49" charset="0"/>
+              </a:rPr>
+              <a:t>".</a:t>
+            </a:r>
+            <a:r>
+              <a:rPr lang="en-US" dirty="0" err="1">
+                <a:solidFill>
+                  <a:srgbClr val="CE9178"/>
+                </a:solidFill>
+                <a:latin typeface="Consolas" panose="020B0609020204030204" pitchFamily="49" charset="0"/>
+              </a:rPr>
+              <a:t>rating_cell</a:t>
+            </a:r>
+            <a:r>
+              <a:rPr lang="en-US" dirty="0">
+                <a:solidFill>
+                  <a:srgbClr val="CE9178"/>
+                </a:solidFill>
+                <a:latin typeface="Consolas" panose="020B0609020204030204" pitchFamily="49" charset="0"/>
+              </a:rPr>
+              <a:t>"</a:t>
+            </a:r>
+            <a:r>
+              <a:rPr lang="en-US" dirty="0">
+                <a:solidFill>
+                  <a:srgbClr val="D4D4D4"/>
+                </a:solidFill>
+                <a:latin typeface="Consolas" panose="020B0609020204030204" pitchFamily="49" charset="0"/>
+              </a:rPr>
+              <a:t>).</a:t>
+            </a:r>
+            <a:r>
+              <a:rPr lang="en-US" dirty="0" err="1">
+                <a:solidFill>
+                  <a:srgbClr val="DCDCAA"/>
+                </a:solidFill>
+                <a:latin typeface="Consolas" panose="020B0609020204030204" pitchFamily="49" charset="0"/>
+              </a:rPr>
+              <a:t>dblclick</a:t>
+            </a:r>
+            <a:r>
+              <a:rPr lang="en-US" dirty="0">
+                <a:solidFill>
+                  <a:srgbClr val="D4D4D4"/>
+                </a:solidFill>
+                <a:latin typeface="Consolas" panose="020B0609020204030204" pitchFamily="49" charset="0"/>
+              </a:rPr>
+              <a:t>(</a:t>
+            </a:r>
+            <a:r>
+              <a:rPr lang="en-US" dirty="0">
+                <a:solidFill>
+                  <a:srgbClr val="569CD6"/>
+                </a:solidFill>
+                <a:latin typeface="Consolas" panose="020B0609020204030204" pitchFamily="49" charset="0"/>
+              </a:rPr>
+              <a:t>function</a:t>
+            </a:r>
+            <a:r>
+              <a:rPr lang="en-US" dirty="0">
+                <a:solidFill>
+                  <a:srgbClr val="D4D4D4"/>
+                </a:solidFill>
+                <a:latin typeface="Consolas" panose="020B0609020204030204" pitchFamily="49" charset="0"/>
+              </a:rPr>
+              <a:t> (</a:t>
+            </a:r>
+            <a:r>
+              <a:rPr lang="en-US" dirty="0">
+                <a:solidFill>
+                  <a:srgbClr val="9CDCFE"/>
+                </a:solidFill>
+                <a:latin typeface="Consolas" panose="020B0609020204030204" pitchFamily="49" charset="0"/>
+              </a:rPr>
+              <a:t>e</a:t>
+            </a:r>
+            <a:r>
+              <a:rPr lang="en-US" dirty="0">
+                <a:solidFill>
+                  <a:srgbClr val="D4D4D4"/>
+                </a:solidFill>
+                <a:latin typeface="Consolas" panose="020B0609020204030204" pitchFamily="49" charset="0"/>
+              </a:rPr>
+              <a:t>) {</a:t>
+            </a:r>
+          </a:p>
+          <a:p>
+            <a:pPr marL="0" indent="0">
+              <a:buNone/>
+            </a:pPr>
+            <a:r>
+              <a:rPr lang="en-US" dirty="0">
+                <a:solidFill>
+                  <a:srgbClr val="D4D4D4"/>
+                </a:solidFill>
+                <a:latin typeface="Consolas" panose="020B0609020204030204" pitchFamily="49" charset="0"/>
+              </a:rPr>
+              <a:t>        </a:t>
+            </a:r>
+            <a:r>
+              <a:rPr lang="en-US" dirty="0" err="1">
+                <a:solidFill>
+                  <a:srgbClr val="9CDCFE"/>
+                </a:solidFill>
+                <a:latin typeface="Consolas" panose="020B0609020204030204" pitchFamily="49" charset="0"/>
+              </a:rPr>
+              <a:t>e</a:t>
+            </a:r>
+            <a:r>
+              <a:rPr lang="en-US" dirty="0" err="1">
+                <a:solidFill>
+                  <a:srgbClr val="D4D4D4"/>
+                </a:solidFill>
+                <a:latin typeface="Consolas" panose="020B0609020204030204" pitchFamily="49" charset="0"/>
+              </a:rPr>
+              <a:t>.</a:t>
+            </a:r>
+            <a:r>
+              <a:rPr lang="en-US" dirty="0" err="1">
+                <a:solidFill>
+                  <a:srgbClr val="DCDCAA"/>
+                </a:solidFill>
+                <a:latin typeface="Consolas" panose="020B0609020204030204" pitchFamily="49" charset="0"/>
+              </a:rPr>
+              <a:t>stopPropagation</a:t>
+            </a:r>
+            <a:r>
+              <a:rPr lang="en-US" dirty="0">
+                <a:solidFill>
+                  <a:srgbClr val="D4D4D4"/>
+                </a:solidFill>
+                <a:latin typeface="Consolas" panose="020B0609020204030204" pitchFamily="49" charset="0"/>
+              </a:rPr>
+              <a:t>();</a:t>
+            </a:r>
+          </a:p>
+          <a:p>
+            <a:pPr marL="0" indent="0">
+              <a:buNone/>
+            </a:pPr>
+            <a:r>
+              <a:rPr lang="en-US" dirty="0">
+                <a:solidFill>
+                  <a:srgbClr val="D4D4D4"/>
+                </a:solidFill>
+                <a:latin typeface="Consolas" panose="020B0609020204030204" pitchFamily="49" charset="0"/>
+              </a:rPr>
+              <a:t>        </a:t>
+            </a:r>
+            <a:r>
+              <a:rPr lang="en-US" dirty="0">
+                <a:solidFill>
+                  <a:srgbClr val="569CD6"/>
+                </a:solidFill>
+                <a:latin typeface="Consolas" panose="020B0609020204030204" pitchFamily="49" charset="0"/>
+              </a:rPr>
+              <a:t>var</a:t>
+            </a:r>
+            <a:r>
+              <a:rPr lang="en-US" dirty="0">
+                <a:solidFill>
+                  <a:srgbClr val="D4D4D4"/>
+                </a:solidFill>
+                <a:latin typeface="Consolas" panose="020B0609020204030204" pitchFamily="49" charset="0"/>
+              </a:rPr>
+              <a:t> </a:t>
+            </a:r>
+            <a:r>
+              <a:rPr lang="en-US" dirty="0" err="1">
+                <a:solidFill>
+                  <a:srgbClr val="9CDCFE"/>
+                </a:solidFill>
+                <a:latin typeface="Consolas" panose="020B0609020204030204" pitchFamily="49" charset="0"/>
+              </a:rPr>
+              <a:t>currentEle</a:t>
+            </a:r>
+            <a:r>
+              <a:rPr lang="en-US" dirty="0">
+                <a:solidFill>
+                  <a:srgbClr val="D4D4D4"/>
+                </a:solidFill>
+                <a:latin typeface="Consolas" panose="020B0609020204030204" pitchFamily="49" charset="0"/>
+              </a:rPr>
+              <a:t> = </a:t>
+            </a:r>
+            <a:r>
+              <a:rPr lang="en-US" dirty="0">
+                <a:solidFill>
+                  <a:srgbClr val="DCDCAA"/>
+                </a:solidFill>
+                <a:latin typeface="Consolas" panose="020B0609020204030204" pitchFamily="49" charset="0"/>
+              </a:rPr>
+              <a:t>$</a:t>
+            </a:r>
+            <a:r>
+              <a:rPr lang="en-US" dirty="0">
+                <a:solidFill>
+                  <a:srgbClr val="D4D4D4"/>
+                </a:solidFill>
+                <a:latin typeface="Consolas" panose="020B0609020204030204" pitchFamily="49" charset="0"/>
+              </a:rPr>
+              <a:t>(</a:t>
+            </a:r>
+            <a:r>
+              <a:rPr lang="en-US" dirty="0">
+                <a:solidFill>
+                  <a:srgbClr val="569CD6"/>
+                </a:solidFill>
+                <a:latin typeface="Consolas" panose="020B0609020204030204" pitchFamily="49" charset="0"/>
+              </a:rPr>
+              <a:t>this</a:t>
+            </a:r>
+            <a:r>
+              <a:rPr lang="en-US" dirty="0">
+                <a:solidFill>
+                  <a:srgbClr val="D4D4D4"/>
+                </a:solidFill>
+                <a:latin typeface="Consolas" panose="020B0609020204030204" pitchFamily="49" charset="0"/>
+              </a:rPr>
+              <a:t>);</a:t>
+            </a:r>
+          </a:p>
+          <a:p>
+            <a:pPr marL="0" indent="0">
+              <a:buNone/>
+            </a:pPr>
+            <a:r>
+              <a:rPr lang="en-US" dirty="0">
+                <a:solidFill>
+                  <a:srgbClr val="D4D4D4"/>
+                </a:solidFill>
+                <a:latin typeface="Consolas" panose="020B0609020204030204" pitchFamily="49" charset="0"/>
+              </a:rPr>
+              <a:t>        </a:t>
+            </a:r>
+            <a:r>
+              <a:rPr lang="en-US" dirty="0">
+                <a:solidFill>
+                  <a:srgbClr val="569CD6"/>
+                </a:solidFill>
+                <a:latin typeface="Consolas" panose="020B0609020204030204" pitchFamily="49" charset="0"/>
+              </a:rPr>
+              <a:t>var</a:t>
+            </a:r>
+            <a:r>
+              <a:rPr lang="en-US" dirty="0">
+                <a:solidFill>
+                  <a:srgbClr val="D4D4D4"/>
+                </a:solidFill>
+                <a:latin typeface="Consolas" panose="020B0609020204030204" pitchFamily="49" charset="0"/>
+              </a:rPr>
+              <a:t> </a:t>
+            </a:r>
+            <a:r>
+              <a:rPr lang="en-US" dirty="0">
+                <a:solidFill>
+                  <a:srgbClr val="9CDCFE"/>
+                </a:solidFill>
+                <a:latin typeface="Consolas" panose="020B0609020204030204" pitchFamily="49" charset="0"/>
+              </a:rPr>
+              <a:t>value</a:t>
+            </a:r>
+            <a:r>
+              <a:rPr lang="en-US" dirty="0">
+                <a:solidFill>
+                  <a:srgbClr val="D4D4D4"/>
+                </a:solidFill>
+                <a:latin typeface="Consolas" panose="020B0609020204030204" pitchFamily="49" charset="0"/>
+              </a:rPr>
+              <a:t> = </a:t>
+            </a:r>
+            <a:r>
+              <a:rPr lang="en-US" dirty="0">
+                <a:solidFill>
+                  <a:srgbClr val="DCDCAA"/>
+                </a:solidFill>
+                <a:latin typeface="Consolas" panose="020B0609020204030204" pitchFamily="49" charset="0"/>
+              </a:rPr>
+              <a:t>$</a:t>
+            </a:r>
+            <a:r>
+              <a:rPr lang="en-US" dirty="0">
+                <a:solidFill>
+                  <a:srgbClr val="D4D4D4"/>
+                </a:solidFill>
+                <a:latin typeface="Consolas" panose="020B0609020204030204" pitchFamily="49" charset="0"/>
+              </a:rPr>
+              <a:t>(</a:t>
+            </a:r>
+            <a:r>
+              <a:rPr lang="en-US" dirty="0">
+                <a:solidFill>
+                  <a:srgbClr val="569CD6"/>
+                </a:solidFill>
+                <a:latin typeface="Consolas" panose="020B0609020204030204" pitchFamily="49" charset="0"/>
+              </a:rPr>
+              <a:t>this</a:t>
+            </a:r>
+            <a:r>
+              <a:rPr lang="en-US" dirty="0">
+                <a:solidFill>
+                  <a:srgbClr val="D4D4D4"/>
+                </a:solidFill>
+                <a:latin typeface="Consolas" panose="020B0609020204030204" pitchFamily="49" charset="0"/>
+              </a:rPr>
+              <a:t>).</a:t>
+            </a:r>
+            <a:r>
+              <a:rPr lang="en-US" dirty="0">
+                <a:solidFill>
+                  <a:srgbClr val="DCDCAA"/>
+                </a:solidFill>
+                <a:latin typeface="Consolas" panose="020B0609020204030204" pitchFamily="49" charset="0"/>
+              </a:rPr>
+              <a:t>html</a:t>
+            </a:r>
+            <a:r>
+              <a:rPr lang="en-US" dirty="0">
+                <a:solidFill>
+                  <a:srgbClr val="D4D4D4"/>
+                </a:solidFill>
+                <a:latin typeface="Consolas" panose="020B0609020204030204" pitchFamily="49" charset="0"/>
+              </a:rPr>
+              <a:t>();</a:t>
+            </a:r>
+          </a:p>
+          <a:p>
+            <a:pPr marL="0" indent="0">
+              <a:buNone/>
+            </a:pPr>
+            <a:r>
+              <a:rPr lang="en-US" dirty="0">
+                <a:solidFill>
+                  <a:srgbClr val="D4D4D4"/>
+                </a:solidFill>
+                <a:latin typeface="Consolas" panose="020B0609020204030204" pitchFamily="49" charset="0"/>
+              </a:rPr>
+              <a:t>        </a:t>
+            </a:r>
+            <a:r>
+              <a:rPr lang="en-US" dirty="0" err="1">
+                <a:solidFill>
+                  <a:srgbClr val="DCDCAA"/>
+                </a:solidFill>
+                <a:latin typeface="Consolas" panose="020B0609020204030204" pitchFamily="49" charset="0"/>
+              </a:rPr>
+              <a:t>updateVal</a:t>
+            </a:r>
+            <a:r>
+              <a:rPr lang="en-US" dirty="0">
+                <a:solidFill>
+                  <a:srgbClr val="D4D4D4"/>
+                </a:solidFill>
+                <a:latin typeface="Consolas" panose="020B0609020204030204" pitchFamily="49" charset="0"/>
+              </a:rPr>
+              <a:t>(</a:t>
+            </a:r>
+            <a:r>
+              <a:rPr lang="en-US" dirty="0" err="1">
+                <a:solidFill>
+                  <a:srgbClr val="9CDCFE"/>
+                </a:solidFill>
+                <a:latin typeface="Consolas" panose="020B0609020204030204" pitchFamily="49" charset="0"/>
+              </a:rPr>
+              <a:t>currentEle</a:t>
+            </a:r>
+            <a:r>
+              <a:rPr lang="en-US" dirty="0">
+                <a:solidFill>
+                  <a:srgbClr val="D4D4D4"/>
+                </a:solidFill>
+                <a:latin typeface="Consolas" panose="020B0609020204030204" pitchFamily="49" charset="0"/>
+              </a:rPr>
+              <a:t>, </a:t>
+            </a:r>
+            <a:r>
+              <a:rPr lang="en-US" dirty="0">
+                <a:solidFill>
+                  <a:srgbClr val="9CDCFE"/>
+                </a:solidFill>
+                <a:latin typeface="Consolas" panose="020B0609020204030204" pitchFamily="49" charset="0"/>
+              </a:rPr>
+              <a:t>value</a:t>
+            </a:r>
+            <a:r>
+              <a:rPr lang="en-US" dirty="0">
+                <a:solidFill>
+                  <a:srgbClr val="D4D4D4"/>
+                </a:solidFill>
+                <a:latin typeface="Consolas" panose="020B0609020204030204" pitchFamily="49" charset="0"/>
+              </a:rPr>
+              <a:t>);</a:t>
+            </a:r>
+          </a:p>
+          <a:p>
+            <a:pPr marL="0" indent="0">
+              <a:buNone/>
+            </a:pPr>
+            <a:r>
+              <a:rPr lang="en-US" dirty="0">
+                <a:solidFill>
+                  <a:srgbClr val="D4D4D4"/>
+                </a:solidFill>
+                <a:latin typeface="Consolas" panose="020B0609020204030204" pitchFamily="49" charset="0"/>
+              </a:rPr>
+              <a:t>    });</a:t>
+            </a:r>
+          </a:p>
+          <a:p>
+            <a:pPr marL="0" indent="0">
+              <a:buNone/>
+            </a:pPr>
+            <a:r>
+              <a:rPr lang="en-US" dirty="0">
+                <a:solidFill>
+                  <a:srgbClr val="D4D4D4"/>
+                </a:solidFill>
+                <a:latin typeface="Consolas" panose="020B0609020204030204" pitchFamily="49" charset="0"/>
+              </a:rPr>
+              <a:t>});</a:t>
+            </a:r>
+          </a:p>
+          <a:p>
+            <a:pPr marL="0" indent="0">
+              <a:buNone/>
+            </a:pPr>
+            <a:br>
+              <a:rPr lang="en-US" dirty="0">
+                <a:solidFill>
+                  <a:srgbClr val="D4D4D4"/>
+                </a:solidFill>
+                <a:latin typeface="Consolas" panose="020B0609020204030204" pitchFamily="49" charset="0"/>
+              </a:rPr>
+            </a:br>
+            <a:r>
+              <a:rPr lang="en-US" dirty="0">
+                <a:solidFill>
+                  <a:srgbClr val="569CD6"/>
+                </a:solidFill>
+                <a:latin typeface="Consolas" panose="020B0609020204030204" pitchFamily="49" charset="0"/>
+              </a:rPr>
+              <a:t>function</a:t>
+            </a:r>
+            <a:r>
+              <a:rPr lang="en-US" dirty="0">
+                <a:solidFill>
+                  <a:srgbClr val="D4D4D4"/>
+                </a:solidFill>
+                <a:latin typeface="Consolas" panose="020B0609020204030204" pitchFamily="49" charset="0"/>
+              </a:rPr>
+              <a:t> </a:t>
+            </a:r>
+            <a:r>
+              <a:rPr lang="en-US" dirty="0" err="1">
+                <a:solidFill>
+                  <a:srgbClr val="DCDCAA"/>
+                </a:solidFill>
+                <a:latin typeface="Consolas" panose="020B0609020204030204" pitchFamily="49" charset="0"/>
+              </a:rPr>
+              <a:t>updateVal</a:t>
+            </a:r>
+            <a:r>
+              <a:rPr lang="en-US" dirty="0">
+                <a:solidFill>
+                  <a:srgbClr val="D4D4D4"/>
+                </a:solidFill>
+                <a:latin typeface="Consolas" panose="020B0609020204030204" pitchFamily="49" charset="0"/>
+              </a:rPr>
+              <a:t>(</a:t>
+            </a:r>
+            <a:r>
+              <a:rPr lang="en-US" dirty="0" err="1">
+                <a:solidFill>
+                  <a:srgbClr val="9CDCFE"/>
+                </a:solidFill>
+                <a:latin typeface="Consolas" panose="020B0609020204030204" pitchFamily="49" charset="0"/>
+              </a:rPr>
+              <a:t>currentEle</a:t>
+            </a:r>
+            <a:r>
+              <a:rPr lang="en-US" dirty="0">
+                <a:solidFill>
+                  <a:srgbClr val="D4D4D4"/>
+                </a:solidFill>
+                <a:latin typeface="Consolas" panose="020B0609020204030204" pitchFamily="49" charset="0"/>
+              </a:rPr>
+              <a:t>, </a:t>
+            </a:r>
+            <a:r>
+              <a:rPr lang="en-US" dirty="0">
+                <a:solidFill>
+                  <a:srgbClr val="9CDCFE"/>
+                </a:solidFill>
+                <a:latin typeface="Consolas" panose="020B0609020204030204" pitchFamily="49" charset="0"/>
+              </a:rPr>
+              <a:t>value</a:t>
+            </a:r>
+            <a:r>
+              <a:rPr lang="en-US" dirty="0">
+                <a:solidFill>
+                  <a:srgbClr val="D4D4D4"/>
+                </a:solidFill>
+                <a:latin typeface="Consolas" panose="020B0609020204030204" pitchFamily="49" charset="0"/>
+              </a:rPr>
+              <a:t>) {</a:t>
+            </a:r>
+          </a:p>
+          <a:p>
+            <a:pPr marL="0" indent="0">
+              <a:buNone/>
+            </a:pPr>
+            <a:r>
+              <a:rPr lang="en-US" dirty="0">
+                <a:solidFill>
+                  <a:srgbClr val="D4D4D4"/>
+                </a:solidFill>
+                <a:latin typeface="Consolas" panose="020B0609020204030204" pitchFamily="49" charset="0"/>
+              </a:rPr>
+              <a:t>    </a:t>
+            </a:r>
+            <a:r>
+              <a:rPr lang="en-US" dirty="0">
+                <a:solidFill>
+                  <a:srgbClr val="DCDCAA"/>
+                </a:solidFill>
+                <a:latin typeface="Consolas" panose="020B0609020204030204" pitchFamily="49" charset="0"/>
+              </a:rPr>
+              <a:t>$</a:t>
+            </a:r>
+            <a:r>
+              <a:rPr lang="en-US" dirty="0">
+                <a:solidFill>
+                  <a:srgbClr val="D4D4D4"/>
+                </a:solidFill>
+                <a:latin typeface="Consolas" panose="020B0609020204030204" pitchFamily="49" charset="0"/>
+              </a:rPr>
+              <a:t>(</a:t>
+            </a:r>
+            <a:r>
+              <a:rPr lang="en-US" dirty="0" err="1">
+                <a:solidFill>
+                  <a:srgbClr val="9CDCFE"/>
+                </a:solidFill>
+                <a:latin typeface="Consolas" panose="020B0609020204030204" pitchFamily="49" charset="0"/>
+              </a:rPr>
+              <a:t>currentEle</a:t>
+            </a:r>
+            <a:r>
+              <a:rPr lang="en-US" dirty="0">
+                <a:solidFill>
+                  <a:srgbClr val="D4D4D4"/>
+                </a:solidFill>
+                <a:latin typeface="Consolas" panose="020B0609020204030204" pitchFamily="49" charset="0"/>
+              </a:rPr>
+              <a:t>).</a:t>
+            </a:r>
+            <a:r>
+              <a:rPr lang="en-US" dirty="0">
+                <a:solidFill>
+                  <a:srgbClr val="DCDCAA"/>
+                </a:solidFill>
+                <a:latin typeface="Consolas" panose="020B0609020204030204" pitchFamily="49" charset="0"/>
+              </a:rPr>
+              <a:t>html</a:t>
+            </a:r>
+            <a:r>
+              <a:rPr lang="en-US" dirty="0">
+                <a:solidFill>
+                  <a:srgbClr val="D4D4D4"/>
+                </a:solidFill>
+                <a:latin typeface="Consolas" panose="020B0609020204030204" pitchFamily="49" charset="0"/>
+              </a:rPr>
+              <a:t>(</a:t>
+            </a:r>
+            <a:r>
+              <a:rPr lang="en-US" dirty="0">
+                <a:solidFill>
+                  <a:srgbClr val="CE9178"/>
+                </a:solidFill>
+                <a:latin typeface="Consolas" panose="020B0609020204030204" pitchFamily="49" charset="0"/>
+              </a:rPr>
+              <a:t>'&lt;input class="</a:t>
+            </a:r>
+            <a:r>
+              <a:rPr lang="en-US" dirty="0" err="1">
+                <a:solidFill>
+                  <a:srgbClr val="CE9178"/>
+                </a:solidFill>
+                <a:latin typeface="Consolas" panose="020B0609020204030204" pitchFamily="49" charset="0"/>
+              </a:rPr>
+              <a:t>thVal</a:t>
+            </a:r>
+            <a:r>
+              <a:rPr lang="en-US" dirty="0">
+                <a:solidFill>
+                  <a:srgbClr val="CE9178"/>
+                </a:solidFill>
+                <a:latin typeface="Consolas" panose="020B0609020204030204" pitchFamily="49" charset="0"/>
+              </a:rPr>
+              <a:t>" type="text" value="'</a:t>
+            </a:r>
+            <a:r>
+              <a:rPr lang="en-US" dirty="0">
+                <a:solidFill>
+                  <a:srgbClr val="D4D4D4"/>
+                </a:solidFill>
+                <a:latin typeface="Consolas" panose="020B0609020204030204" pitchFamily="49" charset="0"/>
+              </a:rPr>
+              <a:t> + </a:t>
+            </a:r>
+            <a:r>
+              <a:rPr lang="en-US" dirty="0">
+                <a:solidFill>
+                  <a:srgbClr val="9CDCFE"/>
+                </a:solidFill>
+                <a:latin typeface="Consolas" panose="020B0609020204030204" pitchFamily="49" charset="0"/>
+              </a:rPr>
+              <a:t>value</a:t>
+            </a:r>
+            <a:r>
+              <a:rPr lang="en-US" dirty="0">
+                <a:solidFill>
+                  <a:srgbClr val="D4D4D4"/>
+                </a:solidFill>
+                <a:latin typeface="Consolas" panose="020B0609020204030204" pitchFamily="49" charset="0"/>
+              </a:rPr>
+              <a:t> + </a:t>
+            </a:r>
+            <a:r>
+              <a:rPr lang="en-US" dirty="0">
+                <a:solidFill>
+                  <a:srgbClr val="CE9178"/>
+                </a:solidFill>
+                <a:latin typeface="Consolas" panose="020B0609020204030204" pitchFamily="49" charset="0"/>
+              </a:rPr>
+              <a:t>'" /&gt;'</a:t>
+            </a:r>
+            <a:r>
+              <a:rPr lang="en-US" dirty="0">
+                <a:solidFill>
+                  <a:srgbClr val="D4D4D4"/>
+                </a:solidFill>
+                <a:latin typeface="Consolas" panose="020B0609020204030204" pitchFamily="49" charset="0"/>
+              </a:rPr>
+              <a:t>);</a:t>
+            </a:r>
+          </a:p>
+          <a:p>
+            <a:pPr marL="0" indent="0">
+              <a:buNone/>
+            </a:pPr>
+            <a:r>
+              <a:rPr lang="en-US" dirty="0">
+                <a:solidFill>
+                  <a:srgbClr val="D4D4D4"/>
+                </a:solidFill>
+                <a:latin typeface="Consolas" panose="020B0609020204030204" pitchFamily="49" charset="0"/>
+              </a:rPr>
+              <a:t>    </a:t>
+            </a:r>
+            <a:r>
+              <a:rPr lang="en-US" dirty="0">
+                <a:solidFill>
+                  <a:srgbClr val="DCDCAA"/>
+                </a:solidFill>
+                <a:latin typeface="Consolas" panose="020B0609020204030204" pitchFamily="49" charset="0"/>
+              </a:rPr>
+              <a:t>$</a:t>
+            </a:r>
+            <a:r>
+              <a:rPr lang="en-US" dirty="0">
+                <a:solidFill>
+                  <a:srgbClr val="D4D4D4"/>
+                </a:solidFill>
+                <a:latin typeface="Consolas" panose="020B0609020204030204" pitchFamily="49" charset="0"/>
+              </a:rPr>
+              <a:t>(</a:t>
+            </a:r>
+            <a:r>
+              <a:rPr lang="en-US" dirty="0">
+                <a:solidFill>
+                  <a:srgbClr val="CE9178"/>
+                </a:solidFill>
+                <a:latin typeface="Consolas" panose="020B0609020204030204" pitchFamily="49" charset="0"/>
+              </a:rPr>
+              <a:t>".</a:t>
+            </a:r>
+            <a:r>
+              <a:rPr lang="en-US" dirty="0" err="1">
+                <a:solidFill>
+                  <a:srgbClr val="CE9178"/>
+                </a:solidFill>
+                <a:latin typeface="Consolas" panose="020B0609020204030204" pitchFamily="49" charset="0"/>
+              </a:rPr>
+              <a:t>thVal</a:t>
+            </a:r>
+            <a:r>
+              <a:rPr lang="en-US" dirty="0">
+                <a:solidFill>
+                  <a:srgbClr val="CE9178"/>
+                </a:solidFill>
+                <a:latin typeface="Consolas" panose="020B0609020204030204" pitchFamily="49" charset="0"/>
+              </a:rPr>
+              <a:t>"</a:t>
+            </a:r>
+            <a:r>
+              <a:rPr lang="en-US" dirty="0">
+                <a:solidFill>
+                  <a:srgbClr val="D4D4D4"/>
+                </a:solidFill>
+                <a:latin typeface="Consolas" panose="020B0609020204030204" pitchFamily="49" charset="0"/>
+              </a:rPr>
+              <a:t>).</a:t>
+            </a:r>
+            <a:r>
+              <a:rPr lang="en-US" dirty="0">
+                <a:solidFill>
+                  <a:srgbClr val="DCDCAA"/>
+                </a:solidFill>
+                <a:latin typeface="Consolas" panose="020B0609020204030204" pitchFamily="49" charset="0"/>
+              </a:rPr>
+              <a:t>focus</a:t>
+            </a:r>
+            <a:r>
+              <a:rPr lang="en-US" dirty="0">
+                <a:solidFill>
+                  <a:srgbClr val="D4D4D4"/>
+                </a:solidFill>
+                <a:latin typeface="Consolas" panose="020B0609020204030204" pitchFamily="49" charset="0"/>
+              </a:rPr>
+              <a:t>();</a:t>
+            </a:r>
+          </a:p>
+          <a:p>
+            <a:pPr marL="0" indent="0">
+              <a:buNone/>
+            </a:pPr>
+            <a:r>
+              <a:rPr lang="en-US" dirty="0">
+                <a:solidFill>
+                  <a:srgbClr val="D4D4D4"/>
+                </a:solidFill>
+                <a:latin typeface="Consolas" panose="020B0609020204030204" pitchFamily="49" charset="0"/>
+              </a:rPr>
+              <a:t>    </a:t>
+            </a:r>
+            <a:r>
+              <a:rPr lang="en-US" dirty="0">
+                <a:solidFill>
+                  <a:srgbClr val="DCDCAA"/>
+                </a:solidFill>
+                <a:latin typeface="Consolas" panose="020B0609020204030204" pitchFamily="49" charset="0"/>
+              </a:rPr>
+              <a:t>$</a:t>
+            </a:r>
+            <a:r>
+              <a:rPr lang="en-US" dirty="0">
+                <a:solidFill>
+                  <a:srgbClr val="D4D4D4"/>
+                </a:solidFill>
+                <a:latin typeface="Consolas" panose="020B0609020204030204" pitchFamily="49" charset="0"/>
+              </a:rPr>
+              <a:t>(</a:t>
+            </a:r>
+            <a:r>
+              <a:rPr lang="en-US" dirty="0">
+                <a:solidFill>
+                  <a:srgbClr val="CE9178"/>
+                </a:solidFill>
+                <a:latin typeface="Consolas" panose="020B0609020204030204" pitchFamily="49" charset="0"/>
+              </a:rPr>
+              <a:t>".</a:t>
+            </a:r>
+            <a:r>
+              <a:rPr lang="en-US" dirty="0" err="1">
+                <a:solidFill>
+                  <a:srgbClr val="CE9178"/>
+                </a:solidFill>
+                <a:latin typeface="Consolas" panose="020B0609020204030204" pitchFamily="49" charset="0"/>
+              </a:rPr>
+              <a:t>thVal</a:t>
+            </a:r>
+            <a:r>
+              <a:rPr lang="en-US" dirty="0">
+                <a:solidFill>
+                  <a:srgbClr val="CE9178"/>
+                </a:solidFill>
+                <a:latin typeface="Consolas" panose="020B0609020204030204" pitchFamily="49" charset="0"/>
+              </a:rPr>
+              <a:t>"</a:t>
+            </a:r>
+            <a:r>
+              <a:rPr lang="en-US" dirty="0">
+                <a:solidFill>
+                  <a:srgbClr val="D4D4D4"/>
+                </a:solidFill>
+                <a:latin typeface="Consolas" panose="020B0609020204030204" pitchFamily="49" charset="0"/>
+              </a:rPr>
+              <a:t>).</a:t>
+            </a:r>
+            <a:r>
+              <a:rPr lang="en-US" dirty="0" err="1">
+                <a:solidFill>
+                  <a:srgbClr val="DCDCAA"/>
+                </a:solidFill>
+                <a:latin typeface="Consolas" panose="020B0609020204030204" pitchFamily="49" charset="0"/>
+              </a:rPr>
+              <a:t>keyup</a:t>
+            </a:r>
+            <a:r>
+              <a:rPr lang="en-US" dirty="0">
+                <a:solidFill>
+                  <a:srgbClr val="D4D4D4"/>
+                </a:solidFill>
+                <a:latin typeface="Consolas" panose="020B0609020204030204" pitchFamily="49" charset="0"/>
+              </a:rPr>
+              <a:t>(</a:t>
+            </a:r>
+            <a:r>
+              <a:rPr lang="en-US" dirty="0">
+                <a:solidFill>
+                  <a:srgbClr val="569CD6"/>
+                </a:solidFill>
+                <a:latin typeface="Consolas" panose="020B0609020204030204" pitchFamily="49" charset="0"/>
+              </a:rPr>
+              <a:t>function</a:t>
+            </a:r>
+            <a:r>
+              <a:rPr lang="en-US" dirty="0">
+                <a:solidFill>
+                  <a:srgbClr val="D4D4D4"/>
+                </a:solidFill>
+                <a:latin typeface="Consolas" panose="020B0609020204030204" pitchFamily="49" charset="0"/>
+              </a:rPr>
+              <a:t> (</a:t>
+            </a:r>
+            <a:r>
+              <a:rPr lang="en-US" dirty="0">
+                <a:solidFill>
+                  <a:srgbClr val="9CDCFE"/>
+                </a:solidFill>
+                <a:latin typeface="Consolas" panose="020B0609020204030204" pitchFamily="49" charset="0"/>
+              </a:rPr>
+              <a:t>event</a:t>
+            </a:r>
+            <a:r>
+              <a:rPr lang="en-US" dirty="0">
+                <a:solidFill>
+                  <a:srgbClr val="D4D4D4"/>
+                </a:solidFill>
+                <a:latin typeface="Consolas" panose="020B0609020204030204" pitchFamily="49" charset="0"/>
+              </a:rPr>
+              <a:t>) {</a:t>
+            </a:r>
+          </a:p>
+          <a:p>
+            <a:pPr marL="0" indent="0">
+              <a:buNone/>
+            </a:pPr>
+            <a:r>
+              <a:rPr lang="en-US" dirty="0">
+                <a:solidFill>
+                  <a:srgbClr val="D4D4D4"/>
+                </a:solidFill>
+                <a:latin typeface="Consolas" panose="020B0609020204030204" pitchFamily="49" charset="0"/>
+              </a:rPr>
+              <a:t>        </a:t>
+            </a:r>
+            <a:r>
+              <a:rPr lang="en-US" dirty="0">
+                <a:solidFill>
+                  <a:srgbClr val="C586C0"/>
+                </a:solidFill>
+                <a:latin typeface="Consolas" panose="020B0609020204030204" pitchFamily="49" charset="0"/>
+              </a:rPr>
+              <a:t>if</a:t>
+            </a:r>
+            <a:r>
+              <a:rPr lang="en-US" dirty="0">
+                <a:solidFill>
+                  <a:srgbClr val="D4D4D4"/>
+                </a:solidFill>
+                <a:latin typeface="Consolas" panose="020B0609020204030204" pitchFamily="49" charset="0"/>
+              </a:rPr>
+              <a:t> (</a:t>
+            </a:r>
+            <a:r>
+              <a:rPr lang="en-US" dirty="0" err="1">
+                <a:solidFill>
+                  <a:srgbClr val="9CDCFE"/>
+                </a:solidFill>
+                <a:latin typeface="Consolas" panose="020B0609020204030204" pitchFamily="49" charset="0"/>
+              </a:rPr>
+              <a:t>event</a:t>
+            </a:r>
+            <a:r>
+              <a:rPr lang="en-US" dirty="0" err="1">
+                <a:solidFill>
+                  <a:srgbClr val="D4D4D4"/>
+                </a:solidFill>
+                <a:latin typeface="Consolas" panose="020B0609020204030204" pitchFamily="49" charset="0"/>
+              </a:rPr>
+              <a:t>.</a:t>
+            </a:r>
+            <a:r>
+              <a:rPr lang="en-US" dirty="0" err="1">
+                <a:solidFill>
+                  <a:srgbClr val="9CDCFE"/>
+                </a:solidFill>
+                <a:latin typeface="Consolas" panose="020B0609020204030204" pitchFamily="49" charset="0"/>
+              </a:rPr>
+              <a:t>keyCode</a:t>
+            </a:r>
+            <a:r>
+              <a:rPr lang="en-US" dirty="0">
+                <a:solidFill>
+                  <a:srgbClr val="D4D4D4"/>
+                </a:solidFill>
+                <a:latin typeface="Consolas" panose="020B0609020204030204" pitchFamily="49" charset="0"/>
+              </a:rPr>
+              <a:t> == </a:t>
+            </a:r>
+            <a:r>
+              <a:rPr lang="en-US" dirty="0">
+                <a:solidFill>
+                  <a:srgbClr val="B5CEA8"/>
+                </a:solidFill>
+                <a:latin typeface="Consolas" panose="020B0609020204030204" pitchFamily="49" charset="0"/>
+              </a:rPr>
+              <a:t>13</a:t>
+            </a:r>
+            <a:r>
+              <a:rPr lang="en-US" dirty="0">
+                <a:solidFill>
+                  <a:srgbClr val="D4D4D4"/>
+                </a:solidFill>
+                <a:latin typeface="Consolas" panose="020B0609020204030204" pitchFamily="49" charset="0"/>
+              </a:rPr>
+              <a:t>) {</a:t>
+            </a:r>
+          </a:p>
+          <a:p>
+            <a:pPr marL="0" indent="0">
+              <a:buNone/>
+            </a:pPr>
+            <a:r>
+              <a:rPr lang="en-US" dirty="0">
+                <a:solidFill>
+                  <a:srgbClr val="D4D4D4"/>
+                </a:solidFill>
+                <a:latin typeface="Consolas" panose="020B0609020204030204" pitchFamily="49" charset="0"/>
+              </a:rPr>
+              <a:t>            </a:t>
+            </a:r>
+            <a:r>
+              <a:rPr lang="en-US" dirty="0">
+                <a:solidFill>
+                  <a:srgbClr val="DCDCAA"/>
+                </a:solidFill>
+                <a:latin typeface="Consolas" panose="020B0609020204030204" pitchFamily="49" charset="0"/>
+              </a:rPr>
+              <a:t>$</a:t>
+            </a:r>
+            <a:r>
+              <a:rPr lang="en-US" dirty="0">
+                <a:solidFill>
+                  <a:srgbClr val="D4D4D4"/>
+                </a:solidFill>
+                <a:latin typeface="Consolas" panose="020B0609020204030204" pitchFamily="49" charset="0"/>
+              </a:rPr>
+              <a:t>(</a:t>
+            </a:r>
+            <a:r>
+              <a:rPr lang="en-US" dirty="0" err="1">
+                <a:solidFill>
+                  <a:srgbClr val="9CDCFE"/>
+                </a:solidFill>
+                <a:latin typeface="Consolas" panose="020B0609020204030204" pitchFamily="49" charset="0"/>
+              </a:rPr>
+              <a:t>currentEle</a:t>
+            </a:r>
+            <a:r>
+              <a:rPr lang="en-US" dirty="0">
+                <a:solidFill>
+                  <a:srgbClr val="D4D4D4"/>
+                </a:solidFill>
+                <a:latin typeface="Consolas" panose="020B0609020204030204" pitchFamily="49" charset="0"/>
+              </a:rPr>
+              <a:t>).</a:t>
+            </a:r>
+            <a:r>
+              <a:rPr lang="en-US" dirty="0">
+                <a:solidFill>
+                  <a:srgbClr val="DCDCAA"/>
+                </a:solidFill>
+                <a:latin typeface="Consolas" panose="020B0609020204030204" pitchFamily="49" charset="0"/>
+              </a:rPr>
+              <a:t>html</a:t>
+            </a:r>
+            <a:r>
+              <a:rPr lang="en-US" dirty="0">
+                <a:solidFill>
+                  <a:srgbClr val="D4D4D4"/>
+                </a:solidFill>
+                <a:latin typeface="Consolas" panose="020B0609020204030204" pitchFamily="49" charset="0"/>
+              </a:rPr>
+              <a:t>(</a:t>
+            </a:r>
+            <a:r>
+              <a:rPr lang="en-US" dirty="0">
+                <a:solidFill>
+                  <a:srgbClr val="DCDCAA"/>
+                </a:solidFill>
+                <a:latin typeface="Consolas" panose="020B0609020204030204" pitchFamily="49" charset="0"/>
+              </a:rPr>
+              <a:t>$</a:t>
+            </a:r>
+            <a:r>
+              <a:rPr lang="en-US" dirty="0">
+                <a:solidFill>
+                  <a:srgbClr val="D4D4D4"/>
+                </a:solidFill>
+                <a:latin typeface="Consolas" panose="020B0609020204030204" pitchFamily="49" charset="0"/>
+              </a:rPr>
+              <a:t>(</a:t>
+            </a:r>
+            <a:r>
+              <a:rPr lang="en-US" dirty="0">
+                <a:solidFill>
+                  <a:srgbClr val="CE9178"/>
+                </a:solidFill>
+                <a:latin typeface="Consolas" panose="020B0609020204030204" pitchFamily="49" charset="0"/>
+              </a:rPr>
+              <a:t>".</a:t>
+            </a:r>
+            <a:r>
+              <a:rPr lang="en-US" dirty="0" err="1">
+                <a:solidFill>
+                  <a:srgbClr val="CE9178"/>
+                </a:solidFill>
+                <a:latin typeface="Consolas" panose="020B0609020204030204" pitchFamily="49" charset="0"/>
+              </a:rPr>
+              <a:t>thVal</a:t>
+            </a:r>
+            <a:r>
+              <a:rPr lang="en-US" dirty="0">
+                <a:solidFill>
+                  <a:srgbClr val="CE9178"/>
+                </a:solidFill>
+                <a:latin typeface="Consolas" panose="020B0609020204030204" pitchFamily="49" charset="0"/>
+              </a:rPr>
+              <a:t>"</a:t>
+            </a:r>
+            <a:r>
+              <a:rPr lang="en-US" dirty="0">
+                <a:solidFill>
+                  <a:srgbClr val="D4D4D4"/>
+                </a:solidFill>
+                <a:latin typeface="Consolas" panose="020B0609020204030204" pitchFamily="49" charset="0"/>
+              </a:rPr>
+              <a:t>).</a:t>
+            </a:r>
+            <a:r>
+              <a:rPr lang="en-US" dirty="0" err="1">
+                <a:solidFill>
+                  <a:srgbClr val="DCDCAA"/>
+                </a:solidFill>
+                <a:latin typeface="Consolas" panose="020B0609020204030204" pitchFamily="49" charset="0"/>
+              </a:rPr>
+              <a:t>val</a:t>
+            </a:r>
+            <a:r>
+              <a:rPr lang="en-US" dirty="0">
+                <a:solidFill>
+                  <a:srgbClr val="D4D4D4"/>
+                </a:solidFill>
+                <a:latin typeface="Consolas" panose="020B0609020204030204" pitchFamily="49" charset="0"/>
+              </a:rPr>
+              <a:t>().</a:t>
+            </a:r>
+            <a:r>
+              <a:rPr lang="en-US" dirty="0">
+                <a:solidFill>
+                  <a:srgbClr val="DCDCAA"/>
+                </a:solidFill>
+                <a:latin typeface="Consolas" panose="020B0609020204030204" pitchFamily="49" charset="0"/>
+              </a:rPr>
+              <a:t>trim</a:t>
+            </a:r>
+            <a:r>
+              <a:rPr lang="en-US" dirty="0">
+                <a:solidFill>
+                  <a:srgbClr val="D4D4D4"/>
+                </a:solidFill>
+                <a:latin typeface="Consolas" panose="020B0609020204030204" pitchFamily="49" charset="0"/>
+              </a:rPr>
+              <a:t>());</a:t>
+            </a:r>
+          </a:p>
+          <a:p>
+            <a:pPr marL="0" indent="0">
+              <a:buNone/>
+            </a:pPr>
+            <a:r>
+              <a:rPr lang="en-US" dirty="0">
+                <a:solidFill>
+                  <a:srgbClr val="D4D4D4"/>
+                </a:solidFill>
+                <a:latin typeface="Consolas" panose="020B0609020204030204" pitchFamily="49" charset="0"/>
+              </a:rPr>
+              <a:t>        }</a:t>
+            </a:r>
+          </a:p>
+          <a:p>
+            <a:pPr marL="0" indent="0">
+              <a:buNone/>
+            </a:pPr>
+            <a:r>
+              <a:rPr lang="en-US" dirty="0">
+                <a:solidFill>
+                  <a:srgbClr val="D4D4D4"/>
+                </a:solidFill>
+                <a:latin typeface="Consolas" panose="020B0609020204030204" pitchFamily="49" charset="0"/>
+              </a:rPr>
+              <a:t>    });</a:t>
+            </a:r>
+          </a:p>
+          <a:p>
+            <a:pPr marL="0" indent="0">
+              <a:buNone/>
+            </a:pPr>
+            <a:br>
+              <a:rPr lang="en-US" dirty="0">
+                <a:solidFill>
+                  <a:srgbClr val="D4D4D4"/>
+                </a:solidFill>
+                <a:latin typeface="Consolas" panose="020B0609020204030204" pitchFamily="49" charset="0"/>
+              </a:rPr>
+            </a:br>
+            <a:r>
+              <a:rPr lang="en-US" dirty="0">
+                <a:solidFill>
+                  <a:srgbClr val="D4D4D4"/>
+                </a:solidFill>
+                <a:latin typeface="Consolas" panose="020B0609020204030204" pitchFamily="49" charset="0"/>
+              </a:rPr>
+              <a:t>    </a:t>
+            </a:r>
+            <a:r>
+              <a:rPr lang="en-US" dirty="0">
+                <a:solidFill>
+                  <a:srgbClr val="DCDCAA"/>
+                </a:solidFill>
+                <a:latin typeface="Consolas" panose="020B0609020204030204" pitchFamily="49" charset="0"/>
+              </a:rPr>
+              <a:t>$</a:t>
+            </a:r>
+            <a:r>
+              <a:rPr lang="en-US" dirty="0">
+                <a:solidFill>
+                  <a:srgbClr val="D4D4D4"/>
+                </a:solidFill>
+                <a:latin typeface="Consolas" panose="020B0609020204030204" pitchFamily="49" charset="0"/>
+              </a:rPr>
+              <a:t>(</a:t>
+            </a:r>
+            <a:r>
+              <a:rPr lang="en-US" dirty="0">
+                <a:solidFill>
+                  <a:srgbClr val="9CDCFE"/>
+                </a:solidFill>
+                <a:latin typeface="Consolas" panose="020B0609020204030204" pitchFamily="49" charset="0"/>
+              </a:rPr>
+              <a:t>document</a:t>
+            </a:r>
+            <a:r>
+              <a:rPr lang="en-US" dirty="0">
+                <a:solidFill>
+                  <a:srgbClr val="D4D4D4"/>
+                </a:solidFill>
+                <a:latin typeface="Consolas" panose="020B0609020204030204" pitchFamily="49" charset="0"/>
+              </a:rPr>
+              <a:t>).</a:t>
+            </a:r>
+            <a:r>
+              <a:rPr lang="en-US" dirty="0">
+                <a:solidFill>
+                  <a:srgbClr val="DCDCAA"/>
+                </a:solidFill>
+                <a:latin typeface="Consolas" panose="020B0609020204030204" pitchFamily="49" charset="0"/>
+              </a:rPr>
+              <a:t>click</a:t>
+            </a:r>
+            <a:r>
+              <a:rPr lang="en-US" dirty="0">
+                <a:solidFill>
+                  <a:srgbClr val="D4D4D4"/>
+                </a:solidFill>
+                <a:latin typeface="Consolas" panose="020B0609020204030204" pitchFamily="49" charset="0"/>
+              </a:rPr>
+              <a:t>(</a:t>
+            </a:r>
+            <a:r>
+              <a:rPr lang="en-US" dirty="0">
+                <a:solidFill>
+                  <a:srgbClr val="569CD6"/>
+                </a:solidFill>
+                <a:latin typeface="Consolas" panose="020B0609020204030204" pitchFamily="49" charset="0"/>
+              </a:rPr>
+              <a:t>function</a:t>
+            </a:r>
+            <a:r>
+              <a:rPr lang="en-US" dirty="0">
+                <a:solidFill>
+                  <a:srgbClr val="D4D4D4"/>
+                </a:solidFill>
+                <a:latin typeface="Consolas" panose="020B0609020204030204" pitchFamily="49" charset="0"/>
+              </a:rPr>
+              <a:t> () {</a:t>
+            </a:r>
+          </a:p>
+          <a:p>
+            <a:pPr marL="0" indent="0">
+              <a:buNone/>
+            </a:pPr>
+            <a:r>
+              <a:rPr lang="en-US" dirty="0">
+                <a:solidFill>
+                  <a:srgbClr val="D4D4D4"/>
+                </a:solidFill>
+                <a:latin typeface="Consolas" panose="020B0609020204030204" pitchFamily="49" charset="0"/>
+              </a:rPr>
+              <a:t>            </a:t>
+            </a:r>
+            <a:r>
+              <a:rPr lang="en-US" dirty="0">
+                <a:solidFill>
+                  <a:srgbClr val="DCDCAA"/>
+                </a:solidFill>
+                <a:latin typeface="Consolas" panose="020B0609020204030204" pitchFamily="49" charset="0"/>
+              </a:rPr>
+              <a:t>$</a:t>
+            </a:r>
+            <a:r>
+              <a:rPr lang="en-US" dirty="0">
+                <a:solidFill>
+                  <a:srgbClr val="D4D4D4"/>
+                </a:solidFill>
+                <a:latin typeface="Consolas" panose="020B0609020204030204" pitchFamily="49" charset="0"/>
+              </a:rPr>
+              <a:t>(</a:t>
+            </a:r>
+            <a:r>
+              <a:rPr lang="en-US" dirty="0" err="1">
+                <a:solidFill>
+                  <a:srgbClr val="9CDCFE"/>
+                </a:solidFill>
+                <a:latin typeface="Consolas" panose="020B0609020204030204" pitchFamily="49" charset="0"/>
+              </a:rPr>
+              <a:t>currentEle</a:t>
+            </a:r>
+            <a:r>
+              <a:rPr lang="en-US" dirty="0">
+                <a:solidFill>
+                  <a:srgbClr val="D4D4D4"/>
+                </a:solidFill>
+                <a:latin typeface="Consolas" panose="020B0609020204030204" pitchFamily="49" charset="0"/>
+              </a:rPr>
+              <a:t>).</a:t>
+            </a:r>
+            <a:r>
+              <a:rPr lang="en-US" dirty="0">
+                <a:solidFill>
+                  <a:srgbClr val="DCDCAA"/>
+                </a:solidFill>
+                <a:latin typeface="Consolas" panose="020B0609020204030204" pitchFamily="49" charset="0"/>
+              </a:rPr>
+              <a:t>html</a:t>
+            </a:r>
+            <a:r>
+              <a:rPr lang="en-US" dirty="0">
+                <a:solidFill>
+                  <a:srgbClr val="D4D4D4"/>
+                </a:solidFill>
+                <a:latin typeface="Consolas" panose="020B0609020204030204" pitchFamily="49" charset="0"/>
+              </a:rPr>
+              <a:t>(</a:t>
+            </a:r>
+            <a:r>
+              <a:rPr lang="en-US" dirty="0">
+                <a:solidFill>
+                  <a:srgbClr val="DCDCAA"/>
+                </a:solidFill>
+                <a:latin typeface="Consolas" panose="020B0609020204030204" pitchFamily="49" charset="0"/>
+              </a:rPr>
+              <a:t>$</a:t>
+            </a:r>
+            <a:r>
+              <a:rPr lang="en-US" dirty="0">
+                <a:solidFill>
+                  <a:srgbClr val="D4D4D4"/>
+                </a:solidFill>
+                <a:latin typeface="Consolas" panose="020B0609020204030204" pitchFamily="49" charset="0"/>
+              </a:rPr>
+              <a:t>(</a:t>
+            </a:r>
+            <a:r>
+              <a:rPr lang="en-US" dirty="0">
+                <a:solidFill>
+                  <a:srgbClr val="CE9178"/>
+                </a:solidFill>
+                <a:latin typeface="Consolas" panose="020B0609020204030204" pitchFamily="49" charset="0"/>
+              </a:rPr>
+              <a:t>".</a:t>
+            </a:r>
+            <a:r>
+              <a:rPr lang="en-US" dirty="0" err="1">
+                <a:solidFill>
+                  <a:srgbClr val="CE9178"/>
+                </a:solidFill>
+                <a:latin typeface="Consolas" panose="020B0609020204030204" pitchFamily="49" charset="0"/>
+              </a:rPr>
+              <a:t>thVal</a:t>
+            </a:r>
+            <a:r>
+              <a:rPr lang="en-US" dirty="0">
+                <a:solidFill>
+                  <a:srgbClr val="CE9178"/>
+                </a:solidFill>
+                <a:latin typeface="Consolas" panose="020B0609020204030204" pitchFamily="49" charset="0"/>
+              </a:rPr>
+              <a:t>"</a:t>
+            </a:r>
+            <a:r>
+              <a:rPr lang="en-US" dirty="0">
+                <a:solidFill>
+                  <a:srgbClr val="D4D4D4"/>
+                </a:solidFill>
+                <a:latin typeface="Consolas" panose="020B0609020204030204" pitchFamily="49" charset="0"/>
+              </a:rPr>
+              <a:t>).</a:t>
+            </a:r>
+            <a:r>
+              <a:rPr lang="en-US" dirty="0" err="1">
+                <a:solidFill>
+                  <a:srgbClr val="DCDCAA"/>
+                </a:solidFill>
+                <a:latin typeface="Consolas" panose="020B0609020204030204" pitchFamily="49" charset="0"/>
+              </a:rPr>
+              <a:t>val</a:t>
+            </a:r>
+            <a:r>
+              <a:rPr lang="en-US" dirty="0">
+                <a:solidFill>
+                  <a:srgbClr val="D4D4D4"/>
+                </a:solidFill>
+                <a:latin typeface="Consolas" panose="020B0609020204030204" pitchFamily="49" charset="0"/>
+              </a:rPr>
+              <a:t>().</a:t>
+            </a:r>
+            <a:r>
+              <a:rPr lang="en-US" dirty="0">
+                <a:solidFill>
+                  <a:srgbClr val="DCDCAA"/>
+                </a:solidFill>
+                <a:latin typeface="Consolas" panose="020B0609020204030204" pitchFamily="49" charset="0"/>
+              </a:rPr>
+              <a:t>trim</a:t>
+            </a:r>
+            <a:r>
+              <a:rPr lang="en-US" dirty="0">
+                <a:solidFill>
+                  <a:srgbClr val="D4D4D4"/>
+                </a:solidFill>
+                <a:latin typeface="Consolas" panose="020B0609020204030204" pitchFamily="49" charset="0"/>
+              </a:rPr>
+              <a:t>());</a:t>
+            </a:r>
+          </a:p>
+          <a:p>
+            <a:pPr marL="0" indent="0">
+              <a:buNone/>
+            </a:pPr>
+            <a:r>
+              <a:rPr lang="en-US" dirty="0">
+                <a:solidFill>
+                  <a:srgbClr val="D4D4D4"/>
+                </a:solidFill>
+                <a:latin typeface="Consolas" panose="020B0609020204030204" pitchFamily="49" charset="0"/>
+              </a:rPr>
+              <a:t>    });</a:t>
+            </a:r>
+          </a:p>
+          <a:p>
+            <a:pPr marL="0" indent="0">
+              <a:buNone/>
+            </a:pPr>
+            <a:r>
+              <a:rPr lang="en-US" dirty="0">
+                <a:solidFill>
+                  <a:srgbClr val="D4D4D4"/>
+                </a:solidFill>
+                <a:latin typeface="Consolas" panose="020B0609020204030204" pitchFamily="49" charset="0"/>
+              </a:rPr>
+              <a:t>}</a:t>
+            </a:r>
+          </a:p>
+          <a:p>
+            <a:endParaRPr lang="en-US" dirty="0"/>
+          </a:p>
+        </p:txBody>
+      </p:sp>
+    </p:spTree>
+    <p:extLst>
+      <p:ext uri="{BB962C8B-B14F-4D97-AF65-F5344CB8AC3E}">
+        <p14:creationId xmlns:p14="http://schemas.microsoft.com/office/powerpoint/2010/main" val="1705790773"/>
       </p:ext>
     </p:extLst>
   </p:cSld>
@@ -6496,8 +13458,13 @@
             </a:r>
             <a:r>
               <a:rPr lang="en-US" i="1" dirty="0"/>
-              <a:t> movie-rating-tutorial</a:t>
-            </a:r>
+              <a:t> </a:t>
+            </a:r>
+            <a:r>
+              <a:rPr lang="en-US" i="1" dirty="0" err="1"/>
+              <a:t>movie_rating</a:t>
+            </a:r>
+            <a:endParaRPr lang="en-US" i="1" dirty="0"/>
           </a:p>
           <a:p>
             <a:pPr marL="914400" lvl="1" indent="-457200">
@@ -6506,36 +13473,13 @@
             </a:pPr>
             <a:r>
               <a:rPr lang="en-US" i="1" dirty="0"/>
-              <a:t>&gt; cd movie-rating-tutorial</a:t>
-            </a:r>
-          </a:p>
-          <a:p>
-            <a:pPr marL="914400" lvl="1" indent="-457200">
-              <a:buFont typeface="+mj-lt"/>
-              <a:buAutoNum type="arabicPeriod"/>
-            </a:pPr>
-            <a:r>
-              <a:rPr lang="en-US" i="1" dirty="0"/>
-              <a:t>&gt; </a:t>
+              <a:t>&gt; cd </a:t>
             </a:r>
             <a:r>
               <a:rPr lang="en-US" i="1" dirty="0" err="1"/>
-              <a:t>mkdir</a:t>
-            </a:r>
-            <a:r>
-              <a:rPr lang="en-US" i="1" dirty="0"/>
-              <a:t> server</a:t>
-            </a:r>
-          </a:p>
-          <a:p>
-            <a:pPr marL="914400" lvl="1" indent="-457200">
-              <a:buFont typeface="+mj-lt"/>
-              <a:buAutoNum type="arabicPeriod"/>
-            </a:pPr>
-            <a:r>
-              <a:rPr lang="en-US" i="1" dirty="0"/>
-              <a:t>&gt; cd server</a:t>
-            </a:r>
+              <a:t>movie_rating</a:t>
+            </a:r>
+            <a:endParaRPr lang="en-US" i="1" dirty="0"/>
           </a:p>
           <a:p>
             <a:pPr marL="914400" lvl="1" indent="-457200">
@@ -6623,6 +13567,152 @@
           <p:cNvPr id="2" name="Title 1">
             <a:extLst>
               <a:ext uri="{FF2B5EF4-FFF2-40B4-BE49-F238E27FC236}">
+                <a16:creationId xmlns:a16="http://schemas.microsoft.com/office/drawing/2014/main" id="{747F730F-01B5-4EDE-92E3-665A3B6C9C7D}"/>
+              </a:ext>
+            </a:extLst>
+          </p:cNvPr>
+          <p:cNvSpPr>
+            <a:spLocks noGrp="1"/>
+          </p:cNvSpPr>
+          <p:nvPr>
+            <p:ph type="title"/>
+          </p:nvPr>
+        </p:nvSpPr>
+        <p:spPr/>
+        <p:txBody>
+          <a:bodyPr/>
+          <a:lstStyle/>
+          <a:p>
+            <a:r>
+              <a:rPr lang="en-US" dirty="0"/>
+              <a:t>Install Flask</a:t>
+            </a:r>
+          </a:p>
+        </p:txBody>
+      </p:sp>
+      <p:sp>
+        <p:nvSpPr>
+          <p:cNvPr id="3" name="Content Placeholder 2">
+            <a:extLst>
+              <a:ext uri="{FF2B5EF4-FFF2-40B4-BE49-F238E27FC236}">
+                <a16:creationId xmlns:a16="http://schemas.microsoft.com/office/drawing/2014/main" id="{66041E4C-5F92-42DD-83C5-150F8E77921E}"/>
+              </a:ext>
+            </a:extLst>
+          </p:cNvPr>
+          <p:cNvSpPr>
+            <a:spLocks noGrp="1"/>
+          </p:cNvSpPr>
+          <p:nvPr>
+            <p:ph idx="1"/>
+          </p:nvPr>
+        </p:nvSpPr>
+        <p:spPr/>
+        <p:txBody>
+          <a:bodyPr/>
+          <a:lstStyle/>
+          <a:p>
+            <a:r>
+              <a:rPr lang="en-US" dirty="0"/>
+              <a:t>Install Flask</a:t>
+            </a:r>
+          </a:p>
+          <a:p>
+            <a:pPr marL="457200" lvl="1" indent="0">
+              <a:buNone/>
+            </a:pPr>
+            <a:r>
+              <a:rPr lang="en-US" i="1" dirty="0"/>
+              <a:t>&gt; pip install Flask</a:t>
+            </a:r>
+          </a:p>
+          <a:p>
+            <a:pPr marL="457200" lvl="1" indent="0">
+              <a:buNone/>
+            </a:pPr>
+            <a:r>
+              <a:rPr lang="en-US" i="1" dirty="0"/>
+              <a:t>Collecting Flask</a:t>
+            </a:r>
+          </a:p>
+          <a:p>
+            <a:pPr marL="457200" lvl="1" indent="0">
+              <a:buNone/>
+            </a:pPr>
+            <a:r>
+              <a:rPr lang="en-US" i="1" dirty="0"/>
+              <a:t>  Downloading….</a:t>
+            </a:r>
+          </a:p>
+          <a:p>
+            <a:pPr marL="914400" lvl="2" indent="0">
+              <a:buNone/>
+            </a:pPr>
+            <a:r>
+              <a:rPr lang="en-US" i="1" dirty="0"/>
+              <a:t>….</a:t>
+            </a:r>
+          </a:p>
+          <a:p>
+            <a:pPr marL="914400" lvl="2" indent="0">
+              <a:buNone/>
+            </a:pPr>
+            <a:r>
+              <a:rPr lang="en-US" i="1" dirty="0"/>
+              <a:t>….</a:t>
+            </a:r>
+          </a:p>
+          <a:p>
+            <a:pPr marL="914400" lvl="2" indent="0">
+              <a:buNone/>
+            </a:pPr>
+            <a:r>
+              <a:rPr lang="en-US" i="1" dirty="0"/>
+              <a:t>….</a:t>
+            </a:r>
+          </a:p>
+          <a:p>
+            <a:pPr marL="0" indent="0">
+              <a:buNone/>
+            </a:pPr>
+            <a:endParaRPr lang="en-US" dirty="0"/>
+          </a:p>
+        </p:txBody>
+      </p:sp>
+    </p:spTree>
+    <p:extLst>
+      <p:ext uri="{BB962C8B-B14F-4D97-AF65-F5344CB8AC3E}">
+        <p14:creationId xmlns:p14="http://schemas.microsoft.com/office/powerpoint/2010/main" val="3976832296"/>
+      </p:ext>
+    </p:extLst>
+  </p:cSld>
+  <p:clrMapOvr>
+    <a:masterClrMapping/>
+  </p:clrMapOvr>
+</p:sld>
+</file>
+
+<file path=ppt/slides/slide5.xml><?xml version="1.0" encoding="utf-8"?>
+<p:sld xmlns:a="http://schemas.openxmlformats.org/drawingml/2006/main" xmlns:r="http://schemas.openxmlformats.org/officeDocument/2006/relationships" xmlns:p="http://schemas.openxmlformats.org/presentationml/2006/main">
+  <p:cSld>
+    <p:spTree>
+      <p:nvGrpSpPr>
+        <p:cNvPr id="1" name=""/>
+        <p:cNvGrpSpPr/>
+        <p:nvPr/>
+      </p:nvGrpSpPr>
+      <p:grpSpPr>
+        <a:xfrm>
+          <a:off x="0" y="0"/>
+          <a:ext cx="0" cy="0"/>
+          <a:chOff x="0" y="0"/>
+          <a:chExt cx="0" cy="0"/>
+        </a:xfrm>
+      </p:grpSpPr>
+      <p:sp>
+        <p:nvSpPr>
+          <p:cNvPr id="2" name="Title 1">
+            <a:extLst>
+              <a:ext uri="{FF2B5EF4-FFF2-40B4-BE49-F238E27FC236}">
                 <a16:creationId xmlns:a16="http://schemas.microsoft.com/office/drawing/2014/main" id="{BFC29B00-534A-4968-B8A4-36320BFFD91E}"/>
               </a:ext>
             </a:extLst>
@@ -6956,7 +14046,7 @@
 </p:sld>
 </file>
 
-<file path=ppt/slides/slide5.xml><?xml version="1.0" encoding="utf-8"?>
+<file path=ppt/slides/slide6.xml><?xml version="1.0" encoding="utf-8"?>
 <p:sld xmlns:a="http://schemas.openxmlformats.org/drawingml/2006/main" xmlns:r="http://schemas.openxmlformats.org/officeDocument/2006/relationships" xmlns:p="http://schemas.openxmlformats.org/presentationml/2006/main">
   <p:cSld>
     <p:spTree>
@@ -7276,7 +14366,7 @@
 </p:sld>
 </file>
 
-<file path=ppt/slides/slide6.xml><?xml version="1.0" encoding="utf-8"?>
+<file path=ppt/slides/slide7.xml><?xml version="1.0" encoding="utf-8"?>
 <p:sld xmlns:a="http://schemas.openxmlformats.org/drawingml/2006/main" xmlns:r="http://schemas.openxmlformats.org/officeDocument/2006/relationships" xmlns:p="http://schemas.openxmlformats.org/presentationml/2006/main">
   <p:cSld>
     <p:spTree>
@@ -7355,7 +14445,71 @@
           <a:p>
             <a:r>
               <a:rPr lang="en-US" dirty="0"/>
-              <a:t>Set the rating for one movie : GET /movie/&lt;movie id&gt;?rating=&lt;value&gt;</a:t>
+              <a:t>Get the movie with movie id : GET /movie/&lt;movie id&gt; </a:t>
+            </a:r>
+          </a:p>
+          <a:p>
+            <a:r>
+              <a:rPr lang="en-US" dirty="0"/>
+              <a:t>Set the rating for movie : GET /movie/&lt;movie id&gt;?rating=&lt;value&gt;</a:t>
+            </a:r>
+          </a:p>
+        </p:txBody>
+      </p:sp>
+    </p:spTree>
+    <p:extLst>
+      <p:ext uri="{BB962C8B-B14F-4D97-AF65-F5344CB8AC3E}">
+        <p14:creationId xmlns:p14="http://schemas.microsoft.com/office/powerpoint/2010/main" val="4214265985"/>
+      </p:ext>
+    </p:extLst>
+  </p:cSld>
+  <p:clrMapOvr>
+    <a:masterClrMapping/>
+  </p:clrMapOvr>
+</p:sld>
+</file>
+
+<file path=ppt/slides/slide8.xml><?xml version="1.0" encoding="utf-8"?>
+<p:sld xmlns:a="http://schemas.openxmlformats.org/drawingml/2006/main" xmlns:r="http://schemas.openxmlformats.org/officeDocument/2006/relationships" xmlns:p="http://schemas.openxmlformats.org/presentationml/2006/main">
+  <p:cSld>
+    <p:spTree>
+      <p:nvGrpSpPr>
+        <p:cNvPr id="1" name=""/>
+        <p:cNvGrpSpPr/>
+        <p:nvPr/>
+      </p:nvGrpSpPr>
+      <p:grpSpPr>
+        <a:xfrm>
+          <a:off x="0" y="0"/>
+          <a:ext cx="0" cy="0"/>
+          <a:chOff x="0" y="0"/>
+          <a:chExt cx="0" cy="0"/>
+        </a:xfrm>
+      </p:grpSpPr>
+      <p:sp>
+        <p:nvSpPr>
+          <p:cNvPr id="2" name="Title 1">
+            <a:extLst>
+              <a:ext uri="{FF2B5EF4-FFF2-40B4-BE49-F238E27FC236}">
+                <a16:creationId xmlns:a16="http://schemas.microsoft.com/office/drawing/2014/main" id="{E31EAB5E-BFCC-48B8-9D61-815A05EAC293}"/>
+              </a:ext>
+            </a:extLst>
+          </p:cNvPr>
+          <p:cNvSpPr>
+            <a:spLocks noGrp="1"/>
+          </p:cNvSpPr>
+          <p:nvPr>
+            <p:ph type="title"/>
+          </p:nvPr>
+        </p:nvSpPr>
+        <p:spPr/>
+        <p:txBody>
+          <a:bodyPr/>
+          <a:lstStyle/>
+          <a:p>
+            <a:r>
+              <a:rPr lang="en-US" dirty="0"/>
+              <a:t>Define routes</a:t>
             </a:r>
           </a:p>
         </p:txBody>
@@ -7374,7 +14528,7 @@
         </p:nvSpPr>
         <p:spPr>
           <a:xfrm>
-            <a:off x="620784" y="2698182"/>
+            <a:off x="536895" y="1867672"/>
             <a:ext cx="11400639" cy="3416320"/>
           </a:xfrm>
           <a:prstGeom prst="rect">
@@ -8073,7 +15227,7 @@
     </p:spTree>
     <p:extLst>
       <p:ext uri="{BB962C8B-B14F-4D97-AF65-F5344CB8AC3E}">
-        <p14:creationId xmlns:p14="http://schemas.microsoft.com/office/powerpoint/2010/main" val="4214265985"/>
+        <p14:creationId xmlns:p14="http://schemas.microsoft.com/office/powerpoint/2010/main" val="1023811463"/>
       </p:ext>
     </p:extLst>
   </p:cSld>
@@ -8083,7 +15237,7 @@
 </p:sld>
 </file>
 
-<file path=ppt/slides/slide7.xml><?xml version="1.0" encoding="utf-8"?>
+<file path=ppt/slides/slide9.xml><?xml version="1.0" encoding="utf-8"?>
 <p:sld xmlns:a="http://schemas.openxmlformats.org/drawingml/2006/main" xmlns:r="http://schemas.openxmlformats.org/officeDocument/2006/relationships" xmlns:p="http://schemas.openxmlformats.org/presentationml/2006/main">
   <p:cSld>
     <p:spTree>
@@ -8137,832 +15291,6 @@
     <p:extLst>
       <p:ext uri="{BB962C8B-B14F-4D97-AF65-F5344CB8AC3E}">
         <p14:creationId xmlns:p14="http://schemas.microsoft.com/office/powerpoint/2010/main" val="3918081171"/>
-      </p:ext>
-    </p:extLst>
-  </p:cSld>
-  <p:clrMapOvr>
-    <a:masterClrMapping/>
-  </p:clrMapOvr>
-</p:sld>
-</file>
-
-<file path=ppt/slides/slide8.xml><?xml version="1.0" encoding="utf-8"?>
-<p:sld xmlns:a="http://schemas.openxmlformats.org/drawingml/2006/main" xmlns:r="http://schemas.openxmlformats.org/officeDocument/2006/relationships" xmlns:p="http://schemas.openxmlformats.org/presentationml/2006/main">
-  <p:cSld>
-    <p:spTree>
-      <p:nvGrpSpPr>
-        <p:cNvPr id="1" name=""/>
-        <p:cNvGrpSpPr/>
-        <p:nvPr/>
-      </p:nvGrpSpPr>
-      <p:grpSpPr>
-        <a:xfrm>
-          <a:off x="0" y="0"/>
-          <a:ext cx="0" cy="0"/>
-          <a:chOff x="0" y="0"/>
-          <a:chExt cx="0" cy="0"/>
-        </a:xfrm>
-      </p:grpSpPr>
-      <p:sp>
-        <p:nvSpPr>
-          <p:cNvPr id="2" name="Title 1">
-            <a:extLst>
-              <a:ext uri="{FF2B5EF4-FFF2-40B4-BE49-F238E27FC236}">
-                <a16:creationId xmlns:a16="http://schemas.microsoft.com/office/drawing/2014/main" id="{31CEBE52-08B2-444F-B140-09AE1FC68E99}"/>
-              </a:ext>
-            </a:extLst>
-          </p:cNvPr>
-          <p:cNvSpPr>
-            <a:spLocks noGrp="1"/>
-          </p:cNvSpPr>
-          <p:nvPr>
-            <p:ph type="title"/>
-          </p:nvPr>
-        </p:nvSpPr>
-        <p:spPr>
-          <a:xfrm>
-            <a:off x="838200" y="71511"/>
-            <a:ext cx="10515600" cy="792556"/>
-          </a:xfrm>
-        </p:spPr>
-        <p:txBody>
-          <a:bodyPr/>
-          <a:lstStyle/>
-          <a:p>
-            <a:r>
-              <a:rPr lang="en-US" dirty="0"/>
-              <a:t>Our movie database</a:t>
-            </a:r>
-          </a:p>
-        </p:txBody>
-      </p:sp>
-      <p:sp>
-        <p:nvSpPr>
-          <p:cNvPr id="4" name="Content Placeholder 3">
-            <a:extLst>
-              <a:ext uri="{FF2B5EF4-FFF2-40B4-BE49-F238E27FC236}">
-                <a16:creationId xmlns:a16="http://schemas.microsoft.com/office/drawing/2014/main" id="{EDBEB3C2-731B-43E6-948A-3F796CA8A3A6}"/>
-              </a:ext>
-            </a:extLst>
-          </p:cNvPr>
-          <p:cNvSpPr>
-            <a:spLocks noGrp="1"/>
-          </p:cNvSpPr>
-          <p:nvPr>
-            <p:ph sz="half" idx="2"/>
-          </p:nvPr>
-        </p:nvSpPr>
-        <p:spPr>
-          <a:xfrm>
-            <a:off x="6172200" y="981512"/>
-            <a:ext cx="5181600" cy="5804977"/>
-          </a:xfrm>
-        </p:spPr>
-        <p:txBody>
-          <a:bodyPr/>
-          <a:lstStyle/>
-          <a:p>
-            <a:r>
-              <a:rPr lang="en-US" dirty="0"/>
-              <a:t>Create a file </a:t>
-            </a:r>
-            <a:r>
-              <a:rPr lang="en-US" dirty="0" err="1"/>
-              <a:t>moviedb.json</a:t>
-            </a:r>
-            <a:r>
-              <a:rPr lang="en-US" dirty="0"/>
-              <a:t> inside your server folder.</a:t>
-            </a:r>
-          </a:p>
-          <a:p>
-            <a:r>
-              <a:rPr lang="en-US" dirty="0"/>
-              <a:t>Add some movies as per the shown schema</a:t>
-            </a:r>
-          </a:p>
-        </p:txBody>
-      </p:sp>
-      <p:sp>
-        <p:nvSpPr>
-          <p:cNvPr id="5" name="Content Placeholder 2">
-            <a:extLst>
-              <a:ext uri="{FF2B5EF4-FFF2-40B4-BE49-F238E27FC236}">
-                <a16:creationId xmlns:a16="http://schemas.microsoft.com/office/drawing/2014/main" id="{38D17DA7-953F-4600-8EFC-84210641C969}"/>
-              </a:ext>
-            </a:extLst>
-          </p:cNvPr>
-          <p:cNvSpPr>
-            <a:spLocks noGrp="1"/>
-          </p:cNvSpPr>
-          <p:nvPr>
-            <p:ph sz="half" idx="1"/>
-          </p:nvPr>
-        </p:nvSpPr>
-        <p:spPr>
-          <a:xfrm>
-            <a:off x="838200" y="981512"/>
-            <a:ext cx="5181600" cy="5804977"/>
-          </a:xfrm>
-          <a:solidFill>
-            <a:schemeClr val="tx1"/>
-          </a:solidFill>
-        </p:spPr>
-        <p:txBody>
-          <a:bodyPr>
-            <a:noAutofit/>
-          </a:bodyPr>
-          <a:lstStyle/>
-          <a:p>
-            <a:pPr marL="0" indent="0">
-              <a:buNone/>
-            </a:pPr>
-            <a:r>
-              <a:rPr lang="en-US" sz="1600" dirty="0">
-                <a:solidFill>
-                  <a:srgbClr val="D4D4D4"/>
-                </a:solidFill>
-                <a:latin typeface="Consolas" panose="020B0609020204030204" pitchFamily="49" charset="0"/>
-              </a:rPr>
-              <a:t>[</a:t>
-            </a:r>
-          </a:p>
-          <a:p>
-            <a:pPr marL="0" indent="0">
-              <a:buNone/>
-            </a:pPr>
-            <a:r>
-              <a:rPr lang="en-US" sz="1600" dirty="0">
-                <a:solidFill>
-                  <a:srgbClr val="D4D4D4"/>
-                </a:solidFill>
-                <a:latin typeface="Consolas" panose="020B0609020204030204" pitchFamily="49" charset="0"/>
-              </a:rPr>
-              <a:t>    {</a:t>
-            </a:r>
-          </a:p>
-          <a:p>
-            <a:pPr marL="0" indent="0">
-              <a:buNone/>
-            </a:pPr>
-            <a:r>
-              <a:rPr lang="en-US" sz="1600" dirty="0">
-                <a:solidFill>
-                  <a:srgbClr val="D4D4D4"/>
-                </a:solidFill>
-                <a:latin typeface="Consolas" panose="020B0609020204030204" pitchFamily="49" charset="0"/>
-              </a:rPr>
-              <a:t>        </a:t>
-            </a:r>
-            <a:r>
-              <a:rPr lang="en-US" sz="1600" dirty="0">
-                <a:solidFill>
-                  <a:srgbClr val="9CDCFE"/>
-                </a:solidFill>
-                <a:latin typeface="Consolas" panose="020B0609020204030204" pitchFamily="49" charset="0"/>
-              </a:rPr>
-              <a:t>"id"</a:t>
-            </a:r>
-            <a:r>
-              <a:rPr lang="en-US" sz="1600" dirty="0">
-                <a:solidFill>
-                  <a:srgbClr val="D4D4D4"/>
-                </a:solidFill>
-                <a:latin typeface="Consolas" panose="020B0609020204030204" pitchFamily="49" charset="0"/>
-              </a:rPr>
-              <a:t>: </a:t>
-            </a:r>
-            <a:r>
-              <a:rPr lang="en-US" sz="1600" dirty="0">
-                <a:solidFill>
-                  <a:srgbClr val="B5CEA8"/>
-                </a:solidFill>
-                <a:latin typeface="Consolas" panose="020B0609020204030204" pitchFamily="49" charset="0"/>
-              </a:rPr>
-              <a:t>1</a:t>
-            </a:r>
-            <a:r>
-              <a:rPr lang="en-US" sz="1600" dirty="0">
-                <a:solidFill>
-                  <a:srgbClr val="D4D4D4"/>
-                </a:solidFill>
-                <a:latin typeface="Consolas" panose="020B0609020204030204" pitchFamily="49" charset="0"/>
-              </a:rPr>
-              <a:t>, </a:t>
-            </a:r>
-          </a:p>
-          <a:p>
-            <a:pPr marL="0" indent="0">
-              <a:buNone/>
-            </a:pPr>
-            <a:r>
-              <a:rPr lang="en-US" sz="1600" dirty="0">
-                <a:solidFill>
-                  <a:srgbClr val="D4D4D4"/>
-                </a:solidFill>
-                <a:latin typeface="Consolas" panose="020B0609020204030204" pitchFamily="49" charset="0"/>
-              </a:rPr>
-              <a:t>        </a:t>
-            </a:r>
-            <a:r>
-              <a:rPr lang="en-US" sz="1600" dirty="0">
-                <a:solidFill>
-                  <a:srgbClr val="9CDCFE"/>
-                </a:solidFill>
-                <a:latin typeface="Consolas" panose="020B0609020204030204" pitchFamily="49" charset="0"/>
-              </a:rPr>
-              <a:t>"name"</a:t>
-            </a:r>
-            <a:r>
-              <a:rPr lang="en-US" sz="1600" dirty="0">
-                <a:solidFill>
-                  <a:srgbClr val="D4D4D4"/>
-                </a:solidFill>
-                <a:latin typeface="Consolas" panose="020B0609020204030204" pitchFamily="49" charset="0"/>
-              </a:rPr>
-              <a:t>: </a:t>
-            </a:r>
-            <a:r>
-              <a:rPr lang="en-US" sz="1600" dirty="0">
-                <a:solidFill>
-                  <a:srgbClr val="CE9178"/>
-                </a:solidFill>
-                <a:latin typeface="Consolas" panose="020B0609020204030204" pitchFamily="49" charset="0"/>
-              </a:rPr>
-              <a:t>"Frozen II"</a:t>
-            </a:r>
-            <a:r>
-              <a:rPr lang="en-US" sz="1600" dirty="0">
-                <a:solidFill>
-                  <a:srgbClr val="D4D4D4"/>
-                </a:solidFill>
-                <a:latin typeface="Consolas" panose="020B0609020204030204" pitchFamily="49" charset="0"/>
-              </a:rPr>
-              <a:t>, </a:t>
-            </a:r>
-          </a:p>
-          <a:p>
-            <a:pPr marL="0" indent="0">
-              <a:buNone/>
-            </a:pPr>
-            <a:r>
-              <a:rPr lang="en-US" sz="1600" dirty="0">
-                <a:solidFill>
-                  <a:srgbClr val="D4D4D4"/>
-                </a:solidFill>
-                <a:latin typeface="Consolas" panose="020B0609020204030204" pitchFamily="49" charset="0"/>
-              </a:rPr>
-              <a:t>        </a:t>
-            </a:r>
-            <a:r>
-              <a:rPr lang="en-US" sz="1600" dirty="0">
-                <a:solidFill>
-                  <a:srgbClr val="9CDCFE"/>
-                </a:solidFill>
-                <a:latin typeface="Consolas" panose="020B0609020204030204" pitchFamily="49" charset="0"/>
-              </a:rPr>
-              <a:t>"rating"</a:t>
-            </a:r>
-            <a:r>
-              <a:rPr lang="en-US" sz="1600" dirty="0">
-                <a:solidFill>
-                  <a:srgbClr val="D4D4D4"/>
-                </a:solidFill>
-                <a:latin typeface="Consolas" panose="020B0609020204030204" pitchFamily="49" charset="0"/>
-              </a:rPr>
-              <a:t>: </a:t>
-            </a:r>
-            <a:r>
-              <a:rPr lang="en-US" sz="1600" dirty="0">
-                <a:solidFill>
-                  <a:srgbClr val="B5CEA8"/>
-                </a:solidFill>
-                <a:latin typeface="Consolas" panose="020B0609020204030204" pitchFamily="49" charset="0"/>
-              </a:rPr>
-              <a:t>4</a:t>
-            </a:r>
-            <a:endParaRPr lang="en-US" sz="1600" dirty="0">
-              <a:solidFill>
-                <a:srgbClr val="D4D4D4"/>
-              </a:solidFill>
-              <a:latin typeface="Consolas" panose="020B0609020204030204" pitchFamily="49" charset="0"/>
-            </a:endParaRPr>
-          </a:p>
-          <a:p>
-            <a:pPr marL="0" indent="0">
-              <a:buNone/>
-            </a:pPr>
-            <a:r>
-              <a:rPr lang="en-US" sz="1600" dirty="0">
-                <a:solidFill>
-                  <a:srgbClr val="D4D4D4"/>
-                </a:solidFill>
-                <a:latin typeface="Consolas" panose="020B0609020204030204" pitchFamily="49" charset="0"/>
-              </a:rPr>
-              <a:t>    },</a:t>
-            </a:r>
-          </a:p>
-          <a:p>
-            <a:pPr marL="0" indent="0">
-              <a:buNone/>
-            </a:pPr>
-            <a:r>
-              <a:rPr lang="en-US" sz="1600" dirty="0">
-                <a:solidFill>
-                  <a:srgbClr val="D4D4D4"/>
-                </a:solidFill>
-                <a:latin typeface="Consolas" panose="020B0609020204030204" pitchFamily="49" charset="0"/>
-              </a:rPr>
-              <a:t>    {</a:t>
-            </a:r>
-          </a:p>
-          <a:p>
-            <a:pPr marL="0" indent="0">
-              <a:buNone/>
-            </a:pPr>
-            <a:r>
-              <a:rPr lang="en-US" sz="1600" dirty="0">
-                <a:solidFill>
-                  <a:srgbClr val="D4D4D4"/>
-                </a:solidFill>
-                <a:latin typeface="Consolas" panose="020B0609020204030204" pitchFamily="49" charset="0"/>
-              </a:rPr>
-              <a:t>        </a:t>
-            </a:r>
-            <a:r>
-              <a:rPr lang="en-US" sz="1600" dirty="0">
-                <a:solidFill>
-                  <a:srgbClr val="9CDCFE"/>
-                </a:solidFill>
-                <a:latin typeface="Consolas" panose="020B0609020204030204" pitchFamily="49" charset="0"/>
-              </a:rPr>
-              <a:t>"id"</a:t>
-            </a:r>
-            <a:r>
-              <a:rPr lang="en-US" sz="1600" dirty="0">
-                <a:solidFill>
-                  <a:srgbClr val="D4D4D4"/>
-                </a:solidFill>
-                <a:latin typeface="Consolas" panose="020B0609020204030204" pitchFamily="49" charset="0"/>
-              </a:rPr>
-              <a:t>: </a:t>
-            </a:r>
-            <a:r>
-              <a:rPr lang="en-US" sz="1600" dirty="0">
-                <a:solidFill>
-                  <a:srgbClr val="B5CEA8"/>
-                </a:solidFill>
-                <a:latin typeface="Consolas" panose="020B0609020204030204" pitchFamily="49" charset="0"/>
-              </a:rPr>
-              <a:t>2</a:t>
-            </a:r>
-            <a:r>
-              <a:rPr lang="en-US" sz="1600" dirty="0">
-                <a:solidFill>
-                  <a:srgbClr val="D4D4D4"/>
-                </a:solidFill>
-                <a:latin typeface="Consolas" panose="020B0609020204030204" pitchFamily="49" charset="0"/>
-              </a:rPr>
-              <a:t>, </a:t>
-            </a:r>
-          </a:p>
-          <a:p>
-            <a:pPr marL="0" indent="0">
-              <a:buNone/>
-            </a:pPr>
-            <a:r>
-              <a:rPr lang="en-US" sz="1600" dirty="0">
-                <a:solidFill>
-                  <a:srgbClr val="D4D4D4"/>
-                </a:solidFill>
-                <a:latin typeface="Consolas" panose="020B0609020204030204" pitchFamily="49" charset="0"/>
-              </a:rPr>
-              <a:t>        </a:t>
-            </a:r>
-            <a:r>
-              <a:rPr lang="en-US" sz="1600" dirty="0">
-                <a:solidFill>
-                  <a:srgbClr val="9CDCFE"/>
-                </a:solidFill>
-                <a:latin typeface="Consolas" panose="020B0609020204030204" pitchFamily="49" charset="0"/>
-              </a:rPr>
-              <a:t>"name"</a:t>
-            </a:r>
-            <a:r>
-              <a:rPr lang="en-US" sz="1600" dirty="0">
-                <a:solidFill>
-                  <a:srgbClr val="D4D4D4"/>
-                </a:solidFill>
-                <a:latin typeface="Consolas" panose="020B0609020204030204" pitchFamily="49" charset="0"/>
-              </a:rPr>
-              <a:t>: </a:t>
-            </a:r>
-            <a:r>
-              <a:rPr lang="en-US" sz="1600" dirty="0">
-                <a:solidFill>
-                  <a:srgbClr val="CE9178"/>
-                </a:solidFill>
-                <a:latin typeface="Consolas" panose="020B0609020204030204" pitchFamily="49" charset="0"/>
-              </a:rPr>
-              <a:t>"Ford v Ferrari"</a:t>
-            </a:r>
-            <a:r>
-              <a:rPr lang="en-US" sz="1600" dirty="0">
-                <a:solidFill>
-                  <a:srgbClr val="D4D4D4"/>
-                </a:solidFill>
-                <a:latin typeface="Consolas" panose="020B0609020204030204" pitchFamily="49" charset="0"/>
-              </a:rPr>
-              <a:t>, </a:t>
-            </a:r>
-          </a:p>
-          <a:p>
-            <a:pPr marL="0" indent="0">
-              <a:buNone/>
-            </a:pPr>
-            <a:r>
-              <a:rPr lang="en-US" sz="1600" dirty="0">
-                <a:solidFill>
-                  <a:srgbClr val="D4D4D4"/>
-                </a:solidFill>
-                <a:latin typeface="Consolas" panose="020B0609020204030204" pitchFamily="49" charset="0"/>
-              </a:rPr>
-              <a:t>        </a:t>
-            </a:r>
-            <a:r>
-              <a:rPr lang="en-US" sz="1600" dirty="0">
-                <a:solidFill>
-                  <a:srgbClr val="9CDCFE"/>
-                </a:solidFill>
-                <a:latin typeface="Consolas" panose="020B0609020204030204" pitchFamily="49" charset="0"/>
-              </a:rPr>
-              <a:t>"rating"</a:t>
-            </a:r>
-            <a:r>
-              <a:rPr lang="en-US" sz="1600" dirty="0">
-                <a:solidFill>
-                  <a:srgbClr val="D4D4D4"/>
-                </a:solidFill>
-                <a:latin typeface="Consolas" panose="020B0609020204030204" pitchFamily="49" charset="0"/>
-              </a:rPr>
-              <a:t>: </a:t>
-            </a:r>
-            <a:r>
-              <a:rPr lang="en-US" sz="1600" dirty="0">
-                <a:solidFill>
-                  <a:srgbClr val="B5CEA8"/>
-                </a:solidFill>
-                <a:latin typeface="Consolas" panose="020B0609020204030204" pitchFamily="49" charset="0"/>
-              </a:rPr>
-              <a:t>5</a:t>
-            </a:r>
-            <a:endParaRPr lang="en-US" sz="1600" dirty="0">
-              <a:solidFill>
-                <a:srgbClr val="D4D4D4"/>
-              </a:solidFill>
-              <a:latin typeface="Consolas" panose="020B0609020204030204" pitchFamily="49" charset="0"/>
-            </a:endParaRPr>
-          </a:p>
-          <a:p>
-            <a:pPr marL="0" indent="0">
-              <a:buNone/>
-            </a:pPr>
-            <a:r>
-              <a:rPr lang="en-US" sz="1600" dirty="0">
-                <a:solidFill>
-                  <a:srgbClr val="D4D4D4"/>
-                </a:solidFill>
-                <a:latin typeface="Consolas" panose="020B0609020204030204" pitchFamily="49" charset="0"/>
-              </a:rPr>
-              <a:t>    }, </a:t>
-            </a:r>
-          </a:p>
-          <a:p>
-            <a:pPr marL="0" indent="0">
-              <a:buNone/>
-            </a:pPr>
-            <a:r>
-              <a:rPr lang="en-US" sz="1600" dirty="0">
-                <a:solidFill>
-                  <a:srgbClr val="D4D4D4"/>
-                </a:solidFill>
-                <a:latin typeface="Consolas" panose="020B0609020204030204" pitchFamily="49" charset="0"/>
-              </a:rPr>
-              <a:t>    {</a:t>
-            </a:r>
-          </a:p>
-          <a:p>
-            <a:pPr marL="0" indent="0">
-              <a:buNone/>
-            </a:pPr>
-            <a:r>
-              <a:rPr lang="en-US" sz="1600" dirty="0">
-                <a:solidFill>
-                  <a:srgbClr val="D4D4D4"/>
-                </a:solidFill>
-                <a:latin typeface="Consolas" panose="020B0609020204030204" pitchFamily="49" charset="0"/>
-              </a:rPr>
-              <a:t>        </a:t>
-            </a:r>
-            <a:r>
-              <a:rPr lang="en-US" sz="1600" dirty="0">
-                <a:solidFill>
-                  <a:srgbClr val="9CDCFE"/>
-                </a:solidFill>
-                <a:latin typeface="Consolas" panose="020B0609020204030204" pitchFamily="49" charset="0"/>
-              </a:rPr>
-              <a:t>"id"</a:t>
-            </a:r>
-            <a:r>
-              <a:rPr lang="en-US" sz="1600" dirty="0">
-                <a:solidFill>
-                  <a:srgbClr val="D4D4D4"/>
-                </a:solidFill>
-                <a:latin typeface="Consolas" panose="020B0609020204030204" pitchFamily="49" charset="0"/>
-              </a:rPr>
-              <a:t>: </a:t>
-            </a:r>
-            <a:r>
-              <a:rPr lang="en-US" sz="1600" dirty="0">
-                <a:solidFill>
-                  <a:srgbClr val="B5CEA8"/>
-                </a:solidFill>
-                <a:latin typeface="Consolas" panose="020B0609020204030204" pitchFamily="49" charset="0"/>
-              </a:rPr>
-              <a:t>3</a:t>
-            </a:r>
-            <a:r>
-              <a:rPr lang="en-US" sz="1600" dirty="0">
-                <a:solidFill>
-                  <a:srgbClr val="D4D4D4"/>
-                </a:solidFill>
-                <a:latin typeface="Consolas" panose="020B0609020204030204" pitchFamily="49" charset="0"/>
-              </a:rPr>
-              <a:t>, </a:t>
-            </a:r>
-          </a:p>
-          <a:p>
-            <a:pPr marL="0" indent="0">
-              <a:buNone/>
-            </a:pPr>
-            <a:r>
-              <a:rPr lang="en-US" sz="1600" dirty="0">
-                <a:solidFill>
-                  <a:srgbClr val="D4D4D4"/>
-                </a:solidFill>
-                <a:latin typeface="Consolas" panose="020B0609020204030204" pitchFamily="49" charset="0"/>
-              </a:rPr>
-              <a:t>        </a:t>
-            </a:r>
-            <a:r>
-              <a:rPr lang="en-US" sz="1600" dirty="0">
-                <a:solidFill>
-                  <a:srgbClr val="9CDCFE"/>
-                </a:solidFill>
-                <a:latin typeface="Consolas" panose="020B0609020204030204" pitchFamily="49" charset="0"/>
-              </a:rPr>
-              <a:t>"name"</a:t>
-            </a:r>
-            <a:r>
-              <a:rPr lang="en-US" sz="1600" dirty="0">
-                <a:solidFill>
-                  <a:srgbClr val="D4D4D4"/>
-                </a:solidFill>
-                <a:latin typeface="Consolas" panose="020B0609020204030204" pitchFamily="49" charset="0"/>
-              </a:rPr>
-              <a:t>: </a:t>
-            </a:r>
-            <a:r>
-              <a:rPr lang="en-US" sz="1600" dirty="0">
-                <a:solidFill>
-                  <a:srgbClr val="CE9178"/>
-                </a:solidFill>
-                <a:latin typeface="Consolas" panose="020B0609020204030204" pitchFamily="49" charset="0"/>
-              </a:rPr>
-              <a:t>"</a:t>
-            </a:r>
-            <a:r>
-              <a:rPr lang="en-US" sz="1600" dirty="0" err="1">
-                <a:solidFill>
-                  <a:srgbClr val="CE9178"/>
-                </a:solidFill>
-                <a:latin typeface="Consolas" panose="020B0609020204030204" pitchFamily="49" charset="0"/>
-              </a:rPr>
-              <a:t>Kaidhi</a:t>
-            </a:r>
-            <a:r>
-              <a:rPr lang="en-US" sz="1600" dirty="0">
-                <a:solidFill>
-                  <a:srgbClr val="CE9178"/>
-                </a:solidFill>
-                <a:latin typeface="Consolas" panose="020B0609020204030204" pitchFamily="49" charset="0"/>
-              </a:rPr>
-              <a:t>"</a:t>
-            </a:r>
-            <a:r>
-              <a:rPr lang="en-US" sz="1600" dirty="0">
-                <a:solidFill>
-                  <a:srgbClr val="D4D4D4"/>
-                </a:solidFill>
-                <a:latin typeface="Consolas" panose="020B0609020204030204" pitchFamily="49" charset="0"/>
-              </a:rPr>
-              <a:t>, </a:t>
-            </a:r>
-          </a:p>
-          <a:p>
-            <a:pPr marL="0" indent="0">
-              <a:buNone/>
-            </a:pPr>
-            <a:r>
-              <a:rPr lang="en-US" sz="1600" dirty="0">
-                <a:solidFill>
-                  <a:srgbClr val="D4D4D4"/>
-                </a:solidFill>
-                <a:latin typeface="Consolas" panose="020B0609020204030204" pitchFamily="49" charset="0"/>
-              </a:rPr>
-              <a:t>        </a:t>
-            </a:r>
-            <a:r>
-              <a:rPr lang="en-US" sz="1600" dirty="0">
-                <a:solidFill>
-                  <a:srgbClr val="9CDCFE"/>
-                </a:solidFill>
-                <a:latin typeface="Consolas" panose="020B0609020204030204" pitchFamily="49" charset="0"/>
-              </a:rPr>
-              <a:t>"rating"</a:t>
-            </a:r>
-            <a:r>
-              <a:rPr lang="en-US" sz="1600" dirty="0">
-                <a:solidFill>
-                  <a:srgbClr val="D4D4D4"/>
-                </a:solidFill>
-                <a:latin typeface="Consolas" panose="020B0609020204030204" pitchFamily="49" charset="0"/>
-              </a:rPr>
-              <a:t>: </a:t>
-            </a:r>
-            <a:r>
-              <a:rPr lang="en-US" sz="1600" dirty="0">
-                <a:solidFill>
-                  <a:srgbClr val="CE9178"/>
-                </a:solidFill>
-                <a:latin typeface="Consolas" panose="020B0609020204030204" pitchFamily="49" charset="0"/>
-              </a:rPr>
-              <a:t>"4.0"</a:t>
-            </a:r>
-            <a:endParaRPr lang="en-US" sz="1600" dirty="0">
-              <a:solidFill>
-                <a:srgbClr val="D4D4D4"/>
-              </a:solidFill>
-              <a:latin typeface="Consolas" panose="020B0609020204030204" pitchFamily="49" charset="0"/>
-            </a:endParaRPr>
-          </a:p>
-          <a:p>
-            <a:pPr marL="0" indent="0">
-              <a:buNone/>
-            </a:pPr>
-            <a:r>
-              <a:rPr lang="en-US" sz="1600" dirty="0">
-                <a:solidFill>
-                  <a:srgbClr val="D4D4D4"/>
-                </a:solidFill>
-                <a:latin typeface="Consolas" panose="020B0609020204030204" pitchFamily="49" charset="0"/>
-              </a:rPr>
-              <a:t>    }</a:t>
-            </a:r>
-          </a:p>
-          <a:p>
-            <a:pPr marL="0" indent="0">
-              <a:buNone/>
-            </a:pPr>
-            <a:r>
-              <a:rPr lang="en-US" sz="1600" dirty="0">
-                <a:solidFill>
-                  <a:srgbClr val="D4D4D4"/>
-                </a:solidFill>
-                <a:latin typeface="Consolas" panose="020B0609020204030204" pitchFamily="49" charset="0"/>
-              </a:rPr>
-              <a:t>]</a:t>
-            </a:r>
-          </a:p>
-        </p:txBody>
-      </p:sp>
-    </p:spTree>
-    <p:extLst>
-      <p:ext uri="{BB962C8B-B14F-4D97-AF65-F5344CB8AC3E}">
-        <p14:creationId xmlns:p14="http://schemas.microsoft.com/office/powerpoint/2010/main" val="2491373634"/>
-      </p:ext>
-    </p:extLst>
-  </p:cSld>
-  <p:clrMapOvr>
-    <a:masterClrMapping/>
-  </p:clrMapOvr>
-</p:sld>
-</file>
-
-<file path=ppt/slides/slide9.xml><?xml version="1.0" encoding="utf-8"?>
-<p:sld xmlns:a="http://schemas.openxmlformats.org/drawingml/2006/main" xmlns:r="http://schemas.openxmlformats.org/officeDocument/2006/relationships" xmlns:p="http://schemas.openxmlformats.org/presentationml/2006/main">
-  <p:cSld>
-    <p:spTree>
-      <p:nvGrpSpPr>
-        <p:cNvPr id="1" name=""/>
-        <p:cNvGrpSpPr/>
-        <p:nvPr/>
-      </p:nvGrpSpPr>
-      <p:grpSpPr>
-        <a:xfrm>
-          <a:off x="0" y="0"/>
-          <a:ext cx="0" cy="0"/>
-          <a:chOff x="0" y="0"/>
-          <a:chExt cx="0" cy="0"/>
-        </a:xfrm>
-      </p:grpSpPr>
-      <p:sp>
-        <p:nvSpPr>
-          <p:cNvPr id="2" name="Title 1">
-            <a:extLst>
-              <a:ext uri="{FF2B5EF4-FFF2-40B4-BE49-F238E27FC236}">
-                <a16:creationId xmlns:a16="http://schemas.microsoft.com/office/drawing/2014/main" id="{AB022965-E97F-4ABE-952A-E830763DA176}"/>
-              </a:ext>
-            </a:extLst>
-          </p:cNvPr>
-          <p:cNvSpPr>
-            <a:spLocks noGrp="1"/>
-          </p:cNvSpPr>
-          <p:nvPr>
-            <p:ph type="title"/>
-          </p:nvPr>
-        </p:nvSpPr>
-        <p:spPr/>
-        <p:txBody>
-          <a:bodyPr/>
-          <a:lstStyle/>
-          <a:p>
-            <a:r>
-              <a:rPr lang="en-US" dirty="0"/>
-              <a:t>Create a database layer</a:t>
-            </a:r>
-          </a:p>
-        </p:txBody>
-      </p:sp>
-      <p:sp>
-        <p:nvSpPr>
-          <p:cNvPr id="3" name="Content Placeholder 2">
-            <a:extLst>
-              <a:ext uri="{FF2B5EF4-FFF2-40B4-BE49-F238E27FC236}">
-                <a16:creationId xmlns:a16="http://schemas.microsoft.com/office/drawing/2014/main" id="{4C086A32-A17E-41FD-AE35-89F73ECBE7A7}"/>
-              </a:ext>
-            </a:extLst>
-          </p:cNvPr>
-          <p:cNvSpPr>
-            <a:spLocks noGrp="1"/>
-          </p:cNvSpPr>
-          <p:nvPr>
-            <p:ph idx="1"/>
-          </p:nvPr>
-        </p:nvSpPr>
-        <p:spPr/>
-        <p:txBody>
-          <a:bodyPr/>
-          <a:lstStyle/>
-          <a:p>
-            <a:r>
-              <a:rPr lang="en-US" dirty="0"/>
-              <a:t>Create a file moviedb.py </a:t>
-            </a:r>
-          </a:p>
-          <a:p>
-            <a:r>
-              <a:rPr lang="en-US" dirty="0"/>
-              <a:t>Implement a class with following functions.</a:t>
-            </a:r>
-          </a:p>
-          <a:p>
-            <a:pPr lvl="1"/>
-            <a:r>
-              <a:rPr lang="en-US" dirty="0"/>
-              <a:t>Get all movies from the database.</a:t>
-            </a:r>
-          </a:p>
-          <a:p>
-            <a:pPr lvl="1"/>
-            <a:r>
-              <a:rPr lang="en-US" dirty="0"/>
-              <a:t>Get a movie from the database, given id as input.</a:t>
-            </a:r>
-          </a:p>
-          <a:p>
-            <a:pPr lvl="1"/>
-            <a:r>
-              <a:rPr lang="en-US" dirty="0"/>
-              <a:t>Update the movie data, when rating is given as input.</a:t>
-            </a:r>
-          </a:p>
-        </p:txBody>
-      </p:sp>
-    </p:spTree>
-    <p:extLst>
-      <p:ext uri="{BB962C8B-B14F-4D97-AF65-F5344CB8AC3E}">
-        <p14:creationId xmlns:p14="http://schemas.microsoft.com/office/powerpoint/2010/main" val="4163895387"/>
       </p:ext>
     </p:extLst>
   </p:cSld>
@@ -9265,4 +15593,299 @@
     </a:ext>
   </a:extLst>
 </a:theme>
+</file>
+
+<file path=ppt/theme/theme2.xml><?xml version="1.0" encoding="utf-8"?>
+<a:theme xmlns:a="http://schemas.openxmlformats.org/drawingml/2006/main" name="Office Theme">
+  <a:themeElements>
+    <a:clrScheme name="Office">
+      <a:dk1>
+        <a:sysClr val="windowText" lastClr="000000"/>
+      </a:dk1>
+      <a:lt1>
+        <a:sysClr val="window" lastClr="FFFFFF"/>
+      </a:lt1>
+      <a:dk2>
+        <a:srgbClr val="44546A"/>
+      </a:dk2>
+      <a:lt2>
+        <a:srgbClr val="E7E6E6"/>
+      </a:lt2>
+      <a:accent1>
+        <a:srgbClr val="4472C4"/>
+      </a:accent1>
+      <a:accent2>
+        <a:srgbClr val="ED7D31"/>
+      </a:accent2>
+      <a:accent3>
+        <a:srgbClr val="A5A5A5"/>
+      </a:accent3>
+      <a:accent4>
+        <a:srgbClr val="FFC000"/>
+      </a:accent4>
+      <a:accent5>
+        <a:srgbClr val="5B9BD5"/>
+      </a:accent5>
+      <a:accent6>
+        <a:srgbClr val="70AD47"/>
+      </a:accent6>
+      <a:hlink>
+        <a:srgbClr val="0563C1"/>
+      </a:hlink>
+      <a:folHlink>
+        <a:srgbClr val="954F72"/>
+      </a:folHlink>
+    </a:clrScheme>
+    <a:fontScheme name="Office">
+      <a:majorFont>
+        <a:latin typeface="Calibri Light" panose="020F0302020204030204"/>
+        <a:ea typeface=""/>
+        <a:cs typeface=""/>
+        <a:font script="Jpan" typeface="游ゴシック Light"/>
+        <a:font script="Hang" typeface="맑은 고딕"/>
+        <a:font script="Hans" typeface="等线 Light"/>
+        <a:font script="Hant" typeface="新細明體"/>
+        <a:font script="Arab" typeface="Times New Roman"/>
+        <a:font script="Hebr" typeface="Times New Roman"/>
+        <a:font script="Thai" typeface="Angsana New"/>
+        <a:font script="Ethi" typeface="Nyala"/>
+        <a:font script="Beng" typeface="Vrinda"/>
+        <a:font script="Gujr" typeface="Shruti"/>
+        <a:font script="Khmr" typeface="MoolBoran"/>
+        <a:font script="Knda" typeface="Tunga"/>
+        <a:font script="Guru" typeface="Raavi"/>
+        <a:font script="Cans" typeface="Euphemia"/>
+        <a:font script="Cher" typeface="Plantagenet Cherokee"/>
+        <a:font script="Yiii" typeface="Microsoft Yi Baiti"/>
+        <a:font script="Tibt" typeface="Microsoft Himalaya"/>
+        <a:font script="Thaa" typeface="MV Boli"/>
+        <a:font script="Deva" typeface="Mangal"/>
+        <a:font script="Telu" typeface="Gautami"/>
+        <a:font script="Taml" typeface="Latha"/>
+        <a:font script="Syrc" typeface="Estrangelo Edessa"/>
+        <a:font script="Orya" typeface="Kalinga"/>
+        <a:font script="Mlym" typeface="Kartika"/>
+        <a:font script="Laoo" typeface="DokChampa"/>
+        <a:font script="Sinh" typeface="Iskoola Pota"/>
+        <a:font script="Mong" typeface="Mongolian Baiti"/>
+        <a:font script="Viet" typeface="Times New Roman"/>
+        <a:font script="Uigh" typeface="Microsoft Uighur"/>
+        <a:font script="Geor" typeface="Sylfaen"/>
+        <a:font script="Armn" typeface="Arial"/>
+        <a:font script="Bugi" typeface="Leelawadee UI"/>
+        <a:font script="Bopo" typeface="Microsoft JhengHei"/>
+        <a:font script="Java" typeface="Javanese Text"/>
+        <a:font script="Lisu" typeface="Segoe UI"/>
+        <a:font script="Mymr" typeface="Myanmar Text"/>
+        <a:font script="Nkoo" typeface="Ebrima"/>
+        <a:font script="Olck" typeface="Nirmala UI"/>
+        <a:font script="Osma" typeface="Ebrima"/>
+        <a:font script="Phag" typeface="Phagspa"/>
+        <a:font script="Syrn" typeface="Estrangelo Edessa"/>
+        <a:font script="Syrj" typeface="Estrangelo Edessa"/>
+        <a:font script="Syre" typeface="Estrangelo Edessa"/>
+        <a:font script="Sora" typeface="Nirmala UI"/>
+        <a:font script="Tale" typeface="Microsoft Tai Le"/>
+        <a:font script="Talu" typeface="Microsoft New Tai Lue"/>
+        <a:font script="Tfng" typeface="Ebrima"/>
+      </a:majorFont>
+      <a:minorFont>
+        <a:latin typeface="Calibri" panose="020F0502020204030204"/>
+        <a:ea typeface=""/>
+        <a:cs typeface=""/>
+        <a:font script="Jpan" typeface="游ゴシック"/>
+        <a:font script="Hang" typeface="맑은 고딕"/>
+        <a:font script="Hans" typeface="等线"/>
+        <a:font script="Hant" typeface="新細明體"/>
+        <a:font script="Arab" typeface="Arial"/>
+        <a:font script="Hebr" typeface="Arial"/>
+        <a:font script="Thai" typeface="Cordia New"/>
+        <a:font script="Ethi" typeface="Nyala"/>
+        <a:font script="Beng" typeface="Vrinda"/>
+        <a:font script="Gujr" typeface="Shruti"/>
+        <a:font script="Khmr" typeface="DaunPenh"/>
+        <a:font script="Knda" typeface="Tunga"/>
+        <a:font script="Guru" typeface="Raavi"/>
+        <a:font script="Cans" typeface="Euphemia"/>
+        <a:font script="Cher" typeface="Plantagenet Cherokee"/>
+        <a:font script="Yiii" typeface="Microsoft Yi Baiti"/>
+        <a:font script="Tibt" typeface="Microsoft Himalaya"/>
+        <a:font script="Thaa" typeface="MV Boli"/>
+        <a:font script="Deva" typeface="Mangal"/>
+        <a:font script="Telu" typeface="Gautami"/>
+        <a:font script="Taml" typeface="Latha"/>
+        <a:font script="Syrc" typeface="Estrangelo Edessa"/>
+        <a:font script="Orya" typeface="Kalinga"/>
+        <a:font script="Mlym" typeface="Kartika"/>
+        <a:font script="Laoo" typeface="DokChampa"/>
+        <a:font script="Sinh" typeface="Iskoola Pota"/>
+        <a:font script="Mong" typeface="Mongolian Baiti"/>
+        <a:font script="Viet" typeface="Arial"/>
+        <a:font script="Uigh" typeface="Microsoft Uighur"/>
+        <a:font script="Geor" typeface="Sylfaen"/>
+        <a:font script="Armn" typeface="Arial"/>
+        <a:font script="Bugi" typeface="Leelawadee UI"/>
+        <a:font script="Bopo" typeface="Microsoft JhengHei"/>
+        <a:font script="Java" typeface="Javanese Text"/>
+        <a:font script="Lisu" typeface="Segoe UI"/>
+        <a:font script="Mymr" typeface="Myanmar Text"/>
+        <a:font script="Nkoo" typeface="Ebrima"/>
+        <a:font script="Olck" typeface="Nirmala UI"/>
+        <a:font script="Osma" typeface="Ebrima"/>
+        <a:font script="Phag" typeface="Phagspa"/>
+        <a:font script="Syrn" typeface="Estrangelo Edessa"/>
+        <a:font script="Syrj" typeface="Estrangelo Edessa"/>
+        <a:font script="Syre" typeface="Estrangelo Edessa"/>
+        <a:font script="Sora" typeface="Nirmala UI"/>
+        <a:font script="Tale" typeface="Microsoft Tai Le"/>
+        <a:font script="Talu" typeface="Microsoft New Tai Lue"/>
+        <a:font script="Tfng" typeface="Ebrima"/>
+      </a:minorFont>
+    </a:fontScheme>
+    <a:fmtScheme name="Office">
+      <a:fillStyleLst>
+        <a:solidFill>
+          <a:schemeClr val="phClr"/>
+        </a:solidFill>
+        <a:gradFill rotWithShape="1">
+          <a:gsLst>
+            <a:gs pos="0">
+              <a:schemeClr val="phClr">
+                <a:lumMod val="110000"/>
+                <a:satMod val="105000"/>
+                <a:tint val="67000"/>
+              </a:schemeClr>
+            </a:gs>
+            <a:gs pos="50000">
+              <a:schemeClr val="phClr">
+                <a:lumMod val="105000"/>
+                <a:satMod val="103000"/>
+                <a:tint val="73000"/>
+              </a:schemeClr>
+            </a:gs>
+            <a:gs pos="100000">
+              <a:schemeClr val="phClr">
+                <a:lumMod val="105000"/>
+                <a:satMod val="109000"/>
+                <a:tint val="81000"/>
+              </a:schemeClr>
+            </a:gs>
+          </a:gsLst>
+          <a:lin ang="5400000" scaled="0"/>
+        </a:gradFill>
+        <a:gradFill rotWithShape="1">
+          <a:gsLst>
+            <a:gs pos="0">
+              <a:schemeClr val="phClr">
+                <a:satMod val="103000"/>
+                <a:lumMod val="102000"/>
+                <a:tint val="94000"/>
+              </a:schemeClr>
+            </a:gs>
+            <a:gs pos="50000">
+              <a:schemeClr val="phClr">
+                <a:satMod val="110000"/>
+                <a:lumMod val="100000"/>
+                <a:shade val="100000"/>
+              </a:schemeClr>
+            </a:gs>
+            <a:gs pos="100000">
+              <a:schemeClr val="phClr">
+                <a:lumMod val="99000"/>
+                <a:satMod val="120000"/>
+                <a:shade val="78000"/>
+              </a:schemeClr>
+            </a:gs>
+          </a:gsLst>
+          <a:lin ang="5400000" scaled="0"/>
+        </a:gradFill>
+      </a:fillStyleLst>
+      <a:lnStyleLst>
+        <a:ln w="6350" cap="flat" cmpd="sng" algn="ctr">
+          <a:solidFill>
+            <a:schemeClr val="phClr"/>
+          </a:solidFill>
+          <a:prstDash val="solid"/>
+          <a:miter lim="800000"/>
+        </a:ln>
+        <a:ln w="12700" cap="flat" cmpd="sng" algn="ctr">
+          <a:solidFill>
+            <a:schemeClr val="phClr"/>
+          </a:solidFill>
+          <a:prstDash val="solid"/>
+          <a:miter lim="800000"/>
+        </a:ln>
+        <a:ln w="19050" cap="flat" cmpd="sng" algn="ctr">
+          <a:solidFill>
+            <a:schemeClr val="phClr"/>
+          </a:solidFill>
+          <a:prstDash val="solid"/>
+          <a:miter lim="800000"/>
+        </a:ln>
+      </a:lnStyleLst>
+      <a:effectStyleLst>
+        <a:effectStyle>
+          <a:effectLst/>
+        </a:effectStyle>
+        <a:effectStyle>
+          <a:effectLst/>
+        </a:effectStyle>
+        <a:effectStyle>
+          <a:effectLst>
+            <a:outerShdw blurRad="57150" dist="19050" dir="5400000" algn="ctr" rotWithShape="0">
+              <a:srgbClr val="000000">
+                <a:alpha val="63000"/>
+              </a:srgbClr>
+            </a:outerShdw>
+          </a:effectLst>
+        </a:effectStyle>
+      </a:effectStyleLst>
+      <a:bgFillStyleLst>
+        <a:solidFill>
+          <a:schemeClr val="phClr"/>
+        </a:solidFill>
+        <a:solidFill>
+          <a:schemeClr val="phClr">
+            <a:tint val="95000"/>
+            <a:satMod val="170000"/>
+          </a:schemeClr>
+        </a:solidFill>
+        <a:gradFill rotWithShape="1">
+          <a:gsLst>
+            <a:gs pos="0">
+              <a:schemeClr val="phClr">
+                <a:tint val="93000"/>
+                <a:satMod val="150000"/>
+                <a:shade val="98000"/>
+                <a:lumMod val="102000"/>
+              </a:schemeClr>
+            </a:gs>
+            <a:gs pos="50000">
+              <a:schemeClr val="phClr">
+                <a:tint val="98000"/>
+                <a:satMod val="130000"/>
+                <a:shade val="90000"/>
+                <a:lumMod val="103000"/>
+              </a:schemeClr>
+            </a:gs>
+            <a:gs pos="100000">
+              <a:schemeClr val="phClr">
+                <a:shade val="63000"/>
+                <a:satMod val="120000"/>
+              </a:schemeClr>
+            </a:gs>
+          </a:gsLst>
+          <a:lin ang="5400000" scaled="0"/>
+        </a:gradFill>
+      </a:bgFillStyleLst>
+    </a:fmtScheme>
+  </a:themeElements>
+  <a:objectDefaults/>
+  <a:extraClrSchemeLst/>
+  <a:extLst>
+    <a:ext uri="{05A4C25C-085E-4340-85A3-A5531E510DB2}">
+      <thm15:themeFamily xmlns:thm15="http://schemas.microsoft.com/office/thememl/2012/main" name="Office Theme" id="{62F939B6-93AF-4DB8-9C6B-D6C7DFDC589F}" vid="{4A3C46E8-61CC-4603-A589-7422A47A8E4A}"/>
+    </a:ext>
+  </a:extLst>
+</a:theme>
 </file>
--- a/Fullstack Tutorial.pptx
+++ b/Fullstack Tutorial.pptx
@@ -5,7 +5,7 @@
     <p:sldMasterId id="2147483648" r:id="rId1"/>
   </p:sldMasterIdLst>
   <p:notesMasterIdLst>
-    <p:notesMasterId r:id="rId29"/>
+    <p:notesMasterId r:id="rId33"/>
   </p:notesMasterIdLst>
   <p:sldIdLst>
     <p:sldId id="256" r:id="rId2"/>
@@ -34,7 +34,11 @@
     <p:sldId id="283" r:id="rId25"/>
     <p:sldId id="284" r:id="rId26"/>
     <p:sldId id="285" r:id="rId27"/>
-    <p:sldId id="286" r:id="rId28"/>
+    <p:sldId id="287" r:id="rId28"/>
+    <p:sldId id="288" r:id="rId29"/>
+    <p:sldId id="289" r:id="rId30"/>
+    <p:sldId id="286" r:id="rId31"/>
+    <p:sldId id="290" r:id="rId32"/>
   </p:sldIdLst>
   <p:sldSz cx="12192000" cy="6858000"/>
   <p:notesSz cx="6858000" cy="9144000"/>
@@ -7956,7 +7960,7 @@
         <p:spPr>
           <a:xfrm>
             <a:off x="838200" y="2091670"/>
-            <a:ext cx="10563237" cy="4401205"/>
+            <a:ext cx="10563237" cy="3970318"/>
           </a:xfrm>
           <a:prstGeom prst="rect">
             <a:avLst/>
@@ -8122,14 +8126,6 @@
               </a:rPr>
               <a:t>&gt;</a:t>
             </a:r>
-            <a:endParaRPr lang="en-US" sz="2800" dirty="0">
-              <a:solidFill>
-                <a:srgbClr val="D4D4D4"/>
-              </a:solidFill>
-              <a:latin typeface="Consolas" panose="020B0609020204030204" pitchFamily="49" charset="0"/>
-            </a:endParaRPr>
-          </a:p>
-          <a:p>
             <a:r>
               <a:rPr lang="en-US" sz="2800" dirty="0">
                 <a:solidFill>
@@ -8137,43 +8133,7 @@
                 </a:solidFill>
                 <a:latin typeface="Consolas" panose="020B0609020204030204" pitchFamily="49" charset="0"/>
               </a:rPr>
-              <a:t>    {% block </a:t>
-            </a:r>
-            <a:r>
-              <a:rPr lang="en-US" sz="2800" dirty="0" err="1">
-                <a:solidFill>
-                  <a:srgbClr val="D4D4D4"/>
-                </a:solidFill>
-                <a:latin typeface="Consolas" panose="020B0609020204030204" pitchFamily="49" charset="0"/>
-              </a:rPr>
-              <a:t>head_block</a:t>
-            </a:r>
-            <a:r>
-              <a:rPr lang="en-US" sz="2800" dirty="0">
-                <a:solidFill>
-                  <a:srgbClr val="D4D4D4"/>
-                </a:solidFill>
-                <a:latin typeface="Consolas" panose="020B0609020204030204" pitchFamily="49" charset="0"/>
-              </a:rPr>
-              <a:t> %}{% </a:t>
-            </a:r>
-            <a:r>
-              <a:rPr lang="en-US" sz="2800" dirty="0" err="1">
-                <a:solidFill>
-                  <a:srgbClr val="D4D4D4"/>
-                </a:solidFill>
-                <a:latin typeface="Consolas" panose="020B0609020204030204" pitchFamily="49" charset="0"/>
-              </a:rPr>
-              <a:t>endblock</a:t>
-            </a:r>
-            <a:r>
-              <a:rPr lang="en-US" sz="2800" dirty="0">
-                <a:solidFill>
-                  <a:srgbClr val="D4D4D4"/>
-                </a:solidFill>
-                <a:latin typeface="Consolas" panose="020B0609020204030204" pitchFamily="49" charset="0"/>
-              </a:rPr>
-              <a:t> %}</a:t>
+              <a:t>   </a:t>
             </a:r>
           </a:p>
           <a:p>
@@ -10813,21 +10773,15 @@
           <a:p>
             <a:r>
               <a:rPr lang="en-US" dirty="0"/>
-              <a:t>Add </a:t>
+              <a:t>Edit the head section of base.html to include the required </a:t>
             </a:r>
             <a:r>
               <a:rPr lang="en-US" dirty="0" err="1"/>
-              <a:t>jquery</a:t>
+              <a:t>javascript</a:t>
             </a:r>
             <a:r>
               <a:rPr lang="en-US" dirty="0"/>
-              <a:t> to base.html</a:t>
-            </a:r>
-          </a:p>
-          <a:p>
-            <a:r>
-              <a:rPr lang="en-US" dirty="0"/>
-              <a:t>Add reference to event handler in base.html</a:t>
+              <a:t>.</a:t>
             </a:r>
           </a:p>
         </p:txBody>
@@ -11160,43 +11114,7 @@
                 </a:solidFill>
                 <a:latin typeface="Consolas" panose="020B0609020204030204" pitchFamily="49" charset="0"/>
               </a:rPr>
-              <a:t>  </a:t>
-            </a:r>
-            <a:r>
-              <a:rPr lang="en-US" sz="1800" dirty="0">
-                <a:solidFill>
-                  <a:srgbClr val="9CDCFE"/>
-                </a:solidFill>
-                <a:latin typeface="Consolas" panose="020B0609020204030204" pitchFamily="49" charset="0"/>
-              </a:rPr>
-              <a:t>integrity</a:t>
-            </a:r>
-            <a:r>
-              <a:rPr lang="en-US" sz="1800" dirty="0">
-                <a:solidFill>
-                  <a:srgbClr val="D4D4D4"/>
-                </a:solidFill>
-                <a:latin typeface="Consolas" panose="020B0609020204030204" pitchFamily="49" charset="0"/>
-              </a:rPr>
-              <a:t>=</a:t>
-            </a:r>
-            <a:r>
-              <a:rPr lang="en-US" sz="1800" dirty="0">
-                <a:solidFill>
-                  <a:srgbClr val="CE9178"/>
-                </a:solidFill>
-                <a:latin typeface="Consolas" panose="020B0609020204030204" pitchFamily="49" charset="0"/>
-              </a:rPr>
-              <a:t>"sha256-WpOohJOqMqqyKL9FccASB9O0KwACQJpFTUBLTYOVvVU="</a:t>
-            </a:r>
-            <a:r>
-              <a:rPr lang="en-US" sz="1800" dirty="0">
-                <a:solidFill>
-                  <a:srgbClr val="D4D4D4"/>
-                </a:solidFill>
-                <a:latin typeface="Consolas" panose="020B0609020204030204" pitchFamily="49" charset="0"/>
-              </a:rPr>
-              <a:t>  </a:t>
+              <a:t> </a:t>
             </a:r>
             <a:r>
               <a:rPr lang="en-US" sz="1800" dirty="0" err="1">
@@ -11368,74 +11286,6 @@
               </a:solidFill>
               <a:latin typeface="Consolas" panose="020B0609020204030204" pitchFamily="49" charset="0"/>
             </a:endParaRPr>
-          </a:p>
-          <a:p>
-            <a:pPr marL="0" indent="0">
-              <a:buNone/>
-            </a:pPr>
-            <a:r>
-              <a:rPr lang="en-US" sz="1800" dirty="0">
-                <a:solidFill>
-                  <a:srgbClr val="D4D4D4"/>
-                </a:solidFill>
-                <a:latin typeface="Consolas" panose="020B0609020204030204" pitchFamily="49" charset="0"/>
-              </a:rPr>
-              <a:t>    {% </a:t>
-            </a:r>
-            <a:r>
-              <a:rPr lang="en-US" sz="1800" dirty="0">
-                <a:solidFill>
-                  <a:srgbClr val="C586C0"/>
-                </a:solidFill>
-                <a:latin typeface="Consolas" panose="020B0609020204030204" pitchFamily="49" charset="0"/>
-              </a:rPr>
-              <a:t>block</a:t>
-            </a:r>
-            <a:r>
-              <a:rPr lang="en-US" sz="1800" dirty="0">
-                <a:solidFill>
-                  <a:srgbClr val="D4D4D4"/>
-                </a:solidFill>
-                <a:latin typeface="Consolas" panose="020B0609020204030204" pitchFamily="49" charset="0"/>
-              </a:rPr>
-              <a:t> </a:t>
-            </a:r>
-            <a:r>
-              <a:rPr lang="en-US" sz="1800" dirty="0" err="1">
-                <a:solidFill>
-                  <a:srgbClr val="9CDCFE"/>
-                </a:solidFill>
-                <a:latin typeface="Consolas" panose="020B0609020204030204" pitchFamily="49" charset="0"/>
-              </a:rPr>
-              <a:t>head_block</a:t>
-            </a:r>
-            <a:r>
-              <a:rPr lang="en-US" sz="1800" dirty="0">
-                <a:solidFill>
-                  <a:srgbClr val="D4D4D4"/>
-                </a:solidFill>
-                <a:latin typeface="Consolas" panose="020B0609020204030204" pitchFamily="49" charset="0"/>
-              </a:rPr>
-              <a:t> %} {% </a:t>
-            </a:r>
-            <a:r>
-              <a:rPr lang="en-US" sz="1800" dirty="0" err="1">
-                <a:solidFill>
-                  <a:srgbClr val="C586C0"/>
-                </a:solidFill>
-                <a:latin typeface="Consolas" panose="020B0609020204030204" pitchFamily="49" charset="0"/>
-              </a:rPr>
-              <a:t>endblock</a:t>
-            </a:r>
-            <a:r>
-              <a:rPr lang="en-US" sz="1800" dirty="0">
-                <a:solidFill>
-                  <a:srgbClr val="D4D4D4"/>
-                </a:solidFill>
-                <a:latin typeface="Consolas" panose="020B0609020204030204" pitchFamily="49" charset="0"/>
-              </a:rPr>
-              <a:t> %}</a:t>
-            </a:r>
           </a:p>
           <a:p>
             <a:pPr marL="0" indent="0">
@@ -11810,7 +11660,435 @@
           <p:cNvPr id="2" name="Title 1">
             <a:extLst>
               <a:ext uri="{FF2B5EF4-FFF2-40B4-BE49-F238E27FC236}">
-                <a16:creationId xmlns:a16="http://schemas.microsoft.com/office/drawing/2014/main" id="{9D0BA249-DBF2-49E1-A8B1-7446CD0D7A03}"/>
+                <a16:creationId xmlns:a16="http://schemas.microsoft.com/office/drawing/2014/main" id="{32D862FE-4104-4A4F-A517-E76B0E9B8A93}"/>
+              </a:ext>
+            </a:extLst>
+          </p:cNvPr>
+          <p:cNvSpPr>
+            <a:spLocks noGrp="1"/>
+          </p:cNvSpPr>
+          <p:nvPr>
+            <p:ph type="title"/>
+          </p:nvPr>
+        </p:nvSpPr>
+        <p:spPr/>
+        <p:txBody>
+          <a:bodyPr/>
+          <a:lstStyle/>
+          <a:p>
+            <a:r>
+              <a:rPr lang="en-US" dirty="0"/>
+              <a:t>eventhandler.js</a:t>
+            </a:r>
+          </a:p>
+        </p:txBody>
+      </p:sp>
+      <p:sp>
+        <p:nvSpPr>
+          <p:cNvPr id="3" name="Content Placeholder 2">
+            <a:extLst>
+              <a:ext uri="{FF2B5EF4-FFF2-40B4-BE49-F238E27FC236}">
+                <a16:creationId xmlns:a16="http://schemas.microsoft.com/office/drawing/2014/main" id="{BB9D505D-43A1-45D1-8245-2D74651CB9BD}"/>
+              </a:ext>
+            </a:extLst>
+          </p:cNvPr>
+          <p:cNvSpPr>
+            <a:spLocks noGrp="1"/>
+          </p:cNvSpPr>
+          <p:nvPr>
+            <p:ph idx="1"/>
+          </p:nvPr>
+        </p:nvSpPr>
+        <p:spPr>
+          <a:xfrm>
+            <a:off x="838200" y="1690688"/>
+            <a:ext cx="10515600" cy="1754326"/>
+          </a:xfrm>
+        </p:spPr>
+        <p:txBody>
+          <a:bodyPr>
+            <a:normAutofit lnSpcReduction="10000"/>
+          </a:bodyPr>
+          <a:lstStyle/>
+          <a:p>
+            <a:r>
+              <a:rPr lang="en-US" dirty="0"/>
+              <a:t>Create a function that gets called when the rating field is double clicked.</a:t>
+            </a:r>
+            <a:r>
+              <a:rPr lang="en-US" sz="1500" dirty="0">
+                <a:solidFill>
+                  <a:srgbClr val="DCDCAA"/>
+                </a:solidFill>
+                <a:latin typeface="Consolas" panose="020B0609020204030204" pitchFamily="49" charset="0"/>
+              </a:rPr>
+              <a:t> </a:t>
+            </a:r>
+          </a:p>
+          <a:p>
+            <a:r>
+              <a:rPr lang="en-US" dirty="0"/>
+              <a:t>We need an identifier to find if any rating field is clicked, so lets add a class = “</a:t>
+            </a:r>
+            <a:r>
+              <a:rPr lang="en-US" dirty="0" err="1"/>
+              <a:t>rating_cell</a:t>
+            </a:r>
+            <a:r>
+              <a:rPr lang="en-US" dirty="0"/>
+              <a:t>” for all the rating cells.</a:t>
+            </a:r>
+          </a:p>
+          <a:p>
+            <a:endParaRPr lang="en-US" dirty="0"/>
+          </a:p>
+          <a:p>
+            <a:endParaRPr lang="en-US" dirty="0"/>
+          </a:p>
+          <a:p>
+            <a:pPr marL="0" lvl="0" indent="0">
+              <a:buNone/>
+            </a:pPr>
+            <a:endParaRPr lang="en-US" sz="1500" dirty="0">
+              <a:solidFill>
+                <a:srgbClr val="DCDCAA"/>
+              </a:solidFill>
+              <a:latin typeface="Consolas" panose="020B0609020204030204" pitchFamily="49" charset="0"/>
+            </a:endParaRPr>
+          </a:p>
+          <a:p>
+            <a:endParaRPr lang="en-US" dirty="0"/>
+          </a:p>
+        </p:txBody>
+      </p:sp>
+      <p:sp>
+        <p:nvSpPr>
+          <p:cNvPr id="4" name="Rectangle 3">
+            <a:extLst>
+              <a:ext uri="{FF2B5EF4-FFF2-40B4-BE49-F238E27FC236}">
+                <a16:creationId xmlns:a16="http://schemas.microsoft.com/office/drawing/2014/main" id="{6AAC156D-524F-4CD6-9B24-355CD92FF5C5}"/>
+              </a:ext>
+            </a:extLst>
+          </p:cNvPr>
+          <p:cNvSpPr/>
+          <p:nvPr/>
+        </p:nvSpPr>
+        <p:spPr>
+          <a:xfrm>
+            <a:off x="1028699" y="3792537"/>
+            <a:ext cx="10134602" cy="2308324"/>
+          </a:xfrm>
+          <a:prstGeom prst="rect">
+            <a:avLst/>
+          </a:prstGeom>
+          <a:solidFill>
+            <a:schemeClr val="tx1"/>
+          </a:solidFill>
+        </p:spPr>
+        <p:txBody>
+          <a:bodyPr wrap="square">
+            <a:spAutoFit/>
+          </a:bodyPr>
+          <a:lstStyle/>
+          <a:p>
+            <a:pPr lvl="0"/>
+            <a:r>
+              <a:rPr lang="en-US" sz="2400" dirty="0">
+                <a:solidFill>
+                  <a:srgbClr val="DCDCAA"/>
+                </a:solidFill>
+                <a:latin typeface="Consolas" panose="020B0609020204030204" pitchFamily="49" charset="0"/>
+              </a:rPr>
+              <a:t>$</a:t>
+            </a:r>
+            <a:r>
+              <a:rPr lang="en-US" sz="2400" dirty="0">
+                <a:solidFill>
+                  <a:srgbClr val="D4D4D4"/>
+                </a:solidFill>
+                <a:latin typeface="Consolas" panose="020B0609020204030204" pitchFamily="49" charset="0"/>
+              </a:rPr>
+              <a:t>(</a:t>
+            </a:r>
+            <a:r>
+              <a:rPr lang="en-US" sz="2400" dirty="0">
+                <a:solidFill>
+                  <a:srgbClr val="569CD6"/>
+                </a:solidFill>
+                <a:latin typeface="Consolas" panose="020B0609020204030204" pitchFamily="49" charset="0"/>
+              </a:rPr>
+              <a:t>function</a:t>
+            </a:r>
+            <a:r>
+              <a:rPr lang="en-US" sz="2400" dirty="0">
+                <a:solidFill>
+                  <a:srgbClr val="D4D4D4"/>
+                </a:solidFill>
+                <a:latin typeface="Consolas" panose="020B0609020204030204" pitchFamily="49" charset="0"/>
+              </a:rPr>
+              <a:t> () {</a:t>
+            </a:r>
+          </a:p>
+          <a:p>
+            <a:pPr lvl="0"/>
+            <a:r>
+              <a:rPr lang="en-US" sz="2400" dirty="0">
+                <a:solidFill>
+                  <a:srgbClr val="D4D4D4"/>
+                </a:solidFill>
+                <a:latin typeface="Consolas" panose="020B0609020204030204" pitchFamily="49" charset="0"/>
+              </a:rPr>
+              <a:t>    </a:t>
+            </a:r>
+            <a:r>
+              <a:rPr lang="en-US" sz="2400" dirty="0">
+                <a:solidFill>
+                  <a:srgbClr val="DCDCAA"/>
+                </a:solidFill>
+                <a:latin typeface="Consolas" panose="020B0609020204030204" pitchFamily="49" charset="0"/>
+              </a:rPr>
+              <a:t>$</a:t>
+            </a:r>
+            <a:r>
+              <a:rPr lang="en-US" sz="2400" dirty="0">
+                <a:solidFill>
+                  <a:srgbClr val="D4D4D4"/>
+                </a:solidFill>
+                <a:latin typeface="Consolas" panose="020B0609020204030204" pitchFamily="49" charset="0"/>
+              </a:rPr>
+              <a:t>(</a:t>
+            </a:r>
+            <a:r>
+              <a:rPr lang="en-US" sz="2400" dirty="0">
+                <a:solidFill>
+                  <a:srgbClr val="CE9178"/>
+                </a:solidFill>
+                <a:latin typeface="Consolas" panose="020B0609020204030204" pitchFamily="49" charset="0"/>
+              </a:rPr>
+              <a:t>".</a:t>
+            </a:r>
+            <a:r>
+              <a:rPr lang="en-US" sz="2400" dirty="0" err="1">
+                <a:solidFill>
+                  <a:srgbClr val="CE9178"/>
+                </a:solidFill>
+                <a:latin typeface="Consolas" panose="020B0609020204030204" pitchFamily="49" charset="0"/>
+              </a:rPr>
+              <a:t>rating_cell</a:t>
+            </a:r>
+            <a:r>
+              <a:rPr lang="en-US" sz="2400" dirty="0">
+                <a:solidFill>
+                  <a:srgbClr val="CE9178"/>
+                </a:solidFill>
+                <a:latin typeface="Consolas" panose="020B0609020204030204" pitchFamily="49" charset="0"/>
+              </a:rPr>
+              <a:t>"</a:t>
+            </a:r>
+            <a:r>
+              <a:rPr lang="en-US" sz="2400" dirty="0">
+                <a:solidFill>
+                  <a:srgbClr val="D4D4D4"/>
+                </a:solidFill>
+                <a:latin typeface="Consolas" panose="020B0609020204030204" pitchFamily="49" charset="0"/>
+              </a:rPr>
+              <a:t>).</a:t>
+            </a:r>
+            <a:r>
+              <a:rPr lang="en-US" sz="2400" dirty="0" err="1">
+                <a:solidFill>
+                  <a:srgbClr val="DCDCAA"/>
+                </a:solidFill>
+                <a:latin typeface="Consolas" panose="020B0609020204030204" pitchFamily="49" charset="0"/>
+              </a:rPr>
+              <a:t>dblclick</a:t>
+            </a:r>
+            <a:r>
+              <a:rPr lang="en-US" sz="2400" dirty="0">
+                <a:solidFill>
+                  <a:srgbClr val="D4D4D4"/>
+                </a:solidFill>
+                <a:latin typeface="Consolas" panose="020B0609020204030204" pitchFamily="49" charset="0"/>
+              </a:rPr>
+              <a:t>(</a:t>
+            </a:r>
+            <a:r>
+              <a:rPr lang="en-US" sz="2400" dirty="0">
+                <a:solidFill>
+                  <a:srgbClr val="569CD6"/>
+                </a:solidFill>
+                <a:latin typeface="Consolas" panose="020B0609020204030204" pitchFamily="49" charset="0"/>
+              </a:rPr>
+              <a:t>function</a:t>
+            </a:r>
+            <a:r>
+              <a:rPr lang="en-US" sz="2400" dirty="0">
+                <a:solidFill>
+                  <a:srgbClr val="D4D4D4"/>
+                </a:solidFill>
+                <a:latin typeface="Consolas" panose="020B0609020204030204" pitchFamily="49" charset="0"/>
+              </a:rPr>
+              <a:t> (</a:t>
+            </a:r>
+            <a:r>
+              <a:rPr lang="en-US" sz="2400" dirty="0">
+                <a:solidFill>
+                  <a:srgbClr val="9CDCFE"/>
+                </a:solidFill>
+                <a:latin typeface="Consolas" panose="020B0609020204030204" pitchFamily="49" charset="0"/>
+              </a:rPr>
+              <a:t>e</a:t>
+            </a:r>
+            <a:r>
+              <a:rPr lang="en-US" sz="2400" dirty="0">
+                <a:solidFill>
+                  <a:srgbClr val="D4D4D4"/>
+                </a:solidFill>
+                <a:latin typeface="Consolas" panose="020B0609020204030204" pitchFamily="49" charset="0"/>
+              </a:rPr>
+              <a:t>) {</a:t>
+            </a:r>
+          </a:p>
+          <a:p>
+            <a:pPr lvl="0"/>
+            <a:r>
+              <a:rPr lang="en-US" sz="2400" dirty="0">
+                <a:solidFill>
+                  <a:srgbClr val="D4D4D4"/>
+                </a:solidFill>
+                <a:latin typeface="Consolas" panose="020B0609020204030204" pitchFamily="49" charset="0"/>
+              </a:rPr>
+              <a:t>        </a:t>
+            </a:r>
+            <a:r>
+              <a:rPr lang="en-US" sz="2400" dirty="0" err="1">
+                <a:solidFill>
+                  <a:srgbClr val="9CDCFE"/>
+                </a:solidFill>
+                <a:latin typeface="Consolas" panose="020B0609020204030204" pitchFamily="49" charset="0"/>
+              </a:rPr>
+              <a:t>e</a:t>
+            </a:r>
+            <a:r>
+              <a:rPr lang="en-US" sz="2400" dirty="0" err="1">
+                <a:solidFill>
+                  <a:srgbClr val="D4D4D4"/>
+                </a:solidFill>
+                <a:latin typeface="Consolas" panose="020B0609020204030204" pitchFamily="49" charset="0"/>
+              </a:rPr>
+              <a:t>.</a:t>
+            </a:r>
+            <a:r>
+              <a:rPr lang="en-US" sz="2400" dirty="0" err="1">
+                <a:solidFill>
+                  <a:srgbClr val="DCDCAA"/>
+                </a:solidFill>
+                <a:latin typeface="Consolas" panose="020B0609020204030204" pitchFamily="49" charset="0"/>
+              </a:rPr>
+              <a:t>stopPropagation</a:t>
+            </a:r>
+            <a:r>
+              <a:rPr lang="en-US" sz="2400" dirty="0">
+                <a:solidFill>
+                  <a:srgbClr val="D4D4D4"/>
+                </a:solidFill>
+                <a:latin typeface="Consolas" panose="020B0609020204030204" pitchFamily="49" charset="0"/>
+              </a:rPr>
+              <a:t>();</a:t>
+            </a:r>
+          </a:p>
+          <a:p>
+            <a:pPr lvl="0"/>
+            <a:r>
+              <a:rPr lang="en-US" sz="2400" dirty="0">
+                <a:solidFill>
+                  <a:srgbClr val="D4D4D4"/>
+                </a:solidFill>
+                <a:latin typeface="Consolas" panose="020B0609020204030204" pitchFamily="49" charset="0"/>
+              </a:rPr>
+              <a:t>        </a:t>
+            </a:r>
+            <a:r>
+              <a:rPr lang="en-US" sz="2400" dirty="0">
+                <a:solidFill>
+                  <a:srgbClr val="569CD6"/>
+                </a:solidFill>
+                <a:latin typeface="Consolas" panose="020B0609020204030204" pitchFamily="49" charset="0"/>
+              </a:rPr>
+              <a:t>alert(“I am double clicked”)</a:t>
+            </a:r>
+            <a:r>
+              <a:rPr lang="en-US" sz="2400" dirty="0">
+                <a:solidFill>
+                  <a:srgbClr val="D4D4D4"/>
+                </a:solidFill>
+                <a:latin typeface="Consolas" panose="020B0609020204030204" pitchFamily="49" charset="0"/>
+              </a:rPr>
+              <a:t>;</a:t>
+            </a:r>
+          </a:p>
+          <a:p>
+            <a:pPr lvl="0"/>
+            <a:r>
+              <a:rPr lang="en-US" sz="2400" dirty="0">
+                <a:solidFill>
+                  <a:srgbClr val="D4D4D4"/>
+                </a:solidFill>
+                <a:latin typeface="Consolas" panose="020B0609020204030204" pitchFamily="49" charset="0"/>
+              </a:rPr>
+              <a:t>    });</a:t>
+            </a:r>
+          </a:p>
+          <a:p>
+            <a:pPr lvl="0"/>
+            <a:r>
+              <a:rPr lang="en-US" sz="2400" dirty="0">
+                <a:solidFill>
+                  <a:srgbClr val="D4D4D4"/>
+                </a:solidFill>
+                <a:latin typeface="Consolas" panose="020B0609020204030204" pitchFamily="49" charset="0"/>
+              </a:rPr>
+              <a:t>});</a:t>
+            </a:r>
+          </a:p>
+        </p:txBody>
+      </p:sp>
+    </p:spTree>
+    <p:extLst>
+      <p:ext uri="{BB962C8B-B14F-4D97-AF65-F5344CB8AC3E}">
+        <p14:creationId xmlns:p14="http://schemas.microsoft.com/office/powerpoint/2010/main" val="2181332568"/>
+      </p:ext>
+    </p:extLst>
+  </p:cSld>
+  <p:clrMapOvr>
+    <a:masterClrMapping/>
+  </p:clrMapOvr>
+</p:sld>
+</file>
+
+<file path=ppt/slides/slide28.xml><?xml version="1.0" encoding="utf-8"?>
+<p:sld xmlns:a="http://schemas.openxmlformats.org/drawingml/2006/main" xmlns:r="http://schemas.openxmlformats.org/officeDocument/2006/relationships" xmlns:p="http://schemas.openxmlformats.org/presentationml/2006/main">
+  <p:cSld>
+    <p:spTree>
+      <p:nvGrpSpPr>
+        <p:cNvPr id="1" name=""/>
+        <p:cNvGrpSpPr/>
+        <p:nvPr/>
+      </p:nvGrpSpPr>
+      <p:grpSpPr>
+        <a:xfrm>
+          <a:off x="0" y="0"/>
+          <a:ext cx="0" cy="0"/>
+          <a:chOff x="0" y="0"/>
+          <a:chExt cx="0" cy="0"/>
+        </a:xfrm>
+      </p:grpSpPr>
+      <p:sp>
+        <p:nvSpPr>
+          <p:cNvPr id="5" name="Title 1">
+            <a:extLst>
+              <a:ext uri="{FF2B5EF4-FFF2-40B4-BE49-F238E27FC236}">
+                <a16:creationId xmlns:a16="http://schemas.microsoft.com/office/drawing/2014/main" id="{854C85E7-9AFD-40D6-AEC3-A039325C6484}"/>
               </a:ext>
             </a:extLst>
           </p:cNvPr>
@@ -11823,14 +12101,71 @@
         </p:nvSpPr>
         <p:spPr>
           <a:xfrm>
-            <a:off x="0" y="77333"/>
-            <a:ext cx="10515600" cy="603704"/>
+            <a:off x="141514" y="2682328"/>
+            <a:ext cx="11832771" cy="1325563"/>
           </a:xfrm>
         </p:spPr>
         <p:txBody>
-          <a:bodyPr>
-            <a:normAutofit fontScale="90000"/>
-          </a:bodyPr>
+          <a:bodyPr/>
+          <a:lstStyle/>
+          <a:p>
+            <a:pPr algn="ctr"/>
+            <a:r>
+              <a:rPr lang="en-US" dirty="0"/>
+              <a:t>Checkpoint : Did the alert appear on double click?</a:t>
+            </a:r>
+          </a:p>
+        </p:txBody>
+      </p:sp>
+    </p:spTree>
+    <p:extLst>
+      <p:ext uri="{BB962C8B-B14F-4D97-AF65-F5344CB8AC3E}">
+        <p14:creationId xmlns:p14="http://schemas.microsoft.com/office/powerpoint/2010/main" val="1137648596"/>
+      </p:ext>
+    </p:extLst>
+  </p:cSld>
+  <p:clrMapOvr>
+    <a:masterClrMapping/>
+  </p:clrMapOvr>
+</p:sld>
+</file>
+
+<file path=ppt/slides/slide29.xml><?xml version="1.0" encoding="utf-8"?>
+<p:sld xmlns:a="http://schemas.openxmlformats.org/drawingml/2006/main" xmlns:r="http://schemas.openxmlformats.org/officeDocument/2006/relationships" xmlns:p="http://schemas.openxmlformats.org/presentationml/2006/main">
+  <p:cSld>
+    <p:spTree>
+      <p:nvGrpSpPr>
+        <p:cNvPr id="1" name=""/>
+        <p:cNvGrpSpPr/>
+        <p:nvPr/>
+      </p:nvGrpSpPr>
+      <p:grpSpPr>
+        <a:xfrm>
+          <a:off x="0" y="0"/>
+          <a:ext cx="0" cy="0"/>
+          <a:chOff x="0" y="0"/>
+          <a:chExt cx="0" cy="0"/>
+        </a:xfrm>
+      </p:grpSpPr>
+      <p:sp>
+        <p:nvSpPr>
+          <p:cNvPr id="2" name="Title 1">
+            <a:extLst>
+              <a:ext uri="{FF2B5EF4-FFF2-40B4-BE49-F238E27FC236}">
+                <a16:creationId xmlns:a16="http://schemas.microsoft.com/office/drawing/2014/main" id="{0BDA4907-E0F4-4674-A38F-D2D28186FC4E}"/>
+              </a:ext>
+            </a:extLst>
+          </p:cNvPr>
+          <p:cNvSpPr>
+            <a:spLocks noGrp="1"/>
+          </p:cNvSpPr>
+          <p:nvPr>
+            <p:ph type="title"/>
+          </p:nvPr>
+        </p:nvSpPr>
+        <p:spPr/>
+        <p:txBody>
+          <a:bodyPr/>
           <a:lstStyle/>
           <a:p>
             <a:r>
@@ -11845,7 +12180,7 @@
           <p:cNvPr id="3" name="Content Placeholder 2">
             <a:extLst>
               <a:ext uri="{FF2B5EF4-FFF2-40B4-BE49-F238E27FC236}">
-                <a16:creationId xmlns:a16="http://schemas.microsoft.com/office/drawing/2014/main" id="{36362407-461E-4E3A-BB61-827E255F49D8}"/>
+                <a16:creationId xmlns:a16="http://schemas.microsoft.com/office/drawing/2014/main" id="{FC085861-025F-419C-B008-62BEFB3F5DC7}"/>
               </a:ext>
             </a:extLst>
           </p:cNvPr>
@@ -11856,1513 +12191,40 @@
             <p:ph idx="1"/>
           </p:nvPr>
         </p:nvSpPr>
-        <p:spPr>
-          <a:xfrm>
-            <a:off x="119743" y="681037"/>
-            <a:ext cx="11876314" cy="6099630"/>
-          </a:xfrm>
-          <a:solidFill>
-            <a:schemeClr val="tx1"/>
-          </a:solidFill>
-        </p:spPr>
+        <p:spPr/>
         <p:txBody>
-          <a:bodyPr>
-            <a:normAutofit fontScale="55000" lnSpcReduction="20000"/>
-          </a:bodyPr>
+          <a:bodyPr/>
           <a:lstStyle/>
           <a:p>
-            <a:pPr marL="0" indent="0">
-              <a:buNone/>
-            </a:pPr>
-            <a:r>
-              <a:rPr lang="en-US" dirty="0">
-                <a:solidFill>
-                  <a:srgbClr val="DCDCAA"/>
-                </a:solidFill>
-                <a:latin typeface="Consolas" panose="020B0609020204030204" pitchFamily="49" charset="0"/>
-              </a:rPr>
-              <a:t>$</a:t>
-            </a:r>
-            <a:r>
-              <a:rPr lang="en-US" dirty="0">
-                <a:solidFill>
-                  <a:srgbClr val="D4D4D4"/>
-                </a:solidFill>
-                <a:latin typeface="Consolas" panose="020B0609020204030204" pitchFamily="49" charset="0"/>
-              </a:rPr>
-              <a:t>(</a:t>
-            </a:r>
-            <a:r>
-              <a:rPr lang="en-US" dirty="0">
-                <a:solidFill>
-                  <a:srgbClr val="569CD6"/>
-                </a:solidFill>
-                <a:latin typeface="Consolas" panose="020B0609020204030204" pitchFamily="49" charset="0"/>
-              </a:rPr>
-              <a:t>function</a:t>
-            </a:r>
-            <a:r>
-              <a:rPr lang="en-US" dirty="0">
-                <a:solidFill>
-                  <a:srgbClr val="D4D4D4"/>
-                </a:solidFill>
-                <a:latin typeface="Consolas" panose="020B0609020204030204" pitchFamily="49" charset="0"/>
-              </a:rPr>
-              <a:t> () {</a:t>
-            </a:r>
-          </a:p>
-          <a:p>
-            <a:pPr marL="0" indent="0">
-              <a:buNone/>
-            </a:pPr>
-            <a:r>
-              <a:rPr lang="en-US" dirty="0">
-                <a:solidFill>
-                  <a:srgbClr val="D4D4D4"/>
-                </a:solidFill>
-                <a:latin typeface="Consolas" panose="020B0609020204030204" pitchFamily="49" charset="0"/>
-              </a:rPr>
-              <a:t>    </a:t>
-            </a:r>
-            <a:r>
-              <a:rPr lang="en-US" dirty="0">
-                <a:solidFill>
-                  <a:srgbClr val="DCDCAA"/>
-                </a:solidFill>
-                <a:latin typeface="Consolas" panose="020B0609020204030204" pitchFamily="49" charset="0"/>
-              </a:rPr>
-              <a:t>$</a:t>
-            </a:r>
-            <a:r>
-              <a:rPr lang="en-US" dirty="0">
-                <a:solidFill>
-                  <a:srgbClr val="D4D4D4"/>
-                </a:solidFill>
-                <a:latin typeface="Consolas" panose="020B0609020204030204" pitchFamily="49" charset="0"/>
-              </a:rPr>
-              <a:t>(</a:t>
-            </a:r>
-            <a:r>
-              <a:rPr lang="en-US" dirty="0">
-                <a:solidFill>
-                  <a:srgbClr val="CE9178"/>
-                </a:solidFill>
-                <a:latin typeface="Consolas" panose="020B0609020204030204" pitchFamily="49" charset="0"/>
-              </a:rPr>
-              <a:t>".</a:t>
-            </a:r>
-            <a:r>
-              <a:rPr lang="en-US" dirty="0" err="1">
-                <a:solidFill>
-                  <a:srgbClr val="CE9178"/>
-                </a:solidFill>
-                <a:latin typeface="Consolas" panose="020B0609020204030204" pitchFamily="49" charset="0"/>
-              </a:rPr>
-              <a:t>rating_cell</a:t>
-            </a:r>
-            <a:r>
-              <a:rPr lang="en-US" dirty="0">
-                <a:solidFill>
-                  <a:srgbClr val="CE9178"/>
-                </a:solidFill>
-                <a:latin typeface="Consolas" panose="020B0609020204030204" pitchFamily="49" charset="0"/>
-              </a:rPr>
-              <a:t>"</a:t>
-            </a:r>
-            <a:r>
-              <a:rPr lang="en-US" dirty="0">
-                <a:solidFill>
-                  <a:srgbClr val="D4D4D4"/>
-                </a:solidFill>
-                <a:latin typeface="Consolas" panose="020B0609020204030204" pitchFamily="49" charset="0"/>
-              </a:rPr>
-              <a:t>).</a:t>
-            </a:r>
-            <a:r>
-              <a:rPr lang="en-US" dirty="0" err="1">
-                <a:solidFill>
-                  <a:srgbClr val="DCDCAA"/>
-                </a:solidFill>
-                <a:latin typeface="Consolas" panose="020B0609020204030204" pitchFamily="49" charset="0"/>
-              </a:rPr>
-              <a:t>dblclick</a:t>
-            </a:r>
-            <a:r>
-              <a:rPr lang="en-US" dirty="0">
-                <a:solidFill>
-                  <a:srgbClr val="D4D4D4"/>
-                </a:solidFill>
-                <a:latin typeface="Consolas" panose="020B0609020204030204" pitchFamily="49" charset="0"/>
-              </a:rPr>
-              <a:t>(</a:t>
-            </a:r>
-            <a:r>
-              <a:rPr lang="en-US" dirty="0">
-                <a:solidFill>
-                  <a:srgbClr val="569CD6"/>
-                </a:solidFill>
-                <a:latin typeface="Consolas" panose="020B0609020204030204" pitchFamily="49" charset="0"/>
-              </a:rPr>
-              <a:t>function</a:t>
-            </a:r>
-            <a:r>
-              <a:rPr lang="en-US" dirty="0">
-                <a:solidFill>
-                  <a:srgbClr val="D4D4D4"/>
-                </a:solidFill>
-                <a:latin typeface="Consolas" panose="020B0609020204030204" pitchFamily="49" charset="0"/>
-              </a:rPr>
-              <a:t> (</a:t>
-            </a:r>
-            <a:r>
-              <a:rPr lang="en-US" dirty="0">
-                <a:solidFill>
-                  <a:srgbClr val="9CDCFE"/>
-                </a:solidFill>
-                <a:latin typeface="Consolas" panose="020B0609020204030204" pitchFamily="49" charset="0"/>
-              </a:rPr>
-              <a:t>e</a:t>
-            </a:r>
-            <a:r>
-              <a:rPr lang="en-US" dirty="0">
-                <a:solidFill>
-                  <a:srgbClr val="D4D4D4"/>
-                </a:solidFill>
-                <a:latin typeface="Consolas" panose="020B0609020204030204" pitchFamily="49" charset="0"/>
-              </a:rPr>
-              <a:t>) {</a:t>
-            </a:r>
-          </a:p>
-          <a:p>
-            <a:pPr marL="0" indent="0">
-              <a:buNone/>
-            </a:pPr>
-            <a:r>
-              <a:rPr lang="en-US" dirty="0">
-                <a:solidFill>
-                  <a:srgbClr val="D4D4D4"/>
-                </a:solidFill>
-                <a:latin typeface="Consolas" panose="020B0609020204030204" pitchFamily="49" charset="0"/>
-              </a:rPr>
-              <a:t>        </a:t>
-            </a:r>
-            <a:r>
-              <a:rPr lang="en-US" dirty="0" err="1">
-                <a:solidFill>
-                  <a:srgbClr val="9CDCFE"/>
-                </a:solidFill>
-                <a:latin typeface="Consolas" panose="020B0609020204030204" pitchFamily="49" charset="0"/>
-              </a:rPr>
-              <a:t>e</a:t>
-            </a:r>
-            <a:r>
-              <a:rPr lang="en-US" dirty="0" err="1">
-                <a:solidFill>
-                  <a:srgbClr val="D4D4D4"/>
-                </a:solidFill>
-                <a:latin typeface="Consolas" panose="020B0609020204030204" pitchFamily="49" charset="0"/>
-              </a:rPr>
-              <a:t>.</a:t>
-            </a:r>
-            <a:r>
-              <a:rPr lang="en-US" dirty="0" err="1">
-                <a:solidFill>
-                  <a:srgbClr val="DCDCAA"/>
-                </a:solidFill>
-                <a:latin typeface="Consolas" panose="020B0609020204030204" pitchFamily="49" charset="0"/>
-              </a:rPr>
-              <a:t>stopPropagation</a:t>
-            </a:r>
-            <a:r>
-              <a:rPr lang="en-US" dirty="0">
-                <a:solidFill>
-                  <a:srgbClr val="D4D4D4"/>
-                </a:solidFill>
-                <a:latin typeface="Consolas" panose="020B0609020204030204" pitchFamily="49" charset="0"/>
-              </a:rPr>
-              <a:t>();</a:t>
-            </a:r>
-          </a:p>
-          <a:p>
-            <a:pPr marL="0" indent="0">
-              <a:buNone/>
-            </a:pPr>
-            <a:r>
-              <a:rPr lang="en-US" dirty="0">
-                <a:solidFill>
-                  <a:srgbClr val="D4D4D4"/>
-                </a:solidFill>
-                <a:latin typeface="Consolas" panose="020B0609020204030204" pitchFamily="49" charset="0"/>
-              </a:rPr>
-              <a:t>        </a:t>
-            </a:r>
-            <a:r>
-              <a:rPr lang="en-US" dirty="0">
-                <a:solidFill>
-                  <a:srgbClr val="569CD6"/>
-                </a:solidFill>
-                <a:latin typeface="Consolas" panose="020B0609020204030204" pitchFamily="49" charset="0"/>
-              </a:rPr>
-              <a:t>var</a:t>
-            </a:r>
-            <a:r>
-              <a:rPr lang="en-US" dirty="0">
-                <a:solidFill>
-                  <a:srgbClr val="D4D4D4"/>
-                </a:solidFill>
-                <a:latin typeface="Consolas" panose="020B0609020204030204" pitchFamily="49" charset="0"/>
-              </a:rPr>
-              <a:t> </a:t>
-            </a:r>
-            <a:r>
-              <a:rPr lang="en-US" dirty="0" err="1">
-                <a:solidFill>
-                  <a:srgbClr val="9CDCFE"/>
-                </a:solidFill>
-                <a:latin typeface="Consolas" panose="020B0609020204030204" pitchFamily="49" charset="0"/>
-              </a:rPr>
-              <a:t>currentEle</a:t>
-            </a:r>
-            <a:r>
-              <a:rPr lang="en-US" dirty="0">
-                <a:solidFill>
-                  <a:srgbClr val="D4D4D4"/>
-                </a:solidFill>
-                <a:latin typeface="Consolas" panose="020B0609020204030204" pitchFamily="49" charset="0"/>
-              </a:rPr>
-              <a:t> = </a:t>
-            </a:r>
-            <a:r>
-              <a:rPr lang="en-US" dirty="0">
-                <a:solidFill>
-                  <a:srgbClr val="DCDCAA"/>
-                </a:solidFill>
-                <a:latin typeface="Consolas" panose="020B0609020204030204" pitchFamily="49" charset="0"/>
-              </a:rPr>
-              <a:t>$</a:t>
-            </a:r>
-            <a:r>
-              <a:rPr lang="en-US" dirty="0">
-                <a:solidFill>
-                  <a:srgbClr val="D4D4D4"/>
-                </a:solidFill>
-                <a:latin typeface="Consolas" panose="020B0609020204030204" pitchFamily="49" charset="0"/>
-              </a:rPr>
-              <a:t>(</a:t>
-            </a:r>
-            <a:r>
-              <a:rPr lang="en-US" dirty="0">
-                <a:solidFill>
-                  <a:srgbClr val="569CD6"/>
-                </a:solidFill>
-                <a:latin typeface="Consolas" panose="020B0609020204030204" pitchFamily="49" charset="0"/>
-              </a:rPr>
-              <a:t>this</a:t>
-            </a:r>
-            <a:r>
-              <a:rPr lang="en-US" dirty="0">
-                <a:solidFill>
-                  <a:srgbClr val="D4D4D4"/>
-                </a:solidFill>
-                <a:latin typeface="Consolas" panose="020B0609020204030204" pitchFamily="49" charset="0"/>
-              </a:rPr>
-              <a:t>);</a:t>
-            </a:r>
-          </a:p>
-          <a:p>
-            <a:pPr marL="0" indent="0">
-              <a:buNone/>
-            </a:pPr>
-            <a:r>
-              <a:rPr lang="en-US" dirty="0">
-                <a:solidFill>
-                  <a:srgbClr val="D4D4D4"/>
-                </a:solidFill>
-                <a:latin typeface="Consolas" panose="020B0609020204030204" pitchFamily="49" charset="0"/>
-              </a:rPr>
-              <a:t>        </a:t>
-            </a:r>
-            <a:r>
-              <a:rPr lang="en-US" dirty="0">
-                <a:solidFill>
-                  <a:srgbClr val="569CD6"/>
-                </a:solidFill>
-                <a:latin typeface="Consolas" panose="020B0609020204030204" pitchFamily="49" charset="0"/>
-              </a:rPr>
-              <a:t>var</a:t>
-            </a:r>
-            <a:r>
-              <a:rPr lang="en-US" dirty="0">
-                <a:solidFill>
-                  <a:srgbClr val="D4D4D4"/>
-                </a:solidFill>
-                <a:latin typeface="Consolas" panose="020B0609020204030204" pitchFamily="49" charset="0"/>
-              </a:rPr>
-              <a:t> </a:t>
-            </a:r>
-            <a:r>
-              <a:rPr lang="en-US" dirty="0">
-                <a:solidFill>
-                  <a:srgbClr val="9CDCFE"/>
-                </a:solidFill>
-                <a:latin typeface="Consolas" panose="020B0609020204030204" pitchFamily="49" charset="0"/>
-              </a:rPr>
-              <a:t>value</a:t>
-            </a:r>
-            <a:r>
-              <a:rPr lang="en-US" dirty="0">
-                <a:solidFill>
-                  <a:srgbClr val="D4D4D4"/>
-                </a:solidFill>
-                <a:latin typeface="Consolas" panose="020B0609020204030204" pitchFamily="49" charset="0"/>
-              </a:rPr>
-              <a:t> = </a:t>
-            </a:r>
-            <a:r>
-              <a:rPr lang="en-US" dirty="0">
-                <a:solidFill>
-                  <a:srgbClr val="DCDCAA"/>
-                </a:solidFill>
-                <a:latin typeface="Consolas" panose="020B0609020204030204" pitchFamily="49" charset="0"/>
-              </a:rPr>
-              <a:t>$</a:t>
-            </a:r>
-            <a:r>
-              <a:rPr lang="en-US" dirty="0">
-                <a:solidFill>
-                  <a:srgbClr val="D4D4D4"/>
-                </a:solidFill>
-                <a:latin typeface="Consolas" panose="020B0609020204030204" pitchFamily="49" charset="0"/>
-              </a:rPr>
-              <a:t>(</a:t>
-            </a:r>
-            <a:r>
-              <a:rPr lang="en-US" dirty="0">
-                <a:solidFill>
-                  <a:srgbClr val="569CD6"/>
-                </a:solidFill>
-                <a:latin typeface="Consolas" panose="020B0609020204030204" pitchFamily="49" charset="0"/>
-              </a:rPr>
-              <a:t>this</a:t>
-            </a:r>
-            <a:r>
-              <a:rPr lang="en-US" dirty="0">
-                <a:solidFill>
-                  <a:srgbClr val="D4D4D4"/>
-                </a:solidFill>
-                <a:latin typeface="Consolas" panose="020B0609020204030204" pitchFamily="49" charset="0"/>
-              </a:rPr>
-              <a:t>).</a:t>
-            </a:r>
-            <a:r>
-              <a:rPr lang="en-US" dirty="0">
-                <a:solidFill>
-                  <a:srgbClr val="DCDCAA"/>
-                </a:solidFill>
-                <a:latin typeface="Consolas" panose="020B0609020204030204" pitchFamily="49" charset="0"/>
-              </a:rPr>
-              <a:t>html</a:t>
-            </a:r>
-            <a:r>
-              <a:rPr lang="en-US" dirty="0">
-                <a:solidFill>
-                  <a:srgbClr val="D4D4D4"/>
-                </a:solidFill>
-                <a:latin typeface="Consolas" panose="020B0609020204030204" pitchFamily="49" charset="0"/>
-              </a:rPr>
-              <a:t>();</a:t>
-            </a:r>
-          </a:p>
-          <a:p>
-            <a:pPr marL="0" indent="0">
-              <a:buNone/>
-            </a:pPr>
-            <a:r>
-              <a:rPr lang="en-US" dirty="0">
-                <a:solidFill>
-                  <a:srgbClr val="D4D4D4"/>
-                </a:solidFill>
-                <a:latin typeface="Consolas" panose="020B0609020204030204" pitchFamily="49" charset="0"/>
-              </a:rPr>
-              <a:t>        </a:t>
-            </a:r>
-            <a:r>
-              <a:rPr lang="en-US" dirty="0" err="1">
-                <a:solidFill>
-                  <a:srgbClr val="DCDCAA"/>
-                </a:solidFill>
-                <a:latin typeface="Consolas" panose="020B0609020204030204" pitchFamily="49" charset="0"/>
-              </a:rPr>
-              <a:t>updateVal</a:t>
-            </a:r>
-            <a:r>
-              <a:rPr lang="en-US" dirty="0">
-                <a:solidFill>
-                  <a:srgbClr val="D4D4D4"/>
-                </a:solidFill>
-                <a:latin typeface="Consolas" panose="020B0609020204030204" pitchFamily="49" charset="0"/>
-              </a:rPr>
-              <a:t>(</a:t>
-            </a:r>
-            <a:r>
-              <a:rPr lang="en-US" dirty="0" err="1">
-                <a:solidFill>
-                  <a:srgbClr val="9CDCFE"/>
-                </a:solidFill>
-                <a:latin typeface="Consolas" panose="020B0609020204030204" pitchFamily="49" charset="0"/>
-              </a:rPr>
-              <a:t>currentEle</a:t>
-            </a:r>
-            <a:r>
-              <a:rPr lang="en-US" dirty="0">
-                <a:solidFill>
-                  <a:srgbClr val="D4D4D4"/>
-                </a:solidFill>
-                <a:latin typeface="Consolas" panose="020B0609020204030204" pitchFamily="49" charset="0"/>
-              </a:rPr>
-              <a:t>, </a:t>
-            </a:r>
-            <a:r>
-              <a:rPr lang="en-US" dirty="0">
-                <a:solidFill>
-                  <a:srgbClr val="9CDCFE"/>
-                </a:solidFill>
-                <a:latin typeface="Consolas" panose="020B0609020204030204" pitchFamily="49" charset="0"/>
-              </a:rPr>
-              <a:t>value</a:t>
-            </a:r>
-            <a:r>
-              <a:rPr lang="en-US" dirty="0">
-                <a:solidFill>
-                  <a:srgbClr val="D4D4D4"/>
-                </a:solidFill>
-                <a:latin typeface="Consolas" panose="020B0609020204030204" pitchFamily="49" charset="0"/>
-              </a:rPr>
-              <a:t>);</a:t>
-            </a:r>
-          </a:p>
-          <a:p>
-            <a:pPr marL="0" indent="0">
-              <a:buNone/>
-            </a:pPr>
-            <a:r>
-              <a:rPr lang="en-US" dirty="0">
-                <a:solidFill>
-                  <a:srgbClr val="D4D4D4"/>
-                </a:solidFill>
-                <a:latin typeface="Consolas" panose="020B0609020204030204" pitchFamily="49" charset="0"/>
-              </a:rPr>
-              <a:t>    });</a:t>
-            </a:r>
-          </a:p>
-          <a:p>
-            <a:pPr marL="0" indent="0">
-              <a:buNone/>
-            </a:pPr>
-            <a:r>
-              <a:rPr lang="en-US" dirty="0">
-                <a:solidFill>
-                  <a:srgbClr val="D4D4D4"/>
-                </a:solidFill>
-                <a:latin typeface="Consolas" panose="020B0609020204030204" pitchFamily="49" charset="0"/>
-              </a:rPr>
-              <a:t>});</a:t>
-            </a:r>
-          </a:p>
-          <a:p>
-            <a:pPr marL="0" indent="0">
-              <a:buNone/>
-            </a:pPr>
-            <a:br>
-              <a:rPr lang="en-US" dirty="0">
-                <a:solidFill>
-                  <a:srgbClr val="D4D4D4"/>
-                </a:solidFill>
-                <a:latin typeface="Consolas" panose="020B0609020204030204" pitchFamily="49" charset="0"/>
-              </a:rPr>
-            </a:br>
-            <a:r>
-              <a:rPr lang="en-US" dirty="0">
-                <a:solidFill>
-                  <a:srgbClr val="569CD6"/>
-                </a:solidFill>
-                <a:latin typeface="Consolas" panose="020B0609020204030204" pitchFamily="49" charset="0"/>
-              </a:rPr>
-              <a:t>function</a:t>
-            </a:r>
-            <a:r>
-              <a:rPr lang="en-US" dirty="0">
-                <a:solidFill>
-                  <a:srgbClr val="D4D4D4"/>
-                </a:solidFill>
-                <a:latin typeface="Consolas" panose="020B0609020204030204" pitchFamily="49" charset="0"/>
-              </a:rPr>
-              <a:t> </a:t>
-            </a:r>
-            <a:r>
-              <a:rPr lang="en-US" dirty="0" err="1">
-                <a:solidFill>
-                  <a:srgbClr val="DCDCAA"/>
-                </a:solidFill>
-                <a:latin typeface="Consolas" panose="020B0609020204030204" pitchFamily="49" charset="0"/>
-              </a:rPr>
-              <a:t>updateVal</a:t>
-            </a:r>
-            <a:r>
-              <a:rPr lang="en-US" dirty="0">
-                <a:solidFill>
-                  <a:srgbClr val="D4D4D4"/>
-                </a:solidFill>
-                <a:latin typeface="Consolas" panose="020B0609020204030204" pitchFamily="49" charset="0"/>
-              </a:rPr>
-              <a:t>(</a:t>
-            </a:r>
-            <a:r>
-              <a:rPr lang="en-US" dirty="0" err="1">
-                <a:solidFill>
-                  <a:srgbClr val="9CDCFE"/>
-                </a:solidFill>
-                <a:latin typeface="Consolas" panose="020B0609020204030204" pitchFamily="49" charset="0"/>
-              </a:rPr>
-              <a:t>currentEle</a:t>
-            </a:r>
-            <a:r>
-              <a:rPr lang="en-US" dirty="0">
-                <a:solidFill>
-                  <a:srgbClr val="D4D4D4"/>
-                </a:solidFill>
-                <a:latin typeface="Consolas" panose="020B0609020204030204" pitchFamily="49" charset="0"/>
-              </a:rPr>
-              <a:t>, </a:t>
-            </a:r>
-            <a:r>
-              <a:rPr lang="en-US" dirty="0">
-                <a:solidFill>
-                  <a:srgbClr val="9CDCFE"/>
-                </a:solidFill>
-                <a:latin typeface="Consolas" panose="020B0609020204030204" pitchFamily="49" charset="0"/>
-              </a:rPr>
-              <a:t>value</a:t>
-            </a:r>
-            <a:r>
-              <a:rPr lang="en-US" dirty="0">
-                <a:solidFill>
-                  <a:srgbClr val="D4D4D4"/>
-                </a:solidFill>
-                <a:latin typeface="Consolas" panose="020B0609020204030204" pitchFamily="49" charset="0"/>
-              </a:rPr>
-              <a:t>) {</a:t>
-            </a:r>
-          </a:p>
-          <a:p>
-            <a:pPr marL="0" indent="0">
-              <a:buNone/>
-            </a:pPr>
-            <a:r>
-              <a:rPr lang="en-US" dirty="0">
-                <a:solidFill>
-                  <a:srgbClr val="D4D4D4"/>
-                </a:solidFill>
-                <a:latin typeface="Consolas" panose="020B0609020204030204" pitchFamily="49" charset="0"/>
-              </a:rPr>
-              <a:t>    </a:t>
-            </a:r>
-            <a:r>
-              <a:rPr lang="en-US" dirty="0">
-                <a:solidFill>
-                  <a:srgbClr val="DCDCAA"/>
-                </a:solidFill>
-                <a:latin typeface="Consolas" panose="020B0609020204030204" pitchFamily="49" charset="0"/>
-              </a:rPr>
-              <a:t>$</a:t>
-            </a:r>
-            <a:r>
-              <a:rPr lang="en-US" dirty="0">
-                <a:solidFill>
-                  <a:srgbClr val="D4D4D4"/>
-                </a:solidFill>
-                <a:latin typeface="Consolas" panose="020B0609020204030204" pitchFamily="49" charset="0"/>
-              </a:rPr>
-              <a:t>(</a:t>
-            </a:r>
-            <a:r>
-              <a:rPr lang="en-US" dirty="0" err="1">
-                <a:solidFill>
-                  <a:srgbClr val="9CDCFE"/>
-                </a:solidFill>
-                <a:latin typeface="Consolas" panose="020B0609020204030204" pitchFamily="49" charset="0"/>
-              </a:rPr>
-              <a:t>currentEle</a:t>
-            </a:r>
-            <a:r>
-              <a:rPr lang="en-US" dirty="0">
-                <a:solidFill>
-                  <a:srgbClr val="D4D4D4"/>
-                </a:solidFill>
-                <a:latin typeface="Consolas" panose="020B0609020204030204" pitchFamily="49" charset="0"/>
-              </a:rPr>
-              <a:t>).</a:t>
-            </a:r>
-            <a:r>
-              <a:rPr lang="en-US" dirty="0">
-                <a:solidFill>
-                  <a:srgbClr val="DCDCAA"/>
-                </a:solidFill>
-                <a:latin typeface="Consolas" panose="020B0609020204030204" pitchFamily="49" charset="0"/>
-              </a:rPr>
-              <a:t>html</a:t>
-            </a:r>
-            <a:r>
-              <a:rPr lang="en-US" dirty="0">
-                <a:solidFill>
-                  <a:srgbClr val="D4D4D4"/>
-                </a:solidFill>
-                <a:latin typeface="Consolas" panose="020B0609020204030204" pitchFamily="49" charset="0"/>
-              </a:rPr>
-              <a:t>(</a:t>
-            </a:r>
-            <a:r>
-              <a:rPr lang="en-US" dirty="0">
-                <a:solidFill>
-                  <a:srgbClr val="CE9178"/>
-                </a:solidFill>
-                <a:latin typeface="Consolas" panose="020B0609020204030204" pitchFamily="49" charset="0"/>
-              </a:rPr>
-              <a:t>'&lt;input class="</a:t>
-            </a:r>
-            <a:r>
-              <a:rPr lang="en-US" dirty="0" err="1">
-                <a:solidFill>
-                  <a:srgbClr val="CE9178"/>
-                </a:solidFill>
-                <a:latin typeface="Consolas" panose="020B0609020204030204" pitchFamily="49" charset="0"/>
-              </a:rPr>
-              <a:t>thVal</a:t>
-            </a:r>
-            <a:r>
-              <a:rPr lang="en-US" dirty="0">
-                <a:solidFill>
-                  <a:srgbClr val="CE9178"/>
-                </a:solidFill>
-                <a:latin typeface="Consolas" panose="020B0609020204030204" pitchFamily="49" charset="0"/>
-              </a:rPr>
-              <a:t>" type="text" value="'</a:t>
-            </a:r>
-            <a:r>
-              <a:rPr lang="en-US" dirty="0">
-                <a:solidFill>
-                  <a:srgbClr val="D4D4D4"/>
-                </a:solidFill>
-                <a:latin typeface="Consolas" panose="020B0609020204030204" pitchFamily="49" charset="0"/>
-              </a:rPr>
-              <a:t> + </a:t>
-            </a:r>
-            <a:r>
-              <a:rPr lang="en-US" dirty="0">
-                <a:solidFill>
-                  <a:srgbClr val="9CDCFE"/>
-                </a:solidFill>
-                <a:latin typeface="Consolas" panose="020B0609020204030204" pitchFamily="49" charset="0"/>
-              </a:rPr>
-              <a:t>value</a:t>
-            </a:r>
-            <a:r>
-              <a:rPr lang="en-US" dirty="0">
-                <a:solidFill>
-                  <a:srgbClr val="D4D4D4"/>
-                </a:solidFill>
-                <a:latin typeface="Consolas" panose="020B0609020204030204" pitchFamily="49" charset="0"/>
-              </a:rPr>
-              <a:t> + </a:t>
-            </a:r>
-            <a:r>
-              <a:rPr lang="en-US" dirty="0">
-                <a:solidFill>
-                  <a:srgbClr val="CE9178"/>
-                </a:solidFill>
-                <a:latin typeface="Consolas" panose="020B0609020204030204" pitchFamily="49" charset="0"/>
-              </a:rPr>
-              <a:t>'" /&gt;'</a:t>
-            </a:r>
-            <a:r>
-              <a:rPr lang="en-US" dirty="0">
-                <a:solidFill>
-                  <a:srgbClr val="D4D4D4"/>
-                </a:solidFill>
-                <a:latin typeface="Consolas" panose="020B0609020204030204" pitchFamily="49" charset="0"/>
-              </a:rPr>
-              <a:t>);</a:t>
-            </a:r>
-          </a:p>
-          <a:p>
-            <a:pPr marL="0" indent="0">
-              <a:buNone/>
-            </a:pPr>
-            <a:r>
-              <a:rPr lang="en-US" dirty="0">
-                <a:solidFill>
-                  <a:srgbClr val="D4D4D4"/>
-                </a:solidFill>
-                <a:latin typeface="Consolas" panose="020B0609020204030204" pitchFamily="49" charset="0"/>
-              </a:rPr>
-              <a:t>    </a:t>
-            </a:r>
-            <a:r>
-              <a:rPr lang="en-US" dirty="0">
-                <a:solidFill>
-                  <a:srgbClr val="DCDCAA"/>
-                </a:solidFill>
-                <a:latin typeface="Consolas" panose="020B0609020204030204" pitchFamily="49" charset="0"/>
-              </a:rPr>
-              <a:t>$</a:t>
-            </a:r>
-            <a:r>
-              <a:rPr lang="en-US" dirty="0">
-                <a:solidFill>
-                  <a:srgbClr val="D4D4D4"/>
-                </a:solidFill>
-                <a:latin typeface="Consolas" panose="020B0609020204030204" pitchFamily="49" charset="0"/>
-              </a:rPr>
-              <a:t>(</a:t>
-            </a:r>
-            <a:r>
-              <a:rPr lang="en-US" dirty="0">
-                <a:solidFill>
-                  <a:srgbClr val="CE9178"/>
-                </a:solidFill>
-                <a:latin typeface="Consolas" panose="020B0609020204030204" pitchFamily="49" charset="0"/>
-              </a:rPr>
-              <a:t>".</a:t>
-            </a:r>
-            <a:r>
-              <a:rPr lang="en-US" dirty="0" err="1">
-                <a:solidFill>
-                  <a:srgbClr val="CE9178"/>
-                </a:solidFill>
-                <a:latin typeface="Consolas" panose="020B0609020204030204" pitchFamily="49" charset="0"/>
-              </a:rPr>
-              <a:t>thVal</a:t>
-            </a:r>
-            <a:r>
-              <a:rPr lang="en-US" dirty="0">
-                <a:solidFill>
-                  <a:srgbClr val="CE9178"/>
-                </a:solidFill>
-                <a:latin typeface="Consolas" panose="020B0609020204030204" pitchFamily="49" charset="0"/>
-              </a:rPr>
-              <a:t>"</a:t>
-            </a:r>
-            <a:r>
-              <a:rPr lang="en-US" dirty="0">
-                <a:solidFill>
-                  <a:srgbClr val="D4D4D4"/>
-                </a:solidFill>
-                <a:latin typeface="Consolas" panose="020B0609020204030204" pitchFamily="49" charset="0"/>
-              </a:rPr>
-              <a:t>).</a:t>
-            </a:r>
-            <a:r>
-              <a:rPr lang="en-US" dirty="0">
-                <a:solidFill>
-                  <a:srgbClr val="DCDCAA"/>
-                </a:solidFill>
-                <a:latin typeface="Consolas" panose="020B0609020204030204" pitchFamily="49" charset="0"/>
-              </a:rPr>
-              <a:t>focus</a:t>
-            </a:r>
-            <a:r>
-              <a:rPr lang="en-US" dirty="0">
-                <a:solidFill>
-                  <a:srgbClr val="D4D4D4"/>
-                </a:solidFill>
-                <a:latin typeface="Consolas" panose="020B0609020204030204" pitchFamily="49" charset="0"/>
-              </a:rPr>
-              <a:t>();</a:t>
-            </a:r>
-          </a:p>
-          <a:p>
-            <a:pPr marL="0" indent="0">
-              <a:buNone/>
-            </a:pPr>
-            <a:r>
-              <a:rPr lang="en-US" dirty="0">
-                <a:solidFill>
-                  <a:srgbClr val="D4D4D4"/>
-                </a:solidFill>
-                <a:latin typeface="Consolas" panose="020B0609020204030204" pitchFamily="49" charset="0"/>
-              </a:rPr>
-              <a:t>    </a:t>
-            </a:r>
-            <a:r>
-              <a:rPr lang="en-US" dirty="0">
-                <a:solidFill>
-                  <a:srgbClr val="DCDCAA"/>
-                </a:solidFill>
-                <a:latin typeface="Consolas" panose="020B0609020204030204" pitchFamily="49" charset="0"/>
-              </a:rPr>
-              <a:t>$</a:t>
-            </a:r>
-            <a:r>
-              <a:rPr lang="en-US" dirty="0">
-                <a:solidFill>
-                  <a:srgbClr val="D4D4D4"/>
-                </a:solidFill>
-                <a:latin typeface="Consolas" panose="020B0609020204030204" pitchFamily="49" charset="0"/>
-              </a:rPr>
-              <a:t>(</a:t>
-            </a:r>
-            <a:r>
-              <a:rPr lang="en-US" dirty="0">
-                <a:solidFill>
-                  <a:srgbClr val="CE9178"/>
-                </a:solidFill>
-                <a:latin typeface="Consolas" panose="020B0609020204030204" pitchFamily="49" charset="0"/>
-              </a:rPr>
-              <a:t>".</a:t>
-            </a:r>
-            <a:r>
-              <a:rPr lang="en-US" dirty="0" err="1">
-                <a:solidFill>
-                  <a:srgbClr val="CE9178"/>
-                </a:solidFill>
-                <a:latin typeface="Consolas" panose="020B0609020204030204" pitchFamily="49" charset="0"/>
-              </a:rPr>
-              <a:t>thVal</a:t>
-            </a:r>
-            <a:r>
-              <a:rPr lang="en-US" dirty="0">
-                <a:solidFill>
-                  <a:srgbClr val="CE9178"/>
-                </a:solidFill>
-                <a:latin typeface="Consolas" panose="020B0609020204030204" pitchFamily="49" charset="0"/>
-              </a:rPr>
-              <a:t>"</a:t>
-            </a:r>
-            <a:r>
-              <a:rPr lang="en-US" dirty="0">
-                <a:solidFill>
-                  <a:srgbClr val="D4D4D4"/>
-                </a:solidFill>
-                <a:latin typeface="Consolas" panose="020B0609020204030204" pitchFamily="49" charset="0"/>
-              </a:rPr>
-              <a:t>).</a:t>
-            </a:r>
-            <a:r>
-              <a:rPr lang="en-US" dirty="0" err="1">
-                <a:solidFill>
-                  <a:srgbClr val="DCDCAA"/>
-                </a:solidFill>
-                <a:latin typeface="Consolas" panose="020B0609020204030204" pitchFamily="49" charset="0"/>
-              </a:rPr>
-              <a:t>keyup</a:t>
-            </a:r>
-            <a:r>
-              <a:rPr lang="en-US" dirty="0">
-                <a:solidFill>
-                  <a:srgbClr val="D4D4D4"/>
-                </a:solidFill>
-                <a:latin typeface="Consolas" panose="020B0609020204030204" pitchFamily="49" charset="0"/>
-              </a:rPr>
-              <a:t>(</a:t>
-            </a:r>
-            <a:r>
-              <a:rPr lang="en-US" dirty="0">
-                <a:solidFill>
-                  <a:srgbClr val="569CD6"/>
-                </a:solidFill>
-                <a:latin typeface="Consolas" panose="020B0609020204030204" pitchFamily="49" charset="0"/>
-              </a:rPr>
-              <a:t>function</a:t>
-            </a:r>
-            <a:r>
-              <a:rPr lang="en-US" dirty="0">
-                <a:solidFill>
-                  <a:srgbClr val="D4D4D4"/>
-                </a:solidFill>
-                <a:latin typeface="Consolas" panose="020B0609020204030204" pitchFamily="49" charset="0"/>
-              </a:rPr>
-              <a:t> (</a:t>
-            </a:r>
-            <a:r>
-              <a:rPr lang="en-US" dirty="0">
-                <a:solidFill>
-                  <a:srgbClr val="9CDCFE"/>
-                </a:solidFill>
-                <a:latin typeface="Consolas" panose="020B0609020204030204" pitchFamily="49" charset="0"/>
-              </a:rPr>
-              <a:t>event</a:t>
-            </a:r>
-            <a:r>
-              <a:rPr lang="en-US" dirty="0">
-                <a:solidFill>
-                  <a:srgbClr val="D4D4D4"/>
-                </a:solidFill>
-                <a:latin typeface="Consolas" panose="020B0609020204030204" pitchFamily="49" charset="0"/>
-              </a:rPr>
-              <a:t>) {</a:t>
-            </a:r>
-          </a:p>
-          <a:p>
-            <a:pPr marL="0" indent="0">
-              <a:buNone/>
-            </a:pPr>
-            <a:r>
-              <a:rPr lang="en-US" dirty="0">
-                <a:solidFill>
-                  <a:srgbClr val="D4D4D4"/>
-                </a:solidFill>
-                <a:latin typeface="Consolas" panose="020B0609020204030204" pitchFamily="49" charset="0"/>
-              </a:rPr>
-              <a:t>        </a:t>
-            </a:r>
-            <a:r>
-              <a:rPr lang="en-US" dirty="0">
-                <a:solidFill>
-                  <a:srgbClr val="C586C0"/>
-                </a:solidFill>
-                <a:latin typeface="Consolas" panose="020B0609020204030204" pitchFamily="49" charset="0"/>
-              </a:rPr>
-              <a:t>if</a:t>
-            </a:r>
-            <a:r>
-              <a:rPr lang="en-US" dirty="0">
-                <a:solidFill>
-                  <a:srgbClr val="D4D4D4"/>
-                </a:solidFill>
-                <a:latin typeface="Consolas" panose="020B0609020204030204" pitchFamily="49" charset="0"/>
-              </a:rPr>
-              <a:t> (</a:t>
-            </a:r>
-            <a:r>
-              <a:rPr lang="en-US" dirty="0" err="1">
-                <a:solidFill>
-                  <a:srgbClr val="9CDCFE"/>
-                </a:solidFill>
-                <a:latin typeface="Consolas" panose="020B0609020204030204" pitchFamily="49" charset="0"/>
-              </a:rPr>
-              <a:t>event</a:t>
-            </a:r>
-            <a:r>
-              <a:rPr lang="en-US" dirty="0" err="1">
-                <a:solidFill>
-                  <a:srgbClr val="D4D4D4"/>
-                </a:solidFill>
-                <a:latin typeface="Consolas" panose="020B0609020204030204" pitchFamily="49" charset="0"/>
-              </a:rPr>
-              <a:t>.</a:t>
-            </a:r>
-            <a:r>
-              <a:rPr lang="en-US" dirty="0" err="1">
-                <a:solidFill>
-                  <a:srgbClr val="9CDCFE"/>
-                </a:solidFill>
-                <a:latin typeface="Consolas" panose="020B0609020204030204" pitchFamily="49" charset="0"/>
-              </a:rPr>
-              <a:t>keyCode</a:t>
-            </a:r>
-            <a:r>
-              <a:rPr lang="en-US" dirty="0">
-                <a:solidFill>
-                  <a:srgbClr val="D4D4D4"/>
-                </a:solidFill>
-                <a:latin typeface="Consolas" panose="020B0609020204030204" pitchFamily="49" charset="0"/>
-              </a:rPr>
-              <a:t> == </a:t>
-            </a:r>
-            <a:r>
-              <a:rPr lang="en-US" dirty="0">
-                <a:solidFill>
-                  <a:srgbClr val="B5CEA8"/>
-                </a:solidFill>
-                <a:latin typeface="Consolas" panose="020B0609020204030204" pitchFamily="49" charset="0"/>
-              </a:rPr>
-              <a:t>13</a:t>
-            </a:r>
-            <a:r>
-              <a:rPr lang="en-US" dirty="0">
-                <a:solidFill>
-                  <a:srgbClr val="D4D4D4"/>
-                </a:solidFill>
-                <a:latin typeface="Consolas" panose="020B0609020204030204" pitchFamily="49" charset="0"/>
-              </a:rPr>
-              <a:t>) {</a:t>
-            </a:r>
-          </a:p>
-          <a:p>
-            <a:pPr marL="0" indent="0">
-              <a:buNone/>
-            </a:pPr>
-            <a:r>
-              <a:rPr lang="en-US" dirty="0">
-                <a:solidFill>
-                  <a:srgbClr val="D4D4D4"/>
-                </a:solidFill>
-                <a:latin typeface="Consolas" panose="020B0609020204030204" pitchFamily="49" charset="0"/>
-              </a:rPr>
-              <a:t>            </a:t>
-            </a:r>
-            <a:r>
-              <a:rPr lang="en-US" dirty="0">
-                <a:solidFill>
-                  <a:srgbClr val="DCDCAA"/>
-                </a:solidFill>
-                <a:latin typeface="Consolas" panose="020B0609020204030204" pitchFamily="49" charset="0"/>
-              </a:rPr>
-              <a:t>$</a:t>
-            </a:r>
-            <a:r>
-              <a:rPr lang="en-US" dirty="0">
-                <a:solidFill>
-                  <a:srgbClr val="D4D4D4"/>
-                </a:solidFill>
-                <a:latin typeface="Consolas" panose="020B0609020204030204" pitchFamily="49" charset="0"/>
-              </a:rPr>
-              <a:t>(</a:t>
-            </a:r>
-            <a:r>
-              <a:rPr lang="en-US" dirty="0" err="1">
-                <a:solidFill>
-                  <a:srgbClr val="9CDCFE"/>
-                </a:solidFill>
-                <a:latin typeface="Consolas" panose="020B0609020204030204" pitchFamily="49" charset="0"/>
-              </a:rPr>
-              <a:t>currentEle</a:t>
-            </a:r>
-            <a:r>
-              <a:rPr lang="en-US" dirty="0">
-                <a:solidFill>
-                  <a:srgbClr val="D4D4D4"/>
-                </a:solidFill>
-                <a:latin typeface="Consolas" panose="020B0609020204030204" pitchFamily="49" charset="0"/>
-              </a:rPr>
-              <a:t>).</a:t>
-            </a:r>
-            <a:r>
-              <a:rPr lang="en-US" dirty="0">
-                <a:solidFill>
-                  <a:srgbClr val="DCDCAA"/>
-                </a:solidFill>
-                <a:latin typeface="Consolas" panose="020B0609020204030204" pitchFamily="49" charset="0"/>
-              </a:rPr>
-              <a:t>html</a:t>
-            </a:r>
-            <a:r>
-              <a:rPr lang="en-US" dirty="0">
-                <a:solidFill>
-                  <a:srgbClr val="D4D4D4"/>
-                </a:solidFill>
-                <a:latin typeface="Consolas" panose="020B0609020204030204" pitchFamily="49" charset="0"/>
-              </a:rPr>
-              <a:t>(</a:t>
-            </a:r>
-            <a:r>
-              <a:rPr lang="en-US" dirty="0">
-                <a:solidFill>
-                  <a:srgbClr val="DCDCAA"/>
-                </a:solidFill>
-                <a:latin typeface="Consolas" panose="020B0609020204030204" pitchFamily="49" charset="0"/>
-              </a:rPr>
-              <a:t>$</a:t>
-            </a:r>
-            <a:r>
-              <a:rPr lang="en-US" dirty="0">
-                <a:solidFill>
-                  <a:srgbClr val="D4D4D4"/>
-                </a:solidFill>
-                <a:latin typeface="Consolas" panose="020B0609020204030204" pitchFamily="49" charset="0"/>
-              </a:rPr>
-              <a:t>(</a:t>
-            </a:r>
-            <a:r>
-              <a:rPr lang="en-US" dirty="0">
-                <a:solidFill>
-                  <a:srgbClr val="CE9178"/>
-                </a:solidFill>
-                <a:latin typeface="Consolas" panose="020B0609020204030204" pitchFamily="49" charset="0"/>
-              </a:rPr>
-              <a:t>".</a:t>
-            </a:r>
-            <a:r>
-              <a:rPr lang="en-US" dirty="0" err="1">
-                <a:solidFill>
-                  <a:srgbClr val="CE9178"/>
-                </a:solidFill>
-                <a:latin typeface="Consolas" panose="020B0609020204030204" pitchFamily="49" charset="0"/>
-              </a:rPr>
-              <a:t>thVal</a:t>
-            </a:r>
-            <a:r>
-              <a:rPr lang="en-US" dirty="0">
-                <a:solidFill>
-                  <a:srgbClr val="CE9178"/>
-                </a:solidFill>
-                <a:latin typeface="Consolas" panose="020B0609020204030204" pitchFamily="49" charset="0"/>
-              </a:rPr>
-              <a:t>"</a:t>
-            </a:r>
-            <a:r>
-              <a:rPr lang="en-US" dirty="0">
-                <a:solidFill>
-                  <a:srgbClr val="D4D4D4"/>
-                </a:solidFill>
-                <a:latin typeface="Consolas" panose="020B0609020204030204" pitchFamily="49" charset="0"/>
-              </a:rPr>
-              <a:t>).</a:t>
-            </a:r>
-            <a:r>
-              <a:rPr lang="en-US" dirty="0" err="1">
-                <a:solidFill>
-                  <a:srgbClr val="DCDCAA"/>
-                </a:solidFill>
-                <a:latin typeface="Consolas" panose="020B0609020204030204" pitchFamily="49" charset="0"/>
-              </a:rPr>
-              <a:t>val</a:t>
-            </a:r>
-            <a:r>
-              <a:rPr lang="en-US" dirty="0">
-                <a:solidFill>
-                  <a:srgbClr val="D4D4D4"/>
-                </a:solidFill>
-                <a:latin typeface="Consolas" panose="020B0609020204030204" pitchFamily="49" charset="0"/>
-              </a:rPr>
-              <a:t>().</a:t>
-            </a:r>
-            <a:r>
-              <a:rPr lang="en-US" dirty="0">
-                <a:solidFill>
-                  <a:srgbClr val="DCDCAA"/>
-                </a:solidFill>
-                <a:latin typeface="Consolas" panose="020B0609020204030204" pitchFamily="49" charset="0"/>
-              </a:rPr>
-              <a:t>trim</a:t>
-            </a:r>
-            <a:r>
-              <a:rPr lang="en-US" dirty="0">
-                <a:solidFill>
-                  <a:srgbClr val="D4D4D4"/>
-                </a:solidFill>
-                <a:latin typeface="Consolas" panose="020B0609020204030204" pitchFamily="49" charset="0"/>
-              </a:rPr>
-              <a:t>());</a:t>
-            </a:r>
-          </a:p>
-          <a:p>
-            <a:pPr marL="0" indent="0">
-              <a:buNone/>
-            </a:pPr>
-            <a:r>
-              <a:rPr lang="en-US" dirty="0">
-                <a:solidFill>
-                  <a:srgbClr val="D4D4D4"/>
-                </a:solidFill>
-                <a:latin typeface="Consolas" panose="020B0609020204030204" pitchFamily="49" charset="0"/>
-              </a:rPr>
-              <a:t>        }</a:t>
-            </a:r>
-          </a:p>
-          <a:p>
-            <a:pPr marL="0" indent="0">
-              <a:buNone/>
-            </a:pPr>
-            <a:r>
-              <a:rPr lang="en-US" dirty="0">
-                <a:solidFill>
-                  <a:srgbClr val="D4D4D4"/>
-                </a:solidFill>
-                <a:latin typeface="Consolas" panose="020B0609020204030204" pitchFamily="49" charset="0"/>
-              </a:rPr>
-              <a:t>    });</a:t>
-            </a:r>
-          </a:p>
-          <a:p>
-            <a:pPr marL="0" indent="0">
-              <a:buNone/>
-            </a:pPr>
-            <a:br>
-              <a:rPr lang="en-US" dirty="0">
-                <a:solidFill>
-                  <a:srgbClr val="D4D4D4"/>
-                </a:solidFill>
-                <a:latin typeface="Consolas" panose="020B0609020204030204" pitchFamily="49" charset="0"/>
-              </a:rPr>
-            </a:br>
-            <a:r>
-              <a:rPr lang="en-US" dirty="0">
-                <a:solidFill>
-                  <a:srgbClr val="D4D4D4"/>
-                </a:solidFill>
-                <a:latin typeface="Consolas" panose="020B0609020204030204" pitchFamily="49" charset="0"/>
-              </a:rPr>
-              <a:t>    </a:t>
-            </a:r>
-            <a:r>
-              <a:rPr lang="en-US" dirty="0">
-                <a:solidFill>
-                  <a:srgbClr val="DCDCAA"/>
-                </a:solidFill>
-                <a:latin typeface="Consolas" panose="020B0609020204030204" pitchFamily="49" charset="0"/>
-              </a:rPr>
-              <a:t>$</a:t>
-            </a:r>
-            <a:r>
-              <a:rPr lang="en-US" dirty="0">
-                <a:solidFill>
-                  <a:srgbClr val="D4D4D4"/>
-                </a:solidFill>
-                <a:latin typeface="Consolas" panose="020B0609020204030204" pitchFamily="49" charset="0"/>
-              </a:rPr>
-              <a:t>(</a:t>
-            </a:r>
-            <a:r>
-              <a:rPr lang="en-US" dirty="0">
-                <a:solidFill>
-                  <a:srgbClr val="9CDCFE"/>
-                </a:solidFill>
-                <a:latin typeface="Consolas" panose="020B0609020204030204" pitchFamily="49" charset="0"/>
-              </a:rPr>
-              <a:t>document</a:t>
-            </a:r>
-            <a:r>
-              <a:rPr lang="en-US" dirty="0">
-                <a:solidFill>
-                  <a:srgbClr val="D4D4D4"/>
-                </a:solidFill>
-                <a:latin typeface="Consolas" panose="020B0609020204030204" pitchFamily="49" charset="0"/>
-              </a:rPr>
-              <a:t>).</a:t>
-            </a:r>
-            <a:r>
-              <a:rPr lang="en-US" dirty="0">
-                <a:solidFill>
-                  <a:srgbClr val="DCDCAA"/>
-                </a:solidFill>
-                <a:latin typeface="Consolas" panose="020B0609020204030204" pitchFamily="49" charset="0"/>
-              </a:rPr>
-              <a:t>click</a:t>
-            </a:r>
-            <a:r>
-              <a:rPr lang="en-US" dirty="0">
-                <a:solidFill>
-                  <a:srgbClr val="D4D4D4"/>
-                </a:solidFill>
-                <a:latin typeface="Consolas" panose="020B0609020204030204" pitchFamily="49" charset="0"/>
-              </a:rPr>
-              <a:t>(</a:t>
-            </a:r>
-            <a:r>
-              <a:rPr lang="en-US" dirty="0">
-                <a:solidFill>
-                  <a:srgbClr val="569CD6"/>
-                </a:solidFill>
-                <a:latin typeface="Consolas" panose="020B0609020204030204" pitchFamily="49" charset="0"/>
-              </a:rPr>
-              <a:t>function</a:t>
-            </a:r>
-            <a:r>
-              <a:rPr lang="en-US" dirty="0">
-                <a:solidFill>
-                  <a:srgbClr val="D4D4D4"/>
-                </a:solidFill>
-                <a:latin typeface="Consolas" panose="020B0609020204030204" pitchFamily="49" charset="0"/>
-              </a:rPr>
-              <a:t> () {</a:t>
-            </a:r>
-          </a:p>
-          <a:p>
-            <a:pPr marL="0" indent="0">
-              <a:buNone/>
-            </a:pPr>
-            <a:r>
-              <a:rPr lang="en-US" dirty="0">
-                <a:solidFill>
-                  <a:srgbClr val="D4D4D4"/>
-                </a:solidFill>
-                <a:latin typeface="Consolas" panose="020B0609020204030204" pitchFamily="49" charset="0"/>
-              </a:rPr>
-              <a:t>            </a:t>
-            </a:r>
-            <a:r>
-              <a:rPr lang="en-US" dirty="0">
-                <a:solidFill>
-                  <a:srgbClr val="DCDCAA"/>
-                </a:solidFill>
-                <a:latin typeface="Consolas" panose="020B0609020204030204" pitchFamily="49" charset="0"/>
-              </a:rPr>
-              <a:t>$</a:t>
-            </a:r>
-            <a:r>
-              <a:rPr lang="en-US" dirty="0">
-                <a:solidFill>
-                  <a:srgbClr val="D4D4D4"/>
-                </a:solidFill>
-                <a:latin typeface="Consolas" panose="020B0609020204030204" pitchFamily="49" charset="0"/>
-              </a:rPr>
-              <a:t>(</a:t>
-            </a:r>
-            <a:r>
-              <a:rPr lang="en-US" dirty="0" err="1">
-                <a:solidFill>
-                  <a:srgbClr val="9CDCFE"/>
-                </a:solidFill>
-                <a:latin typeface="Consolas" panose="020B0609020204030204" pitchFamily="49" charset="0"/>
-              </a:rPr>
-              <a:t>currentEle</a:t>
-            </a:r>
-            <a:r>
-              <a:rPr lang="en-US" dirty="0">
-                <a:solidFill>
-                  <a:srgbClr val="D4D4D4"/>
-                </a:solidFill>
-                <a:latin typeface="Consolas" panose="020B0609020204030204" pitchFamily="49" charset="0"/>
-              </a:rPr>
-              <a:t>).</a:t>
-            </a:r>
-            <a:r>
-              <a:rPr lang="en-US" dirty="0">
-                <a:solidFill>
-                  <a:srgbClr val="DCDCAA"/>
-                </a:solidFill>
-                <a:latin typeface="Consolas" panose="020B0609020204030204" pitchFamily="49" charset="0"/>
-              </a:rPr>
-              <a:t>html</a:t>
-            </a:r>
-            <a:r>
-              <a:rPr lang="en-US" dirty="0">
-                <a:solidFill>
-                  <a:srgbClr val="D4D4D4"/>
-                </a:solidFill>
-                <a:latin typeface="Consolas" panose="020B0609020204030204" pitchFamily="49" charset="0"/>
-              </a:rPr>
-              <a:t>(</a:t>
-            </a:r>
-            <a:r>
-              <a:rPr lang="en-US" dirty="0">
-                <a:solidFill>
-                  <a:srgbClr val="DCDCAA"/>
-                </a:solidFill>
-                <a:latin typeface="Consolas" panose="020B0609020204030204" pitchFamily="49" charset="0"/>
-              </a:rPr>
-              <a:t>$</a:t>
-            </a:r>
-            <a:r>
-              <a:rPr lang="en-US" dirty="0">
-                <a:solidFill>
-                  <a:srgbClr val="D4D4D4"/>
-                </a:solidFill>
-                <a:latin typeface="Consolas" panose="020B0609020204030204" pitchFamily="49" charset="0"/>
-              </a:rPr>
-              <a:t>(</a:t>
-            </a:r>
-            <a:r>
-              <a:rPr lang="en-US" dirty="0">
-                <a:solidFill>
-                  <a:srgbClr val="CE9178"/>
-                </a:solidFill>
-                <a:latin typeface="Consolas" panose="020B0609020204030204" pitchFamily="49" charset="0"/>
-              </a:rPr>
-              <a:t>".</a:t>
-            </a:r>
-            <a:r>
-              <a:rPr lang="en-US" dirty="0" err="1">
-                <a:solidFill>
-                  <a:srgbClr val="CE9178"/>
-                </a:solidFill>
-                <a:latin typeface="Consolas" panose="020B0609020204030204" pitchFamily="49" charset="0"/>
-              </a:rPr>
-              <a:t>thVal</a:t>
-            </a:r>
-            <a:r>
-              <a:rPr lang="en-US" dirty="0">
-                <a:solidFill>
-                  <a:srgbClr val="CE9178"/>
-                </a:solidFill>
-                <a:latin typeface="Consolas" panose="020B0609020204030204" pitchFamily="49" charset="0"/>
-              </a:rPr>
-              <a:t>"</a:t>
-            </a:r>
-            <a:r>
-              <a:rPr lang="en-US" dirty="0">
-                <a:solidFill>
-                  <a:srgbClr val="D4D4D4"/>
-                </a:solidFill>
-                <a:latin typeface="Consolas" panose="020B0609020204030204" pitchFamily="49" charset="0"/>
-              </a:rPr>
-              <a:t>).</a:t>
-            </a:r>
-            <a:r>
-              <a:rPr lang="en-US" dirty="0" err="1">
-                <a:solidFill>
-                  <a:srgbClr val="DCDCAA"/>
-                </a:solidFill>
-                <a:latin typeface="Consolas" panose="020B0609020204030204" pitchFamily="49" charset="0"/>
-              </a:rPr>
-              <a:t>val</a:t>
-            </a:r>
-            <a:r>
-              <a:rPr lang="en-US" dirty="0">
-                <a:solidFill>
-                  <a:srgbClr val="D4D4D4"/>
-                </a:solidFill>
-                <a:latin typeface="Consolas" panose="020B0609020204030204" pitchFamily="49" charset="0"/>
-              </a:rPr>
-              <a:t>().</a:t>
-            </a:r>
-            <a:r>
-              <a:rPr lang="en-US" dirty="0">
-                <a:solidFill>
-                  <a:srgbClr val="DCDCAA"/>
-                </a:solidFill>
-                <a:latin typeface="Consolas" panose="020B0609020204030204" pitchFamily="49" charset="0"/>
-              </a:rPr>
-              <a:t>trim</a:t>
-            </a:r>
-            <a:r>
-              <a:rPr lang="en-US" dirty="0">
-                <a:solidFill>
-                  <a:srgbClr val="D4D4D4"/>
-                </a:solidFill>
-                <a:latin typeface="Consolas" panose="020B0609020204030204" pitchFamily="49" charset="0"/>
-              </a:rPr>
-              <a:t>());</a:t>
-            </a:r>
-          </a:p>
-          <a:p>
-            <a:pPr marL="0" indent="0">
-              <a:buNone/>
-            </a:pPr>
-            <a:r>
-              <a:rPr lang="en-US" dirty="0">
-                <a:solidFill>
-                  <a:srgbClr val="D4D4D4"/>
-                </a:solidFill>
-                <a:latin typeface="Consolas" panose="020B0609020204030204" pitchFamily="49" charset="0"/>
-              </a:rPr>
-              <a:t>    });</a:t>
-            </a:r>
-          </a:p>
-          <a:p>
-            <a:pPr marL="0" indent="0">
-              <a:buNone/>
-            </a:pPr>
-            <a:r>
-              <a:rPr lang="en-US" dirty="0">
-                <a:solidFill>
-                  <a:srgbClr val="D4D4D4"/>
-                </a:solidFill>
-                <a:latin typeface="Consolas" panose="020B0609020204030204" pitchFamily="49" charset="0"/>
-              </a:rPr>
-              <a:t>}</a:t>
-            </a:r>
-          </a:p>
-          <a:p>
-            <a:endParaRPr lang="en-US" dirty="0"/>
+            <a:r>
+              <a:rPr lang="en-US" dirty="0"/>
+              <a:t>Get the current value in the rating field.</a:t>
+            </a:r>
+          </a:p>
+          <a:p>
+            <a:r>
+              <a:rPr lang="en-US" dirty="0"/>
+              <a:t>Replace the current rating field with an input box.</a:t>
+            </a:r>
+          </a:p>
+          <a:p>
+            <a:r>
+              <a:rPr lang="en-US" dirty="0"/>
+              <a:t>Put the current rating value in the input box.</a:t>
+            </a:r>
+          </a:p>
+          <a:p>
+            <a:r>
+              <a:rPr lang="en-US" dirty="0"/>
+              <a:t>Set the focus to the current text box.</a:t>
+            </a:r>
           </a:p>
         </p:txBody>
       </p:sp>
     </p:spTree>
     <p:extLst>
       <p:ext uri="{BB962C8B-B14F-4D97-AF65-F5344CB8AC3E}">
-        <p14:creationId xmlns:p14="http://schemas.microsoft.com/office/powerpoint/2010/main" val="1705790773"/>
+        <p14:creationId xmlns:p14="http://schemas.microsoft.com/office/powerpoint/2010/main" val="544318707"/>
       </p:ext>
     </p:extLst>
   </p:cSld>
@@ -13536,6 +12398,1023 @@
     <p:extLst>
       <p:ext uri="{BB962C8B-B14F-4D97-AF65-F5344CB8AC3E}">
         <p14:creationId xmlns:p14="http://schemas.microsoft.com/office/powerpoint/2010/main" val="1853346653"/>
+      </p:ext>
+    </p:extLst>
+  </p:cSld>
+  <p:clrMapOvr>
+    <a:masterClrMapping/>
+  </p:clrMapOvr>
+</p:sld>
+</file>
+
+<file path=ppt/slides/slide30.xml><?xml version="1.0" encoding="utf-8"?>
+<p:sld xmlns:a="http://schemas.openxmlformats.org/drawingml/2006/main" xmlns:r="http://schemas.openxmlformats.org/officeDocument/2006/relationships" xmlns:p="http://schemas.openxmlformats.org/presentationml/2006/main">
+  <p:cSld>
+    <p:spTree>
+      <p:nvGrpSpPr>
+        <p:cNvPr id="1" name=""/>
+        <p:cNvGrpSpPr/>
+        <p:nvPr/>
+      </p:nvGrpSpPr>
+      <p:grpSpPr>
+        <a:xfrm>
+          <a:off x="0" y="0"/>
+          <a:ext cx="0" cy="0"/>
+          <a:chOff x="0" y="0"/>
+          <a:chExt cx="0" cy="0"/>
+        </a:xfrm>
+      </p:grpSpPr>
+      <p:sp>
+        <p:nvSpPr>
+          <p:cNvPr id="2" name="Title 1">
+            <a:extLst>
+              <a:ext uri="{FF2B5EF4-FFF2-40B4-BE49-F238E27FC236}">
+                <a16:creationId xmlns:a16="http://schemas.microsoft.com/office/drawing/2014/main" id="{9D0BA249-DBF2-49E1-A8B1-7446CD0D7A03}"/>
+              </a:ext>
+            </a:extLst>
+          </p:cNvPr>
+          <p:cNvSpPr>
+            <a:spLocks noGrp="1"/>
+          </p:cNvSpPr>
+          <p:nvPr>
+            <p:ph type="title"/>
+          </p:nvPr>
+        </p:nvSpPr>
+        <p:spPr>
+          <a:xfrm>
+            <a:off x="0" y="77333"/>
+            <a:ext cx="10515600" cy="603704"/>
+          </a:xfrm>
+        </p:spPr>
+        <p:txBody>
+          <a:bodyPr>
+            <a:normAutofit fontScale="90000"/>
+          </a:bodyPr>
+          <a:lstStyle/>
+          <a:p>
+            <a:r>
+              <a:rPr lang="en-US" dirty="0"/>
+              <a:t>eventhandler.js</a:t>
+            </a:r>
+          </a:p>
+        </p:txBody>
+      </p:sp>
+      <p:sp>
+        <p:nvSpPr>
+          <p:cNvPr id="6" name="Rectangle 5">
+            <a:extLst>
+              <a:ext uri="{FF2B5EF4-FFF2-40B4-BE49-F238E27FC236}">
+                <a16:creationId xmlns:a16="http://schemas.microsoft.com/office/drawing/2014/main" id="{6C20F97D-6228-487D-92EF-7C44FDA53B75}"/>
+              </a:ext>
+            </a:extLst>
+          </p:cNvPr>
+          <p:cNvSpPr/>
+          <p:nvPr/>
+        </p:nvSpPr>
+        <p:spPr>
+          <a:xfrm>
+            <a:off x="664028" y="1032026"/>
+            <a:ext cx="10613571" cy="2308324"/>
+          </a:xfrm>
+          <a:prstGeom prst="rect">
+            <a:avLst/>
+          </a:prstGeom>
+          <a:solidFill>
+            <a:schemeClr val="tx1"/>
+          </a:solidFill>
+        </p:spPr>
+        <p:txBody>
+          <a:bodyPr wrap="square">
+            <a:spAutoFit/>
+          </a:bodyPr>
+          <a:lstStyle/>
+          <a:p>
+            <a:r>
+              <a:rPr lang="en-US" dirty="0">
+                <a:solidFill>
+                  <a:srgbClr val="DCDCAA"/>
+                </a:solidFill>
+                <a:latin typeface="Consolas" panose="020B0609020204030204" pitchFamily="49" charset="0"/>
+              </a:rPr>
+              <a:t>$</a:t>
+            </a:r>
+            <a:r>
+              <a:rPr lang="en-US" dirty="0">
+                <a:solidFill>
+                  <a:srgbClr val="D4D4D4"/>
+                </a:solidFill>
+                <a:latin typeface="Consolas" panose="020B0609020204030204" pitchFamily="49" charset="0"/>
+              </a:rPr>
+              <a:t>(</a:t>
+            </a:r>
+            <a:r>
+              <a:rPr lang="en-US" dirty="0">
+                <a:solidFill>
+                  <a:srgbClr val="569CD6"/>
+                </a:solidFill>
+                <a:latin typeface="Consolas" panose="020B0609020204030204" pitchFamily="49" charset="0"/>
+              </a:rPr>
+              <a:t>function</a:t>
+            </a:r>
+            <a:r>
+              <a:rPr lang="en-US" dirty="0">
+                <a:solidFill>
+                  <a:srgbClr val="D4D4D4"/>
+                </a:solidFill>
+                <a:latin typeface="Consolas" panose="020B0609020204030204" pitchFamily="49" charset="0"/>
+              </a:rPr>
+              <a:t> () {</a:t>
+            </a:r>
+          </a:p>
+          <a:p>
+            <a:r>
+              <a:rPr lang="en-US" dirty="0">
+                <a:solidFill>
+                  <a:srgbClr val="D4D4D4"/>
+                </a:solidFill>
+                <a:latin typeface="Consolas" panose="020B0609020204030204" pitchFamily="49" charset="0"/>
+              </a:rPr>
+              <a:t>    </a:t>
+            </a:r>
+            <a:r>
+              <a:rPr lang="en-US" dirty="0">
+                <a:solidFill>
+                  <a:srgbClr val="DCDCAA"/>
+                </a:solidFill>
+                <a:latin typeface="Consolas" panose="020B0609020204030204" pitchFamily="49" charset="0"/>
+              </a:rPr>
+              <a:t>$</a:t>
+            </a:r>
+            <a:r>
+              <a:rPr lang="en-US" dirty="0">
+                <a:solidFill>
+                  <a:srgbClr val="D4D4D4"/>
+                </a:solidFill>
+                <a:latin typeface="Consolas" panose="020B0609020204030204" pitchFamily="49" charset="0"/>
+              </a:rPr>
+              <a:t>(</a:t>
+            </a:r>
+            <a:r>
+              <a:rPr lang="en-US" dirty="0">
+                <a:solidFill>
+                  <a:srgbClr val="CE9178"/>
+                </a:solidFill>
+                <a:latin typeface="Consolas" panose="020B0609020204030204" pitchFamily="49" charset="0"/>
+              </a:rPr>
+              <a:t>".</a:t>
+            </a:r>
+            <a:r>
+              <a:rPr lang="en-US" dirty="0" err="1">
+                <a:solidFill>
+                  <a:srgbClr val="CE9178"/>
+                </a:solidFill>
+                <a:latin typeface="Consolas" panose="020B0609020204030204" pitchFamily="49" charset="0"/>
+              </a:rPr>
+              <a:t>rating_cell</a:t>
+            </a:r>
+            <a:r>
+              <a:rPr lang="en-US" dirty="0">
+                <a:solidFill>
+                  <a:srgbClr val="CE9178"/>
+                </a:solidFill>
+                <a:latin typeface="Consolas" panose="020B0609020204030204" pitchFamily="49" charset="0"/>
+              </a:rPr>
+              <a:t>"</a:t>
+            </a:r>
+            <a:r>
+              <a:rPr lang="en-US" dirty="0">
+                <a:solidFill>
+                  <a:srgbClr val="D4D4D4"/>
+                </a:solidFill>
+                <a:latin typeface="Consolas" panose="020B0609020204030204" pitchFamily="49" charset="0"/>
+              </a:rPr>
+              <a:t>).</a:t>
+            </a:r>
+            <a:r>
+              <a:rPr lang="en-US" dirty="0" err="1">
+                <a:solidFill>
+                  <a:srgbClr val="DCDCAA"/>
+                </a:solidFill>
+                <a:latin typeface="Consolas" panose="020B0609020204030204" pitchFamily="49" charset="0"/>
+              </a:rPr>
+              <a:t>dblclick</a:t>
+            </a:r>
+            <a:r>
+              <a:rPr lang="en-US" dirty="0">
+                <a:solidFill>
+                  <a:srgbClr val="D4D4D4"/>
+                </a:solidFill>
+                <a:latin typeface="Consolas" panose="020B0609020204030204" pitchFamily="49" charset="0"/>
+              </a:rPr>
+              <a:t>(</a:t>
+            </a:r>
+            <a:r>
+              <a:rPr lang="en-US" dirty="0">
+                <a:solidFill>
+                  <a:srgbClr val="569CD6"/>
+                </a:solidFill>
+                <a:latin typeface="Consolas" panose="020B0609020204030204" pitchFamily="49" charset="0"/>
+              </a:rPr>
+              <a:t>function</a:t>
+            </a:r>
+            <a:r>
+              <a:rPr lang="en-US" dirty="0">
+                <a:solidFill>
+                  <a:srgbClr val="D4D4D4"/>
+                </a:solidFill>
+                <a:latin typeface="Consolas" panose="020B0609020204030204" pitchFamily="49" charset="0"/>
+              </a:rPr>
+              <a:t> (</a:t>
+            </a:r>
+            <a:r>
+              <a:rPr lang="en-US" dirty="0">
+                <a:solidFill>
+                  <a:srgbClr val="9CDCFE"/>
+                </a:solidFill>
+                <a:latin typeface="Consolas" panose="020B0609020204030204" pitchFamily="49" charset="0"/>
+              </a:rPr>
+              <a:t>e</a:t>
+            </a:r>
+            <a:r>
+              <a:rPr lang="en-US" dirty="0">
+                <a:solidFill>
+                  <a:srgbClr val="D4D4D4"/>
+                </a:solidFill>
+                <a:latin typeface="Consolas" panose="020B0609020204030204" pitchFamily="49" charset="0"/>
+              </a:rPr>
+              <a:t>) {</a:t>
+            </a:r>
+          </a:p>
+          <a:p>
+            <a:r>
+              <a:rPr lang="en-US" dirty="0">
+                <a:solidFill>
+                  <a:srgbClr val="D4D4D4"/>
+                </a:solidFill>
+                <a:latin typeface="Consolas" panose="020B0609020204030204" pitchFamily="49" charset="0"/>
+              </a:rPr>
+              <a:t>        </a:t>
+            </a:r>
+            <a:r>
+              <a:rPr lang="en-US" dirty="0" err="1">
+                <a:solidFill>
+                  <a:srgbClr val="9CDCFE"/>
+                </a:solidFill>
+                <a:latin typeface="Consolas" panose="020B0609020204030204" pitchFamily="49" charset="0"/>
+              </a:rPr>
+              <a:t>e</a:t>
+            </a:r>
+            <a:r>
+              <a:rPr lang="en-US" dirty="0" err="1">
+                <a:solidFill>
+                  <a:srgbClr val="D4D4D4"/>
+                </a:solidFill>
+                <a:latin typeface="Consolas" panose="020B0609020204030204" pitchFamily="49" charset="0"/>
+              </a:rPr>
+              <a:t>.</a:t>
+            </a:r>
+            <a:r>
+              <a:rPr lang="en-US" dirty="0" err="1">
+                <a:solidFill>
+                  <a:srgbClr val="DCDCAA"/>
+                </a:solidFill>
+                <a:latin typeface="Consolas" panose="020B0609020204030204" pitchFamily="49" charset="0"/>
+              </a:rPr>
+              <a:t>stopPropagation</a:t>
+            </a:r>
+            <a:r>
+              <a:rPr lang="en-US" dirty="0">
+                <a:solidFill>
+                  <a:srgbClr val="D4D4D4"/>
+                </a:solidFill>
+                <a:latin typeface="Consolas" panose="020B0609020204030204" pitchFamily="49" charset="0"/>
+              </a:rPr>
+              <a:t>();</a:t>
+            </a:r>
+          </a:p>
+          <a:p>
+            <a:r>
+              <a:rPr lang="en-US" dirty="0">
+                <a:solidFill>
+                  <a:srgbClr val="D4D4D4"/>
+                </a:solidFill>
+                <a:latin typeface="Consolas" panose="020B0609020204030204" pitchFamily="49" charset="0"/>
+              </a:rPr>
+              <a:t>        </a:t>
+            </a:r>
+            <a:r>
+              <a:rPr lang="en-US" dirty="0">
+                <a:solidFill>
+                  <a:srgbClr val="569CD6"/>
+                </a:solidFill>
+                <a:latin typeface="Consolas" panose="020B0609020204030204" pitchFamily="49" charset="0"/>
+              </a:rPr>
+              <a:t>var</a:t>
+            </a:r>
+            <a:r>
+              <a:rPr lang="en-US" dirty="0">
+                <a:solidFill>
+                  <a:srgbClr val="D4D4D4"/>
+                </a:solidFill>
+                <a:latin typeface="Consolas" panose="020B0609020204030204" pitchFamily="49" charset="0"/>
+              </a:rPr>
+              <a:t> </a:t>
+            </a:r>
+            <a:r>
+              <a:rPr lang="en-US" dirty="0" err="1">
+                <a:solidFill>
+                  <a:srgbClr val="9CDCFE"/>
+                </a:solidFill>
+                <a:latin typeface="Consolas" panose="020B0609020204030204" pitchFamily="49" charset="0"/>
+              </a:rPr>
+              <a:t>currentEle</a:t>
+            </a:r>
+            <a:r>
+              <a:rPr lang="en-US" dirty="0">
+                <a:solidFill>
+                  <a:srgbClr val="D4D4D4"/>
+                </a:solidFill>
+                <a:latin typeface="Consolas" panose="020B0609020204030204" pitchFamily="49" charset="0"/>
+              </a:rPr>
+              <a:t> = </a:t>
+            </a:r>
+            <a:r>
+              <a:rPr lang="en-US" dirty="0">
+                <a:solidFill>
+                  <a:srgbClr val="DCDCAA"/>
+                </a:solidFill>
+                <a:latin typeface="Consolas" panose="020B0609020204030204" pitchFamily="49" charset="0"/>
+              </a:rPr>
+              <a:t>$</a:t>
+            </a:r>
+            <a:r>
+              <a:rPr lang="en-US" dirty="0">
+                <a:solidFill>
+                  <a:srgbClr val="D4D4D4"/>
+                </a:solidFill>
+                <a:latin typeface="Consolas" panose="020B0609020204030204" pitchFamily="49" charset="0"/>
+              </a:rPr>
+              <a:t>(</a:t>
+            </a:r>
+            <a:r>
+              <a:rPr lang="en-US" dirty="0">
+                <a:solidFill>
+                  <a:srgbClr val="569CD6"/>
+                </a:solidFill>
+                <a:latin typeface="Consolas" panose="020B0609020204030204" pitchFamily="49" charset="0"/>
+              </a:rPr>
+              <a:t>this</a:t>
+            </a:r>
+            <a:r>
+              <a:rPr lang="en-US" dirty="0">
+                <a:solidFill>
+                  <a:srgbClr val="D4D4D4"/>
+                </a:solidFill>
+                <a:latin typeface="Consolas" panose="020B0609020204030204" pitchFamily="49" charset="0"/>
+              </a:rPr>
+              <a:t>);</a:t>
+            </a:r>
+          </a:p>
+          <a:p>
+            <a:r>
+              <a:rPr lang="en-US" dirty="0">
+                <a:solidFill>
+                  <a:srgbClr val="D4D4D4"/>
+                </a:solidFill>
+                <a:latin typeface="Consolas" panose="020B0609020204030204" pitchFamily="49" charset="0"/>
+              </a:rPr>
+              <a:t>        </a:t>
+            </a:r>
+            <a:r>
+              <a:rPr lang="en-US" dirty="0">
+                <a:solidFill>
+                  <a:srgbClr val="569CD6"/>
+                </a:solidFill>
+                <a:latin typeface="Consolas" panose="020B0609020204030204" pitchFamily="49" charset="0"/>
+              </a:rPr>
+              <a:t>var</a:t>
+            </a:r>
+            <a:r>
+              <a:rPr lang="en-US" dirty="0">
+                <a:solidFill>
+                  <a:srgbClr val="D4D4D4"/>
+                </a:solidFill>
+                <a:latin typeface="Consolas" panose="020B0609020204030204" pitchFamily="49" charset="0"/>
+              </a:rPr>
+              <a:t> </a:t>
+            </a:r>
+            <a:r>
+              <a:rPr lang="en-US" dirty="0">
+                <a:solidFill>
+                  <a:srgbClr val="9CDCFE"/>
+                </a:solidFill>
+                <a:latin typeface="Consolas" panose="020B0609020204030204" pitchFamily="49" charset="0"/>
+              </a:rPr>
+              <a:t>value</a:t>
+            </a:r>
+            <a:r>
+              <a:rPr lang="en-US" dirty="0">
+                <a:solidFill>
+                  <a:srgbClr val="D4D4D4"/>
+                </a:solidFill>
+                <a:latin typeface="Consolas" panose="020B0609020204030204" pitchFamily="49" charset="0"/>
+              </a:rPr>
+              <a:t> = </a:t>
+            </a:r>
+            <a:r>
+              <a:rPr lang="en-US" dirty="0">
+                <a:solidFill>
+                  <a:srgbClr val="DCDCAA"/>
+                </a:solidFill>
+                <a:latin typeface="Consolas" panose="020B0609020204030204" pitchFamily="49" charset="0"/>
+              </a:rPr>
+              <a:t>$</a:t>
+            </a:r>
+            <a:r>
+              <a:rPr lang="en-US" dirty="0">
+                <a:solidFill>
+                  <a:srgbClr val="D4D4D4"/>
+                </a:solidFill>
+                <a:latin typeface="Consolas" panose="020B0609020204030204" pitchFamily="49" charset="0"/>
+              </a:rPr>
+              <a:t>(</a:t>
+            </a:r>
+            <a:r>
+              <a:rPr lang="en-US" dirty="0">
+                <a:solidFill>
+                  <a:srgbClr val="569CD6"/>
+                </a:solidFill>
+                <a:latin typeface="Consolas" panose="020B0609020204030204" pitchFamily="49" charset="0"/>
+              </a:rPr>
+              <a:t>this</a:t>
+            </a:r>
+            <a:r>
+              <a:rPr lang="en-US" dirty="0">
+                <a:solidFill>
+                  <a:srgbClr val="D4D4D4"/>
+                </a:solidFill>
+                <a:latin typeface="Consolas" panose="020B0609020204030204" pitchFamily="49" charset="0"/>
+              </a:rPr>
+              <a:t>).</a:t>
+            </a:r>
+            <a:r>
+              <a:rPr lang="en-US" dirty="0">
+                <a:solidFill>
+                  <a:srgbClr val="DCDCAA"/>
+                </a:solidFill>
+                <a:latin typeface="Consolas" panose="020B0609020204030204" pitchFamily="49" charset="0"/>
+              </a:rPr>
+              <a:t>html</a:t>
+            </a:r>
+            <a:r>
+              <a:rPr lang="en-US" dirty="0">
+                <a:solidFill>
+                  <a:srgbClr val="D4D4D4"/>
+                </a:solidFill>
+                <a:latin typeface="Consolas" panose="020B0609020204030204" pitchFamily="49" charset="0"/>
+              </a:rPr>
+              <a:t>();</a:t>
+            </a:r>
+          </a:p>
+          <a:p>
+            <a:r>
+              <a:rPr lang="en-US" dirty="0">
+                <a:solidFill>
+                  <a:srgbClr val="D4D4D4"/>
+                </a:solidFill>
+                <a:latin typeface="Consolas" panose="020B0609020204030204" pitchFamily="49" charset="0"/>
+              </a:rPr>
+              <a:t>        </a:t>
+            </a:r>
+            <a:r>
+              <a:rPr lang="en-US" dirty="0" err="1">
+                <a:solidFill>
+                  <a:srgbClr val="DCDCAA"/>
+                </a:solidFill>
+                <a:latin typeface="Consolas" panose="020B0609020204030204" pitchFamily="49" charset="0"/>
+              </a:rPr>
+              <a:t>changeCurrentElementToInputBox</a:t>
+            </a:r>
+            <a:r>
+              <a:rPr lang="en-US" dirty="0">
+                <a:solidFill>
+                  <a:srgbClr val="D4D4D4"/>
+                </a:solidFill>
+                <a:latin typeface="Consolas" panose="020B0609020204030204" pitchFamily="49" charset="0"/>
+              </a:rPr>
+              <a:t>(</a:t>
+            </a:r>
+            <a:r>
+              <a:rPr lang="en-US" dirty="0" err="1">
+                <a:solidFill>
+                  <a:srgbClr val="9CDCFE"/>
+                </a:solidFill>
+                <a:latin typeface="Consolas" panose="020B0609020204030204" pitchFamily="49" charset="0"/>
+              </a:rPr>
+              <a:t>currentEle</a:t>
+            </a:r>
+            <a:r>
+              <a:rPr lang="en-US" dirty="0" err="1">
+                <a:solidFill>
+                  <a:srgbClr val="D4D4D4"/>
+                </a:solidFill>
+                <a:latin typeface="Consolas" panose="020B0609020204030204" pitchFamily="49" charset="0"/>
+              </a:rPr>
+              <a:t>,</a:t>
+            </a:r>
+            <a:r>
+              <a:rPr lang="en-US" dirty="0" err="1">
+                <a:solidFill>
+                  <a:srgbClr val="9CDCFE"/>
+                </a:solidFill>
+                <a:latin typeface="Consolas" panose="020B0609020204030204" pitchFamily="49" charset="0"/>
+              </a:rPr>
+              <a:t>value</a:t>
+            </a:r>
+            <a:r>
+              <a:rPr lang="en-US" dirty="0">
+                <a:solidFill>
+                  <a:srgbClr val="D4D4D4"/>
+                </a:solidFill>
+                <a:latin typeface="Consolas" panose="020B0609020204030204" pitchFamily="49" charset="0"/>
+              </a:rPr>
+              <a:t>);</a:t>
+            </a:r>
+          </a:p>
+          <a:p>
+            <a:r>
+              <a:rPr lang="en-US" dirty="0">
+                <a:solidFill>
+                  <a:srgbClr val="D4D4D4"/>
+                </a:solidFill>
+                <a:latin typeface="Consolas" panose="020B0609020204030204" pitchFamily="49" charset="0"/>
+              </a:rPr>
+              <a:t>    });</a:t>
+            </a:r>
+          </a:p>
+          <a:p>
+            <a:r>
+              <a:rPr lang="en-US" dirty="0">
+                <a:solidFill>
+                  <a:srgbClr val="D4D4D4"/>
+                </a:solidFill>
+                <a:latin typeface="Consolas" panose="020B0609020204030204" pitchFamily="49" charset="0"/>
+              </a:rPr>
+              <a:t>});</a:t>
+            </a:r>
+          </a:p>
+        </p:txBody>
+      </p:sp>
+      <p:sp>
+        <p:nvSpPr>
+          <p:cNvPr id="7" name="Rectangle 6">
+            <a:extLst>
+              <a:ext uri="{FF2B5EF4-FFF2-40B4-BE49-F238E27FC236}">
+                <a16:creationId xmlns:a16="http://schemas.microsoft.com/office/drawing/2014/main" id="{6CDD7D4A-DBFE-4672-BE0F-6C80BBFA832C}"/>
+              </a:ext>
+            </a:extLst>
+          </p:cNvPr>
+          <p:cNvSpPr/>
+          <p:nvPr/>
+        </p:nvSpPr>
+        <p:spPr>
+          <a:xfrm>
+            <a:off x="664027" y="3794649"/>
+            <a:ext cx="10613571" cy="1477328"/>
+          </a:xfrm>
+          <a:prstGeom prst="rect">
+            <a:avLst/>
+          </a:prstGeom>
+          <a:solidFill>
+            <a:schemeClr val="tx1"/>
+          </a:solidFill>
+        </p:spPr>
+        <p:txBody>
+          <a:bodyPr wrap="square">
+            <a:spAutoFit/>
+          </a:bodyPr>
+          <a:lstStyle/>
+          <a:p>
+            <a:r>
+              <a:rPr lang="en-US" dirty="0">
+                <a:solidFill>
+                  <a:srgbClr val="569CD6"/>
+                </a:solidFill>
+                <a:latin typeface="Consolas" panose="020B0609020204030204" pitchFamily="49" charset="0"/>
+              </a:rPr>
+              <a:t>function</a:t>
+            </a:r>
+            <a:r>
+              <a:rPr lang="en-US" dirty="0">
+                <a:solidFill>
+                  <a:srgbClr val="D4D4D4"/>
+                </a:solidFill>
+                <a:latin typeface="Consolas" panose="020B0609020204030204" pitchFamily="49" charset="0"/>
+              </a:rPr>
+              <a:t> </a:t>
+            </a:r>
+            <a:r>
+              <a:rPr lang="en-US" dirty="0" err="1">
+                <a:solidFill>
+                  <a:srgbClr val="DCDCAA"/>
+                </a:solidFill>
+                <a:latin typeface="Consolas" panose="020B0609020204030204" pitchFamily="49" charset="0"/>
+              </a:rPr>
+              <a:t>changeCurrentElementToInputBox</a:t>
+            </a:r>
+            <a:r>
+              <a:rPr lang="en-US" dirty="0">
+                <a:solidFill>
+                  <a:srgbClr val="D4D4D4"/>
+                </a:solidFill>
+                <a:latin typeface="Consolas" panose="020B0609020204030204" pitchFamily="49" charset="0"/>
+              </a:rPr>
+              <a:t>(</a:t>
+            </a:r>
+            <a:r>
+              <a:rPr lang="en-US" dirty="0">
+                <a:solidFill>
+                  <a:srgbClr val="9CDCFE"/>
+                </a:solidFill>
+                <a:latin typeface="Consolas" panose="020B0609020204030204" pitchFamily="49" charset="0"/>
+              </a:rPr>
+              <a:t>el</a:t>
+            </a:r>
+            <a:r>
+              <a:rPr lang="en-US" dirty="0">
+                <a:solidFill>
+                  <a:srgbClr val="D4D4D4"/>
+                </a:solidFill>
+                <a:latin typeface="Consolas" panose="020B0609020204030204" pitchFamily="49" charset="0"/>
+              </a:rPr>
+              <a:t>, </a:t>
+            </a:r>
+            <a:r>
+              <a:rPr lang="en-US" dirty="0">
+                <a:solidFill>
+                  <a:srgbClr val="9CDCFE"/>
+                </a:solidFill>
+                <a:latin typeface="Consolas" panose="020B0609020204030204" pitchFamily="49" charset="0"/>
+              </a:rPr>
+              <a:t>value</a:t>
+            </a:r>
+            <a:r>
+              <a:rPr lang="en-US" dirty="0">
+                <a:solidFill>
+                  <a:srgbClr val="D4D4D4"/>
+                </a:solidFill>
+                <a:latin typeface="Consolas" panose="020B0609020204030204" pitchFamily="49" charset="0"/>
+              </a:rPr>
+              <a:t>)</a:t>
+            </a:r>
+          </a:p>
+          <a:p>
+            <a:r>
+              <a:rPr lang="en-US" dirty="0">
+                <a:solidFill>
+                  <a:srgbClr val="D4D4D4"/>
+                </a:solidFill>
+                <a:latin typeface="Consolas" panose="020B0609020204030204" pitchFamily="49" charset="0"/>
+              </a:rPr>
+              <a:t>{</a:t>
+            </a:r>
+          </a:p>
+          <a:p>
+            <a:r>
+              <a:rPr lang="en-US" dirty="0">
+                <a:solidFill>
+                  <a:srgbClr val="D4D4D4"/>
+                </a:solidFill>
+                <a:latin typeface="Consolas" panose="020B0609020204030204" pitchFamily="49" charset="0"/>
+              </a:rPr>
+              <a:t>    </a:t>
+            </a:r>
+            <a:r>
+              <a:rPr lang="en-US" dirty="0">
+                <a:solidFill>
+                  <a:srgbClr val="DCDCAA"/>
+                </a:solidFill>
+                <a:latin typeface="Consolas" panose="020B0609020204030204" pitchFamily="49" charset="0"/>
+              </a:rPr>
+              <a:t>$</a:t>
+            </a:r>
+            <a:r>
+              <a:rPr lang="en-US" dirty="0">
+                <a:solidFill>
+                  <a:srgbClr val="D4D4D4"/>
+                </a:solidFill>
+                <a:latin typeface="Consolas" panose="020B0609020204030204" pitchFamily="49" charset="0"/>
+              </a:rPr>
+              <a:t>(</a:t>
+            </a:r>
+            <a:r>
+              <a:rPr lang="en-US" dirty="0">
+                <a:solidFill>
+                  <a:srgbClr val="9CDCFE"/>
+                </a:solidFill>
+                <a:latin typeface="Consolas" panose="020B0609020204030204" pitchFamily="49" charset="0"/>
+              </a:rPr>
+              <a:t>el</a:t>
+            </a:r>
+            <a:r>
+              <a:rPr lang="en-US" dirty="0">
+                <a:solidFill>
+                  <a:srgbClr val="D4D4D4"/>
+                </a:solidFill>
+                <a:latin typeface="Consolas" panose="020B0609020204030204" pitchFamily="49" charset="0"/>
+              </a:rPr>
+              <a:t>).</a:t>
+            </a:r>
+            <a:r>
+              <a:rPr lang="en-US" dirty="0">
+                <a:solidFill>
+                  <a:srgbClr val="DCDCAA"/>
+                </a:solidFill>
+                <a:latin typeface="Consolas" panose="020B0609020204030204" pitchFamily="49" charset="0"/>
+              </a:rPr>
+              <a:t>html</a:t>
+            </a:r>
+            <a:r>
+              <a:rPr lang="en-US" dirty="0">
+                <a:solidFill>
+                  <a:srgbClr val="D4D4D4"/>
+                </a:solidFill>
+                <a:latin typeface="Consolas" panose="020B0609020204030204" pitchFamily="49" charset="0"/>
+              </a:rPr>
+              <a:t>(</a:t>
+            </a:r>
+            <a:r>
+              <a:rPr lang="en-US" dirty="0">
+                <a:solidFill>
+                  <a:srgbClr val="CE9178"/>
+                </a:solidFill>
+                <a:latin typeface="Consolas" panose="020B0609020204030204" pitchFamily="49" charset="0"/>
+              </a:rPr>
+              <a:t>'&lt;input class="</a:t>
+            </a:r>
+            <a:r>
+              <a:rPr lang="en-US" dirty="0" err="1">
+                <a:solidFill>
+                  <a:srgbClr val="CE9178"/>
+                </a:solidFill>
+                <a:latin typeface="Consolas" panose="020B0609020204030204" pitchFamily="49" charset="0"/>
+              </a:rPr>
+              <a:t>txtInput</a:t>
+            </a:r>
+            <a:r>
+              <a:rPr lang="en-US" dirty="0">
+                <a:solidFill>
+                  <a:srgbClr val="CE9178"/>
+                </a:solidFill>
+                <a:latin typeface="Consolas" panose="020B0609020204030204" pitchFamily="49" charset="0"/>
+              </a:rPr>
+              <a:t>" type="text" value='</a:t>
+            </a:r>
+            <a:r>
+              <a:rPr lang="en-US" dirty="0">
+                <a:solidFill>
+                  <a:srgbClr val="D4D4D4"/>
+                </a:solidFill>
+                <a:latin typeface="Consolas" panose="020B0609020204030204" pitchFamily="49" charset="0"/>
+              </a:rPr>
+              <a:t> + </a:t>
+            </a:r>
+            <a:r>
+              <a:rPr lang="en-US" dirty="0">
+                <a:solidFill>
+                  <a:srgbClr val="9CDCFE"/>
+                </a:solidFill>
+                <a:latin typeface="Consolas" panose="020B0609020204030204" pitchFamily="49" charset="0"/>
+              </a:rPr>
+              <a:t>value</a:t>
+            </a:r>
+            <a:r>
+              <a:rPr lang="en-US" dirty="0">
+                <a:solidFill>
+                  <a:srgbClr val="D4D4D4"/>
+                </a:solidFill>
+                <a:latin typeface="Consolas" panose="020B0609020204030204" pitchFamily="49" charset="0"/>
+              </a:rPr>
+              <a:t> + </a:t>
+            </a:r>
+            <a:r>
+              <a:rPr lang="en-US" dirty="0">
+                <a:solidFill>
+                  <a:srgbClr val="CE9178"/>
+                </a:solidFill>
+                <a:latin typeface="Consolas" panose="020B0609020204030204" pitchFamily="49" charset="0"/>
+              </a:rPr>
+              <a:t>'"/&gt;'</a:t>
+            </a:r>
+            <a:r>
+              <a:rPr lang="en-US" dirty="0">
+                <a:solidFill>
+                  <a:srgbClr val="D4D4D4"/>
+                </a:solidFill>
+                <a:latin typeface="Consolas" panose="020B0609020204030204" pitchFamily="49" charset="0"/>
+              </a:rPr>
+              <a:t>);</a:t>
+            </a:r>
+          </a:p>
+          <a:p>
+            <a:r>
+              <a:rPr lang="en-US" dirty="0">
+                <a:solidFill>
+                  <a:srgbClr val="D4D4D4"/>
+                </a:solidFill>
+                <a:latin typeface="Consolas" panose="020B0609020204030204" pitchFamily="49" charset="0"/>
+              </a:rPr>
+              <a:t>    </a:t>
+            </a:r>
+            <a:r>
+              <a:rPr lang="en-US" dirty="0">
+                <a:solidFill>
+                  <a:srgbClr val="DCDCAA"/>
+                </a:solidFill>
+                <a:latin typeface="Consolas" panose="020B0609020204030204" pitchFamily="49" charset="0"/>
+              </a:rPr>
+              <a:t>$</a:t>
+            </a:r>
+            <a:r>
+              <a:rPr lang="en-US" dirty="0">
+                <a:solidFill>
+                  <a:srgbClr val="D4D4D4"/>
+                </a:solidFill>
+                <a:latin typeface="Consolas" panose="020B0609020204030204" pitchFamily="49" charset="0"/>
+              </a:rPr>
+              <a:t>(</a:t>
+            </a:r>
+            <a:r>
+              <a:rPr lang="en-US" dirty="0">
+                <a:solidFill>
+                  <a:srgbClr val="CE9178"/>
+                </a:solidFill>
+                <a:latin typeface="Consolas" panose="020B0609020204030204" pitchFamily="49" charset="0"/>
+              </a:rPr>
+              <a:t>".</a:t>
+            </a:r>
+            <a:r>
+              <a:rPr lang="en-US" dirty="0" err="1">
+                <a:solidFill>
+                  <a:srgbClr val="CE9178"/>
+                </a:solidFill>
+                <a:latin typeface="Consolas" panose="020B0609020204030204" pitchFamily="49" charset="0"/>
+              </a:rPr>
+              <a:t>txtInput</a:t>
+            </a:r>
+            <a:r>
+              <a:rPr lang="en-US" dirty="0">
+                <a:solidFill>
+                  <a:srgbClr val="CE9178"/>
+                </a:solidFill>
+                <a:latin typeface="Consolas" panose="020B0609020204030204" pitchFamily="49" charset="0"/>
+              </a:rPr>
+              <a:t>"</a:t>
+            </a:r>
+            <a:r>
+              <a:rPr lang="en-US" dirty="0">
+                <a:solidFill>
+                  <a:srgbClr val="D4D4D4"/>
+                </a:solidFill>
+                <a:latin typeface="Consolas" panose="020B0609020204030204" pitchFamily="49" charset="0"/>
+              </a:rPr>
+              <a:t>).</a:t>
+            </a:r>
+            <a:r>
+              <a:rPr lang="en-US" dirty="0">
+                <a:solidFill>
+                  <a:srgbClr val="DCDCAA"/>
+                </a:solidFill>
+                <a:latin typeface="Consolas" panose="020B0609020204030204" pitchFamily="49" charset="0"/>
+              </a:rPr>
+              <a:t>focus</a:t>
+            </a:r>
+            <a:r>
+              <a:rPr lang="en-US" dirty="0">
+                <a:solidFill>
+                  <a:srgbClr val="D4D4D4"/>
+                </a:solidFill>
+                <a:latin typeface="Consolas" panose="020B0609020204030204" pitchFamily="49" charset="0"/>
+              </a:rPr>
+              <a:t>();</a:t>
+            </a:r>
+          </a:p>
+          <a:p>
+            <a:r>
+              <a:rPr lang="en-US" dirty="0">
+                <a:solidFill>
+                  <a:srgbClr val="D4D4D4"/>
+                </a:solidFill>
+                <a:latin typeface="Consolas" panose="020B0609020204030204" pitchFamily="49" charset="0"/>
+              </a:rPr>
+              <a:t>}</a:t>
+            </a:r>
+            <a:endParaRPr lang="en-US" b="0" dirty="0">
+              <a:solidFill>
+                <a:srgbClr val="D4D4D4"/>
+              </a:solidFill>
+              <a:effectLst/>
+              <a:latin typeface="Consolas" panose="020B0609020204030204" pitchFamily="49" charset="0"/>
+            </a:endParaRPr>
+          </a:p>
+        </p:txBody>
+      </p:sp>
+    </p:spTree>
+    <p:extLst>
+      <p:ext uri="{BB962C8B-B14F-4D97-AF65-F5344CB8AC3E}">
+        <p14:creationId xmlns:p14="http://schemas.microsoft.com/office/powerpoint/2010/main" val="1705790773"/>
+      </p:ext>
+    </p:extLst>
+  </p:cSld>
+  <p:clrMapOvr>
+    <a:masterClrMapping/>
+  </p:clrMapOvr>
+</p:sld>
+</file>
+
+<file path=ppt/slides/slide31.xml><?xml version="1.0" encoding="utf-8"?>
+<p:sld xmlns:a="http://schemas.openxmlformats.org/drawingml/2006/main" xmlns:r="http://schemas.openxmlformats.org/officeDocument/2006/relationships" xmlns:p="http://schemas.openxmlformats.org/presentationml/2006/main">
+  <p:cSld>
+    <p:spTree>
+      <p:nvGrpSpPr>
+        <p:cNvPr id="1" name=""/>
+        <p:cNvGrpSpPr/>
+        <p:nvPr/>
+      </p:nvGrpSpPr>
+      <p:grpSpPr>
+        <a:xfrm>
+          <a:off x="0" y="0"/>
+          <a:ext cx="0" cy="0"/>
+          <a:chOff x="0" y="0"/>
+          <a:chExt cx="0" cy="0"/>
+        </a:xfrm>
+      </p:grpSpPr>
+      <p:sp>
+        <p:nvSpPr>
+          <p:cNvPr id="2" name="Title 1">
+            <a:extLst>
+              <a:ext uri="{FF2B5EF4-FFF2-40B4-BE49-F238E27FC236}">
+                <a16:creationId xmlns:a16="http://schemas.microsoft.com/office/drawing/2014/main" id="{0BDA4907-E0F4-4674-A38F-D2D28186FC4E}"/>
+              </a:ext>
+            </a:extLst>
+          </p:cNvPr>
+          <p:cNvSpPr>
+            <a:spLocks noGrp="1"/>
+          </p:cNvSpPr>
+          <p:nvPr>
+            <p:ph type="title"/>
+          </p:nvPr>
+        </p:nvSpPr>
+        <p:spPr/>
+        <p:txBody>
+          <a:bodyPr/>
+          <a:lstStyle/>
+          <a:p>
+            <a:r>
+              <a:rPr lang="en-US" dirty="0"/>
+              <a:t>eventhandler.js</a:t>
+            </a:r>
+          </a:p>
+        </p:txBody>
+      </p:sp>
+      <p:sp>
+        <p:nvSpPr>
+          <p:cNvPr id="3" name="Content Placeholder 2">
+            <a:extLst>
+              <a:ext uri="{FF2B5EF4-FFF2-40B4-BE49-F238E27FC236}">
+                <a16:creationId xmlns:a16="http://schemas.microsoft.com/office/drawing/2014/main" id="{FC085861-025F-419C-B008-62BEFB3F5DC7}"/>
+              </a:ext>
+            </a:extLst>
+          </p:cNvPr>
+          <p:cNvSpPr>
+            <a:spLocks noGrp="1"/>
+          </p:cNvSpPr>
+          <p:nvPr>
+            <p:ph idx="1"/>
+          </p:nvPr>
+        </p:nvSpPr>
+        <p:spPr/>
+        <p:txBody>
+          <a:bodyPr/>
+          <a:lstStyle/>
+          <a:p>
+            <a:r>
+              <a:rPr lang="en-US" dirty="0"/>
+              <a:t>If the user hits enter, replace the input box with the value in input box.</a:t>
+            </a:r>
+          </a:p>
+          <a:p>
+            <a:r>
+              <a:rPr lang="en-US" dirty="0"/>
+              <a:t>If the user clicks anywhere in the document, replace the input box with the value in input box.</a:t>
+            </a:r>
+          </a:p>
+        </p:txBody>
+      </p:sp>
+    </p:spTree>
+    <p:extLst>
+      <p:ext uri="{BB962C8B-B14F-4D97-AF65-F5344CB8AC3E}">
+        <p14:creationId xmlns:p14="http://schemas.microsoft.com/office/powerpoint/2010/main" val="4232136657"/>
       </p:ext>
     </p:extLst>
   </p:cSld>

--- a/Fullstack Tutorial.pptx
+++ b/Fullstack Tutorial.pptx
@@ -5,7 +5,7 @@
     <p:sldMasterId id="2147483648" r:id="rId1"/>
   </p:sldMasterIdLst>
   <p:notesMasterIdLst>
-    <p:notesMasterId r:id="rId33"/>
+    <p:notesMasterId r:id="rId42"/>
   </p:notesMasterIdLst>
   <p:sldIdLst>
     <p:sldId id="256" r:id="rId2"/>
@@ -39,6 +39,15 @@
     <p:sldId id="289" r:id="rId30"/>
     <p:sldId id="286" r:id="rId31"/>
     <p:sldId id="290" r:id="rId32"/>
+    <p:sldId id="291" r:id="rId33"/>
+    <p:sldId id="297" r:id="rId34"/>
+    <p:sldId id="295" r:id="rId35"/>
+    <p:sldId id="294" r:id="rId36"/>
+    <p:sldId id="292" r:id="rId37"/>
+    <p:sldId id="293" r:id="rId38"/>
+    <p:sldId id="296" r:id="rId39"/>
+    <p:sldId id="299" r:id="rId40"/>
+    <p:sldId id="300" r:id="rId41"/>
   </p:sldIdLst>
   <p:sldSz cx="12192000" cy="6858000"/>
   <p:notesSz cx="6858000" cy="9144000"/>
@@ -227,7 +236,7 @@
           <a:p>
             <a:fld id="{F0BEF4C3-2D3E-4C6A-B256-8B3B2A881B8E}" type="datetimeFigureOut">
               <a:rPr lang="en-US" smtClean="0"/>
-              <a:t>12/19/2019</a:t>
+              <a:t>12/20/2019</a:t>
             </a:fld>
             <a:endParaRPr lang="en-US"/>
           </a:p>
@@ -842,6 +851,174 @@
 </p:notes>
 </file>
 
+<file path=ppt/notesSlides/notesSlide5.xml><?xml version="1.0" encoding="utf-8"?>
+<p:notes xmlns:a="http://schemas.openxmlformats.org/drawingml/2006/main" xmlns:r="http://schemas.openxmlformats.org/officeDocument/2006/relationships" xmlns:p="http://schemas.openxmlformats.org/presentationml/2006/main">
+  <p:cSld>
+    <p:spTree>
+      <p:nvGrpSpPr>
+        <p:cNvPr id="1" name=""/>
+        <p:cNvGrpSpPr/>
+        <p:nvPr/>
+      </p:nvGrpSpPr>
+      <p:grpSpPr>
+        <a:xfrm>
+          <a:off x="0" y="0"/>
+          <a:ext cx="0" cy="0"/>
+          <a:chOff x="0" y="0"/>
+          <a:chExt cx="0" cy="0"/>
+        </a:xfrm>
+      </p:grpSpPr>
+      <p:sp>
+        <p:nvSpPr>
+          <p:cNvPr id="2" name="Slide Image Placeholder 1"/>
+          <p:cNvSpPr>
+            <a:spLocks noGrp="1" noRot="1" noChangeAspect="1"/>
+          </p:cNvSpPr>
+          <p:nvPr>
+            <p:ph type="sldImg"/>
+          </p:nvPr>
+        </p:nvSpPr>
+        <p:spPr/>
+      </p:sp>
+      <p:sp>
+        <p:nvSpPr>
+          <p:cNvPr id="3" name="Notes Placeholder 2"/>
+          <p:cNvSpPr>
+            <a:spLocks noGrp="1"/>
+          </p:cNvSpPr>
+          <p:nvPr>
+            <p:ph type="body" idx="1"/>
+          </p:nvPr>
+        </p:nvSpPr>
+        <p:spPr/>
+        <p:txBody>
+          <a:bodyPr/>
+          <a:lstStyle/>
+          <a:p>
+            <a:endParaRPr lang="en-US" dirty="0"/>
+          </a:p>
+        </p:txBody>
+      </p:sp>
+      <p:sp>
+        <p:nvSpPr>
+          <p:cNvPr id="4" name="Slide Number Placeholder 3"/>
+          <p:cNvSpPr>
+            <a:spLocks noGrp="1"/>
+          </p:cNvSpPr>
+          <p:nvPr>
+            <p:ph type="sldNum" sz="quarter" idx="5"/>
+          </p:nvPr>
+        </p:nvSpPr>
+        <p:spPr/>
+        <p:txBody>
+          <a:bodyPr/>
+          <a:lstStyle/>
+          <a:p>
+            <a:fld id="{CACC79B5-E2BF-4B57-9564-0912E3E75A73}" type="slidenum">
+              <a:rPr lang="en-US" smtClean="0"/>
+              <a:t>32</a:t>
+            </a:fld>
+            <a:endParaRPr lang="en-US"/>
+          </a:p>
+        </p:txBody>
+      </p:sp>
+    </p:spTree>
+    <p:extLst>
+      <p:ext uri="{BB962C8B-B14F-4D97-AF65-F5344CB8AC3E}">
+        <p14:creationId xmlns:p14="http://schemas.microsoft.com/office/powerpoint/2010/main" val="1817158344"/>
+      </p:ext>
+    </p:extLst>
+  </p:cSld>
+  <p:clrMapOvr>
+    <a:masterClrMapping/>
+  </p:clrMapOvr>
+</p:notes>
+</file>
+
+<file path=ppt/notesSlides/notesSlide6.xml><?xml version="1.0" encoding="utf-8"?>
+<p:notes xmlns:a="http://schemas.openxmlformats.org/drawingml/2006/main" xmlns:r="http://schemas.openxmlformats.org/officeDocument/2006/relationships" xmlns:p="http://schemas.openxmlformats.org/presentationml/2006/main">
+  <p:cSld>
+    <p:spTree>
+      <p:nvGrpSpPr>
+        <p:cNvPr id="1" name=""/>
+        <p:cNvGrpSpPr/>
+        <p:nvPr/>
+      </p:nvGrpSpPr>
+      <p:grpSpPr>
+        <a:xfrm>
+          <a:off x="0" y="0"/>
+          <a:ext cx="0" cy="0"/>
+          <a:chOff x="0" y="0"/>
+          <a:chExt cx="0" cy="0"/>
+        </a:xfrm>
+      </p:grpSpPr>
+      <p:sp>
+        <p:nvSpPr>
+          <p:cNvPr id="2" name="Slide Image Placeholder 1"/>
+          <p:cNvSpPr>
+            <a:spLocks noGrp="1" noRot="1" noChangeAspect="1"/>
+          </p:cNvSpPr>
+          <p:nvPr>
+            <p:ph type="sldImg"/>
+          </p:nvPr>
+        </p:nvSpPr>
+        <p:spPr/>
+      </p:sp>
+      <p:sp>
+        <p:nvSpPr>
+          <p:cNvPr id="3" name="Notes Placeholder 2"/>
+          <p:cNvSpPr>
+            <a:spLocks noGrp="1"/>
+          </p:cNvSpPr>
+          <p:nvPr>
+            <p:ph type="body" idx="1"/>
+          </p:nvPr>
+        </p:nvSpPr>
+        <p:spPr/>
+        <p:txBody>
+          <a:bodyPr/>
+          <a:lstStyle/>
+          <a:p>
+            <a:endParaRPr lang="en-US" dirty="0"/>
+          </a:p>
+        </p:txBody>
+      </p:sp>
+      <p:sp>
+        <p:nvSpPr>
+          <p:cNvPr id="4" name="Slide Number Placeholder 3"/>
+          <p:cNvSpPr>
+            <a:spLocks noGrp="1"/>
+          </p:cNvSpPr>
+          <p:nvPr>
+            <p:ph type="sldNum" sz="quarter" idx="5"/>
+          </p:nvPr>
+        </p:nvSpPr>
+        <p:spPr/>
+        <p:txBody>
+          <a:bodyPr/>
+          <a:lstStyle/>
+          <a:p>
+            <a:fld id="{CACC79B5-E2BF-4B57-9564-0912E3E75A73}" type="slidenum">
+              <a:rPr lang="en-US" smtClean="0"/>
+              <a:t>38</a:t>
+            </a:fld>
+            <a:endParaRPr lang="en-US"/>
+          </a:p>
+        </p:txBody>
+      </p:sp>
+    </p:spTree>
+    <p:extLst>
+      <p:ext uri="{BB962C8B-B14F-4D97-AF65-F5344CB8AC3E}">
+        <p14:creationId xmlns:p14="http://schemas.microsoft.com/office/powerpoint/2010/main" val="3050584307"/>
+      </p:ext>
+    </p:extLst>
+  </p:cSld>
+  <p:clrMapOvr>
+    <a:masterClrMapping/>
+  </p:clrMapOvr>
+</p:notes>
+</file>
+
 <file path=ppt/slideLayouts/slideLayout1.xml><?xml version="1.0" encoding="utf-8"?>
 <p:sldLayout xmlns:a="http://schemas.openxmlformats.org/drawingml/2006/main" xmlns:r="http://schemas.openxmlformats.org/officeDocument/2006/relationships" xmlns:p="http://schemas.openxmlformats.org/presentationml/2006/main" type="title" preserve="1">
   <p:cSld name="Title Slide">
@@ -989,7 +1166,7 @@
           <a:p>
             <a:fld id="{69C76681-95F7-4B7E-8206-7CC44CA6DF40}" type="datetimeFigureOut">
               <a:rPr lang="en-US" smtClean="0"/>
-              <a:t>12/19/2019</a:t>
+              <a:t>12/20/2019</a:t>
             </a:fld>
             <a:endParaRPr lang="en-US"/>
           </a:p>
@@ -1187,7 +1364,7 @@
           <a:p>
             <a:fld id="{69C76681-95F7-4B7E-8206-7CC44CA6DF40}" type="datetimeFigureOut">
               <a:rPr lang="en-US" smtClean="0"/>
-              <a:t>12/19/2019</a:t>
+              <a:t>12/20/2019</a:t>
             </a:fld>
             <a:endParaRPr lang="en-US"/>
           </a:p>
@@ -1395,7 +1572,7 @@
           <a:p>
             <a:fld id="{69C76681-95F7-4B7E-8206-7CC44CA6DF40}" type="datetimeFigureOut">
               <a:rPr lang="en-US" smtClean="0"/>
-              <a:t>12/19/2019</a:t>
+              <a:t>12/20/2019</a:t>
             </a:fld>
             <a:endParaRPr lang="en-US"/>
           </a:p>
@@ -1593,7 +1770,7 @@
           <a:p>
             <a:fld id="{69C76681-95F7-4B7E-8206-7CC44CA6DF40}" type="datetimeFigureOut">
               <a:rPr lang="en-US" smtClean="0"/>
-              <a:t>12/19/2019</a:t>
+              <a:t>12/20/2019</a:t>
             </a:fld>
             <a:endParaRPr lang="en-US"/>
           </a:p>
@@ -1868,7 +2045,7 @@
           <a:p>
             <a:fld id="{69C76681-95F7-4B7E-8206-7CC44CA6DF40}" type="datetimeFigureOut">
               <a:rPr lang="en-US" smtClean="0"/>
-              <a:t>12/19/2019</a:t>
+              <a:t>12/20/2019</a:t>
             </a:fld>
             <a:endParaRPr lang="en-US"/>
           </a:p>
@@ -2133,7 +2310,7 @@
           <a:p>
             <a:fld id="{69C76681-95F7-4B7E-8206-7CC44CA6DF40}" type="datetimeFigureOut">
               <a:rPr lang="en-US" smtClean="0"/>
-              <a:t>12/19/2019</a:t>
+              <a:t>12/20/2019</a:t>
             </a:fld>
             <a:endParaRPr lang="en-US"/>
           </a:p>
@@ -2545,7 +2722,7 @@
           <a:p>
             <a:fld id="{69C76681-95F7-4B7E-8206-7CC44CA6DF40}" type="datetimeFigureOut">
               <a:rPr lang="en-US" smtClean="0"/>
-              <a:t>12/19/2019</a:t>
+              <a:t>12/20/2019</a:t>
             </a:fld>
             <a:endParaRPr lang="en-US"/>
           </a:p>
@@ -2686,7 +2863,7 @@
           <a:p>
             <a:fld id="{69C76681-95F7-4B7E-8206-7CC44CA6DF40}" type="datetimeFigureOut">
               <a:rPr lang="en-US" smtClean="0"/>
-              <a:t>12/19/2019</a:t>
+              <a:t>12/20/2019</a:t>
             </a:fld>
             <a:endParaRPr lang="en-US"/>
           </a:p>
@@ -2799,7 +2976,7 @@
           <a:p>
             <a:fld id="{69C76681-95F7-4B7E-8206-7CC44CA6DF40}" type="datetimeFigureOut">
               <a:rPr lang="en-US" smtClean="0"/>
-              <a:t>12/19/2019</a:t>
+              <a:t>12/20/2019</a:t>
             </a:fld>
             <a:endParaRPr lang="en-US"/>
           </a:p>
@@ -3110,7 +3287,7 @@
           <a:p>
             <a:fld id="{69C76681-95F7-4B7E-8206-7CC44CA6DF40}" type="datetimeFigureOut">
               <a:rPr lang="en-US" smtClean="0"/>
-              <a:t>12/19/2019</a:t>
+              <a:t>12/20/2019</a:t>
             </a:fld>
             <a:endParaRPr lang="en-US"/>
           </a:p>
@@ -3398,7 +3575,7 @@
           <a:p>
             <a:fld id="{69C76681-95F7-4B7E-8206-7CC44CA6DF40}" type="datetimeFigureOut">
               <a:rPr lang="en-US" smtClean="0"/>
-              <a:t>12/19/2019</a:t>
+              <a:t>12/20/2019</a:t>
             </a:fld>
             <a:endParaRPr lang="en-US"/>
           </a:p>
@@ -3639,7 +3816,7 @@
           <a:p>
             <a:fld id="{69C76681-95F7-4B7E-8206-7CC44CA6DF40}" type="datetimeFigureOut">
               <a:rPr lang="en-US" smtClean="0"/>
-              <a:t>12/19/2019</a:t>
+              <a:t>12/20/2019</a:t>
             </a:fld>
             <a:endParaRPr lang="en-US"/>
           </a:p>
@@ -12473,8 +12650,8 @@
         </p:nvSpPr>
         <p:spPr>
           <a:xfrm>
-            <a:off x="664028" y="1032026"/>
-            <a:ext cx="10613571" cy="2308324"/>
+            <a:off x="293914" y="988484"/>
+            <a:ext cx="11723915" cy="4985980"/>
           </a:xfrm>
           <a:prstGeom prst="rect">
             <a:avLst/>
@@ -12490,7 +12667,7 @@
           <a:lstStyle/>
           <a:p>
             <a:r>
-              <a:rPr lang="en-US" dirty="0">
+              <a:rPr lang="en-US" sz="2400" dirty="0">
                 <a:solidFill>
                   <a:srgbClr val="DCDCAA"/>
                 </a:solidFill>
@@ -12499,7 +12676,7 @@
               <a:t>$</a:t>
             </a:r>
             <a:r>
-              <a:rPr lang="en-US" dirty="0">
+              <a:rPr lang="en-US" sz="2400" dirty="0">
                 <a:solidFill>
                   <a:srgbClr val="D4D4D4"/>
                 </a:solidFill>
@@ -12508,7 +12685,7 @@
               <a:t>(</a:t>
             </a:r>
             <a:r>
-              <a:rPr lang="en-US" dirty="0">
+              <a:rPr lang="en-US" sz="2400" dirty="0">
                 <a:solidFill>
                   <a:srgbClr val="569CD6"/>
                 </a:solidFill>
@@ -12517,7 +12694,7 @@
               <a:t>function</a:t>
             </a:r>
             <a:r>
-              <a:rPr lang="en-US" dirty="0">
+              <a:rPr lang="en-US" sz="2400" dirty="0">
                 <a:solidFill>
                   <a:srgbClr val="D4D4D4"/>
                 </a:solidFill>
@@ -12528,7 +12705,7 @@
           </a:p>
           <a:p>
             <a:r>
-              <a:rPr lang="en-US" dirty="0">
+              <a:rPr lang="en-US" sz="2400" dirty="0">
                 <a:solidFill>
                   <a:srgbClr val="D4D4D4"/>
                 </a:solidFill>
@@ -12537,7 +12714,7 @@
               <a:t>    </a:t>
             </a:r>
             <a:r>
-              <a:rPr lang="en-US" dirty="0">
+              <a:rPr lang="en-US" sz="2400" dirty="0">
                 <a:solidFill>
                   <a:srgbClr val="DCDCAA"/>
                 </a:solidFill>
@@ -12546,7 +12723,7 @@
               <a:t>$</a:t>
             </a:r>
             <a:r>
-              <a:rPr lang="en-US" dirty="0">
+              <a:rPr lang="en-US" sz="2400" dirty="0">
                 <a:solidFill>
                   <a:srgbClr val="D4D4D4"/>
                 </a:solidFill>
@@ -12555,7 +12732,7 @@
               <a:t>(</a:t>
             </a:r>
             <a:r>
-              <a:rPr lang="en-US" dirty="0">
+              <a:rPr lang="en-US" sz="2400" dirty="0">
                 <a:solidFill>
                   <a:srgbClr val="CE9178"/>
                 </a:solidFill>
@@ -12564,7 +12741,7 @@
               <a:t>".</a:t>
             </a:r>
             <a:r>
-              <a:rPr lang="en-US" dirty="0" err="1">
+              <a:rPr lang="en-US" sz="2400" dirty="0" err="1">
                 <a:solidFill>
                   <a:srgbClr val="CE9178"/>
                 </a:solidFill>
@@ -12573,7 +12750,7 @@
               <a:t>rating_cell</a:t>
             </a:r>
             <a:r>
-              <a:rPr lang="en-US" dirty="0">
+              <a:rPr lang="en-US" sz="2400" dirty="0">
                 <a:solidFill>
                   <a:srgbClr val="CE9178"/>
                 </a:solidFill>
@@ -12582,7 +12759,7 @@
               <a:t>"</a:t>
             </a:r>
             <a:r>
-              <a:rPr lang="en-US" dirty="0">
+              <a:rPr lang="en-US" sz="2400" dirty="0">
                 <a:solidFill>
                   <a:srgbClr val="D4D4D4"/>
                 </a:solidFill>
@@ -12591,7 +12768,7 @@
               <a:t>).</a:t>
             </a:r>
             <a:r>
-              <a:rPr lang="en-US" dirty="0" err="1">
+              <a:rPr lang="en-US" sz="2400" dirty="0" err="1">
                 <a:solidFill>
                   <a:srgbClr val="DCDCAA"/>
                 </a:solidFill>
@@ -12600,7 +12777,7 @@
               <a:t>dblclick</a:t>
             </a:r>
             <a:r>
-              <a:rPr lang="en-US" dirty="0">
+              <a:rPr lang="en-US" sz="2400" dirty="0">
                 <a:solidFill>
                   <a:srgbClr val="D4D4D4"/>
                 </a:solidFill>
@@ -12609,7 +12786,7 @@
               <a:t>(</a:t>
             </a:r>
             <a:r>
-              <a:rPr lang="en-US" dirty="0">
+              <a:rPr lang="en-US" sz="2400" dirty="0">
                 <a:solidFill>
                   <a:srgbClr val="569CD6"/>
                 </a:solidFill>
@@ -12618,7 +12795,7 @@
               <a:t>function</a:t>
             </a:r>
             <a:r>
-              <a:rPr lang="en-US" dirty="0">
+              <a:rPr lang="en-US" sz="2400" dirty="0">
                 <a:solidFill>
                   <a:srgbClr val="D4D4D4"/>
                 </a:solidFill>
@@ -12627,7 +12804,7 @@
               <a:t> (</a:t>
             </a:r>
             <a:r>
-              <a:rPr lang="en-US" dirty="0">
+              <a:rPr lang="en-US" sz="2400" dirty="0">
                 <a:solidFill>
                   <a:srgbClr val="9CDCFE"/>
                 </a:solidFill>
@@ -12636,7 +12813,7 @@
               <a:t>e</a:t>
             </a:r>
             <a:r>
-              <a:rPr lang="en-US" dirty="0">
+              <a:rPr lang="en-US" sz="2400" dirty="0">
                 <a:solidFill>
                   <a:srgbClr val="D4D4D4"/>
                 </a:solidFill>
@@ -12647,7 +12824,7 @@
           </a:p>
           <a:p>
             <a:r>
-              <a:rPr lang="en-US" dirty="0">
+              <a:rPr lang="en-US" sz="2400" dirty="0">
                 <a:solidFill>
                   <a:srgbClr val="D4D4D4"/>
                 </a:solidFill>
@@ -12656,7 +12833,7 @@
               <a:t>        </a:t>
             </a:r>
             <a:r>
-              <a:rPr lang="en-US" dirty="0" err="1">
+              <a:rPr lang="en-US" sz="2400" dirty="0" err="1">
                 <a:solidFill>
                   <a:srgbClr val="9CDCFE"/>
                 </a:solidFill>
@@ -12665,7 +12842,7 @@
               <a:t>e</a:t>
             </a:r>
             <a:r>
-              <a:rPr lang="en-US" dirty="0" err="1">
+              <a:rPr lang="en-US" sz="2400" dirty="0" err="1">
                 <a:solidFill>
                   <a:srgbClr val="D4D4D4"/>
                 </a:solidFill>
@@ -12674,7 +12851,7 @@
               <a:t>.</a:t>
             </a:r>
             <a:r>
-              <a:rPr lang="en-US" dirty="0" err="1">
+              <a:rPr lang="en-US" sz="2400" dirty="0" err="1">
                 <a:solidFill>
                   <a:srgbClr val="DCDCAA"/>
                 </a:solidFill>
@@ -12683,7 +12860,7 @@
               <a:t>stopPropagation</a:t>
             </a:r>
             <a:r>
-              <a:rPr lang="en-US" dirty="0">
+              <a:rPr lang="en-US" sz="2400" dirty="0">
                 <a:solidFill>
                   <a:srgbClr val="D4D4D4"/>
                 </a:solidFill>
@@ -12694,7 +12871,7 @@
           </a:p>
           <a:p>
             <a:r>
-              <a:rPr lang="en-US" dirty="0">
+              <a:rPr lang="en-US" sz="2400" dirty="0">
                 <a:solidFill>
                   <a:srgbClr val="D4D4D4"/>
                 </a:solidFill>
@@ -12703,7 +12880,7 @@
               <a:t>        </a:t>
             </a:r>
             <a:r>
-              <a:rPr lang="en-US" dirty="0">
+              <a:rPr lang="en-US" sz="2400" dirty="0">
                 <a:solidFill>
                   <a:srgbClr val="569CD6"/>
                 </a:solidFill>
@@ -12712,7 +12889,7 @@
               <a:t>var</a:t>
             </a:r>
             <a:r>
-              <a:rPr lang="en-US" dirty="0">
+              <a:rPr lang="en-US" sz="2400" dirty="0">
                 <a:solidFill>
                   <a:srgbClr val="D4D4D4"/>
                 </a:solidFill>
@@ -12721,16 +12898,16 @@
               <a:t> </a:t>
             </a:r>
             <a:r>
-              <a:rPr lang="en-US" dirty="0" err="1">
+              <a:rPr lang="en-US" sz="2400" dirty="0" err="1">
                 <a:solidFill>
                   <a:srgbClr val="9CDCFE"/>
                 </a:solidFill>
                 <a:latin typeface="Consolas" panose="020B0609020204030204" pitchFamily="49" charset="0"/>
               </a:rPr>
-              <a:t>currentEle</a:t>
-            </a:r>
-            <a:r>
-              <a:rPr lang="en-US" dirty="0">
+              <a:t>originalElement</a:t>
+            </a:r>
+            <a:r>
+              <a:rPr lang="en-US" sz="2400" dirty="0">
                 <a:solidFill>
                   <a:srgbClr val="D4D4D4"/>
                 </a:solidFill>
@@ -12739,7 +12916,7 @@
               <a:t> = </a:t>
             </a:r>
             <a:r>
-              <a:rPr lang="en-US" dirty="0">
+              <a:rPr lang="en-US" sz="2400" dirty="0">
                 <a:solidFill>
                   <a:srgbClr val="DCDCAA"/>
                 </a:solidFill>
@@ -12748,7 +12925,7 @@
               <a:t>$</a:t>
             </a:r>
             <a:r>
-              <a:rPr lang="en-US" dirty="0">
+              <a:rPr lang="en-US" sz="2400" dirty="0">
                 <a:solidFill>
                   <a:srgbClr val="D4D4D4"/>
                 </a:solidFill>
@@ -12757,7 +12934,7 @@
               <a:t>(</a:t>
             </a:r>
             <a:r>
-              <a:rPr lang="en-US" dirty="0">
+              <a:rPr lang="en-US" sz="2400" dirty="0">
                 <a:solidFill>
                   <a:srgbClr val="569CD6"/>
                 </a:solidFill>
@@ -12766,7 +12943,7 @@
               <a:t>this</a:t>
             </a:r>
             <a:r>
-              <a:rPr lang="en-US" dirty="0">
+              <a:rPr lang="en-US" sz="2400" dirty="0">
                 <a:solidFill>
                   <a:srgbClr val="D4D4D4"/>
                 </a:solidFill>
@@ -12777,7 +12954,7 @@
           </a:p>
           <a:p>
             <a:r>
-              <a:rPr lang="en-US" dirty="0">
+              <a:rPr lang="en-US" sz="2400" dirty="0">
                 <a:solidFill>
                   <a:srgbClr val="D4D4D4"/>
                 </a:solidFill>
@@ -12786,7 +12963,7 @@
               <a:t>        </a:t>
             </a:r>
             <a:r>
-              <a:rPr lang="en-US" dirty="0">
+              <a:rPr lang="en-US" sz="2400" dirty="0">
                 <a:solidFill>
                   <a:srgbClr val="569CD6"/>
                 </a:solidFill>
@@ -12795,7 +12972,7 @@
               <a:t>var</a:t>
             </a:r>
             <a:r>
-              <a:rPr lang="en-US" dirty="0">
+              <a:rPr lang="en-US" sz="2400" dirty="0">
                 <a:solidFill>
                   <a:srgbClr val="D4D4D4"/>
                 </a:solidFill>
@@ -12804,16 +12981,16 @@
               <a:t> </a:t>
             </a:r>
             <a:r>
-              <a:rPr lang="en-US" dirty="0">
+              <a:rPr lang="en-US" sz="2400" dirty="0" err="1">
                 <a:solidFill>
                   <a:srgbClr val="9CDCFE"/>
                 </a:solidFill>
                 <a:latin typeface="Consolas" panose="020B0609020204030204" pitchFamily="49" charset="0"/>
               </a:rPr>
-              <a:t>value</a:t>
-            </a:r>
-            <a:r>
-              <a:rPr lang="en-US" dirty="0">
+              <a:t>originalValue</a:t>
+            </a:r>
+            <a:r>
+              <a:rPr lang="en-US" sz="2400" dirty="0">
                 <a:solidFill>
                   <a:srgbClr val="D4D4D4"/>
                 </a:solidFill>
@@ -12822,7 +12999,7 @@
               <a:t> = </a:t>
             </a:r>
             <a:r>
-              <a:rPr lang="en-US" dirty="0">
+              <a:rPr lang="en-US" sz="2400" dirty="0">
                 <a:solidFill>
                   <a:srgbClr val="DCDCAA"/>
                 </a:solidFill>
@@ -12831,7 +13008,7 @@
               <a:t>$</a:t>
             </a:r>
             <a:r>
-              <a:rPr lang="en-US" dirty="0">
+              <a:rPr lang="en-US" sz="2400" dirty="0">
                 <a:solidFill>
                   <a:srgbClr val="D4D4D4"/>
                 </a:solidFill>
@@ -12840,7 +13017,7 @@
               <a:t>(</a:t>
             </a:r>
             <a:r>
-              <a:rPr lang="en-US" dirty="0">
+              <a:rPr lang="en-US" sz="2400" dirty="0">
                 <a:solidFill>
                   <a:srgbClr val="569CD6"/>
                 </a:solidFill>
@@ -12849,7 +13026,7 @@
               <a:t>this</a:t>
             </a:r>
             <a:r>
-              <a:rPr lang="en-US" dirty="0">
+              <a:rPr lang="en-US" sz="2400" dirty="0">
                 <a:solidFill>
                   <a:srgbClr val="D4D4D4"/>
                 </a:solidFill>
@@ -12858,7 +13035,7 @@
               <a:t>).</a:t>
             </a:r>
             <a:r>
-              <a:rPr lang="en-US" dirty="0">
+              <a:rPr lang="en-US" sz="2400" dirty="0">
                 <a:solidFill>
                   <a:srgbClr val="DCDCAA"/>
                 </a:solidFill>
@@ -12867,7 +13044,249 @@
               <a:t>html</a:t>
             </a:r>
             <a:r>
-              <a:rPr lang="en-US" dirty="0">
+              <a:rPr lang="en-US" sz="2400" dirty="0">
+                <a:solidFill>
+                  <a:srgbClr val="D4D4D4"/>
+                </a:solidFill>
+                <a:latin typeface="Consolas" panose="020B0609020204030204" pitchFamily="49" charset="0"/>
+              </a:rPr>
+              <a:t>().trim();</a:t>
+            </a:r>
+          </a:p>
+          <a:p>
+            <a:r>
+              <a:rPr lang="en-US" sz="2400" dirty="0">
+                <a:solidFill>
+                  <a:srgbClr val="D4D4D4"/>
+                </a:solidFill>
+                <a:latin typeface="Consolas" panose="020B0609020204030204" pitchFamily="49" charset="0"/>
+              </a:rPr>
+              <a:t>       </a:t>
+            </a:r>
+            <a:r>
+              <a:rPr lang="en-US" sz="2400" dirty="0">
+                <a:solidFill>
+                  <a:srgbClr val="DCDCAA"/>
+                </a:solidFill>
+                <a:latin typeface="Consolas" panose="020B0609020204030204" pitchFamily="49" charset="0"/>
+              </a:rPr>
+              <a:t>$</a:t>
+            </a:r>
+            <a:r>
+              <a:rPr lang="en-US" sz="2400" dirty="0">
+                <a:solidFill>
+                  <a:srgbClr val="D4D4D4"/>
+                </a:solidFill>
+                <a:latin typeface="Consolas" panose="020B0609020204030204" pitchFamily="49" charset="0"/>
+              </a:rPr>
+              <a:t>(</a:t>
+            </a:r>
+            <a:r>
+              <a:rPr lang="en-US" sz="2400" dirty="0">
+                <a:solidFill>
+                  <a:srgbClr val="569CD6"/>
+                </a:solidFill>
+                <a:latin typeface="Consolas" panose="020B0609020204030204" pitchFamily="49" charset="0"/>
+              </a:rPr>
+              <a:t>this</a:t>
+            </a:r>
+            <a:r>
+              <a:rPr lang="en-US" sz="2400" dirty="0">
+                <a:solidFill>
+                  <a:srgbClr val="D4D4D4"/>
+                </a:solidFill>
+                <a:latin typeface="Consolas" panose="020B0609020204030204" pitchFamily="49" charset="0"/>
+              </a:rPr>
+              <a:t>).</a:t>
+            </a:r>
+            <a:r>
+              <a:rPr lang="en-US" sz="2400" dirty="0">
+                <a:solidFill>
+                  <a:srgbClr val="DCDCAA"/>
+                </a:solidFill>
+                <a:latin typeface="Consolas" panose="020B0609020204030204" pitchFamily="49" charset="0"/>
+              </a:rPr>
+              <a:t>html</a:t>
+            </a:r>
+            <a:r>
+              <a:rPr lang="en-US" sz="2400" dirty="0">
+                <a:solidFill>
+                  <a:srgbClr val="D4D4D4"/>
+                </a:solidFill>
+                <a:latin typeface="Consolas" panose="020B0609020204030204" pitchFamily="49" charset="0"/>
+              </a:rPr>
+              <a:t>(</a:t>
+            </a:r>
+            <a:r>
+              <a:rPr lang="en-US" sz="2400" dirty="0">
+                <a:solidFill>
+                  <a:srgbClr val="CE9178"/>
+                </a:solidFill>
+                <a:latin typeface="Consolas" panose="020B0609020204030204" pitchFamily="49" charset="0"/>
+              </a:rPr>
+              <a:t>'&lt;input id="</a:t>
+            </a:r>
+            <a:r>
+              <a:rPr lang="en-US" sz="2400" dirty="0" err="1">
+                <a:solidFill>
+                  <a:srgbClr val="CE9178"/>
+                </a:solidFill>
+                <a:latin typeface="Consolas" panose="020B0609020204030204" pitchFamily="49" charset="0"/>
+              </a:rPr>
+              <a:t>input_box</a:t>
+            </a:r>
+            <a:r>
+              <a:rPr lang="en-US" sz="2400" dirty="0">
+                <a:solidFill>
+                  <a:srgbClr val="CE9178"/>
+                </a:solidFill>
+                <a:latin typeface="Consolas" panose="020B0609020204030204" pitchFamily="49" charset="0"/>
+              </a:rPr>
+              <a:t>" </a:t>
+            </a:r>
+          </a:p>
+          <a:p>
+            <a:r>
+              <a:rPr lang="en-US" sz="2400" dirty="0">
+                <a:solidFill>
+                  <a:srgbClr val="CE9178"/>
+                </a:solidFill>
+                <a:latin typeface="Consolas" panose="020B0609020204030204" pitchFamily="49" charset="0"/>
+              </a:rPr>
+              <a:t>			        type="text" </a:t>
+            </a:r>
+          </a:p>
+          <a:p>
+            <a:r>
+              <a:rPr lang="en-US" sz="2400" dirty="0">
+                <a:solidFill>
+                  <a:srgbClr val="CE9178"/>
+                </a:solidFill>
+                <a:latin typeface="Consolas" panose="020B0609020204030204" pitchFamily="49" charset="0"/>
+              </a:rPr>
+              <a:t>                         value="'</a:t>
+            </a:r>
+            <a:r>
+              <a:rPr lang="en-US" sz="2400" dirty="0">
+                <a:solidFill>
+                  <a:srgbClr val="D4D4D4"/>
+                </a:solidFill>
+                <a:latin typeface="Consolas" panose="020B0609020204030204" pitchFamily="49" charset="0"/>
+              </a:rPr>
+              <a:t> + </a:t>
+            </a:r>
+            <a:r>
+              <a:rPr lang="en-US" sz="2400" dirty="0" err="1">
+                <a:solidFill>
+                  <a:srgbClr val="9CDCFE"/>
+                </a:solidFill>
+                <a:latin typeface="Consolas" panose="020B0609020204030204" pitchFamily="49" charset="0"/>
+              </a:rPr>
+              <a:t>originalValue</a:t>
+            </a:r>
+            <a:r>
+              <a:rPr lang="en-US" sz="2400" dirty="0">
+                <a:solidFill>
+                  <a:srgbClr val="D4D4D4"/>
+                </a:solidFill>
+                <a:latin typeface="Consolas" panose="020B0609020204030204" pitchFamily="49" charset="0"/>
+              </a:rPr>
+              <a:t> + </a:t>
+            </a:r>
+            <a:r>
+              <a:rPr lang="en-US" sz="2400" dirty="0">
+                <a:solidFill>
+                  <a:srgbClr val="CE9178"/>
+                </a:solidFill>
+                <a:latin typeface="Consolas" panose="020B0609020204030204" pitchFamily="49" charset="0"/>
+              </a:rPr>
+              <a:t>'"/&gt;'</a:t>
+            </a:r>
+            <a:r>
+              <a:rPr lang="en-US" sz="2400" dirty="0">
+                <a:solidFill>
+                  <a:srgbClr val="D4D4D4"/>
+                </a:solidFill>
+                <a:latin typeface="Consolas" panose="020B0609020204030204" pitchFamily="49" charset="0"/>
+              </a:rPr>
+              <a:t>);</a:t>
+            </a:r>
+          </a:p>
+          <a:p>
+            <a:r>
+              <a:rPr lang="en-US" sz="2400" dirty="0">
+                <a:solidFill>
+                  <a:srgbClr val="D4D4D4"/>
+                </a:solidFill>
+                <a:latin typeface="Consolas" panose="020B0609020204030204" pitchFamily="49" charset="0"/>
+              </a:rPr>
+              <a:t>       </a:t>
+            </a:r>
+            <a:r>
+              <a:rPr lang="en-US" sz="2400" dirty="0">
+                <a:solidFill>
+                  <a:srgbClr val="DCDCAA"/>
+                </a:solidFill>
+                <a:latin typeface="Consolas" panose="020B0609020204030204" pitchFamily="49" charset="0"/>
+              </a:rPr>
+              <a:t>$</a:t>
+            </a:r>
+            <a:r>
+              <a:rPr lang="en-US" sz="2400" dirty="0">
+                <a:solidFill>
+                  <a:srgbClr val="D4D4D4"/>
+                </a:solidFill>
+                <a:latin typeface="Consolas" panose="020B0609020204030204" pitchFamily="49" charset="0"/>
+              </a:rPr>
+              <a:t>(</a:t>
+            </a:r>
+            <a:r>
+              <a:rPr lang="en-US" sz="2400" dirty="0">
+                <a:solidFill>
+                  <a:srgbClr val="CE9178"/>
+                </a:solidFill>
+                <a:latin typeface="Consolas" panose="020B0609020204030204" pitchFamily="49" charset="0"/>
+              </a:rPr>
+              <a:t>"#</a:t>
+            </a:r>
+            <a:r>
+              <a:rPr lang="en-US" sz="2400" dirty="0" err="1">
+                <a:solidFill>
+                  <a:srgbClr val="CE9178"/>
+                </a:solidFill>
+                <a:latin typeface="Consolas" panose="020B0609020204030204" pitchFamily="49" charset="0"/>
+              </a:rPr>
+              <a:t>input_box</a:t>
+            </a:r>
+            <a:r>
+              <a:rPr lang="en-US" sz="2400" dirty="0">
+                <a:solidFill>
+                  <a:srgbClr val="CE9178"/>
+                </a:solidFill>
+                <a:latin typeface="Consolas" panose="020B0609020204030204" pitchFamily="49" charset="0"/>
+              </a:rPr>
+              <a:t>"</a:t>
+            </a:r>
+            <a:r>
+              <a:rPr lang="en-US" sz="2400" dirty="0">
+                <a:solidFill>
+                  <a:srgbClr val="D4D4D4"/>
+                </a:solidFill>
+                <a:latin typeface="Consolas" panose="020B0609020204030204" pitchFamily="49" charset="0"/>
+              </a:rPr>
+              <a:t>).</a:t>
+            </a:r>
+            <a:r>
+              <a:rPr lang="en-US" sz="2400" dirty="0">
+                <a:solidFill>
+                  <a:srgbClr val="DCDCAA"/>
+                </a:solidFill>
+                <a:latin typeface="Consolas" panose="020B0609020204030204" pitchFamily="49" charset="0"/>
+              </a:rPr>
+              <a:t>focus</a:t>
+            </a:r>
+            <a:r>
+              <a:rPr lang="en-US" sz="2400" dirty="0">
                 <a:solidFill>
                   <a:srgbClr val="D4D4D4"/>
                 </a:solidFill>
@@ -12878,72 +13297,7 @@
           </a:p>
           <a:p>
             <a:r>
-              <a:rPr lang="en-US" dirty="0">
-                <a:solidFill>
-                  <a:srgbClr val="D4D4D4"/>
-                </a:solidFill>
-                <a:latin typeface="Consolas" panose="020B0609020204030204" pitchFamily="49" charset="0"/>
-              </a:rPr>
-              <a:t>        </a:t>
-            </a:r>
-            <a:r>
-              <a:rPr lang="en-US" dirty="0" err="1">
-                <a:solidFill>
-                  <a:srgbClr val="DCDCAA"/>
-                </a:solidFill>
-                <a:latin typeface="Consolas" panose="020B0609020204030204" pitchFamily="49" charset="0"/>
-              </a:rPr>
-              <a:t>changeCurrentElementToInputBox</a:t>
-            </a:r>
-            <a:r>
-              <a:rPr lang="en-US" dirty="0">
-                <a:solidFill>
-                  <a:srgbClr val="D4D4D4"/>
-                </a:solidFill>
-                <a:latin typeface="Consolas" panose="020B0609020204030204" pitchFamily="49" charset="0"/>
-              </a:rPr>
-              <a:t>(</a:t>
-            </a:r>
-            <a:r>
-              <a:rPr lang="en-US" dirty="0" err="1">
-                <a:solidFill>
-                  <a:srgbClr val="9CDCFE"/>
-                </a:solidFill>
-                <a:latin typeface="Consolas" panose="020B0609020204030204" pitchFamily="49" charset="0"/>
-              </a:rPr>
-              <a:t>currentEle</a:t>
-            </a:r>
-            <a:r>
-              <a:rPr lang="en-US" dirty="0" err="1">
-                <a:solidFill>
-                  <a:srgbClr val="D4D4D4"/>
-                </a:solidFill>
-                <a:latin typeface="Consolas" panose="020B0609020204030204" pitchFamily="49" charset="0"/>
-              </a:rPr>
-              <a:t>,</a:t>
-            </a:r>
-            <a:r>
-              <a:rPr lang="en-US" dirty="0" err="1">
-                <a:solidFill>
-                  <a:srgbClr val="9CDCFE"/>
-                </a:solidFill>
-                <a:latin typeface="Consolas" panose="020B0609020204030204" pitchFamily="49" charset="0"/>
-              </a:rPr>
-              <a:t>value</a:t>
-            </a:r>
-            <a:r>
-              <a:rPr lang="en-US" dirty="0">
-                <a:solidFill>
-                  <a:srgbClr val="D4D4D4"/>
-                </a:solidFill>
-                <a:latin typeface="Consolas" panose="020B0609020204030204" pitchFamily="49" charset="0"/>
-              </a:rPr>
-              <a:t>);</a:t>
-            </a:r>
-          </a:p>
-          <a:p>
-            <a:r>
-              <a:rPr lang="en-US" dirty="0">
+              <a:rPr lang="en-US" sz="2400" dirty="0">
                 <a:solidFill>
                   <a:srgbClr val="D4D4D4"/>
                 </a:solidFill>
@@ -12954,7 +13308,7 @@
           </a:p>
           <a:p>
             <a:r>
-              <a:rPr lang="en-US" dirty="0">
+              <a:rPr lang="en-US" sz="2400" dirty="0">
                 <a:solidFill>
                   <a:srgbClr val="D4D4D4"/>
                 </a:solidFill>
@@ -12963,357 +13317,27 @@
               <a:t>});</a:t>
             </a:r>
           </a:p>
-        </p:txBody>
-      </p:sp>
-      <p:sp>
-        <p:nvSpPr>
-          <p:cNvPr id="7" name="Rectangle 6">
-            <a:extLst>
-              <a:ext uri="{FF2B5EF4-FFF2-40B4-BE49-F238E27FC236}">
-                <a16:creationId xmlns:a16="http://schemas.microsoft.com/office/drawing/2014/main" id="{6CDD7D4A-DBFE-4672-BE0F-6C80BBFA832C}"/>
-              </a:ext>
-            </a:extLst>
-          </p:cNvPr>
-          <p:cNvSpPr/>
-          <p:nvPr/>
-        </p:nvSpPr>
-        <p:spPr>
-          <a:xfrm>
-            <a:off x="664027" y="3794649"/>
-            <a:ext cx="10613571" cy="1477328"/>
-          </a:xfrm>
-          <a:prstGeom prst="rect">
-            <a:avLst/>
-          </a:prstGeom>
-          <a:solidFill>
-            <a:schemeClr val="tx1"/>
-          </a:solidFill>
-        </p:spPr>
-        <p:txBody>
-          <a:bodyPr wrap="square">
-            <a:spAutoFit/>
-          </a:bodyPr>
-          <a:lstStyle/>
-          <a:p>
-            <a:r>
-              <a:rPr lang="en-US" dirty="0">
-                <a:solidFill>
-                  <a:srgbClr val="569CD6"/>
-                </a:solidFill>
-                <a:latin typeface="Consolas" panose="020B0609020204030204" pitchFamily="49" charset="0"/>
-              </a:rPr>
-              <a:t>function</a:t>
-            </a:r>
-            <a:r>
-              <a:rPr lang="en-US" dirty="0">
-                <a:solidFill>
-                  <a:srgbClr val="D4D4D4"/>
-                </a:solidFill>
-                <a:latin typeface="Consolas" panose="020B0609020204030204" pitchFamily="49" charset="0"/>
-              </a:rPr>
-              <a:t> </a:t>
-            </a:r>
-            <a:r>
-              <a:rPr lang="en-US" dirty="0" err="1">
-                <a:solidFill>
-                  <a:srgbClr val="DCDCAA"/>
-                </a:solidFill>
-                <a:latin typeface="Consolas" panose="020B0609020204030204" pitchFamily="49" charset="0"/>
-              </a:rPr>
-              <a:t>changeCurrentElementToInputBox</a:t>
-            </a:r>
-            <a:r>
-              <a:rPr lang="en-US" dirty="0">
-                <a:solidFill>
-                  <a:srgbClr val="D4D4D4"/>
-                </a:solidFill>
-                <a:latin typeface="Consolas" panose="020B0609020204030204" pitchFamily="49" charset="0"/>
-              </a:rPr>
-              <a:t>(</a:t>
-            </a:r>
-            <a:r>
-              <a:rPr lang="en-US" dirty="0">
-                <a:solidFill>
-                  <a:srgbClr val="9CDCFE"/>
-                </a:solidFill>
-                <a:latin typeface="Consolas" panose="020B0609020204030204" pitchFamily="49" charset="0"/>
-              </a:rPr>
-              <a:t>el</a:t>
-            </a:r>
-            <a:r>
-              <a:rPr lang="en-US" dirty="0">
-                <a:solidFill>
-                  <a:srgbClr val="D4D4D4"/>
-                </a:solidFill>
-                <a:latin typeface="Consolas" panose="020B0609020204030204" pitchFamily="49" charset="0"/>
-              </a:rPr>
-              <a:t>, </a:t>
-            </a:r>
-            <a:r>
-              <a:rPr lang="en-US" dirty="0">
-                <a:solidFill>
-                  <a:srgbClr val="9CDCFE"/>
-                </a:solidFill>
-                <a:latin typeface="Consolas" panose="020B0609020204030204" pitchFamily="49" charset="0"/>
-              </a:rPr>
-              <a:t>value</a:t>
-            </a:r>
-            <a:r>
-              <a:rPr lang="en-US" dirty="0">
-                <a:solidFill>
-                  <a:srgbClr val="D4D4D4"/>
-                </a:solidFill>
-                <a:latin typeface="Consolas" panose="020B0609020204030204" pitchFamily="49" charset="0"/>
-              </a:rPr>
-              <a:t>)</a:t>
-            </a:r>
-          </a:p>
-          <a:p>
-            <a:r>
-              <a:rPr lang="en-US" dirty="0">
-                <a:solidFill>
-                  <a:srgbClr val="D4D4D4"/>
-                </a:solidFill>
-                <a:latin typeface="Consolas" panose="020B0609020204030204" pitchFamily="49" charset="0"/>
-              </a:rPr>
-              <a:t>{</a:t>
-            </a:r>
-          </a:p>
-          <a:p>
-            <a:r>
-              <a:rPr lang="en-US" dirty="0">
-                <a:solidFill>
-                  <a:srgbClr val="D4D4D4"/>
-                </a:solidFill>
-                <a:latin typeface="Consolas" panose="020B0609020204030204" pitchFamily="49" charset="0"/>
-              </a:rPr>
-              <a:t>    </a:t>
-            </a:r>
-            <a:r>
-              <a:rPr lang="en-US" dirty="0">
-                <a:solidFill>
-                  <a:srgbClr val="DCDCAA"/>
-                </a:solidFill>
-                <a:latin typeface="Consolas" panose="020B0609020204030204" pitchFamily="49" charset="0"/>
-              </a:rPr>
-              <a:t>$</a:t>
-            </a:r>
-            <a:r>
-              <a:rPr lang="en-US" dirty="0">
-                <a:solidFill>
-                  <a:srgbClr val="D4D4D4"/>
-                </a:solidFill>
-                <a:latin typeface="Consolas" panose="020B0609020204030204" pitchFamily="49" charset="0"/>
-              </a:rPr>
-              <a:t>(</a:t>
-            </a:r>
-            <a:r>
-              <a:rPr lang="en-US" dirty="0">
-                <a:solidFill>
-                  <a:srgbClr val="9CDCFE"/>
-                </a:solidFill>
-                <a:latin typeface="Consolas" panose="020B0609020204030204" pitchFamily="49" charset="0"/>
-              </a:rPr>
-              <a:t>el</a:t>
-            </a:r>
-            <a:r>
-              <a:rPr lang="en-US" dirty="0">
-                <a:solidFill>
-                  <a:srgbClr val="D4D4D4"/>
-                </a:solidFill>
-                <a:latin typeface="Consolas" panose="020B0609020204030204" pitchFamily="49" charset="0"/>
-              </a:rPr>
-              <a:t>).</a:t>
-            </a:r>
-            <a:r>
-              <a:rPr lang="en-US" dirty="0">
-                <a:solidFill>
-                  <a:srgbClr val="DCDCAA"/>
-                </a:solidFill>
-                <a:latin typeface="Consolas" panose="020B0609020204030204" pitchFamily="49" charset="0"/>
-              </a:rPr>
-              <a:t>html</a:t>
-            </a:r>
-            <a:r>
-              <a:rPr lang="en-US" dirty="0">
-                <a:solidFill>
-                  <a:srgbClr val="D4D4D4"/>
-                </a:solidFill>
-                <a:latin typeface="Consolas" panose="020B0609020204030204" pitchFamily="49" charset="0"/>
-              </a:rPr>
-              <a:t>(</a:t>
-            </a:r>
-            <a:r>
-              <a:rPr lang="en-US" dirty="0">
-                <a:solidFill>
-                  <a:srgbClr val="CE9178"/>
-                </a:solidFill>
-                <a:latin typeface="Consolas" panose="020B0609020204030204" pitchFamily="49" charset="0"/>
-              </a:rPr>
-              <a:t>'&lt;input class="</a:t>
-            </a:r>
-            <a:r>
-              <a:rPr lang="en-US" dirty="0" err="1">
-                <a:solidFill>
-                  <a:srgbClr val="CE9178"/>
-                </a:solidFill>
-                <a:latin typeface="Consolas" panose="020B0609020204030204" pitchFamily="49" charset="0"/>
-              </a:rPr>
-              <a:t>txtInput</a:t>
-            </a:r>
-            <a:r>
-              <a:rPr lang="en-US" dirty="0">
-                <a:solidFill>
-                  <a:srgbClr val="CE9178"/>
-                </a:solidFill>
-                <a:latin typeface="Consolas" panose="020B0609020204030204" pitchFamily="49" charset="0"/>
-              </a:rPr>
-              <a:t>" type="text" value='</a:t>
-            </a:r>
-            <a:r>
-              <a:rPr lang="en-US" dirty="0">
-                <a:solidFill>
-                  <a:srgbClr val="D4D4D4"/>
-                </a:solidFill>
-                <a:latin typeface="Consolas" panose="020B0609020204030204" pitchFamily="49" charset="0"/>
-              </a:rPr>
-              <a:t> + </a:t>
-            </a:r>
-            <a:r>
-              <a:rPr lang="en-US" dirty="0">
-                <a:solidFill>
-                  <a:srgbClr val="9CDCFE"/>
-                </a:solidFill>
-                <a:latin typeface="Consolas" panose="020B0609020204030204" pitchFamily="49" charset="0"/>
-              </a:rPr>
-              <a:t>value</a:t>
-            </a:r>
-            <a:r>
-              <a:rPr lang="en-US" dirty="0">
-                <a:solidFill>
-                  <a:srgbClr val="D4D4D4"/>
-                </a:solidFill>
-                <a:latin typeface="Consolas" panose="020B0609020204030204" pitchFamily="49" charset="0"/>
-              </a:rPr>
-              <a:t> + </a:t>
-            </a:r>
-            <a:r>
-              <a:rPr lang="en-US" dirty="0">
-                <a:solidFill>
-                  <a:srgbClr val="CE9178"/>
-                </a:solidFill>
-                <a:latin typeface="Consolas" panose="020B0609020204030204" pitchFamily="49" charset="0"/>
-              </a:rPr>
-              <a:t>'"/&gt;'</a:t>
-            </a:r>
-            <a:r>
-              <a:rPr lang="en-US" dirty="0">
-                <a:solidFill>
-                  <a:srgbClr val="D4D4D4"/>
-                </a:solidFill>
-                <a:latin typeface="Consolas" panose="020B0609020204030204" pitchFamily="49" charset="0"/>
-              </a:rPr>
-              <a:t>);</a:t>
-            </a:r>
-          </a:p>
-          <a:p>
-            <a:r>
-              <a:rPr lang="en-US" dirty="0">
-                <a:solidFill>
-                  <a:srgbClr val="D4D4D4"/>
-                </a:solidFill>
-                <a:latin typeface="Consolas" panose="020B0609020204030204" pitchFamily="49" charset="0"/>
-              </a:rPr>
-              <a:t>    </a:t>
-            </a:r>
-            <a:r>
-              <a:rPr lang="en-US" dirty="0">
-                <a:solidFill>
-                  <a:srgbClr val="DCDCAA"/>
-                </a:solidFill>
-                <a:latin typeface="Consolas" panose="020B0609020204030204" pitchFamily="49" charset="0"/>
-              </a:rPr>
-              <a:t>$</a:t>
-            </a:r>
-            <a:r>
-              <a:rPr lang="en-US" dirty="0">
-                <a:solidFill>
-                  <a:srgbClr val="D4D4D4"/>
-                </a:solidFill>
-                <a:latin typeface="Consolas" panose="020B0609020204030204" pitchFamily="49" charset="0"/>
-              </a:rPr>
-              <a:t>(</a:t>
-            </a:r>
-            <a:r>
-              <a:rPr lang="en-US" dirty="0">
-                <a:solidFill>
-                  <a:srgbClr val="CE9178"/>
-                </a:solidFill>
-                <a:latin typeface="Consolas" panose="020B0609020204030204" pitchFamily="49" charset="0"/>
-              </a:rPr>
-              <a:t>".</a:t>
-            </a:r>
-            <a:r>
-              <a:rPr lang="en-US" dirty="0" err="1">
-                <a:solidFill>
-                  <a:srgbClr val="CE9178"/>
-                </a:solidFill>
-                <a:latin typeface="Consolas" panose="020B0609020204030204" pitchFamily="49" charset="0"/>
-              </a:rPr>
-              <a:t>txtInput</a:t>
-            </a:r>
-            <a:r>
-              <a:rPr lang="en-US" dirty="0">
-                <a:solidFill>
-                  <a:srgbClr val="CE9178"/>
-                </a:solidFill>
-                <a:latin typeface="Consolas" panose="020B0609020204030204" pitchFamily="49" charset="0"/>
-              </a:rPr>
-              <a:t>"</a:t>
-            </a:r>
-            <a:r>
-              <a:rPr lang="en-US" dirty="0">
-                <a:solidFill>
-                  <a:srgbClr val="D4D4D4"/>
-                </a:solidFill>
-                <a:latin typeface="Consolas" panose="020B0609020204030204" pitchFamily="49" charset="0"/>
-              </a:rPr>
-              <a:t>).</a:t>
-            </a:r>
-            <a:r>
-              <a:rPr lang="en-US" dirty="0">
-                <a:solidFill>
-                  <a:srgbClr val="DCDCAA"/>
-                </a:solidFill>
-                <a:latin typeface="Consolas" panose="020B0609020204030204" pitchFamily="49" charset="0"/>
-              </a:rPr>
-              <a:t>focus</a:t>
-            </a:r>
-            <a:r>
-              <a:rPr lang="en-US" dirty="0">
-                <a:solidFill>
-                  <a:srgbClr val="D4D4D4"/>
-                </a:solidFill>
-                <a:latin typeface="Consolas" panose="020B0609020204030204" pitchFamily="49" charset="0"/>
-              </a:rPr>
-              <a:t>();</a:t>
-            </a:r>
-          </a:p>
-          <a:p>
-            <a:r>
-              <a:rPr lang="en-US" dirty="0">
-                <a:solidFill>
-                  <a:srgbClr val="D4D4D4"/>
-                </a:solidFill>
-                <a:latin typeface="Consolas" panose="020B0609020204030204" pitchFamily="49" charset="0"/>
-              </a:rPr>
-              <a:t>}</a:t>
-            </a:r>
-            <a:endParaRPr lang="en-US" b="0" dirty="0">
+          <a:p>
+            <a:br>
+              <a:rPr lang="en-US" dirty="0">
+                <a:solidFill>
+                  <a:srgbClr val="D4D4D4"/>
+                </a:solidFill>
+                <a:latin typeface="Consolas" panose="020B0609020204030204" pitchFamily="49" charset="0"/>
+              </a:rPr>
+            </a:br>
+            <a:endParaRPr lang="en-US" dirty="0">
               <a:solidFill>
                 <a:srgbClr val="D4D4D4"/>
               </a:solidFill>
-              <a:effectLst/>
+              <a:latin typeface="Consolas" panose="020B0609020204030204" pitchFamily="49" charset="0"/>
+            </a:endParaRPr>
+          </a:p>
+          <a:p>
+            <a:endParaRPr lang="en-US" dirty="0">
+              <a:solidFill>
+                <a:srgbClr val="D4D4D4"/>
+              </a:solidFill>
               <a:latin typeface="Consolas" panose="020B0609020204030204" pitchFamily="49" charset="0"/>
             </a:endParaRPr>
           </a:p>
@@ -13424,6 +13448,3995 @@
 </p:sld>
 </file>
 
+<file path=ppt/slides/slide32.xml><?xml version="1.0" encoding="utf-8"?>
+<p:sld xmlns:a="http://schemas.openxmlformats.org/drawingml/2006/main" xmlns:r="http://schemas.openxmlformats.org/officeDocument/2006/relationships" xmlns:p="http://schemas.openxmlformats.org/presentationml/2006/main">
+  <p:cSld>
+    <p:spTree>
+      <p:nvGrpSpPr>
+        <p:cNvPr id="1" name=""/>
+        <p:cNvGrpSpPr/>
+        <p:nvPr/>
+      </p:nvGrpSpPr>
+      <p:grpSpPr>
+        <a:xfrm>
+          <a:off x="0" y="0"/>
+          <a:ext cx="0" cy="0"/>
+          <a:chOff x="0" y="0"/>
+          <a:chExt cx="0" cy="0"/>
+        </a:xfrm>
+      </p:grpSpPr>
+      <p:sp>
+        <p:nvSpPr>
+          <p:cNvPr id="2" name="Title 1">
+            <a:extLst>
+              <a:ext uri="{FF2B5EF4-FFF2-40B4-BE49-F238E27FC236}">
+                <a16:creationId xmlns:a16="http://schemas.microsoft.com/office/drawing/2014/main" id="{96E90364-C2E4-472E-BFEC-21A1DDBA0011}"/>
+              </a:ext>
+            </a:extLst>
+          </p:cNvPr>
+          <p:cNvSpPr>
+            <a:spLocks noGrp="1"/>
+          </p:cNvSpPr>
+          <p:nvPr>
+            <p:ph type="title"/>
+          </p:nvPr>
+        </p:nvSpPr>
+        <p:spPr>
+          <a:xfrm>
+            <a:off x="391886" y="376011"/>
+            <a:ext cx="10515600" cy="1325563"/>
+          </a:xfrm>
+        </p:spPr>
+        <p:txBody>
+          <a:bodyPr/>
+          <a:lstStyle/>
+          <a:p>
+            <a:r>
+              <a:rPr lang="en-US" dirty="0"/>
+              <a:t>eventhandler.js</a:t>
+            </a:r>
+          </a:p>
+        </p:txBody>
+      </p:sp>
+      <p:sp>
+        <p:nvSpPr>
+          <p:cNvPr id="5" name="Rectangle 4">
+            <a:extLst>
+              <a:ext uri="{FF2B5EF4-FFF2-40B4-BE49-F238E27FC236}">
+                <a16:creationId xmlns:a16="http://schemas.microsoft.com/office/drawing/2014/main" id="{E399B57D-F558-4631-B608-6078C8BF4D0C}"/>
+              </a:ext>
+            </a:extLst>
+          </p:cNvPr>
+          <p:cNvSpPr/>
+          <p:nvPr/>
+        </p:nvSpPr>
+        <p:spPr>
+          <a:xfrm>
+            <a:off x="391886" y="1401474"/>
+            <a:ext cx="9318171" cy="4093428"/>
+          </a:xfrm>
+          <a:prstGeom prst="rect">
+            <a:avLst/>
+          </a:prstGeom>
+          <a:solidFill>
+            <a:schemeClr val="tx1"/>
+          </a:solidFill>
+        </p:spPr>
+        <p:txBody>
+          <a:bodyPr wrap="square">
+            <a:spAutoFit/>
+          </a:bodyPr>
+          <a:lstStyle/>
+          <a:p>
+            <a:r>
+              <a:rPr lang="en-US" sz="2000" dirty="0">
+                <a:solidFill>
+                  <a:srgbClr val="D4D4D4"/>
+                </a:solidFill>
+                <a:latin typeface="Consolas" panose="020B0609020204030204" pitchFamily="49" charset="0"/>
+              </a:rPr>
+              <a:t>   </a:t>
+            </a:r>
+            <a:r>
+              <a:rPr lang="en-US" sz="2000" dirty="0">
+                <a:solidFill>
+                  <a:srgbClr val="DCDCAA"/>
+                </a:solidFill>
+                <a:latin typeface="Consolas" panose="020B0609020204030204" pitchFamily="49" charset="0"/>
+              </a:rPr>
+              <a:t>$</a:t>
+            </a:r>
+            <a:r>
+              <a:rPr lang="en-US" sz="2000" dirty="0">
+                <a:solidFill>
+                  <a:srgbClr val="D4D4D4"/>
+                </a:solidFill>
+                <a:latin typeface="Consolas" panose="020B0609020204030204" pitchFamily="49" charset="0"/>
+              </a:rPr>
+              <a:t>(</a:t>
+            </a:r>
+            <a:r>
+              <a:rPr lang="en-US" sz="2000" dirty="0">
+                <a:solidFill>
+                  <a:srgbClr val="CE9178"/>
+                </a:solidFill>
+                <a:latin typeface="Consolas" panose="020B0609020204030204" pitchFamily="49" charset="0"/>
+              </a:rPr>
+              <a:t>"#</a:t>
+            </a:r>
+            <a:r>
+              <a:rPr lang="en-US" sz="2000" dirty="0" err="1">
+                <a:solidFill>
+                  <a:srgbClr val="CE9178"/>
+                </a:solidFill>
+                <a:latin typeface="Consolas" panose="020B0609020204030204" pitchFamily="49" charset="0"/>
+              </a:rPr>
+              <a:t>input_box</a:t>
+            </a:r>
+            <a:r>
+              <a:rPr lang="en-US" sz="2000" dirty="0">
+                <a:solidFill>
+                  <a:srgbClr val="CE9178"/>
+                </a:solidFill>
+                <a:latin typeface="Consolas" panose="020B0609020204030204" pitchFamily="49" charset="0"/>
+              </a:rPr>
+              <a:t>"</a:t>
+            </a:r>
+            <a:r>
+              <a:rPr lang="en-US" sz="2000" dirty="0">
+                <a:solidFill>
+                  <a:srgbClr val="D4D4D4"/>
+                </a:solidFill>
+                <a:latin typeface="Consolas" panose="020B0609020204030204" pitchFamily="49" charset="0"/>
+              </a:rPr>
+              <a:t>).</a:t>
+            </a:r>
+            <a:r>
+              <a:rPr lang="en-US" sz="2000" dirty="0" err="1">
+                <a:solidFill>
+                  <a:srgbClr val="DCDCAA"/>
+                </a:solidFill>
+                <a:latin typeface="Consolas" panose="020B0609020204030204" pitchFamily="49" charset="0"/>
+              </a:rPr>
+              <a:t>keyup</a:t>
+            </a:r>
+            <a:r>
+              <a:rPr lang="en-US" sz="2000" dirty="0">
+                <a:solidFill>
+                  <a:srgbClr val="D4D4D4"/>
+                </a:solidFill>
+                <a:latin typeface="Consolas" panose="020B0609020204030204" pitchFamily="49" charset="0"/>
+              </a:rPr>
+              <a:t>( </a:t>
+            </a:r>
+            <a:r>
+              <a:rPr lang="en-US" sz="2000" dirty="0">
+                <a:solidFill>
+                  <a:srgbClr val="569CD6"/>
+                </a:solidFill>
+                <a:latin typeface="Consolas" panose="020B0609020204030204" pitchFamily="49" charset="0"/>
+              </a:rPr>
+              <a:t>function</a:t>
+            </a:r>
+            <a:r>
+              <a:rPr lang="en-US" sz="2000" dirty="0">
+                <a:solidFill>
+                  <a:srgbClr val="D4D4D4"/>
+                </a:solidFill>
+                <a:latin typeface="Consolas" panose="020B0609020204030204" pitchFamily="49" charset="0"/>
+              </a:rPr>
+              <a:t>(</a:t>
+            </a:r>
+            <a:r>
+              <a:rPr lang="en-US" sz="2000" dirty="0">
+                <a:solidFill>
+                  <a:srgbClr val="9CDCFE"/>
+                </a:solidFill>
+                <a:latin typeface="Consolas" panose="020B0609020204030204" pitchFamily="49" charset="0"/>
+              </a:rPr>
+              <a:t>event</a:t>
+            </a:r>
+            <a:r>
+              <a:rPr lang="en-US" sz="2000" dirty="0">
+                <a:solidFill>
+                  <a:srgbClr val="D4D4D4"/>
+                </a:solidFill>
+                <a:latin typeface="Consolas" panose="020B0609020204030204" pitchFamily="49" charset="0"/>
+              </a:rPr>
+              <a:t>){</a:t>
+            </a:r>
+          </a:p>
+          <a:p>
+            <a:r>
+              <a:rPr lang="en-US" sz="2000" dirty="0">
+                <a:solidFill>
+                  <a:srgbClr val="D4D4D4"/>
+                </a:solidFill>
+                <a:latin typeface="Consolas" panose="020B0609020204030204" pitchFamily="49" charset="0"/>
+              </a:rPr>
+              <a:t>            </a:t>
+            </a:r>
+            <a:r>
+              <a:rPr lang="en-US" sz="2000" dirty="0">
+                <a:solidFill>
+                  <a:srgbClr val="C586C0"/>
+                </a:solidFill>
+                <a:latin typeface="Consolas" panose="020B0609020204030204" pitchFamily="49" charset="0"/>
+              </a:rPr>
+              <a:t>if</a:t>
+            </a:r>
+            <a:r>
+              <a:rPr lang="en-US" sz="2000" dirty="0">
+                <a:solidFill>
+                  <a:srgbClr val="D4D4D4"/>
+                </a:solidFill>
+                <a:latin typeface="Consolas" panose="020B0609020204030204" pitchFamily="49" charset="0"/>
+              </a:rPr>
+              <a:t>(</a:t>
+            </a:r>
+            <a:r>
+              <a:rPr lang="en-US" sz="2000" dirty="0" err="1">
+                <a:solidFill>
+                  <a:srgbClr val="9CDCFE"/>
+                </a:solidFill>
+                <a:latin typeface="Consolas" panose="020B0609020204030204" pitchFamily="49" charset="0"/>
+              </a:rPr>
+              <a:t>event</a:t>
+            </a:r>
+            <a:r>
+              <a:rPr lang="en-US" sz="2000" dirty="0" err="1">
+                <a:solidFill>
+                  <a:srgbClr val="D4D4D4"/>
+                </a:solidFill>
+                <a:latin typeface="Consolas" panose="020B0609020204030204" pitchFamily="49" charset="0"/>
+              </a:rPr>
+              <a:t>.</a:t>
+            </a:r>
+            <a:r>
+              <a:rPr lang="en-US" sz="2000" dirty="0" err="1">
+                <a:solidFill>
+                  <a:srgbClr val="9CDCFE"/>
+                </a:solidFill>
+                <a:latin typeface="Consolas" panose="020B0609020204030204" pitchFamily="49" charset="0"/>
+              </a:rPr>
+              <a:t>keyCode</a:t>
+            </a:r>
+            <a:r>
+              <a:rPr lang="en-US" sz="2000" dirty="0">
+                <a:solidFill>
+                  <a:srgbClr val="D4D4D4"/>
+                </a:solidFill>
+                <a:latin typeface="Consolas" panose="020B0609020204030204" pitchFamily="49" charset="0"/>
+              </a:rPr>
+              <a:t> == </a:t>
+            </a:r>
+            <a:r>
+              <a:rPr lang="en-US" sz="2000" dirty="0">
+                <a:solidFill>
+                  <a:srgbClr val="B5CEA8"/>
+                </a:solidFill>
+                <a:latin typeface="Consolas" panose="020B0609020204030204" pitchFamily="49" charset="0"/>
+              </a:rPr>
+              <a:t>13</a:t>
+            </a:r>
+            <a:r>
+              <a:rPr lang="en-US" sz="2000" dirty="0">
+                <a:solidFill>
+                  <a:srgbClr val="D4D4D4"/>
+                </a:solidFill>
+                <a:latin typeface="Consolas" panose="020B0609020204030204" pitchFamily="49" charset="0"/>
+              </a:rPr>
+              <a:t>) {</a:t>
+            </a:r>
+          </a:p>
+          <a:p>
+            <a:r>
+              <a:rPr lang="en-US" sz="2000" dirty="0">
+                <a:solidFill>
+                  <a:srgbClr val="D4D4D4"/>
+                </a:solidFill>
+                <a:latin typeface="Consolas" panose="020B0609020204030204" pitchFamily="49" charset="0"/>
+              </a:rPr>
+              <a:t>                </a:t>
+            </a:r>
+            <a:r>
+              <a:rPr lang="en-US" sz="2000" dirty="0">
+                <a:solidFill>
+                  <a:srgbClr val="569CD6"/>
+                </a:solidFill>
+                <a:latin typeface="Consolas" panose="020B0609020204030204" pitchFamily="49" charset="0"/>
+              </a:rPr>
+              <a:t>var</a:t>
+            </a:r>
+            <a:r>
+              <a:rPr lang="en-US" sz="2000" dirty="0">
+                <a:solidFill>
+                  <a:srgbClr val="D4D4D4"/>
+                </a:solidFill>
+                <a:latin typeface="Consolas" panose="020B0609020204030204" pitchFamily="49" charset="0"/>
+              </a:rPr>
+              <a:t> </a:t>
+            </a:r>
+            <a:r>
+              <a:rPr lang="en-US" sz="2000" dirty="0" err="1">
+                <a:solidFill>
+                  <a:srgbClr val="9CDCFE"/>
+                </a:solidFill>
+                <a:latin typeface="Consolas" panose="020B0609020204030204" pitchFamily="49" charset="0"/>
+              </a:rPr>
+              <a:t>newRating</a:t>
+            </a:r>
+            <a:r>
+              <a:rPr lang="en-US" sz="2000" dirty="0">
+                <a:solidFill>
+                  <a:srgbClr val="D4D4D4"/>
+                </a:solidFill>
+                <a:latin typeface="Consolas" panose="020B0609020204030204" pitchFamily="49" charset="0"/>
+              </a:rPr>
+              <a:t> = </a:t>
+            </a:r>
+            <a:r>
+              <a:rPr lang="en-US" sz="2000" dirty="0">
+                <a:solidFill>
+                  <a:srgbClr val="DCDCAA"/>
+                </a:solidFill>
+                <a:latin typeface="Consolas" panose="020B0609020204030204" pitchFamily="49" charset="0"/>
+              </a:rPr>
+              <a:t>$</a:t>
+            </a:r>
+            <a:r>
+              <a:rPr lang="en-US" sz="2000" dirty="0">
+                <a:solidFill>
+                  <a:srgbClr val="D4D4D4"/>
+                </a:solidFill>
+                <a:latin typeface="Consolas" panose="020B0609020204030204" pitchFamily="49" charset="0"/>
+              </a:rPr>
+              <a:t>(</a:t>
+            </a:r>
+            <a:r>
+              <a:rPr lang="en-US" sz="2000" dirty="0">
+                <a:solidFill>
+                  <a:srgbClr val="569CD6"/>
+                </a:solidFill>
+                <a:latin typeface="Consolas" panose="020B0609020204030204" pitchFamily="49" charset="0"/>
+              </a:rPr>
+              <a:t>this</a:t>
+            </a:r>
+            <a:r>
+              <a:rPr lang="en-US" sz="2000" dirty="0">
+                <a:solidFill>
+                  <a:srgbClr val="D4D4D4"/>
+                </a:solidFill>
+                <a:latin typeface="Consolas" panose="020B0609020204030204" pitchFamily="49" charset="0"/>
+              </a:rPr>
+              <a:t>).</a:t>
+            </a:r>
+            <a:r>
+              <a:rPr lang="en-US" sz="2000" dirty="0" err="1">
+                <a:solidFill>
+                  <a:srgbClr val="DCDCAA"/>
+                </a:solidFill>
+                <a:latin typeface="Consolas" panose="020B0609020204030204" pitchFamily="49" charset="0"/>
+              </a:rPr>
+              <a:t>val</a:t>
+            </a:r>
+            <a:r>
+              <a:rPr lang="en-US" sz="2000" dirty="0">
+                <a:solidFill>
+                  <a:srgbClr val="D4D4D4"/>
+                </a:solidFill>
+                <a:latin typeface="Consolas" panose="020B0609020204030204" pitchFamily="49" charset="0"/>
+              </a:rPr>
+              <a:t>().</a:t>
+            </a:r>
+            <a:r>
+              <a:rPr lang="en-US" sz="2000" dirty="0">
+                <a:solidFill>
+                  <a:srgbClr val="DCDCAA"/>
+                </a:solidFill>
+                <a:latin typeface="Consolas" panose="020B0609020204030204" pitchFamily="49" charset="0"/>
+              </a:rPr>
+              <a:t>trim</a:t>
+            </a:r>
+            <a:r>
+              <a:rPr lang="en-US" sz="2000" dirty="0">
+                <a:solidFill>
+                  <a:srgbClr val="D4D4D4"/>
+                </a:solidFill>
+                <a:latin typeface="Consolas" panose="020B0609020204030204" pitchFamily="49" charset="0"/>
+              </a:rPr>
+              <a:t>();</a:t>
+            </a:r>
+          </a:p>
+          <a:p>
+            <a:r>
+              <a:rPr lang="en-US" sz="2000" dirty="0">
+                <a:solidFill>
+                  <a:srgbClr val="D4D4D4"/>
+                </a:solidFill>
+                <a:latin typeface="Consolas" panose="020B0609020204030204" pitchFamily="49" charset="0"/>
+              </a:rPr>
+              <a:t>                </a:t>
+            </a:r>
+            <a:r>
+              <a:rPr lang="en-US" sz="2000" dirty="0">
+                <a:solidFill>
+                  <a:srgbClr val="9CDCFE"/>
+                </a:solidFill>
+                <a:latin typeface="Consolas" panose="020B0609020204030204" pitchFamily="49" charset="0"/>
+              </a:rPr>
+              <a:t>originalElement</a:t>
+            </a:r>
+            <a:r>
+              <a:rPr lang="en-US" sz="2000" dirty="0">
+                <a:solidFill>
+                  <a:srgbClr val="D4D4D4"/>
+                </a:solidFill>
+                <a:latin typeface="Consolas" panose="020B0609020204030204" pitchFamily="49" charset="0"/>
+              </a:rPr>
+              <a:t>.</a:t>
+            </a:r>
+            <a:r>
+              <a:rPr lang="en-US" sz="2000" dirty="0">
+                <a:solidFill>
+                  <a:srgbClr val="DCDCAA"/>
+                </a:solidFill>
+                <a:latin typeface="Consolas" panose="020B0609020204030204" pitchFamily="49" charset="0"/>
+              </a:rPr>
+              <a:t>html</a:t>
+            </a:r>
+            <a:r>
+              <a:rPr lang="en-US" sz="2000" dirty="0">
+                <a:solidFill>
+                  <a:srgbClr val="D4D4D4"/>
+                </a:solidFill>
+                <a:latin typeface="Consolas" panose="020B0609020204030204" pitchFamily="49" charset="0"/>
+              </a:rPr>
+              <a:t>(</a:t>
+            </a:r>
+            <a:r>
+              <a:rPr lang="en-US" sz="2000" dirty="0" err="1">
+                <a:solidFill>
+                  <a:srgbClr val="9CDCFE"/>
+                </a:solidFill>
+                <a:latin typeface="Consolas" panose="020B0609020204030204" pitchFamily="49" charset="0"/>
+              </a:rPr>
+              <a:t>newRating</a:t>
+            </a:r>
+            <a:r>
+              <a:rPr lang="en-US" sz="2000" dirty="0">
+                <a:solidFill>
+                  <a:srgbClr val="D4D4D4"/>
+                </a:solidFill>
+                <a:latin typeface="Consolas" panose="020B0609020204030204" pitchFamily="49" charset="0"/>
+              </a:rPr>
+              <a:t>);</a:t>
+            </a:r>
+          </a:p>
+          <a:p>
+            <a:r>
+              <a:rPr lang="en-US" sz="2000" dirty="0">
+                <a:solidFill>
+                  <a:srgbClr val="D4D4D4"/>
+                </a:solidFill>
+                <a:latin typeface="Consolas" panose="020B0609020204030204" pitchFamily="49" charset="0"/>
+              </a:rPr>
+              <a:t>            }</a:t>
+            </a:r>
+          </a:p>
+          <a:p>
+            <a:r>
+              <a:rPr lang="en-US" sz="2000" dirty="0">
+                <a:solidFill>
+                  <a:srgbClr val="D4D4D4"/>
+                </a:solidFill>
+                <a:latin typeface="Consolas" panose="020B0609020204030204" pitchFamily="49" charset="0"/>
+              </a:rPr>
+              <a:t>       });</a:t>
+            </a:r>
+          </a:p>
+          <a:p>
+            <a:br>
+              <a:rPr lang="en-US" sz="2000" dirty="0">
+                <a:solidFill>
+                  <a:srgbClr val="D4D4D4"/>
+                </a:solidFill>
+                <a:latin typeface="Consolas" panose="020B0609020204030204" pitchFamily="49" charset="0"/>
+              </a:rPr>
+            </a:br>
+            <a:r>
+              <a:rPr lang="en-US" sz="2000" dirty="0">
+                <a:solidFill>
+                  <a:srgbClr val="D4D4D4"/>
+                </a:solidFill>
+                <a:latin typeface="Consolas" panose="020B0609020204030204" pitchFamily="49" charset="0"/>
+              </a:rPr>
+              <a:t>       </a:t>
+            </a:r>
+            <a:r>
+              <a:rPr lang="en-US" sz="2000" dirty="0">
+                <a:solidFill>
+                  <a:srgbClr val="DCDCAA"/>
+                </a:solidFill>
+                <a:latin typeface="Consolas" panose="020B0609020204030204" pitchFamily="49" charset="0"/>
+              </a:rPr>
+              <a:t>$</a:t>
+            </a:r>
+            <a:r>
+              <a:rPr lang="en-US" sz="2000" dirty="0">
+                <a:solidFill>
+                  <a:srgbClr val="D4D4D4"/>
+                </a:solidFill>
+                <a:latin typeface="Consolas" panose="020B0609020204030204" pitchFamily="49" charset="0"/>
+              </a:rPr>
+              <a:t>(</a:t>
+            </a:r>
+            <a:r>
+              <a:rPr lang="en-US" sz="2000" dirty="0">
+                <a:solidFill>
+                  <a:srgbClr val="9CDCFE"/>
+                </a:solidFill>
+                <a:latin typeface="Consolas" panose="020B0609020204030204" pitchFamily="49" charset="0"/>
+              </a:rPr>
+              <a:t>document</a:t>
+            </a:r>
+            <a:r>
+              <a:rPr lang="en-US" sz="2000" dirty="0">
+                <a:solidFill>
+                  <a:srgbClr val="D4D4D4"/>
+                </a:solidFill>
+                <a:latin typeface="Consolas" panose="020B0609020204030204" pitchFamily="49" charset="0"/>
+              </a:rPr>
+              <a:t>).</a:t>
+            </a:r>
+            <a:r>
+              <a:rPr lang="en-US" sz="2000" dirty="0">
+                <a:solidFill>
+                  <a:srgbClr val="DCDCAA"/>
+                </a:solidFill>
+                <a:latin typeface="Consolas" panose="020B0609020204030204" pitchFamily="49" charset="0"/>
+              </a:rPr>
+              <a:t>click</a:t>
+            </a:r>
+            <a:r>
+              <a:rPr lang="en-US" sz="2000" dirty="0">
+                <a:solidFill>
+                  <a:srgbClr val="D4D4D4"/>
+                </a:solidFill>
+                <a:latin typeface="Consolas" panose="020B0609020204030204" pitchFamily="49" charset="0"/>
+              </a:rPr>
+              <a:t>(</a:t>
+            </a:r>
+            <a:r>
+              <a:rPr lang="en-US" sz="2000" dirty="0">
+                <a:solidFill>
+                  <a:srgbClr val="569CD6"/>
+                </a:solidFill>
+                <a:latin typeface="Consolas" panose="020B0609020204030204" pitchFamily="49" charset="0"/>
+              </a:rPr>
+              <a:t>function</a:t>
+            </a:r>
+            <a:r>
+              <a:rPr lang="en-US" sz="2000" dirty="0">
+                <a:solidFill>
+                  <a:srgbClr val="D4D4D4"/>
+                </a:solidFill>
+                <a:latin typeface="Consolas" panose="020B0609020204030204" pitchFamily="49" charset="0"/>
+              </a:rPr>
+              <a:t>() {</a:t>
+            </a:r>
+          </a:p>
+          <a:p>
+            <a:r>
+              <a:rPr lang="en-US" sz="2000" dirty="0">
+                <a:solidFill>
+                  <a:srgbClr val="D4D4D4"/>
+                </a:solidFill>
+                <a:latin typeface="Consolas" panose="020B0609020204030204" pitchFamily="49" charset="0"/>
+              </a:rPr>
+              <a:t>           </a:t>
+            </a:r>
+            <a:r>
+              <a:rPr lang="en-US" sz="2000" dirty="0">
+                <a:solidFill>
+                  <a:srgbClr val="C586C0"/>
+                </a:solidFill>
+                <a:latin typeface="Consolas" panose="020B0609020204030204" pitchFamily="49" charset="0"/>
+              </a:rPr>
+              <a:t>if</a:t>
+            </a:r>
+            <a:r>
+              <a:rPr lang="en-US" sz="2000" dirty="0">
+                <a:solidFill>
+                  <a:srgbClr val="D4D4D4"/>
+                </a:solidFill>
+                <a:latin typeface="Consolas" panose="020B0609020204030204" pitchFamily="49" charset="0"/>
+              </a:rPr>
+              <a:t>(</a:t>
+            </a:r>
+            <a:r>
+              <a:rPr lang="en-US" sz="2000" dirty="0">
+                <a:solidFill>
+                  <a:srgbClr val="DCDCAA"/>
+                </a:solidFill>
+                <a:latin typeface="Consolas" panose="020B0609020204030204" pitchFamily="49" charset="0"/>
+              </a:rPr>
+              <a:t>$</a:t>
+            </a:r>
+            <a:r>
+              <a:rPr lang="en-US" sz="2000" dirty="0">
+                <a:solidFill>
+                  <a:srgbClr val="D4D4D4"/>
+                </a:solidFill>
+                <a:latin typeface="Consolas" panose="020B0609020204030204" pitchFamily="49" charset="0"/>
+              </a:rPr>
+              <a:t>(</a:t>
+            </a:r>
+            <a:r>
+              <a:rPr lang="en-US" sz="2000" dirty="0">
+                <a:solidFill>
+                  <a:srgbClr val="CE9178"/>
+                </a:solidFill>
+                <a:latin typeface="Consolas" panose="020B0609020204030204" pitchFamily="49" charset="0"/>
+              </a:rPr>
+              <a:t>"#</a:t>
+            </a:r>
+            <a:r>
+              <a:rPr lang="en-US" sz="2000" dirty="0" err="1">
+                <a:solidFill>
+                  <a:srgbClr val="CE9178"/>
+                </a:solidFill>
+                <a:latin typeface="Consolas" panose="020B0609020204030204" pitchFamily="49" charset="0"/>
+              </a:rPr>
+              <a:t>input_box</a:t>
+            </a:r>
+            <a:r>
+              <a:rPr lang="en-US" sz="2000" dirty="0">
+                <a:solidFill>
+                  <a:srgbClr val="CE9178"/>
+                </a:solidFill>
+                <a:latin typeface="Consolas" panose="020B0609020204030204" pitchFamily="49" charset="0"/>
+              </a:rPr>
+              <a:t>"</a:t>
+            </a:r>
+            <a:r>
+              <a:rPr lang="en-US" sz="2000" dirty="0">
+                <a:solidFill>
+                  <a:srgbClr val="D4D4D4"/>
+                </a:solidFill>
+                <a:latin typeface="Consolas" panose="020B0609020204030204" pitchFamily="49" charset="0"/>
+              </a:rPr>
+              <a:t>).</a:t>
+            </a:r>
+            <a:r>
+              <a:rPr lang="en-US" sz="2000" dirty="0" err="1">
+                <a:solidFill>
+                  <a:srgbClr val="DCDCAA"/>
+                </a:solidFill>
+                <a:latin typeface="Consolas" panose="020B0609020204030204" pitchFamily="49" charset="0"/>
+              </a:rPr>
+              <a:t>val</a:t>
+            </a:r>
+            <a:r>
+              <a:rPr lang="en-US" sz="2000" dirty="0">
+                <a:solidFill>
+                  <a:srgbClr val="D4D4D4"/>
+                </a:solidFill>
+                <a:latin typeface="Consolas" panose="020B0609020204030204" pitchFamily="49" charset="0"/>
+              </a:rPr>
+              <a:t>()){</a:t>
+            </a:r>
+          </a:p>
+          <a:p>
+            <a:r>
+              <a:rPr lang="en-US" sz="2000" dirty="0">
+                <a:solidFill>
+                  <a:srgbClr val="D4D4D4"/>
+                </a:solidFill>
+                <a:latin typeface="Consolas" panose="020B0609020204030204" pitchFamily="49" charset="0"/>
+              </a:rPr>
+              <a:t>            </a:t>
+            </a:r>
+            <a:r>
+              <a:rPr lang="en-US" sz="2000" dirty="0">
+                <a:solidFill>
+                  <a:srgbClr val="569CD6"/>
+                </a:solidFill>
+                <a:latin typeface="Consolas" panose="020B0609020204030204" pitchFamily="49" charset="0"/>
+              </a:rPr>
+              <a:t>var</a:t>
+            </a:r>
+            <a:r>
+              <a:rPr lang="en-US" sz="2000" dirty="0">
+                <a:solidFill>
+                  <a:srgbClr val="D4D4D4"/>
+                </a:solidFill>
+                <a:latin typeface="Consolas" panose="020B0609020204030204" pitchFamily="49" charset="0"/>
+              </a:rPr>
+              <a:t> </a:t>
+            </a:r>
+            <a:r>
+              <a:rPr lang="en-US" sz="2000" dirty="0" err="1">
+                <a:solidFill>
+                  <a:srgbClr val="9CDCFE"/>
+                </a:solidFill>
+                <a:latin typeface="Consolas" panose="020B0609020204030204" pitchFamily="49" charset="0"/>
+              </a:rPr>
+              <a:t>newRating</a:t>
+            </a:r>
+            <a:r>
+              <a:rPr lang="en-US" sz="2000" dirty="0">
+                <a:solidFill>
+                  <a:srgbClr val="D4D4D4"/>
+                </a:solidFill>
+                <a:latin typeface="Consolas" panose="020B0609020204030204" pitchFamily="49" charset="0"/>
+              </a:rPr>
+              <a:t> = </a:t>
+            </a:r>
+            <a:r>
+              <a:rPr lang="en-US" sz="2000" dirty="0">
+                <a:solidFill>
+                  <a:srgbClr val="DCDCAA"/>
+                </a:solidFill>
+                <a:latin typeface="Consolas" panose="020B0609020204030204" pitchFamily="49" charset="0"/>
+              </a:rPr>
+              <a:t>$</a:t>
+            </a:r>
+            <a:r>
+              <a:rPr lang="en-US" sz="2000" dirty="0">
+                <a:solidFill>
+                  <a:srgbClr val="D4D4D4"/>
+                </a:solidFill>
+                <a:latin typeface="Consolas" panose="020B0609020204030204" pitchFamily="49" charset="0"/>
+              </a:rPr>
+              <a:t>(</a:t>
+            </a:r>
+            <a:r>
+              <a:rPr lang="en-US" sz="2000" dirty="0">
+                <a:solidFill>
+                  <a:srgbClr val="CE9178"/>
+                </a:solidFill>
+                <a:latin typeface="Consolas" panose="020B0609020204030204" pitchFamily="49" charset="0"/>
+              </a:rPr>
+              <a:t>"#</a:t>
+            </a:r>
+            <a:r>
+              <a:rPr lang="en-US" sz="2000" dirty="0" err="1">
+                <a:solidFill>
+                  <a:srgbClr val="CE9178"/>
+                </a:solidFill>
+                <a:latin typeface="Consolas" panose="020B0609020204030204" pitchFamily="49" charset="0"/>
+              </a:rPr>
+              <a:t>input_box</a:t>
+            </a:r>
+            <a:r>
+              <a:rPr lang="en-US" sz="2000" dirty="0">
+                <a:solidFill>
+                  <a:srgbClr val="CE9178"/>
+                </a:solidFill>
+                <a:latin typeface="Consolas" panose="020B0609020204030204" pitchFamily="49" charset="0"/>
+              </a:rPr>
+              <a:t>"</a:t>
+            </a:r>
+            <a:r>
+              <a:rPr lang="en-US" sz="2000" dirty="0">
+                <a:solidFill>
+                  <a:srgbClr val="D4D4D4"/>
+                </a:solidFill>
+                <a:latin typeface="Consolas" panose="020B0609020204030204" pitchFamily="49" charset="0"/>
+              </a:rPr>
+              <a:t>).</a:t>
+            </a:r>
+            <a:r>
+              <a:rPr lang="en-US" sz="2000" dirty="0" err="1">
+                <a:solidFill>
+                  <a:srgbClr val="DCDCAA"/>
+                </a:solidFill>
+                <a:latin typeface="Consolas" panose="020B0609020204030204" pitchFamily="49" charset="0"/>
+              </a:rPr>
+              <a:t>val</a:t>
+            </a:r>
+            <a:r>
+              <a:rPr lang="en-US" sz="2000" dirty="0">
+                <a:solidFill>
+                  <a:srgbClr val="D4D4D4"/>
+                </a:solidFill>
+                <a:latin typeface="Consolas" panose="020B0609020204030204" pitchFamily="49" charset="0"/>
+              </a:rPr>
+              <a:t>().</a:t>
+            </a:r>
+            <a:r>
+              <a:rPr lang="en-US" sz="2000" dirty="0">
+                <a:solidFill>
+                  <a:srgbClr val="DCDCAA"/>
+                </a:solidFill>
+                <a:latin typeface="Consolas" panose="020B0609020204030204" pitchFamily="49" charset="0"/>
+              </a:rPr>
+              <a:t>trim</a:t>
+            </a:r>
+            <a:r>
+              <a:rPr lang="en-US" sz="2000" dirty="0">
+                <a:solidFill>
+                  <a:srgbClr val="D4D4D4"/>
+                </a:solidFill>
+                <a:latin typeface="Consolas" panose="020B0609020204030204" pitchFamily="49" charset="0"/>
+              </a:rPr>
+              <a:t>();</a:t>
+            </a:r>
+          </a:p>
+          <a:p>
+            <a:r>
+              <a:rPr lang="en-US" sz="2000" dirty="0">
+                <a:solidFill>
+                  <a:srgbClr val="D4D4D4"/>
+                </a:solidFill>
+                <a:latin typeface="Consolas" panose="020B0609020204030204" pitchFamily="49" charset="0"/>
+              </a:rPr>
+              <a:t>            </a:t>
+            </a:r>
+            <a:r>
+              <a:rPr lang="en-US" sz="2000" dirty="0">
+                <a:solidFill>
+                  <a:srgbClr val="9CDCFE"/>
+                </a:solidFill>
+                <a:latin typeface="Consolas" panose="020B0609020204030204" pitchFamily="49" charset="0"/>
+              </a:rPr>
+              <a:t>originalElement</a:t>
+            </a:r>
+            <a:r>
+              <a:rPr lang="en-US" sz="2000" dirty="0">
+                <a:solidFill>
+                  <a:srgbClr val="D4D4D4"/>
+                </a:solidFill>
+                <a:latin typeface="Consolas" panose="020B0609020204030204" pitchFamily="49" charset="0"/>
+              </a:rPr>
+              <a:t>.</a:t>
+            </a:r>
+            <a:r>
+              <a:rPr lang="en-US" sz="2000" dirty="0">
+                <a:solidFill>
+                  <a:srgbClr val="DCDCAA"/>
+                </a:solidFill>
+                <a:latin typeface="Consolas" panose="020B0609020204030204" pitchFamily="49" charset="0"/>
+              </a:rPr>
+              <a:t>html</a:t>
+            </a:r>
+            <a:r>
+              <a:rPr lang="en-US" sz="2000" dirty="0">
+                <a:solidFill>
+                  <a:srgbClr val="D4D4D4"/>
+                </a:solidFill>
+                <a:latin typeface="Consolas" panose="020B0609020204030204" pitchFamily="49" charset="0"/>
+              </a:rPr>
+              <a:t>(</a:t>
+            </a:r>
+            <a:r>
+              <a:rPr lang="en-US" sz="2000" dirty="0" err="1">
+                <a:solidFill>
+                  <a:srgbClr val="9CDCFE"/>
+                </a:solidFill>
+                <a:latin typeface="Consolas" panose="020B0609020204030204" pitchFamily="49" charset="0"/>
+              </a:rPr>
+              <a:t>newRating</a:t>
+            </a:r>
+            <a:r>
+              <a:rPr lang="en-US" sz="2000" dirty="0">
+                <a:solidFill>
+                  <a:srgbClr val="D4D4D4"/>
+                </a:solidFill>
+                <a:latin typeface="Consolas" panose="020B0609020204030204" pitchFamily="49" charset="0"/>
+              </a:rPr>
+              <a:t>);</a:t>
+            </a:r>
+          </a:p>
+          <a:p>
+            <a:r>
+              <a:rPr lang="en-US" sz="2000" dirty="0">
+                <a:solidFill>
+                  <a:srgbClr val="D4D4D4"/>
+                </a:solidFill>
+                <a:latin typeface="Consolas" panose="020B0609020204030204" pitchFamily="49" charset="0"/>
+              </a:rPr>
+              <a:t>           }               </a:t>
+            </a:r>
+          </a:p>
+          <a:p>
+            <a:r>
+              <a:rPr lang="en-US" sz="2000" dirty="0">
+                <a:solidFill>
+                  <a:srgbClr val="D4D4D4"/>
+                </a:solidFill>
+                <a:latin typeface="Consolas" panose="020B0609020204030204" pitchFamily="49" charset="0"/>
+              </a:rPr>
+              <a:t>       }); </a:t>
+            </a:r>
+            <a:r>
+              <a:rPr lang="en-US" dirty="0">
+                <a:solidFill>
+                  <a:srgbClr val="D4D4D4"/>
+                </a:solidFill>
+                <a:latin typeface="Consolas" panose="020B0609020204030204" pitchFamily="49" charset="0"/>
+              </a:rPr>
+              <a:t>      </a:t>
+            </a:r>
+            <a:endParaRPr lang="en-US" b="0" dirty="0">
+              <a:solidFill>
+                <a:srgbClr val="D4D4D4"/>
+              </a:solidFill>
+              <a:effectLst/>
+              <a:latin typeface="Consolas" panose="020B0609020204030204" pitchFamily="49" charset="0"/>
+            </a:endParaRPr>
+          </a:p>
+        </p:txBody>
+      </p:sp>
+    </p:spTree>
+    <p:extLst>
+      <p:ext uri="{BB962C8B-B14F-4D97-AF65-F5344CB8AC3E}">
+        <p14:creationId xmlns:p14="http://schemas.microsoft.com/office/powerpoint/2010/main" val="2952685309"/>
+      </p:ext>
+    </p:extLst>
+  </p:cSld>
+  <p:clrMapOvr>
+    <a:masterClrMapping/>
+  </p:clrMapOvr>
+</p:sld>
+</file>
+
+<file path=ppt/slides/slide33.xml><?xml version="1.0" encoding="utf-8"?>
+<p:sld xmlns:a="http://schemas.openxmlformats.org/drawingml/2006/main" xmlns:r="http://schemas.openxmlformats.org/officeDocument/2006/relationships" xmlns:p="http://schemas.openxmlformats.org/presentationml/2006/main">
+  <p:cSld>
+    <p:spTree>
+      <p:nvGrpSpPr>
+        <p:cNvPr id="1" name=""/>
+        <p:cNvGrpSpPr/>
+        <p:nvPr/>
+      </p:nvGrpSpPr>
+      <p:grpSpPr>
+        <a:xfrm>
+          <a:off x="0" y="0"/>
+          <a:ext cx="0" cy="0"/>
+          <a:chOff x="0" y="0"/>
+          <a:chExt cx="0" cy="0"/>
+        </a:xfrm>
+      </p:grpSpPr>
+      <p:sp>
+        <p:nvSpPr>
+          <p:cNvPr id="5" name="Title 1">
+            <a:extLst>
+              <a:ext uri="{FF2B5EF4-FFF2-40B4-BE49-F238E27FC236}">
+                <a16:creationId xmlns:a16="http://schemas.microsoft.com/office/drawing/2014/main" id="{854C85E7-9AFD-40D6-AEC3-A039325C6484}"/>
+              </a:ext>
+            </a:extLst>
+          </p:cNvPr>
+          <p:cNvSpPr>
+            <a:spLocks noGrp="1"/>
+          </p:cNvSpPr>
+          <p:nvPr>
+            <p:ph type="title"/>
+          </p:nvPr>
+        </p:nvSpPr>
+        <p:spPr>
+          <a:xfrm>
+            <a:off x="141514" y="2682328"/>
+            <a:ext cx="11832771" cy="1325563"/>
+          </a:xfrm>
+        </p:spPr>
+        <p:txBody>
+          <a:bodyPr/>
+          <a:lstStyle/>
+          <a:p>
+            <a:pPr algn="ctr"/>
+            <a:r>
+              <a:rPr lang="en-US" dirty="0"/>
+              <a:t>Checkpoint : Does your user interface accept new rating?</a:t>
+            </a:r>
+          </a:p>
+        </p:txBody>
+      </p:sp>
+    </p:spTree>
+    <p:extLst>
+      <p:ext uri="{BB962C8B-B14F-4D97-AF65-F5344CB8AC3E}">
+        <p14:creationId xmlns:p14="http://schemas.microsoft.com/office/powerpoint/2010/main" val="1291865964"/>
+      </p:ext>
+    </p:extLst>
+  </p:cSld>
+  <p:clrMapOvr>
+    <a:masterClrMapping/>
+  </p:clrMapOvr>
+</p:sld>
+</file>
+
+<file path=ppt/slides/slide34.xml><?xml version="1.0" encoding="utf-8"?>
+<p:sld xmlns:a="http://schemas.openxmlformats.org/drawingml/2006/main" xmlns:r="http://schemas.openxmlformats.org/officeDocument/2006/relationships" xmlns:p="http://schemas.openxmlformats.org/presentationml/2006/main">
+  <p:cSld>
+    <p:spTree>
+      <p:nvGrpSpPr>
+        <p:cNvPr id="1" name=""/>
+        <p:cNvGrpSpPr/>
+        <p:nvPr/>
+      </p:nvGrpSpPr>
+      <p:grpSpPr>
+        <a:xfrm>
+          <a:off x="0" y="0"/>
+          <a:ext cx="0" cy="0"/>
+          <a:chOff x="0" y="0"/>
+          <a:chExt cx="0" cy="0"/>
+        </a:xfrm>
+      </p:grpSpPr>
+      <p:sp>
+        <p:nvSpPr>
+          <p:cNvPr id="2" name="Title 1">
+            <a:extLst>
+              <a:ext uri="{FF2B5EF4-FFF2-40B4-BE49-F238E27FC236}">
+                <a16:creationId xmlns:a16="http://schemas.microsoft.com/office/drawing/2014/main" id="{2A55BCE4-1968-458A-BC91-F622962961F5}"/>
+              </a:ext>
+            </a:extLst>
+          </p:cNvPr>
+          <p:cNvSpPr>
+            <a:spLocks noGrp="1"/>
+          </p:cNvSpPr>
+          <p:nvPr>
+            <p:ph type="title"/>
+          </p:nvPr>
+        </p:nvSpPr>
+        <p:spPr/>
+        <p:txBody>
+          <a:bodyPr/>
+          <a:lstStyle/>
+          <a:p>
+            <a:r>
+              <a:rPr lang="en-US" dirty="0"/>
+              <a:t>Send the new rating to database </a:t>
+            </a:r>
+          </a:p>
+        </p:txBody>
+      </p:sp>
+      <p:sp>
+        <p:nvSpPr>
+          <p:cNvPr id="3" name="Content Placeholder 2">
+            <a:extLst>
+              <a:ext uri="{FF2B5EF4-FFF2-40B4-BE49-F238E27FC236}">
+                <a16:creationId xmlns:a16="http://schemas.microsoft.com/office/drawing/2014/main" id="{8D7C56E6-6447-433F-A85B-ED36A94E4143}"/>
+              </a:ext>
+            </a:extLst>
+          </p:cNvPr>
+          <p:cNvSpPr>
+            <a:spLocks noGrp="1"/>
+          </p:cNvSpPr>
+          <p:nvPr>
+            <p:ph idx="1"/>
+          </p:nvPr>
+        </p:nvSpPr>
+        <p:spPr/>
+        <p:txBody>
+          <a:bodyPr/>
+          <a:lstStyle/>
+          <a:p>
+            <a:r>
+              <a:rPr lang="en-US" dirty="0"/>
+              <a:t>Make an ajax call to the </a:t>
+            </a:r>
+            <a:r>
+              <a:rPr lang="en-US" dirty="0" err="1"/>
+              <a:t>api</a:t>
+            </a:r>
+            <a:r>
+              <a:rPr lang="en-US" dirty="0"/>
+              <a:t> we have created earlier.</a:t>
+            </a:r>
+          </a:p>
+          <a:p>
+            <a:pPr marL="0" indent="0">
+              <a:buNone/>
+            </a:pPr>
+            <a:r>
+              <a:rPr lang="en-US" i="1" dirty="0"/>
+              <a:t>/movie/&lt;movie id&gt;?rating=&lt;value&gt;.</a:t>
+            </a:r>
+          </a:p>
+          <a:p>
+            <a:r>
+              <a:rPr lang="en-US" dirty="0"/>
+              <a:t>Lets create a small function to do that..</a:t>
+            </a:r>
+          </a:p>
+        </p:txBody>
+      </p:sp>
+    </p:spTree>
+    <p:extLst>
+      <p:ext uri="{BB962C8B-B14F-4D97-AF65-F5344CB8AC3E}">
+        <p14:creationId xmlns:p14="http://schemas.microsoft.com/office/powerpoint/2010/main" val="1330806288"/>
+      </p:ext>
+    </p:extLst>
+  </p:cSld>
+  <p:clrMapOvr>
+    <a:masterClrMapping/>
+  </p:clrMapOvr>
+</p:sld>
+</file>
+
+<file path=ppt/slides/slide35.xml><?xml version="1.0" encoding="utf-8"?>
+<p:sld xmlns:a="http://schemas.openxmlformats.org/drawingml/2006/main" xmlns:r="http://schemas.openxmlformats.org/officeDocument/2006/relationships" xmlns:p="http://schemas.openxmlformats.org/presentationml/2006/main">
+  <p:cSld>
+    <p:spTree>
+      <p:nvGrpSpPr>
+        <p:cNvPr id="1" name=""/>
+        <p:cNvGrpSpPr/>
+        <p:nvPr/>
+      </p:nvGrpSpPr>
+      <p:grpSpPr>
+        <a:xfrm>
+          <a:off x="0" y="0"/>
+          <a:ext cx="0" cy="0"/>
+          <a:chOff x="0" y="0"/>
+          <a:chExt cx="0" cy="0"/>
+        </a:xfrm>
+      </p:grpSpPr>
+      <p:sp>
+        <p:nvSpPr>
+          <p:cNvPr id="2" name="Title 1">
+            <a:extLst>
+              <a:ext uri="{FF2B5EF4-FFF2-40B4-BE49-F238E27FC236}">
+                <a16:creationId xmlns:a16="http://schemas.microsoft.com/office/drawing/2014/main" id="{B4F418BD-F3F2-441B-B7C9-F895339AE7D8}"/>
+              </a:ext>
+            </a:extLst>
+          </p:cNvPr>
+          <p:cNvSpPr>
+            <a:spLocks noGrp="1"/>
+          </p:cNvSpPr>
+          <p:nvPr>
+            <p:ph type="title"/>
+          </p:nvPr>
+        </p:nvSpPr>
+        <p:spPr>
+          <a:xfrm>
+            <a:off x="424543" y="376011"/>
+            <a:ext cx="10515600" cy="1325563"/>
+          </a:xfrm>
+        </p:spPr>
+        <p:txBody>
+          <a:bodyPr/>
+          <a:lstStyle/>
+          <a:p>
+            <a:r>
+              <a:rPr lang="en-US" dirty="0"/>
+              <a:t>eventhandler.js</a:t>
+            </a:r>
+          </a:p>
+        </p:txBody>
+      </p:sp>
+      <p:sp>
+        <p:nvSpPr>
+          <p:cNvPr id="4" name="Rectangle 3">
+            <a:extLst>
+              <a:ext uri="{FF2B5EF4-FFF2-40B4-BE49-F238E27FC236}">
+                <a16:creationId xmlns:a16="http://schemas.microsoft.com/office/drawing/2014/main" id="{F573A55E-58C8-4CA1-B949-CF30713E4768}"/>
+              </a:ext>
+            </a:extLst>
+          </p:cNvPr>
+          <p:cNvSpPr/>
+          <p:nvPr/>
+        </p:nvSpPr>
+        <p:spPr>
+          <a:xfrm>
+            <a:off x="555171" y="2274838"/>
+            <a:ext cx="11081658" cy="2031325"/>
+          </a:xfrm>
+          <a:prstGeom prst="rect">
+            <a:avLst/>
+          </a:prstGeom>
+          <a:solidFill>
+            <a:schemeClr val="tx1"/>
+          </a:solidFill>
+        </p:spPr>
+        <p:txBody>
+          <a:bodyPr wrap="square">
+            <a:spAutoFit/>
+          </a:bodyPr>
+          <a:lstStyle/>
+          <a:p>
+            <a:r>
+              <a:rPr lang="en-US" dirty="0">
+                <a:solidFill>
+                  <a:srgbClr val="569CD6"/>
+                </a:solidFill>
+                <a:latin typeface="Consolas" panose="020B0609020204030204" pitchFamily="49" charset="0"/>
+              </a:rPr>
+              <a:t>function</a:t>
+            </a:r>
+            <a:r>
+              <a:rPr lang="en-US" dirty="0">
+                <a:solidFill>
+                  <a:srgbClr val="D4D4D4"/>
+                </a:solidFill>
+                <a:latin typeface="Consolas" panose="020B0609020204030204" pitchFamily="49" charset="0"/>
+              </a:rPr>
+              <a:t> </a:t>
+            </a:r>
+            <a:r>
+              <a:rPr lang="en-US" dirty="0" err="1">
+                <a:solidFill>
+                  <a:srgbClr val="DCDCAA"/>
+                </a:solidFill>
+                <a:latin typeface="Consolas" panose="020B0609020204030204" pitchFamily="49" charset="0"/>
+              </a:rPr>
+              <a:t>saveRating</a:t>
+            </a:r>
+            <a:r>
+              <a:rPr lang="en-US" dirty="0">
+                <a:solidFill>
+                  <a:srgbClr val="D4D4D4"/>
+                </a:solidFill>
+                <a:latin typeface="Consolas" panose="020B0609020204030204" pitchFamily="49" charset="0"/>
+              </a:rPr>
+              <a:t>(</a:t>
+            </a:r>
+            <a:r>
+              <a:rPr lang="en-US" dirty="0" err="1">
+                <a:solidFill>
+                  <a:srgbClr val="9CDCFE"/>
+                </a:solidFill>
+                <a:latin typeface="Consolas" panose="020B0609020204030204" pitchFamily="49" charset="0"/>
+              </a:rPr>
+              <a:t>movie_id</a:t>
+            </a:r>
+            <a:r>
+              <a:rPr lang="en-US" dirty="0">
+                <a:solidFill>
+                  <a:srgbClr val="D4D4D4"/>
+                </a:solidFill>
+                <a:latin typeface="Consolas" panose="020B0609020204030204" pitchFamily="49" charset="0"/>
+              </a:rPr>
+              <a:t>, </a:t>
+            </a:r>
+            <a:r>
+              <a:rPr lang="en-US" dirty="0">
+                <a:solidFill>
+                  <a:srgbClr val="9CDCFE"/>
+                </a:solidFill>
+                <a:latin typeface="Consolas" panose="020B0609020204030204" pitchFamily="49" charset="0"/>
+              </a:rPr>
+              <a:t>rating</a:t>
+            </a:r>
+            <a:r>
+              <a:rPr lang="en-US" dirty="0">
+                <a:solidFill>
+                  <a:srgbClr val="D4D4D4"/>
+                </a:solidFill>
+                <a:latin typeface="Consolas" panose="020B0609020204030204" pitchFamily="49" charset="0"/>
+              </a:rPr>
+              <a:t>) {</a:t>
+            </a:r>
+          </a:p>
+          <a:p>
+            <a:r>
+              <a:rPr lang="en-US" dirty="0">
+                <a:solidFill>
+                  <a:srgbClr val="D4D4D4"/>
+                </a:solidFill>
+                <a:latin typeface="Consolas" panose="020B0609020204030204" pitchFamily="49" charset="0"/>
+              </a:rPr>
+              <a:t>    </a:t>
+            </a:r>
+            <a:r>
+              <a:rPr lang="en-US" dirty="0">
+                <a:solidFill>
+                  <a:srgbClr val="9CDCFE"/>
+                </a:solidFill>
+                <a:latin typeface="Consolas" panose="020B0609020204030204" pitchFamily="49" charset="0"/>
+              </a:rPr>
+              <a:t>$</a:t>
+            </a:r>
+            <a:r>
+              <a:rPr lang="en-US" dirty="0">
+                <a:solidFill>
+                  <a:srgbClr val="D4D4D4"/>
+                </a:solidFill>
+                <a:latin typeface="Consolas" panose="020B0609020204030204" pitchFamily="49" charset="0"/>
+              </a:rPr>
+              <a:t>.</a:t>
+            </a:r>
+            <a:r>
+              <a:rPr lang="en-US" dirty="0">
+                <a:solidFill>
+                  <a:srgbClr val="DCDCAA"/>
+                </a:solidFill>
+                <a:latin typeface="Consolas" panose="020B0609020204030204" pitchFamily="49" charset="0"/>
+              </a:rPr>
+              <a:t>ajax</a:t>
+            </a:r>
+            <a:r>
+              <a:rPr lang="en-US" dirty="0">
+                <a:solidFill>
+                  <a:srgbClr val="D4D4D4"/>
+                </a:solidFill>
+                <a:latin typeface="Consolas" panose="020B0609020204030204" pitchFamily="49" charset="0"/>
+              </a:rPr>
+              <a:t>({</a:t>
+            </a:r>
+          </a:p>
+          <a:p>
+            <a:r>
+              <a:rPr lang="en-US" dirty="0">
+                <a:solidFill>
+                  <a:srgbClr val="D4D4D4"/>
+                </a:solidFill>
+                <a:latin typeface="Consolas" panose="020B0609020204030204" pitchFamily="49" charset="0"/>
+              </a:rPr>
+              <a:t>        </a:t>
+            </a:r>
+            <a:r>
+              <a:rPr lang="en-US" dirty="0">
+                <a:solidFill>
+                  <a:srgbClr val="9CDCFE"/>
+                </a:solidFill>
+                <a:latin typeface="Consolas" panose="020B0609020204030204" pitchFamily="49" charset="0"/>
+              </a:rPr>
+              <a:t>url:</a:t>
+            </a:r>
+            <a:r>
+              <a:rPr lang="en-US" dirty="0">
+                <a:solidFill>
+                  <a:srgbClr val="CE9178"/>
+                </a:solidFill>
+                <a:latin typeface="Consolas" panose="020B0609020204030204" pitchFamily="49" charset="0"/>
+              </a:rPr>
+              <a:t>'/movie/'</a:t>
+            </a:r>
+            <a:r>
+              <a:rPr lang="en-US" dirty="0">
+                <a:solidFill>
+                  <a:srgbClr val="D4D4D4"/>
+                </a:solidFill>
+                <a:latin typeface="Consolas" panose="020B0609020204030204" pitchFamily="49" charset="0"/>
+              </a:rPr>
+              <a:t>+ </a:t>
+            </a:r>
+            <a:r>
+              <a:rPr lang="en-US" dirty="0" err="1">
+                <a:solidFill>
+                  <a:srgbClr val="9CDCFE"/>
+                </a:solidFill>
+                <a:latin typeface="Consolas" panose="020B0609020204030204" pitchFamily="49" charset="0"/>
+              </a:rPr>
+              <a:t>movie_id</a:t>
+            </a:r>
+            <a:r>
+              <a:rPr lang="en-US" dirty="0">
+                <a:solidFill>
+                  <a:srgbClr val="D4D4D4"/>
+                </a:solidFill>
+                <a:latin typeface="Consolas" panose="020B0609020204030204" pitchFamily="49" charset="0"/>
+              </a:rPr>
+              <a:t> +</a:t>
+            </a:r>
+            <a:r>
+              <a:rPr lang="en-US" dirty="0">
+                <a:solidFill>
+                  <a:srgbClr val="CE9178"/>
+                </a:solidFill>
+                <a:latin typeface="Consolas" panose="020B0609020204030204" pitchFamily="49" charset="0"/>
+              </a:rPr>
+              <a:t>'?rating='</a:t>
+            </a:r>
+            <a:r>
+              <a:rPr lang="en-US" dirty="0">
+                <a:solidFill>
+                  <a:srgbClr val="D4D4D4"/>
+                </a:solidFill>
+                <a:latin typeface="Consolas" panose="020B0609020204030204" pitchFamily="49" charset="0"/>
+              </a:rPr>
+              <a:t> + </a:t>
+            </a:r>
+            <a:r>
+              <a:rPr lang="en-US" dirty="0">
+                <a:solidFill>
+                  <a:srgbClr val="9CDCFE"/>
+                </a:solidFill>
+                <a:latin typeface="Consolas" panose="020B0609020204030204" pitchFamily="49" charset="0"/>
+              </a:rPr>
+              <a:t>rating</a:t>
+            </a:r>
+            <a:r>
+              <a:rPr lang="en-US" dirty="0">
+                <a:solidFill>
+                  <a:srgbClr val="D4D4D4"/>
+                </a:solidFill>
+                <a:latin typeface="Consolas" panose="020B0609020204030204" pitchFamily="49" charset="0"/>
+              </a:rPr>
+              <a:t>,</a:t>
+            </a:r>
+          </a:p>
+          <a:p>
+            <a:r>
+              <a:rPr lang="en-US" dirty="0">
+                <a:solidFill>
+                  <a:srgbClr val="D4D4D4"/>
+                </a:solidFill>
+                <a:latin typeface="Consolas" panose="020B0609020204030204" pitchFamily="49" charset="0"/>
+              </a:rPr>
+              <a:t>        </a:t>
+            </a:r>
+            <a:r>
+              <a:rPr lang="en-US" dirty="0">
+                <a:solidFill>
+                  <a:srgbClr val="DCDCAA"/>
+                </a:solidFill>
+                <a:latin typeface="Consolas" panose="020B0609020204030204" pitchFamily="49" charset="0"/>
+              </a:rPr>
+              <a:t>success</a:t>
+            </a:r>
+            <a:r>
+              <a:rPr lang="en-US" dirty="0">
+                <a:solidFill>
+                  <a:srgbClr val="9CDCFE"/>
+                </a:solidFill>
+                <a:latin typeface="Consolas" panose="020B0609020204030204" pitchFamily="49" charset="0"/>
+              </a:rPr>
+              <a:t> :</a:t>
+            </a:r>
+            <a:r>
+              <a:rPr lang="en-US" dirty="0">
+                <a:solidFill>
+                  <a:srgbClr val="D4D4D4"/>
+                </a:solidFill>
+                <a:latin typeface="Consolas" panose="020B0609020204030204" pitchFamily="49" charset="0"/>
+              </a:rPr>
+              <a:t> </a:t>
+            </a:r>
+            <a:r>
+              <a:rPr lang="en-US" dirty="0">
+                <a:solidFill>
+                  <a:srgbClr val="569CD6"/>
+                </a:solidFill>
+                <a:latin typeface="Consolas" panose="020B0609020204030204" pitchFamily="49" charset="0"/>
+              </a:rPr>
+              <a:t>function</a:t>
+            </a:r>
+            <a:r>
+              <a:rPr lang="en-US" dirty="0">
+                <a:solidFill>
+                  <a:srgbClr val="D4D4D4"/>
+                </a:solidFill>
+                <a:latin typeface="Consolas" panose="020B0609020204030204" pitchFamily="49" charset="0"/>
+              </a:rPr>
+              <a:t>(</a:t>
+            </a:r>
+            <a:r>
+              <a:rPr lang="en-US" dirty="0">
+                <a:solidFill>
+                  <a:srgbClr val="9CDCFE"/>
+                </a:solidFill>
+                <a:latin typeface="Consolas" panose="020B0609020204030204" pitchFamily="49" charset="0"/>
+              </a:rPr>
+              <a:t>data</a:t>
+            </a:r>
+            <a:r>
+              <a:rPr lang="en-US" dirty="0">
+                <a:solidFill>
+                  <a:srgbClr val="D4D4D4"/>
+                </a:solidFill>
+                <a:latin typeface="Consolas" panose="020B0609020204030204" pitchFamily="49" charset="0"/>
+              </a:rPr>
+              <a:t>){</a:t>
+            </a:r>
+            <a:br>
+              <a:rPr lang="en-US" dirty="0">
+                <a:solidFill>
+                  <a:srgbClr val="D4D4D4"/>
+                </a:solidFill>
+                <a:latin typeface="Consolas" panose="020B0609020204030204" pitchFamily="49" charset="0"/>
+              </a:rPr>
+            </a:br>
+            <a:r>
+              <a:rPr lang="en-US" dirty="0">
+                <a:solidFill>
+                  <a:srgbClr val="D4D4D4"/>
+                </a:solidFill>
+                <a:latin typeface="Consolas" panose="020B0609020204030204" pitchFamily="49" charset="0"/>
+              </a:rPr>
+              <a:t>        }</a:t>
+            </a:r>
+          </a:p>
+          <a:p>
+            <a:r>
+              <a:rPr lang="en-US" dirty="0">
+                <a:solidFill>
+                  <a:srgbClr val="D4D4D4"/>
+                </a:solidFill>
+                <a:latin typeface="Consolas" panose="020B0609020204030204" pitchFamily="49" charset="0"/>
+              </a:rPr>
+              <a:t>    });</a:t>
+            </a:r>
+          </a:p>
+          <a:p>
+            <a:r>
+              <a:rPr lang="en-US" dirty="0">
+                <a:solidFill>
+                  <a:srgbClr val="D4D4D4"/>
+                </a:solidFill>
+                <a:latin typeface="Consolas" panose="020B0609020204030204" pitchFamily="49" charset="0"/>
+              </a:rPr>
+              <a:t>}</a:t>
+            </a:r>
+          </a:p>
+        </p:txBody>
+      </p:sp>
+    </p:spTree>
+    <p:extLst>
+      <p:ext uri="{BB962C8B-B14F-4D97-AF65-F5344CB8AC3E}">
+        <p14:creationId xmlns:p14="http://schemas.microsoft.com/office/powerpoint/2010/main" val="3846456390"/>
+      </p:ext>
+    </p:extLst>
+  </p:cSld>
+  <p:clrMapOvr>
+    <a:masterClrMapping/>
+  </p:clrMapOvr>
+</p:sld>
+</file>
+
+<file path=ppt/slides/slide36.xml><?xml version="1.0" encoding="utf-8"?>
+<p:sld xmlns:a="http://schemas.openxmlformats.org/drawingml/2006/main" xmlns:r="http://schemas.openxmlformats.org/officeDocument/2006/relationships" xmlns:p="http://schemas.openxmlformats.org/presentationml/2006/main">
+  <p:cSld>
+    <p:spTree>
+      <p:nvGrpSpPr>
+        <p:cNvPr id="1" name=""/>
+        <p:cNvGrpSpPr/>
+        <p:nvPr/>
+      </p:nvGrpSpPr>
+      <p:grpSpPr>
+        <a:xfrm>
+          <a:off x="0" y="0"/>
+          <a:ext cx="0" cy="0"/>
+          <a:chOff x="0" y="0"/>
+          <a:chExt cx="0" cy="0"/>
+        </a:xfrm>
+      </p:grpSpPr>
+      <p:sp>
+        <p:nvSpPr>
+          <p:cNvPr id="2" name="Title 1">
+            <a:extLst>
+              <a:ext uri="{FF2B5EF4-FFF2-40B4-BE49-F238E27FC236}">
+                <a16:creationId xmlns:a16="http://schemas.microsoft.com/office/drawing/2014/main" id="{2A55BCE4-1968-458A-BC91-F622962961F5}"/>
+              </a:ext>
+            </a:extLst>
+          </p:cNvPr>
+          <p:cNvSpPr>
+            <a:spLocks noGrp="1"/>
+          </p:cNvSpPr>
+          <p:nvPr>
+            <p:ph type="title"/>
+          </p:nvPr>
+        </p:nvSpPr>
+        <p:spPr/>
+        <p:txBody>
+          <a:bodyPr/>
+          <a:lstStyle/>
+          <a:p>
+            <a:r>
+              <a:rPr lang="en-US" dirty="0"/>
+              <a:t>Send the new rating to database </a:t>
+            </a:r>
+          </a:p>
+        </p:txBody>
+      </p:sp>
+      <p:sp>
+        <p:nvSpPr>
+          <p:cNvPr id="3" name="Content Placeholder 2">
+            <a:extLst>
+              <a:ext uri="{FF2B5EF4-FFF2-40B4-BE49-F238E27FC236}">
+                <a16:creationId xmlns:a16="http://schemas.microsoft.com/office/drawing/2014/main" id="{8D7C56E6-6447-433F-A85B-ED36A94E4143}"/>
+              </a:ext>
+            </a:extLst>
+          </p:cNvPr>
+          <p:cNvSpPr>
+            <a:spLocks noGrp="1"/>
+          </p:cNvSpPr>
+          <p:nvPr>
+            <p:ph idx="1"/>
+          </p:nvPr>
+        </p:nvSpPr>
+        <p:spPr/>
+        <p:txBody>
+          <a:bodyPr/>
+          <a:lstStyle/>
+          <a:p>
+            <a:r>
+              <a:rPr lang="en-US" dirty="0"/>
+              <a:t>Add movie id as the id for the row. </a:t>
+            </a:r>
+          </a:p>
+          <a:p>
+            <a:r>
+              <a:rPr lang="en-US" dirty="0"/>
+              <a:t>Fetch it using </a:t>
+            </a:r>
+            <a:r>
+              <a:rPr lang="en-US" dirty="0" err="1"/>
+              <a:t>jquery</a:t>
+            </a:r>
+            <a:r>
+              <a:rPr lang="en-US" dirty="0"/>
+              <a:t> helper.</a:t>
+            </a:r>
+          </a:p>
+          <a:p>
+            <a:r>
+              <a:rPr lang="en-US" dirty="0"/>
+              <a:t>Use the movie id and rating to make the ajax call.</a:t>
+            </a:r>
+          </a:p>
+        </p:txBody>
+      </p:sp>
+    </p:spTree>
+    <p:extLst>
+      <p:ext uri="{BB962C8B-B14F-4D97-AF65-F5344CB8AC3E}">
+        <p14:creationId xmlns:p14="http://schemas.microsoft.com/office/powerpoint/2010/main" val="1162557120"/>
+      </p:ext>
+    </p:extLst>
+  </p:cSld>
+  <p:clrMapOvr>
+    <a:masterClrMapping/>
+  </p:clrMapOvr>
+</p:sld>
+</file>
+
+<file path=ppt/slides/slide37.xml><?xml version="1.0" encoding="utf-8"?>
+<p:sld xmlns:a="http://schemas.openxmlformats.org/drawingml/2006/main" xmlns:r="http://schemas.openxmlformats.org/officeDocument/2006/relationships" xmlns:p="http://schemas.openxmlformats.org/presentationml/2006/main">
+  <p:cSld>
+    <p:spTree>
+      <p:nvGrpSpPr>
+        <p:cNvPr id="1" name=""/>
+        <p:cNvGrpSpPr/>
+        <p:nvPr/>
+      </p:nvGrpSpPr>
+      <p:grpSpPr>
+        <a:xfrm>
+          <a:off x="0" y="0"/>
+          <a:ext cx="0" cy="0"/>
+          <a:chOff x="0" y="0"/>
+          <a:chExt cx="0" cy="0"/>
+        </a:xfrm>
+      </p:grpSpPr>
+      <p:sp>
+        <p:nvSpPr>
+          <p:cNvPr id="2" name="Title 1">
+            <a:extLst>
+              <a:ext uri="{FF2B5EF4-FFF2-40B4-BE49-F238E27FC236}">
+                <a16:creationId xmlns:a16="http://schemas.microsoft.com/office/drawing/2014/main" id="{EFB5319F-2E3D-4CA4-BD41-6EF99C75FD17}"/>
+              </a:ext>
+            </a:extLst>
+          </p:cNvPr>
+          <p:cNvSpPr>
+            <a:spLocks noGrp="1"/>
+          </p:cNvSpPr>
+          <p:nvPr>
+            <p:ph type="title"/>
+          </p:nvPr>
+        </p:nvSpPr>
+        <p:spPr>
+          <a:xfrm>
+            <a:off x="359228" y="252992"/>
+            <a:ext cx="10515600" cy="781151"/>
+          </a:xfrm>
+        </p:spPr>
+        <p:txBody>
+          <a:bodyPr/>
+          <a:lstStyle/>
+          <a:p>
+            <a:r>
+              <a:rPr lang="en-US" dirty="0"/>
+              <a:t>movies.html</a:t>
+            </a:r>
+          </a:p>
+        </p:txBody>
+      </p:sp>
+      <p:sp>
+        <p:nvSpPr>
+          <p:cNvPr id="4" name="Rectangle 3">
+            <a:extLst>
+              <a:ext uri="{FF2B5EF4-FFF2-40B4-BE49-F238E27FC236}">
+                <a16:creationId xmlns:a16="http://schemas.microsoft.com/office/drawing/2014/main" id="{2EAB9718-9525-444D-B6A6-5A73DF0FFCEE}"/>
+              </a:ext>
+            </a:extLst>
+          </p:cNvPr>
+          <p:cNvSpPr/>
+          <p:nvPr/>
+        </p:nvSpPr>
+        <p:spPr>
+          <a:xfrm>
+            <a:off x="359228" y="924342"/>
+            <a:ext cx="10276114" cy="3970318"/>
+          </a:xfrm>
+          <a:prstGeom prst="rect">
+            <a:avLst/>
+          </a:prstGeom>
+          <a:solidFill>
+            <a:schemeClr val="tx1"/>
+          </a:solidFill>
+        </p:spPr>
+        <p:txBody>
+          <a:bodyPr wrap="square">
+            <a:spAutoFit/>
+          </a:bodyPr>
+          <a:lstStyle/>
+          <a:p>
+            <a:r>
+              <a:rPr lang="en-US" dirty="0">
+                <a:solidFill>
+                  <a:srgbClr val="D4D4D4"/>
+                </a:solidFill>
+                <a:latin typeface="Consolas" panose="020B0609020204030204" pitchFamily="49" charset="0"/>
+              </a:rPr>
+              <a:t>{% </a:t>
+            </a:r>
+            <a:r>
+              <a:rPr lang="en-US" dirty="0">
+                <a:solidFill>
+                  <a:srgbClr val="C586C0"/>
+                </a:solidFill>
+                <a:latin typeface="Consolas" panose="020B0609020204030204" pitchFamily="49" charset="0"/>
+              </a:rPr>
+              <a:t>block</a:t>
+            </a:r>
+            <a:r>
+              <a:rPr lang="en-US" dirty="0">
+                <a:solidFill>
+                  <a:srgbClr val="D4D4D4"/>
+                </a:solidFill>
+                <a:latin typeface="Consolas" panose="020B0609020204030204" pitchFamily="49" charset="0"/>
+              </a:rPr>
+              <a:t> </a:t>
+            </a:r>
+            <a:r>
+              <a:rPr lang="en-US" dirty="0" err="1">
+                <a:solidFill>
+                  <a:srgbClr val="9CDCFE"/>
+                </a:solidFill>
+                <a:latin typeface="Consolas" panose="020B0609020204030204" pitchFamily="49" charset="0"/>
+              </a:rPr>
+              <a:t>content_block</a:t>
+            </a:r>
+            <a:r>
+              <a:rPr lang="en-US" dirty="0">
+                <a:solidFill>
+                  <a:srgbClr val="D4D4D4"/>
+                </a:solidFill>
+                <a:latin typeface="Consolas" panose="020B0609020204030204" pitchFamily="49" charset="0"/>
+              </a:rPr>
+              <a:t> %}</a:t>
+            </a:r>
+          </a:p>
+          <a:p>
+            <a:r>
+              <a:rPr lang="en-US" dirty="0">
+                <a:solidFill>
+                  <a:srgbClr val="D4D4D4"/>
+                </a:solidFill>
+                <a:latin typeface="Consolas" panose="020B0609020204030204" pitchFamily="49" charset="0"/>
+              </a:rPr>
+              <a:t>    </a:t>
+            </a:r>
+            <a:r>
+              <a:rPr lang="en-US" dirty="0">
+                <a:solidFill>
+                  <a:srgbClr val="808080"/>
+                </a:solidFill>
+                <a:latin typeface="Consolas" panose="020B0609020204030204" pitchFamily="49" charset="0"/>
+              </a:rPr>
+              <a:t>&lt;</a:t>
+            </a:r>
+            <a:r>
+              <a:rPr lang="en-US" dirty="0">
+                <a:solidFill>
+                  <a:srgbClr val="569CD6"/>
+                </a:solidFill>
+                <a:latin typeface="Consolas" panose="020B0609020204030204" pitchFamily="49" charset="0"/>
+              </a:rPr>
+              <a:t>table</a:t>
+            </a:r>
+            <a:r>
+              <a:rPr lang="en-US" dirty="0">
+                <a:solidFill>
+                  <a:srgbClr val="808080"/>
+                </a:solidFill>
+                <a:latin typeface="Consolas" panose="020B0609020204030204" pitchFamily="49" charset="0"/>
+              </a:rPr>
+              <a:t>&gt;</a:t>
+            </a:r>
+            <a:endParaRPr lang="en-US" dirty="0">
+              <a:solidFill>
+                <a:srgbClr val="D4D4D4"/>
+              </a:solidFill>
+              <a:latin typeface="Consolas" panose="020B0609020204030204" pitchFamily="49" charset="0"/>
+            </a:endParaRPr>
+          </a:p>
+          <a:p>
+            <a:r>
+              <a:rPr lang="en-US" dirty="0">
+                <a:solidFill>
+                  <a:srgbClr val="D4D4D4"/>
+                </a:solidFill>
+                <a:latin typeface="Consolas" panose="020B0609020204030204" pitchFamily="49" charset="0"/>
+              </a:rPr>
+              <a:t>        </a:t>
+            </a:r>
+            <a:r>
+              <a:rPr lang="en-US" dirty="0">
+                <a:solidFill>
+                  <a:srgbClr val="808080"/>
+                </a:solidFill>
+                <a:latin typeface="Consolas" panose="020B0609020204030204" pitchFamily="49" charset="0"/>
+              </a:rPr>
+              <a:t>&lt;</a:t>
+            </a:r>
+            <a:r>
+              <a:rPr lang="en-US" dirty="0">
+                <a:solidFill>
+                  <a:srgbClr val="569CD6"/>
+                </a:solidFill>
+                <a:latin typeface="Consolas" panose="020B0609020204030204" pitchFamily="49" charset="0"/>
+              </a:rPr>
+              <a:t>tr</a:t>
+            </a:r>
+            <a:r>
+              <a:rPr lang="en-US" dirty="0">
+                <a:solidFill>
+                  <a:srgbClr val="808080"/>
+                </a:solidFill>
+                <a:latin typeface="Consolas" panose="020B0609020204030204" pitchFamily="49" charset="0"/>
+              </a:rPr>
+              <a:t>&gt;</a:t>
+            </a:r>
+            <a:endParaRPr lang="en-US" dirty="0">
+              <a:solidFill>
+                <a:srgbClr val="D4D4D4"/>
+              </a:solidFill>
+              <a:latin typeface="Consolas" panose="020B0609020204030204" pitchFamily="49" charset="0"/>
+            </a:endParaRPr>
+          </a:p>
+          <a:p>
+            <a:r>
+              <a:rPr lang="en-US" dirty="0">
+                <a:solidFill>
+                  <a:srgbClr val="D4D4D4"/>
+                </a:solidFill>
+                <a:latin typeface="Consolas" panose="020B0609020204030204" pitchFamily="49" charset="0"/>
+              </a:rPr>
+              <a:t>            </a:t>
+            </a:r>
+            <a:r>
+              <a:rPr lang="en-US" dirty="0">
+                <a:solidFill>
+                  <a:srgbClr val="808080"/>
+                </a:solidFill>
+                <a:latin typeface="Consolas" panose="020B0609020204030204" pitchFamily="49" charset="0"/>
+              </a:rPr>
+              <a:t>&lt;</a:t>
+            </a:r>
+            <a:r>
+              <a:rPr lang="en-US" dirty="0" err="1">
+                <a:solidFill>
+                  <a:srgbClr val="569CD6"/>
+                </a:solidFill>
+                <a:latin typeface="Consolas" panose="020B0609020204030204" pitchFamily="49" charset="0"/>
+              </a:rPr>
+              <a:t>th</a:t>
+            </a:r>
+            <a:r>
+              <a:rPr lang="en-US" dirty="0">
+                <a:solidFill>
+                  <a:srgbClr val="808080"/>
+                </a:solidFill>
+                <a:latin typeface="Consolas" panose="020B0609020204030204" pitchFamily="49" charset="0"/>
+              </a:rPr>
+              <a:t>&gt;</a:t>
+            </a:r>
+            <a:r>
+              <a:rPr lang="en-US" dirty="0">
+                <a:solidFill>
+                  <a:srgbClr val="D4D4D4"/>
+                </a:solidFill>
+                <a:latin typeface="Consolas" panose="020B0609020204030204" pitchFamily="49" charset="0"/>
+              </a:rPr>
+              <a:t>Movie Name</a:t>
+            </a:r>
+            <a:r>
+              <a:rPr lang="en-US" dirty="0">
+                <a:solidFill>
+                  <a:srgbClr val="808080"/>
+                </a:solidFill>
+                <a:latin typeface="Consolas" panose="020B0609020204030204" pitchFamily="49" charset="0"/>
+              </a:rPr>
+              <a:t>&lt;/</a:t>
+            </a:r>
+            <a:r>
+              <a:rPr lang="en-US" dirty="0" err="1">
+                <a:solidFill>
+                  <a:srgbClr val="569CD6"/>
+                </a:solidFill>
+                <a:latin typeface="Consolas" panose="020B0609020204030204" pitchFamily="49" charset="0"/>
+              </a:rPr>
+              <a:t>th</a:t>
+            </a:r>
+            <a:r>
+              <a:rPr lang="en-US" dirty="0">
+                <a:solidFill>
+                  <a:srgbClr val="808080"/>
+                </a:solidFill>
+                <a:latin typeface="Consolas" panose="020B0609020204030204" pitchFamily="49" charset="0"/>
+              </a:rPr>
+              <a:t>&gt;</a:t>
+            </a:r>
+            <a:endParaRPr lang="en-US" dirty="0">
+              <a:solidFill>
+                <a:srgbClr val="D4D4D4"/>
+              </a:solidFill>
+              <a:latin typeface="Consolas" panose="020B0609020204030204" pitchFamily="49" charset="0"/>
+            </a:endParaRPr>
+          </a:p>
+          <a:p>
+            <a:r>
+              <a:rPr lang="en-US" dirty="0">
+                <a:solidFill>
+                  <a:srgbClr val="D4D4D4"/>
+                </a:solidFill>
+                <a:latin typeface="Consolas" panose="020B0609020204030204" pitchFamily="49" charset="0"/>
+              </a:rPr>
+              <a:t>            </a:t>
+            </a:r>
+            <a:r>
+              <a:rPr lang="en-US" dirty="0">
+                <a:solidFill>
+                  <a:srgbClr val="808080"/>
+                </a:solidFill>
+                <a:latin typeface="Consolas" panose="020B0609020204030204" pitchFamily="49" charset="0"/>
+              </a:rPr>
+              <a:t>&lt;</a:t>
+            </a:r>
+            <a:r>
+              <a:rPr lang="en-US" dirty="0" err="1">
+                <a:solidFill>
+                  <a:srgbClr val="569CD6"/>
+                </a:solidFill>
+                <a:latin typeface="Consolas" panose="020B0609020204030204" pitchFamily="49" charset="0"/>
+              </a:rPr>
+              <a:t>th</a:t>
+            </a:r>
+            <a:r>
+              <a:rPr lang="en-US" dirty="0">
+                <a:solidFill>
+                  <a:srgbClr val="808080"/>
+                </a:solidFill>
+                <a:latin typeface="Consolas" panose="020B0609020204030204" pitchFamily="49" charset="0"/>
+              </a:rPr>
+              <a:t>&gt;</a:t>
+            </a:r>
+            <a:r>
+              <a:rPr lang="en-US" dirty="0">
+                <a:solidFill>
+                  <a:srgbClr val="D4D4D4"/>
+                </a:solidFill>
+                <a:latin typeface="Consolas" panose="020B0609020204030204" pitchFamily="49" charset="0"/>
+              </a:rPr>
+              <a:t>My Rating </a:t>
+            </a:r>
+            <a:r>
+              <a:rPr lang="en-US" dirty="0">
+                <a:solidFill>
+                  <a:srgbClr val="808080"/>
+                </a:solidFill>
+                <a:latin typeface="Consolas" panose="020B0609020204030204" pitchFamily="49" charset="0"/>
+              </a:rPr>
+              <a:t>&lt;/</a:t>
+            </a:r>
+            <a:r>
+              <a:rPr lang="en-US" dirty="0" err="1">
+                <a:solidFill>
+                  <a:srgbClr val="569CD6"/>
+                </a:solidFill>
+                <a:latin typeface="Consolas" panose="020B0609020204030204" pitchFamily="49" charset="0"/>
+              </a:rPr>
+              <a:t>th</a:t>
+            </a:r>
+            <a:r>
+              <a:rPr lang="en-US" dirty="0">
+                <a:solidFill>
+                  <a:srgbClr val="808080"/>
+                </a:solidFill>
+                <a:latin typeface="Consolas" panose="020B0609020204030204" pitchFamily="49" charset="0"/>
+              </a:rPr>
+              <a:t>&gt;</a:t>
+            </a:r>
+            <a:endParaRPr lang="en-US" dirty="0">
+              <a:solidFill>
+                <a:srgbClr val="D4D4D4"/>
+              </a:solidFill>
+              <a:latin typeface="Consolas" panose="020B0609020204030204" pitchFamily="49" charset="0"/>
+            </a:endParaRPr>
+          </a:p>
+          <a:p>
+            <a:r>
+              <a:rPr lang="en-US" dirty="0">
+                <a:solidFill>
+                  <a:srgbClr val="D4D4D4"/>
+                </a:solidFill>
+                <a:latin typeface="Consolas" panose="020B0609020204030204" pitchFamily="49" charset="0"/>
+              </a:rPr>
+              <a:t>        </a:t>
+            </a:r>
+            <a:r>
+              <a:rPr lang="en-US" dirty="0">
+                <a:solidFill>
+                  <a:srgbClr val="808080"/>
+                </a:solidFill>
+                <a:latin typeface="Consolas" panose="020B0609020204030204" pitchFamily="49" charset="0"/>
+              </a:rPr>
+              <a:t>&lt;/</a:t>
+            </a:r>
+            <a:r>
+              <a:rPr lang="en-US" dirty="0">
+                <a:solidFill>
+                  <a:srgbClr val="569CD6"/>
+                </a:solidFill>
+                <a:latin typeface="Consolas" panose="020B0609020204030204" pitchFamily="49" charset="0"/>
+              </a:rPr>
+              <a:t>tr</a:t>
+            </a:r>
+            <a:r>
+              <a:rPr lang="en-US" dirty="0">
+                <a:solidFill>
+                  <a:srgbClr val="808080"/>
+                </a:solidFill>
+                <a:latin typeface="Consolas" panose="020B0609020204030204" pitchFamily="49" charset="0"/>
+              </a:rPr>
+              <a:t>&gt;</a:t>
+            </a:r>
+            <a:endParaRPr lang="en-US" dirty="0">
+              <a:solidFill>
+                <a:srgbClr val="D4D4D4"/>
+              </a:solidFill>
+              <a:latin typeface="Consolas" panose="020B0609020204030204" pitchFamily="49" charset="0"/>
+            </a:endParaRPr>
+          </a:p>
+          <a:p>
+            <a:r>
+              <a:rPr lang="en-US" dirty="0">
+                <a:solidFill>
+                  <a:srgbClr val="D4D4D4"/>
+                </a:solidFill>
+                <a:latin typeface="Consolas" panose="020B0609020204030204" pitchFamily="49" charset="0"/>
+              </a:rPr>
+              <a:t>    {% </a:t>
+            </a:r>
+            <a:r>
+              <a:rPr lang="en-US" dirty="0">
+                <a:solidFill>
+                  <a:srgbClr val="C586C0"/>
+                </a:solidFill>
+                <a:latin typeface="Consolas" panose="020B0609020204030204" pitchFamily="49" charset="0"/>
+              </a:rPr>
+              <a:t>for</a:t>
+            </a:r>
+            <a:r>
+              <a:rPr lang="en-US" dirty="0">
+                <a:solidFill>
+                  <a:srgbClr val="D4D4D4"/>
+                </a:solidFill>
+                <a:latin typeface="Consolas" panose="020B0609020204030204" pitchFamily="49" charset="0"/>
+              </a:rPr>
+              <a:t> </a:t>
+            </a:r>
+            <a:r>
+              <a:rPr lang="en-US" dirty="0">
+                <a:solidFill>
+                  <a:srgbClr val="9CDCFE"/>
+                </a:solidFill>
+                <a:latin typeface="Consolas" panose="020B0609020204030204" pitchFamily="49" charset="0"/>
+              </a:rPr>
+              <a:t>movie</a:t>
+            </a:r>
+            <a:r>
+              <a:rPr lang="en-US" dirty="0">
+                <a:solidFill>
+                  <a:srgbClr val="D4D4D4"/>
+                </a:solidFill>
+                <a:latin typeface="Consolas" panose="020B0609020204030204" pitchFamily="49" charset="0"/>
+              </a:rPr>
+              <a:t> </a:t>
+            </a:r>
+            <a:r>
+              <a:rPr lang="en-US" dirty="0">
+                <a:solidFill>
+                  <a:srgbClr val="C586C0"/>
+                </a:solidFill>
+                <a:latin typeface="Consolas" panose="020B0609020204030204" pitchFamily="49" charset="0"/>
+              </a:rPr>
+              <a:t>in</a:t>
+            </a:r>
+            <a:r>
+              <a:rPr lang="en-US" dirty="0">
+                <a:solidFill>
+                  <a:srgbClr val="D4D4D4"/>
+                </a:solidFill>
+                <a:latin typeface="Consolas" panose="020B0609020204030204" pitchFamily="49" charset="0"/>
+              </a:rPr>
+              <a:t> </a:t>
+            </a:r>
+            <a:r>
+              <a:rPr lang="en-US" dirty="0">
+                <a:solidFill>
+                  <a:srgbClr val="9CDCFE"/>
+                </a:solidFill>
+                <a:latin typeface="Consolas" panose="020B0609020204030204" pitchFamily="49" charset="0"/>
+              </a:rPr>
+              <a:t>movies</a:t>
+            </a:r>
+            <a:r>
+              <a:rPr lang="en-US" dirty="0">
+                <a:solidFill>
+                  <a:srgbClr val="D4D4D4"/>
+                </a:solidFill>
+                <a:latin typeface="Consolas" panose="020B0609020204030204" pitchFamily="49" charset="0"/>
+              </a:rPr>
+              <a:t> %}</a:t>
+            </a:r>
+          </a:p>
+          <a:p>
+            <a:r>
+              <a:rPr lang="en-US" dirty="0">
+                <a:solidFill>
+                  <a:srgbClr val="D4D4D4"/>
+                </a:solidFill>
+                <a:latin typeface="Consolas" panose="020B0609020204030204" pitchFamily="49" charset="0"/>
+              </a:rPr>
+              <a:t>       </a:t>
+            </a:r>
+            <a:r>
+              <a:rPr lang="en-US" dirty="0">
+                <a:solidFill>
+                  <a:srgbClr val="808080"/>
+                </a:solidFill>
+                <a:latin typeface="Consolas" panose="020B0609020204030204" pitchFamily="49" charset="0"/>
+              </a:rPr>
+              <a:t>&lt;</a:t>
+            </a:r>
+            <a:r>
+              <a:rPr lang="en-US" dirty="0">
+                <a:solidFill>
+                  <a:srgbClr val="569CD6"/>
+                </a:solidFill>
+                <a:latin typeface="Consolas" panose="020B0609020204030204" pitchFamily="49" charset="0"/>
+              </a:rPr>
+              <a:t>tr</a:t>
+            </a:r>
+            <a:r>
+              <a:rPr lang="en-US" dirty="0">
+                <a:solidFill>
+                  <a:srgbClr val="D4D4D4"/>
+                </a:solidFill>
+                <a:latin typeface="Consolas" panose="020B0609020204030204" pitchFamily="49" charset="0"/>
+              </a:rPr>
+              <a:t> </a:t>
+            </a:r>
+            <a:r>
+              <a:rPr lang="en-US" dirty="0">
+                <a:solidFill>
+                  <a:srgbClr val="9CDCFE"/>
+                </a:solidFill>
+                <a:latin typeface="Consolas" panose="020B0609020204030204" pitchFamily="49" charset="0"/>
+              </a:rPr>
+              <a:t>id</a:t>
+            </a:r>
+            <a:r>
+              <a:rPr lang="en-US" dirty="0">
+                <a:solidFill>
+                  <a:srgbClr val="D4D4D4"/>
+                </a:solidFill>
+                <a:latin typeface="Consolas" panose="020B0609020204030204" pitchFamily="49" charset="0"/>
+              </a:rPr>
+              <a:t>= </a:t>
+            </a:r>
+            <a:r>
+              <a:rPr lang="en-US" dirty="0">
+                <a:solidFill>
+                  <a:srgbClr val="CE9178"/>
+                </a:solidFill>
+                <a:latin typeface="Consolas" panose="020B0609020204030204" pitchFamily="49" charset="0"/>
+              </a:rPr>
+              <a:t>{{movie.id}}</a:t>
+            </a:r>
+            <a:r>
+              <a:rPr lang="en-US" dirty="0">
+                <a:solidFill>
+                  <a:srgbClr val="808080"/>
+                </a:solidFill>
+                <a:latin typeface="Consolas" panose="020B0609020204030204" pitchFamily="49" charset="0"/>
+              </a:rPr>
+              <a:t>&gt;</a:t>
+            </a:r>
+            <a:endParaRPr lang="en-US" dirty="0">
+              <a:solidFill>
+                <a:srgbClr val="D4D4D4"/>
+              </a:solidFill>
+              <a:latin typeface="Consolas" panose="020B0609020204030204" pitchFamily="49" charset="0"/>
+            </a:endParaRPr>
+          </a:p>
+          <a:p>
+            <a:r>
+              <a:rPr lang="en-US" dirty="0">
+                <a:solidFill>
+                  <a:srgbClr val="D4D4D4"/>
+                </a:solidFill>
+                <a:latin typeface="Consolas" panose="020B0609020204030204" pitchFamily="49" charset="0"/>
+              </a:rPr>
+              <a:t>           </a:t>
+            </a:r>
+            <a:r>
+              <a:rPr lang="en-US" dirty="0">
+                <a:solidFill>
+                  <a:srgbClr val="808080"/>
+                </a:solidFill>
+                <a:latin typeface="Consolas" panose="020B0609020204030204" pitchFamily="49" charset="0"/>
+              </a:rPr>
+              <a:t>&lt;</a:t>
+            </a:r>
+            <a:r>
+              <a:rPr lang="en-US" dirty="0">
+                <a:solidFill>
+                  <a:srgbClr val="569CD6"/>
+                </a:solidFill>
+                <a:latin typeface="Consolas" panose="020B0609020204030204" pitchFamily="49" charset="0"/>
+              </a:rPr>
+              <a:t>td</a:t>
+            </a:r>
+            <a:r>
+              <a:rPr lang="en-US" dirty="0">
+                <a:solidFill>
+                  <a:srgbClr val="808080"/>
+                </a:solidFill>
+                <a:latin typeface="Consolas" panose="020B0609020204030204" pitchFamily="49" charset="0"/>
+              </a:rPr>
+              <a:t>&gt;</a:t>
+            </a:r>
+            <a:r>
+              <a:rPr lang="en-US" dirty="0">
+                <a:solidFill>
+                  <a:srgbClr val="D4D4D4"/>
+                </a:solidFill>
+                <a:latin typeface="Consolas" panose="020B0609020204030204" pitchFamily="49" charset="0"/>
+              </a:rPr>
+              <a:t> {{</a:t>
+            </a:r>
+            <a:r>
+              <a:rPr lang="en-US" dirty="0">
+                <a:solidFill>
+                  <a:srgbClr val="9CDCFE"/>
+                </a:solidFill>
+                <a:latin typeface="Consolas" panose="020B0609020204030204" pitchFamily="49" charset="0"/>
+              </a:rPr>
+              <a:t>movie</a:t>
+            </a:r>
+            <a:r>
+              <a:rPr lang="en-US" dirty="0">
+                <a:solidFill>
+                  <a:srgbClr val="D4D4D4"/>
+                </a:solidFill>
+                <a:latin typeface="Consolas" panose="020B0609020204030204" pitchFamily="49" charset="0"/>
+              </a:rPr>
+              <a:t>.</a:t>
+            </a:r>
+            <a:r>
+              <a:rPr lang="en-US" dirty="0">
+                <a:solidFill>
+                  <a:srgbClr val="9CDCFE"/>
+                </a:solidFill>
+                <a:latin typeface="Consolas" panose="020B0609020204030204" pitchFamily="49" charset="0"/>
+              </a:rPr>
+              <a:t>name</a:t>
+            </a:r>
+            <a:r>
+              <a:rPr lang="en-US" dirty="0">
+                <a:solidFill>
+                  <a:srgbClr val="D4D4D4"/>
+                </a:solidFill>
+                <a:latin typeface="Consolas" panose="020B0609020204030204" pitchFamily="49" charset="0"/>
+              </a:rPr>
+              <a:t>}} </a:t>
+            </a:r>
+            <a:r>
+              <a:rPr lang="en-US" dirty="0">
+                <a:solidFill>
+                  <a:srgbClr val="808080"/>
+                </a:solidFill>
+                <a:latin typeface="Consolas" panose="020B0609020204030204" pitchFamily="49" charset="0"/>
+              </a:rPr>
+              <a:t>&lt;/</a:t>
+            </a:r>
+            <a:r>
+              <a:rPr lang="en-US" dirty="0">
+                <a:solidFill>
+                  <a:srgbClr val="569CD6"/>
+                </a:solidFill>
+                <a:latin typeface="Consolas" panose="020B0609020204030204" pitchFamily="49" charset="0"/>
+              </a:rPr>
+              <a:t>td</a:t>
+            </a:r>
+            <a:r>
+              <a:rPr lang="en-US" dirty="0">
+                <a:solidFill>
+                  <a:srgbClr val="808080"/>
+                </a:solidFill>
+                <a:latin typeface="Consolas" panose="020B0609020204030204" pitchFamily="49" charset="0"/>
+              </a:rPr>
+              <a:t>&gt;</a:t>
+            </a:r>
+            <a:endParaRPr lang="en-US" dirty="0">
+              <a:solidFill>
+                <a:srgbClr val="D4D4D4"/>
+              </a:solidFill>
+              <a:latin typeface="Consolas" panose="020B0609020204030204" pitchFamily="49" charset="0"/>
+            </a:endParaRPr>
+          </a:p>
+          <a:p>
+            <a:r>
+              <a:rPr lang="en-US" dirty="0">
+                <a:solidFill>
+                  <a:srgbClr val="D4D4D4"/>
+                </a:solidFill>
+                <a:latin typeface="Consolas" panose="020B0609020204030204" pitchFamily="49" charset="0"/>
+              </a:rPr>
+              <a:t>           </a:t>
+            </a:r>
+            <a:r>
+              <a:rPr lang="en-US" dirty="0">
+                <a:solidFill>
+                  <a:srgbClr val="808080"/>
+                </a:solidFill>
+                <a:latin typeface="Consolas" panose="020B0609020204030204" pitchFamily="49" charset="0"/>
+              </a:rPr>
+              <a:t>&lt;</a:t>
+            </a:r>
+            <a:r>
+              <a:rPr lang="en-US" dirty="0">
+                <a:solidFill>
+                  <a:srgbClr val="569CD6"/>
+                </a:solidFill>
+                <a:latin typeface="Consolas" panose="020B0609020204030204" pitchFamily="49" charset="0"/>
+              </a:rPr>
+              <a:t>td</a:t>
+            </a:r>
+            <a:r>
+              <a:rPr lang="en-US" dirty="0">
+                <a:solidFill>
+                  <a:srgbClr val="D4D4D4"/>
+                </a:solidFill>
+                <a:latin typeface="Consolas" panose="020B0609020204030204" pitchFamily="49" charset="0"/>
+              </a:rPr>
+              <a:t> </a:t>
+            </a:r>
+            <a:r>
+              <a:rPr lang="en-US" dirty="0">
+                <a:solidFill>
+                  <a:srgbClr val="9CDCFE"/>
+                </a:solidFill>
+                <a:latin typeface="Consolas" panose="020B0609020204030204" pitchFamily="49" charset="0"/>
+              </a:rPr>
+              <a:t>class</a:t>
+            </a:r>
+            <a:r>
+              <a:rPr lang="en-US" dirty="0">
+                <a:solidFill>
+                  <a:srgbClr val="D4D4D4"/>
+                </a:solidFill>
+                <a:latin typeface="Consolas" panose="020B0609020204030204" pitchFamily="49" charset="0"/>
+              </a:rPr>
+              <a:t>=</a:t>
+            </a:r>
+            <a:r>
+              <a:rPr lang="en-US" dirty="0">
+                <a:solidFill>
+                  <a:srgbClr val="CE9178"/>
+                </a:solidFill>
+                <a:latin typeface="Consolas" panose="020B0609020204030204" pitchFamily="49" charset="0"/>
+              </a:rPr>
+              <a:t>"</a:t>
+            </a:r>
+            <a:r>
+              <a:rPr lang="en-US" dirty="0" err="1">
+                <a:solidFill>
+                  <a:srgbClr val="CE9178"/>
+                </a:solidFill>
+                <a:latin typeface="Consolas" panose="020B0609020204030204" pitchFamily="49" charset="0"/>
+              </a:rPr>
+              <a:t>rating_cell</a:t>
+            </a:r>
+            <a:r>
+              <a:rPr lang="en-US" dirty="0">
+                <a:solidFill>
+                  <a:srgbClr val="CE9178"/>
+                </a:solidFill>
+                <a:latin typeface="Consolas" panose="020B0609020204030204" pitchFamily="49" charset="0"/>
+              </a:rPr>
+              <a:t>"</a:t>
+            </a:r>
+            <a:r>
+              <a:rPr lang="en-US" dirty="0">
+                <a:solidFill>
+                  <a:srgbClr val="808080"/>
+                </a:solidFill>
+                <a:latin typeface="Consolas" panose="020B0609020204030204" pitchFamily="49" charset="0"/>
+              </a:rPr>
+              <a:t>&gt;</a:t>
+            </a:r>
+            <a:r>
+              <a:rPr lang="en-US" dirty="0">
+                <a:solidFill>
+                  <a:srgbClr val="D4D4D4"/>
+                </a:solidFill>
+                <a:latin typeface="Consolas" panose="020B0609020204030204" pitchFamily="49" charset="0"/>
+              </a:rPr>
+              <a:t> {{</a:t>
+            </a:r>
+            <a:r>
+              <a:rPr lang="en-US" dirty="0" err="1">
+                <a:solidFill>
+                  <a:srgbClr val="9CDCFE"/>
+                </a:solidFill>
+                <a:latin typeface="Consolas" panose="020B0609020204030204" pitchFamily="49" charset="0"/>
+              </a:rPr>
+              <a:t>movie</a:t>
+            </a:r>
+            <a:r>
+              <a:rPr lang="en-US" dirty="0" err="1">
+                <a:solidFill>
+                  <a:srgbClr val="D4D4D4"/>
+                </a:solidFill>
+                <a:latin typeface="Consolas" panose="020B0609020204030204" pitchFamily="49" charset="0"/>
+              </a:rPr>
+              <a:t>.</a:t>
+            </a:r>
+            <a:r>
+              <a:rPr lang="en-US" dirty="0" err="1">
+                <a:solidFill>
+                  <a:srgbClr val="9CDCFE"/>
+                </a:solidFill>
+                <a:latin typeface="Consolas" panose="020B0609020204030204" pitchFamily="49" charset="0"/>
+              </a:rPr>
+              <a:t>rating</a:t>
+            </a:r>
+            <a:r>
+              <a:rPr lang="en-US" dirty="0">
+                <a:solidFill>
+                  <a:srgbClr val="D4D4D4"/>
+                </a:solidFill>
+                <a:latin typeface="Consolas" panose="020B0609020204030204" pitchFamily="49" charset="0"/>
+              </a:rPr>
+              <a:t>}} </a:t>
+            </a:r>
+            <a:r>
+              <a:rPr lang="en-US" dirty="0">
+                <a:solidFill>
+                  <a:srgbClr val="808080"/>
+                </a:solidFill>
+                <a:latin typeface="Consolas" panose="020B0609020204030204" pitchFamily="49" charset="0"/>
+              </a:rPr>
+              <a:t>&lt;/</a:t>
+            </a:r>
+            <a:r>
+              <a:rPr lang="en-US" dirty="0">
+                <a:solidFill>
+                  <a:srgbClr val="569CD6"/>
+                </a:solidFill>
+                <a:latin typeface="Consolas" panose="020B0609020204030204" pitchFamily="49" charset="0"/>
+              </a:rPr>
+              <a:t>td</a:t>
+            </a:r>
+            <a:r>
+              <a:rPr lang="en-US" dirty="0">
+                <a:solidFill>
+                  <a:srgbClr val="808080"/>
+                </a:solidFill>
+                <a:latin typeface="Consolas" panose="020B0609020204030204" pitchFamily="49" charset="0"/>
+              </a:rPr>
+              <a:t>&gt;</a:t>
+            </a:r>
+            <a:endParaRPr lang="en-US" dirty="0">
+              <a:solidFill>
+                <a:srgbClr val="D4D4D4"/>
+              </a:solidFill>
+              <a:latin typeface="Consolas" panose="020B0609020204030204" pitchFamily="49" charset="0"/>
+            </a:endParaRPr>
+          </a:p>
+          <a:p>
+            <a:r>
+              <a:rPr lang="en-US" dirty="0">
+                <a:solidFill>
+                  <a:srgbClr val="D4D4D4"/>
+                </a:solidFill>
+                <a:latin typeface="Consolas" panose="020B0609020204030204" pitchFamily="49" charset="0"/>
+              </a:rPr>
+              <a:t>       </a:t>
+            </a:r>
+            <a:r>
+              <a:rPr lang="en-US" dirty="0">
+                <a:solidFill>
+                  <a:srgbClr val="808080"/>
+                </a:solidFill>
+                <a:latin typeface="Consolas" panose="020B0609020204030204" pitchFamily="49" charset="0"/>
+              </a:rPr>
+              <a:t>&lt;/</a:t>
+            </a:r>
+            <a:r>
+              <a:rPr lang="en-US" dirty="0">
+                <a:solidFill>
+                  <a:srgbClr val="569CD6"/>
+                </a:solidFill>
+                <a:latin typeface="Consolas" panose="020B0609020204030204" pitchFamily="49" charset="0"/>
+              </a:rPr>
+              <a:t>tr</a:t>
+            </a:r>
+            <a:r>
+              <a:rPr lang="en-US" dirty="0">
+                <a:solidFill>
+                  <a:srgbClr val="808080"/>
+                </a:solidFill>
+                <a:latin typeface="Consolas" panose="020B0609020204030204" pitchFamily="49" charset="0"/>
+              </a:rPr>
+              <a:t>&gt;</a:t>
+            </a:r>
+            <a:endParaRPr lang="en-US" dirty="0">
+              <a:solidFill>
+                <a:srgbClr val="D4D4D4"/>
+              </a:solidFill>
+              <a:latin typeface="Consolas" panose="020B0609020204030204" pitchFamily="49" charset="0"/>
+            </a:endParaRPr>
+          </a:p>
+          <a:p>
+            <a:r>
+              <a:rPr lang="en-US" dirty="0">
+                <a:solidFill>
+                  <a:srgbClr val="D4D4D4"/>
+                </a:solidFill>
+                <a:latin typeface="Consolas" panose="020B0609020204030204" pitchFamily="49" charset="0"/>
+              </a:rPr>
+              <a:t>    {% </a:t>
+            </a:r>
+            <a:r>
+              <a:rPr lang="en-US" dirty="0" err="1">
+                <a:solidFill>
+                  <a:srgbClr val="C586C0"/>
+                </a:solidFill>
+                <a:latin typeface="Consolas" panose="020B0609020204030204" pitchFamily="49" charset="0"/>
+              </a:rPr>
+              <a:t>endfor</a:t>
+            </a:r>
+            <a:r>
+              <a:rPr lang="en-US" dirty="0">
+                <a:solidFill>
+                  <a:srgbClr val="D4D4D4"/>
+                </a:solidFill>
+                <a:latin typeface="Consolas" panose="020B0609020204030204" pitchFamily="49" charset="0"/>
+              </a:rPr>
+              <a:t> %}</a:t>
+            </a:r>
+          </a:p>
+          <a:p>
+            <a:r>
+              <a:rPr lang="en-US" dirty="0">
+                <a:solidFill>
+                  <a:srgbClr val="D4D4D4"/>
+                </a:solidFill>
+                <a:latin typeface="Consolas" panose="020B0609020204030204" pitchFamily="49" charset="0"/>
+              </a:rPr>
+              <a:t>    </a:t>
+            </a:r>
+            <a:r>
+              <a:rPr lang="en-US" dirty="0">
+                <a:solidFill>
+                  <a:srgbClr val="808080"/>
+                </a:solidFill>
+                <a:latin typeface="Consolas" panose="020B0609020204030204" pitchFamily="49" charset="0"/>
+              </a:rPr>
+              <a:t>&lt;/</a:t>
+            </a:r>
+            <a:r>
+              <a:rPr lang="en-US" dirty="0">
+                <a:solidFill>
+                  <a:srgbClr val="569CD6"/>
+                </a:solidFill>
+                <a:latin typeface="Consolas" panose="020B0609020204030204" pitchFamily="49" charset="0"/>
+              </a:rPr>
+              <a:t>table</a:t>
+            </a:r>
+            <a:r>
+              <a:rPr lang="en-US" dirty="0">
+                <a:solidFill>
+                  <a:srgbClr val="808080"/>
+                </a:solidFill>
+                <a:latin typeface="Consolas" panose="020B0609020204030204" pitchFamily="49" charset="0"/>
+              </a:rPr>
+              <a:t>&gt;</a:t>
+            </a:r>
+            <a:endParaRPr lang="en-US" dirty="0">
+              <a:solidFill>
+                <a:srgbClr val="D4D4D4"/>
+              </a:solidFill>
+              <a:latin typeface="Consolas" panose="020B0609020204030204" pitchFamily="49" charset="0"/>
+            </a:endParaRPr>
+          </a:p>
+          <a:p>
+            <a:r>
+              <a:rPr lang="en-US" dirty="0">
+                <a:solidFill>
+                  <a:srgbClr val="D4D4D4"/>
+                </a:solidFill>
+                <a:latin typeface="Consolas" panose="020B0609020204030204" pitchFamily="49" charset="0"/>
+              </a:rPr>
+              <a:t>{% </a:t>
+            </a:r>
+            <a:r>
+              <a:rPr lang="en-US" dirty="0" err="1">
+                <a:solidFill>
+                  <a:srgbClr val="C586C0"/>
+                </a:solidFill>
+                <a:latin typeface="Consolas" panose="020B0609020204030204" pitchFamily="49" charset="0"/>
+              </a:rPr>
+              <a:t>endblock</a:t>
+            </a:r>
+            <a:r>
+              <a:rPr lang="en-US" dirty="0">
+                <a:solidFill>
+                  <a:srgbClr val="D4D4D4"/>
+                </a:solidFill>
+                <a:latin typeface="Consolas" panose="020B0609020204030204" pitchFamily="49" charset="0"/>
+              </a:rPr>
+              <a:t> %}</a:t>
+            </a:r>
+          </a:p>
+        </p:txBody>
+      </p:sp>
+      <p:sp>
+        <p:nvSpPr>
+          <p:cNvPr id="5" name="Rectangle 4">
+            <a:extLst>
+              <a:ext uri="{FF2B5EF4-FFF2-40B4-BE49-F238E27FC236}">
+                <a16:creationId xmlns:a16="http://schemas.microsoft.com/office/drawing/2014/main" id="{044315B9-0AD1-40B0-B8BA-142E8A0D9B3E}"/>
+              </a:ext>
+            </a:extLst>
+          </p:cNvPr>
+          <p:cNvSpPr/>
+          <p:nvPr/>
+        </p:nvSpPr>
+        <p:spPr>
+          <a:xfrm>
+            <a:off x="359228" y="5933658"/>
+            <a:ext cx="10276114" cy="369332"/>
+          </a:xfrm>
+          <a:prstGeom prst="rect">
+            <a:avLst/>
+          </a:prstGeom>
+          <a:solidFill>
+            <a:schemeClr val="tx1"/>
+          </a:solidFill>
+        </p:spPr>
+        <p:txBody>
+          <a:bodyPr wrap="square">
+            <a:spAutoFit/>
+          </a:bodyPr>
+          <a:lstStyle/>
+          <a:p>
+            <a:r>
+              <a:rPr lang="en-US" dirty="0">
+                <a:solidFill>
+                  <a:srgbClr val="569CD6"/>
+                </a:solidFill>
+                <a:latin typeface="Consolas" panose="020B0609020204030204" pitchFamily="49" charset="0"/>
+              </a:rPr>
+              <a:t>var</a:t>
+            </a:r>
+            <a:r>
+              <a:rPr lang="en-US" dirty="0">
+                <a:solidFill>
+                  <a:srgbClr val="D4D4D4"/>
+                </a:solidFill>
+                <a:latin typeface="Consolas" panose="020B0609020204030204" pitchFamily="49" charset="0"/>
+              </a:rPr>
+              <a:t> </a:t>
+            </a:r>
+            <a:r>
+              <a:rPr lang="en-US" dirty="0" err="1">
+                <a:solidFill>
+                  <a:srgbClr val="9CDCFE"/>
+                </a:solidFill>
+                <a:latin typeface="Consolas" panose="020B0609020204030204" pitchFamily="49" charset="0"/>
+              </a:rPr>
+              <a:t>movieId</a:t>
+            </a:r>
+            <a:r>
+              <a:rPr lang="en-US" dirty="0">
+                <a:solidFill>
+                  <a:srgbClr val="D4D4D4"/>
+                </a:solidFill>
+                <a:latin typeface="Consolas" panose="020B0609020204030204" pitchFamily="49" charset="0"/>
+              </a:rPr>
+              <a:t> = </a:t>
+            </a:r>
+            <a:r>
+              <a:rPr lang="en-US" dirty="0" err="1">
+                <a:solidFill>
+                  <a:srgbClr val="9CDCFE"/>
+                </a:solidFill>
+                <a:latin typeface="Consolas" panose="020B0609020204030204" pitchFamily="49" charset="0"/>
+              </a:rPr>
+              <a:t>originalElement</a:t>
+            </a:r>
+            <a:r>
+              <a:rPr lang="en-US" dirty="0" err="1">
+                <a:solidFill>
+                  <a:srgbClr val="D4D4D4"/>
+                </a:solidFill>
+                <a:latin typeface="Consolas" panose="020B0609020204030204" pitchFamily="49" charset="0"/>
+              </a:rPr>
+              <a:t>.</a:t>
+            </a:r>
+            <a:r>
+              <a:rPr lang="en-US" dirty="0" err="1">
+                <a:solidFill>
+                  <a:srgbClr val="DCDCAA"/>
+                </a:solidFill>
+                <a:latin typeface="Consolas" panose="020B0609020204030204" pitchFamily="49" charset="0"/>
+              </a:rPr>
+              <a:t>parent</a:t>
+            </a:r>
+            <a:r>
+              <a:rPr lang="en-US" dirty="0">
+                <a:solidFill>
+                  <a:srgbClr val="D4D4D4"/>
+                </a:solidFill>
+                <a:latin typeface="Consolas" panose="020B0609020204030204" pitchFamily="49" charset="0"/>
+              </a:rPr>
+              <a:t>().</a:t>
+            </a:r>
+            <a:r>
+              <a:rPr lang="en-US" dirty="0" err="1">
+                <a:solidFill>
+                  <a:srgbClr val="DCDCAA"/>
+                </a:solidFill>
+                <a:latin typeface="Consolas" panose="020B0609020204030204" pitchFamily="49" charset="0"/>
+              </a:rPr>
+              <a:t>attr</a:t>
+            </a:r>
+            <a:r>
+              <a:rPr lang="en-US" dirty="0">
+                <a:solidFill>
+                  <a:srgbClr val="D4D4D4"/>
+                </a:solidFill>
+                <a:latin typeface="Consolas" panose="020B0609020204030204" pitchFamily="49" charset="0"/>
+              </a:rPr>
+              <a:t>(</a:t>
+            </a:r>
+            <a:r>
+              <a:rPr lang="en-US" dirty="0">
+                <a:solidFill>
+                  <a:srgbClr val="CE9178"/>
+                </a:solidFill>
+                <a:latin typeface="Consolas" panose="020B0609020204030204" pitchFamily="49" charset="0"/>
+              </a:rPr>
+              <a:t>'id'</a:t>
+            </a:r>
+            <a:r>
+              <a:rPr lang="en-US" dirty="0">
+                <a:solidFill>
+                  <a:srgbClr val="D4D4D4"/>
+                </a:solidFill>
+                <a:latin typeface="Consolas" panose="020B0609020204030204" pitchFamily="49" charset="0"/>
+              </a:rPr>
+              <a:t>);</a:t>
+            </a:r>
+          </a:p>
+        </p:txBody>
+      </p:sp>
+      <p:sp>
+        <p:nvSpPr>
+          <p:cNvPr id="6" name="Title 1">
+            <a:extLst>
+              <a:ext uri="{FF2B5EF4-FFF2-40B4-BE49-F238E27FC236}">
+                <a16:creationId xmlns:a16="http://schemas.microsoft.com/office/drawing/2014/main" id="{4EFE33A1-17CE-46C2-B4E7-BB1FF14A5514}"/>
+              </a:ext>
+            </a:extLst>
+          </p:cNvPr>
+          <p:cNvSpPr txBox="1">
+            <a:spLocks/>
+          </p:cNvSpPr>
+          <p:nvPr/>
+        </p:nvSpPr>
+        <p:spPr>
+          <a:xfrm>
+            <a:off x="359228" y="5021878"/>
+            <a:ext cx="10515600" cy="781151"/>
+          </a:xfrm>
+          <a:prstGeom prst="rect">
+            <a:avLst/>
+          </a:prstGeom>
+        </p:spPr>
+        <p:txBody>
+          <a:bodyPr vert="horz" lIns="91440" tIns="45720" rIns="91440" bIns="45720" rtlCol="0" anchor="ctr">
+            <a:normAutofit/>
+          </a:bodyPr>
+          <a:lstStyle>
+            <a:lvl1pPr algn="l" defTabSz="914400" rtl="0" eaLnBrk="1" latinLnBrk="0" hangingPunct="1">
+              <a:lnSpc>
+                <a:spcPct val="90000"/>
+              </a:lnSpc>
+              <a:spcBef>
+                <a:spcPct val="0"/>
+              </a:spcBef>
+              <a:buNone/>
+              <a:defRPr sz="4400" kern="1200">
+                <a:solidFill>
+                  <a:schemeClr val="tx1"/>
+                </a:solidFill>
+                <a:latin typeface="+mj-lt"/>
+                <a:ea typeface="+mj-ea"/>
+                <a:cs typeface="+mj-cs"/>
+              </a:defRPr>
+            </a:lvl1pPr>
+          </a:lstStyle>
+          <a:p>
+            <a:r>
+              <a:rPr lang="en-US" dirty="0"/>
+              <a:t>Eventhandler.js</a:t>
+            </a:r>
+          </a:p>
+        </p:txBody>
+      </p:sp>
+    </p:spTree>
+    <p:extLst>
+      <p:ext uri="{BB962C8B-B14F-4D97-AF65-F5344CB8AC3E}">
+        <p14:creationId xmlns:p14="http://schemas.microsoft.com/office/powerpoint/2010/main" val="1259109875"/>
+      </p:ext>
+    </p:extLst>
+  </p:cSld>
+  <p:clrMapOvr>
+    <a:masterClrMapping/>
+  </p:clrMapOvr>
+</p:sld>
+</file>
+
+<file path=ppt/slides/slide38.xml><?xml version="1.0" encoding="utf-8"?>
+<p:sld xmlns:a="http://schemas.openxmlformats.org/drawingml/2006/main" xmlns:r="http://schemas.openxmlformats.org/officeDocument/2006/relationships" xmlns:p="http://schemas.openxmlformats.org/presentationml/2006/main">
+  <p:cSld>
+    <p:spTree>
+      <p:nvGrpSpPr>
+        <p:cNvPr id="1" name=""/>
+        <p:cNvGrpSpPr/>
+        <p:nvPr/>
+      </p:nvGrpSpPr>
+      <p:grpSpPr>
+        <a:xfrm>
+          <a:off x="0" y="0"/>
+          <a:ext cx="0" cy="0"/>
+          <a:chOff x="0" y="0"/>
+          <a:chExt cx="0" cy="0"/>
+        </a:xfrm>
+      </p:grpSpPr>
+      <p:sp>
+        <p:nvSpPr>
+          <p:cNvPr id="6" name="Title 1">
+            <a:extLst>
+              <a:ext uri="{FF2B5EF4-FFF2-40B4-BE49-F238E27FC236}">
+                <a16:creationId xmlns:a16="http://schemas.microsoft.com/office/drawing/2014/main" id="{4EFE33A1-17CE-46C2-B4E7-BB1FF14A5514}"/>
+              </a:ext>
+            </a:extLst>
+          </p:cNvPr>
+          <p:cNvSpPr txBox="1">
+            <a:spLocks/>
+          </p:cNvSpPr>
+          <p:nvPr/>
+        </p:nvSpPr>
+        <p:spPr>
+          <a:xfrm>
+            <a:off x="119742" y="164434"/>
+            <a:ext cx="10515600" cy="781151"/>
+          </a:xfrm>
+          <a:prstGeom prst="rect">
+            <a:avLst/>
+          </a:prstGeom>
+        </p:spPr>
+        <p:txBody>
+          <a:bodyPr vert="horz" lIns="91440" tIns="45720" rIns="91440" bIns="45720" rtlCol="0" anchor="ctr">
+            <a:normAutofit/>
+          </a:bodyPr>
+          <a:lstStyle>
+            <a:lvl1pPr algn="l" defTabSz="914400" rtl="0" eaLnBrk="1" latinLnBrk="0" hangingPunct="1">
+              <a:lnSpc>
+                <a:spcPct val="90000"/>
+              </a:lnSpc>
+              <a:spcBef>
+                <a:spcPct val="0"/>
+              </a:spcBef>
+              <a:buNone/>
+              <a:defRPr sz="4400" kern="1200">
+                <a:solidFill>
+                  <a:schemeClr val="tx1"/>
+                </a:solidFill>
+                <a:latin typeface="+mj-lt"/>
+                <a:ea typeface="+mj-ea"/>
+                <a:cs typeface="+mj-cs"/>
+              </a:defRPr>
+            </a:lvl1pPr>
+          </a:lstStyle>
+          <a:p>
+            <a:r>
+              <a:rPr lang="en-US" dirty="0"/>
+              <a:t>Eventhandler.js</a:t>
+            </a:r>
+          </a:p>
+        </p:txBody>
+      </p:sp>
+      <p:sp>
+        <p:nvSpPr>
+          <p:cNvPr id="8" name="Rectangle 7">
+            <a:extLst>
+              <a:ext uri="{FF2B5EF4-FFF2-40B4-BE49-F238E27FC236}">
+                <a16:creationId xmlns:a16="http://schemas.microsoft.com/office/drawing/2014/main" id="{4B819762-7B52-467D-BBA3-939908F6DBBD}"/>
+              </a:ext>
+            </a:extLst>
+          </p:cNvPr>
+          <p:cNvSpPr/>
+          <p:nvPr/>
+        </p:nvSpPr>
+        <p:spPr>
+          <a:xfrm>
+            <a:off x="119742" y="1305341"/>
+            <a:ext cx="11756572" cy="4398773"/>
+          </a:xfrm>
+          <a:prstGeom prst="rect">
+            <a:avLst/>
+          </a:prstGeom>
+          <a:solidFill>
+            <a:schemeClr val="tx1"/>
+          </a:solidFill>
+        </p:spPr>
+        <p:txBody>
+          <a:bodyPr wrap="square">
+            <a:spAutoFit/>
+          </a:bodyPr>
+          <a:lstStyle/>
+          <a:p>
+            <a:r>
+              <a:rPr lang="en-US" dirty="0">
+                <a:solidFill>
+                  <a:srgbClr val="D4D4D4"/>
+                </a:solidFill>
+                <a:latin typeface="Consolas" panose="020B0609020204030204" pitchFamily="49" charset="0"/>
+              </a:rPr>
+              <a:t> </a:t>
+            </a:r>
+            <a:r>
+              <a:rPr lang="en-US" dirty="0">
+                <a:solidFill>
+                  <a:srgbClr val="DCDCAA"/>
+                </a:solidFill>
+                <a:latin typeface="Consolas" panose="020B0609020204030204" pitchFamily="49" charset="0"/>
+              </a:rPr>
+              <a:t>$</a:t>
+            </a:r>
+            <a:r>
+              <a:rPr lang="en-US" dirty="0">
+                <a:solidFill>
+                  <a:srgbClr val="D4D4D4"/>
+                </a:solidFill>
+                <a:latin typeface="Consolas" panose="020B0609020204030204" pitchFamily="49" charset="0"/>
+              </a:rPr>
+              <a:t>(</a:t>
+            </a:r>
+            <a:r>
+              <a:rPr lang="en-US" dirty="0">
+                <a:solidFill>
+                  <a:srgbClr val="CE9178"/>
+                </a:solidFill>
+                <a:latin typeface="Consolas" panose="020B0609020204030204" pitchFamily="49" charset="0"/>
+              </a:rPr>
+              <a:t>"#</a:t>
+            </a:r>
+            <a:r>
+              <a:rPr lang="en-US" dirty="0" err="1">
+                <a:solidFill>
+                  <a:srgbClr val="CE9178"/>
+                </a:solidFill>
+                <a:latin typeface="Consolas" panose="020B0609020204030204" pitchFamily="49" charset="0"/>
+              </a:rPr>
+              <a:t>input_box</a:t>
+            </a:r>
+            <a:r>
+              <a:rPr lang="en-US" dirty="0">
+                <a:solidFill>
+                  <a:srgbClr val="CE9178"/>
+                </a:solidFill>
+                <a:latin typeface="Consolas" panose="020B0609020204030204" pitchFamily="49" charset="0"/>
+              </a:rPr>
+              <a:t>"</a:t>
+            </a:r>
+            <a:r>
+              <a:rPr lang="en-US" dirty="0">
+                <a:solidFill>
+                  <a:srgbClr val="D4D4D4"/>
+                </a:solidFill>
+                <a:latin typeface="Consolas" panose="020B0609020204030204" pitchFamily="49" charset="0"/>
+              </a:rPr>
+              <a:t>).</a:t>
+            </a:r>
+            <a:r>
+              <a:rPr lang="en-US" dirty="0" err="1">
+                <a:solidFill>
+                  <a:srgbClr val="DCDCAA"/>
+                </a:solidFill>
+                <a:latin typeface="Consolas" panose="020B0609020204030204" pitchFamily="49" charset="0"/>
+              </a:rPr>
+              <a:t>keyup</a:t>
+            </a:r>
+            <a:r>
+              <a:rPr lang="en-US" dirty="0">
+                <a:solidFill>
+                  <a:srgbClr val="D4D4D4"/>
+                </a:solidFill>
+                <a:latin typeface="Consolas" panose="020B0609020204030204" pitchFamily="49" charset="0"/>
+              </a:rPr>
+              <a:t>( </a:t>
+            </a:r>
+            <a:r>
+              <a:rPr lang="en-US" dirty="0">
+                <a:solidFill>
+                  <a:srgbClr val="569CD6"/>
+                </a:solidFill>
+                <a:latin typeface="Consolas" panose="020B0609020204030204" pitchFamily="49" charset="0"/>
+              </a:rPr>
+              <a:t>function</a:t>
+            </a:r>
+            <a:r>
+              <a:rPr lang="en-US" dirty="0">
+                <a:solidFill>
+                  <a:srgbClr val="D4D4D4"/>
+                </a:solidFill>
+                <a:latin typeface="Consolas" panose="020B0609020204030204" pitchFamily="49" charset="0"/>
+              </a:rPr>
+              <a:t>(</a:t>
+            </a:r>
+            <a:r>
+              <a:rPr lang="en-US" dirty="0">
+                <a:solidFill>
+                  <a:srgbClr val="9CDCFE"/>
+                </a:solidFill>
+                <a:latin typeface="Consolas" panose="020B0609020204030204" pitchFamily="49" charset="0"/>
+              </a:rPr>
+              <a:t>event</a:t>
+            </a:r>
+            <a:r>
+              <a:rPr lang="en-US" dirty="0">
+                <a:solidFill>
+                  <a:srgbClr val="D4D4D4"/>
+                </a:solidFill>
+                <a:latin typeface="Consolas" panose="020B0609020204030204" pitchFamily="49" charset="0"/>
+              </a:rPr>
+              <a:t>){</a:t>
+            </a:r>
+          </a:p>
+          <a:p>
+            <a:r>
+              <a:rPr lang="en-US" dirty="0">
+                <a:solidFill>
+                  <a:srgbClr val="D4D4D4"/>
+                </a:solidFill>
+                <a:latin typeface="Consolas" panose="020B0609020204030204" pitchFamily="49" charset="0"/>
+              </a:rPr>
+              <a:t>            </a:t>
+            </a:r>
+            <a:r>
+              <a:rPr lang="en-US" dirty="0">
+                <a:solidFill>
+                  <a:srgbClr val="C586C0"/>
+                </a:solidFill>
+                <a:latin typeface="Consolas" panose="020B0609020204030204" pitchFamily="49" charset="0"/>
+              </a:rPr>
+              <a:t>if</a:t>
+            </a:r>
+            <a:r>
+              <a:rPr lang="en-US" dirty="0">
+                <a:solidFill>
+                  <a:srgbClr val="D4D4D4"/>
+                </a:solidFill>
+                <a:latin typeface="Consolas" panose="020B0609020204030204" pitchFamily="49" charset="0"/>
+              </a:rPr>
+              <a:t>(</a:t>
+            </a:r>
+            <a:r>
+              <a:rPr lang="en-US" dirty="0" err="1">
+                <a:solidFill>
+                  <a:srgbClr val="9CDCFE"/>
+                </a:solidFill>
+                <a:latin typeface="Consolas" panose="020B0609020204030204" pitchFamily="49" charset="0"/>
+              </a:rPr>
+              <a:t>event</a:t>
+            </a:r>
+            <a:r>
+              <a:rPr lang="en-US" dirty="0" err="1">
+                <a:solidFill>
+                  <a:srgbClr val="D4D4D4"/>
+                </a:solidFill>
+                <a:latin typeface="Consolas" panose="020B0609020204030204" pitchFamily="49" charset="0"/>
+              </a:rPr>
+              <a:t>.</a:t>
+            </a:r>
+            <a:r>
+              <a:rPr lang="en-US" dirty="0" err="1">
+                <a:solidFill>
+                  <a:srgbClr val="9CDCFE"/>
+                </a:solidFill>
+                <a:latin typeface="Consolas" panose="020B0609020204030204" pitchFamily="49" charset="0"/>
+              </a:rPr>
+              <a:t>keyCode</a:t>
+            </a:r>
+            <a:r>
+              <a:rPr lang="en-US" dirty="0">
+                <a:solidFill>
+                  <a:srgbClr val="D4D4D4"/>
+                </a:solidFill>
+                <a:latin typeface="Consolas" panose="020B0609020204030204" pitchFamily="49" charset="0"/>
+              </a:rPr>
+              <a:t> == </a:t>
+            </a:r>
+            <a:r>
+              <a:rPr lang="en-US" dirty="0">
+                <a:solidFill>
+                  <a:srgbClr val="B5CEA8"/>
+                </a:solidFill>
+                <a:latin typeface="Consolas" panose="020B0609020204030204" pitchFamily="49" charset="0"/>
+              </a:rPr>
+              <a:t>13</a:t>
+            </a:r>
+            <a:r>
+              <a:rPr lang="en-US" dirty="0">
+                <a:solidFill>
+                  <a:srgbClr val="D4D4D4"/>
+                </a:solidFill>
+                <a:latin typeface="Consolas" panose="020B0609020204030204" pitchFamily="49" charset="0"/>
+              </a:rPr>
+              <a:t>) {</a:t>
+            </a:r>
+          </a:p>
+          <a:p>
+            <a:r>
+              <a:rPr lang="en-US" dirty="0">
+                <a:solidFill>
+                  <a:srgbClr val="D4D4D4"/>
+                </a:solidFill>
+                <a:latin typeface="Consolas" panose="020B0609020204030204" pitchFamily="49" charset="0"/>
+              </a:rPr>
+              <a:t>                </a:t>
+            </a:r>
+            <a:r>
+              <a:rPr lang="en-US" dirty="0">
+                <a:solidFill>
+                  <a:srgbClr val="569CD6"/>
+                </a:solidFill>
+                <a:latin typeface="Consolas" panose="020B0609020204030204" pitchFamily="49" charset="0"/>
+              </a:rPr>
+              <a:t>var</a:t>
+            </a:r>
+            <a:r>
+              <a:rPr lang="en-US" dirty="0">
+                <a:solidFill>
+                  <a:srgbClr val="D4D4D4"/>
+                </a:solidFill>
+                <a:latin typeface="Consolas" panose="020B0609020204030204" pitchFamily="49" charset="0"/>
+              </a:rPr>
+              <a:t> </a:t>
+            </a:r>
+            <a:r>
+              <a:rPr lang="en-US" dirty="0" err="1">
+                <a:solidFill>
+                  <a:srgbClr val="9CDCFE"/>
+                </a:solidFill>
+                <a:latin typeface="Consolas" panose="020B0609020204030204" pitchFamily="49" charset="0"/>
+              </a:rPr>
+              <a:t>newRating</a:t>
+            </a:r>
+            <a:r>
+              <a:rPr lang="en-US" dirty="0">
+                <a:solidFill>
+                  <a:srgbClr val="D4D4D4"/>
+                </a:solidFill>
+                <a:latin typeface="Consolas" panose="020B0609020204030204" pitchFamily="49" charset="0"/>
+              </a:rPr>
+              <a:t> = </a:t>
+            </a:r>
+            <a:r>
+              <a:rPr lang="en-US" dirty="0">
+                <a:solidFill>
+                  <a:srgbClr val="DCDCAA"/>
+                </a:solidFill>
+                <a:latin typeface="Consolas" panose="020B0609020204030204" pitchFamily="49" charset="0"/>
+              </a:rPr>
+              <a:t>$</a:t>
+            </a:r>
+            <a:r>
+              <a:rPr lang="en-US" dirty="0">
+                <a:solidFill>
+                  <a:srgbClr val="D4D4D4"/>
+                </a:solidFill>
+                <a:latin typeface="Consolas" panose="020B0609020204030204" pitchFamily="49" charset="0"/>
+              </a:rPr>
+              <a:t>(</a:t>
+            </a:r>
+            <a:r>
+              <a:rPr lang="en-US" dirty="0">
+                <a:solidFill>
+                  <a:srgbClr val="569CD6"/>
+                </a:solidFill>
+                <a:latin typeface="Consolas" panose="020B0609020204030204" pitchFamily="49" charset="0"/>
+              </a:rPr>
+              <a:t>this</a:t>
+            </a:r>
+            <a:r>
+              <a:rPr lang="en-US" dirty="0">
+                <a:solidFill>
+                  <a:srgbClr val="D4D4D4"/>
+                </a:solidFill>
+                <a:latin typeface="Consolas" panose="020B0609020204030204" pitchFamily="49" charset="0"/>
+              </a:rPr>
+              <a:t>).</a:t>
+            </a:r>
+            <a:r>
+              <a:rPr lang="en-US" dirty="0" err="1">
+                <a:solidFill>
+                  <a:srgbClr val="DCDCAA"/>
+                </a:solidFill>
+                <a:latin typeface="Consolas" panose="020B0609020204030204" pitchFamily="49" charset="0"/>
+              </a:rPr>
+              <a:t>val</a:t>
+            </a:r>
+            <a:r>
+              <a:rPr lang="en-US" dirty="0">
+                <a:solidFill>
+                  <a:srgbClr val="D4D4D4"/>
+                </a:solidFill>
+                <a:latin typeface="Consolas" panose="020B0609020204030204" pitchFamily="49" charset="0"/>
+              </a:rPr>
+              <a:t>().</a:t>
+            </a:r>
+            <a:r>
+              <a:rPr lang="en-US" dirty="0">
+                <a:solidFill>
+                  <a:srgbClr val="DCDCAA"/>
+                </a:solidFill>
+                <a:latin typeface="Consolas" panose="020B0609020204030204" pitchFamily="49" charset="0"/>
+              </a:rPr>
+              <a:t>trim</a:t>
+            </a:r>
+            <a:r>
+              <a:rPr lang="en-US" dirty="0">
+                <a:solidFill>
+                  <a:srgbClr val="D4D4D4"/>
+                </a:solidFill>
+                <a:latin typeface="Consolas" panose="020B0609020204030204" pitchFamily="49" charset="0"/>
+              </a:rPr>
+              <a:t>();</a:t>
+            </a:r>
+          </a:p>
+          <a:p>
+            <a:r>
+              <a:rPr lang="en-US" dirty="0">
+                <a:solidFill>
+                  <a:srgbClr val="D4D4D4"/>
+                </a:solidFill>
+                <a:latin typeface="Consolas" panose="020B0609020204030204" pitchFamily="49" charset="0"/>
+              </a:rPr>
+              <a:t>                </a:t>
+            </a:r>
+            <a:r>
+              <a:rPr lang="en-US" dirty="0">
+                <a:solidFill>
+                  <a:srgbClr val="9CDCFE"/>
+                </a:solidFill>
+                <a:latin typeface="Consolas" panose="020B0609020204030204" pitchFamily="49" charset="0"/>
+              </a:rPr>
+              <a:t>originalElement</a:t>
+            </a:r>
+            <a:r>
+              <a:rPr lang="en-US" dirty="0">
+                <a:solidFill>
+                  <a:srgbClr val="D4D4D4"/>
+                </a:solidFill>
+                <a:latin typeface="Consolas" panose="020B0609020204030204" pitchFamily="49" charset="0"/>
+              </a:rPr>
+              <a:t>.</a:t>
+            </a:r>
+            <a:r>
+              <a:rPr lang="en-US" dirty="0">
+                <a:solidFill>
+                  <a:srgbClr val="DCDCAA"/>
+                </a:solidFill>
+                <a:latin typeface="Consolas" panose="020B0609020204030204" pitchFamily="49" charset="0"/>
+              </a:rPr>
+              <a:t>html</a:t>
+            </a:r>
+            <a:r>
+              <a:rPr lang="en-US" dirty="0">
+                <a:solidFill>
+                  <a:srgbClr val="D4D4D4"/>
+                </a:solidFill>
+                <a:latin typeface="Consolas" panose="020B0609020204030204" pitchFamily="49" charset="0"/>
+              </a:rPr>
+              <a:t>(</a:t>
+            </a:r>
+            <a:r>
+              <a:rPr lang="en-US" dirty="0" err="1">
+                <a:solidFill>
+                  <a:srgbClr val="9CDCFE"/>
+                </a:solidFill>
+                <a:latin typeface="Consolas" panose="020B0609020204030204" pitchFamily="49" charset="0"/>
+              </a:rPr>
+              <a:t>newRating</a:t>
+            </a:r>
+            <a:r>
+              <a:rPr lang="en-US" dirty="0">
+                <a:solidFill>
+                  <a:srgbClr val="D4D4D4"/>
+                </a:solidFill>
+                <a:latin typeface="Consolas" panose="020B0609020204030204" pitchFamily="49" charset="0"/>
+              </a:rPr>
+              <a:t>);</a:t>
+            </a:r>
+          </a:p>
+          <a:p>
+            <a:r>
+              <a:rPr lang="en-US" dirty="0">
+                <a:solidFill>
+                  <a:srgbClr val="D4D4D4"/>
+                </a:solidFill>
+                <a:latin typeface="Consolas" panose="020B0609020204030204" pitchFamily="49" charset="0"/>
+              </a:rPr>
+              <a:t>                </a:t>
+            </a:r>
+            <a:r>
+              <a:rPr lang="en-US" dirty="0" err="1">
+                <a:solidFill>
+                  <a:srgbClr val="DCDCAA"/>
+                </a:solidFill>
+                <a:latin typeface="Consolas" panose="020B0609020204030204" pitchFamily="49" charset="0"/>
+              </a:rPr>
+              <a:t>saveRating</a:t>
+            </a:r>
+            <a:r>
+              <a:rPr lang="en-US" dirty="0">
+                <a:solidFill>
+                  <a:srgbClr val="D4D4D4"/>
+                </a:solidFill>
+                <a:latin typeface="Consolas" panose="020B0609020204030204" pitchFamily="49" charset="0"/>
+              </a:rPr>
+              <a:t>(</a:t>
+            </a:r>
+            <a:r>
+              <a:rPr lang="en-US" dirty="0" err="1">
+                <a:solidFill>
+                  <a:srgbClr val="9CDCFE"/>
+                </a:solidFill>
+                <a:latin typeface="Consolas" panose="020B0609020204030204" pitchFamily="49" charset="0"/>
+              </a:rPr>
+              <a:t>movieId</a:t>
+            </a:r>
+            <a:r>
+              <a:rPr lang="en-US" dirty="0" err="1">
+                <a:solidFill>
+                  <a:srgbClr val="D4D4D4"/>
+                </a:solidFill>
+                <a:latin typeface="Consolas" panose="020B0609020204030204" pitchFamily="49" charset="0"/>
+              </a:rPr>
+              <a:t>,</a:t>
+            </a:r>
+            <a:r>
+              <a:rPr lang="en-US" dirty="0" err="1">
+                <a:solidFill>
+                  <a:srgbClr val="9CDCFE"/>
+                </a:solidFill>
+                <a:latin typeface="Consolas" panose="020B0609020204030204" pitchFamily="49" charset="0"/>
+              </a:rPr>
+              <a:t>newRating</a:t>
+            </a:r>
+            <a:r>
+              <a:rPr lang="en-US" dirty="0">
+                <a:solidFill>
+                  <a:srgbClr val="D4D4D4"/>
+                </a:solidFill>
+                <a:latin typeface="Consolas" panose="020B0609020204030204" pitchFamily="49" charset="0"/>
+              </a:rPr>
+              <a:t>);</a:t>
+            </a:r>
+          </a:p>
+          <a:p>
+            <a:r>
+              <a:rPr lang="en-US" dirty="0">
+                <a:solidFill>
+                  <a:srgbClr val="D4D4D4"/>
+                </a:solidFill>
+                <a:latin typeface="Consolas" panose="020B0609020204030204" pitchFamily="49" charset="0"/>
+              </a:rPr>
+              <a:t>            }</a:t>
+            </a:r>
+          </a:p>
+          <a:p>
+            <a:r>
+              <a:rPr lang="en-US" dirty="0">
+                <a:solidFill>
+                  <a:srgbClr val="D4D4D4"/>
+                </a:solidFill>
+                <a:latin typeface="Consolas" panose="020B0609020204030204" pitchFamily="49" charset="0"/>
+              </a:rPr>
+              <a:t>       });</a:t>
+            </a:r>
+          </a:p>
+          <a:p>
+            <a:br>
+              <a:rPr lang="en-US" dirty="0">
+                <a:solidFill>
+                  <a:srgbClr val="D4D4D4"/>
+                </a:solidFill>
+                <a:latin typeface="Consolas" panose="020B0609020204030204" pitchFamily="49" charset="0"/>
+              </a:rPr>
+            </a:br>
+            <a:r>
+              <a:rPr lang="en-US" dirty="0">
+                <a:solidFill>
+                  <a:srgbClr val="D4D4D4"/>
+                </a:solidFill>
+                <a:latin typeface="Consolas" panose="020B0609020204030204" pitchFamily="49" charset="0"/>
+              </a:rPr>
+              <a:t>       </a:t>
+            </a:r>
+            <a:r>
+              <a:rPr lang="en-US" dirty="0">
+                <a:solidFill>
+                  <a:srgbClr val="DCDCAA"/>
+                </a:solidFill>
+                <a:latin typeface="Consolas" panose="020B0609020204030204" pitchFamily="49" charset="0"/>
+              </a:rPr>
+              <a:t>$</a:t>
+            </a:r>
+            <a:r>
+              <a:rPr lang="en-US" dirty="0">
+                <a:solidFill>
+                  <a:srgbClr val="D4D4D4"/>
+                </a:solidFill>
+                <a:latin typeface="Consolas" panose="020B0609020204030204" pitchFamily="49" charset="0"/>
+              </a:rPr>
+              <a:t>(</a:t>
+            </a:r>
+            <a:r>
+              <a:rPr lang="en-US" dirty="0">
+                <a:solidFill>
+                  <a:srgbClr val="9CDCFE"/>
+                </a:solidFill>
+                <a:latin typeface="Consolas" panose="020B0609020204030204" pitchFamily="49" charset="0"/>
+              </a:rPr>
+              <a:t>document</a:t>
+            </a:r>
+            <a:r>
+              <a:rPr lang="en-US" dirty="0">
+                <a:solidFill>
+                  <a:srgbClr val="D4D4D4"/>
+                </a:solidFill>
+                <a:latin typeface="Consolas" panose="020B0609020204030204" pitchFamily="49" charset="0"/>
+              </a:rPr>
+              <a:t>).</a:t>
+            </a:r>
+            <a:r>
+              <a:rPr lang="en-US" dirty="0">
+                <a:solidFill>
+                  <a:srgbClr val="DCDCAA"/>
+                </a:solidFill>
+                <a:latin typeface="Consolas" panose="020B0609020204030204" pitchFamily="49" charset="0"/>
+              </a:rPr>
+              <a:t>click</a:t>
+            </a:r>
+            <a:r>
+              <a:rPr lang="en-US" dirty="0">
+                <a:solidFill>
+                  <a:srgbClr val="D4D4D4"/>
+                </a:solidFill>
+                <a:latin typeface="Consolas" panose="020B0609020204030204" pitchFamily="49" charset="0"/>
+              </a:rPr>
+              <a:t>(</a:t>
+            </a:r>
+            <a:r>
+              <a:rPr lang="en-US" dirty="0">
+                <a:solidFill>
+                  <a:srgbClr val="569CD6"/>
+                </a:solidFill>
+                <a:latin typeface="Consolas" panose="020B0609020204030204" pitchFamily="49" charset="0"/>
+              </a:rPr>
+              <a:t>function</a:t>
+            </a:r>
+            <a:r>
+              <a:rPr lang="en-US" dirty="0">
+                <a:solidFill>
+                  <a:srgbClr val="D4D4D4"/>
+                </a:solidFill>
+                <a:latin typeface="Consolas" panose="020B0609020204030204" pitchFamily="49" charset="0"/>
+              </a:rPr>
+              <a:t>() {</a:t>
+            </a:r>
+          </a:p>
+          <a:p>
+            <a:r>
+              <a:rPr lang="en-US" dirty="0">
+                <a:solidFill>
+                  <a:srgbClr val="D4D4D4"/>
+                </a:solidFill>
+                <a:latin typeface="Consolas" panose="020B0609020204030204" pitchFamily="49" charset="0"/>
+              </a:rPr>
+              <a:t>           </a:t>
+            </a:r>
+            <a:r>
+              <a:rPr lang="en-US" dirty="0">
+                <a:solidFill>
+                  <a:srgbClr val="C586C0"/>
+                </a:solidFill>
+                <a:latin typeface="Consolas" panose="020B0609020204030204" pitchFamily="49" charset="0"/>
+              </a:rPr>
+              <a:t>if</a:t>
+            </a:r>
+            <a:r>
+              <a:rPr lang="en-US" dirty="0">
+                <a:solidFill>
+                  <a:srgbClr val="D4D4D4"/>
+                </a:solidFill>
+                <a:latin typeface="Consolas" panose="020B0609020204030204" pitchFamily="49" charset="0"/>
+              </a:rPr>
+              <a:t>(</a:t>
+            </a:r>
+            <a:r>
+              <a:rPr lang="en-US" dirty="0">
+                <a:solidFill>
+                  <a:srgbClr val="DCDCAA"/>
+                </a:solidFill>
+                <a:latin typeface="Consolas" panose="020B0609020204030204" pitchFamily="49" charset="0"/>
+              </a:rPr>
+              <a:t>$</a:t>
+            </a:r>
+            <a:r>
+              <a:rPr lang="en-US" dirty="0">
+                <a:solidFill>
+                  <a:srgbClr val="D4D4D4"/>
+                </a:solidFill>
+                <a:latin typeface="Consolas" panose="020B0609020204030204" pitchFamily="49" charset="0"/>
+              </a:rPr>
+              <a:t>(</a:t>
+            </a:r>
+            <a:r>
+              <a:rPr lang="en-US" dirty="0">
+                <a:solidFill>
+                  <a:srgbClr val="CE9178"/>
+                </a:solidFill>
+                <a:latin typeface="Consolas" panose="020B0609020204030204" pitchFamily="49" charset="0"/>
+              </a:rPr>
+              <a:t>"#</a:t>
+            </a:r>
+            <a:r>
+              <a:rPr lang="en-US" dirty="0" err="1">
+                <a:solidFill>
+                  <a:srgbClr val="CE9178"/>
+                </a:solidFill>
+                <a:latin typeface="Consolas" panose="020B0609020204030204" pitchFamily="49" charset="0"/>
+              </a:rPr>
+              <a:t>input_box</a:t>
+            </a:r>
+            <a:r>
+              <a:rPr lang="en-US" dirty="0">
+                <a:solidFill>
+                  <a:srgbClr val="CE9178"/>
+                </a:solidFill>
+                <a:latin typeface="Consolas" panose="020B0609020204030204" pitchFamily="49" charset="0"/>
+              </a:rPr>
+              <a:t>"</a:t>
+            </a:r>
+            <a:r>
+              <a:rPr lang="en-US" dirty="0">
+                <a:solidFill>
+                  <a:srgbClr val="D4D4D4"/>
+                </a:solidFill>
+                <a:latin typeface="Consolas" panose="020B0609020204030204" pitchFamily="49" charset="0"/>
+              </a:rPr>
+              <a:t>).</a:t>
+            </a:r>
+            <a:r>
+              <a:rPr lang="en-US" dirty="0" err="1">
+                <a:solidFill>
+                  <a:srgbClr val="DCDCAA"/>
+                </a:solidFill>
+                <a:latin typeface="Consolas" panose="020B0609020204030204" pitchFamily="49" charset="0"/>
+              </a:rPr>
+              <a:t>val</a:t>
+            </a:r>
+            <a:r>
+              <a:rPr lang="en-US" dirty="0">
+                <a:solidFill>
+                  <a:srgbClr val="D4D4D4"/>
+                </a:solidFill>
+                <a:latin typeface="Consolas" panose="020B0609020204030204" pitchFamily="49" charset="0"/>
+              </a:rPr>
+              <a:t>()){</a:t>
+            </a:r>
+          </a:p>
+          <a:p>
+            <a:r>
+              <a:rPr lang="en-US" dirty="0">
+                <a:solidFill>
+                  <a:srgbClr val="D4D4D4"/>
+                </a:solidFill>
+                <a:latin typeface="Consolas" panose="020B0609020204030204" pitchFamily="49" charset="0"/>
+              </a:rPr>
+              <a:t>            </a:t>
+            </a:r>
+            <a:r>
+              <a:rPr lang="en-US" dirty="0">
+                <a:solidFill>
+                  <a:srgbClr val="569CD6"/>
+                </a:solidFill>
+                <a:latin typeface="Consolas" panose="020B0609020204030204" pitchFamily="49" charset="0"/>
+              </a:rPr>
+              <a:t>var</a:t>
+            </a:r>
+            <a:r>
+              <a:rPr lang="en-US" dirty="0">
+                <a:solidFill>
+                  <a:srgbClr val="D4D4D4"/>
+                </a:solidFill>
+                <a:latin typeface="Consolas" panose="020B0609020204030204" pitchFamily="49" charset="0"/>
+              </a:rPr>
+              <a:t> </a:t>
+            </a:r>
+            <a:r>
+              <a:rPr lang="en-US" dirty="0" err="1">
+                <a:solidFill>
+                  <a:srgbClr val="9CDCFE"/>
+                </a:solidFill>
+                <a:latin typeface="Consolas" panose="020B0609020204030204" pitchFamily="49" charset="0"/>
+              </a:rPr>
+              <a:t>newRating</a:t>
+            </a:r>
+            <a:r>
+              <a:rPr lang="en-US" dirty="0">
+                <a:solidFill>
+                  <a:srgbClr val="D4D4D4"/>
+                </a:solidFill>
+                <a:latin typeface="Consolas" panose="020B0609020204030204" pitchFamily="49" charset="0"/>
+              </a:rPr>
+              <a:t> = </a:t>
+            </a:r>
+            <a:r>
+              <a:rPr lang="en-US" dirty="0">
+                <a:solidFill>
+                  <a:srgbClr val="DCDCAA"/>
+                </a:solidFill>
+                <a:latin typeface="Consolas" panose="020B0609020204030204" pitchFamily="49" charset="0"/>
+              </a:rPr>
+              <a:t>$</a:t>
+            </a:r>
+            <a:r>
+              <a:rPr lang="en-US" dirty="0">
+                <a:solidFill>
+                  <a:srgbClr val="D4D4D4"/>
+                </a:solidFill>
+                <a:latin typeface="Consolas" panose="020B0609020204030204" pitchFamily="49" charset="0"/>
+              </a:rPr>
+              <a:t>(</a:t>
+            </a:r>
+            <a:r>
+              <a:rPr lang="en-US" dirty="0">
+                <a:solidFill>
+                  <a:srgbClr val="CE9178"/>
+                </a:solidFill>
+                <a:latin typeface="Consolas" panose="020B0609020204030204" pitchFamily="49" charset="0"/>
+              </a:rPr>
+              <a:t>"#</a:t>
+            </a:r>
+            <a:r>
+              <a:rPr lang="en-US" dirty="0" err="1">
+                <a:solidFill>
+                  <a:srgbClr val="CE9178"/>
+                </a:solidFill>
+                <a:latin typeface="Consolas" panose="020B0609020204030204" pitchFamily="49" charset="0"/>
+              </a:rPr>
+              <a:t>input_box</a:t>
+            </a:r>
+            <a:r>
+              <a:rPr lang="en-US" dirty="0">
+                <a:solidFill>
+                  <a:srgbClr val="CE9178"/>
+                </a:solidFill>
+                <a:latin typeface="Consolas" panose="020B0609020204030204" pitchFamily="49" charset="0"/>
+              </a:rPr>
+              <a:t>"</a:t>
+            </a:r>
+            <a:r>
+              <a:rPr lang="en-US" dirty="0">
+                <a:solidFill>
+                  <a:srgbClr val="D4D4D4"/>
+                </a:solidFill>
+                <a:latin typeface="Consolas" panose="020B0609020204030204" pitchFamily="49" charset="0"/>
+              </a:rPr>
+              <a:t>).</a:t>
+            </a:r>
+            <a:r>
+              <a:rPr lang="en-US" dirty="0" err="1">
+                <a:solidFill>
+                  <a:srgbClr val="DCDCAA"/>
+                </a:solidFill>
+                <a:latin typeface="Consolas" panose="020B0609020204030204" pitchFamily="49" charset="0"/>
+              </a:rPr>
+              <a:t>val</a:t>
+            </a:r>
+            <a:r>
+              <a:rPr lang="en-US" dirty="0">
+                <a:solidFill>
+                  <a:srgbClr val="D4D4D4"/>
+                </a:solidFill>
+                <a:latin typeface="Consolas" panose="020B0609020204030204" pitchFamily="49" charset="0"/>
+              </a:rPr>
+              <a:t>().</a:t>
+            </a:r>
+            <a:r>
+              <a:rPr lang="en-US" dirty="0">
+                <a:solidFill>
+                  <a:srgbClr val="DCDCAA"/>
+                </a:solidFill>
+                <a:latin typeface="Consolas" panose="020B0609020204030204" pitchFamily="49" charset="0"/>
+              </a:rPr>
+              <a:t>trim</a:t>
+            </a:r>
+            <a:r>
+              <a:rPr lang="en-US" dirty="0">
+                <a:solidFill>
+                  <a:srgbClr val="D4D4D4"/>
+                </a:solidFill>
+                <a:latin typeface="Consolas" panose="020B0609020204030204" pitchFamily="49" charset="0"/>
+              </a:rPr>
+              <a:t>();</a:t>
+            </a:r>
+          </a:p>
+          <a:p>
+            <a:r>
+              <a:rPr lang="en-US" dirty="0">
+                <a:solidFill>
+                  <a:srgbClr val="D4D4D4"/>
+                </a:solidFill>
+                <a:latin typeface="Consolas" panose="020B0609020204030204" pitchFamily="49" charset="0"/>
+              </a:rPr>
+              <a:t>            </a:t>
+            </a:r>
+            <a:r>
+              <a:rPr lang="en-US" dirty="0">
+                <a:solidFill>
+                  <a:srgbClr val="9CDCFE"/>
+                </a:solidFill>
+                <a:latin typeface="Consolas" panose="020B0609020204030204" pitchFamily="49" charset="0"/>
+              </a:rPr>
+              <a:t>originalElement</a:t>
+            </a:r>
+            <a:r>
+              <a:rPr lang="en-US" dirty="0">
+                <a:solidFill>
+                  <a:srgbClr val="D4D4D4"/>
+                </a:solidFill>
+                <a:latin typeface="Consolas" panose="020B0609020204030204" pitchFamily="49" charset="0"/>
+              </a:rPr>
+              <a:t>.</a:t>
+            </a:r>
+            <a:r>
+              <a:rPr lang="en-US" dirty="0">
+                <a:solidFill>
+                  <a:srgbClr val="DCDCAA"/>
+                </a:solidFill>
+                <a:latin typeface="Consolas" panose="020B0609020204030204" pitchFamily="49" charset="0"/>
+              </a:rPr>
+              <a:t>html</a:t>
+            </a:r>
+            <a:r>
+              <a:rPr lang="en-US" dirty="0">
+                <a:solidFill>
+                  <a:srgbClr val="D4D4D4"/>
+                </a:solidFill>
+                <a:latin typeface="Consolas" panose="020B0609020204030204" pitchFamily="49" charset="0"/>
+              </a:rPr>
+              <a:t>(</a:t>
+            </a:r>
+            <a:r>
+              <a:rPr lang="en-US" dirty="0" err="1">
+                <a:solidFill>
+                  <a:srgbClr val="9CDCFE"/>
+                </a:solidFill>
+                <a:latin typeface="Consolas" panose="020B0609020204030204" pitchFamily="49" charset="0"/>
+              </a:rPr>
+              <a:t>newRating</a:t>
+            </a:r>
+            <a:r>
+              <a:rPr lang="en-US" dirty="0">
+                <a:solidFill>
+                  <a:srgbClr val="D4D4D4"/>
+                </a:solidFill>
+                <a:latin typeface="Consolas" panose="020B0609020204030204" pitchFamily="49" charset="0"/>
+              </a:rPr>
+              <a:t>);</a:t>
+            </a:r>
+          </a:p>
+          <a:p>
+            <a:r>
+              <a:rPr lang="en-US" dirty="0">
+                <a:solidFill>
+                  <a:srgbClr val="D4D4D4"/>
+                </a:solidFill>
+                <a:latin typeface="Consolas" panose="020B0609020204030204" pitchFamily="49" charset="0"/>
+              </a:rPr>
+              <a:t>            </a:t>
+            </a:r>
+            <a:r>
+              <a:rPr lang="en-US" dirty="0" err="1">
+                <a:solidFill>
+                  <a:srgbClr val="DCDCAA"/>
+                </a:solidFill>
+                <a:latin typeface="Consolas" panose="020B0609020204030204" pitchFamily="49" charset="0"/>
+              </a:rPr>
+              <a:t>saveRating</a:t>
+            </a:r>
+            <a:r>
+              <a:rPr lang="en-US" dirty="0">
+                <a:solidFill>
+                  <a:srgbClr val="D4D4D4"/>
+                </a:solidFill>
+                <a:latin typeface="Consolas" panose="020B0609020204030204" pitchFamily="49" charset="0"/>
+              </a:rPr>
+              <a:t>(</a:t>
+            </a:r>
+            <a:r>
+              <a:rPr lang="en-US" dirty="0" err="1">
+                <a:solidFill>
+                  <a:srgbClr val="9CDCFE"/>
+                </a:solidFill>
+                <a:latin typeface="Consolas" panose="020B0609020204030204" pitchFamily="49" charset="0"/>
+              </a:rPr>
+              <a:t>movieId</a:t>
+            </a:r>
+            <a:r>
+              <a:rPr lang="en-US" dirty="0" err="1">
+                <a:solidFill>
+                  <a:srgbClr val="D4D4D4"/>
+                </a:solidFill>
+                <a:latin typeface="Consolas" panose="020B0609020204030204" pitchFamily="49" charset="0"/>
+              </a:rPr>
+              <a:t>,</a:t>
+            </a:r>
+            <a:r>
+              <a:rPr lang="en-US" dirty="0" err="1">
+                <a:solidFill>
+                  <a:srgbClr val="9CDCFE"/>
+                </a:solidFill>
+                <a:latin typeface="Consolas" panose="020B0609020204030204" pitchFamily="49" charset="0"/>
+              </a:rPr>
+              <a:t>newRating</a:t>
+            </a:r>
+            <a:r>
+              <a:rPr lang="en-US" dirty="0">
+                <a:solidFill>
+                  <a:srgbClr val="D4D4D4"/>
+                </a:solidFill>
+                <a:latin typeface="Consolas" panose="020B0609020204030204" pitchFamily="49" charset="0"/>
+              </a:rPr>
+              <a:t>);</a:t>
+            </a:r>
+          </a:p>
+          <a:p>
+            <a:r>
+              <a:rPr lang="en-US" dirty="0">
+                <a:solidFill>
+                  <a:srgbClr val="D4D4D4"/>
+                </a:solidFill>
+                <a:latin typeface="Consolas" panose="020B0609020204030204" pitchFamily="49" charset="0"/>
+              </a:rPr>
+              <a:t>           }               </a:t>
+            </a:r>
+          </a:p>
+          <a:p>
+            <a:r>
+              <a:rPr lang="en-US" dirty="0">
+                <a:solidFill>
+                  <a:srgbClr val="D4D4D4"/>
+                </a:solidFill>
+                <a:latin typeface="Consolas" panose="020B0609020204030204" pitchFamily="49" charset="0"/>
+              </a:rPr>
+              <a:t>       }); </a:t>
+            </a:r>
+          </a:p>
+        </p:txBody>
+      </p:sp>
+    </p:spTree>
+    <p:extLst>
+      <p:ext uri="{BB962C8B-B14F-4D97-AF65-F5344CB8AC3E}">
+        <p14:creationId xmlns:p14="http://schemas.microsoft.com/office/powerpoint/2010/main" val="670932132"/>
+      </p:ext>
+    </p:extLst>
+  </p:cSld>
+  <p:clrMapOvr>
+    <a:masterClrMapping/>
+  </p:clrMapOvr>
+</p:sld>
+</file>
+
+<file path=ppt/slides/slide39.xml><?xml version="1.0" encoding="utf-8"?>
+<p:sld xmlns:a="http://schemas.openxmlformats.org/drawingml/2006/main" xmlns:r="http://schemas.openxmlformats.org/officeDocument/2006/relationships" xmlns:p="http://schemas.openxmlformats.org/presentationml/2006/main">
+  <p:cSld>
+    <p:spTree>
+      <p:nvGrpSpPr>
+        <p:cNvPr id="1" name=""/>
+        <p:cNvGrpSpPr/>
+        <p:nvPr/>
+      </p:nvGrpSpPr>
+      <p:grpSpPr>
+        <a:xfrm>
+          <a:off x="0" y="0"/>
+          <a:ext cx="0" cy="0"/>
+          <a:chOff x="0" y="0"/>
+          <a:chExt cx="0" cy="0"/>
+        </a:xfrm>
+      </p:grpSpPr>
+      <p:sp>
+        <p:nvSpPr>
+          <p:cNvPr id="5" name="Title 1">
+            <a:extLst>
+              <a:ext uri="{FF2B5EF4-FFF2-40B4-BE49-F238E27FC236}">
+                <a16:creationId xmlns:a16="http://schemas.microsoft.com/office/drawing/2014/main" id="{854C85E7-9AFD-40D6-AEC3-A039325C6484}"/>
+              </a:ext>
+            </a:extLst>
+          </p:cNvPr>
+          <p:cNvSpPr>
+            <a:spLocks noGrp="1"/>
+          </p:cNvSpPr>
+          <p:nvPr>
+            <p:ph type="title"/>
+          </p:nvPr>
+        </p:nvSpPr>
+        <p:spPr>
+          <a:xfrm>
+            <a:off x="141514" y="2682328"/>
+            <a:ext cx="11832771" cy="1325563"/>
+          </a:xfrm>
+        </p:spPr>
+        <p:txBody>
+          <a:bodyPr/>
+          <a:lstStyle/>
+          <a:p>
+            <a:pPr algn="ctr"/>
+            <a:r>
+              <a:rPr lang="en-US" dirty="0"/>
+              <a:t>Checkpoint : Do you now have a fully functioning application?</a:t>
+            </a:r>
+          </a:p>
+        </p:txBody>
+      </p:sp>
+    </p:spTree>
+    <p:extLst>
+      <p:ext uri="{BB962C8B-B14F-4D97-AF65-F5344CB8AC3E}">
+        <p14:creationId xmlns:p14="http://schemas.microsoft.com/office/powerpoint/2010/main" val="3827554760"/>
+      </p:ext>
+    </p:extLst>
+  </p:cSld>
+  <p:clrMapOvr>
+    <a:masterClrMapping/>
+  </p:clrMapOvr>
+</p:sld>
+</file>
+
 <file path=ppt/slides/slide4.xml><?xml version="1.0" encoding="utf-8"?>
 <p:sld xmlns:a="http://schemas.openxmlformats.org/drawingml/2006/main" xmlns:r="http://schemas.openxmlformats.org/officeDocument/2006/relationships" xmlns:p="http://schemas.openxmlformats.org/presentationml/2006/main">
   <p:cSld>
@@ -13561,6 +17574,86 @@
     <p:extLst>
       <p:ext uri="{BB962C8B-B14F-4D97-AF65-F5344CB8AC3E}">
         <p14:creationId xmlns:p14="http://schemas.microsoft.com/office/powerpoint/2010/main" val="3976832296"/>
+      </p:ext>
+    </p:extLst>
+  </p:cSld>
+  <p:clrMapOvr>
+    <a:masterClrMapping/>
+  </p:clrMapOvr>
+</p:sld>
+</file>
+
+<file path=ppt/slides/slide40.xml><?xml version="1.0" encoding="utf-8"?>
+<p:sld xmlns:a="http://schemas.openxmlformats.org/drawingml/2006/main" xmlns:r="http://schemas.openxmlformats.org/officeDocument/2006/relationships" xmlns:p="http://schemas.openxmlformats.org/presentationml/2006/main">
+  <p:cSld>
+    <p:spTree>
+      <p:nvGrpSpPr>
+        <p:cNvPr id="1" name=""/>
+        <p:cNvGrpSpPr/>
+        <p:nvPr/>
+      </p:nvGrpSpPr>
+      <p:grpSpPr>
+        <a:xfrm>
+          <a:off x="0" y="0"/>
+          <a:ext cx="0" cy="0"/>
+          <a:chOff x="0" y="0"/>
+          <a:chExt cx="0" cy="0"/>
+        </a:xfrm>
+      </p:grpSpPr>
+      <p:sp>
+        <p:nvSpPr>
+          <p:cNvPr id="2" name="Title 1">
+            <a:extLst>
+              <a:ext uri="{FF2B5EF4-FFF2-40B4-BE49-F238E27FC236}">
+                <a16:creationId xmlns:a16="http://schemas.microsoft.com/office/drawing/2014/main" id="{9950C290-227C-4671-8B4F-BA9EA9565BF0}"/>
+              </a:ext>
+            </a:extLst>
+          </p:cNvPr>
+          <p:cNvSpPr>
+            <a:spLocks noGrp="1"/>
+          </p:cNvSpPr>
+          <p:nvPr>
+            <p:ph type="title"/>
+          </p:nvPr>
+        </p:nvSpPr>
+        <p:spPr/>
+        <p:txBody>
+          <a:bodyPr/>
+          <a:lstStyle/>
+          <a:p>
+            <a:endParaRPr lang="en-US"/>
+          </a:p>
+        </p:txBody>
+      </p:sp>
+      <p:sp>
+        <p:nvSpPr>
+          <p:cNvPr id="3" name="Content Placeholder 2">
+            <a:extLst>
+              <a:ext uri="{FF2B5EF4-FFF2-40B4-BE49-F238E27FC236}">
+                <a16:creationId xmlns:a16="http://schemas.microsoft.com/office/drawing/2014/main" id="{1AF76F71-466B-4BCD-8DE5-1F3D35158A16}"/>
+              </a:ext>
+            </a:extLst>
+          </p:cNvPr>
+          <p:cNvSpPr>
+            <a:spLocks noGrp="1"/>
+          </p:cNvSpPr>
+          <p:nvPr>
+            <p:ph idx="1"/>
+          </p:nvPr>
+        </p:nvSpPr>
+        <p:spPr/>
+        <p:txBody>
+          <a:bodyPr/>
+          <a:lstStyle/>
+          <a:p>
+            <a:endParaRPr lang="en-US"/>
+          </a:p>
+        </p:txBody>
+      </p:sp>
+    </p:spTree>
+    <p:extLst>
+      <p:ext uri="{BB962C8B-B14F-4D97-AF65-F5344CB8AC3E}">
+        <p14:creationId xmlns:p14="http://schemas.microsoft.com/office/powerpoint/2010/main" val="3093499855"/>
       </p:ext>
     </p:extLst>
   </p:cSld>

--- a/Fullstack Tutorial.pptx
+++ b/Fullstack Tutorial.pptx
@@ -5,7 +5,7 @@
     <p:sldMasterId id="2147483648" r:id="rId1"/>
   </p:sldMasterIdLst>
   <p:notesMasterIdLst>
-    <p:notesMasterId r:id="rId42"/>
+    <p:notesMasterId r:id="rId59"/>
   </p:notesMasterIdLst>
   <p:sldIdLst>
     <p:sldId id="256" r:id="rId2"/>
@@ -47,7 +47,24 @@
     <p:sldId id="293" r:id="rId38"/>
     <p:sldId id="296" r:id="rId39"/>
     <p:sldId id="299" r:id="rId40"/>
-    <p:sldId id="300" r:id="rId41"/>
+    <p:sldId id="301" r:id="rId41"/>
+    <p:sldId id="302" r:id="rId42"/>
+    <p:sldId id="303" r:id="rId43"/>
+    <p:sldId id="304" r:id="rId44"/>
+    <p:sldId id="305" r:id="rId45"/>
+    <p:sldId id="306" r:id="rId46"/>
+    <p:sldId id="308" r:id="rId47"/>
+    <p:sldId id="307" r:id="rId48"/>
+    <p:sldId id="309" r:id="rId49"/>
+    <p:sldId id="311" r:id="rId50"/>
+    <p:sldId id="312" r:id="rId51"/>
+    <p:sldId id="313" r:id="rId52"/>
+    <p:sldId id="314" r:id="rId53"/>
+    <p:sldId id="315" r:id="rId54"/>
+    <p:sldId id="316" r:id="rId55"/>
+    <p:sldId id="317" r:id="rId56"/>
+    <p:sldId id="318" r:id="rId57"/>
+    <p:sldId id="319" r:id="rId58"/>
   </p:sldIdLst>
   <p:sldSz cx="12192000" cy="6858000"/>
   <p:notesSz cx="6858000" cy="9144000"/>
@@ -236,7 +253,7 @@
           <a:p>
             <a:fld id="{F0BEF4C3-2D3E-4C6A-B256-8B3B2A881B8E}" type="datetimeFigureOut">
               <a:rPr lang="en-US" smtClean="0"/>
-              <a:t>12/20/2019</a:t>
+              <a:t>2/7/2020</a:t>
             </a:fld>
             <a:endParaRPr lang="en-US"/>
           </a:p>
@@ -1166,7 +1183,7 @@
           <a:p>
             <a:fld id="{69C76681-95F7-4B7E-8206-7CC44CA6DF40}" type="datetimeFigureOut">
               <a:rPr lang="en-US" smtClean="0"/>
-              <a:t>12/20/2019</a:t>
+              <a:t>2/7/2020</a:t>
             </a:fld>
             <a:endParaRPr lang="en-US"/>
           </a:p>
@@ -1364,7 +1381,7 @@
           <a:p>
             <a:fld id="{69C76681-95F7-4B7E-8206-7CC44CA6DF40}" type="datetimeFigureOut">
               <a:rPr lang="en-US" smtClean="0"/>
-              <a:t>12/20/2019</a:t>
+              <a:t>2/7/2020</a:t>
             </a:fld>
             <a:endParaRPr lang="en-US"/>
           </a:p>
@@ -1572,7 +1589,7 @@
           <a:p>
             <a:fld id="{69C76681-95F7-4B7E-8206-7CC44CA6DF40}" type="datetimeFigureOut">
               <a:rPr lang="en-US" smtClean="0"/>
-              <a:t>12/20/2019</a:t>
+              <a:t>2/7/2020</a:t>
             </a:fld>
             <a:endParaRPr lang="en-US"/>
           </a:p>
@@ -1770,7 +1787,7 @@
           <a:p>
             <a:fld id="{69C76681-95F7-4B7E-8206-7CC44CA6DF40}" type="datetimeFigureOut">
               <a:rPr lang="en-US" smtClean="0"/>
-              <a:t>12/20/2019</a:t>
+              <a:t>2/7/2020</a:t>
             </a:fld>
             <a:endParaRPr lang="en-US"/>
           </a:p>
@@ -2045,7 +2062,7 @@
           <a:p>
             <a:fld id="{69C76681-95F7-4B7E-8206-7CC44CA6DF40}" type="datetimeFigureOut">
               <a:rPr lang="en-US" smtClean="0"/>
-              <a:t>12/20/2019</a:t>
+              <a:t>2/7/2020</a:t>
             </a:fld>
             <a:endParaRPr lang="en-US"/>
           </a:p>
@@ -2310,7 +2327,7 @@
           <a:p>
             <a:fld id="{69C76681-95F7-4B7E-8206-7CC44CA6DF40}" type="datetimeFigureOut">
               <a:rPr lang="en-US" smtClean="0"/>
-              <a:t>12/20/2019</a:t>
+              <a:t>2/7/2020</a:t>
             </a:fld>
             <a:endParaRPr lang="en-US"/>
           </a:p>
@@ -2722,7 +2739,7 @@
           <a:p>
             <a:fld id="{69C76681-95F7-4B7E-8206-7CC44CA6DF40}" type="datetimeFigureOut">
               <a:rPr lang="en-US" smtClean="0"/>
-              <a:t>12/20/2019</a:t>
+              <a:t>2/7/2020</a:t>
             </a:fld>
             <a:endParaRPr lang="en-US"/>
           </a:p>
@@ -2863,7 +2880,7 @@
           <a:p>
             <a:fld id="{69C76681-95F7-4B7E-8206-7CC44CA6DF40}" type="datetimeFigureOut">
               <a:rPr lang="en-US" smtClean="0"/>
-              <a:t>12/20/2019</a:t>
+              <a:t>2/7/2020</a:t>
             </a:fld>
             <a:endParaRPr lang="en-US"/>
           </a:p>
@@ -2976,7 +2993,7 @@
           <a:p>
             <a:fld id="{69C76681-95F7-4B7E-8206-7CC44CA6DF40}" type="datetimeFigureOut">
               <a:rPr lang="en-US" smtClean="0"/>
-              <a:t>12/20/2019</a:t>
+              <a:t>2/7/2020</a:t>
             </a:fld>
             <a:endParaRPr lang="en-US"/>
           </a:p>
@@ -3287,7 +3304,7 @@
           <a:p>
             <a:fld id="{69C76681-95F7-4B7E-8206-7CC44CA6DF40}" type="datetimeFigureOut">
               <a:rPr lang="en-US" smtClean="0"/>
-              <a:t>12/20/2019</a:t>
+              <a:t>2/7/2020</a:t>
             </a:fld>
             <a:endParaRPr lang="en-US"/>
           </a:p>
@@ -3575,7 +3592,7 @@
           <a:p>
             <a:fld id="{69C76681-95F7-4B7E-8206-7CC44CA6DF40}" type="datetimeFigureOut">
               <a:rPr lang="en-US" smtClean="0"/>
-              <a:t>12/20/2019</a:t>
+              <a:t>2/7/2020</a:t>
             </a:fld>
             <a:endParaRPr lang="en-US"/>
           </a:p>
@@ -3816,7 +3833,7 @@
           <a:p>
             <a:fld id="{69C76681-95F7-4B7E-8206-7CC44CA6DF40}" type="datetimeFigureOut">
               <a:rPr lang="en-US" smtClean="0"/>
-              <a:t>12/20/2019</a:t>
+              <a:t>2/7/2020</a:t>
             </a:fld>
             <a:endParaRPr lang="en-US"/>
           </a:p>
@@ -17621,7 +17638,10 @@
           <a:bodyPr/>
           <a:lstStyle/>
           <a:p>
-            <a:endParaRPr lang="en-US"/>
+            <a:r>
+              <a:rPr lang="en-US" dirty="0"/>
+              <a:t>Let’s add a bit of color to the app</a:t>
+            </a:r>
           </a:p>
         </p:txBody>
       </p:sp>
@@ -17646,14 +17666,3031 @@
           <a:bodyPr/>
           <a:lstStyle/>
           <a:p>
-            <a:endParaRPr lang="en-US"/>
+            <a:r>
+              <a:rPr lang="en-US" dirty="0"/>
+              <a:t>Create a movieList.css file in the static folder.</a:t>
+            </a:r>
+          </a:p>
+          <a:p>
+            <a:r>
+              <a:rPr lang="en-US" dirty="0"/>
+              <a:t>Reference the </a:t>
+            </a:r>
+            <a:r>
+              <a:rPr lang="en-US" dirty="0" err="1"/>
+              <a:t>css</a:t>
+            </a:r>
+            <a:r>
+              <a:rPr lang="en-US" dirty="0"/>
+              <a:t> file in the base.html file</a:t>
+            </a:r>
+          </a:p>
+        </p:txBody>
+      </p:sp>
+      <p:sp>
+        <p:nvSpPr>
+          <p:cNvPr id="5" name="Rectangle 4">
+            <a:extLst>
+              <a:ext uri="{FF2B5EF4-FFF2-40B4-BE49-F238E27FC236}">
+                <a16:creationId xmlns:a16="http://schemas.microsoft.com/office/drawing/2014/main" id="{CD3FA82D-93E0-4CF2-96E9-B376316DBA24}"/>
+              </a:ext>
+            </a:extLst>
+          </p:cNvPr>
+          <p:cNvSpPr/>
+          <p:nvPr/>
+        </p:nvSpPr>
+        <p:spPr>
+          <a:xfrm>
+            <a:off x="506185" y="3428998"/>
+            <a:ext cx="3537858" cy="769441"/>
+          </a:xfrm>
+          <a:prstGeom prst="rect">
+            <a:avLst/>
+          </a:prstGeom>
+        </p:spPr>
+        <p:txBody>
+          <a:bodyPr wrap="square">
+            <a:spAutoFit/>
+          </a:bodyPr>
+          <a:lstStyle/>
+          <a:p>
+            <a:r>
+              <a:rPr lang="en-US" sz="4400" dirty="0">
+                <a:solidFill>
+                  <a:prstClr val="black"/>
+                </a:solidFill>
+                <a:latin typeface="Calibri Light" panose="020F0302020204030204"/>
+                <a:ea typeface="+mj-ea"/>
+                <a:cs typeface="+mj-cs"/>
+              </a:rPr>
+              <a:t>base.html</a:t>
+            </a:r>
+            <a:endParaRPr lang="en-US" dirty="0"/>
+          </a:p>
+        </p:txBody>
+      </p:sp>
+      <p:sp>
+        <p:nvSpPr>
+          <p:cNvPr id="6" name="Rectangle 5">
+            <a:extLst>
+              <a:ext uri="{FF2B5EF4-FFF2-40B4-BE49-F238E27FC236}">
+                <a16:creationId xmlns:a16="http://schemas.microsoft.com/office/drawing/2014/main" id="{814A59A0-3E32-4906-BC68-F5FB9F5CBEBB}"/>
+              </a:ext>
+            </a:extLst>
+          </p:cNvPr>
+          <p:cNvSpPr/>
+          <p:nvPr/>
+        </p:nvSpPr>
+        <p:spPr>
+          <a:xfrm>
+            <a:off x="506185" y="4210511"/>
+            <a:ext cx="11179629" cy="1569660"/>
+          </a:xfrm>
+          <a:prstGeom prst="rect">
+            <a:avLst/>
+          </a:prstGeom>
+          <a:solidFill>
+            <a:schemeClr val="tx1"/>
+          </a:solidFill>
+        </p:spPr>
+        <p:txBody>
+          <a:bodyPr wrap="square">
+            <a:spAutoFit/>
+          </a:bodyPr>
+          <a:lstStyle/>
+          <a:p>
+            <a:r>
+              <a:rPr lang="en-US" sz="1600" dirty="0">
+                <a:solidFill>
+                  <a:srgbClr val="808080"/>
+                </a:solidFill>
+                <a:latin typeface="Consolas" panose="020B0609020204030204" pitchFamily="49" charset="0"/>
+              </a:rPr>
+              <a:t>&lt;</a:t>
+            </a:r>
+            <a:r>
+              <a:rPr lang="en-US" sz="1600" dirty="0">
+                <a:solidFill>
+                  <a:srgbClr val="569CD6"/>
+                </a:solidFill>
+                <a:latin typeface="Consolas" panose="020B0609020204030204" pitchFamily="49" charset="0"/>
+              </a:rPr>
+              <a:t>head</a:t>
+            </a:r>
+            <a:r>
+              <a:rPr lang="en-US" sz="1600" dirty="0">
+                <a:solidFill>
+                  <a:srgbClr val="808080"/>
+                </a:solidFill>
+                <a:latin typeface="Consolas" panose="020B0609020204030204" pitchFamily="49" charset="0"/>
+              </a:rPr>
+              <a:t>&gt;</a:t>
+            </a:r>
+            <a:endParaRPr lang="en-US" sz="1600" dirty="0">
+              <a:solidFill>
+                <a:srgbClr val="D4D4D4"/>
+              </a:solidFill>
+              <a:latin typeface="Consolas" panose="020B0609020204030204" pitchFamily="49" charset="0"/>
+            </a:endParaRPr>
+          </a:p>
+          <a:p>
+            <a:r>
+              <a:rPr lang="en-US" sz="1600" dirty="0">
+                <a:solidFill>
+                  <a:srgbClr val="D4D4D4"/>
+                </a:solidFill>
+                <a:latin typeface="Consolas" panose="020B0609020204030204" pitchFamily="49" charset="0"/>
+              </a:rPr>
+              <a:t>    </a:t>
+            </a:r>
+            <a:r>
+              <a:rPr lang="en-US" sz="1600" dirty="0">
+                <a:solidFill>
+                  <a:srgbClr val="808080"/>
+                </a:solidFill>
+                <a:latin typeface="Consolas" panose="020B0609020204030204" pitchFamily="49" charset="0"/>
+              </a:rPr>
+              <a:t>&lt;</a:t>
+            </a:r>
+            <a:r>
+              <a:rPr lang="en-US" sz="1600" dirty="0">
+                <a:solidFill>
+                  <a:srgbClr val="569CD6"/>
+                </a:solidFill>
+                <a:latin typeface="Consolas" panose="020B0609020204030204" pitchFamily="49" charset="0"/>
+              </a:rPr>
+              <a:t>title</a:t>
+            </a:r>
+            <a:r>
+              <a:rPr lang="en-US" sz="1600" dirty="0">
+                <a:solidFill>
+                  <a:srgbClr val="808080"/>
+                </a:solidFill>
+                <a:latin typeface="Consolas" panose="020B0609020204030204" pitchFamily="49" charset="0"/>
+              </a:rPr>
+              <a:t>&gt;</a:t>
+            </a:r>
+            <a:r>
+              <a:rPr lang="en-US" sz="1600" dirty="0">
+                <a:solidFill>
+                  <a:srgbClr val="D4D4D4"/>
+                </a:solidFill>
+                <a:latin typeface="Consolas" panose="020B0609020204030204" pitchFamily="49" charset="0"/>
+              </a:rPr>
+              <a:t> My Movie List</a:t>
+            </a:r>
+            <a:r>
+              <a:rPr lang="en-US" sz="1600" dirty="0">
+                <a:solidFill>
+                  <a:srgbClr val="808080"/>
+                </a:solidFill>
+                <a:latin typeface="Consolas" panose="020B0609020204030204" pitchFamily="49" charset="0"/>
+              </a:rPr>
+              <a:t>&lt;/</a:t>
+            </a:r>
+            <a:r>
+              <a:rPr lang="en-US" sz="1600" dirty="0">
+                <a:solidFill>
+                  <a:srgbClr val="569CD6"/>
+                </a:solidFill>
+                <a:latin typeface="Consolas" panose="020B0609020204030204" pitchFamily="49" charset="0"/>
+              </a:rPr>
+              <a:t>title</a:t>
+            </a:r>
+            <a:r>
+              <a:rPr lang="en-US" sz="1600" dirty="0">
+                <a:solidFill>
+                  <a:srgbClr val="808080"/>
+                </a:solidFill>
+                <a:latin typeface="Consolas" panose="020B0609020204030204" pitchFamily="49" charset="0"/>
+              </a:rPr>
+              <a:t>&gt;</a:t>
+            </a:r>
+            <a:endParaRPr lang="en-US" sz="1600" dirty="0">
+              <a:solidFill>
+                <a:srgbClr val="D4D4D4"/>
+              </a:solidFill>
+              <a:latin typeface="Consolas" panose="020B0609020204030204" pitchFamily="49" charset="0"/>
+            </a:endParaRPr>
+          </a:p>
+          <a:p>
+            <a:r>
+              <a:rPr lang="en-US" sz="1600" dirty="0">
+                <a:solidFill>
+                  <a:srgbClr val="D4D4D4"/>
+                </a:solidFill>
+                <a:latin typeface="Consolas" panose="020B0609020204030204" pitchFamily="49" charset="0"/>
+              </a:rPr>
+              <a:t>    </a:t>
+            </a:r>
+            <a:r>
+              <a:rPr lang="en-US" sz="1600" dirty="0">
+                <a:solidFill>
+                  <a:srgbClr val="808080"/>
+                </a:solidFill>
+                <a:latin typeface="Consolas" panose="020B0609020204030204" pitchFamily="49" charset="0"/>
+              </a:rPr>
+              <a:t>&lt;</a:t>
+            </a:r>
+            <a:r>
+              <a:rPr lang="en-US" sz="1600" dirty="0">
+                <a:solidFill>
+                  <a:srgbClr val="569CD6"/>
+                </a:solidFill>
+                <a:latin typeface="Consolas" panose="020B0609020204030204" pitchFamily="49" charset="0"/>
+              </a:rPr>
+              <a:t>script</a:t>
+            </a:r>
+            <a:r>
+              <a:rPr lang="en-US" sz="1600" dirty="0">
+                <a:solidFill>
+                  <a:srgbClr val="D4D4D4"/>
+                </a:solidFill>
+                <a:latin typeface="Consolas" panose="020B0609020204030204" pitchFamily="49" charset="0"/>
+              </a:rPr>
+              <a:t> </a:t>
+            </a:r>
+            <a:r>
+              <a:rPr lang="en-US" sz="1600" dirty="0" err="1">
+                <a:solidFill>
+                  <a:srgbClr val="9CDCFE"/>
+                </a:solidFill>
+                <a:latin typeface="Consolas" panose="020B0609020204030204" pitchFamily="49" charset="0"/>
+              </a:rPr>
+              <a:t>src</a:t>
+            </a:r>
+            <a:r>
+              <a:rPr lang="en-US" sz="1600" dirty="0">
+                <a:solidFill>
+                  <a:srgbClr val="D4D4D4"/>
+                </a:solidFill>
+                <a:latin typeface="Consolas" panose="020B0609020204030204" pitchFamily="49" charset="0"/>
+              </a:rPr>
+              <a:t>=</a:t>
+            </a:r>
+            <a:r>
+              <a:rPr lang="en-US" sz="1600" dirty="0">
+                <a:solidFill>
+                  <a:srgbClr val="CE9178"/>
+                </a:solidFill>
+                <a:latin typeface="Consolas" panose="020B0609020204030204" pitchFamily="49" charset="0"/>
+              </a:rPr>
+              <a:t>"https://code.jquery.com/jquery-3.4.1.js"</a:t>
+            </a:r>
+            <a:r>
+              <a:rPr lang="en-US" sz="1600" dirty="0">
+                <a:solidFill>
+                  <a:srgbClr val="D4D4D4"/>
+                </a:solidFill>
+                <a:latin typeface="Consolas" panose="020B0609020204030204" pitchFamily="49" charset="0"/>
+              </a:rPr>
+              <a:t> </a:t>
+            </a:r>
+            <a:r>
+              <a:rPr lang="en-US" sz="1600" dirty="0">
+                <a:solidFill>
+                  <a:srgbClr val="808080"/>
+                </a:solidFill>
+                <a:latin typeface="Consolas" panose="020B0609020204030204" pitchFamily="49" charset="0"/>
+              </a:rPr>
+              <a:t>&gt;&lt;/</a:t>
+            </a:r>
+            <a:r>
+              <a:rPr lang="en-US" sz="1600" dirty="0">
+                <a:solidFill>
+                  <a:srgbClr val="569CD6"/>
+                </a:solidFill>
+                <a:latin typeface="Consolas" panose="020B0609020204030204" pitchFamily="49" charset="0"/>
+              </a:rPr>
+              <a:t>script</a:t>
+            </a:r>
+            <a:r>
+              <a:rPr lang="en-US" sz="1600" dirty="0">
+                <a:solidFill>
+                  <a:srgbClr val="808080"/>
+                </a:solidFill>
+                <a:latin typeface="Consolas" panose="020B0609020204030204" pitchFamily="49" charset="0"/>
+              </a:rPr>
+              <a:t>&gt;</a:t>
+            </a:r>
+            <a:endParaRPr lang="en-US" sz="1600" dirty="0">
+              <a:solidFill>
+                <a:srgbClr val="D4D4D4"/>
+              </a:solidFill>
+              <a:latin typeface="Consolas" panose="020B0609020204030204" pitchFamily="49" charset="0"/>
+            </a:endParaRPr>
+          </a:p>
+          <a:p>
+            <a:r>
+              <a:rPr lang="en-US" sz="1600" dirty="0">
+                <a:solidFill>
+                  <a:srgbClr val="D4D4D4"/>
+                </a:solidFill>
+                <a:latin typeface="Consolas" panose="020B0609020204030204" pitchFamily="49" charset="0"/>
+              </a:rPr>
+              <a:t>    </a:t>
+            </a:r>
+            <a:r>
+              <a:rPr lang="en-US" sz="1600" dirty="0">
+                <a:solidFill>
+                  <a:srgbClr val="808080"/>
+                </a:solidFill>
+                <a:latin typeface="Consolas" panose="020B0609020204030204" pitchFamily="49" charset="0"/>
+              </a:rPr>
+              <a:t>&lt;</a:t>
+            </a:r>
+            <a:r>
+              <a:rPr lang="en-US" sz="1600" dirty="0">
+                <a:solidFill>
+                  <a:srgbClr val="569CD6"/>
+                </a:solidFill>
+                <a:latin typeface="Consolas" panose="020B0609020204030204" pitchFamily="49" charset="0"/>
+              </a:rPr>
+              <a:t>script</a:t>
+            </a:r>
+            <a:r>
+              <a:rPr lang="en-US" sz="1600" dirty="0">
+                <a:solidFill>
+                  <a:srgbClr val="D4D4D4"/>
+                </a:solidFill>
+                <a:latin typeface="Consolas" panose="020B0609020204030204" pitchFamily="49" charset="0"/>
+              </a:rPr>
+              <a:t> </a:t>
+            </a:r>
+            <a:r>
+              <a:rPr lang="en-US" sz="1600" dirty="0" err="1">
+                <a:solidFill>
+                  <a:srgbClr val="9CDCFE"/>
+                </a:solidFill>
+                <a:latin typeface="Consolas" panose="020B0609020204030204" pitchFamily="49" charset="0"/>
+              </a:rPr>
+              <a:t>src</a:t>
+            </a:r>
+            <a:r>
+              <a:rPr lang="en-US" sz="1600" dirty="0">
+                <a:solidFill>
+                  <a:srgbClr val="D4D4D4"/>
+                </a:solidFill>
+                <a:latin typeface="Consolas" panose="020B0609020204030204" pitchFamily="49" charset="0"/>
+              </a:rPr>
+              <a:t>=</a:t>
+            </a:r>
+            <a:r>
+              <a:rPr lang="en-US" sz="1600" dirty="0">
+                <a:solidFill>
+                  <a:srgbClr val="CE9178"/>
+                </a:solidFill>
+                <a:latin typeface="Consolas" panose="020B0609020204030204" pitchFamily="49" charset="0"/>
+              </a:rPr>
+              <a:t>"{{ </a:t>
+            </a:r>
+            <a:r>
+              <a:rPr lang="en-US" sz="1600" dirty="0" err="1">
+                <a:solidFill>
+                  <a:srgbClr val="CE9178"/>
+                </a:solidFill>
+                <a:latin typeface="Consolas" panose="020B0609020204030204" pitchFamily="49" charset="0"/>
+              </a:rPr>
+              <a:t>url_for</a:t>
+            </a:r>
+            <a:r>
+              <a:rPr lang="en-US" sz="1600" dirty="0">
+                <a:solidFill>
+                  <a:srgbClr val="CE9178"/>
+                </a:solidFill>
+                <a:latin typeface="Consolas" panose="020B0609020204030204" pitchFamily="49" charset="0"/>
+              </a:rPr>
+              <a:t>('static', filename='eventhandler.js') }}"</a:t>
+            </a:r>
+            <a:r>
+              <a:rPr lang="en-US" sz="1600" dirty="0">
+                <a:solidFill>
+                  <a:srgbClr val="808080"/>
+                </a:solidFill>
+                <a:latin typeface="Consolas" panose="020B0609020204030204" pitchFamily="49" charset="0"/>
+              </a:rPr>
+              <a:t>&gt;&lt;/</a:t>
+            </a:r>
+            <a:r>
+              <a:rPr lang="en-US" sz="1600" dirty="0">
+                <a:solidFill>
+                  <a:srgbClr val="569CD6"/>
+                </a:solidFill>
+                <a:latin typeface="Consolas" panose="020B0609020204030204" pitchFamily="49" charset="0"/>
+              </a:rPr>
+              <a:t>script</a:t>
+            </a:r>
+            <a:r>
+              <a:rPr lang="en-US" sz="1600" dirty="0">
+                <a:solidFill>
+                  <a:srgbClr val="808080"/>
+                </a:solidFill>
+                <a:latin typeface="Consolas" panose="020B0609020204030204" pitchFamily="49" charset="0"/>
+              </a:rPr>
+              <a:t>&gt;</a:t>
+            </a:r>
+            <a:r>
+              <a:rPr lang="en-US" sz="1600" dirty="0">
+                <a:solidFill>
+                  <a:srgbClr val="D4D4D4"/>
+                </a:solidFill>
+                <a:latin typeface="Consolas" panose="020B0609020204030204" pitchFamily="49" charset="0"/>
+              </a:rPr>
+              <a:t>    </a:t>
+            </a:r>
+          </a:p>
+          <a:p>
+            <a:r>
+              <a:rPr lang="en-US" sz="1600" dirty="0">
+                <a:solidFill>
+                  <a:srgbClr val="D4D4D4"/>
+                </a:solidFill>
+                <a:latin typeface="Consolas" panose="020B0609020204030204" pitchFamily="49" charset="0"/>
+              </a:rPr>
+              <a:t>    </a:t>
+            </a:r>
+            <a:r>
+              <a:rPr lang="en-US" sz="1600" dirty="0">
+                <a:solidFill>
+                  <a:srgbClr val="808080"/>
+                </a:solidFill>
+                <a:latin typeface="Consolas" panose="020B0609020204030204" pitchFamily="49" charset="0"/>
+              </a:rPr>
+              <a:t>&lt;</a:t>
+            </a:r>
+            <a:r>
+              <a:rPr lang="en-US" sz="1600" dirty="0">
+                <a:solidFill>
+                  <a:srgbClr val="569CD6"/>
+                </a:solidFill>
+                <a:latin typeface="Consolas" panose="020B0609020204030204" pitchFamily="49" charset="0"/>
+              </a:rPr>
+              <a:t>link</a:t>
+            </a:r>
+            <a:r>
+              <a:rPr lang="en-US" sz="1600" dirty="0">
+                <a:solidFill>
+                  <a:srgbClr val="D4D4D4"/>
+                </a:solidFill>
+                <a:latin typeface="Consolas" panose="020B0609020204030204" pitchFamily="49" charset="0"/>
+              </a:rPr>
+              <a:t> </a:t>
+            </a:r>
+            <a:r>
+              <a:rPr lang="en-US" sz="1600" dirty="0" err="1">
+                <a:solidFill>
+                  <a:srgbClr val="9CDCFE"/>
+                </a:solidFill>
+                <a:latin typeface="Consolas" panose="020B0609020204030204" pitchFamily="49" charset="0"/>
+              </a:rPr>
+              <a:t>rel</a:t>
+            </a:r>
+            <a:r>
+              <a:rPr lang="en-US" sz="1600" dirty="0">
+                <a:solidFill>
+                  <a:srgbClr val="D4D4D4"/>
+                </a:solidFill>
+                <a:latin typeface="Consolas" panose="020B0609020204030204" pitchFamily="49" charset="0"/>
+              </a:rPr>
+              <a:t>=</a:t>
+            </a:r>
+            <a:r>
+              <a:rPr lang="en-US" sz="1600" dirty="0">
+                <a:solidFill>
+                  <a:srgbClr val="CE9178"/>
+                </a:solidFill>
+                <a:latin typeface="Consolas" panose="020B0609020204030204" pitchFamily="49" charset="0"/>
+              </a:rPr>
+              <a:t>"stylesheet"</a:t>
+            </a:r>
+            <a:r>
+              <a:rPr lang="en-US" sz="1600" dirty="0">
+                <a:solidFill>
+                  <a:srgbClr val="D4D4D4"/>
+                </a:solidFill>
+                <a:latin typeface="Consolas" panose="020B0609020204030204" pitchFamily="49" charset="0"/>
+              </a:rPr>
+              <a:t> </a:t>
+            </a:r>
+            <a:r>
+              <a:rPr lang="en-US" sz="1600" dirty="0">
+                <a:solidFill>
+                  <a:srgbClr val="9CDCFE"/>
+                </a:solidFill>
+                <a:latin typeface="Consolas" panose="020B0609020204030204" pitchFamily="49" charset="0"/>
+              </a:rPr>
+              <a:t>type</a:t>
+            </a:r>
+            <a:r>
+              <a:rPr lang="en-US" sz="1600" dirty="0">
+                <a:solidFill>
+                  <a:srgbClr val="D4D4D4"/>
+                </a:solidFill>
+                <a:latin typeface="Consolas" panose="020B0609020204030204" pitchFamily="49" charset="0"/>
+              </a:rPr>
+              <a:t>=</a:t>
+            </a:r>
+            <a:r>
+              <a:rPr lang="en-US" sz="1600" dirty="0">
+                <a:solidFill>
+                  <a:srgbClr val="CE9178"/>
+                </a:solidFill>
+                <a:latin typeface="Consolas" panose="020B0609020204030204" pitchFamily="49" charset="0"/>
+              </a:rPr>
+              <a:t>"text/</a:t>
+            </a:r>
+            <a:r>
+              <a:rPr lang="en-US" sz="1600" dirty="0" err="1">
+                <a:solidFill>
+                  <a:srgbClr val="CE9178"/>
+                </a:solidFill>
+                <a:latin typeface="Consolas" panose="020B0609020204030204" pitchFamily="49" charset="0"/>
+              </a:rPr>
+              <a:t>css</a:t>
+            </a:r>
+            <a:r>
+              <a:rPr lang="en-US" sz="1600" dirty="0">
+                <a:solidFill>
+                  <a:srgbClr val="CE9178"/>
+                </a:solidFill>
+                <a:latin typeface="Consolas" panose="020B0609020204030204" pitchFamily="49" charset="0"/>
+              </a:rPr>
+              <a:t>"</a:t>
+            </a:r>
+            <a:r>
+              <a:rPr lang="en-US" sz="1600" dirty="0">
+                <a:solidFill>
+                  <a:srgbClr val="D4D4D4"/>
+                </a:solidFill>
+                <a:latin typeface="Consolas" panose="020B0609020204030204" pitchFamily="49" charset="0"/>
+              </a:rPr>
+              <a:t> </a:t>
+            </a:r>
+            <a:r>
+              <a:rPr lang="en-US" sz="1600" dirty="0" err="1">
+                <a:solidFill>
+                  <a:srgbClr val="9CDCFE"/>
+                </a:solidFill>
+                <a:latin typeface="Consolas" panose="020B0609020204030204" pitchFamily="49" charset="0"/>
+              </a:rPr>
+              <a:t>href</a:t>
+            </a:r>
+            <a:r>
+              <a:rPr lang="en-US" sz="1600" dirty="0">
+                <a:solidFill>
+                  <a:srgbClr val="D4D4D4"/>
+                </a:solidFill>
+                <a:latin typeface="Consolas" panose="020B0609020204030204" pitchFamily="49" charset="0"/>
+              </a:rPr>
+              <a:t>=</a:t>
+            </a:r>
+            <a:r>
+              <a:rPr lang="en-US" sz="1600" dirty="0">
+                <a:solidFill>
+                  <a:srgbClr val="CE9178"/>
+                </a:solidFill>
+                <a:latin typeface="Consolas" panose="020B0609020204030204" pitchFamily="49" charset="0"/>
+              </a:rPr>
+              <a:t>"{{</a:t>
+            </a:r>
+            <a:r>
+              <a:rPr lang="en-US" sz="1600" dirty="0" err="1">
+                <a:solidFill>
+                  <a:srgbClr val="CE9178"/>
+                </a:solidFill>
+                <a:latin typeface="Consolas" panose="020B0609020204030204" pitchFamily="49" charset="0"/>
+              </a:rPr>
+              <a:t>url_for</a:t>
+            </a:r>
+            <a:r>
+              <a:rPr lang="en-US" sz="1600" dirty="0">
+                <a:solidFill>
+                  <a:srgbClr val="CE9178"/>
+                </a:solidFill>
+                <a:latin typeface="Consolas" panose="020B0609020204030204" pitchFamily="49" charset="0"/>
+              </a:rPr>
+              <a:t>('static', filename='movieList.css')}}"</a:t>
+            </a:r>
+            <a:r>
+              <a:rPr lang="en-US" sz="1600" dirty="0">
+                <a:solidFill>
+                  <a:srgbClr val="808080"/>
+                </a:solidFill>
+                <a:latin typeface="Consolas" panose="020B0609020204030204" pitchFamily="49" charset="0"/>
+              </a:rPr>
+              <a:t>&gt;</a:t>
+            </a:r>
+            <a:endParaRPr lang="en-US" sz="1600" dirty="0">
+              <a:solidFill>
+                <a:srgbClr val="D4D4D4"/>
+              </a:solidFill>
+              <a:latin typeface="Consolas" panose="020B0609020204030204" pitchFamily="49" charset="0"/>
+            </a:endParaRPr>
+          </a:p>
+          <a:p>
+            <a:r>
+              <a:rPr lang="en-US" sz="1600" dirty="0">
+                <a:solidFill>
+                  <a:srgbClr val="808080"/>
+                </a:solidFill>
+                <a:latin typeface="Consolas" panose="020B0609020204030204" pitchFamily="49" charset="0"/>
+              </a:rPr>
+              <a:t>&lt;/</a:t>
+            </a:r>
+            <a:r>
+              <a:rPr lang="en-US" sz="1600" dirty="0">
+                <a:solidFill>
+                  <a:srgbClr val="569CD6"/>
+                </a:solidFill>
+                <a:latin typeface="Consolas" panose="020B0609020204030204" pitchFamily="49" charset="0"/>
+              </a:rPr>
+              <a:t>head</a:t>
+            </a:r>
+            <a:r>
+              <a:rPr lang="en-US" sz="1600" dirty="0">
+                <a:solidFill>
+                  <a:srgbClr val="808080"/>
+                </a:solidFill>
+                <a:latin typeface="Consolas" panose="020B0609020204030204" pitchFamily="49" charset="0"/>
+              </a:rPr>
+              <a:t>&gt;</a:t>
+            </a:r>
+            <a:endParaRPr lang="en-US" sz="1600" dirty="0">
+              <a:solidFill>
+                <a:srgbClr val="D4D4D4"/>
+              </a:solidFill>
+              <a:latin typeface="Consolas" panose="020B0609020204030204" pitchFamily="49" charset="0"/>
+            </a:endParaRPr>
           </a:p>
         </p:txBody>
       </p:sp>
     </p:spTree>
     <p:extLst>
       <p:ext uri="{BB962C8B-B14F-4D97-AF65-F5344CB8AC3E}">
-        <p14:creationId xmlns:p14="http://schemas.microsoft.com/office/powerpoint/2010/main" val="3093499855"/>
+        <p14:creationId xmlns:p14="http://schemas.microsoft.com/office/powerpoint/2010/main" val="3121353015"/>
+      </p:ext>
+    </p:extLst>
+  </p:cSld>
+  <p:clrMapOvr>
+    <a:masterClrMapping/>
+  </p:clrMapOvr>
+</p:sld>
+</file>
+
+<file path=ppt/slides/slide41.xml><?xml version="1.0" encoding="utf-8"?>
+<p:sld xmlns:a="http://schemas.openxmlformats.org/drawingml/2006/main" xmlns:r="http://schemas.openxmlformats.org/officeDocument/2006/relationships" xmlns:p="http://schemas.openxmlformats.org/presentationml/2006/main">
+  <p:cSld>
+    <p:spTree>
+      <p:nvGrpSpPr>
+        <p:cNvPr id="1" name=""/>
+        <p:cNvGrpSpPr/>
+        <p:nvPr/>
+      </p:nvGrpSpPr>
+      <p:grpSpPr>
+        <a:xfrm>
+          <a:off x="0" y="0"/>
+          <a:ext cx="0" cy="0"/>
+          <a:chOff x="0" y="0"/>
+          <a:chExt cx="0" cy="0"/>
+        </a:xfrm>
+      </p:grpSpPr>
+      <p:sp>
+        <p:nvSpPr>
+          <p:cNvPr id="2" name="Title 1">
+            <a:extLst>
+              <a:ext uri="{FF2B5EF4-FFF2-40B4-BE49-F238E27FC236}">
+                <a16:creationId xmlns:a16="http://schemas.microsoft.com/office/drawing/2014/main" id="{4902D6F2-C5AA-4B8B-9112-C676E958A3AF}"/>
+              </a:ext>
+            </a:extLst>
+          </p:cNvPr>
+          <p:cNvSpPr>
+            <a:spLocks noGrp="1"/>
+          </p:cNvSpPr>
+          <p:nvPr>
+            <p:ph type="title"/>
+          </p:nvPr>
+        </p:nvSpPr>
+        <p:spPr/>
+        <p:txBody>
+          <a:bodyPr/>
+          <a:lstStyle/>
+          <a:p>
+            <a:r>
+              <a:rPr lang="en-US" dirty="0"/>
+              <a:t>Styling cont.</a:t>
+            </a:r>
+          </a:p>
+        </p:txBody>
+      </p:sp>
+      <p:sp>
+        <p:nvSpPr>
+          <p:cNvPr id="3" name="Content Placeholder 2">
+            <a:extLst>
+              <a:ext uri="{FF2B5EF4-FFF2-40B4-BE49-F238E27FC236}">
+                <a16:creationId xmlns:a16="http://schemas.microsoft.com/office/drawing/2014/main" id="{DF177B2C-E13A-4A79-9BB9-9D179A93004B}"/>
+              </a:ext>
+            </a:extLst>
+          </p:cNvPr>
+          <p:cNvSpPr>
+            <a:spLocks noGrp="1"/>
+          </p:cNvSpPr>
+          <p:nvPr>
+            <p:ph idx="1"/>
+          </p:nvPr>
+        </p:nvSpPr>
+        <p:spPr/>
+        <p:txBody>
+          <a:bodyPr/>
+          <a:lstStyle/>
+          <a:p>
+            <a:pPr marL="0" indent="0">
+              <a:buNone/>
+            </a:pPr>
+            <a:r>
+              <a:rPr lang="en-US" dirty="0"/>
+              <a:t>Give some random style to the html file, through </a:t>
+            </a:r>
+            <a:r>
+              <a:rPr lang="en-US" dirty="0" err="1"/>
+              <a:t>css</a:t>
+            </a:r>
+            <a:r>
+              <a:rPr lang="en-US" dirty="0"/>
+              <a:t>.</a:t>
+            </a:r>
+          </a:p>
+          <a:p>
+            <a:pPr marL="0" indent="0">
+              <a:buNone/>
+            </a:pPr>
+            <a:endParaRPr lang="en-US" dirty="0"/>
+          </a:p>
+        </p:txBody>
+      </p:sp>
+      <p:sp>
+        <p:nvSpPr>
+          <p:cNvPr id="4" name="Rectangle 3">
+            <a:extLst>
+              <a:ext uri="{FF2B5EF4-FFF2-40B4-BE49-F238E27FC236}">
+                <a16:creationId xmlns:a16="http://schemas.microsoft.com/office/drawing/2014/main" id="{0F4A3ECF-3193-4BB6-9259-073CA491CF5D}"/>
+              </a:ext>
+            </a:extLst>
+          </p:cNvPr>
+          <p:cNvSpPr/>
+          <p:nvPr/>
+        </p:nvSpPr>
+        <p:spPr>
+          <a:xfrm>
+            <a:off x="968828" y="2690336"/>
+            <a:ext cx="6096000" cy="923330"/>
+          </a:xfrm>
+          <a:prstGeom prst="rect">
+            <a:avLst/>
+          </a:prstGeom>
+          <a:solidFill>
+            <a:schemeClr val="tx1"/>
+          </a:solidFill>
+        </p:spPr>
+        <p:txBody>
+          <a:bodyPr>
+            <a:spAutoFit/>
+          </a:bodyPr>
+          <a:lstStyle/>
+          <a:p>
+            <a:r>
+              <a:rPr lang="en-US" dirty="0">
+                <a:solidFill>
+                  <a:srgbClr val="569CD6"/>
+                </a:solidFill>
+                <a:latin typeface="Consolas" panose="020B0609020204030204" pitchFamily="49" charset="0"/>
+              </a:rPr>
+              <a:t>*</a:t>
+            </a:r>
+            <a:r>
+              <a:rPr lang="en-US" dirty="0">
+                <a:solidFill>
+                  <a:srgbClr val="D4D4D4"/>
+                </a:solidFill>
+                <a:latin typeface="Consolas" panose="020B0609020204030204" pitchFamily="49" charset="0"/>
+              </a:rPr>
+              <a:t> {</a:t>
+            </a:r>
+          </a:p>
+          <a:p>
+            <a:r>
+              <a:rPr lang="en-US" dirty="0">
+                <a:solidFill>
+                  <a:srgbClr val="D4D4D4"/>
+                </a:solidFill>
+                <a:latin typeface="Consolas" panose="020B0609020204030204" pitchFamily="49" charset="0"/>
+              </a:rPr>
+              <a:t>      </a:t>
+            </a:r>
+            <a:r>
+              <a:rPr lang="en-US" dirty="0">
+                <a:solidFill>
+                  <a:srgbClr val="9CDCFE"/>
+                </a:solidFill>
+                <a:latin typeface="Consolas" panose="020B0609020204030204" pitchFamily="49" charset="0"/>
+              </a:rPr>
+              <a:t>background-color</a:t>
+            </a:r>
+            <a:r>
+              <a:rPr lang="en-US" dirty="0">
+                <a:solidFill>
+                  <a:srgbClr val="D4D4D4"/>
+                </a:solidFill>
+                <a:latin typeface="Consolas" panose="020B0609020204030204" pitchFamily="49" charset="0"/>
+              </a:rPr>
+              <a:t>: </a:t>
+            </a:r>
+            <a:r>
+              <a:rPr lang="en-US" dirty="0">
+                <a:solidFill>
+                  <a:srgbClr val="CE9178"/>
+                </a:solidFill>
+                <a:latin typeface="Consolas" panose="020B0609020204030204" pitchFamily="49" charset="0"/>
+              </a:rPr>
+              <a:t>burlywood</a:t>
+            </a:r>
+            <a:r>
+              <a:rPr lang="en-US" dirty="0">
+                <a:solidFill>
+                  <a:srgbClr val="D4D4D4"/>
+                </a:solidFill>
+                <a:latin typeface="Consolas" panose="020B0609020204030204" pitchFamily="49" charset="0"/>
+              </a:rPr>
+              <a:t>;</a:t>
+            </a:r>
+          </a:p>
+          <a:p>
+            <a:r>
+              <a:rPr lang="en-US" dirty="0">
+                <a:solidFill>
+                  <a:srgbClr val="D4D4D4"/>
+                </a:solidFill>
+                <a:latin typeface="Consolas" panose="020B0609020204030204" pitchFamily="49" charset="0"/>
+              </a:rPr>
+              <a:t>}</a:t>
+            </a:r>
+          </a:p>
+        </p:txBody>
+      </p:sp>
+    </p:spTree>
+    <p:extLst>
+      <p:ext uri="{BB962C8B-B14F-4D97-AF65-F5344CB8AC3E}">
+        <p14:creationId xmlns:p14="http://schemas.microsoft.com/office/powerpoint/2010/main" val="2365934135"/>
+      </p:ext>
+    </p:extLst>
+  </p:cSld>
+  <p:clrMapOvr>
+    <a:masterClrMapping/>
+  </p:clrMapOvr>
+</p:sld>
+</file>
+
+<file path=ppt/slides/slide42.xml><?xml version="1.0" encoding="utf-8"?>
+<p:sld xmlns:a="http://schemas.openxmlformats.org/drawingml/2006/main" xmlns:r="http://schemas.openxmlformats.org/officeDocument/2006/relationships" xmlns:p="http://schemas.openxmlformats.org/presentationml/2006/main">
+  <p:cSld>
+    <p:spTree>
+      <p:nvGrpSpPr>
+        <p:cNvPr id="1" name=""/>
+        <p:cNvGrpSpPr/>
+        <p:nvPr/>
+      </p:nvGrpSpPr>
+      <p:grpSpPr>
+        <a:xfrm>
+          <a:off x="0" y="0"/>
+          <a:ext cx="0" cy="0"/>
+          <a:chOff x="0" y="0"/>
+          <a:chExt cx="0" cy="0"/>
+        </a:xfrm>
+      </p:grpSpPr>
+      <p:sp>
+        <p:nvSpPr>
+          <p:cNvPr id="5" name="Title 1">
+            <a:extLst>
+              <a:ext uri="{FF2B5EF4-FFF2-40B4-BE49-F238E27FC236}">
+                <a16:creationId xmlns:a16="http://schemas.microsoft.com/office/drawing/2014/main" id="{854C85E7-9AFD-40D6-AEC3-A039325C6484}"/>
+              </a:ext>
+            </a:extLst>
+          </p:cNvPr>
+          <p:cNvSpPr>
+            <a:spLocks noGrp="1"/>
+          </p:cNvSpPr>
+          <p:nvPr>
+            <p:ph type="title"/>
+          </p:nvPr>
+        </p:nvSpPr>
+        <p:spPr>
+          <a:xfrm>
+            <a:off x="141514" y="2682328"/>
+            <a:ext cx="11832771" cy="1325563"/>
+          </a:xfrm>
+        </p:spPr>
+        <p:txBody>
+          <a:bodyPr/>
+          <a:lstStyle/>
+          <a:p>
+            <a:pPr algn="ctr"/>
+            <a:r>
+              <a:rPr lang="en-US" dirty="0"/>
+              <a:t>Checkpoint : Does your application react to CSS?</a:t>
+            </a:r>
+          </a:p>
+        </p:txBody>
+      </p:sp>
+    </p:spTree>
+    <p:extLst>
+      <p:ext uri="{BB962C8B-B14F-4D97-AF65-F5344CB8AC3E}">
+        <p14:creationId xmlns:p14="http://schemas.microsoft.com/office/powerpoint/2010/main" val="2846608090"/>
+      </p:ext>
+    </p:extLst>
+  </p:cSld>
+  <p:clrMapOvr>
+    <a:masterClrMapping/>
+  </p:clrMapOvr>
+</p:sld>
+</file>
+
+<file path=ppt/slides/slide43.xml><?xml version="1.0" encoding="utf-8"?>
+<p:sld xmlns:a="http://schemas.openxmlformats.org/drawingml/2006/main" xmlns:r="http://schemas.openxmlformats.org/officeDocument/2006/relationships" xmlns:p="http://schemas.openxmlformats.org/presentationml/2006/main">
+  <p:cSld>
+    <p:spTree>
+      <p:nvGrpSpPr>
+        <p:cNvPr id="1" name=""/>
+        <p:cNvGrpSpPr/>
+        <p:nvPr/>
+      </p:nvGrpSpPr>
+      <p:grpSpPr>
+        <a:xfrm>
+          <a:off x="0" y="0"/>
+          <a:ext cx="0" cy="0"/>
+          <a:chOff x="0" y="0"/>
+          <a:chExt cx="0" cy="0"/>
+        </a:xfrm>
+      </p:grpSpPr>
+      <p:sp>
+        <p:nvSpPr>
+          <p:cNvPr id="2" name="Title 1">
+            <a:extLst>
+              <a:ext uri="{FF2B5EF4-FFF2-40B4-BE49-F238E27FC236}">
+                <a16:creationId xmlns:a16="http://schemas.microsoft.com/office/drawing/2014/main" id="{FE3AEDC1-E10A-4DEB-90D3-8400DEC26154}"/>
+              </a:ext>
+            </a:extLst>
+          </p:cNvPr>
+          <p:cNvSpPr>
+            <a:spLocks noGrp="1"/>
+          </p:cNvSpPr>
+          <p:nvPr>
+            <p:ph type="title"/>
+          </p:nvPr>
+        </p:nvSpPr>
+        <p:spPr/>
+        <p:txBody>
+          <a:bodyPr/>
+          <a:lstStyle/>
+          <a:p>
+            <a:r>
+              <a:rPr lang="en-US" dirty="0"/>
+              <a:t>Styling cont.</a:t>
+            </a:r>
+          </a:p>
+        </p:txBody>
+      </p:sp>
+      <p:sp>
+        <p:nvSpPr>
+          <p:cNvPr id="3" name="Content Placeholder 2">
+            <a:extLst>
+              <a:ext uri="{FF2B5EF4-FFF2-40B4-BE49-F238E27FC236}">
+                <a16:creationId xmlns:a16="http://schemas.microsoft.com/office/drawing/2014/main" id="{DE51B973-6B51-4602-9C52-01974B89E6C6}"/>
+              </a:ext>
+            </a:extLst>
+          </p:cNvPr>
+          <p:cNvSpPr>
+            <a:spLocks noGrp="1"/>
+          </p:cNvSpPr>
+          <p:nvPr>
+            <p:ph idx="1"/>
+          </p:nvPr>
+        </p:nvSpPr>
+        <p:spPr/>
+        <p:txBody>
+          <a:bodyPr/>
+          <a:lstStyle/>
+          <a:p>
+            <a:r>
+              <a:rPr lang="en-US" dirty="0"/>
+              <a:t>Make the table border visible, its easy to adjust.</a:t>
+            </a:r>
+          </a:p>
+          <a:p>
+            <a:r>
+              <a:rPr lang="en-US" dirty="0"/>
+              <a:t>Make the table fill its container fully.</a:t>
+            </a:r>
+          </a:p>
+          <a:p>
+            <a:r>
+              <a:rPr lang="en-US" dirty="0"/>
+              <a:t>Make the column with controllable.</a:t>
+            </a:r>
+          </a:p>
+          <a:p>
+            <a:r>
+              <a:rPr lang="en-US" dirty="0"/>
+              <a:t>Give a fixed width to the columns.</a:t>
+            </a:r>
+          </a:p>
+          <a:p>
+            <a:pPr marL="0" indent="0">
+              <a:buNone/>
+            </a:pPr>
+            <a:endParaRPr lang="en-US" dirty="0"/>
+          </a:p>
+        </p:txBody>
+      </p:sp>
+    </p:spTree>
+    <p:extLst>
+      <p:ext uri="{BB962C8B-B14F-4D97-AF65-F5344CB8AC3E}">
+        <p14:creationId xmlns:p14="http://schemas.microsoft.com/office/powerpoint/2010/main" val="3493788597"/>
+      </p:ext>
+    </p:extLst>
+  </p:cSld>
+  <p:clrMapOvr>
+    <a:masterClrMapping/>
+  </p:clrMapOvr>
+</p:sld>
+</file>
+
+<file path=ppt/slides/slide44.xml><?xml version="1.0" encoding="utf-8"?>
+<p:sld xmlns:a="http://schemas.openxmlformats.org/drawingml/2006/main" xmlns:r="http://schemas.openxmlformats.org/officeDocument/2006/relationships" xmlns:p="http://schemas.openxmlformats.org/presentationml/2006/main">
+  <p:cSld>
+    <p:spTree>
+      <p:nvGrpSpPr>
+        <p:cNvPr id="1" name=""/>
+        <p:cNvGrpSpPr/>
+        <p:nvPr/>
+      </p:nvGrpSpPr>
+      <p:grpSpPr>
+        <a:xfrm>
+          <a:off x="0" y="0"/>
+          <a:ext cx="0" cy="0"/>
+          <a:chOff x="0" y="0"/>
+          <a:chExt cx="0" cy="0"/>
+        </a:xfrm>
+      </p:grpSpPr>
+      <p:sp>
+        <p:nvSpPr>
+          <p:cNvPr id="2" name="Title 1">
+            <a:extLst>
+              <a:ext uri="{FF2B5EF4-FFF2-40B4-BE49-F238E27FC236}">
+                <a16:creationId xmlns:a16="http://schemas.microsoft.com/office/drawing/2014/main" id="{2581AE4A-0BC9-4959-8DB5-76E36F593958}"/>
+              </a:ext>
+            </a:extLst>
+          </p:cNvPr>
+          <p:cNvSpPr>
+            <a:spLocks noGrp="1"/>
+          </p:cNvSpPr>
+          <p:nvPr>
+            <p:ph type="title"/>
+          </p:nvPr>
+        </p:nvSpPr>
+        <p:spPr/>
+        <p:txBody>
+          <a:bodyPr/>
+          <a:lstStyle/>
+          <a:p>
+            <a:r>
+              <a:rPr lang="en-US" dirty="0"/>
+              <a:t>movieList.css</a:t>
+            </a:r>
+          </a:p>
+        </p:txBody>
+      </p:sp>
+      <p:sp>
+        <p:nvSpPr>
+          <p:cNvPr id="3" name="Content Placeholder 2">
+            <a:extLst>
+              <a:ext uri="{FF2B5EF4-FFF2-40B4-BE49-F238E27FC236}">
+                <a16:creationId xmlns:a16="http://schemas.microsoft.com/office/drawing/2014/main" id="{8D5EECD5-C779-4F88-AC14-A85C2F2B91BD}"/>
+              </a:ext>
+            </a:extLst>
+          </p:cNvPr>
+          <p:cNvSpPr>
+            <a:spLocks noGrp="1"/>
+          </p:cNvSpPr>
+          <p:nvPr>
+            <p:ph idx="1"/>
+          </p:nvPr>
+        </p:nvSpPr>
+        <p:spPr>
+          <a:solidFill>
+            <a:schemeClr val="tx1"/>
+          </a:solidFill>
+        </p:spPr>
+        <p:txBody>
+          <a:bodyPr>
+            <a:normAutofit fontScale="62500" lnSpcReduction="20000"/>
+          </a:bodyPr>
+          <a:lstStyle/>
+          <a:p>
+            <a:pPr marL="0" indent="0">
+              <a:buNone/>
+            </a:pPr>
+            <a:r>
+              <a:rPr lang="en-US" dirty="0">
+                <a:solidFill>
+                  <a:srgbClr val="D7BA7D"/>
+                </a:solidFill>
+                <a:latin typeface="Consolas" panose="020B0609020204030204" pitchFamily="49" charset="0"/>
+              </a:rPr>
+              <a:t>table</a:t>
+            </a:r>
+            <a:r>
+              <a:rPr lang="en-US" dirty="0">
+                <a:solidFill>
+                  <a:srgbClr val="D4D4D4"/>
+                </a:solidFill>
+                <a:latin typeface="Consolas" panose="020B0609020204030204" pitchFamily="49" charset="0"/>
+              </a:rPr>
+              <a:t> {</a:t>
+            </a:r>
+          </a:p>
+          <a:p>
+            <a:pPr marL="0" indent="0">
+              <a:buNone/>
+            </a:pPr>
+            <a:r>
+              <a:rPr lang="en-US" dirty="0">
+                <a:solidFill>
+                  <a:srgbClr val="D4D4D4"/>
+                </a:solidFill>
+                <a:latin typeface="Consolas" panose="020B0609020204030204" pitchFamily="49" charset="0"/>
+              </a:rPr>
+              <a:t>    </a:t>
+            </a:r>
+            <a:r>
+              <a:rPr lang="en-US" dirty="0">
+                <a:solidFill>
+                  <a:srgbClr val="9CDCFE"/>
+                </a:solidFill>
+                <a:latin typeface="Consolas" panose="020B0609020204030204" pitchFamily="49" charset="0"/>
+              </a:rPr>
+              <a:t>table-layout</a:t>
+            </a:r>
+            <a:r>
+              <a:rPr lang="en-US" dirty="0">
+                <a:solidFill>
+                  <a:srgbClr val="D4D4D4"/>
+                </a:solidFill>
+                <a:latin typeface="Consolas" panose="020B0609020204030204" pitchFamily="49" charset="0"/>
+              </a:rPr>
+              <a:t>: </a:t>
+            </a:r>
+            <a:r>
+              <a:rPr lang="en-US" dirty="0">
+                <a:solidFill>
+                  <a:srgbClr val="CE9178"/>
+                </a:solidFill>
+                <a:latin typeface="Consolas" panose="020B0609020204030204" pitchFamily="49" charset="0"/>
+              </a:rPr>
+              <a:t>fixed</a:t>
+            </a:r>
+            <a:r>
+              <a:rPr lang="en-US" dirty="0">
+                <a:solidFill>
+                  <a:srgbClr val="D4D4D4"/>
+                </a:solidFill>
+                <a:latin typeface="Consolas" panose="020B0609020204030204" pitchFamily="49" charset="0"/>
+              </a:rPr>
+              <a:t>;</a:t>
+            </a:r>
+          </a:p>
+          <a:p>
+            <a:pPr marL="0" indent="0">
+              <a:buNone/>
+            </a:pPr>
+            <a:r>
+              <a:rPr lang="en-US" dirty="0">
+                <a:solidFill>
+                  <a:srgbClr val="D4D4D4"/>
+                </a:solidFill>
+                <a:latin typeface="Consolas" panose="020B0609020204030204" pitchFamily="49" charset="0"/>
+              </a:rPr>
+              <a:t>    </a:t>
+            </a:r>
+            <a:r>
+              <a:rPr lang="en-US" dirty="0">
+                <a:solidFill>
+                  <a:srgbClr val="9CDCFE"/>
+                </a:solidFill>
+                <a:latin typeface="Consolas" panose="020B0609020204030204" pitchFamily="49" charset="0"/>
+              </a:rPr>
+              <a:t>width</a:t>
+            </a:r>
+            <a:r>
+              <a:rPr lang="en-US" dirty="0">
+                <a:solidFill>
+                  <a:srgbClr val="D4D4D4"/>
+                </a:solidFill>
+                <a:latin typeface="Consolas" panose="020B0609020204030204" pitchFamily="49" charset="0"/>
+              </a:rPr>
+              <a:t>: </a:t>
+            </a:r>
+            <a:r>
+              <a:rPr lang="en-US" dirty="0">
+                <a:solidFill>
+                  <a:srgbClr val="B5CEA8"/>
+                </a:solidFill>
+                <a:latin typeface="Consolas" panose="020B0609020204030204" pitchFamily="49" charset="0"/>
+              </a:rPr>
+              <a:t>100%</a:t>
+            </a:r>
+            <a:r>
+              <a:rPr lang="en-US" dirty="0">
+                <a:solidFill>
+                  <a:srgbClr val="D4D4D4"/>
+                </a:solidFill>
+                <a:latin typeface="Consolas" panose="020B0609020204030204" pitchFamily="49" charset="0"/>
+              </a:rPr>
+              <a:t>;</a:t>
+            </a:r>
+          </a:p>
+          <a:p>
+            <a:pPr marL="0" indent="0">
+              <a:buNone/>
+            </a:pPr>
+            <a:r>
+              <a:rPr lang="en-US" dirty="0">
+                <a:solidFill>
+                  <a:srgbClr val="D4D4D4"/>
+                </a:solidFill>
+                <a:latin typeface="Consolas" panose="020B0609020204030204" pitchFamily="49" charset="0"/>
+              </a:rPr>
+              <a:t>    </a:t>
+            </a:r>
+            <a:r>
+              <a:rPr lang="en-US" dirty="0">
+                <a:solidFill>
+                  <a:srgbClr val="9CDCFE"/>
+                </a:solidFill>
+                <a:latin typeface="Consolas" panose="020B0609020204030204" pitchFamily="49" charset="0"/>
+              </a:rPr>
+              <a:t>border</a:t>
+            </a:r>
+            <a:r>
+              <a:rPr lang="en-US" dirty="0">
+                <a:solidFill>
+                  <a:srgbClr val="D4D4D4"/>
+                </a:solidFill>
+                <a:latin typeface="Consolas" panose="020B0609020204030204" pitchFamily="49" charset="0"/>
+              </a:rPr>
+              <a:t>: </a:t>
+            </a:r>
+            <a:r>
+              <a:rPr lang="en-US" dirty="0">
+                <a:solidFill>
+                  <a:srgbClr val="CE9178"/>
+                </a:solidFill>
+                <a:latin typeface="Consolas" panose="020B0609020204030204" pitchFamily="49" charset="0"/>
+              </a:rPr>
+              <a:t>brown</a:t>
+            </a:r>
+            <a:r>
+              <a:rPr lang="en-US" dirty="0">
+                <a:solidFill>
+                  <a:srgbClr val="D4D4D4"/>
+                </a:solidFill>
+                <a:latin typeface="Consolas" panose="020B0609020204030204" pitchFamily="49" charset="0"/>
+              </a:rPr>
+              <a:t> </a:t>
+            </a:r>
+            <a:r>
+              <a:rPr lang="en-US" dirty="0">
+                <a:solidFill>
+                  <a:srgbClr val="B5CEA8"/>
+                </a:solidFill>
+                <a:latin typeface="Consolas" panose="020B0609020204030204" pitchFamily="49" charset="0"/>
+              </a:rPr>
+              <a:t>1px</a:t>
+            </a:r>
+            <a:r>
+              <a:rPr lang="en-US" dirty="0">
+                <a:solidFill>
+                  <a:srgbClr val="D4D4D4"/>
+                </a:solidFill>
+                <a:latin typeface="Consolas" panose="020B0609020204030204" pitchFamily="49" charset="0"/>
+              </a:rPr>
+              <a:t> </a:t>
+            </a:r>
+            <a:r>
+              <a:rPr lang="en-US" dirty="0">
+                <a:solidFill>
+                  <a:srgbClr val="CE9178"/>
+                </a:solidFill>
+                <a:latin typeface="Consolas" panose="020B0609020204030204" pitchFamily="49" charset="0"/>
+              </a:rPr>
+              <a:t>solid</a:t>
+            </a:r>
+            <a:r>
+              <a:rPr lang="en-US" dirty="0">
+                <a:solidFill>
+                  <a:srgbClr val="D4D4D4"/>
+                </a:solidFill>
+                <a:latin typeface="Consolas" panose="020B0609020204030204" pitchFamily="49" charset="0"/>
+              </a:rPr>
+              <a:t>;</a:t>
+            </a:r>
+          </a:p>
+          <a:p>
+            <a:pPr marL="0" indent="0">
+              <a:buNone/>
+            </a:pPr>
+            <a:r>
+              <a:rPr lang="en-US" dirty="0">
+                <a:solidFill>
+                  <a:srgbClr val="D4D4D4"/>
+                </a:solidFill>
+                <a:latin typeface="Consolas" panose="020B0609020204030204" pitchFamily="49" charset="0"/>
+              </a:rPr>
+              <a:t>    </a:t>
+            </a:r>
+            <a:r>
+              <a:rPr lang="en-US" dirty="0">
+                <a:solidFill>
+                  <a:srgbClr val="9CDCFE"/>
+                </a:solidFill>
+                <a:latin typeface="Consolas" panose="020B0609020204030204" pitchFamily="49" charset="0"/>
+              </a:rPr>
+              <a:t>border-collapse</a:t>
+            </a:r>
+            <a:r>
+              <a:rPr lang="en-US" dirty="0">
+                <a:solidFill>
+                  <a:srgbClr val="D4D4D4"/>
+                </a:solidFill>
+                <a:latin typeface="Consolas" panose="020B0609020204030204" pitchFamily="49" charset="0"/>
+              </a:rPr>
+              <a:t>: </a:t>
+            </a:r>
+            <a:r>
+              <a:rPr lang="en-US" dirty="0">
+                <a:solidFill>
+                  <a:srgbClr val="CE9178"/>
+                </a:solidFill>
+                <a:latin typeface="Consolas" panose="020B0609020204030204" pitchFamily="49" charset="0"/>
+              </a:rPr>
+              <a:t>collapse</a:t>
+            </a:r>
+            <a:r>
+              <a:rPr lang="en-US" dirty="0">
+                <a:solidFill>
+                  <a:srgbClr val="D4D4D4"/>
+                </a:solidFill>
+                <a:latin typeface="Consolas" panose="020B0609020204030204" pitchFamily="49" charset="0"/>
+              </a:rPr>
+              <a:t>;</a:t>
+            </a:r>
+          </a:p>
+          <a:p>
+            <a:pPr marL="0" indent="0">
+              <a:buNone/>
+            </a:pPr>
+            <a:r>
+              <a:rPr lang="en-US" dirty="0">
+                <a:solidFill>
+                  <a:srgbClr val="D4D4D4"/>
+                </a:solidFill>
+                <a:latin typeface="Consolas" panose="020B0609020204030204" pitchFamily="49" charset="0"/>
+              </a:rPr>
+              <a:t>}</a:t>
+            </a:r>
+          </a:p>
+          <a:p>
+            <a:pPr marL="0" indent="0">
+              <a:buNone/>
+            </a:pPr>
+            <a:br>
+              <a:rPr lang="en-US" dirty="0">
+                <a:solidFill>
+                  <a:srgbClr val="D4D4D4"/>
+                </a:solidFill>
+                <a:latin typeface="Consolas" panose="020B0609020204030204" pitchFamily="49" charset="0"/>
+              </a:rPr>
+            </a:br>
+            <a:r>
+              <a:rPr lang="en-US" dirty="0">
+                <a:solidFill>
+                  <a:srgbClr val="D7BA7D"/>
+                </a:solidFill>
+                <a:latin typeface="Consolas" panose="020B0609020204030204" pitchFamily="49" charset="0"/>
+              </a:rPr>
+              <a:t>tr</a:t>
+            </a:r>
+            <a:r>
+              <a:rPr lang="en-US" dirty="0">
+                <a:solidFill>
+                  <a:srgbClr val="D4D4D4"/>
+                </a:solidFill>
+                <a:latin typeface="Consolas" panose="020B0609020204030204" pitchFamily="49" charset="0"/>
+              </a:rPr>
+              <a:t> </a:t>
+            </a:r>
+            <a:r>
+              <a:rPr lang="en-US" dirty="0" err="1">
+                <a:solidFill>
+                  <a:srgbClr val="D7BA7D"/>
+                </a:solidFill>
+                <a:latin typeface="Consolas" panose="020B0609020204030204" pitchFamily="49" charset="0"/>
+              </a:rPr>
+              <a:t>th:nth-child</a:t>
+            </a:r>
+            <a:r>
+              <a:rPr lang="en-US" dirty="0">
+                <a:solidFill>
+                  <a:srgbClr val="D4D4D4"/>
+                </a:solidFill>
+                <a:latin typeface="Consolas" panose="020B0609020204030204" pitchFamily="49" charset="0"/>
+              </a:rPr>
+              <a:t>(</a:t>
+            </a:r>
+            <a:r>
+              <a:rPr lang="en-US" dirty="0">
+                <a:solidFill>
+                  <a:srgbClr val="B5CEA8"/>
+                </a:solidFill>
+                <a:latin typeface="Consolas" panose="020B0609020204030204" pitchFamily="49" charset="0"/>
+              </a:rPr>
+              <a:t>1</a:t>
+            </a:r>
+            <a:r>
+              <a:rPr lang="en-US" dirty="0">
+                <a:solidFill>
+                  <a:srgbClr val="D4D4D4"/>
+                </a:solidFill>
+                <a:latin typeface="Consolas" panose="020B0609020204030204" pitchFamily="49" charset="0"/>
+              </a:rPr>
+              <a:t>){</a:t>
+            </a:r>
+          </a:p>
+          <a:p>
+            <a:pPr marL="0" indent="0">
+              <a:buNone/>
+            </a:pPr>
+            <a:r>
+              <a:rPr lang="en-US" dirty="0">
+                <a:solidFill>
+                  <a:srgbClr val="D4D4D4"/>
+                </a:solidFill>
+                <a:latin typeface="Consolas" panose="020B0609020204030204" pitchFamily="49" charset="0"/>
+              </a:rPr>
+              <a:t>    </a:t>
+            </a:r>
+            <a:r>
+              <a:rPr lang="en-US" dirty="0">
+                <a:solidFill>
+                  <a:srgbClr val="9CDCFE"/>
+                </a:solidFill>
+                <a:latin typeface="Consolas" panose="020B0609020204030204" pitchFamily="49" charset="0"/>
+              </a:rPr>
+              <a:t>width</a:t>
+            </a:r>
+            <a:r>
+              <a:rPr lang="en-US" dirty="0">
+                <a:solidFill>
+                  <a:srgbClr val="D4D4D4"/>
+                </a:solidFill>
+                <a:latin typeface="Consolas" panose="020B0609020204030204" pitchFamily="49" charset="0"/>
+              </a:rPr>
+              <a:t>: </a:t>
+            </a:r>
+            <a:r>
+              <a:rPr lang="en-US" dirty="0">
+                <a:solidFill>
+                  <a:srgbClr val="B5CEA8"/>
+                </a:solidFill>
+                <a:latin typeface="Consolas" panose="020B0609020204030204" pitchFamily="49" charset="0"/>
+              </a:rPr>
+              <a:t>70%</a:t>
+            </a:r>
+            <a:r>
+              <a:rPr lang="en-US" dirty="0">
+                <a:solidFill>
+                  <a:srgbClr val="D4D4D4"/>
+                </a:solidFill>
+                <a:latin typeface="Consolas" panose="020B0609020204030204" pitchFamily="49" charset="0"/>
+              </a:rPr>
+              <a:t>;</a:t>
+            </a:r>
+          </a:p>
+          <a:p>
+            <a:pPr marL="0" indent="0">
+              <a:buNone/>
+            </a:pPr>
+            <a:r>
+              <a:rPr lang="en-US" dirty="0">
+                <a:solidFill>
+                  <a:srgbClr val="D4D4D4"/>
+                </a:solidFill>
+                <a:latin typeface="Consolas" panose="020B0609020204030204" pitchFamily="49" charset="0"/>
+              </a:rPr>
+              <a:t>}</a:t>
+            </a:r>
+          </a:p>
+          <a:p>
+            <a:pPr marL="0" indent="0">
+              <a:buNone/>
+            </a:pPr>
+            <a:br>
+              <a:rPr lang="en-US" dirty="0">
+                <a:solidFill>
+                  <a:srgbClr val="D4D4D4"/>
+                </a:solidFill>
+                <a:latin typeface="Consolas" panose="020B0609020204030204" pitchFamily="49" charset="0"/>
+              </a:rPr>
+            </a:br>
+            <a:r>
+              <a:rPr lang="en-US" dirty="0">
+                <a:solidFill>
+                  <a:srgbClr val="D7BA7D"/>
+                </a:solidFill>
+                <a:latin typeface="Consolas" panose="020B0609020204030204" pitchFamily="49" charset="0"/>
+              </a:rPr>
+              <a:t>tr</a:t>
+            </a:r>
+            <a:r>
+              <a:rPr lang="en-US" dirty="0">
+                <a:solidFill>
+                  <a:srgbClr val="D4D4D4"/>
+                </a:solidFill>
+                <a:latin typeface="Consolas" panose="020B0609020204030204" pitchFamily="49" charset="0"/>
+              </a:rPr>
+              <a:t> </a:t>
+            </a:r>
+            <a:r>
+              <a:rPr lang="en-US" dirty="0" err="1">
+                <a:solidFill>
+                  <a:srgbClr val="D7BA7D"/>
+                </a:solidFill>
+                <a:latin typeface="Consolas" panose="020B0609020204030204" pitchFamily="49" charset="0"/>
+              </a:rPr>
+              <a:t>th:nth-child</a:t>
+            </a:r>
+            <a:r>
+              <a:rPr lang="en-US" dirty="0">
+                <a:solidFill>
+                  <a:srgbClr val="D4D4D4"/>
+                </a:solidFill>
+                <a:latin typeface="Consolas" panose="020B0609020204030204" pitchFamily="49" charset="0"/>
+              </a:rPr>
+              <a:t>(</a:t>
+            </a:r>
+            <a:r>
+              <a:rPr lang="en-US" dirty="0">
+                <a:solidFill>
+                  <a:srgbClr val="B5CEA8"/>
+                </a:solidFill>
+                <a:latin typeface="Consolas" panose="020B0609020204030204" pitchFamily="49" charset="0"/>
+              </a:rPr>
+              <a:t>2</a:t>
+            </a:r>
+            <a:r>
+              <a:rPr lang="en-US" dirty="0">
+                <a:solidFill>
+                  <a:srgbClr val="D4D4D4"/>
+                </a:solidFill>
+                <a:latin typeface="Consolas" panose="020B0609020204030204" pitchFamily="49" charset="0"/>
+              </a:rPr>
+              <a:t>){</a:t>
+            </a:r>
+          </a:p>
+          <a:p>
+            <a:pPr marL="0" indent="0">
+              <a:buNone/>
+            </a:pPr>
+            <a:r>
+              <a:rPr lang="en-US" dirty="0">
+                <a:solidFill>
+                  <a:srgbClr val="D4D4D4"/>
+                </a:solidFill>
+                <a:latin typeface="Consolas" panose="020B0609020204030204" pitchFamily="49" charset="0"/>
+              </a:rPr>
+              <a:t>    </a:t>
+            </a:r>
+            <a:r>
+              <a:rPr lang="en-US" dirty="0">
+                <a:solidFill>
+                  <a:srgbClr val="9CDCFE"/>
+                </a:solidFill>
+                <a:latin typeface="Consolas" panose="020B0609020204030204" pitchFamily="49" charset="0"/>
+              </a:rPr>
+              <a:t>width</a:t>
+            </a:r>
+            <a:r>
+              <a:rPr lang="en-US" dirty="0">
+                <a:solidFill>
+                  <a:srgbClr val="D4D4D4"/>
+                </a:solidFill>
+                <a:latin typeface="Consolas" panose="020B0609020204030204" pitchFamily="49" charset="0"/>
+              </a:rPr>
+              <a:t>: </a:t>
+            </a:r>
+            <a:r>
+              <a:rPr lang="en-US" dirty="0">
+                <a:solidFill>
+                  <a:srgbClr val="B5CEA8"/>
+                </a:solidFill>
+                <a:latin typeface="Consolas" panose="020B0609020204030204" pitchFamily="49" charset="0"/>
+              </a:rPr>
+              <a:t>30%</a:t>
+            </a:r>
+            <a:r>
+              <a:rPr lang="en-US" dirty="0">
+                <a:solidFill>
+                  <a:srgbClr val="D4D4D4"/>
+                </a:solidFill>
+                <a:latin typeface="Consolas" panose="020B0609020204030204" pitchFamily="49" charset="0"/>
+              </a:rPr>
+              <a:t>;</a:t>
+            </a:r>
+          </a:p>
+          <a:p>
+            <a:pPr marL="0" indent="0">
+              <a:buNone/>
+            </a:pPr>
+            <a:r>
+              <a:rPr lang="en-US" dirty="0">
+                <a:solidFill>
+                  <a:srgbClr val="D4D4D4"/>
+                </a:solidFill>
+                <a:latin typeface="Consolas" panose="020B0609020204030204" pitchFamily="49" charset="0"/>
+              </a:rPr>
+              <a:t>}</a:t>
+            </a:r>
+          </a:p>
+          <a:p>
+            <a:pPr marL="0" indent="0">
+              <a:buNone/>
+            </a:pPr>
+            <a:endParaRPr lang="en-US" dirty="0"/>
+          </a:p>
+        </p:txBody>
+      </p:sp>
+    </p:spTree>
+    <p:extLst>
+      <p:ext uri="{BB962C8B-B14F-4D97-AF65-F5344CB8AC3E}">
+        <p14:creationId xmlns:p14="http://schemas.microsoft.com/office/powerpoint/2010/main" val="1057331746"/>
+      </p:ext>
+    </p:extLst>
+  </p:cSld>
+  <p:clrMapOvr>
+    <a:masterClrMapping/>
+  </p:clrMapOvr>
+</p:sld>
+</file>
+
+<file path=ppt/slides/slide45.xml><?xml version="1.0" encoding="utf-8"?>
+<p:sld xmlns:a="http://schemas.openxmlformats.org/drawingml/2006/main" xmlns:r="http://schemas.openxmlformats.org/officeDocument/2006/relationships" xmlns:p="http://schemas.openxmlformats.org/presentationml/2006/main">
+  <p:cSld>
+    <p:spTree>
+      <p:nvGrpSpPr>
+        <p:cNvPr id="1" name=""/>
+        <p:cNvGrpSpPr/>
+        <p:nvPr/>
+      </p:nvGrpSpPr>
+      <p:grpSpPr>
+        <a:xfrm>
+          <a:off x="0" y="0"/>
+          <a:ext cx="0" cy="0"/>
+          <a:chOff x="0" y="0"/>
+          <a:chExt cx="0" cy="0"/>
+        </a:xfrm>
+      </p:grpSpPr>
+      <p:sp>
+        <p:nvSpPr>
+          <p:cNvPr id="5" name="Title 1">
+            <a:extLst>
+              <a:ext uri="{FF2B5EF4-FFF2-40B4-BE49-F238E27FC236}">
+                <a16:creationId xmlns:a16="http://schemas.microsoft.com/office/drawing/2014/main" id="{854C85E7-9AFD-40D6-AEC3-A039325C6484}"/>
+              </a:ext>
+            </a:extLst>
+          </p:cNvPr>
+          <p:cNvSpPr>
+            <a:spLocks noGrp="1"/>
+          </p:cNvSpPr>
+          <p:nvPr>
+            <p:ph type="title"/>
+          </p:nvPr>
+        </p:nvSpPr>
+        <p:spPr>
+          <a:xfrm>
+            <a:off x="141514" y="2682328"/>
+            <a:ext cx="11832771" cy="1325563"/>
+          </a:xfrm>
+        </p:spPr>
+        <p:txBody>
+          <a:bodyPr/>
+          <a:lstStyle/>
+          <a:p>
+            <a:pPr algn="ctr"/>
+            <a:r>
+              <a:rPr lang="en-US" dirty="0"/>
+              <a:t>Checkpoint : How does your table look?</a:t>
+            </a:r>
+          </a:p>
+        </p:txBody>
+      </p:sp>
+    </p:spTree>
+    <p:extLst>
+      <p:ext uri="{BB962C8B-B14F-4D97-AF65-F5344CB8AC3E}">
+        <p14:creationId xmlns:p14="http://schemas.microsoft.com/office/powerpoint/2010/main" val="4132464302"/>
+      </p:ext>
+    </p:extLst>
+  </p:cSld>
+  <p:clrMapOvr>
+    <a:masterClrMapping/>
+  </p:clrMapOvr>
+</p:sld>
+</file>
+
+<file path=ppt/slides/slide46.xml><?xml version="1.0" encoding="utf-8"?>
+<p:sld xmlns:a="http://schemas.openxmlformats.org/drawingml/2006/main" xmlns:r="http://schemas.openxmlformats.org/officeDocument/2006/relationships" xmlns:p="http://schemas.openxmlformats.org/presentationml/2006/main">
+  <p:cSld>
+    <p:spTree>
+      <p:nvGrpSpPr>
+        <p:cNvPr id="1" name=""/>
+        <p:cNvGrpSpPr/>
+        <p:nvPr/>
+      </p:nvGrpSpPr>
+      <p:grpSpPr>
+        <a:xfrm>
+          <a:off x="0" y="0"/>
+          <a:ext cx="0" cy="0"/>
+          <a:chOff x="0" y="0"/>
+          <a:chExt cx="0" cy="0"/>
+        </a:xfrm>
+      </p:grpSpPr>
+      <p:sp>
+        <p:nvSpPr>
+          <p:cNvPr id="2" name="Title 1">
+            <a:extLst>
+              <a:ext uri="{FF2B5EF4-FFF2-40B4-BE49-F238E27FC236}">
+                <a16:creationId xmlns:a16="http://schemas.microsoft.com/office/drawing/2014/main" id="{FE3AEDC1-E10A-4DEB-90D3-8400DEC26154}"/>
+              </a:ext>
+            </a:extLst>
+          </p:cNvPr>
+          <p:cNvSpPr>
+            <a:spLocks noGrp="1"/>
+          </p:cNvSpPr>
+          <p:nvPr>
+            <p:ph type="title"/>
+          </p:nvPr>
+        </p:nvSpPr>
+        <p:spPr/>
+        <p:txBody>
+          <a:bodyPr/>
+          <a:lstStyle/>
+          <a:p>
+            <a:r>
+              <a:rPr lang="en-US" dirty="0"/>
+              <a:t>Styling cont.</a:t>
+            </a:r>
+          </a:p>
+        </p:txBody>
+      </p:sp>
+      <p:sp>
+        <p:nvSpPr>
+          <p:cNvPr id="3" name="Content Placeholder 2">
+            <a:extLst>
+              <a:ext uri="{FF2B5EF4-FFF2-40B4-BE49-F238E27FC236}">
+                <a16:creationId xmlns:a16="http://schemas.microsoft.com/office/drawing/2014/main" id="{DE51B973-6B51-4602-9C52-01974B89E6C6}"/>
+              </a:ext>
+            </a:extLst>
+          </p:cNvPr>
+          <p:cNvSpPr>
+            <a:spLocks noGrp="1"/>
+          </p:cNvSpPr>
+          <p:nvPr>
+            <p:ph idx="1"/>
+          </p:nvPr>
+        </p:nvSpPr>
+        <p:spPr/>
+        <p:txBody>
+          <a:bodyPr/>
+          <a:lstStyle/>
+          <a:p>
+            <a:r>
+              <a:rPr lang="en-US" dirty="0"/>
+              <a:t>Align the contents of the table</a:t>
+            </a:r>
+          </a:p>
+          <a:p>
+            <a:pPr marL="0" indent="0">
+              <a:buNone/>
+            </a:pPr>
+            <a:endParaRPr lang="en-US" dirty="0"/>
+          </a:p>
+        </p:txBody>
+      </p:sp>
+    </p:spTree>
+    <p:extLst>
+      <p:ext uri="{BB962C8B-B14F-4D97-AF65-F5344CB8AC3E}">
+        <p14:creationId xmlns:p14="http://schemas.microsoft.com/office/powerpoint/2010/main" val="789088088"/>
+      </p:ext>
+    </p:extLst>
+  </p:cSld>
+  <p:clrMapOvr>
+    <a:masterClrMapping/>
+  </p:clrMapOvr>
+</p:sld>
+</file>
+
+<file path=ppt/slides/slide47.xml><?xml version="1.0" encoding="utf-8"?>
+<p:sld xmlns:a="http://schemas.openxmlformats.org/drawingml/2006/main" xmlns:r="http://schemas.openxmlformats.org/officeDocument/2006/relationships" xmlns:p="http://schemas.openxmlformats.org/presentationml/2006/main">
+  <p:cSld>
+    <p:spTree>
+      <p:nvGrpSpPr>
+        <p:cNvPr id="1" name=""/>
+        <p:cNvGrpSpPr/>
+        <p:nvPr/>
+      </p:nvGrpSpPr>
+      <p:grpSpPr>
+        <a:xfrm>
+          <a:off x="0" y="0"/>
+          <a:ext cx="0" cy="0"/>
+          <a:chOff x="0" y="0"/>
+          <a:chExt cx="0" cy="0"/>
+        </a:xfrm>
+      </p:grpSpPr>
+      <p:sp>
+        <p:nvSpPr>
+          <p:cNvPr id="2" name="Title 1">
+            <a:extLst>
+              <a:ext uri="{FF2B5EF4-FFF2-40B4-BE49-F238E27FC236}">
+                <a16:creationId xmlns:a16="http://schemas.microsoft.com/office/drawing/2014/main" id="{1FFBFD92-1070-4943-BC8A-84B9976902AA}"/>
+              </a:ext>
+            </a:extLst>
+          </p:cNvPr>
+          <p:cNvSpPr>
+            <a:spLocks noGrp="1"/>
+          </p:cNvSpPr>
+          <p:nvPr>
+            <p:ph type="title"/>
+          </p:nvPr>
+        </p:nvSpPr>
+        <p:spPr/>
+        <p:txBody>
+          <a:bodyPr/>
+          <a:lstStyle/>
+          <a:p>
+            <a:r>
+              <a:rPr lang="en-US" dirty="0"/>
+              <a:t>movieList.css</a:t>
+            </a:r>
+          </a:p>
+        </p:txBody>
+      </p:sp>
+      <p:sp>
+        <p:nvSpPr>
+          <p:cNvPr id="3" name="Content Placeholder 2">
+            <a:extLst>
+              <a:ext uri="{FF2B5EF4-FFF2-40B4-BE49-F238E27FC236}">
+                <a16:creationId xmlns:a16="http://schemas.microsoft.com/office/drawing/2014/main" id="{80DE81A0-ED96-4A0E-AC72-236C0E26B0B6}"/>
+              </a:ext>
+            </a:extLst>
+          </p:cNvPr>
+          <p:cNvSpPr>
+            <a:spLocks noGrp="1"/>
+          </p:cNvSpPr>
+          <p:nvPr>
+            <p:ph idx="1"/>
+          </p:nvPr>
+        </p:nvSpPr>
+        <p:spPr>
+          <a:solidFill>
+            <a:schemeClr val="tx1"/>
+          </a:solidFill>
+        </p:spPr>
+        <p:txBody>
+          <a:bodyPr/>
+          <a:lstStyle/>
+          <a:p>
+            <a:pPr marL="0" indent="0">
+              <a:buNone/>
+            </a:pPr>
+            <a:r>
+              <a:rPr lang="en-US" dirty="0" err="1">
+                <a:solidFill>
+                  <a:srgbClr val="D7BA7D"/>
+                </a:solidFill>
+                <a:latin typeface="Consolas" panose="020B0609020204030204" pitchFamily="49" charset="0"/>
+              </a:rPr>
+              <a:t>th</a:t>
+            </a:r>
+            <a:r>
+              <a:rPr lang="en-US" dirty="0">
+                <a:solidFill>
+                  <a:srgbClr val="D4D4D4"/>
+                </a:solidFill>
+                <a:latin typeface="Consolas" panose="020B0609020204030204" pitchFamily="49" charset="0"/>
+              </a:rPr>
+              <a:t>, </a:t>
+            </a:r>
+            <a:r>
+              <a:rPr lang="en-US" dirty="0">
+                <a:solidFill>
+                  <a:srgbClr val="D7BA7D"/>
+                </a:solidFill>
+                <a:latin typeface="Consolas" panose="020B0609020204030204" pitchFamily="49" charset="0"/>
+              </a:rPr>
+              <a:t>td</a:t>
+            </a:r>
+            <a:r>
+              <a:rPr lang="en-US" dirty="0">
+                <a:solidFill>
+                  <a:srgbClr val="D4D4D4"/>
+                </a:solidFill>
+                <a:latin typeface="Consolas" panose="020B0609020204030204" pitchFamily="49" charset="0"/>
+              </a:rPr>
+              <a:t> {</a:t>
+            </a:r>
+          </a:p>
+          <a:p>
+            <a:pPr marL="0" indent="0">
+              <a:buNone/>
+            </a:pPr>
+            <a:r>
+              <a:rPr lang="en-US" dirty="0">
+                <a:solidFill>
+                  <a:srgbClr val="D4D4D4"/>
+                </a:solidFill>
+                <a:latin typeface="Consolas" panose="020B0609020204030204" pitchFamily="49" charset="0"/>
+              </a:rPr>
+              <a:t>    </a:t>
+            </a:r>
+            <a:r>
+              <a:rPr lang="en-US" dirty="0">
+                <a:solidFill>
+                  <a:srgbClr val="9CDCFE"/>
+                </a:solidFill>
+                <a:latin typeface="Consolas" panose="020B0609020204030204" pitchFamily="49" charset="0"/>
+              </a:rPr>
+              <a:t>padding</a:t>
+            </a:r>
+            <a:r>
+              <a:rPr lang="en-US" dirty="0">
+                <a:solidFill>
+                  <a:srgbClr val="D4D4D4"/>
+                </a:solidFill>
+                <a:latin typeface="Consolas" panose="020B0609020204030204" pitchFamily="49" charset="0"/>
+              </a:rPr>
+              <a:t>: </a:t>
+            </a:r>
+            <a:r>
+              <a:rPr lang="en-US" dirty="0">
+                <a:solidFill>
+                  <a:srgbClr val="B5CEA8"/>
+                </a:solidFill>
+                <a:latin typeface="Consolas" panose="020B0609020204030204" pitchFamily="49" charset="0"/>
+              </a:rPr>
+              <a:t>20px</a:t>
+            </a:r>
+            <a:r>
+              <a:rPr lang="en-US" dirty="0">
+                <a:solidFill>
+                  <a:srgbClr val="D4D4D4"/>
+                </a:solidFill>
+                <a:latin typeface="Consolas" panose="020B0609020204030204" pitchFamily="49" charset="0"/>
+              </a:rPr>
+              <a:t>;</a:t>
+            </a:r>
+          </a:p>
+          <a:p>
+            <a:pPr marL="0" indent="0">
+              <a:buNone/>
+            </a:pPr>
+            <a:r>
+              <a:rPr lang="en-US" dirty="0">
+                <a:solidFill>
+                  <a:srgbClr val="D4D4D4"/>
+                </a:solidFill>
+                <a:latin typeface="Consolas" panose="020B0609020204030204" pitchFamily="49" charset="0"/>
+              </a:rPr>
+              <a:t>    </a:t>
+            </a:r>
+            <a:r>
+              <a:rPr lang="en-US" dirty="0">
+                <a:solidFill>
+                  <a:srgbClr val="9CDCFE"/>
+                </a:solidFill>
+                <a:latin typeface="Consolas" panose="020B0609020204030204" pitchFamily="49" charset="0"/>
+              </a:rPr>
+              <a:t>text-align</a:t>
+            </a:r>
+            <a:r>
+              <a:rPr lang="en-US" dirty="0">
+                <a:solidFill>
+                  <a:srgbClr val="D4D4D4"/>
+                </a:solidFill>
+                <a:latin typeface="Consolas" panose="020B0609020204030204" pitchFamily="49" charset="0"/>
+              </a:rPr>
+              <a:t>: </a:t>
+            </a:r>
+            <a:r>
+              <a:rPr lang="en-US" dirty="0">
+                <a:solidFill>
+                  <a:srgbClr val="CE9178"/>
+                </a:solidFill>
+                <a:latin typeface="Consolas" panose="020B0609020204030204" pitchFamily="49" charset="0"/>
+              </a:rPr>
+              <a:t>center</a:t>
+            </a:r>
+            <a:r>
+              <a:rPr lang="en-US" dirty="0">
+                <a:solidFill>
+                  <a:srgbClr val="D4D4D4"/>
+                </a:solidFill>
+                <a:latin typeface="Consolas" panose="020B0609020204030204" pitchFamily="49" charset="0"/>
+              </a:rPr>
+              <a:t>;</a:t>
+            </a:r>
+          </a:p>
+          <a:p>
+            <a:pPr marL="0" indent="0">
+              <a:buNone/>
+            </a:pPr>
+            <a:r>
+              <a:rPr lang="en-US" dirty="0">
+                <a:solidFill>
+                  <a:srgbClr val="D4D4D4"/>
+                </a:solidFill>
+                <a:latin typeface="Consolas" panose="020B0609020204030204" pitchFamily="49" charset="0"/>
+              </a:rPr>
+              <a:t>    </a:t>
+            </a:r>
+            <a:r>
+              <a:rPr lang="en-US" dirty="0">
+                <a:solidFill>
+                  <a:srgbClr val="9CDCFE"/>
+                </a:solidFill>
+                <a:latin typeface="Consolas" panose="020B0609020204030204" pitchFamily="49" charset="0"/>
+              </a:rPr>
+              <a:t>border</a:t>
+            </a:r>
+            <a:r>
+              <a:rPr lang="en-US" dirty="0">
+                <a:solidFill>
+                  <a:srgbClr val="D4D4D4"/>
+                </a:solidFill>
+                <a:latin typeface="Consolas" panose="020B0609020204030204" pitchFamily="49" charset="0"/>
+              </a:rPr>
+              <a:t>: </a:t>
+            </a:r>
+            <a:r>
+              <a:rPr lang="en-US" dirty="0">
+                <a:solidFill>
+                  <a:srgbClr val="CE9178"/>
+                </a:solidFill>
+                <a:latin typeface="Consolas" panose="020B0609020204030204" pitchFamily="49" charset="0"/>
+              </a:rPr>
+              <a:t>blue</a:t>
+            </a:r>
+            <a:r>
+              <a:rPr lang="en-US" dirty="0">
+                <a:solidFill>
+                  <a:srgbClr val="D4D4D4"/>
+                </a:solidFill>
+                <a:latin typeface="Consolas" panose="020B0609020204030204" pitchFamily="49" charset="0"/>
+              </a:rPr>
+              <a:t> </a:t>
+            </a:r>
+            <a:r>
+              <a:rPr lang="en-US" dirty="0">
+                <a:solidFill>
+                  <a:srgbClr val="B5CEA8"/>
+                </a:solidFill>
+                <a:latin typeface="Consolas" panose="020B0609020204030204" pitchFamily="49" charset="0"/>
+              </a:rPr>
+              <a:t>1px</a:t>
+            </a:r>
+            <a:r>
+              <a:rPr lang="en-US" dirty="0">
+                <a:solidFill>
+                  <a:srgbClr val="D4D4D4"/>
+                </a:solidFill>
+                <a:latin typeface="Consolas" panose="020B0609020204030204" pitchFamily="49" charset="0"/>
+              </a:rPr>
+              <a:t> </a:t>
+            </a:r>
+            <a:r>
+              <a:rPr lang="en-US" dirty="0">
+                <a:solidFill>
+                  <a:srgbClr val="CE9178"/>
+                </a:solidFill>
+                <a:latin typeface="Consolas" panose="020B0609020204030204" pitchFamily="49" charset="0"/>
+              </a:rPr>
+              <a:t>solid</a:t>
+            </a:r>
+            <a:r>
+              <a:rPr lang="en-US" dirty="0">
+                <a:solidFill>
+                  <a:srgbClr val="D4D4D4"/>
+                </a:solidFill>
+                <a:latin typeface="Consolas" panose="020B0609020204030204" pitchFamily="49" charset="0"/>
+              </a:rPr>
+              <a:t>;</a:t>
+            </a:r>
+          </a:p>
+          <a:p>
+            <a:pPr marL="0" indent="0">
+              <a:buNone/>
+            </a:pPr>
+            <a:r>
+              <a:rPr lang="en-US" dirty="0">
+                <a:solidFill>
+                  <a:srgbClr val="D4D4D4"/>
+                </a:solidFill>
+                <a:latin typeface="Consolas" panose="020B0609020204030204" pitchFamily="49" charset="0"/>
+              </a:rPr>
+              <a:t>  }</a:t>
+            </a:r>
+          </a:p>
+          <a:p>
+            <a:endParaRPr lang="en-US" dirty="0"/>
+          </a:p>
+        </p:txBody>
+      </p:sp>
+    </p:spTree>
+    <p:extLst>
+      <p:ext uri="{BB962C8B-B14F-4D97-AF65-F5344CB8AC3E}">
+        <p14:creationId xmlns:p14="http://schemas.microsoft.com/office/powerpoint/2010/main" val="19277463"/>
+      </p:ext>
+    </p:extLst>
+  </p:cSld>
+  <p:clrMapOvr>
+    <a:masterClrMapping/>
+  </p:clrMapOvr>
+</p:sld>
+</file>
+
+<file path=ppt/slides/slide48.xml><?xml version="1.0" encoding="utf-8"?>
+<p:sld xmlns:a="http://schemas.openxmlformats.org/drawingml/2006/main" xmlns:r="http://schemas.openxmlformats.org/officeDocument/2006/relationships" xmlns:p="http://schemas.openxmlformats.org/presentationml/2006/main">
+  <p:cSld>
+    <p:spTree>
+      <p:nvGrpSpPr>
+        <p:cNvPr id="1" name=""/>
+        <p:cNvGrpSpPr/>
+        <p:nvPr/>
+      </p:nvGrpSpPr>
+      <p:grpSpPr>
+        <a:xfrm>
+          <a:off x="0" y="0"/>
+          <a:ext cx="0" cy="0"/>
+          <a:chOff x="0" y="0"/>
+          <a:chExt cx="0" cy="0"/>
+        </a:xfrm>
+      </p:grpSpPr>
+      <p:sp>
+        <p:nvSpPr>
+          <p:cNvPr id="2" name="Title 1">
+            <a:extLst>
+              <a:ext uri="{FF2B5EF4-FFF2-40B4-BE49-F238E27FC236}">
+                <a16:creationId xmlns:a16="http://schemas.microsoft.com/office/drawing/2014/main" id="{FE3AEDC1-E10A-4DEB-90D3-8400DEC26154}"/>
+              </a:ext>
+            </a:extLst>
+          </p:cNvPr>
+          <p:cNvSpPr>
+            <a:spLocks noGrp="1"/>
+          </p:cNvSpPr>
+          <p:nvPr>
+            <p:ph type="title"/>
+          </p:nvPr>
+        </p:nvSpPr>
+        <p:spPr/>
+        <p:txBody>
+          <a:bodyPr/>
+          <a:lstStyle/>
+          <a:p>
+            <a:r>
+              <a:rPr lang="en-US" dirty="0"/>
+              <a:t>Get a better font...</a:t>
+            </a:r>
+          </a:p>
+        </p:txBody>
+      </p:sp>
+      <p:sp>
+        <p:nvSpPr>
+          <p:cNvPr id="6" name="Rectangle 5">
+            <a:extLst>
+              <a:ext uri="{FF2B5EF4-FFF2-40B4-BE49-F238E27FC236}">
+                <a16:creationId xmlns:a16="http://schemas.microsoft.com/office/drawing/2014/main" id="{9ACB0549-FCFE-498A-A1A3-09B5FB93F3C7}"/>
+              </a:ext>
+            </a:extLst>
+          </p:cNvPr>
+          <p:cNvSpPr/>
+          <p:nvPr/>
+        </p:nvSpPr>
+        <p:spPr>
+          <a:xfrm>
+            <a:off x="778328" y="1321356"/>
+            <a:ext cx="10635343" cy="369332"/>
+          </a:xfrm>
+          <a:prstGeom prst="rect">
+            <a:avLst/>
+          </a:prstGeom>
+          <a:solidFill>
+            <a:schemeClr val="tx1"/>
+          </a:solidFill>
+        </p:spPr>
+        <p:txBody>
+          <a:bodyPr wrap="square">
+            <a:spAutoFit/>
+          </a:bodyPr>
+          <a:lstStyle/>
+          <a:p>
+            <a:r>
+              <a:rPr lang="en-US" dirty="0">
+                <a:solidFill>
+                  <a:srgbClr val="808080"/>
+                </a:solidFill>
+                <a:latin typeface="Consolas" panose="020B0609020204030204" pitchFamily="49" charset="0"/>
+              </a:rPr>
+              <a:t>&lt;</a:t>
+            </a:r>
+            <a:r>
+              <a:rPr lang="en-US" dirty="0">
+                <a:solidFill>
+                  <a:srgbClr val="569CD6"/>
+                </a:solidFill>
+                <a:latin typeface="Consolas" panose="020B0609020204030204" pitchFamily="49" charset="0"/>
+              </a:rPr>
+              <a:t>link</a:t>
+            </a:r>
+            <a:r>
+              <a:rPr lang="en-US" dirty="0">
+                <a:solidFill>
+                  <a:srgbClr val="D4D4D4"/>
+                </a:solidFill>
+                <a:latin typeface="Consolas" panose="020B0609020204030204" pitchFamily="49" charset="0"/>
+              </a:rPr>
+              <a:t> </a:t>
+            </a:r>
+            <a:r>
+              <a:rPr lang="en-US" dirty="0" err="1">
+                <a:solidFill>
+                  <a:srgbClr val="9CDCFE"/>
+                </a:solidFill>
+                <a:latin typeface="Consolas" panose="020B0609020204030204" pitchFamily="49" charset="0"/>
+              </a:rPr>
+              <a:t>href</a:t>
+            </a:r>
+            <a:r>
+              <a:rPr lang="en-US" dirty="0">
+                <a:solidFill>
+                  <a:srgbClr val="D4D4D4"/>
+                </a:solidFill>
+                <a:latin typeface="Consolas" panose="020B0609020204030204" pitchFamily="49" charset="0"/>
+              </a:rPr>
+              <a:t>=</a:t>
+            </a:r>
+            <a:r>
+              <a:rPr lang="en-US" dirty="0">
+                <a:solidFill>
+                  <a:srgbClr val="CE9178"/>
+                </a:solidFill>
+                <a:latin typeface="Consolas" panose="020B0609020204030204" pitchFamily="49" charset="0"/>
+              </a:rPr>
+              <a:t>'https://fonts.googleapis.com/</a:t>
+            </a:r>
+            <a:r>
+              <a:rPr lang="en-US" dirty="0" err="1">
+                <a:solidFill>
+                  <a:srgbClr val="CE9178"/>
+                </a:solidFill>
+                <a:latin typeface="Consolas" panose="020B0609020204030204" pitchFamily="49" charset="0"/>
+              </a:rPr>
+              <a:t>css?family</a:t>
+            </a:r>
+            <a:r>
+              <a:rPr lang="en-US" dirty="0">
+                <a:solidFill>
+                  <a:srgbClr val="CE9178"/>
+                </a:solidFill>
+                <a:latin typeface="Consolas" panose="020B0609020204030204" pitchFamily="49" charset="0"/>
+              </a:rPr>
+              <a:t>=Sunflower'</a:t>
+            </a:r>
+            <a:r>
+              <a:rPr lang="en-US" dirty="0">
+                <a:solidFill>
+                  <a:srgbClr val="D4D4D4"/>
+                </a:solidFill>
+                <a:latin typeface="Consolas" panose="020B0609020204030204" pitchFamily="49" charset="0"/>
+              </a:rPr>
+              <a:t> </a:t>
+            </a:r>
+            <a:r>
+              <a:rPr lang="en-US" dirty="0" err="1">
+                <a:solidFill>
+                  <a:srgbClr val="9CDCFE"/>
+                </a:solidFill>
+                <a:latin typeface="Consolas" panose="020B0609020204030204" pitchFamily="49" charset="0"/>
+              </a:rPr>
+              <a:t>rel</a:t>
+            </a:r>
+            <a:r>
+              <a:rPr lang="en-US" dirty="0">
+                <a:solidFill>
+                  <a:srgbClr val="D4D4D4"/>
+                </a:solidFill>
+                <a:latin typeface="Consolas" panose="020B0609020204030204" pitchFamily="49" charset="0"/>
+              </a:rPr>
+              <a:t>=</a:t>
+            </a:r>
+            <a:r>
+              <a:rPr lang="en-US" dirty="0">
+                <a:solidFill>
+                  <a:srgbClr val="CE9178"/>
+                </a:solidFill>
+                <a:latin typeface="Consolas" panose="020B0609020204030204" pitchFamily="49" charset="0"/>
+              </a:rPr>
+              <a:t>'stylesheet'</a:t>
+            </a:r>
+            <a:r>
+              <a:rPr lang="en-US" dirty="0">
+                <a:solidFill>
+                  <a:srgbClr val="808080"/>
+                </a:solidFill>
+                <a:latin typeface="Consolas" panose="020B0609020204030204" pitchFamily="49" charset="0"/>
+              </a:rPr>
+              <a:t>&gt;</a:t>
+            </a:r>
+            <a:endParaRPr lang="en-US" dirty="0">
+              <a:solidFill>
+                <a:srgbClr val="D4D4D4"/>
+              </a:solidFill>
+              <a:latin typeface="Consolas" panose="020B0609020204030204" pitchFamily="49" charset="0"/>
+            </a:endParaRPr>
+          </a:p>
+        </p:txBody>
+      </p:sp>
+      <p:sp>
+        <p:nvSpPr>
+          <p:cNvPr id="7" name="Rectangle 6">
+            <a:extLst>
+              <a:ext uri="{FF2B5EF4-FFF2-40B4-BE49-F238E27FC236}">
+                <a16:creationId xmlns:a16="http://schemas.microsoft.com/office/drawing/2014/main" id="{C68C164D-FCED-46FB-8EEA-588F34C0BAEC}"/>
+              </a:ext>
+            </a:extLst>
+          </p:cNvPr>
+          <p:cNvSpPr/>
+          <p:nvPr/>
+        </p:nvSpPr>
+        <p:spPr>
+          <a:xfrm>
+            <a:off x="778328" y="1968560"/>
+            <a:ext cx="10635342" cy="4524315"/>
+          </a:xfrm>
+          <a:prstGeom prst="rect">
+            <a:avLst/>
+          </a:prstGeom>
+          <a:solidFill>
+            <a:schemeClr val="tx1"/>
+          </a:solidFill>
+        </p:spPr>
+        <p:txBody>
+          <a:bodyPr wrap="square">
+            <a:spAutoFit/>
+          </a:bodyPr>
+          <a:lstStyle/>
+          <a:p>
+            <a:r>
+              <a:rPr lang="en-US" dirty="0" err="1">
+                <a:solidFill>
+                  <a:srgbClr val="D7BA7D"/>
+                </a:solidFill>
+                <a:latin typeface="Consolas" panose="020B0609020204030204" pitchFamily="49" charset="0"/>
+              </a:rPr>
+              <a:t>th</a:t>
+            </a:r>
+            <a:r>
+              <a:rPr lang="en-US" dirty="0">
+                <a:solidFill>
+                  <a:srgbClr val="D4D4D4"/>
+                </a:solidFill>
+                <a:latin typeface="Consolas" panose="020B0609020204030204" pitchFamily="49" charset="0"/>
+              </a:rPr>
+              <a:t>, </a:t>
+            </a:r>
+            <a:r>
+              <a:rPr lang="en-US" dirty="0">
+                <a:solidFill>
+                  <a:srgbClr val="D7BA7D"/>
+                </a:solidFill>
+                <a:latin typeface="Consolas" panose="020B0609020204030204" pitchFamily="49" charset="0"/>
+              </a:rPr>
+              <a:t>td</a:t>
+            </a:r>
+            <a:r>
+              <a:rPr lang="en-US" dirty="0">
+                <a:solidFill>
+                  <a:srgbClr val="D4D4D4"/>
+                </a:solidFill>
+                <a:latin typeface="Consolas" panose="020B0609020204030204" pitchFamily="49" charset="0"/>
+              </a:rPr>
+              <a:t> {</a:t>
+            </a:r>
+          </a:p>
+          <a:p>
+            <a:r>
+              <a:rPr lang="en-US" dirty="0">
+                <a:solidFill>
+                  <a:srgbClr val="D4D4D4"/>
+                </a:solidFill>
+                <a:latin typeface="Consolas" panose="020B0609020204030204" pitchFamily="49" charset="0"/>
+              </a:rPr>
+              <a:t>    </a:t>
+            </a:r>
+            <a:r>
+              <a:rPr lang="en-US" dirty="0">
+                <a:solidFill>
+                  <a:srgbClr val="9CDCFE"/>
+                </a:solidFill>
+                <a:latin typeface="Consolas" panose="020B0609020204030204" pitchFamily="49" charset="0"/>
+              </a:rPr>
+              <a:t>font-family</a:t>
+            </a:r>
+            <a:r>
+              <a:rPr lang="en-US" dirty="0">
+                <a:solidFill>
+                  <a:srgbClr val="D4D4D4"/>
+                </a:solidFill>
+                <a:latin typeface="Consolas" panose="020B0609020204030204" pitchFamily="49" charset="0"/>
+              </a:rPr>
+              <a:t>: </a:t>
+            </a:r>
+            <a:r>
+              <a:rPr lang="en-US" dirty="0">
+                <a:solidFill>
+                  <a:srgbClr val="CE9178"/>
+                </a:solidFill>
+                <a:latin typeface="Consolas" panose="020B0609020204030204" pitchFamily="49" charset="0"/>
+              </a:rPr>
+              <a:t>'Sunflower'</a:t>
+            </a:r>
+            <a:r>
+              <a:rPr lang="en-US" dirty="0">
+                <a:solidFill>
+                  <a:srgbClr val="D4D4D4"/>
+                </a:solidFill>
+                <a:latin typeface="Consolas" panose="020B0609020204030204" pitchFamily="49" charset="0"/>
+              </a:rPr>
+              <a:t>;</a:t>
+            </a:r>
+          </a:p>
+          <a:p>
+            <a:r>
+              <a:rPr lang="en-US" dirty="0">
+                <a:solidFill>
+                  <a:srgbClr val="D4D4D4"/>
+                </a:solidFill>
+                <a:latin typeface="Consolas" panose="020B0609020204030204" pitchFamily="49" charset="0"/>
+              </a:rPr>
+              <a:t>    </a:t>
+            </a:r>
+            <a:r>
+              <a:rPr lang="en-US" dirty="0">
+                <a:solidFill>
+                  <a:srgbClr val="9CDCFE"/>
+                </a:solidFill>
+                <a:latin typeface="Consolas" panose="020B0609020204030204" pitchFamily="49" charset="0"/>
+              </a:rPr>
+              <a:t>padding</a:t>
+            </a:r>
+            <a:r>
+              <a:rPr lang="en-US" dirty="0">
+                <a:solidFill>
+                  <a:srgbClr val="D4D4D4"/>
+                </a:solidFill>
+                <a:latin typeface="Consolas" panose="020B0609020204030204" pitchFamily="49" charset="0"/>
+              </a:rPr>
+              <a:t>: </a:t>
+            </a:r>
+            <a:r>
+              <a:rPr lang="en-US" dirty="0">
+                <a:solidFill>
+                  <a:srgbClr val="B5CEA8"/>
+                </a:solidFill>
+                <a:latin typeface="Consolas" panose="020B0609020204030204" pitchFamily="49" charset="0"/>
+              </a:rPr>
+              <a:t>20px</a:t>
+            </a:r>
+            <a:r>
+              <a:rPr lang="en-US" dirty="0">
+                <a:solidFill>
+                  <a:srgbClr val="D4D4D4"/>
+                </a:solidFill>
+                <a:latin typeface="Consolas" panose="020B0609020204030204" pitchFamily="49" charset="0"/>
+              </a:rPr>
+              <a:t>;</a:t>
+            </a:r>
+          </a:p>
+          <a:p>
+            <a:r>
+              <a:rPr lang="en-US" dirty="0">
+                <a:solidFill>
+                  <a:srgbClr val="D4D4D4"/>
+                </a:solidFill>
+                <a:latin typeface="Consolas" panose="020B0609020204030204" pitchFamily="49" charset="0"/>
+              </a:rPr>
+              <a:t>    </a:t>
+            </a:r>
+            <a:r>
+              <a:rPr lang="en-US" dirty="0">
+                <a:solidFill>
+                  <a:srgbClr val="9CDCFE"/>
+                </a:solidFill>
+                <a:latin typeface="Consolas" panose="020B0609020204030204" pitchFamily="49" charset="0"/>
+              </a:rPr>
+              <a:t>text-align</a:t>
+            </a:r>
+            <a:r>
+              <a:rPr lang="en-US" dirty="0">
+                <a:solidFill>
+                  <a:srgbClr val="D4D4D4"/>
+                </a:solidFill>
+                <a:latin typeface="Consolas" panose="020B0609020204030204" pitchFamily="49" charset="0"/>
+              </a:rPr>
+              <a:t>: </a:t>
+            </a:r>
+            <a:r>
+              <a:rPr lang="en-US" dirty="0">
+                <a:solidFill>
+                  <a:srgbClr val="CE9178"/>
+                </a:solidFill>
+                <a:latin typeface="Consolas" panose="020B0609020204030204" pitchFamily="49" charset="0"/>
+              </a:rPr>
+              <a:t>center</a:t>
+            </a:r>
+            <a:r>
+              <a:rPr lang="en-US" dirty="0">
+                <a:solidFill>
+                  <a:srgbClr val="D4D4D4"/>
+                </a:solidFill>
+                <a:latin typeface="Consolas" panose="020B0609020204030204" pitchFamily="49" charset="0"/>
+              </a:rPr>
+              <a:t>;</a:t>
+            </a:r>
+          </a:p>
+          <a:p>
+            <a:r>
+              <a:rPr lang="en-US" dirty="0">
+                <a:solidFill>
+                  <a:srgbClr val="D4D4D4"/>
+                </a:solidFill>
+                <a:latin typeface="Consolas" panose="020B0609020204030204" pitchFamily="49" charset="0"/>
+              </a:rPr>
+              <a:t>    </a:t>
+            </a:r>
+            <a:r>
+              <a:rPr lang="en-US" dirty="0">
+                <a:solidFill>
+                  <a:srgbClr val="9CDCFE"/>
+                </a:solidFill>
+                <a:latin typeface="Consolas" panose="020B0609020204030204" pitchFamily="49" charset="0"/>
+              </a:rPr>
+              <a:t>border</a:t>
+            </a:r>
+            <a:r>
+              <a:rPr lang="en-US" dirty="0">
+                <a:solidFill>
+                  <a:srgbClr val="D4D4D4"/>
+                </a:solidFill>
+                <a:latin typeface="Consolas" panose="020B0609020204030204" pitchFamily="49" charset="0"/>
+              </a:rPr>
+              <a:t>: </a:t>
+            </a:r>
+            <a:r>
+              <a:rPr lang="en-US" dirty="0">
+                <a:solidFill>
+                  <a:srgbClr val="CE9178"/>
+                </a:solidFill>
+                <a:latin typeface="Consolas" panose="020B0609020204030204" pitchFamily="49" charset="0"/>
+              </a:rPr>
+              <a:t>blue</a:t>
+            </a:r>
+            <a:r>
+              <a:rPr lang="en-US" dirty="0">
+                <a:solidFill>
+                  <a:srgbClr val="D4D4D4"/>
+                </a:solidFill>
+                <a:latin typeface="Consolas" panose="020B0609020204030204" pitchFamily="49" charset="0"/>
+              </a:rPr>
+              <a:t> </a:t>
+            </a:r>
+            <a:r>
+              <a:rPr lang="en-US" dirty="0">
+                <a:solidFill>
+                  <a:srgbClr val="B5CEA8"/>
+                </a:solidFill>
+                <a:latin typeface="Consolas" panose="020B0609020204030204" pitchFamily="49" charset="0"/>
+              </a:rPr>
+              <a:t>1px</a:t>
+            </a:r>
+            <a:r>
+              <a:rPr lang="en-US" dirty="0">
+                <a:solidFill>
+                  <a:srgbClr val="D4D4D4"/>
+                </a:solidFill>
+                <a:latin typeface="Consolas" panose="020B0609020204030204" pitchFamily="49" charset="0"/>
+              </a:rPr>
+              <a:t> </a:t>
+            </a:r>
+            <a:r>
+              <a:rPr lang="en-US" dirty="0">
+                <a:solidFill>
+                  <a:srgbClr val="CE9178"/>
+                </a:solidFill>
+                <a:latin typeface="Consolas" panose="020B0609020204030204" pitchFamily="49" charset="0"/>
+              </a:rPr>
+              <a:t>solid</a:t>
+            </a:r>
+            <a:r>
+              <a:rPr lang="en-US" dirty="0">
+                <a:solidFill>
+                  <a:srgbClr val="D4D4D4"/>
+                </a:solidFill>
+                <a:latin typeface="Consolas" panose="020B0609020204030204" pitchFamily="49" charset="0"/>
+              </a:rPr>
+              <a:t>;</a:t>
+            </a:r>
+          </a:p>
+          <a:p>
+            <a:r>
+              <a:rPr lang="en-US" dirty="0">
+                <a:solidFill>
+                  <a:srgbClr val="D4D4D4"/>
+                </a:solidFill>
+                <a:latin typeface="Consolas" panose="020B0609020204030204" pitchFamily="49" charset="0"/>
+              </a:rPr>
+              <a:t>  }</a:t>
+            </a:r>
+          </a:p>
+          <a:p>
+            <a:br>
+              <a:rPr lang="en-US" dirty="0">
+                <a:solidFill>
+                  <a:srgbClr val="D4D4D4"/>
+                </a:solidFill>
+                <a:latin typeface="Consolas" panose="020B0609020204030204" pitchFamily="49" charset="0"/>
+              </a:rPr>
+            </a:br>
+            <a:r>
+              <a:rPr lang="en-US" dirty="0">
+                <a:solidFill>
+                  <a:srgbClr val="D4D4D4"/>
+                </a:solidFill>
+                <a:latin typeface="Consolas" panose="020B0609020204030204" pitchFamily="49" charset="0"/>
+              </a:rPr>
+              <a:t>  </a:t>
+            </a:r>
+            <a:r>
+              <a:rPr lang="en-US" dirty="0" err="1">
+                <a:solidFill>
+                  <a:srgbClr val="D7BA7D"/>
+                </a:solidFill>
+                <a:latin typeface="Consolas" panose="020B0609020204030204" pitchFamily="49" charset="0"/>
+              </a:rPr>
+              <a:t>th</a:t>
+            </a:r>
+            <a:r>
+              <a:rPr lang="en-US" dirty="0">
+                <a:solidFill>
+                  <a:srgbClr val="D4D4D4"/>
+                </a:solidFill>
+                <a:latin typeface="Consolas" panose="020B0609020204030204" pitchFamily="49" charset="0"/>
+              </a:rPr>
+              <a:t> {</a:t>
+            </a:r>
+          </a:p>
+          <a:p>
+            <a:r>
+              <a:rPr lang="en-US" dirty="0">
+                <a:solidFill>
+                  <a:srgbClr val="D4D4D4"/>
+                </a:solidFill>
+                <a:latin typeface="Consolas" panose="020B0609020204030204" pitchFamily="49" charset="0"/>
+              </a:rPr>
+              <a:t>      </a:t>
+            </a:r>
+            <a:r>
+              <a:rPr lang="en-US" dirty="0">
+                <a:solidFill>
+                  <a:srgbClr val="9CDCFE"/>
+                </a:solidFill>
+                <a:latin typeface="Consolas" panose="020B0609020204030204" pitchFamily="49" charset="0"/>
+              </a:rPr>
+              <a:t>letter-spacing</a:t>
+            </a:r>
+            <a:r>
+              <a:rPr lang="en-US" dirty="0">
+                <a:solidFill>
+                  <a:srgbClr val="D4D4D4"/>
+                </a:solidFill>
+                <a:latin typeface="Consolas" panose="020B0609020204030204" pitchFamily="49" charset="0"/>
+              </a:rPr>
+              <a:t>: </a:t>
+            </a:r>
+            <a:r>
+              <a:rPr lang="en-US" dirty="0">
+                <a:solidFill>
+                  <a:srgbClr val="B5CEA8"/>
+                </a:solidFill>
+                <a:latin typeface="Consolas" panose="020B0609020204030204" pitchFamily="49" charset="0"/>
+              </a:rPr>
+              <a:t>2px</a:t>
+            </a:r>
+            <a:r>
+              <a:rPr lang="en-US" dirty="0">
+                <a:solidFill>
+                  <a:srgbClr val="D4D4D4"/>
+                </a:solidFill>
+                <a:latin typeface="Consolas" panose="020B0609020204030204" pitchFamily="49" charset="0"/>
+              </a:rPr>
+              <a:t>;</a:t>
+            </a:r>
+          </a:p>
+          <a:p>
+            <a:r>
+              <a:rPr lang="en-US" dirty="0">
+                <a:solidFill>
+                  <a:srgbClr val="D4D4D4"/>
+                </a:solidFill>
+                <a:latin typeface="Consolas" panose="020B0609020204030204" pitchFamily="49" charset="0"/>
+              </a:rPr>
+              <a:t>      </a:t>
+            </a:r>
+            <a:r>
+              <a:rPr lang="en-US" dirty="0">
+                <a:solidFill>
+                  <a:srgbClr val="9CDCFE"/>
+                </a:solidFill>
+                <a:latin typeface="Consolas" panose="020B0609020204030204" pitchFamily="49" charset="0"/>
+              </a:rPr>
+              <a:t>font-size</a:t>
+            </a:r>
+            <a:r>
+              <a:rPr lang="en-US" dirty="0">
+                <a:solidFill>
+                  <a:srgbClr val="D4D4D4"/>
+                </a:solidFill>
+                <a:latin typeface="Consolas" panose="020B0609020204030204" pitchFamily="49" charset="0"/>
+              </a:rPr>
+              <a:t>: </a:t>
+            </a:r>
+            <a:r>
+              <a:rPr lang="en-US" dirty="0">
+                <a:solidFill>
+                  <a:srgbClr val="B5CEA8"/>
+                </a:solidFill>
+                <a:latin typeface="Consolas" panose="020B0609020204030204" pitchFamily="49" charset="0"/>
+              </a:rPr>
+              <a:t>22px</a:t>
+            </a:r>
+            <a:r>
+              <a:rPr lang="en-US" dirty="0">
+                <a:solidFill>
+                  <a:srgbClr val="D4D4D4"/>
+                </a:solidFill>
+                <a:latin typeface="Consolas" panose="020B0609020204030204" pitchFamily="49" charset="0"/>
+              </a:rPr>
+              <a:t>;</a:t>
+            </a:r>
+          </a:p>
+          <a:p>
+            <a:r>
+              <a:rPr lang="en-US" dirty="0">
+                <a:solidFill>
+                  <a:srgbClr val="D4D4D4"/>
+                </a:solidFill>
+                <a:latin typeface="Consolas" panose="020B0609020204030204" pitchFamily="49" charset="0"/>
+              </a:rPr>
+              <a:t>  }</a:t>
+            </a:r>
+          </a:p>
+          <a:p>
+            <a:br>
+              <a:rPr lang="en-US" dirty="0">
+                <a:solidFill>
+                  <a:srgbClr val="D4D4D4"/>
+                </a:solidFill>
+                <a:latin typeface="Consolas" panose="020B0609020204030204" pitchFamily="49" charset="0"/>
+              </a:rPr>
+            </a:br>
+            <a:r>
+              <a:rPr lang="en-US" dirty="0">
+                <a:solidFill>
+                  <a:srgbClr val="D4D4D4"/>
+                </a:solidFill>
+                <a:latin typeface="Consolas" panose="020B0609020204030204" pitchFamily="49" charset="0"/>
+              </a:rPr>
+              <a:t>  </a:t>
+            </a:r>
+            <a:r>
+              <a:rPr lang="en-US" dirty="0">
+                <a:solidFill>
+                  <a:srgbClr val="D7BA7D"/>
+                </a:solidFill>
+                <a:latin typeface="Consolas" panose="020B0609020204030204" pitchFamily="49" charset="0"/>
+              </a:rPr>
+              <a:t>td</a:t>
+            </a:r>
+            <a:r>
+              <a:rPr lang="en-US" dirty="0">
+                <a:solidFill>
+                  <a:srgbClr val="D4D4D4"/>
+                </a:solidFill>
+                <a:latin typeface="Consolas" panose="020B0609020204030204" pitchFamily="49" charset="0"/>
+              </a:rPr>
+              <a:t> {</a:t>
+            </a:r>
+          </a:p>
+          <a:p>
+            <a:r>
+              <a:rPr lang="en-US" dirty="0">
+                <a:solidFill>
+                  <a:srgbClr val="D4D4D4"/>
+                </a:solidFill>
+                <a:latin typeface="Consolas" panose="020B0609020204030204" pitchFamily="49" charset="0"/>
+              </a:rPr>
+              <a:t>      </a:t>
+            </a:r>
+            <a:r>
+              <a:rPr lang="en-US" dirty="0">
+                <a:solidFill>
+                  <a:srgbClr val="9CDCFE"/>
+                </a:solidFill>
+                <a:latin typeface="Consolas" panose="020B0609020204030204" pitchFamily="49" charset="0"/>
+              </a:rPr>
+              <a:t>font-size</a:t>
+            </a:r>
+            <a:r>
+              <a:rPr lang="en-US" dirty="0">
+                <a:solidFill>
+                  <a:srgbClr val="D4D4D4"/>
+                </a:solidFill>
+                <a:latin typeface="Consolas" panose="020B0609020204030204" pitchFamily="49" charset="0"/>
+              </a:rPr>
+              <a:t>: </a:t>
+            </a:r>
+            <a:r>
+              <a:rPr lang="en-US" dirty="0">
+                <a:solidFill>
+                  <a:srgbClr val="B5CEA8"/>
+                </a:solidFill>
+                <a:latin typeface="Consolas" panose="020B0609020204030204" pitchFamily="49" charset="0"/>
+              </a:rPr>
+              <a:t>18px</a:t>
+            </a:r>
+            <a:r>
+              <a:rPr lang="en-US" dirty="0">
+                <a:solidFill>
+                  <a:srgbClr val="D4D4D4"/>
+                </a:solidFill>
+                <a:latin typeface="Consolas" panose="020B0609020204030204" pitchFamily="49" charset="0"/>
+              </a:rPr>
+              <a:t>;</a:t>
+            </a:r>
+          </a:p>
+          <a:p>
+            <a:r>
+              <a:rPr lang="en-US" dirty="0">
+                <a:solidFill>
+                  <a:srgbClr val="D4D4D4"/>
+                </a:solidFill>
+                <a:latin typeface="Consolas" panose="020B0609020204030204" pitchFamily="49" charset="0"/>
+              </a:rPr>
+              <a:t>      </a:t>
+            </a:r>
+            <a:r>
+              <a:rPr lang="en-US" dirty="0">
+                <a:solidFill>
+                  <a:srgbClr val="9CDCFE"/>
+                </a:solidFill>
+                <a:latin typeface="Consolas" panose="020B0609020204030204" pitchFamily="49" charset="0"/>
+              </a:rPr>
+              <a:t>letter-spacing</a:t>
+            </a:r>
+            <a:r>
+              <a:rPr lang="en-US" dirty="0">
+                <a:solidFill>
+                  <a:srgbClr val="D4D4D4"/>
+                </a:solidFill>
+                <a:latin typeface="Consolas" panose="020B0609020204030204" pitchFamily="49" charset="0"/>
+              </a:rPr>
+              <a:t>: </a:t>
+            </a:r>
+            <a:r>
+              <a:rPr lang="en-US" dirty="0">
+                <a:solidFill>
+                  <a:srgbClr val="B5CEA8"/>
+                </a:solidFill>
+                <a:latin typeface="Consolas" panose="020B0609020204030204" pitchFamily="49" charset="0"/>
+              </a:rPr>
+              <a:t>1px</a:t>
+            </a:r>
+            <a:r>
+              <a:rPr lang="en-US" dirty="0">
+                <a:solidFill>
+                  <a:srgbClr val="D4D4D4"/>
+                </a:solidFill>
+                <a:latin typeface="Consolas" panose="020B0609020204030204" pitchFamily="49" charset="0"/>
+              </a:rPr>
+              <a:t>;</a:t>
+            </a:r>
+          </a:p>
+          <a:p>
+            <a:r>
+              <a:rPr lang="en-US" dirty="0">
+                <a:solidFill>
+                  <a:srgbClr val="D4D4D4"/>
+                </a:solidFill>
+                <a:latin typeface="Consolas" panose="020B0609020204030204" pitchFamily="49" charset="0"/>
+              </a:rPr>
+              <a:t>  }</a:t>
+            </a:r>
+          </a:p>
+        </p:txBody>
+      </p:sp>
+    </p:spTree>
+    <p:extLst>
+      <p:ext uri="{BB962C8B-B14F-4D97-AF65-F5344CB8AC3E}">
+        <p14:creationId xmlns:p14="http://schemas.microsoft.com/office/powerpoint/2010/main" val="2982880241"/>
+      </p:ext>
+    </p:extLst>
+  </p:cSld>
+  <p:clrMapOvr>
+    <a:masterClrMapping/>
+  </p:clrMapOvr>
+</p:sld>
+</file>
+
+<file path=ppt/slides/slide49.xml><?xml version="1.0" encoding="utf-8"?>
+<p:sld xmlns:a="http://schemas.openxmlformats.org/drawingml/2006/main" xmlns:r="http://schemas.openxmlformats.org/officeDocument/2006/relationships" xmlns:p="http://schemas.openxmlformats.org/presentationml/2006/main">
+  <p:cSld>
+    <p:spTree>
+      <p:nvGrpSpPr>
+        <p:cNvPr id="1" name=""/>
+        <p:cNvGrpSpPr/>
+        <p:nvPr/>
+      </p:nvGrpSpPr>
+      <p:grpSpPr>
+        <a:xfrm>
+          <a:off x="0" y="0"/>
+          <a:ext cx="0" cy="0"/>
+          <a:chOff x="0" y="0"/>
+          <a:chExt cx="0" cy="0"/>
+        </a:xfrm>
+      </p:grpSpPr>
+      <p:sp>
+        <p:nvSpPr>
+          <p:cNvPr id="5" name="Title 1">
+            <a:extLst>
+              <a:ext uri="{FF2B5EF4-FFF2-40B4-BE49-F238E27FC236}">
+                <a16:creationId xmlns:a16="http://schemas.microsoft.com/office/drawing/2014/main" id="{854C85E7-9AFD-40D6-AEC3-A039325C6484}"/>
+              </a:ext>
+            </a:extLst>
+          </p:cNvPr>
+          <p:cNvSpPr>
+            <a:spLocks noGrp="1"/>
+          </p:cNvSpPr>
+          <p:nvPr>
+            <p:ph type="title"/>
+          </p:nvPr>
+        </p:nvSpPr>
+        <p:spPr>
+          <a:xfrm>
+            <a:off x="141514" y="2682328"/>
+            <a:ext cx="11832771" cy="1325563"/>
+          </a:xfrm>
+        </p:spPr>
+        <p:txBody>
+          <a:bodyPr/>
+          <a:lstStyle/>
+          <a:p>
+            <a:pPr algn="ctr"/>
+            <a:r>
+              <a:rPr lang="en-US" dirty="0"/>
+              <a:t>Checkpoint : How does your table look?</a:t>
+            </a:r>
+          </a:p>
+        </p:txBody>
+      </p:sp>
+    </p:spTree>
+    <p:extLst>
+      <p:ext uri="{BB962C8B-B14F-4D97-AF65-F5344CB8AC3E}">
+        <p14:creationId xmlns:p14="http://schemas.microsoft.com/office/powerpoint/2010/main" val="966466018"/>
       </p:ext>
     </p:extLst>
   </p:cSld>
@@ -18018,6 +21055,2116 @@
 </p:sld>
 </file>
 
+<file path=ppt/slides/slide50.xml><?xml version="1.0" encoding="utf-8"?>
+<p:sld xmlns:a="http://schemas.openxmlformats.org/drawingml/2006/main" xmlns:r="http://schemas.openxmlformats.org/officeDocument/2006/relationships" xmlns:p="http://schemas.openxmlformats.org/presentationml/2006/main">
+  <p:cSld>
+    <p:spTree>
+      <p:nvGrpSpPr>
+        <p:cNvPr id="1" name=""/>
+        <p:cNvGrpSpPr/>
+        <p:nvPr/>
+      </p:nvGrpSpPr>
+      <p:grpSpPr>
+        <a:xfrm>
+          <a:off x="0" y="0"/>
+          <a:ext cx="0" cy="0"/>
+          <a:chOff x="0" y="0"/>
+          <a:chExt cx="0" cy="0"/>
+        </a:xfrm>
+      </p:grpSpPr>
+      <p:sp>
+        <p:nvSpPr>
+          <p:cNvPr id="2" name="Title 1">
+            <a:extLst>
+              <a:ext uri="{FF2B5EF4-FFF2-40B4-BE49-F238E27FC236}">
+                <a16:creationId xmlns:a16="http://schemas.microsoft.com/office/drawing/2014/main" id="{451F5E4D-7FAE-4F7B-A3E0-6DAE19B176DA}"/>
+              </a:ext>
+            </a:extLst>
+          </p:cNvPr>
+          <p:cNvSpPr>
+            <a:spLocks noGrp="1"/>
+          </p:cNvSpPr>
+          <p:nvPr>
+            <p:ph type="title"/>
+          </p:nvPr>
+        </p:nvSpPr>
+        <p:spPr/>
+        <p:txBody>
+          <a:bodyPr/>
+          <a:lstStyle/>
+          <a:p>
+            <a:r>
+              <a:rPr lang="en-US" dirty="0"/>
+              <a:t>Give some color to your table</a:t>
+            </a:r>
+          </a:p>
+        </p:txBody>
+      </p:sp>
+      <p:sp>
+        <p:nvSpPr>
+          <p:cNvPr id="4" name="Rectangle 3">
+            <a:extLst>
+              <a:ext uri="{FF2B5EF4-FFF2-40B4-BE49-F238E27FC236}">
+                <a16:creationId xmlns:a16="http://schemas.microsoft.com/office/drawing/2014/main" id="{93DF8BB5-FE69-4A3C-9389-3C8687DF845B}"/>
+              </a:ext>
+            </a:extLst>
+          </p:cNvPr>
+          <p:cNvSpPr/>
+          <p:nvPr/>
+        </p:nvSpPr>
+        <p:spPr>
+          <a:xfrm>
+            <a:off x="925286" y="1414562"/>
+            <a:ext cx="10199914" cy="3416320"/>
+          </a:xfrm>
+          <a:prstGeom prst="rect">
+            <a:avLst/>
+          </a:prstGeom>
+          <a:solidFill>
+            <a:schemeClr val="tx1"/>
+          </a:solidFill>
+        </p:spPr>
+        <p:txBody>
+          <a:bodyPr wrap="square">
+            <a:spAutoFit/>
+          </a:bodyPr>
+          <a:lstStyle/>
+          <a:p>
+            <a:r>
+              <a:rPr lang="en-US" dirty="0">
+                <a:solidFill>
+                  <a:srgbClr val="D4D4D4"/>
+                </a:solidFill>
+                <a:latin typeface="Consolas" panose="020B0609020204030204" pitchFamily="49" charset="0"/>
+              </a:rPr>
+              <a:t>  </a:t>
+            </a:r>
+            <a:r>
+              <a:rPr lang="en-US" dirty="0" err="1">
+                <a:solidFill>
+                  <a:srgbClr val="D7BA7D"/>
+                </a:solidFill>
+                <a:latin typeface="Consolas" panose="020B0609020204030204" pitchFamily="49" charset="0"/>
+              </a:rPr>
+              <a:t>th</a:t>
+            </a:r>
+            <a:r>
+              <a:rPr lang="en-US" dirty="0">
+                <a:solidFill>
+                  <a:srgbClr val="D4D4D4"/>
+                </a:solidFill>
+                <a:latin typeface="Consolas" panose="020B0609020204030204" pitchFamily="49" charset="0"/>
+              </a:rPr>
+              <a:t> {</a:t>
+            </a:r>
+          </a:p>
+          <a:p>
+            <a:r>
+              <a:rPr lang="en-US" dirty="0">
+                <a:solidFill>
+                  <a:srgbClr val="D4D4D4"/>
+                </a:solidFill>
+                <a:latin typeface="Consolas" panose="020B0609020204030204" pitchFamily="49" charset="0"/>
+              </a:rPr>
+              <a:t>      </a:t>
+            </a:r>
+            <a:r>
+              <a:rPr lang="en-US" dirty="0">
+                <a:solidFill>
+                  <a:srgbClr val="9CDCFE"/>
+                </a:solidFill>
+                <a:latin typeface="Consolas" panose="020B0609020204030204" pitchFamily="49" charset="0"/>
+              </a:rPr>
+              <a:t>letter-spacing</a:t>
+            </a:r>
+            <a:r>
+              <a:rPr lang="en-US" dirty="0">
+                <a:solidFill>
+                  <a:srgbClr val="D4D4D4"/>
+                </a:solidFill>
+                <a:latin typeface="Consolas" panose="020B0609020204030204" pitchFamily="49" charset="0"/>
+              </a:rPr>
+              <a:t>: </a:t>
+            </a:r>
+            <a:r>
+              <a:rPr lang="en-US" dirty="0">
+                <a:solidFill>
+                  <a:srgbClr val="B5CEA8"/>
+                </a:solidFill>
+                <a:latin typeface="Consolas" panose="020B0609020204030204" pitchFamily="49" charset="0"/>
+              </a:rPr>
+              <a:t>2px</a:t>
+            </a:r>
+            <a:r>
+              <a:rPr lang="en-US" dirty="0">
+                <a:solidFill>
+                  <a:srgbClr val="D4D4D4"/>
+                </a:solidFill>
+                <a:latin typeface="Consolas" panose="020B0609020204030204" pitchFamily="49" charset="0"/>
+              </a:rPr>
+              <a:t>;</a:t>
+            </a:r>
+          </a:p>
+          <a:p>
+            <a:r>
+              <a:rPr lang="en-US" dirty="0">
+                <a:solidFill>
+                  <a:srgbClr val="D4D4D4"/>
+                </a:solidFill>
+                <a:latin typeface="Consolas" panose="020B0609020204030204" pitchFamily="49" charset="0"/>
+              </a:rPr>
+              <a:t>      </a:t>
+            </a:r>
+            <a:r>
+              <a:rPr lang="en-US" dirty="0">
+                <a:solidFill>
+                  <a:srgbClr val="9CDCFE"/>
+                </a:solidFill>
+                <a:latin typeface="Consolas" panose="020B0609020204030204" pitchFamily="49" charset="0"/>
+              </a:rPr>
+              <a:t>font-size</a:t>
+            </a:r>
+            <a:r>
+              <a:rPr lang="en-US" dirty="0">
+                <a:solidFill>
+                  <a:srgbClr val="D4D4D4"/>
+                </a:solidFill>
+                <a:latin typeface="Consolas" panose="020B0609020204030204" pitchFamily="49" charset="0"/>
+              </a:rPr>
+              <a:t>: </a:t>
+            </a:r>
+            <a:r>
+              <a:rPr lang="en-US" dirty="0">
+                <a:solidFill>
+                  <a:srgbClr val="B5CEA8"/>
+                </a:solidFill>
+                <a:latin typeface="Consolas" panose="020B0609020204030204" pitchFamily="49" charset="0"/>
+              </a:rPr>
+              <a:t>22px</a:t>
+            </a:r>
+            <a:r>
+              <a:rPr lang="en-US" dirty="0">
+                <a:solidFill>
+                  <a:srgbClr val="D4D4D4"/>
+                </a:solidFill>
+                <a:latin typeface="Consolas" panose="020B0609020204030204" pitchFamily="49" charset="0"/>
+              </a:rPr>
+              <a:t>;</a:t>
+            </a:r>
+          </a:p>
+          <a:p>
+            <a:r>
+              <a:rPr lang="en-US" dirty="0">
+                <a:solidFill>
+                  <a:srgbClr val="D4D4D4"/>
+                </a:solidFill>
+                <a:latin typeface="Consolas" panose="020B0609020204030204" pitchFamily="49" charset="0"/>
+              </a:rPr>
+              <a:t>      </a:t>
+            </a:r>
+            <a:r>
+              <a:rPr lang="en-US" dirty="0" err="1">
+                <a:solidFill>
+                  <a:srgbClr val="9CDCFE"/>
+                </a:solidFill>
+                <a:latin typeface="Consolas" panose="020B0609020204030204" pitchFamily="49" charset="0"/>
+              </a:rPr>
+              <a:t>background-color</a:t>
+            </a:r>
+            <a:r>
+              <a:rPr lang="en-US" dirty="0" err="1">
+                <a:solidFill>
+                  <a:srgbClr val="D4D4D4"/>
+                </a:solidFill>
+                <a:latin typeface="Consolas" panose="020B0609020204030204" pitchFamily="49" charset="0"/>
+              </a:rPr>
+              <a:t>:</a:t>
+            </a:r>
+            <a:r>
+              <a:rPr lang="en-US" dirty="0" err="1">
+                <a:solidFill>
+                  <a:srgbClr val="CE9178"/>
+                </a:solidFill>
+                <a:latin typeface="Consolas" panose="020B0609020204030204" pitchFamily="49" charset="0"/>
+              </a:rPr>
+              <a:t>lightsalmon</a:t>
+            </a:r>
+            <a:r>
+              <a:rPr lang="en-US" dirty="0">
+                <a:solidFill>
+                  <a:srgbClr val="D4D4D4"/>
+                </a:solidFill>
+                <a:latin typeface="Consolas" panose="020B0609020204030204" pitchFamily="49" charset="0"/>
+              </a:rPr>
+              <a:t>;</a:t>
+            </a:r>
+          </a:p>
+          <a:p>
+            <a:r>
+              <a:rPr lang="en-US" dirty="0">
+                <a:solidFill>
+                  <a:srgbClr val="D4D4D4"/>
+                </a:solidFill>
+                <a:latin typeface="Consolas" panose="020B0609020204030204" pitchFamily="49" charset="0"/>
+              </a:rPr>
+              <a:t>  }</a:t>
+            </a:r>
+          </a:p>
+          <a:p>
+            <a:br>
+              <a:rPr lang="en-US" dirty="0">
+                <a:solidFill>
+                  <a:srgbClr val="D4D4D4"/>
+                </a:solidFill>
+                <a:latin typeface="Consolas" panose="020B0609020204030204" pitchFamily="49" charset="0"/>
+              </a:rPr>
+            </a:br>
+            <a:r>
+              <a:rPr lang="en-US" dirty="0">
+                <a:solidFill>
+                  <a:srgbClr val="D4D4D4"/>
+                </a:solidFill>
+                <a:latin typeface="Consolas" panose="020B0609020204030204" pitchFamily="49" charset="0"/>
+              </a:rPr>
+              <a:t>  </a:t>
+            </a:r>
+            <a:r>
+              <a:rPr lang="en-US" dirty="0">
+                <a:solidFill>
+                  <a:srgbClr val="D7BA7D"/>
+                </a:solidFill>
+                <a:latin typeface="Consolas" panose="020B0609020204030204" pitchFamily="49" charset="0"/>
+              </a:rPr>
+              <a:t>td</a:t>
+            </a:r>
+            <a:r>
+              <a:rPr lang="en-US" dirty="0">
+                <a:solidFill>
+                  <a:srgbClr val="D4D4D4"/>
+                </a:solidFill>
+                <a:latin typeface="Consolas" panose="020B0609020204030204" pitchFamily="49" charset="0"/>
+              </a:rPr>
+              <a:t> {</a:t>
+            </a:r>
+          </a:p>
+          <a:p>
+            <a:r>
+              <a:rPr lang="en-US" dirty="0">
+                <a:solidFill>
+                  <a:srgbClr val="D4D4D4"/>
+                </a:solidFill>
+                <a:latin typeface="Consolas" panose="020B0609020204030204" pitchFamily="49" charset="0"/>
+              </a:rPr>
+              <a:t>      </a:t>
+            </a:r>
+            <a:r>
+              <a:rPr lang="en-US" dirty="0">
+                <a:solidFill>
+                  <a:srgbClr val="9CDCFE"/>
+                </a:solidFill>
+                <a:latin typeface="Consolas" panose="020B0609020204030204" pitchFamily="49" charset="0"/>
+              </a:rPr>
+              <a:t>font-size</a:t>
+            </a:r>
+            <a:r>
+              <a:rPr lang="en-US" dirty="0">
+                <a:solidFill>
+                  <a:srgbClr val="D4D4D4"/>
+                </a:solidFill>
+                <a:latin typeface="Consolas" panose="020B0609020204030204" pitchFamily="49" charset="0"/>
+              </a:rPr>
+              <a:t>: </a:t>
+            </a:r>
+            <a:r>
+              <a:rPr lang="en-US" dirty="0">
+                <a:solidFill>
+                  <a:srgbClr val="B5CEA8"/>
+                </a:solidFill>
+                <a:latin typeface="Consolas" panose="020B0609020204030204" pitchFamily="49" charset="0"/>
+              </a:rPr>
+              <a:t>18px</a:t>
+            </a:r>
+            <a:r>
+              <a:rPr lang="en-US" dirty="0">
+                <a:solidFill>
+                  <a:srgbClr val="D4D4D4"/>
+                </a:solidFill>
+                <a:latin typeface="Consolas" panose="020B0609020204030204" pitchFamily="49" charset="0"/>
+              </a:rPr>
+              <a:t>;</a:t>
+            </a:r>
+          </a:p>
+          <a:p>
+            <a:r>
+              <a:rPr lang="en-US" dirty="0">
+                <a:solidFill>
+                  <a:srgbClr val="D4D4D4"/>
+                </a:solidFill>
+                <a:latin typeface="Consolas" panose="020B0609020204030204" pitchFamily="49" charset="0"/>
+              </a:rPr>
+              <a:t>      </a:t>
+            </a:r>
+            <a:r>
+              <a:rPr lang="en-US" dirty="0">
+                <a:solidFill>
+                  <a:srgbClr val="9CDCFE"/>
+                </a:solidFill>
+                <a:latin typeface="Consolas" panose="020B0609020204030204" pitchFamily="49" charset="0"/>
+              </a:rPr>
+              <a:t>letter-spacing</a:t>
+            </a:r>
+            <a:r>
+              <a:rPr lang="en-US" dirty="0">
+                <a:solidFill>
+                  <a:srgbClr val="D4D4D4"/>
+                </a:solidFill>
+                <a:latin typeface="Consolas" panose="020B0609020204030204" pitchFamily="49" charset="0"/>
+              </a:rPr>
+              <a:t>: </a:t>
+            </a:r>
+            <a:r>
+              <a:rPr lang="en-US" dirty="0">
+                <a:solidFill>
+                  <a:srgbClr val="B5CEA8"/>
+                </a:solidFill>
+                <a:latin typeface="Consolas" panose="020B0609020204030204" pitchFamily="49" charset="0"/>
+              </a:rPr>
+              <a:t>1px</a:t>
+            </a:r>
+            <a:r>
+              <a:rPr lang="en-US" dirty="0">
+                <a:solidFill>
+                  <a:srgbClr val="D4D4D4"/>
+                </a:solidFill>
+                <a:latin typeface="Consolas" panose="020B0609020204030204" pitchFamily="49" charset="0"/>
+              </a:rPr>
+              <a:t>;</a:t>
+            </a:r>
+          </a:p>
+          <a:p>
+            <a:r>
+              <a:rPr lang="en-US" dirty="0">
+                <a:solidFill>
+                  <a:srgbClr val="D4D4D4"/>
+                </a:solidFill>
+                <a:latin typeface="Consolas" panose="020B0609020204030204" pitchFamily="49" charset="0"/>
+              </a:rPr>
+              <a:t>  }</a:t>
+            </a:r>
+          </a:p>
+          <a:p>
+            <a:br>
+              <a:rPr lang="en-US" dirty="0">
+                <a:solidFill>
+                  <a:srgbClr val="D4D4D4"/>
+                </a:solidFill>
+                <a:latin typeface="Consolas" panose="020B0609020204030204" pitchFamily="49" charset="0"/>
+              </a:rPr>
+            </a:br>
+            <a:endParaRPr lang="en-US" dirty="0">
+              <a:solidFill>
+                <a:srgbClr val="D4D4D4"/>
+              </a:solidFill>
+              <a:latin typeface="Consolas" panose="020B0609020204030204" pitchFamily="49" charset="0"/>
+            </a:endParaRPr>
+          </a:p>
+        </p:txBody>
+      </p:sp>
+    </p:spTree>
+    <p:extLst>
+      <p:ext uri="{BB962C8B-B14F-4D97-AF65-F5344CB8AC3E}">
+        <p14:creationId xmlns:p14="http://schemas.microsoft.com/office/powerpoint/2010/main" val="1219569559"/>
+      </p:ext>
+    </p:extLst>
+  </p:cSld>
+  <p:clrMapOvr>
+    <a:masterClrMapping/>
+  </p:clrMapOvr>
+</p:sld>
+</file>
+
+<file path=ppt/slides/slide51.xml><?xml version="1.0" encoding="utf-8"?>
+<p:sld xmlns:a="http://schemas.openxmlformats.org/drawingml/2006/main" xmlns:r="http://schemas.openxmlformats.org/officeDocument/2006/relationships" xmlns:p="http://schemas.openxmlformats.org/presentationml/2006/main">
+  <p:cSld>
+    <p:spTree>
+      <p:nvGrpSpPr>
+        <p:cNvPr id="1" name=""/>
+        <p:cNvGrpSpPr/>
+        <p:nvPr/>
+      </p:nvGrpSpPr>
+      <p:grpSpPr>
+        <a:xfrm>
+          <a:off x="0" y="0"/>
+          <a:ext cx="0" cy="0"/>
+          <a:chOff x="0" y="0"/>
+          <a:chExt cx="0" cy="0"/>
+        </a:xfrm>
+      </p:grpSpPr>
+      <p:sp>
+        <p:nvSpPr>
+          <p:cNvPr id="2" name="Title 1">
+            <a:extLst>
+              <a:ext uri="{FF2B5EF4-FFF2-40B4-BE49-F238E27FC236}">
+                <a16:creationId xmlns:a16="http://schemas.microsoft.com/office/drawing/2014/main" id="{CCCF54E1-078C-404B-8078-1F0191C06AAC}"/>
+              </a:ext>
+            </a:extLst>
+          </p:cNvPr>
+          <p:cNvSpPr>
+            <a:spLocks noGrp="1"/>
+          </p:cNvSpPr>
+          <p:nvPr>
+            <p:ph type="title"/>
+          </p:nvPr>
+        </p:nvSpPr>
+        <p:spPr/>
+        <p:txBody>
+          <a:bodyPr/>
+          <a:lstStyle/>
+          <a:p>
+            <a:r>
+              <a:rPr lang="en-US" dirty="0"/>
+              <a:t>Make it alternate in color</a:t>
+            </a:r>
+          </a:p>
+        </p:txBody>
+      </p:sp>
+      <p:sp>
+        <p:nvSpPr>
+          <p:cNvPr id="4" name="Rectangle 3">
+            <a:extLst>
+              <a:ext uri="{FF2B5EF4-FFF2-40B4-BE49-F238E27FC236}">
+                <a16:creationId xmlns:a16="http://schemas.microsoft.com/office/drawing/2014/main" id="{11284154-62DB-4BF9-B93B-9CCC3FB81FA2}"/>
+              </a:ext>
+            </a:extLst>
+          </p:cNvPr>
+          <p:cNvSpPr/>
+          <p:nvPr/>
+        </p:nvSpPr>
+        <p:spPr>
+          <a:xfrm>
+            <a:off x="838199" y="2413338"/>
+            <a:ext cx="9797143" cy="2031325"/>
+          </a:xfrm>
+          <a:prstGeom prst="rect">
+            <a:avLst/>
+          </a:prstGeom>
+          <a:solidFill>
+            <a:schemeClr val="tx1"/>
+          </a:solidFill>
+        </p:spPr>
+        <p:txBody>
+          <a:bodyPr wrap="square">
+            <a:spAutoFit/>
+          </a:bodyPr>
+          <a:lstStyle/>
+          <a:p>
+            <a:pPr lvl="0"/>
+            <a:r>
+              <a:rPr lang="en-US" dirty="0">
+                <a:solidFill>
+                  <a:srgbClr val="D4D4D4"/>
+                </a:solidFill>
+                <a:latin typeface="Consolas" panose="020B0609020204030204" pitchFamily="49" charset="0"/>
+              </a:rPr>
+              <a:t>  </a:t>
+            </a:r>
+            <a:r>
+              <a:rPr lang="en-US" dirty="0">
+                <a:solidFill>
+                  <a:srgbClr val="D7BA7D"/>
+                </a:solidFill>
+                <a:latin typeface="Consolas" panose="020B0609020204030204" pitchFamily="49" charset="0"/>
+              </a:rPr>
+              <a:t>table</a:t>
+            </a:r>
+            <a:r>
+              <a:rPr lang="en-US" dirty="0">
+                <a:solidFill>
+                  <a:srgbClr val="D4D4D4"/>
+                </a:solidFill>
+                <a:latin typeface="Consolas" panose="020B0609020204030204" pitchFamily="49" charset="0"/>
+              </a:rPr>
+              <a:t> </a:t>
+            </a:r>
+            <a:r>
+              <a:rPr lang="en-US" dirty="0" err="1">
+                <a:solidFill>
+                  <a:srgbClr val="D7BA7D"/>
+                </a:solidFill>
+                <a:latin typeface="Consolas" panose="020B0609020204030204" pitchFamily="49" charset="0"/>
+              </a:rPr>
+              <a:t>tr:nth-child</a:t>
+            </a:r>
+            <a:r>
+              <a:rPr lang="en-US" dirty="0">
+                <a:solidFill>
+                  <a:srgbClr val="D4D4D4"/>
+                </a:solidFill>
+                <a:latin typeface="Consolas" panose="020B0609020204030204" pitchFamily="49" charset="0"/>
+              </a:rPr>
+              <a:t>(even){</a:t>
+            </a:r>
+          </a:p>
+          <a:p>
+            <a:pPr lvl="0"/>
+            <a:r>
+              <a:rPr lang="en-US" dirty="0">
+                <a:solidFill>
+                  <a:srgbClr val="D4D4D4"/>
+                </a:solidFill>
+                <a:latin typeface="Consolas" panose="020B0609020204030204" pitchFamily="49" charset="0"/>
+              </a:rPr>
+              <a:t>      </a:t>
+            </a:r>
+            <a:r>
+              <a:rPr lang="en-US" dirty="0" err="1">
+                <a:solidFill>
+                  <a:srgbClr val="9CDCFE"/>
+                </a:solidFill>
+                <a:latin typeface="Consolas" panose="020B0609020204030204" pitchFamily="49" charset="0"/>
+              </a:rPr>
+              <a:t>background-color</a:t>
+            </a:r>
+            <a:r>
+              <a:rPr lang="en-US" dirty="0" err="1">
+                <a:solidFill>
+                  <a:srgbClr val="D4D4D4"/>
+                </a:solidFill>
+                <a:latin typeface="Consolas" panose="020B0609020204030204" pitchFamily="49" charset="0"/>
+              </a:rPr>
+              <a:t>:</a:t>
+            </a:r>
+            <a:r>
+              <a:rPr lang="en-US" dirty="0" err="1">
+                <a:solidFill>
+                  <a:srgbClr val="CE9178"/>
+                </a:solidFill>
+                <a:latin typeface="Consolas" panose="020B0609020204030204" pitchFamily="49" charset="0"/>
+              </a:rPr>
+              <a:t>lightskyblue</a:t>
+            </a:r>
+            <a:r>
+              <a:rPr lang="en-US" dirty="0">
+                <a:solidFill>
+                  <a:srgbClr val="D4D4D4"/>
+                </a:solidFill>
+                <a:latin typeface="Consolas" panose="020B0609020204030204" pitchFamily="49" charset="0"/>
+              </a:rPr>
+              <a:t>;</a:t>
+            </a:r>
+          </a:p>
+          <a:p>
+            <a:pPr lvl="0"/>
+            <a:r>
+              <a:rPr lang="en-US" dirty="0">
+                <a:solidFill>
+                  <a:srgbClr val="D4D4D4"/>
+                </a:solidFill>
+                <a:latin typeface="Consolas" panose="020B0609020204030204" pitchFamily="49" charset="0"/>
+              </a:rPr>
+              <a:t>  }</a:t>
+            </a:r>
+          </a:p>
+          <a:p>
+            <a:pPr lvl="0"/>
+            <a:br>
+              <a:rPr lang="en-US" dirty="0">
+                <a:solidFill>
+                  <a:srgbClr val="D4D4D4"/>
+                </a:solidFill>
+                <a:latin typeface="Consolas" panose="020B0609020204030204" pitchFamily="49" charset="0"/>
+              </a:rPr>
+            </a:br>
+            <a:r>
+              <a:rPr lang="en-US" dirty="0">
+                <a:solidFill>
+                  <a:srgbClr val="D4D4D4"/>
+                </a:solidFill>
+                <a:latin typeface="Consolas" panose="020B0609020204030204" pitchFamily="49" charset="0"/>
+              </a:rPr>
+              <a:t>  </a:t>
+            </a:r>
+            <a:r>
+              <a:rPr lang="en-US" dirty="0">
+                <a:solidFill>
+                  <a:srgbClr val="D7BA7D"/>
+                </a:solidFill>
+                <a:latin typeface="Consolas" panose="020B0609020204030204" pitchFamily="49" charset="0"/>
+              </a:rPr>
+              <a:t>table</a:t>
+            </a:r>
+            <a:r>
+              <a:rPr lang="en-US" dirty="0">
+                <a:solidFill>
+                  <a:srgbClr val="D4D4D4"/>
+                </a:solidFill>
+                <a:latin typeface="Consolas" panose="020B0609020204030204" pitchFamily="49" charset="0"/>
+              </a:rPr>
+              <a:t> </a:t>
+            </a:r>
+            <a:r>
+              <a:rPr lang="en-US" dirty="0" err="1">
+                <a:solidFill>
+                  <a:srgbClr val="D7BA7D"/>
+                </a:solidFill>
+                <a:latin typeface="Consolas" panose="020B0609020204030204" pitchFamily="49" charset="0"/>
+              </a:rPr>
+              <a:t>tr:nth-child</a:t>
+            </a:r>
+            <a:r>
+              <a:rPr lang="en-US" dirty="0">
+                <a:solidFill>
+                  <a:srgbClr val="D4D4D4"/>
+                </a:solidFill>
+                <a:latin typeface="Consolas" panose="020B0609020204030204" pitchFamily="49" charset="0"/>
+              </a:rPr>
+              <a:t>(odd){</a:t>
+            </a:r>
+          </a:p>
+          <a:p>
+            <a:pPr lvl="0"/>
+            <a:r>
+              <a:rPr lang="en-US" dirty="0">
+                <a:solidFill>
+                  <a:srgbClr val="D4D4D4"/>
+                </a:solidFill>
+                <a:latin typeface="Consolas" panose="020B0609020204030204" pitchFamily="49" charset="0"/>
+              </a:rPr>
+              <a:t>    </a:t>
+            </a:r>
+            <a:r>
+              <a:rPr lang="en-US" dirty="0" err="1">
+                <a:solidFill>
+                  <a:srgbClr val="9CDCFE"/>
+                </a:solidFill>
+                <a:latin typeface="Consolas" panose="020B0609020204030204" pitchFamily="49" charset="0"/>
+              </a:rPr>
+              <a:t>background-color</a:t>
+            </a:r>
+            <a:r>
+              <a:rPr lang="en-US" dirty="0" err="1">
+                <a:solidFill>
+                  <a:srgbClr val="D4D4D4"/>
+                </a:solidFill>
+                <a:latin typeface="Consolas" panose="020B0609020204030204" pitchFamily="49" charset="0"/>
+              </a:rPr>
+              <a:t>:</a:t>
+            </a:r>
+            <a:r>
+              <a:rPr lang="en-US" dirty="0" err="1">
+                <a:solidFill>
+                  <a:srgbClr val="CE9178"/>
+                </a:solidFill>
+                <a:latin typeface="Consolas" panose="020B0609020204030204" pitchFamily="49" charset="0"/>
+              </a:rPr>
+              <a:t>whitesmoke</a:t>
+            </a:r>
+            <a:r>
+              <a:rPr lang="en-US" dirty="0">
+                <a:solidFill>
+                  <a:srgbClr val="D4D4D4"/>
+                </a:solidFill>
+                <a:latin typeface="Consolas" panose="020B0609020204030204" pitchFamily="49" charset="0"/>
+              </a:rPr>
+              <a:t>;</a:t>
+            </a:r>
+          </a:p>
+          <a:p>
+            <a:pPr lvl="0"/>
+            <a:r>
+              <a:rPr lang="en-US" dirty="0">
+                <a:solidFill>
+                  <a:srgbClr val="D4D4D4"/>
+                </a:solidFill>
+                <a:latin typeface="Consolas" panose="020B0609020204030204" pitchFamily="49" charset="0"/>
+              </a:rPr>
+              <a:t>}</a:t>
+            </a:r>
+          </a:p>
+        </p:txBody>
+      </p:sp>
+    </p:spTree>
+    <p:extLst>
+      <p:ext uri="{BB962C8B-B14F-4D97-AF65-F5344CB8AC3E}">
+        <p14:creationId xmlns:p14="http://schemas.microsoft.com/office/powerpoint/2010/main" val="4030248674"/>
+      </p:ext>
+    </p:extLst>
+  </p:cSld>
+  <p:clrMapOvr>
+    <a:masterClrMapping/>
+  </p:clrMapOvr>
+</p:sld>
+</file>
+
+<file path=ppt/slides/slide52.xml><?xml version="1.0" encoding="utf-8"?>
+<p:sld xmlns:a="http://schemas.openxmlformats.org/drawingml/2006/main" xmlns:r="http://schemas.openxmlformats.org/officeDocument/2006/relationships" xmlns:p="http://schemas.openxmlformats.org/presentationml/2006/main">
+  <p:cSld>
+    <p:spTree>
+      <p:nvGrpSpPr>
+        <p:cNvPr id="1" name=""/>
+        <p:cNvGrpSpPr/>
+        <p:nvPr/>
+      </p:nvGrpSpPr>
+      <p:grpSpPr>
+        <a:xfrm>
+          <a:off x="0" y="0"/>
+          <a:ext cx="0" cy="0"/>
+          <a:chOff x="0" y="0"/>
+          <a:chExt cx="0" cy="0"/>
+        </a:xfrm>
+      </p:grpSpPr>
+      <p:sp>
+        <p:nvSpPr>
+          <p:cNvPr id="2" name="Title 1">
+            <a:extLst>
+              <a:ext uri="{FF2B5EF4-FFF2-40B4-BE49-F238E27FC236}">
+                <a16:creationId xmlns:a16="http://schemas.microsoft.com/office/drawing/2014/main" id="{CCCF54E1-078C-404B-8078-1F0191C06AAC}"/>
+              </a:ext>
+            </a:extLst>
+          </p:cNvPr>
+          <p:cNvSpPr>
+            <a:spLocks noGrp="1"/>
+          </p:cNvSpPr>
+          <p:nvPr>
+            <p:ph type="title"/>
+          </p:nvPr>
+        </p:nvSpPr>
+        <p:spPr/>
+        <p:txBody>
+          <a:bodyPr/>
+          <a:lstStyle/>
+          <a:p>
+            <a:r>
+              <a:rPr lang="en-US" dirty="0"/>
+              <a:t>Or some gradients</a:t>
+            </a:r>
+          </a:p>
+        </p:txBody>
+      </p:sp>
+      <p:sp>
+        <p:nvSpPr>
+          <p:cNvPr id="4" name="Rectangle 3">
+            <a:extLst>
+              <a:ext uri="{FF2B5EF4-FFF2-40B4-BE49-F238E27FC236}">
+                <a16:creationId xmlns:a16="http://schemas.microsoft.com/office/drawing/2014/main" id="{3D91E474-4BA0-416B-81C5-BBA3B4833BFE}"/>
+              </a:ext>
+            </a:extLst>
+          </p:cNvPr>
+          <p:cNvSpPr/>
+          <p:nvPr/>
+        </p:nvSpPr>
+        <p:spPr>
+          <a:xfrm>
+            <a:off x="936172" y="1882285"/>
+            <a:ext cx="10515600" cy="3693319"/>
+          </a:xfrm>
+          <a:prstGeom prst="rect">
+            <a:avLst/>
+          </a:prstGeom>
+          <a:solidFill>
+            <a:schemeClr val="tx1"/>
+          </a:solidFill>
+        </p:spPr>
+        <p:txBody>
+          <a:bodyPr wrap="square">
+            <a:spAutoFit/>
+          </a:bodyPr>
+          <a:lstStyle/>
+          <a:p>
+            <a:r>
+              <a:rPr lang="en-US" dirty="0">
+                <a:solidFill>
+                  <a:srgbClr val="D4D4D4"/>
+                </a:solidFill>
+                <a:latin typeface="Consolas" panose="020B0609020204030204" pitchFamily="49" charset="0"/>
+              </a:rPr>
+              <a:t>  </a:t>
+            </a:r>
+            <a:r>
+              <a:rPr lang="en-US" dirty="0" err="1">
+                <a:solidFill>
+                  <a:srgbClr val="D7BA7D"/>
+                </a:solidFill>
+                <a:latin typeface="Consolas" panose="020B0609020204030204" pitchFamily="49" charset="0"/>
+              </a:rPr>
+              <a:t>th</a:t>
+            </a:r>
+            <a:r>
+              <a:rPr lang="en-US" dirty="0">
+                <a:solidFill>
+                  <a:srgbClr val="D4D4D4"/>
+                </a:solidFill>
+                <a:latin typeface="Consolas" panose="020B0609020204030204" pitchFamily="49" charset="0"/>
+              </a:rPr>
+              <a:t> {</a:t>
+            </a:r>
+          </a:p>
+          <a:p>
+            <a:r>
+              <a:rPr lang="en-US" dirty="0">
+                <a:solidFill>
+                  <a:srgbClr val="D4D4D4"/>
+                </a:solidFill>
+                <a:latin typeface="Consolas" panose="020B0609020204030204" pitchFamily="49" charset="0"/>
+              </a:rPr>
+              <a:t>      </a:t>
+            </a:r>
+            <a:r>
+              <a:rPr lang="en-US" dirty="0">
+                <a:solidFill>
+                  <a:srgbClr val="9CDCFE"/>
+                </a:solidFill>
+                <a:latin typeface="Consolas" panose="020B0609020204030204" pitchFamily="49" charset="0"/>
+              </a:rPr>
+              <a:t>letter-spacing</a:t>
+            </a:r>
+            <a:r>
+              <a:rPr lang="en-US" dirty="0">
+                <a:solidFill>
+                  <a:srgbClr val="D4D4D4"/>
+                </a:solidFill>
+                <a:latin typeface="Consolas" panose="020B0609020204030204" pitchFamily="49" charset="0"/>
+              </a:rPr>
+              <a:t>: </a:t>
+            </a:r>
+            <a:r>
+              <a:rPr lang="en-US" dirty="0">
+                <a:solidFill>
+                  <a:srgbClr val="B5CEA8"/>
+                </a:solidFill>
+                <a:latin typeface="Consolas" panose="020B0609020204030204" pitchFamily="49" charset="0"/>
+              </a:rPr>
+              <a:t>2px</a:t>
+            </a:r>
+            <a:r>
+              <a:rPr lang="en-US" dirty="0">
+                <a:solidFill>
+                  <a:srgbClr val="D4D4D4"/>
+                </a:solidFill>
+                <a:latin typeface="Consolas" panose="020B0609020204030204" pitchFamily="49" charset="0"/>
+              </a:rPr>
+              <a:t>;</a:t>
+            </a:r>
+          </a:p>
+          <a:p>
+            <a:r>
+              <a:rPr lang="en-US" dirty="0">
+                <a:solidFill>
+                  <a:srgbClr val="D4D4D4"/>
+                </a:solidFill>
+                <a:latin typeface="Consolas" panose="020B0609020204030204" pitchFamily="49" charset="0"/>
+              </a:rPr>
+              <a:t>      </a:t>
+            </a:r>
+            <a:r>
+              <a:rPr lang="en-US" dirty="0">
+                <a:solidFill>
+                  <a:srgbClr val="9CDCFE"/>
+                </a:solidFill>
+                <a:latin typeface="Consolas" panose="020B0609020204030204" pitchFamily="49" charset="0"/>
+              </a:rPr>
+              <a:t>font-size</a:t>
+            </a:r>
+            <a:r>
+              <a:rPr lang="en-US" dirty="0">
+                <a:solidFill>
+                  <a:srgbClr val="D4D4D4"/>
+                </a:solidFill>
+                <a:latin typeface="Consolas" panose="020B0609020204030204" pitchFamily="49" charset="0"/>
+              </a:rPr>
+              <a:t>: </a:t>
+            </a:r>
+            <a:r>
+              <a:rPr lang="en-US" dirty="0">
+                <a:solidFill>
+                  <a:srgbClr val="B5CEA8"/>
+                </a:solidFill>
+                <a:latin typeface="Consolas" panose="020B0609020204030204" pitchFamily="49" charset="0"/>
+              </a:rPr>
+              <a:t>22px</a:t>
+            </a:r>
+            <a:r>
+              <a:rPr lang="en-US" dirty="0">
+                <a:solidFill>
+                  <a:srgbClr val="D4D4D4"/>
+                </a:solidFill>
+                <a:latin typeface="Consolas" panose="020B0609020204030204" pitchFamily="49" charset="0"/>
+              </a:rPr>
+              <a:t>;</a:t>
+            </a:r>
+          </a:p>
+          <a:p>
+            <a:r>
+              <a:rPr lang="en-US" dirty="0">
+                <a:solidFill>
+                  <a:srgbClr val="D4D4D4"/>
+                </a:solidFill>
+                <a:latin typeface="Consolas" panose="020B0609020204030204" pitchFamily="49" charset="0"/>
+              </a:rPr>
+              <a:t>      </a:t>
+            </a:r>
+            <a:r>
+              <a:rPr lang="en-US" dirty="0" err="1">
+                <a:solidFill>
+                  <a:srgbClr val="9CDCFE"/>
+                </a:solidFill>
+                <a:latin typeface="Consolas" panose="020B0609020204030204" pitchFamily="49" charset="0"/>
+              </a:rPr>
+              <a:t>background-color</a:t>
+            </a:r>
+            <a:r>
+              <a:rPr lang="en-US" dirty="0" err="1">
+                <a:solidFill>
+                  <a:srgbClr val="D4D4D4"/>
+                </a:solidFill>
+                <a:latin typeface="Consolas" panose="020B0609020204030204" pitchFamily="49" charset="0"/>
+              </a:rPr>
+              <a:t>:</a:t>
+            </a:r>
+            <a:r>
+              <a:rPr lang="en-US" dirty="0" err="1">
+                <a:solidFill>
+                  <a:srgbClr val="CE9178"/>
+                </a:solidFill>
+                <a:latin typeface="Consolas" panose="020B0609020204030204" pitchFamily="49" charset="0"/>
+              </a:rPr>
+              <a:t>lightsalmon</a:t>
+            </a:r>
+            <a:r>
+              <a:rPr lang="en-US" dirty="0">
+                <a:solidFill>
+                  <a:srgbClr val="D4D4D4"/>
+                </a:solidFill>
+                <a:latin typeface="Consolas" panose="020B0609020204030204" pitchFamily="49" charset="0"/>
+              </a:rPr>
+              <a:t>;</a:t>
+            </a:r>
+          </a:p>
+          <a:p>
+            <a:r>
+              <a:rPr lang="en-US" dirty="0">
+                <a:solidFill>
+                  <a:srgbClr val="D4D4D4"/>
+                </a:solidFill>
+                <a:latin typeface="Consolas" panose="020B0609020204030204" pitchFamily="49" charset="0"/>
+              </a:rPr>
+              <a:t>      </a:t>
+            </a:r>
+            <a:r>
+              <a:rPr lang="en-US" dirty="0">
+                <a:solidFill>
+                  <a:srgbClr val="9CDCFE"/>
+                </a:solidFill>
+                <a:latin typeface="Consolas" panose="020B0609020204030204" pitchFamily="49" charset="0"/>
+              </a:rPr>
+              <a:t>background-image</a:t>
+            </a:r>
+            <a:r>
+              <a:rPr lang="en-US" dirty="0">
+                <a:solidFill>
+                  <a:srgbClr val="D4D4D4"/>
+                </a:solidFill>
+                <a:latin typeface="Consolas" panose="020B0609020204030204" pitchFamily="49" charset="0"/>
+              </a:rPr>
+              <a:t>: </a:t>
+            </a:r>
+            <a:r>
+              <a:rPr lang="en-US" dirty="0">
+                <a:solidFill>
+                  <a:srgbClr val="DCDCAA"/>
+                </a:solidFill>
+                <a:latin typeface="Consolas" panose="020B0609020204030204" pitchFamily="49" charset="0"/>
+              </a:rPr>
+              <a:t>linear-gradient</a:t>
+            </a:r>
+            <a:r>
+              <a:rPr lang="en-US" dirty="0">
+                <a:solidFill>
+                  <a:srgbClr val="D4D4D4"/>
+                </a:solidFill>
+                <a:latin typeface="Consolas" panose="020B0609020204030204" pitchFamily="49" charset="0"/>
+              </a:rPr>
+              <a:t>(</a:t>
+            </a:r>
+            <a:r>
+              <a:rPr lang="en-US" dirty="0" err="1">
+                <a:solidFill>
+                  <a:srgbClr val="CE9178"/>
+                </a:solidFill>
+                <a:latin typeface="Consolas" panose="020B0609020204030204" pitchFamily="49" charset="0"/>
+              </a:rPr>
+              <a:t>lightsalmon</a:t>
+            </a:r>
+            <a:r>
+              <a:rPr lang="en-US" dirty="0">
+                <a:solidFill>
+                  <a:srgbClr val="D4D4D4"/>
+                </a:solidFill>
+                <a:latin typeface="Consolas" panose="020B0609020204030204" pitchFamily="49" charset="0"/>
+              </a:rPr>
+              <a:t>, </a:t>
+            </a:r>
+            <a:r>
+              <a:rPr lang="en-US" dirty="0">
+                <a:solidFill>
+                  <a:srgbClr val="CE9178"/>
+                </a:solidFill>
+                <a:latin typeface="Consolas" panose="020B0609020204030204" pitchFamily="49" charset="0"/>
+              </a:rPr>
+              <a:t>white</a:t>
+            </a:r>
+            <a:r>
+              <a:rPr lang="en-US" dirty="0">
+                <a:solidFill>
+                  <a:srgbClr val="D4D4D4"/>
+                </a:solidFill>
+                <a:latin typeface="Consolas" panose="020B0609020204030204" pitchFamily="49" charset="0"/>
+              </a:rPr>
+              <a:t>);</a:t>
+            </a:r>
+          </a:p>
+          <a:p>
+            <a:r>
+              <a:rPr lang="en-US" dirty="0">
+                <a:solidFill>
+                  <a:srgbClr val="D4D4D4"/>
+                </a:solidFill>
+                <a:latin typeface="Consolas" panose="020B0609020204030204" pitchFamily="49" charset="0"/>
+              </a:rPr>
+              <a:t>  }</a:t>
+            </a:r>
+          </a:p>
+          <a:p>
+            <a:br>
+              <a:rPr lang="en-US" dirty="0">
+                <a:solidFill>
+                  <a:srgbClr val="D4D4D4"/>
+                </a:solidFill>
+                <a:latin typeface="Consolas" panose="020B0609020204030204" pitchFamily="49" charset="0"/>
+              </a:rPr>
+            </a:br>
+            <a:r>
+              <a:rPr lang="en-US" dirty="0">
+                <a:solidFill>
+                  <a:srgbClr val="D4D4D4"/>
+                </a:solidFill>
+                <a:latin typeface="Consolas" panose="020B0609020204030204" pitchFamily="49" charset="0"/>
+              </a:rPr>
+              <a:t>  </a:t>
+            </a:r>
+            <a:r>
+              <a:rPr lang="en-US" dirty="0">
+                <a:solidFill>
+                  <a:srgbClr val="D7BA7D"/>
+                </a:solidFill>
+                <a:latin typeface="Consolas" panose="020B0609020204030204" pitchFamily="49" charset="0"/>
+              </a:rPr>
+              <a:t>td</a:t>
+            </a:r>
+            <a:r>
+              <a:rPr lang="en-US" dirty="0">
+                <a:solidFill>
+                  <a:srgbClr val="D4D4D4"/>
+                </a:solidFill>
+                <a:latin typeface="Consolas" panose="020B0609020204030204" pitchFamily="49" charset="0"/>
+              </a:rPr>
+              <a:t> {</a:t>
+            </a:r>
+          </a:p>
+          <a:p>
+            <a:r>
+              <a:rPr lang="en-US" dirty="0">
+                <a:solidFill>
+                  <a:srgbClr val="D4D4D4"/>
+                </a:solidFill>
+                <a:latin typeface="Consolas" panose="020B0609020204030204" pitchFamily="49" charset="0"/>
+              </a:rPr>
+              <a:t>      </a:t>
+            </a:r>
+            <a:r>
+              <a:rPr lang="en-US" dirty="0">
+                <a:solidFill>
+                  <a:srgbClr val="9CDCFE"/>
+                </a:solidFill>
+                <a:latin typeface="Consolas" panose="020B0609020204030204" pitchFamily="49" charset="0"/>
+              </a:rPr>
+              <a:t>font-size</a:t>
+            </a:r>
+            <a:r>
+              <a:rPr lang="en-US" dirty="0">
+                <a:solidFill>
+                  <a:srgbClr val="D4D4D4"/>
+                </a:solidFill>
+                <a:latin typeface="Consolas" panose="020B0609020204030204" pitchFamily="49" charset="0"/>
+              </a:rPr>
+              <a:t>: </a:t>
+            </a:r>
+            <a:r>
+              <a:rPr lang="en-US" dirty="0">
+                <a:solidFill>
+                  <a:srgbClr val="B5CEA8"/>
+                </a:solidFill>
+                <a:latin typeface="Consolas" panose="020B0609020204030204" pitchFamily="49" charset="0"/>
+              </a:rPr>
+              <a:t>18px</a:t>
+            </a:r>
+            <a:r>
+              <a:rPr lang="en-US" dirty="0">
+                <a:solidFill>
+                  <a:srgbClr val="D4D4D4"/>
+                </a:solidFill>
+                <a:latin typeface="Consolas" panose="020B0609020204030204" pitchFamily="49" charset="0"/>
+              </a:rPr>
+              <a:t>;</a:t>
+            </a:r>
+          </a:p>
+          <a:p>
+            <a:r>
+              <a:rPr lang="en-US" dirty="0">
+                <a:solidFill>
+                  <a:srgbClr val="D4D4D4"/>
+                </a:solidFill>
+                <a:latin typeface="Consolas" panose="020B0609020204030204" pitchFamily="49" charset="0"/>
+              </a:rPr>
+              <a:t>      </a:t>
+            </a:r>
+            <a:r>
+              <a:rPr lang="en-US" dirty="0">
+                <a:solidFill>
+                  <a:srgbClr val="9CDCFE"/>
+                </a:solidFill>
+                <a:latin typeface="Consolas" panose="020B0609020204030204" pitchFamily="49" charset="0"/>
+              </a:rPr>
+              <a:t>letter-spacing</a:t>
+            </a:r>
+            <a:r>
+              <a:rPr lang="en-US" dirty="0">
+                <a:solidFill>
+                  <a:srgbClr val="D4D4D4"/>
+                </a:solidFill>
+                <a:latin typeface="Consolas" panose="020B0609020204030204" pitchFamily="49" charset="0"/>
+              </a:rPr>
+              <a:t>: </a:t>
+            </a:r>
+            <a:r>
+              <a:rPr lang="en-US" dirty="0">
+                <a:solidFill>
+                  <a:srgbClr val="B5CEA8"/>
+                </a:solidFill>
+                <a:latin typeface="Consolas" panose="020B0609020204030204" pitchFamily="49" charset="0"/>
+              </a:rPr>
+              <a:t>1px</a:t>
+            </a:r>
+            <a:r>
+              <a:rPr lang="en-US" dirty="0">
+                <a:solidFill>
+                  <a:srgbClr val="D4D4D4"/>
+                </a:solidFill>
+                <a:latin typeface="Consolas" panose="020B0609020204030204" pitchFamily="49" charset="0"/>
+              </a:rPr>
+              <a:t>;</a:t>
+            </a:r>
+          </a:p>
+          <a:p>
+            <a:r>
+              <a:rPr lang="en-US" dirty="0">
+                <a:solidFill>
+                  <a:srgbClr val="D4D4D4"/>
+                </a:solidFill>
+                <a:latin typeface="Consolas" panose="020B0609020204030204" pitchFamily="49" charset="0"/>
+              </a:rPr>
+              <a:t>      </a:t>
+            </a:r>
+            <a:r>
+              <a:rPr lang="en-US" dirty="0" err="1">
+                <a:solidFill>
+                  <a:srgbClr val="9CDCFE"/>
+                </a:solidFill>
+                <a:latin typeface="Consolas" panose="020B0609020204030204" pitchFamily="49" charset="0"/>
+              </a:rPr>
+              <a:t>background-color</a:t>
+            </a:r>
+            <a:r>
+              <a:rPr lang="en-US" dirty="0" err="1">
+                <a:solidFill>
+                  <a:srgbClr val="D4D4D4"/>
+                </a:solidFill>
+                <a:latin typeface="Consolas" panose="020B0609020204030204" pitchFamily="49" charset="0"/>
+              </a:rPr>
+              <a:t>:</a:t>
+            </a:r>
+            <a:r>
+              <a:rPr lang="en-US" dirty="0" err="1">
+                <a:solidFill>
+                  <a:srgbClr val="CE9178"/>
+                </a:solidFill>
+                <a:latin typeface="Consolas" panose="020B0609020204030204" pitchFamily="49" charset="0"/>
+              </a:rPr>
+              <a:t>skyblue</a:t>
+            </a:r>
+            <a:r>
+              <a:rPr lang="en-US" dirty="0">
+                <a:solidFill>
+                  <a:srgbClr val="D4D4D4"/>
+                </a:solidFill>
+                <a:latin typeface="Consolas" panose="020B0609020204030204" pitchFamily="49" charset="0"/>
+              </a:rPr>
+              <a:t>;</a:t>
+            </a:r>
+          </a:p>
+          <a:p>
+            <a:r>
+              <a:rPr lang="en-US" dirty="0">
+                <a:solidFill>
+                  <a:srgbClr val="D4D4D4"/>
+                </a:solidFill>
+                <a:latin typeface="Consolas" panose="020B0609020204030204" pitchFamily="49" charset="0"/>
+              </a:rPr>
+              <a:t>      </a:t>
+            </a:r>
+            <a:r>
+              <a:rPr lang="en-US" dirty="0">
+                <a:solidFill>
+                  <a:srgbClr val="9CDCFE"/>
+                </a:solidFill>
+                <a:latin typeface="Consolas" panose="020B0609020204030204" pitchFamily="49" charset="0"/>
+              </a:rPr>
+              <a:t>background-image</a:t>
+            </a:r>
+            <a:r>
+              <a:rPr lang="en-US" dirty="0">
+                <a:solidFill>
+                  <a:srgbClr val="D4D4D4"/>
+                </a:solidFill>
+                <a:latin typeface="Consolas" panose="020B0609020204030204" pitchFamily="49" charset="0"/>
+              </a:rPr>
+              <a:t>: </a:t>
+            </a:r>
+            <a:r>
+              <a:rPr lang="en-US" dirty="0">
+                <a:solidFill>
+                  <a:srgbClr val="DCDCAA"/>
+                </a:solidFill>
+                <a:latin typeface="Consolas" panose="020B0609020204030204" pitchFamily="49" charset="0"/>
+              </a:rPr>
+              <a:t>linear-gradient</a:t>
+            </a:r>
+            <a:r>
+              <a:rPr lang="en-US" dirty="0">
+                <a:solidFill>
+                  <a:srgbClr val="D4D4D4"/>
+                </a:solidFill>
+                <a:latin typeface="Consolas" panose="020B0609020204030204" pitchFamily="49" charset="0"/>
+              </a:rPr>
+              <a:t>(</a:t>
+            </a:r>
+            <a:r>
+              <a:rPr lang="en-US" dirty="0" err="1">
+                <a:solidFill>
+                  <a:srgbClr val="CE9178"/>
+                </a:solidFill>
+                <a:latin typeface="Consolas" panose="020B0609020204030204" pitchFamily="49" charset="0"/>
+              </a:rPr>
+              <a:t>skyblue</a:t>
+            </a:r>
+            <a:r>
+              <a:rPr lang="en-US" dirty="0">
+                <a:solidFill>
+                  <a:srgbClr val="D4D4D4"/>
+                </a:solidFill>
+                <a:latin typeface="Consolas" panose="020B0609020204030204" pitchFamily="49" charset="0"/>
+              </a:rPr>
+              <a:t>, </a:t>
+            </a:r>
+            <a:r>
+              <a:rPr lang="en-US" dirty="0">
+                <a:solidFill>
+                  <a:srgbClr val="CE9178"/>
+                </a:solidFill>
+                <a:latin typeface="Consolas" panose="020B0609020204030204" pitchFamily="49" charset="0"/>
+              </a:rPr>
+              <a:t>white</a:t>
+            </a:r>
+            <a:r>
+              <a:rPr lang="en-US" dirty="0">
+                <a:solidFill>
+                  <a:srgbClr val="D4D4D4"/>
+                </a:solidFill>
+                <a:latin typeface="Consolas" panose="020B0609020204030204" pitchFamily="49" charset="0"/>
+              </a:rPr>
+              <a:t>);</a:t>
+            </a:r>
+          </a:p>
+          <a:p>
+            <a:r>
+              <a:rPr lang="en-US" dirty="0">
+                <a:solidFill>
+                  <a:srgbClr val="D4D4D4"/>
+                </a:solidFill>
+                <a:latin typeface="Consolas" panose="020B0609020204030204" pitchFamily="49" charset="0"/>
+              </a:rPr>
+              <a:t>  }</a:t>
+            </a:r>
+            <a:endParaRPr lang="en-US" b="0" dirty="0">
+              <a:solidFill>
+                <a:srgbClr val="D4D4D4"/>
+              </a:solidFill>
+              <a:effectLst/>
+              <a:latin typeface="Consolas" panose="020B0609020204030204" pitchFamily="49" charset="0"/>
+            </a:endParaRPr>
+          </a:p>
+        </p:txBody>
+      </p:sp>
+    </p:spTree>
+    <p:extLst>
+      <p:ext uri="{BB962C8B-B14F-4D97-AF65-F5344CB8AC3E}">
+        <p14:creationId xmlns:p14="http://schemas.microsoft.com/office/powerpoint/2010/main" val="3397875959"/>
+      </p:ext>
+    </p:extLst>
+  </p:cSld>
+  <p:clrMapOvr>
+    <a:masterClrMapping/>
+  </p:clrMapOvr>
+</p:sld>
+</file>
+
+<file path=ppt/slides/slide53.xml><?xml version="1.0" encoding="utf-8"?>
+<p:sld xmlns:a="http://schemas.openxmlformats.org/drawingml/2006/main" xmlns:r="http://schemas.openxmlformats.org/officeDocument/2006/relationships" xmlns:p="http://schemas.openxmlformats.org/presentationml/2006/main">
+  <p:cSld>
+    <p:spTree>
+      <p:nvGrpSpPr>
+        <p:cNvPr id="1" name=""/>
+        <p:cNvGrpSpPr/>
+        <p:nvPr/>
+      </p:nvGrpSpPr>
+      <p:grpSpPr>
+        <a:xfrm>
+          <a:off x="0" y="0"/>
+          <a:ext cx="0" cy="0"/>
+          <a:chOff x="0" y="0"/>
+          <a:chExt cx="0" cy="0"/>
+        </a:xfrm>
+      </p:grpSpPr>
+      <p:sp>
+        <p:nvSpPr>
+          <p:cNvPr id="5" name="Title 1">
+            <a:extLst>
+              <a:ext uri="{FF2B5EF4-FFF2-40B4-BE49-F238E27FC236}">
+                <a16:creationId xmlns:a16="http://schemas.microsoft.com/office/drawing/2014/main" id="{854C85E7-9AFD-40D6-AEC3-A039325C6484}"/>
+              </a:ext>
+            </a:extLst>
+          </p:cNvPr>
+          <p:cNvSpPr>
+            <a:spLocks noGrp="1"/>
+          </p:cNvSpPr>
+          <p:nvPr>
+            <p:ph type="title"/>
+          </p:nvPr>
+        </p:nvSpPr>
+        <p:spPr>
+          <a:xfrm>
+            <a:off x="141514" y="2682328"/>
+            <a:ext cx="11832771" cy="1325563"/>
+          </a:xfrm>
+        </p:spPr>
+        <p:txBody>
+          <a:bodyPr/>
+          <a:lstStyle/>
+          <a:p>
+            <a:pPr algn="ctr"/>
+            <a:r>
+              <a:rPr lang="en-US" dirty="0"/>
+              <a:t>Checkpoint : How does your table look?</a:t>
+            </a:r>
+          </a:p>
+        </p:txBody>
+      </p:sp>
+    </p:spTree>
+    <p:extLst>
+      <p:ext uri="{BB962C8B-B14F-4D97-AF65-F5344CB8AC3E}">
+        <p14:creationId xmlns:p14="http://schemas.microsoft.com/office/powerpoint/2010/main" val="4272977831"/>
+      </p:ext>
+    </p:extLst>
+  </p:cSld>
+  <p:clrMapOvr>
+    <a:masterClrMapping/>
+  </p:clrMapOvr>
+</p:sld>
+</file>
+
+<file path=ppt/slides/slide54.xml><?xml version="1.0" encoding="utf-8"?>
+<p:sld xmlns:a="http://schemas.openxmlformats.org/drawingml/2006/main" xmlns:r="http://schemas.openxmlformats.org/officeDocument/2006/relationships" xmlns:p="http://schemas.openxmlformats.org/presentationml/2006/main">
+  <p:cSld>
+    <p:spTree>
+      <p:nvGrpSpPr>
+        <p:cNvPr id="1" name=""/>
+        <p:cNvGrpSpPr/>
+        <p:nvPr/>
+      </p:nvGrpSpPr>
+      <p:grpSpPr>
+        <a:xfrm>
+          <a:off x="0" y="0"/>
+          <a:ext cx="0" cy="0"/>
+          <a:chOff x="0" y="0"/>
+          <a:chExt cx="0" cy="0"/>
+        </a:xfrm>
+      </p:grpSpPr>
+      <p:sp>
+        <p:nvSpPr>
+          <p:cNvPr id="2" name="Title 1">
+            <a:extLst>
+              <a:ext uri="{FF2B5EF4-FFF2-40B4-BE49-F238E27FC236}">
+                <a16:creationId xmlns:a16="http://schemas.microsoft.com/office/drawing/2014/main" id="{A998948B-FC3D-4E31-B1EE-46789B9F831C}"/>
+              </a:ext>
+            </a:extLst>
+          </p:cNvPr>
+          <p:cNvSpPr>
+            <a:spLocks noGrp="1"/>
+          </p:cNvSpPr>
+          <p:nvPr>
+            <p:ph type="title"/>
+          </p:nvPr>
+        </p:nvSpPr>
+        <p:spPr/>
+        <p:txBody>
+          <a:bodyPr/>
+          <a:lstStyle/>
+          <a:p>
+            <a:r>
+              <a:rPr lang="en-US" dirty="0"/>
+              <a:t>Align the table to center</a:t>
+            </a:r>
+          </a:p>
+        </p:txBody>
+      </p:sp>
+      <p:sp>
+        <p:nvSpPr>
+          <p:cNvPr id="4" name="Rectangle 3">
+            <a:extLst>
+              <a:ext uri="{FF2B5EF4-FFF2-40B4-BE49-F238E27FC236}">
+                <a16:creationId xmlns:a16="http://schemas.microsoft.com/office/drawing/2014/main" id="{86137233-1329-4217-B33C-4160318B1066}"/>
+              </a:ext>
+            </a:extLst>
+          </p:cNvPr>
+          <p:cNvSpPr/>
+          <p:nvPr/>
+        </p:nvSpPr>
+        <p:spPr>
+          <a:xfrm>
+            <a:off x="1284514" y="1850571"/>
+            <a:ext cx="8588829" cy="3231654"/>
+          </a:xfrm>
+          <a:prstGeom prst="rect">
+            <a:avLst/>
+          </a:prstGeom>
+          <a:solidFill>
+            <a:schemeClr val="tx1"/>
+          </a:solidFill>
+        </p:spPr>
+        <p:txBody>
+          <a:bodyPr wrap="square">
+            <a:spAutoFit/>
+          </a:bodyPr>
+          <a:lstStyle/>
+          <a:p>
+            <a:r>
+              <a:rPr lang="en-US" sz="2400" dirty="0">
+                <a:solidFill>
+                  <a:srgbClr val="D7BA7D"/>
+                </a:solidFill>
+                <a:latin typeface="Consolas" panose="020B0609020204030204" pitchFamily="49" charset="0"/>
+              </a:rPr>
+              <a:t>table</a:t>
+            </a:r>
+            <a:r>
+              <a:rPr lang="en-US" sz="2400" dirty="0">
+                <a:solidFill>
+                  <a:srgbClr val="D4D4D4"/>
+                </a:solidFill>
+                <a:latin typeface="Consolas" panose="020B0609020204030204" pitchFamily="49" charset="0"/>
+              </a:rPr>
+              <a:t> {</a:t>
+            </a:r>
+          </a:p>
+          <a:p>
+            <a:r>
+              <a:rPr lang="en-US" sz="2400" dirty="0">
+                <a:solidFill>
+                  <a:srgbClr val="D4D4D4"/>
+                </a:solidFill>
+                <a:latin typeface="Consolas" panose="020B0609020204030204" pitchFamily="49" charset="0"/>
+              </a:rPr>
+              <a:t>    </a:t>
+            </a:r>
+            <a:r>
+              <a:rPr lang="en-US" sz="2400" dirty="0">
+                <a:solidFill>
+                  <a:srgbClr val="9CDCFE"/>
+                </a:solidFill>
+                <a:latin typeface="Consolas" panose="020B0609020204030204" pitchFamily="49" charset="0"/>
+              </a:rPr>
+              <a:t>table-layout</a:t>
+            </a:r>
+            <a:r>
+              <a:rPr lang="en-US" sz="2400" dirty="0">
+                <a:solidFill>
+                  <a:srgbClr val="D4D4D4"/>
+                </a:solidFill>
+                <a:latin typeface="Consolas" panose="020B0609020204030204" pitchFamily="49" charset="0"/>
+              </a:rPr>
+              <a:t>: </a:t>
+            </a:r>
+            <a:r>
+              <a:rPr lang="en-US" sz="2400" dirty="0">
+                <a:solidFill>
+                  <a:srgbClr val="CE9178"/>
+                </a:solidFill>
+                <a:latin typeface="Consolas" panose="020B0609020204030204" pitchFamily="49" charset="0"/>
+              </a:rPr>
+              <a:t>fixed</a:t>
+            </a:r>
+            <a:r>
+              <a:rPr lang="en-US" sz="2400" dirty="0">
+                <a:solidFill>
+                  <a:srgbClr val="D4D4D4"/>
+                </a:solidFill>
+                <a:latin typeface="Consolas" panose="020B0609020204030204" pitchFamily="49" charset="0"/>
+              </a:rPr>
+              <a:t>;</a:t>
+            </a:r>
+          </a:p>
+          <a:p>
+            <a:r>
+              <a:rPr lang="en-US" sz="2400" dirty="0">
+                <a:solidFill>
+                  <a:srgbClr val="D4D4D4"/>
+                </a:solidFill>
+                <a:latin typeface="Consolas" panose="020B0609020204030204" pitchFamily="49" charset="0"/>
+              </a:rPr>
+              <a:t>    </a:t>
+            </a:r>
+            <a:r>
+              <a:rPr lang="en-US" sz="2400" dirty="0">
+                <a:solidFill>
+                  <a:srgbClr val="9CDCFE"/>
+                </a:solidFill>
+                <a:latin typeface="Consolas" panose="020B0609020204030204" pitchFamily="49" charset="0"/>
+              </a:rPr>
+              <a:t>width</a:t>
+            </a:r>
+            <a:r>
+              <a:rPr lang="en-US" sz="2400" dirty="0">
+                <a:solidFill>
+                  <a:srgbClr val="D4D4D4"/>
+                </a:solidFill>
+                <a:latin typeface="Consolas" panose="020B0609020204030204" pitchFamily="49" charset="0"/>
+              </a:rPr>
+              <a:t>: </a:t>
+            </a:r>
+            <a:r>
+              <a:rPr lang="en-US" sz="2400" dirty="0">
+                <a:solidFill>
+                  <a:srgbClr val="B5CEA8"/>
+                </a:solidFill>
+                <a:latin typeface="Consolas" panose="020B0609020204030204" pitchFamily="49" charset="0"/>
+              </a:rPr>
+              <a:t>50%</a:t>
+            </a:r>
+            <a:r>
+              <a:rPr lang="en-US" sz="2400" dirty="0">
+                <a:solidFill>
+                  <a:srgbClr val="D4D4D4"/>
+                </a:solidFill>
+                <a:latin typeface="Consolas" panose="020B0609020204030204" pitchFamily="49" charset="0"/>
+              </a:rPr>
+              <a:t>;</a:t>
+            </a:r>
+          </a:p>
+          <a:p>
+            <a:r>
+              <a:rPr lang="en-US" sz="2400" dirty="0">
+                <a:solidFill>
+                  <a:srgbClr val="D4D4D4"/>
+                </a:solidFill>
+                <a:latin typeface="Consolas" panose="020B0609020204030204" pitchFamily="49" charset="0"/>
+              </a:rPr>
+              <a:t>    </a:t>
+            </a:r>
+            <a:r>
+              <a:rPr lang="en-US" sz="2400" dirty="0">
+                <a:solidFill>
+                  <a:srgbClr val="9CDCFE"/>
+                </a:solidFill>
+                <a:latin typeface="Consolas" panose="020B0609020204030204" pitchFamily="49" charset="0"/>
+              </a:rPr>
+              <a:t>border-collapse</a:t>
+            </a:r>
+            <a:r>
+              <a:rPr lang="en-US" sz="2400" dirty="0">
+                <a:solidFill>
+                  <a:srgbClr val="D4D4D4"/>
+                </a:solidFill>
+                <a:latin typeface="Consolas" panose="020B0609020204030204" pitchFamily="49" charset="0"/>
+              </a:rPr>
+              <a:t>: </a:t>
+            </a:r>
+            <a:r>
+              <a:rPr lang="en-US" sz="2400" dirty="0">
+                <a:solidFill>
+                  <a:srgbClr val="CE9178"/>
+                </a:solidFill>
+                <a:latin typeface="Consolas" panose="020B0609020204030204" pitchFamily="49" charset="0"/>
+              </a:rPr>
+              <a:t>collapse</a:t>
+            </a:r>
+            <a:r>
+              <a:rPr lang="en-US" sz="2400" dirty="0">
+                <a:solidFill>
+                  <a:srgbClr val="D4D4D4"/>
+                </a:solidFill>
+                <a:latin typeface="Consolas" panose="020B0609020204030204" pitchFamily="49" charset="0"/>
+              </a:rPr>
+              <a:t>;</a:t>
+            </a:r>
+          </a:p>
+          <a:p>
+            <a:r>
+              <a:rPr lang="en-US" sz="2400" dirty="0">
+                <a:solidFill>
+                  <a:srgbClr val="D4D4D4"/>
+                </a:solidFill>
+                <a:latin typeface="Consolas" panose="020B0609020204030204" pitchFamily="49" charset="0"/>
+              </a:rPr>
+              <a:t>    </a:t>
+            </a:r>
+            <a:r>
+              <a:rPr lang="en-US" sz="2400" dirty="0">
+                <a:solidFill>
+                  <a:srgbClr val="9CDCFE"/>
+                </a:solidFill>
+                <a:latin typeface="Consolas" panose="020B0609020204030204" pitchFamily="49" charset="0"/>
+              </a:rPr>
+              <a:t>margin-left</a:t>
+            </a:r>
+            <a:r>
+              <a:rPr lang="en-US" sz="2400" dirty="0">
+                <a:solidFill>
+                  <a:srgbClr val="D4D4D4"/>
+                </a:solidFill>
+                <a:latin typeface="Consolas" panose="020B0609020204030204" pitchFamily="49" charset="0"/>
+              </a:rPr>
+              <a:t>: </a:t>
+            </a:r>
+            <a:r>
+              <a:rPr lang="en-US" sz="2400" dirty="0">
+                <a:solidFill>
+                  <a:srgbClr val="CE9178"/>
+                </a:solidFill>
+                <a:latin typeface="Consolas" panose="020B0609020204030204" pitchFamily="49" charset="0"/>
+              </a:rPr>
+              <a:t>auto</a:t>
+            </a:r>
+            <a:r>
+              <a:rPr lang="en-US" sz="2400" dirty="0">
+                <a:solidFill>
+                  <a:srgbClr val="D4D4D4"/>
+                </a:solidFill>
+                <a:latin typeface="Consolas" panose="020B0609020204030204" pitchFamily="49" charset="0"/>
+              </a:rPr>
+              <a:t>;</a:t>
+            </a:r>
+          </a:p>
+          <a:p>
+            <a:r>
+              <a:rPr lang="en-US" sz="2400" dirty="0">
+                <a:solidFill>
+                  <a:srgbClr val="D4D4D4"/>
+                </a:solidFill>
+                <a:latin typeface="Consolas" panose="020B0609020204030204" pitchFamily="49" charset="0"/>
+              </a:rPr>
+              <a:t>    </a:t>
+            </a:r>
+            <a:r>
+              <a:rPr lang="en-US" sz="2400" dirty="0">
+                <a:solidFill>
+                  <a:srgbClr val="9CDCFE"/>
+                </a:solidFill>
+                <a:latin typeface="Consolas" panose="020B0609020204030204" pitchFamily="49" charset="0"/>
+              </a:rPr>
+              <a:t>margin-right</a:t>
+            </a:r>
+            <a:r>
+              <a:rPr lang="en-US" sz="2400" dirty="0">
+                <a:solidFill>
+                  <a:srgbClr val="D4D4D4"/>
+                </a:solidFill>
+                <a:latin typeface="Consolas" panose="020B0609020204030204" pitchFamily="49" charset="0"/>
+              </a:rPr>
+              <a:t>: </a:t>
+            </a:r>
+            <a:r>
+              <a:rPr lang="en-US" sz="2400" dirty="0">
+                <a:solidFill>
+                  <a:srgbClr val="CE9178"/>
+                </a:solidFill>
+                <a:latin typeface="Consolas" panose="020B0609020204030204" pitchFamily="49" charset="0"/>
+              </a:rPr>
+              <a:t>auto</a:t>
+            </a:r>
+            <a:r>
+              <a:rPr lang="en-US" sz="2400" dirty="0">
+                <a:solidFill>
+                  <a:srgbClr val="D4D4D4"/>
+                </a:solidFill>
+                <a:latin typeface="Consolas" panose="020B0609020204030204" pitchFamily="49" charset="0"/>
+              </a:rPr>
+              <a:t>;</a:t>
+            </a:r>
+          </a:p>
+          <a:p>
+            <a:r>
+              <a:rPr lang="en-US" sz="2400" dirty="0">
+                <a:solidFill>
+                  <a:srgbClr val="D4D4D4"/>
+                </a:solidFill>
+                <a:latin typeface="Consolas" panose="020B0609020204030204" pitchFamily="49" charset="0"/>
+              </a:rPr>
+              <a:t>}</a:t>
+            </a:r>
+          </a:p>
+          <a:p>
+            <a:br>
+              <a:rPr lang="en-US" dirty="0">
+                <a:solidFill>
+                  <a:srgbClr val="D4D4D4"/>
+                </a:solidFill>
+                <a:latin typeface="Consolas" panose="020B0609020204030204" pitchFamily="49" charset="0"/>
+              </a:rPr>
+            </a:br>
+            <a:endParaRPr lang="en-US" dirty="0">
+              <a:solidFill>
+                <a:srgbClr val="D4D4D4"/>
+              </a:solidFill>
+              <a:latin typeface="Consolas" panose="020B0609020204030204" pitchFamily="49" charset="0"/>
+            </a:endParaRPr>
+          </a:p>
+        </p:txBody>
+      </p:sp>
+    </p:spTree>
+    <p:extLst>
+      <p:ext uri="{BB962C8B-B14F-4D97-AF65-F5344CB8AC3E}">
+        <p14:creationId xmlns:p14="http://schemas.microsoft.com/office/powerpoint/2010/main" val="3434336472"/>
+      </p:ext>
+    </p:extLst>
+  </p:cSld>
+  <p:clrMapOvr>
+    <a:masterClrMapping/>
+  </p:clrMapOvr>
+</p:sld>
+</file>
+
+<file path=ppt/slides/slide55.xml><?xml version="1.0" encoding="utf-8"?>
+<p:sld xmlns:a="http://schemas.openxmlformats.org/drawingml/2006/main" xmlns:r="http://schemas.openxmlformats.org/officeDocument/2006/relationships" xmlns:p="http://schemas.openxmlformats.org/presentationml/2006/main">
+  <p:cSld>
+    <p:spTree>
+      <p:nvGrpSpPr>
+        <p:cNvPr id="1" name=""/>
+        <p:cNvGrpSpPr/>
+        <p:nvPr/>
+      </p:nvGrpSpPr>
+      <p:grpSpPr>
+        <a:xfrm>
+          <a:off x="0" y="0"/>
+          <a:ext cx="0" cy="0"/>
+          <a:chOff x="0" y="0"/>
+          <a:chExt cx="0" cy="0"/>
+        </a:xfrm>
+      </p:grpSpPr>
+      <p:sp>
+        <p:nvSpPr>
+          <p:cNvPr id="2" name="Title 1">
+            <a:extLst>
+              <a:ext uri="{FF2B5EF4-FFF2-40B4-BE49-F238E27FC236}">
+                <a16:creationId xmlns:a16="http://schemas.microsoft.com/office/drawing/2014/main" id="{AFFD6B2F-E383-4C7F-898E-8BACD98A1236}"/>
+              </a:ext>
+            </a:extLst>
+          </p:cNvPr>
+          <p:cNvSpPr>
+            <a:spLocks noGrp="1"/>
+          </p:cNvSpPr>
+          <p:nvPr>
+            <p:ph type="title"/>
+          </p:nvPr>
+        </p:nvSpPr>
+        <p:spPr/>
+        <p:txBody>
+          <a:bodyPr/>
+          <a:lstStyle/>
+          <a:p>
+            <a:r>
+              <a:rPr lang="en-US" dirty="0"/>
+              <a:t>Give a dark background</a:t>
+            </a:r>
+          </a:p>
+        </p:txBody>
+      </p:sp>
+      <p:sp>
+        <p:nvSpPr>
+          <p:cNvPr id="4" name="Rectangle 3">
+            <a:extLst>
+              <a:ext uri="{FF2B5EF4-FFF2-40B4-BE49-F238E27FC236}">
+                <a16:creationId xmlns:a16="http://schemas.microsoft.com/office/drawing/2014/main" id="{C67B088A-2483-41F1-94C6-2821E40BFF01}"/>
+              </a:ext>
+            </a:extLst>
+          </p:cNvPr>
+          <p:cNvSpPr/>
+          <p:nvPr/>
+        </p:nvSpPr>
+        <p:spPr>
+          <a:xfrm>
+            <a:off x="990600" y="1541306"/>
+            <a:ext cx="8752114" cy="923330"/>
+          </a:xfrm>
+          <a:prstGeom prst="rect">
+            <a:avLst/>
+          </a:prstGeom>
+          <a:solidFill>
+            <a:schemeClr val="tx1"/>
+          </a:solidFill>
+        </p:spPr>
+        <p:txBody>
+          <a:bodyPr wrap="square">
+            <a:spAutoFit/>
+          </a:bodyPr>
+          <a:lstStyle/>
+          <a:p>
+            <a:r>
+              <a:rPr lang="en-US" dirty="0">
+                <a:solidFill>
+                  <a:srgbClr val="D7BA7D"/>
+                </a:solidFill>
+                <a:latin typeface="Consolas" panose="020B0609020204030204" pitchFamily="49" charset="0"/>
+              </a:rPr>
+              <a:t>html</a:t>
+            </a:r>
+            <a:r>
+              <a:rPr lang="en-US" dirty="0">
+                <a:solidFill>
+                  <a:srgbClr val="D4D4D4"/>
+                </a:solidFill>
+                <a:latin typeface="Consolas" panose="020B0609020204030204" pitchFamily="49" charset="0"/>
+              </a:rPr>
+              <a:t>{</a:t>
+            </a:r>
+          </a:p>
+          <a:p>
+            <a:r>
+              <a:rPr lang="en-US" dirty="0">
+                <a:solidFill>
+                  <a:srgbClr val="D4D4D4"/>
+                </a:solidFill>
+                <a:latin typeface="Consolas" panose="020B0609020204030204" pitchFamily="49" charset="0"/>
+              </a:rPr>
+              <a:t>    </a:t>
+            </a:r>
+            <a:r>
+              <a:rPr lang="en-US" dirty="0">
+                <a:solidFill>
+                  <a:srgbClr val="9CDCFE"/>
+                </a:solidFill>
+                <a:latin typeface="Consolas" panose="020B0609020204030204" pitchFamily="49" charset="0"/>
+              </a:rPr>
+              <a:t>background-color</a:t>
+            </a:r>
+            <a:r>
+              <a:rPr lang="en-US" dirty="0">
+                <a:solidFill>
+                  <a:srgbClr val="D4D4D4"/>
+                </a:solidFill>
+                <a:latin typeface="Consolas" panose="020B0609020204030204" pitchFamily="49" charset="0"/>
+              </a:rPr>
+              <a:t>: </a:t>
+            </a:r>
+            <a:r>
+              <a:rPr lang="en-US" dirty="0">
+                <a:solidFill>
+                  <a:srgbClr val="CE9178"/>
+                </a:solidFill>
+                <a:latin typeface="Consolas" panose="020B0609020204030204" pitchFamily="49" charset="0"/>
+              </a:rPr>
+              <a:t>black</a:t>
+            </a:r>
+            <a:r>
+              <a:rPr lang="en-US" dirty="0">
+                <a:solidFill>
+                  <a:srgbClr val="D4D4D4"/>
+                </a:solidFill>
+                <a:latin typeface="Consolas" panose="020B0609020204030204" pitchFamily="49" charset="0"/>
+              </a:rPr>
+              <a:t>;</a:t>
+            </a:r>
+          </a:p>
+          <a:p>
+            <a:r>
+              <a:rPr lang="en-US" dirty="0">
+                <a:solidFill>
+                  <a:srgbClr val="D4D4D4"/>
+                </a:solidFill>
+                <a:latin typeface="Consolas" panose="020B0609020204030204" pitchFamily="49" charset="0"/>
+              </a:rPr>
+              <a:t>}</a:t>
+            </a:r>
+          </a:p>
+        </p:txBody>
+      </p:sp>
+    </p:spTree>
+    <p:extLst>
+      <p:ext uri="{BB962C8B-B14F-4D97-AF65-F5344CB8AC3E}">
+        <p14:creationId xmlns:p14="http://schemas.microsoft.com/office/powerpoint/2010/main" val="654893723"/>
+      </p:ext>
+    </p:extLst>
+  </p:cSld>
+  <p:clrMapOvr>
+    <a:masterClrMapping/>
+  </p:clrMapOvr>
+</p:sld>
+</file>
+
+<file path=ppt/slides/slide56.xml><?xml version="1.0" encoding="utf-8"?>
+<p:sld xmlns:a="http://schemas.openxmlformats.org/drawingml/2006/main" xmlns:r="http://schemas.openxmlformats.org/officeDocument/2006/relationships" xmlns:p="http://schemas.openxmlformats.org/presentationml/2006/main">
+  <p:cSld>
+    <p:bg>
+      <p:bgPr>
+        <a:solidFill>
+          <a:schemeClr val="bg1"/>
+        </a:solidFill>
+        <a:effectLst/>
+      </p:bgPr>
+    </p:bg>
+    <p:spTree>
+      <p:nvGrpSpPr>
+        <p:cNvPr id="1" name=""/>
+        <p:cNvGrpSpPr/>
+        <p:nvPr/>
+      </p:nvGrpSpPr>
+      <p:grpSpPr>
+        <a:xfrm>
+          <a:off x="0" y="0"/>
+          <a:ext cx="0" cy="0"/>
+          <a:chOff x="0" y="0"/>
+          <a:chExt cx="0" cy="0"/>
+        </a:xfrm>
+      </p:grpSpPr>
+      <p:pic>
+        <p:nvPicPr>
+          <p:cNvPr id="4" name="Picture 3" descr="A screenshot of a cell phone&#10;&#10;Description automatically generated">
+            <a:extLst>
+              <a:ext uri="{FF2B5EF4-FFF2-40B4-BE49-F238E27FC236}">
+                <a16:creationId xmlns:a16="http://schemas.microsoft.com/office/drawing/2014/main" id="{8F8A5062-EB67-491C-9401-76F81A7AB233}"/>
+              </a:ext>
+            </a:extLst>
+          </p:cNvPr>
+          <p:cNvPicPr>
+            <a:picLocks noChangeAspect="1"/>
+          </p:cNvPicPr>
+          <p:nvPr/>
+        </p:nvPicPr>
+        <p:blipFill rotWithShape="1">
+          <a:blip r:embed="rId2"/>
+          <a:srcRect l="6272" r="9729" b="1"/>
+          <a:stretch/>
+        </p:blipFill>
+        <p:spPr>
+          <a:xfrm>
+            <a:off x="20" y="10"/>
+            <a:ext cx="12191980" cy="6857990"/>
+          </a:xfrm>
+          <a:prstGeom prst="rect">
+            <a:avLst/>
+          </a:prstGeom>
+        </p:spPr>
+      </p:pic>
+    </p:spTree>
+    <p:extLst>
+      <p:ext uri="{BB962C8B-B14F-4D97-AF65-F5344CB8AC3E}">
+        <p14:creationId xmlns:p14="http://schemas.microsoft.com/office/powerpoint/2010/main" val="1602647326"/>
+      </p:ext>
+    </p:extLst>
+  </p:cSld>
+  <p:clrMapOvr>
+    <a:masterClrMapping/>
+  </p:clrMapOvr>
+</p:sld>
+</file>
+
+<file path=ppt/slides/slide57.xml><?xml version="1.0" encoding="utf-8"?>
+<p:sld xmlns:a="http://schemas.openxmlformats.org/drawingml/2006/main" xmlns:r="http://schemas.openxmlformats.org/officeDocument/2006/relationships" xmlns:p="http://schemas.openxmlformats.org/presentationml/2006/main">
+  <p:cSld>
+    <p:spTree>
+      <p:nvGrpSpPr>
+        <p:cNvPr id="1" name=""/>
+        <p:cNvGrpSpPr/>
+        <p:nvPr/>
+      </p:nvGrpSpPr>
+      <p:grpSpPr>
+        <a:xfrm>
+          <a:off x="0" y="0"/>
+          <a:ext cx="0" cy="0"/>
+          <a:chOff x="0" y="0"/>
+          <a:chExt cx="0" cy="0"/>
+        </a:xfrm>
+      </p:grpSpPr>
+      <p:sp>
+        <p:nvSpPr>
+          <p:cNvPr id="3" name="Content Placeholder 2">
+            <a:extLst>
+              <a:ext uri="{FF2B5EF4-FFF2-40B4-BE49-F238E27FC236}">
+                <a16:creationId xmlns:a16="http://schemas.microsoft.com/office/drawing/2014/main" id="{41A45F29-33FF-4AFE-93F8-78C94590AB63}"/>
+              </a:ext>
+            </a:extLst>
+          </p:cNvPr>
+          <p:cNvSpPr>
+            <a:spLocks noGrp="1"/>
+          </p:cNvSpPr>
+          <p:nvPr>
+            <p:ph idx="1"/>
+          </p:nvPr>
+        </p:nvSpPr>
+        <p:spPr>
+          <a:xfrm>
+            <a:off x="838200" y="1253331"/>
+            <a:ext cx="10515600" cy="4351338"/>
+          </a:xfrm>
+        </p:spPr>
+        <p:txBody>
+          <a:bodyPr anchor="ctr">
+            <a:normAutofit/>
+          </a:bodyPr>
+          <a:lstStyle/>
+          <a:p>
+            <a:pPr marL="0" indent="0" algn="ctr">
+              <a:buNone/>
+            </a:pPr>
+            <a:r>
+              <a:rPr lang="en-US" sz="9600" dirty="0"/>
+              <a:t>Thank You!!!</a:t>
+            </a:r>
+          </a:p>
+        </p:txBody>
+      </p:sp>
+    </p:spTree>
+    <p:extLst>
+      <p:ext uri="{BB962C8B-B14F-4D97-AF65-F5344CB8AC3E}">
+        <p14:creationId xmlns:p14="http://schemas.microsoft.com/office/powerpoint/2010/main" val="2087570635"/>
+      </p:ext>
+    </p:extLst>
+  </p:cSld>
+  <p:clrMapOvr>
+    <a:masterClrMapping/>
+  </p:clrMapOvr>
+</p:sld>
+</file>
+
 <file path=ppt/slides/slide6.xml><?xml version="1.0" encoding="utf-8"?>
 <p:sld xmlns:a="http://schemas.openxmlformats.org/drawingml/2006/main" xmlns:r="http://schemas.openxmlformats.org/officeDocument/2006/relationships" xmlns:p="http://schemas.openxmlformats.org/presentationml/2006/main">
   <p:cSld>
@@ -18092,12 +23239,6 @@
           <a:p>
             <a:r>
               <a:rPr lang="en-US" dirty="0"/>
-              <a:t>The rating should be denoted with stars like </a:t>
-            </a:r>
-          </a:p>
-          <a:p>
-            <a:r>
-              <a:rPr lang="en-US" dirty="0"/>
               <a:t>You should be able to change the rating from the UI.</a:t>
             </a:r>
           </a:p>
@@ -18112,219 +23253,6 @@
           </a:p>
         </p:txBody>
       </p:sp>
-      <p:pic>
-        <p:nvPicPr>
-          <p:cNvPr id="1026" name="Picture 2" descr="See the source image">
-            <a:extLst>
-              <a:ext uri="{FF2B5EF4-FFF2-40B4-BE49-F238E27FC236}">
-                <a16:creationId xmlns:a16="http://schemas.microsoft.com/office/drawing/2014/main" id="{DD5085A7-B869-4AFA-89C8-473E92FC0F0E}"/>
-              </a:ext>
-            </a:extLst>
-          </p:cNvPr>
-          <p:cNvPicPr>
-            <a:picLocks noChangeAspect="1" noChangeArrowheads="1"/>
-          </p:cNvPicPr>
-          <p:nvPr/>
-        </p:nvPicPr>
-        <p:blipFill>
-          <a:blip r:embed="rId2">
-            <a:extLst>
-              <a:ext uri="{28A0092B-C50C-407E-A947-70E740481C1C}">
-                <a14:useLocalDpi xmlns:a14="http://schemas.microsoft.com/office/drawing/2010/main" val="0"/>
-              </a:ext>
-            </a:extLst>
-          </a:blip>
-          <a:srcRect/>
-          <a:stretch>
-            <a:fillRect/>
-          </a:stretch>
-        </p:blipFill>
-        <p:spPr bwMode="auto">
-          <a:xfrm>
-            <a:off x="7594535" y="2281433"/>
-            <a:ext cx="457783" cy="475696"/>
-          </a:xfrm>
-          <a:prstGeom prst="rect">
-            <a:avLst/>
-          </a:prstGeom>
-          <a:noFill/>
-          <a:extLst>
-            <a:ext uri="{909E8E84-426E-40DD-AFC4-6F175D3DCCD1}">
-              <a14:hiddenFill xmlns:a14="http://schemas.microsoft.com/office/drawing/2010/main">
-                <a:solidFill>
-                  <a:srgbClr val="FFFFFF"/>
-                </a:solidFill>
-              </a14:hiddenFill>
-            </a:ext>
-          </a:extLst>
-        </p:spPr>
-      </p:pic>
-      <p:pic>
-        <p:nvPicPr>
-          <p:cNvPr id="6" name="Picture 2" descr="See the source image">
-            <a:extLst>
-              <a:ext uri="{FF2B5EF4-FFF2-40B4-BE49-F238E27FC236}">
-                <a16:creationId xmlns:a16="http://schemas.microsoft.com/office/drawing/2014/main" id="{1C0911D7-64E2-42A9-A8B5-9DE5DEB0823D}"/>
-              </a:ext>
-            </a:extLst>
-          </p:cNvPr>
-          <p:cNvPicPr>
-            <a:picLocks noChangeAspect="1" noChangeArrowheads="1"/>
-          </p:cNvPicPr>
-          <p:nvPr/>
-        </p:nvPicPr>
-        <p:blipFill>
-          <a:blip r:embed="rId2">
-            <a:extLst>
-              <a:ext uri="{28A0092B-C50C-407E-A947-70E740481C1C}">
-                <a14:useLocalDpi xmlns:a14="http://schemas.microsoft.com/office/drawing/2010/main" val="0"/>
-              </a:ext>
-            </a:extLst>
-          </a:blip>
-          <a:srcRect/>
-          <a:stretch>
-            <a:fillRect/>
-          </a:stretch>
-        </p:blipFill>
-        <p:spPr bwMode="auto">
-          <a:xfrm>
-            <a:off x="8052318" y="2281433"/>
-            <a:ext cx="457783" cy="475696"/>
-          </a:xfrm>
-          <a:prstGeom prst="rect">
-            <a:avLst/>
-          </a:prstGeom>
-          <a:noFill/>
-          <a:extLst>
-            <a:ext uri="{909E8E84-426E-40DD-AFC4-6F175D3DCCD1}">
-              <a14:hiddenFill xmlns:a14="http://schemas.microsoft.com/office/drawing/2010/main">
-                <a:solidFill>
-                  <a:srgbClr val="FFFFFF"/>
-                </a:solidFill>
-              </a14:hiddenFill>
-            </a:ext>
-          </a:extLst>
-        </p:spPr>
-      </p:pic>
-      <p:pic>
-        <p:nvPicPr>
-          <p:cNvPr id="7" name="Picture 2" descr="See the source image">
-            <a:extLst>
-              <a:ext uri="{FF2B5EF4-FFF2-40B4-BE49-F238E27FC236}">
-                <a16:creationId xmlns:a16="http://schemas.microsoft.com/office/drawing/2014/main" id="{EC84F8BF-29E1-4EDC-B17F-B3B3FFD1E46C}"/>
-              </a:ext>
-            </a:extLst>
-          </p:cNvPr>
-          <p:cNvPicPr>
-            <a:picLocks noChangeAspect="1" noChangeArrowheads="1"/>
-          </p:cNvPicPr>
-          <p:nvPr/>
-        </p:nvPicPr>
-        <p:blipFill>
-          <a:blip r:embed="rId2">
-            <a:extLst>
-              <a:ext uri="{28A0092B-C50C-407E-A947-70E740481C1C}">
-                <a14:useLocalDpi xmlns:a14="http://schemas.microsoft.com/office/drawing/2010/main" val="0"/>
-              </a:ext>
-            </a:extLst>
-          </a:blip>
-          <a:srcRect/>
-          <a:stretch>
-            <a:fillRect/>
-          </a:stretch>
-        </p:blipFill>
-        <p:spPr bwMode="auto">
-          <a:xfrm>
-            <a:off x="8510101" y="2281433"/>
-            <a:ext cx="457783" cy="475696"/>
-          </a:xfrm>
-          <a:prstGeom prst="rect">
-            <a:avLst/>
-          </a:prstGeom>
-          <a:noFill/>
-          <a:extLst>
-            <a:ext uri="{909E8E84-426E-40DD-AFC4-6F175D3DCCD1}">
-              <a14:hiddenFill xmlns:a14="http://schemas.microsoft.com/office/drawing/2010/main">
-                <a:solidFill>
-                  <a:srgbClr val="FFFFFF"/>
-                </a:solidFill>
-              </a14:hiddenFill>
-            </a:ext>
-          </a:extLst>
-        </p:spPr>
-      </p:pic>
-      <p:pic>
-        <p:nvPicPr>
-          <p:cNvPr id="5" name="Picture 4">
-            <a:extLst>
-              <a:ext uri="{FF2B5EF4-FFF2-40B4-BE49-F238E27FC236}">
-                <a16:creationId xmlns:a16="http://schemas.microsoft.com/office/drawing/2014/main" id="{F75A429B-8911-4D6F-91D2-1A6D5EAFF095}"/>
-              </a:ext>
-            </a:extLst>
-          </p:cNvPr>
-          <p:cNvPicPr>
-            <a:picLocks noChangeAspect="1"/>
-          </p:cNvPicPr>
-          <p:nvPr/>
-        </p:nvPicPr>
-        <p:blipFill>
-          <a:blip r:embed="rId3">
-            <a:extLst>
-              <a:ext uri="{28A0092B-C50C-407E-A947-70E740481C1C}">
-                <a14:useLocalDpi xmlns:a14="http://schemas.microsoft.com/office/drawing/2010/main" val="0"/>
-              </a:ext>
-            </a:extLst>
-          </a:blip>
-          <a:stretch>
-            <a:fillRect/>
-          </a:stretch>
-        </p:blipFill>
-        <p:spPr>
-          <a:xfrm>
-            <a:off x="8967884" y="2281433"/>
-            <a:ext cx="457783" cy="475696"/>
-          </a:xfrm>
-          <a:prstGeom prst="rect">
-            <a:avLst/>
-          </a:prstGeom>
-        </p:spPr>
-      </p:pic>
-      <p:pic>
-        <p:nvPicPr>
-          <p:cNvPr id="10" name="Picture 9">
-            <a:extLst>
-              <a:ext uri="{FF2B5EF4-FFF2-40B4-BE49-F238E27FC236}">
-                <a16:creationId xmlns:a16="http://schemas.microsoft.com/office/drawing/2014/main" id="{CB8F9B69-3877-4C8C-92CA-D25444E199C9}"/>
-              </a:ext>
-            </a:extLst>
-          </p:cNvPr>
-          <p:cNvPicPr>
-            <a:picLocks noChangeAspect="1"/>
-          </p:cNvPicPr>
-          <p:nvPr/>
-        </p:nvPicPr>
-        <p:blipFill>
-          <a:blip r:embed="rId3">
-            <a:extLst>
-              <a:ext uri="{28A0092B-C50C-407E-A947-70E740481C1C}">
-                <a14:useLocalDpi xmlns:a14="http://schemas.microsoft.com/office/drawing/2010/main" val="0"/>
-              </a:ext>
-            </a:extLst>
-          </a:blip>
-          <a:stretch>
-            <a:fillRect/>
-          </a:stretch>
-        </p:blipFill>
-        <p:spPr>
-          <a:xfrm>
-            <a:off x="9425667" y="2281433"/>
-            <a:ext cx="457783" cy="475696"/>
-          </a:xfrm>
-          <a:prstGeom prst="rect">
-            <a:avLst/>
-          </a:prstGeom>
-        </p:spPr>
-      </p:pic>
     </p:spTree>
     <p:extLst>
       <p:ext uri="{BB962C8B-B14F-4D97-AF65-F5344CB8AC3E}">
